--- a/ai_final_project_mastermind.pptx
+++ b/ai_final_project_mastermind.pptx
@@ -5,7 +5,7 @@
     <p:sldMasterId id="2147483660" r:id="rId1"/>
   </p:sldMasterIdLst>
   <p:notesMasterIdLst>
-    <p:notesMasterId r:id="rId12"/>
+    <p:notesMasterId r:id="rId14"/>
   </p:notesMasterIdLst>
   <p:sldIdLst>
     <p:sldId id="256" r:id="rId2"/>
@@ -14,10 +14,12 @@
     <p:sldId id="257" r:id="rId5"/>
     <p:sldId id="258" r:id="rId6"/>
     <p:sldId id="263" r:id="rId7"/>
-    <p:sldId id="264" r:id="rId8"/>
-    <p:sldId id="265" r:id="rId9"/>
-    <p:sldId id="266" r:id="rId10"/>
-    <p:sldId id="267" r:id="rId11"/>
+    <p:sldId id="268" r:id="rId8"/>
+    <p:sldId id="270" r:id="rId9"/>
+    <p:sldId id="269" r:id="rId10"/>
+    <p:sldId id="264" r:id="rId11"/>
+    <p:sldId id="266" r:id="rId12"/>
+    <p:sldId id="267" r:id="rId13"/>
   </p:sldIdLst>
   <p:sldSz cx="12192000" cy="6858000"/>
   <p:notesSz cx="6858000" cy="9144000"/>
@@ -7651,6 +7653,459 @@
           <a:p>
             <a:r>
               <a:rPr lang="en-US" dirty="0"/>
+              <a:t>                 Knuth   Policy</a:t>
+            </a:r>
+            <a:endParaRPr lang="en-US" sz="4000" dirty="0"/>
+          </a:p>
+        </p:txBody>
+      </p:sp>
+      <p:sp>
+        <p:nvSpPr>
+          <p:cNvPr id="3" name="Rectangle 2">
+            <a:extLst>
+              <a:ext uri="{FF2B5EF4-FFF2-40B4-BE49-F238E27FC236}">
+                <a16:creationId xmlns:a16="http://schemas.microsoft.com/office/drawing/2014/main" id="{F96CC5E6-C228-43AA-8E68-B86504191A81}"/>
+              </a:ext>
+            </a:extLst>
+          </p:cNvPr>
+          <p:cNvSpPr/>
+          <p:nvPr/>
+        </p:nvSpPr>
+        <p:spPr>
+          <a:xfrm>
+            <a:off x="320186" y="724048"/>
+            <a:ext cx="9404722" cy="5909310"/>
+          </a:xfrm>
+          <a:prstGeom prst="rect">
+            <a:avLst/>
+          </a:prstGeom>
+        </p:spPr>
+        <p:txBody>
+          <a:bodyPr wrap="square">
+            <a:spAutoFit/>
+          </a:bodyPr>
+          <a:lstStyle/>
+          <a:p>
+            <a:pPr marL="342900" indent="-342900">
+              <a:buAutoNum type="arabicParenR"/>
+            </a:pPr>
+            <a:r>
+              <a:rPr lang="en-US" dirty="0"/>
+              <a:t>Assign a score to each possible guess based on the worst-case  scoring algorithm – see below</a:t>
+            </a:r>
+          </a:p>
+          <a:p>
+            <a:pPr marL="342900" indent="-342900">
+              <a:buAutoNum type="arabicParenR"/>
+            </a:pPr>
+            <a:r>
+              <a:rPr lang="en-US" dirty="0"/>
+              <a:t>Pick the guess with the best (lowest score)score. In case of a tie prefer a guess from the qualifying candidates   </a:t>
+            </a:r>
+          </a:p>
+          <a:p>
+            <a:pPr marL="342900" indent="-342900">
+              <a:buAutoNum type="arabicParenR"/>
+            </a:pPr>
+            <a:r>
+              <a:rPr lang="en-US" dirty="0"/>
+              <a:t>If winning guess  quit  </a:t>
+            </a:r>
+          </a:p>
+          <a:p>
+            <a:r>
+              <a:rPr lang="en-US" dirty="0"/>
+              <a:t>2)  Based on the response ,filters out the list candidate</a:t>
+            </a:r>
+          </a:p>
+          <a:p>
+            <a:pPr marL="342900" indent="-342900">
+              <a:buAutoNum type="arabicParenR" startAt="3"/>
+            </a:pPr>
+            <a:r>
+              <a:rPr lang="en-US" dirty="0"/>
+              <a:t>Go to 1)</a:t>
+            </a:r>
+          </a:p>
+          <a:p>
+            <a:pPr marL="342900" indent="-342900">
+              <a:buAutoNum type="arabicParenR" startAt="3"/>
+            </a:pPr>
+            <a:endParaRPr lang="en-US" dirty="0"/>
+          </a:p>
+          <a:p>
+            <a:r>
+              <a:rPr lang="en-US" b="1" u="sng" dirty="0"/>
+              <a:t>worst-case scoring algorithm</a:t>
+            </a:r>
+          </a:p>
+          <a:p>
+            <a:r>
+              <a:rPr lang="en-US" dirty="0"/>
+              <a:t>For the guess evaluated, compute all the different 15  lists of qualifying candidates ,one for each possible response, from the existing list of qualifying candidates. </a:t>
+            </a:r>
+          </a:p>
+          <a:p>
+            <a:r>
+              <a:rPr lang="en-US" dirty="0"/>
+              <a:t>The length of the longest list is the score of the guess.</a:t>
+            </a:r>
+          </a:p>
+          <a:p>
+            <a:endParaRPr lang="en-US" dirty="0"/>
+          </a:p>
+          <a:p>
+            <a:r>
+              <a:rPr lang="en-US" dirty="0"/>
+              <a:t>Building a strategy tree out of Knuth  policy takes a while but it yields right a way a good result of 4.476  guesses on average to win. Shuffling the full list of guesses  randomly and rerunning it ,capturing the best result, yields : </a:t>
+            </a:r>
+          </a:p>
+          <a:p>
+            <a:endParaRPr lang="en-US" dirty="0"/>
+          </a:p>
+          <a:p>
+            <a:endParaRPr lang="en-US" dirty="0"/>
+          </a:p>
+          <a:p>
+            <a:r>
+              <a:rPr lang="en-US" dirty="0"/>
+              <a:t>                      TODO – Run Knuth in  a loop and capture results </a:t>
+            </a:r>
+          </a:p>
+          <a:p>
+            <a:endParaRPr lang="en-US" dirty="0"/>
+          </a:p>
+          <a:p>
+            <a:endParaRPr lang="en-US" dirty="0"/>
+          </a:p>
+        </p:txBody>
+      </p:sp>
+    </p:spTree>
+    <p:extLst>
+      <p:ext uri="{BB962C8B-B14F-4D97-AF65-F5344CB8AC3E}">
+        <p14:creationId xmlns:p14="http://schemas.microsoft.com/office/powerpoint/2010/main" val="3340501789"/>
+      </p:ext>
+    </p:extLst>
+  </p:cSld>
+  <p:clrMapOvr>
+    <a:masterClrMapping/>
+  </p:clrMapOvr>
+</p:sld>
+</file>
+
+<file path=ppt/slides/slide11.xml><?xml version="1.0" encoding="utf-8"?>
+<p:sld xmlns:a="http://schemas.openxmlformats.org/drawingml/2006/main" xmlns:r="http://schemas.openxmlformats.org/officeDocument/2006/relationships" xmlns:p="http://schemas.openxmlformats.org/presentationml/2006/main">
+  <p:cSld>
+    <p:spTree>
+      <p:nvGrpSpPr>
+        <p:cNvPr id="1" name=""/>
+        <p:cNvGrpSpPr/>
+        <p:nvPr/>
+      </p:nvGrpSpPr>
+      <p:grpSpPr>
+        <a:xfrm>
+          <a:off x="0" y="0"/>
+          <a:ext cx="0" cy="0"/>
+          <a:chOff x="0" y="0"/>
+          <a:chExt cx="0" cy="0"/>
+        </a:xfrm>
+      </p:grpSpPr>
+      <p:sp>
+        <p:nvSpPr>
+          <p:cNvPr id="2" name="Title 1">
+            <a:extLst>
+              <a:ext uri="{FF2B5EF4-FFF2-40B4-BE49-F238E27FC236}">
+                <a16:creationId xmlns:a16="http://schemas.microsoft.com/office/drawing/2014/main" id="{BFE03E1E-1CD4-4BF6-8AB2-07362D59237F}"/>
+              </a:ext>
+            </a:extLst>
+          </p:cNvPr>
+          <p:cNvSpPr>
+            <a:spLocks noGrp="1"/>
+          </p:cNvSpPr>
+          <p:nvPr>
+            <p:ph type="title"/>
+          </p:nvPr>
+        </p:nvSpPr>
+        <p:spPr/>
+        <p:txBody>
+          <a:bodyPr/>
+          <a:lstStyle/>
+          <a:p>
+            <a:r>
+              <a:rPr lang="en-US" dirty="0"/>
+              <a:t>         </a:t>
+            </a:r>
+          </a:p>
+        </p:txBody>
+      </p:sp>
+      <p:sp>
+        <p:nvSpPr>
+          <p:cNvPr id="6" name="Title 1">
+            <a:extLst>
+              <a:ext uri="{FF2B5EF4-FFF2-40B4-BE49-F238E27FC236}">
+                <a16:creationId xmlns:a16="http://schemas.microsoft.com/office/drawing/2014/main" id="{28909404-97CF-447C-9C07-862F156F11DD}"/>
+              </a:ext>
+            </a:extLst>
+          </p:cNvPr>
+          <p:cNvSpPr txBox="1">
+            <a:spLocks/>
+          </p:cNvSpPr>
+          <p:nvPr/>
+        </p:nvSpPr>
+        <p:spPr>
+          <a:xfrm>
+            <a:off x="194345" y="94478"/>
+            <a:ext cx="10551952" cy="1675599"/>
+          </a:xfrm>
+          <a:prstGeom prst="rect">
+            <a:avLst/>
+          </a:prstGeom>
+        </p:spPr>
+        <p:txBody>
+          <a:bodyPr vert="horz" lIns="91440" tIns="45720" rIns="91440" bIns="45720" rtlCol="0" anchor="t">
+            <a:noAutofit/>
+          </a:bodyPr>
+          <a:lstStyle>
+            <a:lvl1pPr algn="l" defTabSz="457200" rtl="0" eaLnBrk="1" latinLnBrk="0" hangingPunct="1">
+              <a:spcBef>
+                <a:spcPct val="0"/>
+              </a:spcBef>
+              <a:buNone/>
+              <a:defRPr sz="4200" b="0" i="0" kern="1200">
+                <a:solidFill>
+                  <a:schemeClr val="tx2"/>
+                </a:solidFill>
+                <a:latin typeface="+mj-lt"/>
+                <a:ea typeface="+mj-ea"/>
+                <a:cs typeface="+mj-cs"/>
+              </a:defRPr>
+            </a:lvl1pPr>
+            <a:lvl2pPr eaLnBrk="1" hangingPunct="1">
+              <a:defRPr>
+                <a:solidFill>
+                  <a:schemeClr val="tx2"/>
+                </a:solidFill>
+              </a:defRPr>
+            </a:lvl2pPr>
+            <a:lvl3pPr eaLnBrk="1" hangingPunct="1">
+              <a:defRPr>
+                <a:solidFill>
+                  <a:schemeClr val="tx2"/>
+                </a:solidFill>
+              </a:defRPr>
+            </a:lvl3pPr>
+            <a:lvl4pPr eaLnBrk="1" hangingPunct="1">
+              <a:defRPr>
+                <a:solidFill>
+                  <a:schemeClr val="tx2"/>
+                </a:solidFill>
+              </a:defRPr>
+            </a:lvl4pPr>
+            <a:lvl5pPr eaLnBrk="1" hangingPunct="1">
+              <a:defRPr>
+                <a:solidFill>
+                  <a:schemeClr val="tx2"/>
+                </a:solidFill>
+              </a:defRPr>
+            </a:lvl5pPr>
+            <a:lvl6pPr eaLnBrk="1" hangingPunct="1">
+              <a:defRPr>
+                <a:solidFill>
+                  <a:schemeClr val="tx2"/>
+                </a:solidFill>
+              </a:defRPr>
+            </a:lvl6pPr>
+            <a:lvl7pPr eaLnBrk="1" hangingPunct="1">
+              <a:defRPr>
+                <a:solidFill>
+                  <a:schemeClr val="tx2"/>
+                </a:solidFill>
+              </a:defRPr>
+            </a:lvl7pPr>
+            <a:lvl8pPr eaLnBrk="1" hangingPunct="1">
+              <a:defRPr>
+                <a:solidFill>
+                  <a:schemeClr val="tx2"/>
+                </a:solidFill>
+              </a:defRPr>
+            </a:lvl8pPr>
+            <a:lvl9pPr eaLnBrk="1" hangingPunct="1">
+              <a:defRPr>
+                <a:solidFill>
+                  <a:schemeClr val="tx2"/>
+                </a:solidFill>
+              </a:defRPr>
+            </a:lvl9pPr>
+          </a:lstStyle>
+          <a:p>
+            <a:r>
+              <a:rPr lang="en-US" dirty="0"/>
+              <a:t>                 Our NN Policy</a:t>
+            </a:r>
+            <a:endParaRPr lang="en-US" sz="4000" dirty="0"/>
+          </a:p>
+        </p:txBody>
+      </p:sp>
+    </p:spTree>
+    <p:extLst>
+      <p:ext uri="{BB962C8B-B14F-4D97-AF65-F5344CB8AC3E}">
+        <p14:creationId xmlns:p14="http://schemas.microsoft.com/office/powerpoint/2010/main" val="2955002984"/>
+      </p:ext>
+    </p:extLst>
+  </p:cSld>
+  <p:clrMapOvr>
+    <a:masterClrMapping/>
+  </p:clrMapOvr>
+</p:sld>
+</file>
+
+<file path=ppt/slides/slide12.xml><?xml version="1.0" encoding="utf-8"?>
+<p:sld xmlns:a="http://schemas.openxmlformats.org/drawingml/2006/main" xmlns:r="http://schemas.openxmlformats.org/officeDocument/2006/relationships" xmlns:p="http://schemas.openxmlformats.org/presentationml/2006/main">
+  <p:cSld>
+    <p:spTree>
+      <p:nvGrpSpPr>
+        <p:cNvPr id="1" name=""/>
+        <p:cNvGrpSpPr/>
+        <p:nvPr/>
+      </p:nvGrpSpPr>
+      <p:grpSpPr>
+        <a:xfrm>
+          <a:off x="0" y="0"/>
+          <a:ext cx="0" cy="0"/>
+          <a:chOff x="0" y="0"/>
+          <a:chExt cx="0" cy="0"/>
+        </a:xfrm>
+      </p:grpSpPr>
+      <p:sp>
+        <p:nvSpPr>
+          <p:cNvPr id="2" name="Title 1">
+            <a:extLst>
+              <a:ext uri="{FF2B5EF4-FFF2-40B4-BE49-F238E27FC236}">
+                <a16:creationId xmlns:a16="http://schemas.microsoft.com/office/drawing/2014/main" id="{BFE03E1E-1CD4-4BF6-8AB2-07362D59237F}"/>
+              </a:ext>
+            </a:extLst>
+          </p:cNvPr>
+          <p:cNvSpPr>
+            <a:spLocks noGrp="1"/>
+          </p:cNvSpPr>
+          <p:nvPr>
+            <p:ph type="title"/>
+          </p:nvPr>
+        </p:nvSpPr>
+        <p:spPr/>
+        <p:txBody>
+          <a:bodyPr/>
+          <a:lstStyle/>
+          <a:p>
+            <a:r>
+              <a:rPr lang="en-US" dirty="0"/>
+              <a:t>         </a:t>
+            </a:r>
+          </a:p>
+        </p:txBody>
+      </p:sp>
+      <p:sp>
+        <p:nvSpPr>
+          <p:cNvPr id="6" name="Title 1">
+            <a:extLst>
+              <a:ext uri="{FF2B5EF4-FFF2-40B4-BE49-F238E27FC236}">
+                <a16:creationId xmlns:a16="http://schemas.microsoft.com/office/drawing/2014/main" id="{28909404-97CF-447C-9C07-862F156F11DD}"/>
+              </a:ext>
+            </a:extLst>
+          </p:cNvPr>
+          <p:cNvSpPr txBox="1">
+            <a:spLocks/>
+          </p:cNvSpPr>
+          <p:nvPr/>
+        </p:nvSpPr>
+        <p:spPr>
+          <a:xfrm>
+            <a:off x="194345" y="94478"/>
+            <a:ext cx="10551952" cy="1675599"/>
+          </a:xfrm>
+          <a:prstGeom prst="rect">
+            <a:avLst/>
+          </a:prstGeom>
+        </p:spPr>
+        <p:txBody>
+          <a:bodyPr vert="horz" lIns="91440" tIns="45720" rIns="91440" bIns="45720" rtlCol="0" anchor="t">
+            <a:noAutofit/>
+          </a:bodyPr>
+          <a:lstStyle>
+            <a:lvl1pPr algn="l" defTabSz="457200" rtl="0" eaLnBrk="1" latinLnBrk="0" hangingPunct="1">
+              <a:spcBef>
+                <a:spcPct val="0"/>
+              </a:spcBef>
+              <a:buNone/>
+              <a:defRPr sz="4200" b="0" i="0" kern="1200">
+                <a:solidFill>
+                  <a:schemeClr val="tx2"/>
+                </a:solidFill>
+                <a:latin typeface="+mj-lt"/>
+                <a:ea typeface="+mj-ea"/>
+                <a:cs typeface="+mj-cs"/>
+              </a:defRPr>
+            </a:lvl1pPr>
+            <a:lvl2pPr eaLnBrk="1" hangingPunct="1">
+              <a:defRPr>
+                <a:solidFill>
+                  <a:schemeClr val="tx2"/>
+                </a:solidFill>
+              </a:defRPr>
+            </a:lvl2pPr>
+            <a:lvl3pPr eaLnBrk="1" hangingPunct="1">
+              <a:defRPr>
+                <a:solidFill>
+                  <a:schemeClr val="tx2"/>
+                </a:solidFill>
+              </a:defRPr>
+            </a:lvl3pPr>
+            <a:lvl4pPr eaLnBrk="1" hangingPunct="1">
+              <a:defRPr>
+                <a:solidFill>
+                  <a:schemeClr val="tx2"/>
+                </a:solidFill>
+              </a:defRPr>
+            </a:lvl4pPr>
+            <a:lvl5pPr eaLnBrk="1" hangingPunct="1">
+              <a:defRPr>
+                <a:solidFill>
+                  <a:schemeClr val="tx2"/>
+                </a:solidFill>
+              </a:defRPr>
+            </a:lvl5pPr>
+            <a:lvl6pPr eaLnBrk="1" hangingPunct="1">
+              <a:defRPr>
+                <a:solidFill>
+                  <a:schemeClr val="tx2"/>
+                </a:solidFill>
+              </a:defRPr>
+            </a:lvl6pPr>
+            <a:lvl7pPr eaLnBrk="1" hangingPunct="1">
+              <a:defRPr>
+                <a:solidFill>
+                  <a:schemeClr val="tx2"/>
+                </a:solidFill>
+              </a:defRPr>
+            </a:lvl7pPr>
+            <a:lvl8pPr eaLnBrk="1" hangingPunct="1">
+              <a:defRPr>
+                <a:solidFill>
+                  <a:schemeClr val="tx2"/>
+                </a:solidFill>
+              </a:defRPr>
+            </a:lvl8pPr>
+            <a:lvl9pPr eaLnBrk="1" hangingPunct="1">
+              <a:defRPr>
+                <a:solidFill>
+                  <a:schemeClr val="tx2"/>
+                </a:solidFill>
+              </a:defRPr>
+            </a:lvl9pPr>
+          </a:lstStyle>
+          <a:p>
+            <a:r>
+              <a:rPr lang="en-US" dirty="0"/>
               <a:t>                 Summary </a:t>
             </a:r>
             <a:endParaRPr lang="en-US" sz="4000" dirty="0"/>
@@ -7730,7 +8185,7 @@
         <p:spPr>
           <a:xfrm>
             <a:off x="194345" y="1511635"/>
-            <a:ext cx="11803310" cy="3046988"/>
+            <a:ext cx="11803310" cy="3416320"/>
           </a:xfrm>
           <a:prstGeom prst="rect">
             <a:avLst/>
@@ -7749,7 +8204,7 @@
             </a:pPr>
             <a:r>
               <a:rPr lang="en-US" sz="2400" dirty="0"/>
-              <a:t>Learn a mastermind playing policy that is competitive with existing Knuth’s policy and better than a naïve playing policy</a:t>
+              <a:t>Write python program that learn a mastermind playing policy that is competitive with existing known policies and better than a naïve playing policy</a:t>
             </a:r>
           </a:p>
           <a:p>
@@ -8516,12 +8971,410 @@
           <a:p>
             <a:r>
               <a:rPr lang="en-US" dirty="0"/>
-              <a:t>  Previous work in Mastermind Policy</a:t>
+              <a:t>  Previous works in Mastermind Policy</a:t>
             </a:r>
             <a:endParaRPr lang="en-US" sz="4000" dirty="0"/>
           </a:p>
         </p:txBody>
       </p:sp>
+      <p:sp>
+        <p:nvSpPr>
+          <p:cNvPr id="3" name="Rectangle 2">
+            <a:extLst>
+              <a:ext uri="{FF2B5EF4-FFF2-40B4-BE49-F238E27FC236}">
+                <a16:creationId xmlns:a16="http://schemas.microsoft.com/office/drawing/2014/main" id="{083FB12F-FD77-4AED-85EF-3C31C8B913F5}"/>
+              </a:ext>
+            </a:extLst>
+          </p:cNvPr>
+          <p:cNvSpPr/>
+          <p:nvPr/>
+        </p:nvSpPr>
+        <p:spPr>
+          <a:xfrm>
+            <a:off x="434567" y="1204987"/>
+            <a:ext cx="11932467" cy="3693319"/>
+          </a:xfrm>
+          <a:prstGeom prst="rect">
+            <a:avLst/>
+          </a:prstGeom>
+        </p:spPr>
+        <p:txBody>
+          <a:bodyPr wrap="square">
+            <a:spAutoFit/>
+          </a:bodyPr>
+          <a:lstStyle/>
+          <a:p>
+            <a:r>
+              <a:rPr lang="en-US" dirty="0"/>
+              <a:t>Professor  Donald Knuth was able to construct a policy that wins in 5 guess at the worst case and by 4.477 on average  </a:t>
+            </a:r>
+            <a:r>
+              <a:rPr lang="en-US" dirty="0">
+                <a:hlinkClick r:id="rId2"/>
+              </a:rPr>
+              <a:t>https://www.cs.uni.edu/~wallingf/teaching/cs3530/resources/knuth-mastermind.pdf</a:t>
+            </a:r>
+            <a:endParaRPr lang="en-US" dirty="0"/>
+          </a:p>
+          <a:p>
+            <a:endParaRPr lang="en-US" dirty="0"/>
+          </a:p>
+          <a:p>
+            <a:r>
+              <a:rPr lang="en-US" dirty="0">
+                <a:hlinkClick r:id="rId3"/>
+              </a:rPr>
+              <a:t>Koyoma and Lai, 1993  </a:t>
+            </a:r>
+            <a:r>
+              <a:rPr lang="en-US" dirty="0"/>
+              <a:t>found an optimal Mastermind Strategy that guess the code by 4.34  guesses on average (6 guess in the  worst case)</a:t>
+            </a:r>
+          </a:p>
+          <a:p>
+            <a:endParaRPr lang="en-US" dirty="0"/>
+          </a:p>
+          <a:p>
+            <a:endParaRPr lang="en-US" dirty="0"/>
+          </a:p>
+          <a:p>
+            <a:r>
+              <a:rPr lang="en-US" dirty="0"/>
+              <a:t>Summary of few of the most successful mastermind playing policies are  summarized below based on  </a:t>
+            </a:r>
+            <a:r>
+              <a:rPr lang="en-US" dirty="0">
+                <a:hlinkClick r:id="rId4"/>
+              </a:rPr>
+              <a:t> </a:t>
+            </a:r>
+            <a:r>
+              <a:rPr lang="en-US" i="1" dirty="0" err="1">
+                <a:hlinkClick r:id="rId4"/>
+              </a:rPr>
+              <a:t>Barteld</a:t>
+            </a:r>
+            <a:r>
+              <a:rPr lang="en-US" i="1" dirty="0">
+                <a:hlinkClick r:id="rId4"/>
+              </a:rPr>
+              <a:t> Kooi</a:t>
+            </a:r>
+            <a:r>
+              <a:rPr lang="en-US" dirty="0">
+                <a:hlinkClick r:id="rId4"/>
+              </a:rPr>
+              <a:t>1 2005 </a:t>
+            </a:r>
+            <a:r>
+              <a:rPr lang="en-US" dirty="0"/>
+              <a:t>:</a:t>
+            </a:r>
+          </a:p>
+          <a:p>
+            <a:endParaRPr lang="en-US" dirty="0"/>
+          </a:p>
+          <a:p>
+            <a:endParaRPr lang="en-US" dirty="0"/>
+          </a:p>
+          <a:p>
+            <a:endParaRPr lang="en-US" dirty="0"/>
+          </a:p>
+          <a:p>
+            <a:endParaRPr lang="en-US" dirty="0"/>
+          </a:p>
+        </p:txBody>
+      </p:sp>
+      <p:graphicFrame>
+        <p:nvGraphicFramePr>
+          <p:cNvPr id="8" name="Table 7">
+            <a:extLst>
+              <a:ext uri="{FF2B5EF4-FFF2-40B4-BE49-F238E27FC236}">
+                <a16:creationId xmlns:a16="http://schemas.microsoft.com/office/drawing/2014/main" id="{22A3AE0D-B5F5-4996-B57B-B057B4E684B6}"/>
+              </a:ext>
+            </a:extLst>
+          </p:cNvPr>
+          <p:cNvGraphicFramePr>
+            <a:graphicFrameLocks noGrp="1"/>
+          </p:cNvGraphicFramePr>
+          <p:nvPr>
+            <p:extLst>
+              <p:ext uri="{D42A27DB-BD31-4B8C-83A1-F6EECF244321}">
+                <p14:modId xmlns:p14="http://schemas.microsoft.com/office/powerpoint/2010/main" val="1828131972"/>
+              </p:ext>
+            </p:extLst>
+          </p:nvPr>
+        </p:nvGraphicFramePr>
+        <p:xfrm>
+          <a:off x="434567" y="3883936"/>
+          <a:ext cx="7645958" cy="2607398"/>
+        </p:xfrm>
+        <a:graphic>
+          <a:graphicData uri="http://schemas.openxmlformats.org/drawingml/2006/table">
+            <a:tbl>
+              <a:tblPr firstRow="1" bandRow="1">
+                <a:tableStyleId>{5C22544A-7EE6-4342-B048-85BDC9FD1C3A}</a:tableStyleId>
+              </a:tblPr>
+              <a:tblGrid>
+                <a:gridCol w="3822979">
+                  <a:extLst>
+                    <a:ext uri="{9D8B030D-6E8A-4147-A177-3AD203B41FA5}">
+                      <a16:colId xmlns:a16="http://schemas.microsoft.com/office/drawing/2014/main" val="2193605055"/>
+                    </a:ext>
+                  </a:extLst>
+                </a:gridCol>
+                <a:gridCol w="3822979">
+                  <a:extLst>
+                    <a:ext uri="{9D8B030D-6E8A-4147-A177-3AD203B41FA5}">
+                      <a16:colId xmlns:a16="http://schemas.microsoft.com/office/drawing/2014/main" val="4160411429"/>
+                    </a:ext>
+                  </a:extLst>
+                </a:gridCol>
+              </a:tblGrid>
+              <a:tr h="499344">
+                <a:tc>
+                  <a:txBody>
+                    <a:bodyPr/>
+                    <a:lstStyle/>
+                    <a:p>
+                      <a:r>
+                        <a:rPr lang="en-US" dirty="0"/>
+                        <a:t>Policy name </a:t>
+                      </a:r>
+                    </a:p>
+                  </a:txBody>
+                  <a:tcPr/>
+                </a:tc>
+                <a:tc>
+                  <a:txBody>
+                    <a:bodyPr/>
+                    <a:lstStyle/>
+                    <a:p>
+                      <a:r>
+                        <a:rPr lang="en-US" dirty="0"/>
+                        <a:t>Average guess to win </a:t>
+                      </a:r>
+                    </a:p>
+                  </a:txBody>
+                  <a:tcPr/>
+                </a:tc>
+                <a:extLst>
+                  <a:ext uri="{0D108BD9-81ED-4DB2-BD59-A6C34878D82A}">
+                    <a16:rowId xmlns:a16="http://schemas.microsoft.com/office/drawing/2014/main" val="3143422747"/>
+                  </a:ext>
+                </a:extLst>
+              </a:tr>
+              <a:tr h="368153">
+                <a:tc>
+                  <a:txBody>
+                    <a:bodyPr/>
+                    <a:lstStyle/>
+                    <a:p>
+                      <a:r>
+                        <a:rPr lang="en-US" dirty="0"/>
+                        <a:t>Knuth worst case </a:t>
+                      </a:r>
+                    </a:p>
+                  </a:txBody>
+                  <a:tcPr/>
+                </a:tc>
+                <a:tc>
+                  <a:txBody>
+                    <a:bodyPr/>
+                    <a:lstStyle/>
+                    <a:p>
+                      <a:r>
+                        <a:rPr lang="en-US" dirty="0"/>
+                        <a:t>4.476</a:t>
+                      </a:r>
+                    </a:p>
+                  </a:txBody>
+                  <a:tcPr/>
+                </a:tc>
+                <a:extLst>
+                  <a:ext uri="{0D108BD9-81ED-4DB2-BD59-A6C34878D82A}">
+                    <a16:rowId xmlns:a16="http://schemas.microsoft.com/office/drawing/2014/main" val="1462974170"/>
+                  </a:ext>
+                </a:extLst>
+              </a:tr>
+              <a:tr h="368153">
+                <a:tc>
+                  <a:txBody>
+                    <a:bodyPr/>
+                    <a:lstStyle/>
+                    <a:p>
+                      <a:r>
+                        <a:rPr lang="en-US" sz="1800" b="0" i="0" u="none" strike="noStrike" kern="1200" baseline="0" dirty="0">
+                          <a:solidFill>
+                            <a:schemeClr val="dk1"/>
+                          </a:solidFill>
+                          <a:latin typeface="+mn-lt"/>
+                          <a:ea typeface="+mn-ea"/>
+                          <a:cs typeface="+mn-cs"/>
+                        </a:rPr>
+                        <a:t>Expected size</a:t>
+                      </a:r>
+                      <a:endParaRPr lang="en-US" dirty="0"/>
+                    </a:p>
+                  </a:txBody>
+                  <a:tcPr/>
+                </a:tc>
+                <a:tc>
+                  <a:txBody>
+                    <a:bodyPr/>
+                    <a:lstStyle/>
+                    <a:p>
+                      <a:r>
+                        <a:rPr lang="en-US" sz="1800" b="0" i="0" u="none" strike="noStrike" kern="1200" baseline="0" dirty="0">
+                          <a:solidFill>
+                            <a:schemeClr val="dk1"/>
+                          </a:solidFill>
+                          <a:latin typeface="+mn-lt"/>
+                          <a:ea typeface="+mn-ea"/>
+                          <a:cs typeface="+mn-cs"/>
+                        </a:rPr>
+                        <a:t>4.395</a:t>
+                      </a:r>
+                      <a:endParaRPr lang="en-US" dirty="0"/>
+                    </a:p>
+                  </a:txBody>
+                  <a:tcPr/>
+                </a:tc>
+                <a:extLst>
+                  <a:ext uri="{0D108BD9-81ED-4DB2-BD59-A6C34878D82A}">
+                    <a16:rowId xmlns:a16="http://schemas.microsoft.com/office/drawing/2014/main" val="351726747"/>
+                  </a:ext>
+                </a:extLst>
+              </a:tr>
+              <a:tr h="368153">
+                <a:tc>
+                  <a:txBody>
+                    <a:bodyPr/>
+                    <a:lstStyle/>
+                    <a:p>
+                      <a:r>
+                        <a:rPr lang="en-US" dirty="0"/>
+                        <a:t>Entropy </a:t>
+                      </a:r>
+                    </a:p>
+                  </a:txBody>
+                  <a:tcPr/>
+                </a:tc>
+                <a:tc>
+                  <a:txBody>
+                    <a:bodyPr/>
+                    <a:lstStyle/>
+                    <a:p>
+                      <a:r>
+                        <a:rPr lang="en-US" sz="1800" b="0" i="0" u="none" strike="noStrike" kern="1200" baseline="0" dirty="0">
+                          <a:solidFill>
+                            <a:schemeClr val="dk1"/>
+                          </a:solidFill>
+                          <a:latin typeface="+mn-lt"/>
+                          <a:ea typeface="+mn-ea"/>
+                          <a:cs typeface="+mn-cs"/>
+                        </a:rPr>
+                        <a:t>4.415</a:t>
+                      </a:r>
+                      <a:endParaRPr lang="en-US" dirty="0"/>
+                    </a:p>
+                  </a:txBody>
+                  <a:tcPr/>
+                </a:tc>
+                <a:extLst>
+                  <a:ext uri="{0D108BD9-81ED-4DB2-BD59-A6C34878D82A}">
+                    <a16:rowId xmlns:a16="http://schemas.microsoft.com/office/drawing/2014/main" val="2694972590"/>
+                  </a:ext>
+                </a:extLst>
+              </a:tr>
+              <a:tr h="368153">
+                <a:tc>
+                  <a:txBody>
+                    <a:bodyPr/>
+                    <a:lstStyle/>
+                    <a:p>
+                      <a:r>
+                        <a:rPr lang="en-US" dirty="0"/>
+                        <a:t>Most parts </a:t>
+                      </a:r>
+                    </a:p>
+                  </a:txBody>
+                  <a:tcPr/>
+                </a:tc>
+                <a:tc>
+                  <a:txBody>
+                    <a:bodyPr/>
+                    <a:lstStyle/>
+                    <a:p>
+                      <a:r>
+                        <a:rPr lang="en-US" sz="1800" b="0" i="0" u="none" strike="noStrike" kern="1200" baseline="0" dirty="0">
+                          <a:solidFill>
+                            <a:schemeClr val="dk1"/>
+                          </a:solidFill>
+                          <a:latin typeface="+mn-lt"/>
+                          <a:ea typeface="+mn-ea"/>
+                          <a:cs typeface="+mn-cs"/>
+                        </a:rPr>
+                        <a:t>4.373</a:t>
+                      </a:r>
+                      <a:endParaRPr lang="en-US" dirty="0"/>
+                    </a:p>
+                  </a:txBody>
+                  <a:tcPr/>
+                </a:tc>
+                <a:extLst>
+                  <a:ext uri="{0D108BD9-81ED-4DB2-BD59-A6C34878D82A}">
+                    <a16:rowId xmlns:a16="http://schemas.microsoft.com/office/drawing/2014/main" val="944378898"/>
+                  </a:ext>
+                </a:extLst>
+              </a:tr>
+              <a:tr h="635442">
+                <a:tc>
+                  <a:txBody>
+                    <a:bodyPr/>
+                    <a:lstStyle/>
+                    <a:p>
+                      <a:r>
+                        <a:rPr lang="en-US" dirty="0"/>
+                        <a:t>Optimal (</a:t>
+                      </a:r>
+                      <a:r>
+                        <a:rPr lang="en-US" dirty="0">
+                          <a:hlinkClick r:id="rId3"/>
+                        </a:rPr>
+                        <a:t>Koyoma and Lai</a:t>
+                      </a:r>
+                      <a:r>
+                        <a:rPr lang="en-US" dirty="0"/>
+                        <a:t>)</a:t>
+                      </a:r>
+                    </a:p>
+                  </a:txBody>
+                  <a:tcPr/>
+                </a:tc>
+                <a:tc>
+                  <a:txBody>
+                    <a:bodyPr/>
+                    <a:lstStyle/>
+                    <a:p>
+                      <a:r>
+                        <a:rPr lang="en-US" dirty="0"/>
+                        <a:t>4.340</a:t>
+                      </a:r>
+                    </a:p>
+                  </a:txBody>
+                  <a:tcPr/>
+                </a:tc>
+                <a:extLst>
+                  <a:ext uri="{0D108BD9-81ED-4DB2-BD59-A6C34878D82A}">
+                    <a16:rowId xmlns:a16="http://schemas.microsoft.com/office/drawing/2014/main" val="3121445676"/>
+                  </a:ext>
+                </a:extLst>
+              </a:tr>
+            </a:tbl>
+          </a:graphicData>
+        </a:graphic>
+      </p:graphicFrame>
     </p:spTree>
     <p:extLst>
       <p:ext uri="{BB962C8B-B14F-4D97-AF65-F5344CB8AC3E}">
@@ -8682,9 +9535,505 @@
           <a:p>
             <a:r>
               <a:rPr lang="en-US" dirty="0"/>
-              <a:t>         Policy  Simulator  framework </a:t>
+              <a:t>         Policy  evaluation framework </a:t>
             </a:r>
             <a:endParaRPr lang="en-US" sz="4000" dirty="0"/>
+          </a:p>
+        </p:txBody>
+      </p:sp>
+      <p:sp>
+        <p:nvSpPr>
+          <p:cNvPr id="5" name="Rectangle 4">
+            <a:extLst>
+              <a:ext uri="{FF2B5EF4-FFF2-40B4-BE49-F238E27FC236}">
+                <a16:creationId xmlns:a16="http://schemas.microsoft.com/office/drawing/2014/main" id="{968AE50D-8C5E-4241-841F-A54D5C2FDF60}"/>
+              </a:ext>
+            </a:extLst>
+          </p:cNvPr>
+          <p:cNvSpPr/>
+          <p:nvPr/>
+        </p:nvSpPr>
+        <p:spPr>
+          <a:xfrm>
+            <a:off x="3992905" y="1853248"/>
+            <a:ext cx="2607398" cy="1086416"/>
+          </a:xfrm>
+          <a:prstGeom prst="rect">
+            <a:avLst/>
+          </a:prstGeom>
+        </p:spPr>
+        <p:style>
+          <a:lnRef idx="2">
+            <a:schemeClr val="accent6">
+              <a:shade val="50000"/>
+            </a:schemeClr>
+          </a:lnRef>
+          <a:fillRef idx="1">
+            <a:schemeClr val="accent6"/>
+          </a:fillRef>
+          <a:effectRef idx="0">
+            <a:schemeClr val="accent6"/>
+          </a:effectRef>
+          <a:fontRef idx="minor">
+            <a:schemeClr val="lt1"/>
+          </a:fontRef>
+        </p:style>
+        <p:txBody>
+          <a:bodyPr rtlCol="0" anchor="ctr"/>
+          <a:lstStyle/>
+          <a:p>
+            <a:pPr algn="ctr"/>
+            <a:r>
+              <a:rPr lang="en-US" dirty="0"/>
+              <a:t>Strategy tree generation </a:t>
+            </a:r>
+          </a:p>
+        </p:txBody>
+      </p:sp>
+      <p:sp>
+        <p:nvSpPr>
+          <p:cNvPr id="10" name="Rectangle 9">
+            <a:extLst>
+              <a:ext uri="{FF2B5EF4-FFF2-40B4-BE49-F238E27FC236}">
+                <a16:creationId xmlns:a16="http://schemas.microsoft.com/office/drawing/2014/main" id="{43E70271-4C25-41E3-B334-C3BAB9E5FE71}"/>
+              </a:ext>
+            </a:extLst>
+          </p:cNvPr>
+          <p:cNvSpPr/>
+          <p:nvPr/>
+        </p:nvSpPr>
+        <p:spPr>
+          <a:xfrm>
+            <a:off x="950615" y="1861698"/>
+            <a:ext cx="2322132" cy="1077965"/>
+          </a:xfrm>
+          <a:prstGeom prst="rect">
+            <a:avLst/>
+          </a:prstGeom>
+        </p:spPr>
+        <p:style>
+          <a:lnRef idx="2">
+            <a:schemeClr val="accent1">
+              <a:shade val="50000"/>
+            </a:schemeClr>
+          </a:lnRef>
+          <a:fillRef idx="1">
+            <a:schemeClr val="accent1"/>
+          </a:fillRef>
+          <a:effectRef idx="0">
+            <a:schemeClr val="accent1"/>
+          </a:effectRef>
+          <a:fontRef idx="minor">
+            <a:schemeClr val="lt1"/>
+          </a:fontRef>
+        </p:style>
+        <p:txBody>
+          <a:bodyPr rtlCol="0" anchor="ctr"/>
+          <a:lstStyle/>
+          <a:p>
+            <a:pPr algn="ctr"/>
+            <a:r>
+              <a:rPr lang="en-US" dirty="0"/>
+              <a:t>Policy to evaluate </a:t>
+            </a:r>
+          </a:p>
+          <a:p>
+            <a:pPr algn="ctr"/>
+            <a:r>
+              <a:rPr lang="en-US" dirty="0"/>
+              <a:t>guess = (s) </a:t>
+            </a:r>
+          </a:p>
+        </p:txBody>
+      </p:sp>
+      <p:cxnSp>
+        <p:nvCxnSpPr>
+          <p:cNvPr id="12" name="Straight Arrow Connector 11">
+            <a:extLst>
+              <a:ext uri="{FF2B5EF4-FFF2-40B4-BE49-F238E27FC236}">
+                <a16:creationId xmlns:a16="http://schemas.microsoft.com/office/drawing/2014/main" id="{CADCF6F7-C18C-4B41-B14F-DB3486565445}"/>
+              </a:ext>
+            </a:extLst>
+          </p:cNvPr>
+          <p:cNvCxnSpPr>
+            <a:cxnSpLocks/>
+          </p:cNvCxnSpPr>
+          <p:nvPr/>
+        </p:nvCxnSpPr>
+        <p:spPr>
+          <a:xfrm flipV="1">
+            <a:off x="3278881" y="2394343"/>
+            <a:ext cx="720159" cy="4225"/>
+          </a:xfrm>
+          <a:prstGeom prst="straightConnector1">
+            <a:avLst/>
+          </a:prstGeom>
+          <a:ln w="22225">
+            <a:solidFill>
+              <a:schemeClr val="bg1"/>
+            </a:solidFill>
+            <a:tailEnd type="triangle"/>
+          </a:ln>
+        </p:spPr>
+        <p:style>
+          <a:lnRef idx="1">
+            <a:schemeClr val="accent6"/>
+          </a:lnRef>
+          <a:fillRef idx="0">
+            <a:schemeClr val="accent6"/>
+          </a:fillRef>
+          <a:effectRef idx="0">
+            <a:schemeClr val="accent6"/>
+          </a:effectRef>
+          <a:fontRef idx="minor">
+            <a:schemeClr val="tx1"/>
+          </a:fontRef>
+        </p:style>
+      </p:cxnSp>
+      <p:sp>
+        <p:nvSpPr>
+          <p:cNvPr id="13" name="Rectangle 12">
+            <a:extLst>
+              <a:ext uri="{FF2B5EF4-FFF2-40B4-BE49-F238E27FC236}">
+                <a16:creationId xmlns:a16="http://schemas.microsoft.com/office/drawing/2014/main" id="{830C32EF-C412-4267-86C0-FA2904DF1E57}"/>
+              </a:ext>
+            </a:extLst>
+          </p:cNvPr>
+          <p:cNvSpPr/>
+          <p:nvPr/>
+        </p:nvSpPr>
+        <p:spPr>
+          <a:xfrm>
+            <a:off x="7422810" y="1811663"/>
+            <a:ext cx="2144889" cy="1086416"/>
+          </a:xfrm>
+          <a:prstGeom prst="rect">
+            <a:avLst/>
+          </a:prstGeom>
+        </p:spPr>
+        <p:style>
+          <a:lnRef idx="2">
+            <a:schemeClr val="accent4">
+              <a:shade val="50000"/>
+            </a:schemeClr>
+          </a:lnRef>
+          <a:fillRef idx="1">
+            <a:schemeClr val="accent4"/>
+          </a:fillRef>
+          <a:effectRef idx="0">
+            <a:schemeClr val="accent4"/>
+          </a:effectRef>
+          <a:fontRef idx="minor">
+            <a:schemeClr val="lt1"/>
+          </a:fontRef>
+        </p:style>
+        <p:txBody>
+          <a:bodyPr rtlCol="0" anchor="ctr"/>
+          <a:lstStyle/>
+          <a:p>
+            <a:pPr algn="ctr"/>
+            <a:r>
+              <a:rPr lang="en-US" dirty="0"/>
+              <a:t>Strategy Tree</a:t>
+            </a:r>
+          </a:p>
+        </p:txBody>
+      </p:sp>
+      <p:cxnSp>
+        <p:nvCxnSpPr>
+          <p:cNvPr id="15" name="Straight Arrow Connector 14">
+            <a:extLst>
+              <a:ext uri="{FF2B5EF4-FFF2-40B4-BE49-F238E27FC236}">
+                <a16:creationId xmlns:a16="http://schemas.microsoft.com/office/drawing/2014/main" id="{54FEECCC-ED23-4B91-B9C5-90FE3FF045A9}"/>
+              </a:ext>
+            </a:extLst>
+          </p:cNvPr>
+          <p:cNvCxnSpPr>
+            <a:stCxn id="5" idx="3"/>
+          </p:cNvCxnSpPr>
+          <p:nvPr/>
+        </p:nvCxnSpPr>
+        <p:spPr>
+          <a:xfrm>
+            <a:off x="6600303" y="2396456"/>
+            <a:ext cx="822507" cy="0"/>
+          </a:xfrm>
+          <a:prstGeom prst="straightConnector1">
+            <a:avLst/>
+          </a:prstGeom>
+          <a:ln w="22225">
+            <a:solidFill>
+              <a:schemeClr val="bg1"/>
+            </a:solidFill>
+            <a:tailEnd type="triangle"/>
+          </a:ln>
+        </p:spPr>
+        <p:style>
+          <a:lnRef idx="1">
+            <a:schemeClr val="accent1"/>
+          </a:lnRef>
+          <a:fillRef idx="0">
+            <a:schemeClr val="accent1"/>
+          </a:fillRef>
+          <a:effectRef idx="0">
+            <a:schemeClr val="accent1"/>
+          </a:effectRef>
+          <a:fontRef idx="minor">
+            <a:schemeClr val="tx1"/>
+          </a:fontRef>
+        </p:style>
+      </p:cxnSp>
+      <p:sp>
+        <p:nvSpPr>
+          <p:cNvPr id="17" name="Rectangle: Rounded Corners 16">
+            <a:extLst>
+              <a:ext uri="{FF2B5EF4-FFF2-40B4-BE49-F238E27FC236}">
+                <a16:creationId xmlns:a16="http://schemas.microsoft.com/office/drawing/2014/main" id="{55F2F7FD-6679-41F6-9AFC-ADB28546D9F0}"/>
+              </a:ext>
+            </a:extLst>
+          </p:cNvPr>
+          <p:cNvSpPr/>
+          <p:nvPr/>
+        </p:nvSpPr>
+        <p:spPr>
+          <a:xfrm>
+            <a:off x="7422810" y="3603589"/>
+            <a:ext cx="2460978" cy="1086415"/>
+          </a:xfrm>
+          <a:prstGeom prst="roundRect">
+            <a:avLst/>
+          </a:prstGeom>
+        </p:spPr>
+        <p:style>
+          <a:lnRef idx="1">
+            <a:schemeClr val="accent3"/>
+          </a:lnRef>
+          <a:fillRef idx="3">
+            <a:schemeClr val="accent3"/>
+          </a:fillRef>
+          <a:effectRef idx="2">
+            <a:schemeClr val="accent3"/>
+          </a:effectRef>
+          <a:fontRef idx="minor">
+            <a:schemeClr val="lt1"/>
+          </a:fontRef>
+        </p:style>
+        <p:txBody>
+          <a:bodyPr rtlCol="0" anchor="ctr"/>
+          <a:lstStyle/>
+          <a:p>
+            <a:pPr algn="ctr"/>
+            <a:r>
+              <a:rPr lang="en-US" dirty="0"/>
+              <a:t>Simulator </a:t>
+            </a:r>
+          </a:p>
+        </p:txBody>
+      </p:sp>
+      <p:cxnSp>
+        <p:nvCxnSpPr>
+          <p:cNvPr id="19" name="Straight Arrow Connector 18">
+            <a:extLst>
+              <a:ext uri="{FF2B5EF4-FFF2-40B4-BE49-F238E27FC236}">
+                <a16:creationId xmlns:a16="http://schemas.microsoft.com/office/drawing/2014/main" id="{E4AE4FE4-B54B-4FCD-AB43-C1EDB21C3003}"/>
+              </a:ext>
+            </a:extLst>
+          </p:cNvPr>
+          <p:cNvCxnSpPr>
+            <a:stCxn id="13" idx="2"/>
+          </p:cNvCxnSpPr>
+          <p:nvPr/>
+        </p:nvCxnSpPr>
+        <p:spPr>
+          <a:xfrm>
+            <a:off x="8495255" y="2898079"/>
+            <a:ext cx="27856" cy="705510"/>
+          </a:xfrm>
+          <a:prstGeom prst="straightConnector1">
+            <a:avLst/>
+          </a:prstGeom>
+          <a:ln w="22225">
+            <a:solidFill>
+              <a:schemeClr val="bg1"/>
+            </a:solidFill>
+            <a:tailEnd type="triangle"/>
+          </a:ln>
+        </p:spPr>
+        <p:style>
+          <a:lnRef idx="1">
+            <a:schemeClr val="accent1"/>
+          </a:lnRef>
+          <a:fillRef idx="0">
+            <a:schemeClr val="accent1"/>
+          </a:fillRef>
+          <a:effectRef idx="0">
+            <a:schemeClr val="accent1"/>
+          </a:effectRef>
+          <a:fontRef idx="minor">
+            <a:schemeClr val="tx1"/>
+          </a:fontRef>
+        </p:style>
+      </p:cxnSp>
+      <p:sp>
+        <p:nvSpPr>
+          <p:cNvPr id="20" name="Rectangle 19">
+            <a:extLst>
+              <a:ext uri="{FF2B5EF4-FFF2-40B4-BE49-F238E27FC236}">
+                <a16:creationId xmlns:a16="http://schemas.microsoft.com/office/drawing/2014/main" id="{A9EA4CD8-29DA-4114-BC4B-3D5DAD02ED41}"/>
+              </a:ext>
+            </a:extLst>
+          </p:cNvPr>
+          <p:cNvSpPr/>
+          <p:nvPr/>
+        </p:nvSpPr>
+        <p:spPr>
+          <a:xfrm>
+            <a:off x="7130880" y="5485251"/>
+            <a:ext cx="3450531" cy="486572"/>
+          </a:xfrm>
+          <a:prstGeom prst="rect">
+            <a:avLst/>
+          </a:prstGeom>
+          <a:solidFill>
+            <a:srgbClr val="92D050"/>
+          </a:solidFill>
+          <a:ln>
+            <a:solidFill>
+              <a:srgbClr val="92D050"/>
+            </a:solidFill>
+          </a:ln>
+        </p:spPr>
+        <p:style>
+          <a:lnRef idx="2">
+            <a:schemeClr val="accent1">
+              <a:shade val="50000"/>
+            </a:schemeClr>
+          </a:lnRef>
+          <a:fillRef idx="1">
+            <a:schemeClr val="accent1"/>
+          </a:fillRef>
+          <a:effectRef idx="0">
+            <a:schemeClr val="accent1"/>
+          </a:effectRef>
+          <a:fontRef idx="minor">
+            <a:schemeClr val="lt1"/>
+          </a:fontRef>
+        </p:style>
+        <p:txBody>
+          <a:bodyPr rtlCol="0" anchor="ctr"/>
+          <a:lstStyle/>
+          <a:p>
+            <a:pPr algn="ctr"/>
+            <a:r>
+              <a:rPr lang="en-US" dirty="0"/>
+              <a:t>Policy score and statistics </a:t>
+            </a:r>
+          </a:p>
+        </p:txBody>
+      </p:sp>
+      <p:cxnSp>
+        <p:nvCxnSpPr>
+          <p:cNvPr id="22" name="Straight Arrow Connector 21">
+            <a:extLst>
+              <a:ext uri="{FF2B5EF4-FFF2-40B4-BE49-F238E27FC236}">
+                <a16:creationId xmlns:a16="http://schemas.microsoft.com/office/drawing/2014/main" id="{6A46A550-0B9D-40B7-B16A-AB2E2618F6EE}"/>
+              </a:ext>
+            </a:extLst>
+          </p:cNvPr>
+          <p:cNvCxnSpPr>
+            <a:cxnSpLocks/>
+          </p:cNvCxnSpPr>
+          <p:nvPr/>
+        </p:nvCxnSpPr>
+        <p:spPr>
+          <a:xfrm>
+            <a:off x="8634085" y="4690004"/>
+            <a:ext cx="0" cy="795247"/>
+          </a:xfrm>
+          <a:prstGeom prst="straightConnector1">
+            <a:avLst/>
+          </a:prstGeom>
+          <a:ln w="22225">
+            <a:solidFill>
+              <a:schemeClr val="bg1"/>
+            </a:solidFill>
+            <a:tailEnd type="triangle"/>
+          </a:ln>
+        </p:spPr>
+        <p:style>
+          <a:lnRef idx="1">
+            <a:schemeClr val="accent1"/>
+          </a:lnRef>
+          <a:fillRef idx="0">
+            <a:schemeClr val="accent1"/>
+          </a:fillRef>
+          <a:effectRef idx="0">
+            <a:schemeClr val="accent1"/>
+          </a:effectRef>
+          <a:fontRef idx="minor">
+            <a:schemeClr val="tx1"/>
+          </a:fontRef>
+        </p:style>
+      </p:cxnSp>
+      <p:sp>
+        <p:nvSpPr>
+          <p:cNvPr id="23" name="TextBox 22">
+            <a:extLst>
+              <a:ext uri="{FF2B5EF4-FFF2-40B4-BE49-F238E27FC236}">
+                <a16:creationId xmlns:a16="http://schemas.microsoft.com/office/drawing/2014/main" id="{24582EBC-508E-4638-A5EC-C1A22C280F51}"/>
+              </a:ext>
+            </a:extLst>
+          </p:cNvPr>
+          <p:cNvSpPr txBox="1"/>
+          <p:nvPr/>
+        </p:nvSpPr>
+        <p:spPr>
+          <a:xfrm>
+            <a:off x="54793" y="3296593"/>
+            <a:ext cx="6631967" cy="3416320"/>
+          </a:xfrm>
+          <a:prstGeom prst="rect">
+            <a:avLst/>
+          </a:prstGeom>
+          <a:noFill/>
+        </p:spPr>
+        <p:txBody>
+          <a:bodyPr wrap="square" rtlCol="0">
+            <a:spAutoFit/>
+          </a:bodyPr>
+          <a:lstStyle/>
+          <a:p>
+            <a:r>
+              <a:rPr lang="en-US" dirty="0"/>
+              <a:t>1. A policy function that takes state S (list of qualifying guess candidates ) and  generates a guess to ask is create</a:t>
+            </a:r>
+          </a:p>
+          <a:p>
+            <a:endParaRPr lang="en-US" dirty="0"/>
+          </a:p>
+          <a:p>
+            <a:r>
+              <a:rPr lang="en-US" dirty="0"/>
+              <a:t>2. Strategy game tree is generated  from the policy to be able to simulates many games efficiently </a:t>
+            </a:r>
+          </a:p>
+          <a:p>
+            <a:endParaRPr lang="en-US" dirty="0"/>
+          </a:p>
+          <a:p>
+            <a:r>
+              <a:rPr lang="en-US" dirty="0"/>
+              <a:t>3. The simulator is constructed with a strategy tree as an input </a:t>
+            </a:r>
+          </a:p>
+          <a:p>
+            <a:endParaRPr lang="en-US" dirty="0"/>
+          </a:p>
+          <a:p>
+            <a:r>
+              <a:rPr lang="en-US" dirty="0"/>
+              <a:t>4. The simulator simulates games against all coded and generate the score for the policy </a:t>
+            </a:r>
           </a:p>
         </p:txBody>
       </p:sp>
@@ -8848,16 +10197,669 @@
           <a:p>
             <a:r>
               <a:rPr lang="en-US" dirty="0"/>
-              <a:t>                 Random  Policy</a:t>
+              <a:t>                 Strategy tree </a:t>
             </a:r>
             <a:endParaRPr lang="en-US" sz="4000" dirty="0"/>
           </a:p>
         </p:txBody>
       </p:sp>
+      <p:sp>
+        <p:nvSpPr>
+          <p:cNvPr id="3" name="TextBox 2">
+            <a:extLst>
+              <a:ext uri="{FF2B5EF4-FFF2-40B4-BE49-F238E27FC236}">
+                <a16:creationId xmlns:a16="http://schemas.microsoft.com/office/drawing/2014/main" id="{4F011258-069D-4C63-9E27-47790C8A8203}"/>
+              </a:ext>
+            </a:extLst>
+          </p:cNvPr>
+          <p:cNvSpPr txBox="1"/>
+          <p:nvPr/>
+        </p:nvSpPr>
+        <p:spPr>
+          <a:xfrm>
+            <a:off x="860078" y="1340837"/>
+            <a:ext cx="9521747" cy="2031325"/>
+          </a:xfrm>
+          <a:prstGeom prst="rect">
+            <a:avLst/>
+          </a:prstGeom>
+          <a:noFill/>
+        </p:spPr>
+        <p:txBody>
+          <a:bodyPr wrap="square" rtlCol="0">
+            <a:spAutoFit/>
+          </a:bodyPr>
+          <a:lstStyle/>
+          <a:p>
+            <a:r>
+              <a:rPr lang="en-US" dirty="0"/>
+              <a:t>Provides a full description of  how to play the full  game given any response. It is a directed graph with 15 children nodes – one for each  possible response  :</a:t>
+            </a:r>
+          </a:p>
+          <a:p>
+            <a:endParaRPr lang="en-US" dirty="0"/>
+          </a:p>
+          <a:p>
+            <a:r>
+              <a:rPr lang="en-US" dirty="0"/>
+              <a:t>                                                       </a:t>
+            </a:r>
+          </a:p>
+          <a:p>
+            <a:r>
+              <a:rPr lang="en-US" dirty="0"/>
+              <a:t>                                                  </a:t>
+            </a:r>
+          </a:p>
+          <a:p>
+            <a:endParaRPr lang="en-US" dirty="0"/>
+          </a:p>
+          <a:p>
+            <a:r>
+              <a:rPr lang="en-US" dirty="0"/>
+              <a:t>  </a:t>
+            </a:r>
+          </a:p>
+        </p:txBody>
+      </p:sp>
+      <p:sp>
+        <p:nvSpPr>
+          <p:cNvPr id="4" name="Rectangle 3">
+            <a:extLst>
+              <a:ext uri="{FF2B5EF4-FFF2-40B4-BE49-F238E27FC236}">
+                <a16:creationId xmlns:a16="http://schemas.microsoft.com/office/drawing/2014/main" id="{1C9CA90F-F14F-4C61-B3BC-D9DB3E798EC2}"/>
+              </a:ext>
+            </a:extLst>
+          </p:cNvPr>
+          <p:cNvSpPr/>
+          <p:nvPr/>
+        </p:nvSpPr>
+        <p:spPr>
+          <a:xfrm>
+            <a:off x="4874040" y="2583911"/>
+            <a:ext cx="1493821" cy="640354"/>
+          </a:xfrm>
+          <a:prstGeom prst="rect">
+            <a:avLst/>
+          </a:prstGeom>
+        </p:spPr>
+        <p:style>
+          <a:lnRef idx="2">
+            <a:schemeClr val="accent1">
+              <a:shade val="50000"/>
+            </a:schemeClr>
+          </a:lnRef>
+          <a:fillRef idx="1">
+            <a:schemeClr val="accent1"/>
+          </a:fillRef>
+          <a:effectRef idx="0">
+            <a:schemeClr val="accent1"/>
+          </a:effectRef>
+          <a:fontRef idx="minor">
+            <a:schemeClr val="lt1"/>
+          </a:fontRef>
+        </p:style>
+        <p:txBody>
+          <a:bodyPr rtlCol="0" anchor="ctr"/>
+          <a:lstStyle/>
+          <a:p>
+            <a:pPr algn="ctr"/>
+            <a:r>
+              <a:rPr lang="en-US" dirty="0"/>
+              <a:t>First guess </a:t>
+            </a:r>
+          </a:p>
+        </p:txBody>
+      </p:sp>
+      <p:sp>
+        <p:nvSpPr>
+          <p:cNvPr id="5" name="Rectangle 4">
+            <a:extLst>
+              <a:ext uri="{FF2B5EF4-FFF2-40B4-BE49-F238E27FC236}">
+                <a16:creationId xmlns:a16="http://schemas.microsoft.com/office/drawing/2014/main" id="{765E3BDE-B399-483C-8F93-6435475A77CA}"/>
+              </a:ext>
+            </a:extLst>
+          </p:cNvPr>
+          <p:cNvSpPr/>
+          <p:nvPr/>
+        </p:nvSpPr>
+        <p:spPr>
+          <a:xfrm>
+            <a:off x="483149" y="4038100"/>
+            <a:ext cx="1535773" cy="769289"/>
+          </a:xfrm>
+          <a:prstGeom prst="rect">
+            <a:avLst/>
+          </a:prstGeom>
+        </p:spPr>
+        <p:style>
+          <a:lnRef idx="2">
+            <a:schemeClr val="accent1">
+              <a:shade val="50000"/>
+            </a:schemeClr>
+          </a:lnRef>
+          <a:fillRef idx="1">
+            <a:schemeClr val="accent1"/>
+          </a:fillRef>
+          <a:effectRef idx="0">
+            <a:schemeClr val="accent1"/>
+          </a:effectRef>
+          <a:fontRef idx="minor">
+            <a:schemeClr val="lt1"/>
+          </a:fontRef>
+        </p:style>
+        <p:txBody>
+          <a:bodyPr rtlCol="0" anchor="ctr"/>
+          <a:lstStyle/>
+          <a:p>
+            <a:pPr algn="ctr"/>
+            <a:r>
+              <a:rPr lang="en-US" dirty="0"/>
+              <a:t>Guess for  </a:t>
+            </a:r>
+          </a:p>
+          <a:p>
+            <a:pPr algn="ctr"/>
+            <a:r>
+              <a:rPr lang="en-US" dirty="0"/>
+              <a:t>{0,0} response </a:t>
+            </a:r>
+          </a:p>
+        </p:txBody>
+      </p:sp>
+      <p:sp>
+        <p:nvSpPr>
+          <p:cNvPr id="10" name="TextBox 9">
+            <a:extLst>
+              <a:ext uri="{FF2B5EF4-FFF2-40B4-BE49-F238E27FC236}">
+                <a16:creationId xmlns:a16="http://schemas.microsoft.com/office/drawing/2014/main" id="{73445381-CBA3-4692-872C-10167C316667}"/>
+              </a:ext>
+            </a:extLst>
+          </p:cNvPr>
+          <p:cNvSpPr txBox="1"/>
+          <p:nvPr/>
+        </p:nvSpPr>
+        <p:spPr>
+          <a:xfrm>
+            <a:off x="6441046" y="4260281"/>
+            <a:ext cx="2786440" cy="369332"/>
+          </a:xfrm>
+          <a:prstGeom prst="rect">
+            <a:avLst/>
+          </a:prstGeom>
+          <a:noFill/>
+        </p:spPr>
+        <p:txBody>
+          <a:bodyPr wrap="square" rtlCol="0">
+            <a:spAutoFit/>
+          </a:bodyPr>
+          <a:lstStyle/>
+          <a:p>
+            <a:r>
+              <a:rPr lang="en-US" dirty="0"/>
+              <a:t>…..</a:t>
+            </a:r>
+          </a:p>
+        </p:txBody>
+      </p:sp>
+      <p:sp>
+        <p:nvSpPr>
+          <p:cNvPr id="34" name="Rectangle 33">
+            <a:extLst>
+              <a:ext uri="{FF2B5EF4-FFF2-40B4-BE49-F238E27FC236}">
+                <a16:creationId xmlns:a16="http://schemas.microsoft.com/office/drawing/2014/main" id="{D1DF2B1F-BE15-4723-A08C-3748566ED41D}"/>
+              </a:ext>
+            </a:extLst>
+          </p:cNvPr>
+          <p:cNvSpPr/>
+          <p:nvPr/>
+        </p:nvSpPr>
+        <p:spPr>
+          <a:xfrm>
+            <a:off x="2366271" y="4038100"/>
+            <a:ext cx="1535773" cy="769289"/>
+          </a:xfrm>
+          <a:prstGeom prst="rect">
+            <a:avLst/>
+          </a:prstGeom>
+        </p:spPr>
+        <p:style>
+          <a:lnRef idx="2">
+            <a:schemeClr val="accent1">
+              <a:shade val="50000"/>
+            </a:schemeClr>
+          </a:lnRef>
+          <a:fillRef idx="1">
+            <a:schemeClr val="accent1"/>
+          </a:fillRef>
+          <a:effectRef idx="0">
+            <a:schemeClr val="accent1"/>
+          </a:effectRef>
+          <a:fontRef idx="minor">
+            <a:schemeClr val="lt1"/>
+          </a:fontRef>
+        </p:style>
+        <p:txBody>
+          <a:bodyPr rtlCol="0" anchor="ctr"/>
+          <a:lstStyle/>
+          <a:p>
+            <a:pPr algn="ctr"/>
+            <a:r>
+              <a:rPr lang="en-US" dirty="0"/>
+              <a:t>Guess for  </a:t>
+            </a:r>
+          </a:p>
+          <a:p>
+            <a:pPr algn="ctr"/>
+            <a:r>
+              <a:rPr lang="en-US" dirty="0"/>
+              <a:t>{0,1} response </a:t>
+            </a:r>
+          </a:p>
+        </p:txBody>
+      </p:sp>
+      <p:sp>
+        <p:nvSpPr>
+          <p:cNvPr id="35" name="Rectangle 34">
+            <a:extLst>
+              <a:ext uri="{FF2B5EF4-FFF2-40B4-BE49-F238E27FC236}">
+                <a16:creationId xmlns:a16="http://schemas.microsoft.com/office/drawing/2014/main" id="{194685B0-BFC5-4710-A4AE-4276710E3CA5}"/>
+              </a:ext>
+            </a:extLst>
+          </p:cNvPr>
+          <p:cNvSpPr/>
+          <p:nvPr/>
+        </p:nvSpPr>
+        <p:spPr>
+          <a:xfrm>
+            <a:off x="4323028" y="4038100"/>
+            <a:ext cx="1535773" cy="769289"/>
+          </a:xfrm>
+          <a:prstGeom prst="rect">
+            <a:avLst/>
+          </a:prstGeom>
+        </p:spPr>
+        <p:style>
+          <a:lnRef idx="2">
+            <a:schemeClr val="accent1">
+              <a:shade val="50000"/>
+            </a:schemeClr>
+          </a:lnRef>
+          <a:fillRef idx="1">
+            <a:schemeClr val="accent1"/>
+          </a:fillRef>
+          <a:effectRef idx="0">
+            <a:schemeClr val="accent1"/>
+          </a:effectRef>
+          <a:fontRef idx="minor">
+            <a:schemeClr val="lt1"/>
+          </a:fontRef>
+        </p:style>
+        <p:txBody>
+          <a:bodyPr rtlCol="0" anchor="ctr"/>
+          <a:lstStyle/>
+          <a:p>
+            <a:pPr algn="ctr"/>
+            <a:r>
+              <a:rPr lang="en-US" dirty="0"/>
+              <a:t>Guess for  </a:t>
+            </a:r>
+          </a:p>
+          <a:p>
+            <a:pPr algn="ctr"/>
+            <a:r>
+              <a:rPr lang="en-US" dirty="0"/>
+              <a:t>{0,2} response </a:t>
+            </a:r>
+          </a:p>
+        </p:txBody>
+      </p:sp>
+      <p:sp>
+        <p:nvSpPr>
+          <p:cNvPr id="36" name="Rectangle 35">
+            <a:extLst>
+              <a:ext uri="{FF2B5EF4-FFF2-40B4-BE49-F238E27FC236}">
+                <a16:creationId xmlns:a16="http://schemas.microsoft.com/office/drawing/2014/main" id="{D06227CC-2D01-47F1-81A7-5E3505C1033C}"/>
+              </a:ext>
+            </a:extLst>
+          </p:cNvPr>
+          <p:cNvSpPr/>
+          <p:nvPr/>
+        </p:nvSpPr>
+        <p:spPr>
+          <a:xfrm>
+            <a:off x="8878040" y="4038099"/>
+            <a:ext cx="1535773" cy="769289"/>
+          </a:xfrm>
+          <a:prstGeom prst="rect">
+            <a:avLst/>
+          </a:prstGeom>
+        </p:spPr>
+        <p:style>
+          <a:lnRef idx="2">
+            <a:schemeClr val="accent1">
+              <a:shade val="50000"/>
+            </a:schemeClr>
+          </a:lnRef>
+          <a:fillRef idx="1">
+            <a:schemeClr val="accent1"/>
+          </a:fillRef>
+          <a:effectRef idx="0">
+            <a:schemeClr val="accent1"/>
+          </a:effectRef>
+          <a:fontRef idx="minor">
+            <a:schemeClr val="lt1"/>
+          </a:fontRef>
+        </p:style>
+        <p:txBody>
+          <a:bodyPr rtlCol="0" anchor="ctr"/>
+          <a:lstStyle/>
+          <a:p>
+            <a:pPr algn="ctr"/>
+            <a:r>
+              <a:rPr lang="en-US" dirty="0"/>
+              <a:t>Winning if   </a:t>
+            </a:r>
+          </a:p>
+          <a:p>
+            <a:pPr algn="ctr"/>
+            <a:r>
+              <a:rPr lang="en-US" dirty="0"/>
+              <a:t>{4,0} response </a:t>
+            </a:r>
+          </a:p>
+        </p:txBody>
+      </p:sp>
+      <p:cxnSp>
+        <p:nvCxnSpPr>
+          <p:cNvPr id="43" name="Straight Arrow Connector 42">
+            <a:extLst>
+              <a:ext uri="{FF2B5EF4-FFF2-40B4-BE49-F238E27FC236}">
+                <a16:creationId xmlns:a16="http://schemas.microsoft.com/office/drawing/2014/main" id="{FD75AD78-A5EF-47B3-953F-E2431C92576C}"/>
+              </a:ext>
+            </a:extLst>
+          </p:cNvPr>
+          <p:cNvCxnSpPr>
+            <a:stCxn id="4" idx="2"/>
+            <a:endCxn id="34" idx="0"/>
+          </p:cNvCxnSpPr>
+          <p:nvPr/>
+        </p:nvCxnSpPr>
+        <p:spPr>
+          <a:xfrm flipH="1">
+            <a:off x="3134158" y="3224265"/>
+            <a:ext cx="2486793" cy="813835"/>
+          </a:xfrm>
+          <a:prstGeom prst="straightConnector1">
+            <a:avLst/>
+          </a:prstGeom>
+          <a:ln>
+            <a:tailEnd type="triangle"/>
+          </a:ln>
+        </p:spPr>
+        <p:style>
+          <a:lnRef idx="1">
+            <a:schemeClr val="accent1"/>
+          </a:lnRef>
+          <a:fillRef idx="0">
+            <a:schemeClr val="accent1"/>
+          </a:fillRef>
+          <a:effectRef idx="0">
+            <a:schemeClr val="accent1"/>
+          </a:effectRef>
+          <a:fontRef idx="minor">
+            <a:schemeClr val="tx1"/>
+          </a:fontRef>
+        </p:style>
+      </p:cxnSp>
+      <p:cxnSp>
+        <p:nvCxnSpPr>
+          <p:cNvPr id="45" name="Straight Arrow Connector 44">
+            <a:extLst>
+              <a:ext uri="{FF2B5EF4-FFF2-40B4-BE49-F238E27FC236}">
+                <a16:creationId xmlns:a16="http://schemas.microsoft.com/office/drawing/2014/main" id="{20625B19-8F82-484F-A80C-F6E3947949D4}"/>
+              </a:ext>
+            </a:extLst>
+          </p:cNvPr>
+          <p:cNvCxnSpPr>
+            <a:stCxn id="4" idx="2"/>
+            <a:endCxn id="35" idx="0"/>
+          </p:cNvCxnSpPr>
+          <p:nvPr/>
+        </p:nvCxnSpPr>
+        <p:spPr>
+          <a:xfrm flipH="1">
+            <a:off x="5090915" y="3224265"/>
+            <a:ext cx="530036" cy="813835"/>
+          </a:xfrm>
+          <a:prstGeom prst="straightConnector1">
+            <a:avLst/>
+          </a:prstGeom>
+          <a:ln>
+            <a:tailEnd type="triangle"/>
+          </a:ln>
+        </p:spPr>
+        <p:style>
+          <a:lnRef idx="1">
+            <a:schemeClr val="accent1"/>
+          </a:lnRef>
+          <a:fillRef idx="0">
+            <a:schemeClr val="accent1"/>
+          </a:fillRef>
+          <a:effectRef idx="0">
+            <a:schemeClr val="accent1"/>
+          </a:effectRef>
+          <a:fontRef idx="minor">
+            <a:schemeClr val="tx1"/>
+          </a:fontRef>
+        </p:style>
+      </p:cxnSp>
+      <p:cxnSp>
+        <p:nvCxnSpPr>
+          <p:cNvPr id="47" name="Straight Arrow Connector 46">
+            <a:extLst>
+              <a:ext uri="{FF2B5EF4-FFF2-40B4-BE49-F238E27FC236}">
+                <a16:creationId xmlns:a16="http://schemas.microsoft.com/office/drawing/2014/main" id="{903C449F-A915-4AA7-A742-0FF053B50982}"/>
+              </a:ext>
+            </a:extLst>
+          </p:cNvPr>
+          <p:cNvCxnSpPr>
+            <a:stCxn id="4" idx="2"/>
+            <a:endCxn id="36" idx="0"/>
+          </p:cNvCxnSpPr>
+          <p:nvPr/>
+        </p:nvCxnSpPr>
+        <p:spPr>
+          <a:xfrm>
+            <a:off x="5620951" y="3224265"/>
+            <a:ext cx="4024976" cy="813834"/>
+          </a:xfrm>
+          <a:prstGeom prst="straightConnector1">
+            <a:avLst/>
+          </a:prstGeom>
+          <a:ln>
+            <a:tailEnd type="triangle"/>
+          </a:ln>
+        </p:spPr>
+        <p:style>
+          <a:lnRef idx="1">
+            <a:schemeClr val="accent1"/>
+          </a:lnRef>
+          <a:fillRef idx="0">
+            <a:schemeClr val="accent1"/>
+          </a:fillRef>
+          <a:effectRef idx="0">
+            <a:schemeClr val="accent1"/>
+          </a:effectRef>
+          <a:fontRef idx="minor">
+            <a:schemeClr val="tx1"/>
+          </a:fontRef>
+        </p:style>
+      </p:cxnSp>
+      <p:cxnSp>
+        <p:nvCxnSpPr>
+          <p:cNvPr id="52" name="Straight Arrow Connector 51">
+            <a:extLst>
+              <a:ext uri="{FF2B5EF4-FFF2-40B4-BE49-F238E27FC236}">
+                <a16:creationId xmlns:a16="http://schemas.microsoft.com/office/drawing/2014/main" id="{2CB70FA8-A051-4CE1-9CA0-08CCAF44F68B}"/>
+              </a:ext>
+            </a:extLst>
+          </p:cNvPr>
+          <p:cNvCxnSpPr>
+            <a:stCxn id="5" idx="2"/>
+          </p:cNvCxnSpPr>
+          <p:nvPr/>
+        </p:nvCxnSpPr>
+        <p:spPr>
+          <a:xfrm>
+            <a:off x="1251036" y="4807389"/>
+            <a:ext cx="0" cy="679011"/>
+          </a:xfrm>
+          <a:prstGeom prst="straightConnector1">
+            <a:avLst/>
+          </a:prstGeom>
+          <a:ln>
+            <a:tailEnd type="triangle"/>
+          </a:ln>
+        </p:spPr>
+        <p:style>
+          <a:lnRef idx="1">
+            <a:schemeClr val="accent3"/>
+          </a:lnRef>
+          <a:fillRef idx="0">
+            <a:schemeClr val="accent3"/>
+          </a:fillRef>
+          <a:effectRef idx="0">
+            <a:schemeClr val="accent3"/>
+          </a:effectRef>
+          <a:fontRef idx="minor">
+            <a:schemeClr val="tx1"/>
+          </a:fontRef>
+        </p:style>
+      </p:cxnSp>
+      <p:cxnSp>
+        <p:nvCxnSpPr>
+          <p:cNvPr id="53" name="Straight Arrow Connector 52">
+            <a:extLst>
+              <a:ext uri="{FF2B5EF4-FFF2-40B4-BE49-F238E27FC236}">
+                <a16:creationId xmlns:a16="http://schemas.microsoft.com/office/drawing/2014/main" id="{B6EC2BA6-B051-4DDF-9AC9-69A21EEB9667}"/>
+              </a:ext>
+            </a:extLst>
+          </p:cNvPr>
+          <p:cNvCxnSpPr/>
+          <p:nvPr/>
+        </p:nvCxnSpPr>
+        <p:spPr>
+          <a:xfrm>
+            <a:off x="3098093" y="4807389"/>
+            <a:ext cx="0" cy="679011"/>
+          </a:xfrm>
+          <a:prstGeom prst="straightConnector1">
+            <a:avLst/>
+          </a:prstGeom>
+          <a:ln>
+            <a:tailEnd type="triangle"/>
+          </a:ln>
+        </p:spPr>
+        <p:style>
+          <a:lnRef idx="1">
+            <a:schemeClr val="accent3"/>
+          </a:lnRef>
+          <a:fillRef idx="0">
+            <a:schemeClr val="accent3"/>
+          </a:fillRef>
+          <a:effectRef idx="0">
+            <a:schemeClr val="accent3"/>
+          </a:effectRef>
+          <a:fontRef idx="minor">
+            <a:schemeClr val="tx1"/>
+          </a:fontRef>
+        </p:style>
+      </p:cxnSp>
+      <p:cxnSp>
+        <p:nvCxnSpPr>
+          <p:cNvPr id="54" name="Straight Arrow Connector 53">
+            <a:extLst>
+              <a:ext uri="{FF2B5EF4-FFF2-40B4-BE49-F238E27FC236}">
+                <a16:creationId xmlns:a16="http://schemas.microsoft.com/office/drawing/2014/main" id="{808B8726-7FE8-460C-84FB-96B6247FFC9D}"/>
+              </a:ext>
+            </a:extLst>
+          </p:cNvPr>
+          <p:cNvCxnSpPr/>
+          <p:nvPr/>
+        </p:nvCxnSpPr>
+        <p:spPr>
+          <a:xfrm>
+            <a:off x="5082160" y="4807389"/>
+            <a:ext cx="0" cy="679011"/>
+          </a:xfrm>
+          <a:prstGeom prst="straightConnector1">
+            <a:avLst/>
+          </a:prstGeom>
+          <a:ln>
+            <a:tailEnd type="triangle"/>
+          </a:ln>
+        </p:spPr>
+        <p:style>
+          <a:lnRef idx="1">
+            <a:schemeClr val="accent3"/>
+          </a:lnRef>
+          <a:fillRef idx="0">
+            <a:schemeClr val="accent3"/>
+          </a:fillRef>
+          <a:effectRef idx="0">
+            <a:schemeClr val="accent3"/>
+          </a:effectRef>
+          <a:fontRef idx="minor">
+            <a:schemeClr val="tx1"/>
+          </a:fontRef>
+        </p:style>
+      </p:cxnSp>
+      <p:cxnSp>
+        <p:nvCxnSpPr>
+          <p:cNvPr id="57" name="Straight Arrow Connector 56">
+            <a:extLst>
+              <a:ext uri="{FF2B5EF4-FFF2-40B4-BE49-F238E27FC236}">
+                <a16:creationId xmlns:a16="http://schemas.microsoft.com/office/drawing/2014/main" id="{E4F1B164-6110-4AD8-BBAA-0C79EF96F6AE}"/>
+              </a:ext>
+            </a:extLst>
+          </p:cNvPr>
+          <p:cNvCxnSpPr>
+            <a:endCxn id="5" idx="0"/>
+          </p:cNvCxnSpPr>
+          <p:nvPr/>
+        </p:nvCxnSpPr>
+        <p:spPr>
+          <a:xfrm flipH="1">
+            <a:off x="1251036" y="3224265"/>
+            <a:ext cx="4369915" cy="813835"/>
+          </a:xfrm>
+          <a:prstGeom prst="straightConnector1">
+            <a:avLst/>
+          </a:prstGeom>
+          <a:ln>
+            <a:tailEnd type="triangle"/>
+          </a:ln>
+        </p:spPr>
+        <p:style>
+          <a:lnRef idx="1">
+            <a:schemeClr val="accent1"/>
+          </a:lnRef>
+          <a:fillRef idx="0">
+            <a:schemeClr val="accent1"/>
+          </a:fillRef>
+          <a:effectRef idx="0">
+            <a:schemeClr val="accent1"/>
+          </a:effectRef>
+          <a:fontRef idx="minor">
+            <a:schemeClr val="tx1"/>
+          </a:fontRef>
+        </p:style>
+      </p:cxnSp>
     </p:spTree>
     <p:extLst>
       <p:ext uri="{BB962C8B-B14F-4D97-AF65-F5344CB8AC3E}">
-        <p14:creationId xmlns:p14="http://schemas.microsoft.com/office/powerpoint/2010/main" val="3340501789"/>
+        <p14:creationId xmlns:p14="http://schemas.microsoft.com/office/powerpoint/2010/main" val="2217180221"/>
       </p:ext>
     </p:extLst>
   </p:cSld>
@@ -9014,16 +11016,46 @@
           <a:p>
             <a:r>
               <a:rPr lang="en-US" dirty="0"/>
-              <a:t>                 Knuth Policy</a:t>
+              <a:t>               Knuth Strategy tree example </a:t>
             </a:r>
             <a:endParaRPr lang="en-US" sz="4000" dirty="0"/>
           </a:p>
         </p:txBody>
       </p:sp>
+      <p:pic>
+        <p:nvPicPr>
+          <p:cNvPr id="7" name="Picture 6">
+            <a:extLst>
+              <a:ext uri="{FF2B5EF4-FFF2-40B4-BE49-F238E27FC236}">
+                <a16:creationId xmlns:a16="http://schemas.microsoft.com/office/drawing/2014/main" id="{D5DA528D-FD17-482B-ACD4-F26307AEE446}"/>
+              </a:ext>
+            </a:extLst>
+          </p:cNvPr>
+          <p:cNvPicPr>
+            <a:picLocks noChangeAspect="1"/>
+          </p:cNvPicPr>
+          <p:nvPr/>
+        </p:nvPicPr>
+        <p:blipFill>
+          <a:blip r:embed="rId2"/>
+          <a:stretch>
+            <a:fillRect/>
+          </a:stretch>
+        </p:blipFill>
+        <p:spPr>
+          <a:xfrm>
+            <a:off x="646111" y="1486630"/>
+            <a:ext cx="10442408" cy="5095240"/>
+          </a:xfrm>
+          <a:prstGeom prst="rect">
+            <a:avLst/>
+          </a:prstGeom>
+        </p:spPr>
+      </p:pic>
     </p:spTree>
     <p:extLst>
       <p:ext uri="{BB962C8B-B14F-4D97-AF65-F5344CB8AC3E}">
-        <p14:creationId xmlns:p14="http://schemas.microsoft.com/office/powerpoint/2010/main" val="3878764774"/>
+        <p14:creationId xmlns:p14="http://schemas.microsoft.com/office/powerpoint/2010/main" val="675660116"/>
       </p:ext>
     </p:extLst>
   </p:cSld>
@@ -9180,16 +11212,117 @@
           <a:p>
             <a:r>
               <a:rPr lang="en-US" dirty="0"/>
-              <a:t>                 Our NN Policy</a:t>
+              <a:t>                 Random  Policy</a:t>
             </a:r>
             <a:endParaRPr lang="en-US" sz="4000" dirty="0"/>
+          </a:p>
+        </p:txBody>
+      </p:sp>
+      <p:sp>
+        <p:nvSpPr>
+          <p:cNvPr id="3" name="TextBox 2">
+            <a:extLst>
+              <a:ext uri="{FF2B5EF4-FFF2-40B4-BE49-F238E27FC236}">
+                <a16:creationId xmlns:a16="http://schemas.microsoft.com/office/drawing/2014/main" id="{07BF8C91-2E5D-4EFE-983E-424C75309229}"/>
+              </a:ext>
+            </a:extLst>
+          </p:cNvPr>
+          <p:cNvSpPr txBox="1"/>
+          <p:nvPr/>
+        </p:nvSpPr>
+        <p:spPr>
+          <a:xfrm>
+            <a:off x="581159" y="1152983"/>
+            <a:ext cx="9778323" cy="3970318"/>
+          </a:xfrm>
+          <a:prstGeom prst="rect">
+            <a:avLst/>
+          </a:prstGeom>
+          <a:noFill/>
+        </p:spPr>
+        <p:txBody>
+          <a:bodyPr wrap="square" rtlCol="0">
+            <a:spAutoFit/>
+          </a:bodyPr>
+          <a:lstStyle/>
+          <a:p>
+            <a:pPr marL="342900" indent="-342900">
+              <a:buAutoNum type="arabicParenR"/>
+            </a:pPr>
+            <a:r>
+              <a:rPr lang="en-US" dirty="0"/>
+              <a:t>Pick a guess randomly from the list of qualifying candidates</a:t>
+            </a:r>
+          </a:p>
+          <a:p>
+            <a:pPr marL="342900" indent="-342900">
+              <a:buAutoNum type="arabicParenR"/>
+            </a:pPr>
+            <a:r>
+              <a:rPr lang="en-US" dirty="0"/>
+              <a:t>If winning guess  quit  </a:t>
+            </a:r>
+          </a:p>
+          <a:p>
+            <a:r>
+              <a:rPr lang="en-US" dirty="0"/>
+              <a:t>2)  Based on the response, filters out the candidate list </a:t>
+            </a:r>
+          </a:p>
+          <a:p>
+            <a:pPr marL="342900" indent="-342900">
+              <a:buAutoNum type="arabicParenR" startAt="3"/>
+            </a:pPr>
+            <a:r>
+              <a:rPr lang="en-US" dirty="0"/>
+              <a:t>Go to 1)</a:t>
+            </a:r>
+          </a:p>
+          <a:p>
+            <a:pPr marL="342900" indent="-342900">
+              <a:buAutoNum type="arabicParenR" startAt="3"/>
+            </a:pPr>
+            <a:endParaRPr lang="en-US" dirty="0"/>
+          </a:p>
+          <a:p>
+            <a:endParaRPr lang="en-US" dirty="0"/>
+          </a:p>
+          <a:p>
+            <a:r>
+              <a:rPr lang="en-US" dirty="0"/>
+              <a:t>Advantage : Execution time is extremely fast so many strategy trees can be built and evaluated in a unit of time keeping the one that gives the best result  </a:t>
+            </a:r>
+          </a:p>
+          <a:p>
+            <a:endParaRPr lang="en-US" dirty="0"/>
+          </a:p>
+          <a:p>
+            <a:endParaRPr lang="en-US" dirty="0"/>
+          </a:p>
+          <a:p>
+            <a:endParaRPr lang="en-US" dirty="0"/>
+          </a:p>
+          <a:p>
+            <a:endParaRPr lang="en-US" dirty="0"/>
+          </a:p>
+          <a:p>
+            <a:r>
+              <a:rPr lang="en-US" dirty="0"/>
+              <a:t>         TODO – put a graph of number of iteration and the result </a:t>
+            </a:r>
+          </a:p>
+          <a:p>
+            <a:r>
+              <a:rPr lang="en-US" dirty="0"/>
+              <a:t> </a:t>
+            </a:r>
           </a:p>
         </p:txBody>
       </p:sp>
     </p:spTree>
     <p:extLst>
       <p:ext uri="{BB962C8B-B14F-4D97-AF65-F5344CB8AC3E}">
-        <p14:creationId xmlns:p14="http://schemas.microsoft.com/office/powerpoint/2010/main" val="2955002984"/>
+        <p14:creationId xmlns:p14="http://schemas.microsoft.com/office/powerpoint/2010/main" val="2374018576"/>
       </p:ext>
     </p:extLst>
   </p:cSld>

--- a/ai_final_project_mastermind.pptx
+++ b/ai_final_project_mastermind.pptx
@@ -5,7 +5,7 @@
     <p:sldMasterId id="2147483660" r:id="rId1"/>
   </p:sldMasterIdLst>
   <p:notesMasterIdLst>
-    <p:notesMasterId r:id="rId14"/>
+    <p:notesMasterId r:id="rId15"/>
   </p:notesMasterIdLst>
   <p:sldIdLst>
     <p:sldId id="256" r:id="rId2"/>
@@ -18,8 +18,9 @@
     <p:sldId id="270" r:id="rId9"/>
     <p:sldId id="269" r:id="rId10"/>
     <p:sldId id="264" r:id="rId11"/>
-    <p:sldId id="266" r:id="rId12"/>
-    <p:sldId id="267" r:id="rId13"/>
+    <p:sldId id="271" r:id="rId12"/>
+    <p:sldId id="272" r:id="rId13"/>
+    <p:sldId id="267" r:id="rId14"/>
   </p:sldIdLst>
   <p:sldSz cx="12192000" cy="6858000"/>
   <p:notesSz cx="6858000" cy="9144000"/>
@@ -7940,16 +7941,655 @@
           <a:p>
             <a:r>
               <a:rPr lang="en-US" dirty="0"/>
-              <a:t>                 Our NN Policy</a:t>
+              <a:t>                  Our NN Policy</a:t>
             </a:r>
             <a:endParaRPr lang="en-US" sz="4000" dirty="0"/>
+          </a:p>
+        </p:txBody>
+      </p:sp>
+      <p:sp>
+        <p:nvSpPr>
+          <p:cNvPr id="3" name="Rectangle 2">
+            <a:extLst>
+              <a:ext uri="{FF2B5EF4-FFF2-40B4-BE49-F238E27FC236}">
+                <a16:creationId xmlns:a16="http://schemas.microsoft.com/office/drawing/2014/main" id="{F96CC5E6-C228-43AA-8E68-B86504191A81}"/>
+              </a:ext>
+            </a:extLst>
+          </p:cNvPr>
+          <p:cNvSpPr/>
+          <p:nvPr/>
+        </p:nvSpPr>
+        <p:spPr>
+          <a:xfrm>
+            <a:off x="441080" y="714255"/>
+            <a:ext cx="10551951" cy="3970318"/>
+          </a:xfrm>
+          <a:prstGeom prst="rect">
+            <a:avLst/>
+          </a:prstGeom>
+        </p:spPr>
+        <p:txBody>
+          <a:bodyPr wrap="square">
+            <a:spAutoFit/>
+          </a:bodyPr>
+          <a:lstStyle/>
+          <a:p>
+            <a:pPr marL="342900" indent="-342900">
+              <a:buAutoNum type="arabicParenR"/>
+            </a:pPr>
+            <a:r>
+              <a:rPr lang="en-US" dirty="0"/>
+              <a:t>Assign a score to each  qualified candidate guess based on the </a:t>
+            </a:r>
+            <a:r>
+              <a:rPr lang="en-US" dirty="0">
+                <a:solidFill>
+                  <a:srgbClr val="00B0F0"/>
+                </a:solidFill>
+              </a:rPr>
+              <a:t>NN output </a:t>
+            </a:r>
+          </a:p>
+          <a:p>
+            <a:pPr marL="342900" indent="-342900">
+              <a:buAutoNum type="arabicParenR"/>
+            </a:pPr>
+            <a:r>
+              <a:rPr lang="en-US" dirty="0"/>
+              <a:t>Pick the guess with the best (lowest)score</a:t>
+            </a:r>
+          </a:p>
+          <a:p>
+            <a:pPr marL="342900" indent="-342900">
+              <a:buAutoNum type="arabicParenR"/>
+            </a:pPr>
+            <a:r>
+              <a:rPr lang="en-US" dirty="0"/>
+              <a:t>If winning guess  quit  </a:t>
+            </a:r>
+          </a:p>
+          <a:p>
+            <a:r>
+              <a:rPr lang="en-US" dirty="0"/>
+              <a:t>2)  Based on the response ,filters out the list candidate</a:t>
+            </a:r>
+          </a:p>
+          <a:p>
+            <a:pPr marL="342900" indent="-342900">
+              <a:buAutoNum type="arabicParenR" startAt="3"/>
+            </a:pPr>
+            <a:r>
+              <a:rPr lang="en-US" dirty="0"/>
+              <a:t>Go to 1)</a:t>
+            </a:r>
+          </a:p>
+          <a:p>
+            <a:pPr marL="342900" indent="-342900">
+              <a:buAutoNum type="arabicParenR" startAt="3"/>
+            </a:pPr>
+            <a:endParaRPr lang="en-US" dirty="0"/>
+          </a:p>
+          <a:p>
+            <a:r>
+              <a:rPr lang="en-US" dirty="0"/>
+              <a:t>  </a:t>
+            </a:r>
+          </a:p>
+          <a:p>
+            <a:r>
+              <a:rPr lang="en-US" dirty="0"/>
+              <a:t>   </a:t>
+            </a:r>
+          </a:p>
+          <a:p>
+            <a:endParaRPr lang="en-US" dirty="0"/>
+          </a:p>
+          <a:p>
+            <a:endParaRPr lang="en-US" dirty="0"/>
+          </a:p>
+          <a:p>
+            <a:endParaRPr lang="en-US" dirty="0"/>
+          </a:p>
+          <a:p>
+            <a:endParaRPr lang="en-US" dirty="0"/>
+          </a:p>
+          <a:p>
+            <a:endParaRPr lang="en-US" dirty="0"/>
+          </a:p>
+          <a:p>
+            <a:endParaRPr lang="en-US" dirty="0"/>
+          </a:p>
+        </p:txBody>
+      </p:sp>
+      <p:sp>
+        <p:nvSpPr>
+          <p:cNvPr id="4" name="Rectangle 3">
+            <a:extLst>
+              <a:ext uri="{FF2B5EF4-FFF2-40B4-BE49-F238E27FC236}">
+                <a16:creationId xmlns:a16="http://schemas.microsoft.com/office/drawing/2014/main" id="{DC9CBA4F-70FF-4E90-9342-F840A22951E8}"/>
+              </a:ext>
+            </a:extLst>
+          </p:cNvPr>
+          <p:cNvSpPr/>
+          <p:nvPr/>
+        </p:nvSpPr>
+        <p:spPr>
+          <a:xfrm>
+            <a:off x="441080" y="2308370"/>
+            <a:ext cx="1448554" cy="588475"/>
+          </a:xfrm>
+          <a:prstGeom prst="rect">
+            <a:avLst/>
+          </a:prstGeom>
+        </p:spPr>
+        <p:style>
+          <a:lnRef idx="2">
+            <a:schemeClr val="accent5">
+              <a:shade val="50000"/>
+            </a:schemeClr>
+          </a:lnRef>
+          <a:fillRef idx="1">
+            <a:schemeClr val="accent5"/>
+          </a:fillRef>
+          <a:effectRef idx="0">
+            <a:schemeClr val="accent5"/>
+          </a:effectRef>
+          <a:fontRef idx="minor">
+            <a:schemeClr val="lt1"/>
+          </a:fontRef>
+        </p:style>
+        <p:txBody>
+          <a:bodyPr rtlCol="0" anchor="ctr"/>
+          <a:lstStyle/>
+          <a:p>
+            <a:pPr algn="ctr"/>
+            <a:r>
+              <a:rPr lang="en-US" dirty="0"/>
+              <a:t>Guess candidate</a:t>
+            </a:r>
+          </a:p>
+        </p:txBody>
+      </p:sp>
+      <p:sp>
+        <p:nvSpPr>
+          <p:cNvPr id="7" name="Arrow: Right 6">
+            <a:extLst>
+              <a:ext uri="{FF2B5EF4-FFF2-40B4-BE49-F238E27FC236}">
+                <a16:creationId xmlns:a16="http://schemas.microsoft.com/office/drawing/2014/main" id="{AE94636E-A301-4857-B243-0724731C85F8}"/>
+              </a:ext>
+            </a:extLst>
+          </p:cNvPr>
+          <p:cNvSpPr/>
+          <p:nvPr/>
+        </p:nvSpPr>
+        <p:spPr>
+          <a:xfrm>
+            <a:off x="1919853" y="2558309"/>
+            <a:ext cx="748123" cy="45719"/>
+          </a:xfrm>
+          <a:prstGeom prst="rightArrow">
+            <a:avLst/>
+          </a:prstGeom>
+          <a:ln w="60325"/>
+        </p:spPr>
+        <p:style>
+          <a:lnRef idx="2">
+            <a:schemeClr val="accent1">
+              <a:shade val="50000"/>
+            </a:schemeClr>
+          </a:lnRef>
+          <a:fillRef idx="1">
+            <a:schemeClr val="accent1"/>
+          </a:fillRef>
+          <a:effectRef idx="0">
+            <a:schemeClr val="accent1"/>
+          </a:effectRef>
+          <a:fontRef idx="minor">
+            <a:schemeClr val="lt1"/>
+          </a:fontRef>
+        </p:style>
+        <p:txBody>
+          <a:bodyPr rtlCol="0" anchor="ctr"/>
+          <a:lstStyle/>
+          <a:p>
+            <a:pPr algn="ctr"/>
+            <a:endParaRPr lang="en-US"/>
+          </a:p>
+        </p:txBody>
+      </p:sp>
+      <p:sp>
+        <p:nvSpPr>
+          <p:cNvPr id="9" name="Rectangle: Rounded Corners 8">
+            <a:extLst>
+              <a:ext uri="{FF2B5EF4-FFF2-40B4-BE49-F238E27FC236}">
+                <a16:creationId xmlns:a16="http://schemas.microsoft.com/office/drawing/2014/main" id="{9A9ACFCB-1206-4B65-90ED-33B7270DDC44}"/>
+              </a:ext>
+            </a:extLst>
+          </p:cNvPr>
+          <p:cNvSpPr/>
+          <p:nvPr/>
+        </p:nvSpPr>
+        <p:spPr>
+          <a:xfrm>
+            <a:off x="2732191" y="2298917"/>
+            <a:ext cx="1448554" cy="588475"/>
+          </a:xfrm>
+          <a:prstGeom prst="roundRect">
+            <a:avLst/>
+          </a:prstGeom>
+        </p:spPr>
+        <p:style>
+          <a:lnRef idx="2">
+            <a:schemeClr val="accent6">
+              <a:shade val="50000"/>
+            </a:schemeClr>
+          </a:lnRef>
+          <a:fillRef idx="1">
+            <a:schemeClr val="accent6"/>
+          </a:fillRef>
+          <a:effectRef idx="0">
+            <a:schemeClr val="accent6"/>
+          </a:effectRef>
+          <a:fontRef idx="minor">
+            <a:schemeClr val="lt1"/>
+          </a:fontRef>
+        </p:style>
+        <p:txBody>
+          <a:bodyPr rtlCol="0" anchor="ctr"/>
+          <a:lstStyle/>
+          <a:p>
+            <a:pPr algn="ctr"/>
+            <a:r>
+              <a:rPr lang="en-US" dirty="0"/>
+              <a:t>Features extraction </a:t>
+            </a:r>
+          </a:p>
+        </p:txBody>
+      </p:sp>
+      <p:sp>
+        <p:nvSpPr>
+          <p:cNvPr id="10" name="Arrow: Right 9">
+            <a:extLst>
+              <a:ext uri="{FF2B5EF4-FFF2-40B4-BE49-F238E27FC236}">
+                <a16:creationId xmlns:a16="http://schemas.microsoft.com/office/drawing/2014/main" id="{DFE5E776-4D76-473D-A68B-0F7BC74DEFF9}"/>
+              </a:ext>
+            </a:extLst>
+          </p:cNvPr>
+          <p:cNvSpPr/>
+          <p:nvPr/>
+        </p:nvSpPr>
+        <p:spPr>
+          <a:xfrm>
+            <a:off x="4218574" y="2558308"/>
+            <a:ext cx="748123" cy="45719"/>
+          </a:xfrm>
+          <a:prstGeom prst="rightArrow">
+            <a:avLst/>
+          </a:prstGeom>
+          <a:ln w="60325"/>
+        </p:spPr>
+        <p:style>
+          <a:lnRef idx="2">
+            <a:schemeClr val="accent1">
+              <a:shade val="50000"/>
+            </a:schemeClr>
+          </a:lnRef>
+          <a:fillRef idx="1">
+            <a:schemeClr val="accent1"/>
+          </a:fillRef>
+          <a:effectRef idx="0">
+            <a:schemeClr val="accent1"/>
+          </a:effectRef>
+          <a:fontRef idx="minor">
+            <a:schemeClr val="lt1"/>
+          </a:fontRef>
+        </p:style>
+        <p:txBody>
+          <a:bodyPr rtlCol="0" anchor="ctr"/>
+          <a:lstStyle/>
+          <a:p>
+            <a:pPr algn="ctr"/>
+            <a:endParaRPr lang="en-US"/>
+          </a:p>
+        </p:txBody>
+      </p:sp>
+      <p:sp>
+        <p:nvSpPr>
+          <p:cNvPr id="11" name="TextBox 10">
+            <a:extLst>
+              <a:ext uri="{FF2B5EF4-FFF2-40B4-BE49-F238E27FC236}">
+                <a16:creationId xmlns:a16="http://schemas.microsoft.com/office/drawing/2014/main" id="{7FA8C075-E0D5-4F3C-8E53-C7F826D45A63}"/>
+              </a:ext>
+            </a:extLst>
+          </p:cNvPr>
+          <p:cNvSpPr txBox="1"/>
+          <p:nvPr/>
+        </p:nvSpPr>
+        <p:spPr>
+          <a:xfrm>
+            <a:off x="4164014" y="2293677"/>
+            <a:ext cx="2503714" cy="261610"/>
+          </a:xfrm>
+          <a:prstGeom prst="rect">
+            <a:avLst/>
+          </a:prstGeom>
+          <a:noFill/>
+        </p:spPr>
+        <p:txBody>
+          <a:bodyPr wrap="square" rtlCol="0">
+            <a:spAutoFit/>
+          </a:bodyPr>
+          <a:lstStyle/>
+          <a:p>
+            <a:r>
+              <a:rPr lang="en-US" sz="1100" dirty="0"/>
+              <a:t>Features</a:t>
+            </a:r>
+          </a:p>
+        </p:txBody>
+      </p:sp>
+      <p:pic>
+        <p:nvPicPr>
+          <p:cNvPr id="2052" name="Picture 4" descr="Image result for artificial neural network powerpoint icon">
+            <a:extLst>
+              <a:ext uri="{FF2B5EF4-FFF2-40B4-BE49-F238E27FC236}">
+                <a16:creationId xmlns:a16="http://schemas.microsoft.com/office/drawing/2014/main" id="{896DC798-724C-4C97-9059-9102BB1FC907}"/>
+              </a:ext>
+            </a:extLst>
+          </p:cNvPr>
+          <p:cNvPicPr>
+            <a:picLocks noChangeAspect="1" noChangeArrowheads="1"/>
+          </p:cNvPicPr>
+          <p:nvPr/>
+        </p:nvPicPr>
+        <p:blipFill>
+          <a:blip r:embed="rId2">
+            <a:extLst>
+              <a:ext uri="{28A0092B-C50C-407E-A947-70E740481C1C}">
+                <a14:useLocalDpi xmlns:a14="http://schemas.microsoft.com/office/drawing/2010/main" val="0"/>
+              </a:ext>
+            </a:extLst>
+          </a:blip>
+          <a:srcRect/>
+          <a:stretch>
+            <a:fillRect/>
+          </a:stretch>
+        </p:blipFill>
+        <p:spPr bwMode="auto">
+          <a:xfrm>
+            <a:off x="5004526" y="2061482"/>
+            <a:ext cx="1247775" cy="1247775"/>
+          </a:xfrm>
+          <a:prstGeom prst="rect">
+            <a:avLst/>
+          </a:prstGeom>
+          <a:noFill/>
+          <a:extLst>
+            <a:ext uri="{909E8E84-426E-40DD-AFC4-6F175D3DCCD1}">
+              <a14:hiddenFill xmlns:a14="http://schemas.microsoft.com/office/drawing/2010/main">
+                <a:solidFill>
+                  <a:srgbClr val="FFFFFF"/>
+                </a:solidFill>
+              </a14:hiddenFill>
+            </a:ext>
+          </a:extLst>
+        </p:spPr>
+      </p:pic>
+      <p:sp>
+        <p:nvSpPr>
+          <p:cNvPr id="12" name="TextBox 11">
+            <a:extLst>
+              <a:ext uri="{FF2B5EF4-FFF2-40B4-BE49-F238E27FC236}">
+                <a16:creationId xmlns:a16="http://schemas.microsoft.com/office/drawing/2014/main" id="{CDB46DB4-AEDD-428D-8D85-026887F1E203}"/>
+              </a:ext>
+            </a:extLst>
+          </p:cNvPr>
+          <p:cNvSpPr txBox="1"/>
+          <p:nvPr/>
+        </p:nvSpPr>
+        <p:spPr>
+          <a:xfrm>
+            <a:off x="4952772" y="2033103"/>
+            <a:ext cx="914400" cy="369332"/>
+          </a:xfrm>
+          <a:prstGeom prst="rect">
+            <a:avLst/>
+          </a:prstGeom>
+          <a:noFill/>
+        </p:spPr>
+        <p:txBody>
+          <a:bodyPr wrap="square" rtlCol="0">
+            <a:spAutoFit/>
+          </a:bodyPr>
+          <a:lstStyle/>
+          <a:p>
+            <a:r>
+              <a:rPr lang="en-US" dirty="0">
+                <a:solidFill>
+                  <a:srgbClr val="00B0F0"/>
+                </a:solidFill>
+              </a:rPr>
+              <a:t>NN</a:t>
+            </a:r>
+          </a:p>
+        </p:txBody>
+      </p:sp>
+      <p:sp>
+        <p:nvSpPr>
+          <p:cNvPr id="15" name="Arrow: Right 14">
+            <a:extLst>
+              <a:ext uri="{FF2B5EF4-FFF2-40B4-BE49-F238E27FC236}">
+                <a16:creationId xmlns:a16="http://schemas.microsoft.com/office/drawing/2014/main" id="{60485400-6021-46A0-8BFF-1344BCD8F8B7}"/>
+              </a:ext>
+            </a:extLst>
+          </p:cNvPr>
+          <p:cNvSpPr/>
+          <p:nvPr/>
+        </p:nvSpPr>
+        <p:spPr>
+          <a:xfrm>
+            <a:off x="6290130" y="2547435"/>
+            <a:ext cx="748123" cy="45719"/>
+          </a:xfrm>
+          <a:prstGeom prst="rightArrow">
+            <a:avLst/>
+          </a:prstGeom>
+          <a:ln w="60325"/>
+        </p:spPr>
+        <p:style>
+          <a:lnRef idx="2">
+            <a:schemeClr val="accent1">
+              <a:shade val="50000"/>
+            </a:schemeClr>
+          </a:lnRef>
+          <a:fillRef idx="1">
+            <a:schemeClr val="accent1"/>
+          </a:fillRef>
+          <a:effectRef idx="0">
+            <a:schemeClr val="accent1"/>
+          </a:effectRef>
+          <a:fontRef idx="minor">
+            <a:schemeClr val="lt1"/>
+          </a:fontRef>
+        </p:style>
+        <p:txBody>
+          <a:bodyPr rtlCol="0" anchor="ctr"/>
+          <a:lstStyle/>
+          <a:p>
+            <a:pPr algn="ctr"/>
+            <a:endParaRPr lang="en-US"/>
+          </a:p>
+        </p:txBody>
+      </p:sp>
+      <p:sp>
+        <p:nvSpPr>
+          <p:cNvPr id="13" name="TextBox 12">
+            <a:extLst>
+              <a:ext uri="{FF2B5EF4-FFF2-40B4-BE49-F238E27FC236}">
+                <a16:creationId xmlns:a16="http://schemas.microsoft.com/office/drawing/2014/main" id="{DCC50251-B545-4E6B-8900-BECDDED7FCB1}"/>
+              </a:ext>
+            </a:extLst>
+          </p:cNvPr>
+          <p:cNvSpPr txBox="1"/>
+          <p:nvPr/>
+        </p:nvSpPr>
+        <p:spPr>
+          <a:xfrm>
+            <a:off x="7081462" y="2384958"/>
+            <a:ext cx="3297402" cy="369332"/>
+          </a:xfrm>
+          <a:prstGeom prst="rect">
+            <a:avLst/>
+          </a:prstGeom>
+          <a:noFill/>
+        </p:spPr>
+        <p:txBody>
+          <a:bodyPr wrap="square" rtlCol="0">
+            <a:spAutoFit/>
+          </a:bodyPr>
+          <a:lstStyle/>
+          <a:p>
+            <a:r>
+              <a:rPr lang="en-US" dirty="0">
+                <a:solidFill>
+                  <a:srgbClr val="00B0F0"/>
+                </a:solidFill>
+              </a:rPr>
+              <a:t>NN output (guess score)</a:t>
+            </a:r>
+          </a:p>
+        </p:txBody>
+      </p:sp>
+      <p:sp>
+        <p:nvSpPr>
+          <p:cNvPr id="14" name="Rectangle 13">
+            <a:extLst>
+              <a:ext uri="{FF2B5EF4-FFF2-40B4-BE49-F238E27FC236}">
+                <a16:creationId xmlns:a16="http://schemas.microsoft.com/office/drawing/2014/main" id="{0E1F8240-D72D-455C-804B-74ED714BEC56}"/>
+              </a:ext>
+            </a:extLst>
+          </p:cNvPr>
+          <p:cNvSpPr/>
+          <p:nvPr/>
+        </p:nvSpPr>
+        <p:spPr>
+          <a:xfrm>
+            <a:off x="86169" y="3037296"/>
+            <a:ext cx="11084487" cy="4247317"/>
+          </a:xfrm>
+          <a:prstGeom prst="rect">
+            <a:avLst/>
+          </a:prstGeom>
+        </p:spPr>
+        <p:txBody>
+          <a:bodyPr wrap="square">
+            <a:spAutoFit/>
+          </a:bodyPr>
+          <a:lstStyle/>
+          <a:p>
+            <a:r>
+              <a:rPr lang="en-US" u="sng" dirty="0"/>
+              <a:t>Features  extraction : </a:t>
+            </a:r>
+          </a:p>
+          <a:p>
+            <a:r>
+              <a:rPr lang="en-US" dirty="0"/>
+              <a:t>If a given guess will be asked it will potentially have 15 different lists of qualifying candidates corresponding to each of the 15 possible responses. The number of elements in each list will be  a feature to the NN model.  </a:t>
+            </a:r>
+          </a:p>
+          <a:p>
+            <a:endParaRPr lang="en-US" dirty="0"/>
+          </a:p>
+          <a:p>
+            <a:r>
+              <a:rPr lang="en-US" dirty="0"/>
+              <a:t>Example : For the first guess of {</a:t>
+            </a:r>
+            <a:r>
+              <a:rPr lang="en-US" dirty="0" err="1"/>
+              <a:t>Red,Red,Green,Green</a:t>
+            </a:r>
+            <a:r>
+              <a:rPr lang="en-US" dirty="0"/>
+              <a:t>} we can get 15 different lists of qualifying candidates:</a:t>
+            </a:r>
+          </a:p>
+          <a:p>
+            <a:r>
+              <a:rPr lang="en-US" dirty="0"/>
+              <a:t>{0,0} -&gt;  [list 1] </a:t>
+            </a:r>
+          </a:p>
+          <a:p>
+            <a:r>
+              <a:rPr lang="en-US" dirty="0"/>
+              <a:t>{0,1} - &gt; [list 2]</a:t>
+            </a:r>
+          </a:p>
+          <a:p>
+            <a:r>
+              <a:rPr lang="en-US" dirty="0"/>
+              <a:t>….       </a:t>
+            </a:r>
+          </a:p>
+          <a:p>
+            <a:r>
+              <a:rPr lang="en-US" dirty="0"/>
+              <a:t>{4,0}  -&gt; [list 15]  </a:t>
+            </a:r>
+          </a:p>
+          <a:p>
+            <a:r>
+              <a:rPr lang="en-US" dirty="0"/>
+              <a:t> </a:t>
+            </a:r>
+          </a:p>
+          <a:p>
+            <a:r>
+              <a:rPr lang="en-US" dirty="0"/>
+              <a:t> The features for the NN will be :   </a:t>
+            </a:r>
+            <a:r>
+              <a:rPr lang="en-US" dirty="0" err="1"/>
+              <a:t>len</a:t>
+            </a:r>
+            <a:r>
+              <a:rPr lang="en-US" dirty="0"/>
+              <a:t>(list 1), </a:t>
+            </a:r>
+            <a:r>
+              <a:rPr lang="en-US" dirty="0" err="1"/>
+              <a:t>len</a:t>
+            </a:r>
+            <a:r>
+              <a:rPr lang="en-US" dirty="0"/>
+              <a:t>(list 2) …. </a:t>
+            </a:r>
+            <a:r>
+              <a:rPr lang="en-US" dirty="0" err="1"/>
+              <a:t>len</a:t>
+            </a:r>
+            <a:r>
+              <a:rPr lang="en-US" dirty="0"/>
+              <a:t>(list 15)</a:t>
+            </a:r>
+          </a:p>
+          <a:p>
+            <a:endParaRPr lang="en-US" dirty="0"/>
+          </a:p>
+          <a:p>
+            <a:r>
+              <a:rPr lang="en-US" dirty="0"/>
+              <a:t> </a:t>
+            </a:r>
           </a:p>
         </p:txBody>
       </p:sp>
     </p:spTree>
     <p:extLst>
       <p:ext uri="{BB962C8B-B14F-4D97-AF65-F5344CB8AC3E}">
-        <p14:creationId xmlns:p14="http://schemas.microsoft.com/office/powerpoint/2010/main" val="2955002984"/>
+        <p14:creationId xmlns:p14="http://schemas.microsoft.com/office/powerpoint/2010/main" val="4245347050"/>
       </p:ext>
     </p:extLst>
   </p:cSld>
@@ -7960,6 +8600,292 @@
 </file>
 
 <file path=ppt/slides/slide12.xml><?xml version="1.0" encoding="utf-8"?>
+<p:sld xmlns:a="http://schemas.openxmlformats.org/drawingml/2006/main" xmlns:r="http://schemas.openxmlformats.org/officeDocument/2006/relationships" xmlns:p="http://schemas.openxmlformats.org/presentationml/2006/main">
+  <p:cSld>
+    <p:spTree>
+      <p:nvGrpSpPr>
+        <p:cNvPr id="1" name=""/>
+        <p:cNvGrpSpPr/>
+        <p:nvPr/>
+      </p:nvGrpSpPr>
+      <p:grpSpPr>
+        <a:xfrm>
+          <a:off x="0" y="0"/>
+          <a:ext cx="0" cy="0"/>
+          <a:chOff x="0" y="0"/>
+          <a:chExt cx="0" cy="0"/>
+        </a:xfrm>
+      </p:grpSpPr>
+      <p:sp>
+        <p:nvSpPr>
+          <p:cNvPr id="2" name="Title 1">
+            <a:extLst>
+              <a:ext uri="{FF2B5EF4-FFF2-40B4-BE49-F238E27FC236}">
+                <a16:creationId xmlns:a16="http://schemas.microsoft.com/office/drawing/2014/main" id="{BFE03E1E-1CD4-4BF6-8AB2-07362D59237F}"/>
+              </a:ext>
+            </a:extLst>
+          </p:cNvPr>
+          <p:cNvSpPr>
+            <a:spLocks noGrp="1"/>
+          </p:cNvSpPr>
+          <p:nvPr>
+            <p:ph type="title"/>
+          </p:nvPr>
+        </p:nvSpPr>
+        <p:spPr/>
+        <p:txBody>
+          <a:bodyPr/>
+          <a:lstStyle/>
+          <a:p>
+            <a:r>
+              <a:rPr lang="en-US" dirty="0"/>
+              <a:t>         </a:t>
+            </a:r>
+          </a:p>
+        </p:txBody>
+      </p:sp>
+      <p:sp>
+        <p:nvSpPr>
+          <p:cNvPr id="6" name="Title 1">
+            <a:extLst>
+              <a:ext uri="{FF2B5EF4-FFF2-40B4-BE49-F238E27FC236}">
+                <a16:creationId xmlns:a16="http://schemas.microsoft.com/office/drawing/2014/main" id="{28909404-97CF-447C-9C07-862F156F11DD}"/>
+              </a:ext>
+            </a:extLst>
+          </p:cNvPr>
+          <p:cNvSpPr txBox="1">
+            <a:spLocks/>
+          </p:cNvSpPr>
+          <p:nvPr/>
+        </p:nvSpPr>
+        <p:spPr>
+          <a:xfrm>
+            <a:off x="194345" y="94478"/>
+            <a:ext cx="10551952" cy="1675599"/>
+          </a:xfrm>
+          <a:prstGeom prst="rect">
+            <a:avLst/>
+          </a:prstGeom>
+        </p:spPr>
+        <p:txBody>
+          <a:bodyPr vert="horz" lIns="91440" tIns="45720" rIns="91440" bIns="45720" rtlCol="0" anchor="t">
+            <a:noAutofit/>
+          </a:bodyPr>
+          <a:lstStyle>
+            <a:lvl1pPr algn="l" defTabSz="457200" rtl="0" eaLnBrk="1" latinLnBrk="0" hangingPunct="1">
+              <a:spcBef>
+                <a:spcPct val="0"/>
+              </a:spcBef>
+              <a:buNone/>
+              <a:defRPr sz="4200" b="0" i="0" kern="1200">
+                <a:solidFill>
+                  <a:schemeClr val="tx2"/>
+                </a:solidFill>
+                <a:latin typeface="+mj-lt"/>
+                <a:ea typeface="+mj-ea"/>
+                <a:cs typeface="+mj-cs"/>
+              </a:defRPr>
+            </a:lvl1pPr>
+            <a:lvl2pPr eaLnBrk="1" hangingPunct="1">
+              <a:defRPr>
+                <a:solidFill>
+                  <a:schemeClr val="tx2"/>
+                </a:solidFill>
+              </a:defRPr>
+            </a:lvl2pPr>
+            <a:lvl3pPr eaLnBrk="1" hangingPunct="1">
+              <a:defRPr>
+                <a:solidFill>
+                  <a:schemeClr val="tx2"/>
+                </a:solidFill>
+              </a:defRPr>
+            </a:lvl3pPr>
+            <a:lvl4pPr eaLnBrk="1" hangingPunct="1">
+              <a:defRPr>
+                <a:solidFill>
+                  <a:schemeClr val="tx2"/>
+                </a:solidFill>
+              </a:defRPr>
+            </a:lvl4pPr>
+            <a:lvl5pPr eaLnBrk="1" hangingPunct="1">
+              <a:defRPr>
+                <a:solidFill>
+                  <a:schemeClr val="tx2"/>
+                </a:solidFill>
+              </a:defRPr>
+            </a:lvl5pPr>
+            <a:lvl6pPr eaLnBrk="1" hangingPunct="1">
+              <a:defRPr>
+                <a:solidFill>
+                  <a:schemeClr val="tx2"/>
+                </a:solidFill>
+              </a:defRPr>
+            </a:lvl6pPr>
+            <a:lvl7pPr eaLnBrk="1" hangingPunct="1">
+              <a:defRPr>
+                <a:solidFill>
+                  <a:schemeClr val="tx2"/>
+                </a:solidFill>
+              </a:defRPr>
+            </a:lvl7pPr>
+            <a:lvl8pPr eaLnBrk="1" hangingPunct="1">
+              <a:defRPr>
+                <a:solidFill>
+                  <a:schemeClr val="tx2"/>
+                </a:solidFill>
+              </a:defRPr>
+            </a:lvl8pPr>
+            <a:lvl9pPr eaLnBrk="1" hangingPunct="1">
+              <a:defRPr>
+                <a:solidFill>
+                  <a:schemeClr val="tx2"/>
+                </a:solidFill>
+              </a:defRPr>
+            </a:lvl9pPr>
+          </a:lstStyle>
+          <a:p>
+            <a:r>
+              <a:rPr lang="en-US" dirty="0"/>
+              <a:t>           Training the NN – MTCS approach   </a:t>
+            </a:r>
+            <a:endParaRPr lang="en-US" sz="4000" dirty="0"/>
+          </a:p>
+        </p:txBody>
+      </p:sp>
+      <p:sp>
+        <p:nvSpPr>
+          <p:cNvPr id="3" name="Rectangle 2">
+            <a:extLst>
+              <a:ext uri="{FF2B5EF4-FFF2-40B4-BE49-F238E27FC236}">
+                <a16:creationId xmlns:a16="http://schemas.microsoft.com/office/drawing/2014/main" id="{F96CC5E6-C228-43AA-8E68-B86504191A81}"/>
+              </a:ext>
+            </a:extLst>
+          </p:cNvPr>
+          <p:cNvSpPr/>
+          <p:nvPr/>
+        </p:nvSpPr>
+        <p:spPr>
+          <a:xfrm>
+            <a:off x="356399" y="1086186"/>
+            <a:ext cx="10551951" cy="2585323"/>
+          </a:xfrm>
+          <a:prstGeom prst="rect">
+            <a:avLst/>
+          </a:prstGeom>
+        </p:spPr>
+        <p:txBody>
+          <a:bodyPr wrap="square">
+            <a:spAutoFit/>
+          </a:bodyPr>
+          <a:lstStyle/>
+          <a:p>
+            <a:endParaRPr lang="en-US" dirty="0"/>
+          </a:p>
+          <a:p>
+            <a:r>
+              <a:rPr lang="en-US" dirty="0"/>
+              <a:t>  </a:t>
+            </a:r>
+          </a:p>
+          <a:p>
+            <a:r>
+              <a:rPr lang="en-US" dirty="0"/>
+              <a:t>   </a:t>
+            </a:r>
+          </a:p>
+          <a:p>
+            <a:endParaRPr lang="en-US" dirty="0"/>
+          </a:p>
+          <a:p>
+            <a:endParaRPr lang="en-US" dirty="0"/>
+          </a:p>
+          <a:p>
+            <a:endParaRPr lang="en-US" dirty="0"/>
+          </a:p>
+          <a:p>
+            <a:endParaRPr lang="en-US" dirty="0"/>
+          </a:p>
+          <a:p>
+            <a:endParaRPr lang="en-US" dirty="0"/>
+          </a:p>
+          <a:p>
+            <a:endParaRPr lang="en-US" dirty="0"/>
+          </a:p>
+        </p:txBody>
+      </p:sp>
+      <p:sp>
+        <p:nvSpPr>
+          <p:cNvPr id="5" name="TextBox 4">
+            <a:extLst>
+              <a:ext uri="{FF2B5EF4-FFF2-40B4-BE49-F238E27FC236}">
+                <a16:creationId xmlns:a16="http://schemas.microsoft.com/office/drawing/2014/main" id="{3B9FC8B5-F74D-4D00-B33F-3B3629CB4D63}"/>
+              </a:ext>
+            </a:extLst>
+          </p:cNvPr>
+          <p:cNvSpPr txBox="1"/>
+          <p:nvPr/>
+        </p:nvSpPr>
+        <p:spPr>
+          <a:xfrm>
+            <a:off x="194345" y="1253083"/>
+            <a:ext cx="11641256" cy="2585323"/>
+          </a:xfrm>
+          <a:prstGeom prst="rect">
+            <a:avLst/>
+          </a:prstGeom>
+          <a:noFill/>
+        </p:spPr>
+        <p:txBody>
+          <a:bodyPr wrap="square" rtlCol="0">
+            <a:spAutoFit/>
+          </a:bodyPr>
+          <a:lstStyle/>
+          <a:p>
+            <a:r>
+              <a:rPr lang="en-US" dirty="0"/>
+              <a:t>Inspired by MTCS we initially generated  games episodes using the random play strategy. </a:t>
+            </a:r>
+          </a:p>
+          <a:p>
+            <a:r>
+              <a:rPr lang="en-US" dirty="0"/>
+              <a:t>Each guess  in the game was converted to its features (see previous slide) while the number of guesses reminds the end of the episodes  (winning ) was used as a label.</a:t>
+            </a:r>
+          </a:p>
+          <a:p>
+            <a:endParaRPr lang="en-US" dirty="0"/>
+          </a:p>
+          <a:p>
+            <a:r>
+              <a:rPr lang="en-US" dirty="0"/>
+              <a:t>That way the network could learn  the connection between a guess(represented by its features)  and how far it is from winning.</a:t>
+            </a:r>
+          </a:p>
+          <a:p>
+            <a:endParaRPr lang="en-US" dirty="0"/>
+          </a:p>
+          <a:p>
+            <a:endParaRPr lang="en-US" dirty="0"/>
+          </a:p>
+          <a:p>
+            <a:endParaRPr lang="en-US" dirty="0"/>
+          </a:p>
+        </p:txBody>
+      </p:sp>
+    </p:spTree>
+    <p:extLst>
+      <p:ext uri="{BB962C8B-B14F-4D97-AF65-F5344CB8AC3E}">
+        <p14:creationId xmlns:p14="http://schemas.microsoft.com/office/powerpoint/2010/main" val="1883222801"/>
+      </p:ext>
+    </p:extLst>
+  </p:cSld>
+  <p:clrMapOvr>
+    <a:masterClrMapping/>
+  </p:clrMapOvr>
+</p:sld>
+</file>
+
+<file path=ppt/slides/slide13.xml><?xml version="1.0" encoding="utf-8"?>
 <p:sld xmlns:a="http://schemas.openxmlformats.org/drawingml/2006/main" xmlns:r="http://schemas.openxmlformats.org/officeDocument/2006/relationships" xmlns:p="http://schemas.openxmlformats.org/presentationml/2006/main">
   <p:cSld>
     <p:spTree>

--- a/ai_final_project_mastermind.pptx
+++ b/ai_final_project_mastermind.pptx
@@ -8746,7 +8746,7 @@
           <a:p>
             <a:r>
               <a:rPr lang="en-US" dirty="0"/>
-              <a:t>           Training the NN – MTCS approach   </a:t>
+              <a:t>           Training the NN – MCTS approach   </a:t>
             </a:r>
             <a:endParaRPr lang="en-US" sz="4000" dirty="0"/>
           </a:p>
@@ -8828,7 +8828,7 @@
         <p:spPr>
           <a:xfrm>
             <a:off x="194345" y="1253083"/>
-            <a:ext cx="11641256" cy="2585323"/>
+            <a:ext cx="11641256" cy="4247317"/>
           </a:xfrm>
           <a:prstGeom prst="rect">
             <a:avLst/>
@@ -8843,7 +8843,7 @@
           <a:p>
             <a:r>
               <a:rPr lang="en-US" dirty="0"/>
-              <a:t>Inspired by MTCS we initially generated  games episodes using the random play strategy. </a:t>
+              <a:t>Inspired by MTCS, we initially generated  games episodes using the random play strategy. </a:t>
             </a:r>
           </a:p>
           <a:p>
@@ -8865,10 +8865,338 @@
             <a:endParaRPr lang="en-US" dirty="0"/>
           </a:p>
           <a:p>
+            <a:r>
+              <a:rPr lang="en-US" dirty="0"/>
+              <a:t>After the NN was trained with initial data – we started playing games with it and its output was used as more training examples to train the network again and again.</a:t>
+            </a:r>
+          </a:p>
+          <a:p>
             <a:endParaRPr lang="en-US" dirty="0"/>
           </a:p>
           <a:p>
             <a:endParaRPr lang="en-US" dirty="0"/>
+          </a:p>
+          <a:p>
+            <a:endParaRPr lang="en-US" dirty="0"/>
+          </a:p>
+          <a:p>
+            <a:endParaRPr lang="en-US" dirty="0"/>
+          </a:p>
+          <a:p>
+            <a:endParaRPr lang="en-US" dirty="0"/>
+          </a:p>
+          <a:p>
+            <a:endParaRPr lang="en-US" dirty="0"/>
+          </a:p>
+        </p:txBody>
+      </p:sp>
+      <p:sp>
+        <p:nvSpPr>
+          <p:cNvPr id="8" name="Rectangle 7">
+            <a:extLst>
+              <a:ext uri="{FF2B5EF4-FFF2-40B4-BE49-F238E27FC236}">
+                <a16:creationId xmlns:a16="http://schemas.microsoft.com/office/drawing/2014/main" id="{8A80D4D7-83E3-4E78-A284-5CAF73539157}"/>
+              </a:ext>
+            </a:extLst>
+          </p:cNvPr>
+          <p:cNvSpPr/>
+          <p:nvPr/>
+        </p:nvSpPr>
+        <p:spPr>
+          <a:xfrm>
+            <a:off x="482825" y="4213514"/>
+            <a:ext cx="1465718" cy="1233200"/>
+          </a:xfrm>
+          <a:prstGeom prst="rect">
+            <a:avLst/>
+          </a:prstGeom>
+        </p:spPr>
+        <p:style>
+          <a:lnRef idx="2">
+            <a:schemeClr val="accent1">
+              <a:shade val="50000"/>
+            </a:schemeClr>
+          </a:lnRef>
+          <a:fillRef idx="1">
+            <a:schemeClr val="accent1"/>
+          </a:fillRef>
+          <a:effectRef idx="0">
+            <a:schemeClr val="accent1"/>
+          </a:effectRef>
+          <a:fontRef idx="minor">
+            <a:schemeClr val="lt1"/>
+          </a:fontRef>
+        </p:style>
+        <p:txBody>
+          <a:bodyPr rtlCol="0" anchor="ctr"/>
+          <a:lstStyle/>
+          <a:p>
+            <a:pPr algn="ctr"/>
+            <a:r>
+              <a:rPr lang="en-US" dirty="0"/>
+              <a:t>Episodes from Random strategy </a:t>
+            </a:r>
+          </a:p>
+        </p:txBody>
+      </p:sp>
+      <p:sp>
+        <p:nvSpPr>
+          <p:cNvPr id="14" name="Arrow: Right 13">
+            <a:extLst>
+              <a:ext uri="{FF2B5EF4-FFF2-40B4-BE49-F238E27FC236}">
+                <a16:creationId xmlns:a16="http://schemas.microsoft.com/office/drawing/2014/main" id="{D06C5AF8-E59F-42EE-BE9E-57F82A4E6CE7}"/>
+              </a:ext>
+            </a:extLst>
+          </p:cNvPr>
+          <p:cNvSpPr/>
+          <p:nvPr/>
+        </p:nvSpPr>
+        <p:spPr>
+          <a:xfrm>
+            <a:off x="1948542" y="4673731"/>
+            <a:ext cx="1719943" cy="269000"/>
+          </a:xfrm>
+          <a:prstGeom prst="rightArrow">
+            <a:avLst/>
+          </a:prstGeom>
+        </p:spPr>
+        <p:style>
+          <a:lnRef idx="2">
+            <a:schemeClr val="accent1">
+              <a:shade val="50000"/>
+            </a:schemeClr>
+          </a:lnRef>
+          <a:fillRef idx="1">
+            <a:schemeClr val="accent1"/>
+          </a:fillRef>
+          <a:effectRef idx="0">
+            <a:schemeClr val="accent1"/>
+          </a:effectRef>
+          <a:fontRef idx="minor">
+            <a:schemeClr val="lt1"/>
+          </a:fontRef>
+        </p:style>
+        <p:txBody>
+          <a:bodyPr rtlCol="0" anchor="ctr"/>
+          <a:lstStyle/>
+          <a:p>
+            <a:pPr algn="ctr"/>
+            <a:endParaRPr lang="en-US" dirty="0"/>
+          </a:p>
+        </p:txBody>
+      </p:sp>
+      <p:sp>
+        <p:nvSpPr>
+          <p:cNvPr id="18" name="TextBox 17">
+            <a:extLst>
+              <a:ext uri="{FF2B5EF4-FFF2-40B4-BE49-F238E27FC236}">
+                <a16:creationId xmlns:a16="http://schemas.microsoft.com/office/drawing/2014/main" id="{1A4E6302-01DF-44C7-8125-DF1D4F3A5021}"/>
+              </a:ext>
+            </a:extLst>
+          </p:cNvPr>
+          <p:cNvSpPr txBox="1"/>
+          <p:nvPr/>
+        </p:nvSpPr>
+        <p:spPr>
+          <a:xfrm>
+            <a:off x="2026758" y="4027400"/>
+            <a:ext cx="1641728" cy="646331"/>
+          </a:xfrm>
+          <a:prstGeom prst="rect">
+            <a:avLst/>
+          </a:prstGeom>
+          <a:noFill/>
+        </p:spPr>
+        <p:txBody>
+          <a:bodyPr wrap="square" rtlCol="0">
+            <a:spAutoFit/>
+          </a:bodyPr>
+          <a:lstStyle/>
+          <a:p>
+            <a:r>
+              <a:rPr lang="en-US" dirty="0"/>
+              <a:t>Training examples </a:t>
+            </a:r>
+          </a:p>
+        </p:txBody>
+      </p:sp>
+      <p:sp>
+        <p:nvSpPr>
+          <p:cNvPr id="19" name="Rectangle 18">
+            <a:extLst>
+              <a:ext uri="{FF2B5EF4-FFF2-40B4-BE49-F238E27FC236}">
+                <a16:creationId xmlns:a16="http://schemas.microsoft.com/office/drawing/2014/main" id="{A57C5296-6F9A-43B0-AE57-F0700F083567}"/>
+              </a:ext>
+            </a:extLst>
+          </p:cNvPr>
+          <p:cNvSpPr/>
+          <p:nvPr/>
+        </p:nvSpPr>
+        <p:spPr>
+          <a:xfrm>
+            <a:off x="3668485" y="4224028"/>
+            <a:ext cx="1641728" cy="1233200"/>
+          </a:xfrm>
+          <a:prstGeom prst="rect">
+            <a:avLst/>
+          </a:prstGeom>
+        </p:spPr>
+        <p:style>
+          <a:lnRef idx="2">
+            <a:schemeClr val="accent4">
+              <a:shade val="50000"/>
+            </a:schemeClr>
+          </a:lnRef>
+          <a:fillRef idx="1">
+            <a:schemeClr val="accent4"/>
+          </a:fillRef>
+          <a:effectRef idx="0">
+            <a:schemeClr val="accent4"/>
+          </a:effectRef>
+          <a:fontRef idx="minor">
+            <a:schemeClr val="lt1"/>
+          </a:fontRef>
+        </p:style>
+        <p:txBody>
+          <a:bodyPr rtlCol="0" anchor="ctr"/>
+          <a:lstStyle/>
+          <a:p>
+            <a:pPr algn="ctr"/>
+            <a:r>
+              <a:rPr lang="en-US" dirty="0"/>
+              <a:t>NN Strategy </a:t>
+            </a:r>
+          </a:p>
+        </p:txBody>
+      </p:sp>
+      <p:sp>
+        <p:nvSpPr>
+          <p:cNvPr id="21" name="Arrow: Right 20">
+            <a:extLst>
+              <a:ext uri="{FF2B5EF4-FFF2-40B4-BE49-F238E27FC236}">
+                <a16:creationId xmlns:a16="http://schemas.microsoft.com/office/drawing/2014/main" id="{BCE02FAC-36B0-4D22-9284-D1896CDCE22C}"/>
+              </a:ext>
+            </a:extLst>
+          </p:cNvPr>
+          <p:cNvSpPr/>
+          <p:nvPr/>
+        </p:nvSpPr>
+        <p:spPr>
+          <a:xfrm>
+            <a:off x="5310213" y="4706128"/>
+            <a:ext cx="1719943" cy="269000"/>
+          </a:xfrm>
+          <a:prstGeom prst="rightArrow">
+            <a:avLst/>
+          </a:prstGeom>
+        </p:spPr>
+        <p:style>
+          <a:lnRef idx="2">
+            <a:schemeClr val="accent1">
+              <a:shade val="50000"/>
+            </a:schemeClr>
+          </a:lnRef>
+          <a:fillRef idx="1">
+            <a:schemeClr val="accent1"/>
+          </a:fillRef>
+          <a:effectRef idx="0">
+            <a:schemeClr val="accent1"/>
+          </a:effectRef>
+          <a:fontRef idx="minor">
+            <a:schemeClr val="lt1"/>
+          </a:fontRef>
+        </p:style>
+        <p:txBody>
+          <a:bodyPr rtlCol="0" anchor="ctr"/>
+          <a:lstStyle/>
+          <a:p>
+            <a:pPr algn="ctr"/>
+            <a:endParaRPr lang="en-US" dirty="0"/>
+          </a:p>
+        </p:txBody>
+      </p:sp>
+      <p:sp>
+        <p:nvSpPr>
+          <p:cNvPr id="22" name="TextBox 21">
+            <a:extLst>
+              <a:ext uri="{FF2B5EF4-FFF2-40B4-BE49-F238E27FC236}">
+                <a16:creationId xmlns:a16="http://schemas.microsoft.com/office/drawing/2014/main" id="{EE8C8B44-B27C-4DC9-88D7-74988FEAC275}"/>
+              </a:ext>
+            </a:extLst>
+          </p:cNvPr>
+          <p:cNvSpPr txBox="1"/>
+          <p:nvPr/>
+        </p:nvSpPr>
+        <p:spPr>
+          <a:xfrm>
+            <a:off x="5424698" y="4141913"/>
+            <a:ext cx="2216226" cy="646331"/>
+          </a:xfrm>
+          <a:prstGeom prst="rect">
+            <a:avLst/>
+          </a:prstGeom>
+          <a:noFill/>
+        </p:spPr>
+        <p:txBody>
+          <a:bodyPr wrap="square" rtlCol="0">
+            <a:spAutoFit/>
+          </a:bodyPr>
+          <a:lstStyle/>
+          <a:p>
+            <a:r>
+              <a:rPr lang="en-US" dirty="0"/>
+              <a:t>More training examples </a:t>
+            </a:r>
+          </a:p>
+        </p:txBody>
+      </p:sp>
+      <p:sp>
+        <p:nvSpPr>
+          <p:cNvPr id="2048" name="Arrow: Curved Left 2047">
+            <a:extLst>
+              <a:ext uri="{FF2B5EF4-FFF2-40B4-BE49-F238E27FC236}">
+                <a16:creationId xmlns:a16="http://schemas.microsoft.com/office/drawing/2014/main" id="{D94254CB-0044-4683-AA65-9DE2B0C97B3D}"/>
+              </a:ext>
+            </a:extLst>
+          </p:cNvPr>
+          <p:cNvSpPr/>
+          <p:nvPr/>
+        </p:nvSpPr>
+        <p:spPr>
+          <a:xfrm rot="5400000">
+            <a:off x="4526441" y="3224805"/>
+            <a:ext cx="1027288" cy="4463144"/>
+          </a:xfrm>
+          <a:prstGeom prst="curvedLeftArrow">
+            <a:avLst/>
+          </a:prstGeom>
+        </p:spPr>
+        <p:style>
+          <a:lnRef idx="2">
+            <a:schemeClr val="accent1">
+              <a:shade val="50000"/>
+            </a:schemeClr>
+          </a:lnRef>
+          <a:fillRef idx="1">
+            <a:schemeClr val="accent1"/>
+          </a:fillRef>
+          <a:effectRef idx="0">
+            <a:schemeClr val="accent1"/>
+          </a:effectRef>
+          <a:fontRef idx="minor">
+            <a:schemeClr val="lt1"/>
+          </a:fontRef>
+        </p:style>
+        <p:txBody>
+          <a:bodyPr rtlCol="0" anchor="ctr"/>
+          <a:lstStyle/>
+          <a:p>
+            <a:pPr algn="ctr"/>
+            <a:endParaRPr lang="en-US">
+              <a:solidFill>
+                <a:schemeClr val="tx1"/>
+              </a:solidFill>
+            </a:endParaRPr>
           </a:p>
         </p:txBody>
       </p:sp>

--- a/ai_final_project_mastermind.pptx
+++ b/ai_final_project_mastermind.pptx
@@ -25730,7 +25730,7 @@
           <p:nvPr>
             <p:extLst>
               <p:ext uri="{D42A27DB-BD31-4B8C-83A1-F6EECF244321}">
-                <p14:modId xmlns:p14="http://schemas.microsoft.com/office/powerpoint/2010/main" val="3880285022"/>
+                <p14:modId xmlns:p14="http://schemas.microsoft.com/office/powerpoint/2010/main" val="4280600420"/>
               </p:ext>
             </p:extLst>
           </p:nvPr>
@@ -26813,7 +26813,7 @@
           <a:p>
             <a:r>
               <a:rPr lang="en-US" dirty="0"/>
-              <a:t>Each guess  in the game was converted to its features (see previous slide) while the number of guesses reminds the end of the episodes  (winning ) was used as a label.</a:t>
+              <a:t>Each guess  in the game was converted to its features (see previous slide) while the number of guesses reminds  to the end of the episodes  (winning ) was used as a label.</a:t>
             </a:r>
           </a:p>
           <a:p>
@@ -27337,6 +27337,378 @@
           </a:p>
         </p:txBody>
       </p:sp>
+      <p:graphicFrame>
+        <p:nvGraphicFramePr>
+          <p:cNvPr id="4" name="Table 3">
+            <a:extLst>
+              <a:ext uri="{FF2B5EF4-FFF2-40B4-BE49-F238E27FC236}">
+                <a16:creationId xmlns:a16="http://schemas.microsoft.com/office/drawing/2014/main" id="{078D5C11-F2E6-4F09-8265-0E2938EB0010}"/>
+              </a:ext>
+            </a:extLst>
+          </p:cNvPr>
+          <p:cNvGraphicFramePr>
+            <a:graphicFrameLocks noGrp="1"/>
+          </p:cNvGraphicFramePr>
+          <p:nvPr>
+            <p:extLst>
+              <p:ext uri="{D42A27DB-BD31-4B8C-83A1-F6EECF244321}">
+                <p14:modId xmlns:p14="http://schemas.microsoft.com/office/powerpoint/2010/main" val="1771215048"/>
+              </p:ext>
+            </p:extLst>
+          </p:nvPr>
+        </p:nvGraphicFramePr>
+        <p:xfrm>
+          <a:off x="500743" y="1968051"/>
+          <a:ext cx="7612439" cy="3878282"/>
+        </p:xfrm>
+        <a:graphic>
+          <a:graphicData uri="http://schemas.openxmlformats.org/drawingml/2006/table">
+            <a:tbl>
+              <a:tblPr firstRow="1" bandRow="1">
+                <a:tableStyleId>{5C22544A-7EE6-4342-B048-85BDC9FD1C3A}</a:tableStyleId>
+              </a:tblPr>
+              <a:tblGrid>
+                <a:gridCol w="3789460">
+                  <a:extLst>
+                    <a:ext uri="{9D8B030D-6E8A-4147-A177-3AD203B41FA5}">
+                      <a16:colId xmlns:a16="http://schemas.microsoft.com/office/drawing/2014/main" val="2193605055"/>
+                    </a:ext>
+                  </a:extLst>
+                </a:gridCol>
+                <a:gridCol w="3822979">
+                  <a:extLst>
+                    <a:ext uri="{9D8B030D-6E8A-4147-A177-3AD203B41FA5}">
+                      <a16:colId xmlns:a16="http://schemas.microsoft.com/office/drawing/2014/main" val="4160411429"/>
+                    </a:ext>
+                  </a:extLst>
+                </a:gridCol>
+              </a:tblGrid>
+              <a:tr h="499344">
+                <a:tc>
+                  <a:txBody>
+                    <a:bodyPr/>
+                    <a:lstStyle/>
+                    <a:p>
+                      <a:r>
+                        <a:rPr lang="en-US" dirty="0"/>
+                        <a:t>Policy name </a:t>
+                      </a:r>
+                    </a:p>
+                  </a:txBody>
+                  <a:tcPr/>
+                </a:tc>
+                <a:tc>
+                  <a:txBody>
+                    <a:bodyPr/>
+                    <a:lstStyle/>
+                    <a:p>
+                      <a:r>
+                        <a:rPr lang="en-US" dirty="0"/>
+                        <a:t>Average guess to win </a:t>
+                      </a:r>
+                    </a:p>
+                  </a:txBody>
+                  <a:tcPr/>
+                </a:tc>
+                <a:extLst>
+                  <a:ext uri="{0D108BD9-81ED-4DB2-BD59-A6C34878D82A}">
+                    <a16:rowId xmlns:a16="http://schemas.microsoft.com/office/drawing/2014/main" val="3143422747"/>
+                  </a:ext>
+                </a:extLst>
+              </a:tr>
+              <a:tr h="368153">
+                <a:tc>
+                  <a:txBody>
+                    <a:bodyPr/>
+                    <a:lstStyle/>
+                    <a:p>
+                      <a:r>
+                        <a:rPr lang="en-US" dirty="0"/>
+                        <a:t>Knuth worst case </a:t>
+                      </a:r>
+                    </a:p>
+                  </a:txBody>
+                  <a:tcPr/>
+                </a:tc>
+                <a:tc>
+                  <a:txBody>
+                    <a:bodyPr/>
+                    <a:lstStyle/>
+                    <a:p>
+                      <a:r>
+                        <a:rPr lang="en-US" dirty="0"/>
+                        <a:t>4.476</a:t>
+                      </a:r>
+                    </a:p>
+                  </a:txBody>
+                  <a:tcPr/>
+                </a:tc>
+                <a:extLst>
+                  <a:ext uri="{0D108BD9-81ED-4DB2-BD59-A6C34878D82A}">
+                    <a16:rowId xmlns:a16="http://schemas.microsoft.com/office/drawing/2014/main" val="1462974170"/>
+                  </a:ext>
+                </a:extLst>
+              </a:tr>
+              <a:tr h="368153">
+                <a:tc>
+                  <a:txBody>
+                    <a:bodyPr/>
+                    <a:lstStyle/>
+                    <a:p>
+                      <a:r>
+                        <a:rPr lang="en-US" sz="1800" b="0" i="0" u="none" strike="noStrike" kern="1200" baseline="0" dirty="0">
+                          <a:solidFill>
+                            <a:schemeClr val="dk1"/>
+                          </a:solidFill>
+                          <a:latin typeface="+mn-lt"/>
+                          <a:ea typeface="+mn-ea"/>
+                          <a:cs typeface="+mn-cs"/>
+                        </a:rPr>
+                        <a:t>Expected size</a:t>
+                      </a:r>
+                      <a:endParaRPr lang="en-US" dirty="0"/>
+                    </a:p>
+                  </a:txBody>
+                  <a:tcPr/>
+                </a:tc>
+                <a:tc>
+                  <a:txBody>
+                    <a:bodyPr/>
+                    <a:lstStyle/>
+                    <a:p>
+                      <a:r>
+                        <a:rPr lang="en-US" sz="1800" b="0" i="0" u="none" strike="noStrike" kern="1200" baseline="0" dirty="0">
+                          <a:solidFill>
+                            <a:schemeClr val="dk1"/>
+                          </a:solidFill>
+                          <a:latin typeface="+mn-lt"/>
+                          <a:ea typeface="+mn-ea"/>
+                          <a:cs typeface="+mn-cs"/>
+                        </a:rPr>
+                        <a:t>4.395</a:t>
+                      </a:r>
+                      <a:endParaRPr lang="en-US" dirty="0"/>
+                    </a:p>
+                  </a:txBody>
+                  <a:tcPr/>
+                </a:tc>
+                <a:extLst>
+                  <a:ext uri="{0D108BD9-81ED-4DB2-BD59-A6C34878D82A}">
+                    <a16:rowId xmlns:a16="http://schemas.microsoft.com/office/drawing/2014/main" val="351726747"/>
+                  </a:ext>
+                </a:extLst>
+              </a:tr>
+              <a:tr h="368153">
+                <a:tc>
+                  <a:txBody>
+                    <a:bodyPr/>
+                    <a:lstStyle/>
+                    <a:p>
+                      <a:r>
+                        <a:rPr lang="en-US" dirty="0"/>
+                        <a:t>Entropy </a:t>
+                      </a:r>
+                    </a:p>
+                  </a:txBody>
+                  <a:tcPr/>
+                </a:tc>
+                <a:tc>
+                  <a:txBody>
+                    <a:bodyPr/>
+                    <a:lstStyle/>
+                    <a:p>
+                      <a:r>
+                        <a:rPr lang="en-US" sz="1800" b="0" i="0" u="none" strike="noStrike" kern="1200" baseline="0" dirty="0">
+                          <a:solidFill>
+                            <a:schemeClr val="dk1"/>
+                          </a:solidFill>
+                          <a:latin typeface="+mn-lt"/>
+                          <a:ea typeface="+mn-ea"/>
+                          <a:cs typeface="+mn-cs"/>
+                        </a:rPr>
+                        <a:t>4.415</a:t>
+                      </a:r>
+                      <a:endParaRPr lang="en-US" dirty="0"/>
+                    </a:p>
+                  </a:txBody>
+                  <a:tcPr/>
+                </a:tc>
+                <a:extLst>
+                  <a:ext uri="{0D108BD9-81ED-4DB2-BD59-A6C34878D82A}">
+                    <a16:rowId xmlns:a16="http://schemas.microsoft.com/office/drawing/2014/main" val="2694972590"/>
+                  </a:ext>
+                </a:extLst>
+              </a:tr>
+              <a:tr h="368153">
+                <a:tc>
+                  <a:txBody>
+                    <a:bodyPr/>
+                    <a:lstStyle/>
+                    <a:p>
+                      <a:r>
+                        <a:rPr lang="en-US" dirty="0"/>
+                        <a:t>Most parts </a:t>
+                      </a:r>
+                    </a:p>
+                  </a:txBody>
+                  <a:tcPr/>
+                </a:tc>
+                <a:tc>
+                  <a:txBody>
+                    <a:bodyPr/>
+                    <a:lstStyle/>
+                    <a:p>
+                      <a:r>
+                        <a:rPr lang="en-US" sz="1800" b="0" i="0" u="none" strike="noStrike" kern="1200" baseline="0" dirty="0">
+                          <a:solidFill>
+                            <a:schemeClr val="dk1"/>
+                          </a:solidFill>
+                          <a:latin typeface="+mn-lt"/>
+                          <a:ea typeface="+mn-ea"/>
+                          <a:cs typeface="+mn-cs"/>
+                        </a:rPr>
+                        <a:t>4.373</a:t>
+                      </a:r>
+                      <a:endParaRPr lang="en-US" dirty="0"/>
+                    </a:p>
+                  </a:txBody>
+                  <a:tcPr/>
+                </a:tc>
+                <a:extLst>
+                  <a:ext uri="{0D108BD9-81ED-4DB2-BD59-A6C34878D82A}">
+                    <a16:rowId xmlns:a16="http://schemas.microsoft.com/office/drawing/2014/main" val="944378898"/>
+                  </a:ext>
+                </a:extLst>
+              </a:tr>
+              <a:tr h="635442">
+                <a:tc>
+                  <a:txBody>
+                    <a:bodyPr/>
+                    <a:lstStyle/>
+                    <a:p>
+                      <a:r>
+                        <a:rPr lang="en-US" dirty="0"/>
+                        <a:t>Optimal (</a:t>
+                      </a:r>
+                      <a:r>
+                        <a:rPr lang="en-US" dirty="0">
+                          <a:hlinkClick r:id="rId2"/>
+                        </a:rPr>
+                        <a:t>Koyoma and Lai</a:t>
+                      </a:r>
+                      <a:r>
+                        <a:rPr lang="en-US" dirty="0"/>
+                        <a:t>)</a:t>
+                      </a:r>
+                    </a:p>
+                  </a:txBody>
+                  <a:tcPr/>
+                </a:tc>
+                <a:tc>
+                  <a:txBody>
+                    <a:bodyPr/>
+                    <a:lstStyle/>
+                    <a:p>
+                      <a:r>
+                        <a:rPr lang="en-US" dirty="0"/>
+                        <a:t>4.340</a:t>
+                      </a:r>
+                    </a:p>
+                  </a:txBody>
+                  <a:tcPr/>
+                </a:tc>
+                <a:extLst>
+                  <a:ext uri="{0D108BD9-81ED-4DB2-BD59-A6C34878D82A}">
+                    <a16:rowId xmlns:a16="http://schemas.microsoft.com/office/drawing/2014/main" val="3121445676"/>
+                  </a:ext>
+                </a:extLst>
+              </a:tr>
+              <a:tr h="635442">
+                <a:tc>
+                  <a:txBody>
+                    <a:bodyPr/>
+                    <a:lstStyle/>
+                    <a:p>
+                      <a:r>
+                        <a:rPr lang="en-US" dirty="0">
+                          <a:solidFill>
+                            <a:srgbClr val="00B0F0"/>
+                          </a:solidFill>
+                        </a:rPr>
+                        <a:t>Knuth optimized </a:t>
+                      </a:r>
+                    </a:p>
+                  </a:txBody>
+                  <a:tcPr/>
+                </a:tc>
+                <a:tc>
+                  <a:txBody>
+                    <a:bodyPr/>
+                    <a:lstStyle/>
+                    <a:p>
+                      <a:r>
+                        <a:rPr lang="en-US" dirty="0">
+                          <a:solidFill>
+                            <a:srgbClr val="00B0F0"/>
+                          </a:solidFill>
+                        </a:rPr>
+                        <a:t>4.451</a:t>
+                      </a:r>
+                    </a:p>
+                  </a:txBody>
+                  <a:tcPr/>
+                </a:tc>
+                <a:extLst>
+                  <a:ext uri="{0D108BD9-81ED-4DB2-BD59-A6C34878D82A}">
+                    <a16:rowId xmlns:a16="http://schemas.microsoft.com/office/drawing/2014/main" val="1297364835"/>
+                  </a:ext>
+                </a:extLst>
+              </a:tr>
+              <a:tr h="635442">
+                <a:tc>
+                  <a:txBody>
+                    <a:bodyPr/>
+                    <a:lstStyle/>
+                    <a:p>
+                      <a:r>
+                        <a:rPr lang="en-US" dirty="0">
+                          <a:solidFill>
+                            <a:srgbClr val="00B0F0"/>
+                          </a:solidFill>
+                        </a:rPr>
+                        <a:t>NN </a:t>
+                      </a:r>
+                    </a:p>
+                  </a:txBody>
+                  <a:tcPr/>
+                </a:tc>
+                <a:tc>
+                  <a:txBody>
+                    <a:bodyPr/>
+                    <a:lstStyle/>
+                    <a:p>
+                      <a:r>
+                        <a:rPr lang="en-US" dirty="0">
+                          <a:solidFill>
+                            <a:srgbClr val="00B0F0"/>
+                          </a:solidFill>
+                        </a:rPr>
+                        <a:t>4.4386</a:t>
+                      </a:r>
+                    </a:p>
+                  </a:txBody>
+                  <a:tcPr/>
+                </a:tc>
+                <a:extLst>
+                  <a:ext uri="{0D108BD9-81ED-4DB2-BD59-A6C34878D82A}">
+                    <a16:rowId xmlns:a16="http://schemas.microsoft.com/office/drawing/2014/main" val="1124989588"/>
+                  </a:ext>
+                </a:extLst>
+              </a:tr>
+            </a:tbl>
+          </a:graphicData>
+        </a:graphic>
+      </p:graphicFrame>
     </p:spTree>
     <p:extLst>
       <p:ext uri="{BB962C8B-B14F-4D97-AF65-F5344CB8AC3E}">

--- a/ai_final_project_mastermind.pptx
+++ b/ai_final_project_mastermind.pptx
@@ -13,11 +13,11 @@
     <p:sldId id="260" r:id="rId4"/>
     <p:sldId id="257" r:id="rId5"/>
     <p:sldId id="258" r:id="rId6"/>
-    <p:sldId id="263" r:id="rId7"/>
-    <p:sldId id="268" r:id="rId8"/>
-    <p:sldId id="270" r:id="rId9"/>
-    <p:sldId id="269" r:id="rId10"/>
-    <p:sldId id="264" r:id="rId11"/>
+    <p:sldId id="268" r:id="rId7"/>
+    <p:sldId id="263" r:id="rId8"/>
+    <p:sldId id="264" r:id="rId9"/>
+    <p:sldId id="270" r:id="rId10"/>
+    <p:sldId id="269" r:id="rId11"/>
     <p:sldId id="271" r:id="rId12"/>
     <p:sldId id="272" r:id="rId13"/>
     <p:sldId id="273" r:id="rId14"/>
@@ -175,6 +175,1318 @@
             </a:pPr>
             <a:r>
               <a:rPr lang="en-US"/>
+              <a:t>worst case strategy</a:t>
+            </a:r>
+            <a:r>
+              <a:rPr lang="en-US" baseline="0"/>
+              <a:t> </a:t>
+            </a:r>
+            <a:r>
+              <a:rPr lang="en-US"/>
+              <a:t> improvement over time</a:t>
+            </a:r>
+          </a:p>
+        </c:rich>
+      </c:tx>
+      <c:layout>
+        <c:manualLayout>
+          <c:xMode val="edge"/>
+          <c:yMode val="edge"/>
+          <c:x val="0.1446480023330417"/>
+          <c:y val="0"/>
+        </c:manualLayout>
+      </c:layout>
+      <c:overlay val="0"/>
+      <c:spPr>
+        <a:noFill/>
+        <a:ln>
+          <a:noFill/>
+        </a:ln>
+        <a:effectLst/>
+      </c:spPr>
+      <c:txPr>
+        <a:bodyPr rot="0" spcFirstLastPara="1" vertOverflow="ellipsis" vert="horz" wrap="square" anchor="ctr" anchorCtr="1"/>
+        <a:lstStyle/>
+        <a:p>
+          <a:pPr>
+            <a:defRPr sz="1400" b="0" i="0" u="none" strike="noStrike" kern="1200" spc="0" baseline="0">
+              <a:solidFill>
+                <a:schemeClr val="tx1">
+                  <a:lumMod val="65000"/>
+                  <a:lumOff val="35000"/>
+                </a:schemeClr>
+              </a:solidFill>
+              <a:latin typeface="+mn-lt"/>
+              <a:ea typeface="+mn-ea"/>
+              <a:cs typeface="+mn-cs"/>
+            </a:defRPr>
+          </a:pPr>
+          <a:endParaRPr lang="en-US"/>
+        </a:p>
+      </c:txPr>
+    </c:title>
+    <c:autoTitleDeleted val="0"/>
+    <c:plotArea>
+      <c:layout/>
+      <c:scatterChart>
+        <c:scatterStyle val="smoothMarker"/>
+        <c:varyColors val="0"/>
+        <c:ser>
+          <c:idx val="0"/>
+          <c:order val="0"/>
+          <c:spPr>
+            <a:ln w="19050" cap="rnd">
+              <a:solidFill>
+                <a:schemeClr val="accent1"/>
+              </a:solidFill>
+              <a:round/>
+            </a:ln>
+            <a:effectLst/>
+          </c:spPr>
+          <c:marker>
+            <c:symbol val="circle"/>
+            <c:size val="5"/>
+            <c:spPr>
+              <a:solidFill>
+                <a:schemeClr val="accent1"/>
+              </a:solidFill>
+              <a:ln w="9525">
+                <a:solidFill>
+                  <a:schemeClr val="accent1"/>
+                </a:solidFill>
+              </a:ln>
+              <a:effectLst/>
+            </c:spPr>
+          </c:marker>
+          <c:xVal>
+            <c:numRef>
+              <c:f>Sheet2!$E$2:$E$148</c:f>
+              <c:numCache>
+                <c:formatCode>General</c:formatCode>
+                <c:ptCount val="147"/>
+                <c:pt idx="0">
+                  <c:v>0</c:v>
+                </c:pt>
+                <c:pt idx="1">
+                  <c:v>1</c:v>
+                </c:pt>
+                <c:pt idx="2">
+                  <c:v>2</c:v>
+                </c:pt>
+                <c:pt idx="3">
+                  <c:v>3</c:v>
+                </c:pt>
+                <c:pt idx="4">
+                  <c:v>4</c:v>
+                </c:pt>
+                <c:pt idx="5">
+                  <c:v>5</c:v>
+                </c:pt>
+                <c:pt idx="6">
+                  <c:v>6</c:v>
+                </c:pt>
+                <c:pt idx="7">
+                  <c:v>7</c:v>
+                </c:pt>
+                <c:pt idx="8">
+                  <c:v>8</c:v>
+                </c:pt>
+                <c:pt idx="9">
+                  <c:v>9</c:v>
+                </c:pt>
+                <c:pt idx="10">
+                  <c:v>10</c:v>
+                </c:pt>
+                <c:pt idx="11">
+                  <c:v>11</c:v>
+                </c:pt>
+                <c:pt idx="12">
+                  <c:v>12</c:v>
+                </c:pt>
+                <c:pt idx="13">
+                  <c:v>13</c:v>
+                </c:pt>
+                <c:pt idx="14">
+                  <c:v>14</c:v>
+                </c:pt>
+                <c:pt idx="15">
+                  <c:v>15</c:v>
+                </c:pt>
+                <c:pt idx="16">
+                  <c:v>16</c:v>
+                </c:pt>
+                <c:pt idx="17">
+                  <c:v>17</c:v>
+                </c:pt>
+                <c:pt idx="18">
+                  <c:v>18</c:v>
+                </c:pt>
+                <c:pt idx="19">
+                  <c:v>19</c:v>
+                </c:pt>
+                <c:pt idx="20">
+                  <c:v>20</c:v>
+                </c:pt>
+                <c:pt idx="21">
+                  <c:v>21</c:v>
+                </c:pt>
+                <c:pt idx="22">
+                  <c:v>22</c:v>
+                </c:pt>
+                <c:pt idx="23">
+                  <c:v>23</c:v>
+                </c:pt>
+                <c:pt idx="24">
+                  <c:v>24</c:v>
+                </c:pt>
+                <c:pt idx="25">
+                  <c:v>25</c:v>
+                </c:pt>
+                <c:pt idx="26">
+                  <c:v>26</c:v>
+                </c:pt>
+                <c:pt idx="27">
+                  <c:v>27</c:v>
+                </c:pt>
+                <c:pt idx="28">
+                  <c:v>28</c:v>
+                </c:pt>
+                <c:pt idx="29">
+                  <c:v>29</c:v>
+                </c:pt>
+                <c:pt idx="30">
+                  <c:v>30</c:v>
+                </c:pt>
+                <c:pt idx="31">
+                  <c:v>31</c:v>
+                </c:pt>
+                <c:pt idx="32">
+                  <c:v>32</c:v>
+                </c:pt>
+                <c:pt idx="33">
+                  <c:v>33</c:v>
+                </c:pt>
+                <c:pt idx="34">
+                  <c:v>34</c:v>
+                </c:pt>
+                <c:pt idx="35">
+                  <c:v>35</c:v>
+                </c:pt>
+                <c:pt idx="36">
+                  <c:v>36</c:v>
+                </c:pt>
+                <c:pt idx="37">
+                  <c:v>37</c:v>
+                </c:pt>
+                <c:pt idx="38">
+                  <c:v>38</c:v>
+                </c:pt>
+                <c:pt idx="39">
+                  <c:v>39</c:v>
+                </c:pt>
+                <c:pt idx="40">
+                  <c:v>40</c:v>
+                </c:pt>
+                <c:pt idx="41">
+                  <c:v>41</c:v>
+                </c:pt>
+                <c:pt idx="42">
+                  <c:v>42</c:v>
+                </c:pt>
+                <c:pt idx="43">
+                  <c:v>43</c:v>
+                </c:pt>
+                <c:pt idx="44">
+                  <c:v>44</c:v>
+                </c:pt>
+                <c:pt idx="45">
+                  <c:v>45</c:v>
+                </c:pt>
+                <c:pt idx="46">
+                  <c:v>46</c:v>
+                </c:pt>
+                <c:pt idx="47">
+                  <c:v>47</c:v>
+                </c:pt>
+                <c:pt idx="48">
+                  <c:v>48</c:v>
+                </c:pt>
+                <c:pt idx="49">
+                  <c:v>49</c:v>
+                </c:pt>
+                <c:pt idx="50">
+                  <c:v>50</c:v>
+                </c:pt>
+                <c:pt idx="51">
+                  <c:v>51</c:v>
+                </c:pt>
+                <c:pt idx="52">
+                  <c:v>52</c:v>
+                </c:pt>
+                <c:pt idx="53">
+                  <c:v>53</c:v>
+                </c:pt>
+                <c:pt idx="54">
+                  <c:v>54</c:v>
+                </c:pt>
+                <c:pt idx="55">
+                  <c:v>55</c:v>
+                </c:pt>
+                <c:pt idx="56">
+                  <c:v>56</c:v>
+                </c:pt>
+                <c:pt idx="57">
+                  <c:v>57</c:v>
+                </c:pt>
+                <c:pt idx="58">
+                  <c:v>58</c:v>
+                </c:pt>
+                <c:pt idx="59">
+                  <c:v>59</c:v>
+                </c:pt>
+                <c:pt idx="60">
+                  <c:v>60</c:v>
+                </c:pt>
+                <c:pt idx="61">
+                  <c:v>61</c:v>
+                </c:pt>
+                <c:pt idx="62">
+                  <c:v>62</c:v>
+                </c:pt>
+                <c:pt idx="63">
+                  <c:v>63</c:v>
+                </c:pt>
+                <c:pt idx="64">
+                  <c:v>64</c:v>
+                </c:pt>
+                <c:pt idx="65">
+                  <c:v>65</c:v>
+                </c:pt>
+                <c:pt idx="66">
+                  <c:v>66</c:v>
+                </c:pt>
+                <c:pt idx="67">
+                  <c:v>67</c:v>
+                </c:pt>
+                <c:pt idx="68">
+                  <c:v>68</c:v>
+                </c:pt>
+                <c:pt idx="69">
+                  <c:v>69</c:v>
+                </c:pt>
+                <c:pt idx="70">
+                  <c:v>70</c:v>
+                </c:pt>
+                <c:pt idx="71">
+                  <c:v>71</c:v>
+                </c:pt>
+                <c:pt idx="72">
+                  <c:v>72</c:v>
+                </c:pt>
+                <c:pt idx="73">
+                  <c:v>73</c:v>
+                </c:pt>
+                <c:pt idx="74">
+                  <c:v>74</c:v>
+                </c:pt>
+                <c:pt idx="75">
+                  <c:v>75</c:v>
+                </c:pt>
+                <c:pt idx="76">
+                  <c:v>76</c:v>
+                </c:pt>
+                <c:pt idx="77">
+                  <c:v>77</c:v>
+                </c:pt>
+                <c:pt idx="78">
+                  <c:v>78</c:v>
+                </c:pt>
+                <c:pt idx="79">
+                  <c:v>79</c:v>
+                </c:pt>
+                <c:pt idx="80">
+                  <c:v>80</c:v>
+                </c:pt>
+                <c:pt idx="81">
+                  <c:v>81</c:v>
+                </c:pt>
+                <c:pt idx="82">
+                  <c:v>82</c:v>
+                </c:pt>
+                <c:pt idx="83">
+                  <c:v>83</c:v>
+                </c:pt>
+                <c:pt idx="84">
+                  <c:v>84</c:v>
+                </c:pt>
+                <c:pt idx="85">
+                  <c:v>85</c:v>
+                </c:pt>
+                <c:pt idx="86">
+                  <c:v>86</c:v>
+                </c:pt>
+                <c:pt idx="87">
+                  <c:v>87</c:v>
+                </c:pt>
+                <c:pt idx="88">
+                  <c:v>88</c:v>
+                </c:pt>
+                <c:pt idx="89">
+                  <c:v>89</c:v>
+                </c:pt>
+                <c:pt idx="90">
+                  <c:v>90</c:v>
+                </c:pt>
+                <c:pt idx="91">
+                  <c:v>91</c:v>
+                </c:pt>
+                <c:pt idx="92">
+                  <c:v>92</c:v>
+                </c:pt>
+                <c:pt idx="93">
+                  <c:v>93</c:v>
+                </c:pt>
+                <c:pt idx="94">
+                  <c:v>94</c:v>
+                </c:pt>
+                <c:pt idx="95">
+                  <c:v>95</c:v>
+                </c:pt>
+                <c:pt idx="96">
+                  <c:v>96</c:v>
+                </c:pt>
+                <c:pt idx="97">
+                  <c:v>97</c:v>
+                </c:pt>
+                <c:pt idx="98">
+                  <c:v>98</c:v>
+                </c:pt>
+                <c:pt idx="99">
+                  <c:v>99</c:v>
+                </c:pt>
+                <c:pt idx="100">
+                  <c:v>100</c:v>
+                </c:pt>
+                <c:pt idx="101">
+                  <c:v>101</c:v>
+                </c:pt>
+                <c:pt idx="102">
+                  <c:v>102</c:v>
+                </c:pt>
+                <c:pt idx="103">
+                  <c:v>103</c:v>
+                </c:pt>
+                <c:pt idx="104">
+                  <c:v>104</c:v>
+                </c:pt>
+                <c:pt idx="105">
+                  <c:v>105</c:v>
+                </c:pt>
+                <c:pt idx="106">
+                  <c:v>106</c:v>
+                </c:pt>
+                <c:pt idx="107">
+                  <c:v>107</c:v>
+                </c:pt>
+                <c:pt idx="108">
+                  <c:v>108</c:v>
+                </c:pt>
+                <c:pt idx="109">
+                  <c:v>109</c:v>
+                </c:pt>
+                <c:pt idx="110">
+                  <c:v>110</c:v>
+                </c:pt>
+                <c:pt idx="111">
+                  <c:v>111</c:v>
+                </c:pt>
+                <c:pt idx="112">
+                  <c:v>112</c:v>
+                </c:pt>
+                <c:pt idx="113">
+                  <c:v>113</c:v>
+                </c:pt>
+                <c:pt idx="114">
+                  <c:v>114</c:v>
+                </c:pt>
+                <c:pt idx="115">
+                  <c:v>115</c:v>
+                </c:pt>
+                <c:pt idx="116">
+                  <c:v>116</c:v>
+                </c:pt>
+                <c:pt idx="117">
+                  <c:v>117</c:v>
+                </c:pt>
+                <c:pt idx="118">
+                  <c:v>118</c:v>
+                </c:pt>
+                <c:pt idx="119">
+                  <c:v>119</c:v>
+                </c:pt>
+                <c:pt idx="120">
+                  <c:v>120</c:v>
+                </c:pt>
+                <c:pt idx="121">
+                  <c:v>121</c:v>
+                </c:pt>
+                <c:pt idx="122">
+                  <c:v>122</c:v>
+                </c:pt>
+                <c:pt idx="123">
+                  <c:v>123</c:v>
+                </c:pt>
+                <c:pt idx="124">
+                  <c:v>124</c:v>
+                </c:pt>
+                <c:pt idx="125">
+                  <c:v>125</c:v>
+                </c:pt>
+                <c:pt idx="126">
+                  <c:v>126</c:v>
+                </c:pt>
+                <c:pt idx="127">
+                  <c:v>127</c:v>
+                </c:pt>
+                <c:pt idx="128">
+                  <c:v>128</c:v>
+                </c:pt>
+                <c:pt idx="129">
+                  <c:v>129</c:v>
+                </c:pt>
+                <c:pt idx="130">
+                  <c:v>130</c:v>
+                </c:pt>
+                <c:pt idx="131">
+                  <c:v>131</c:v>
+                </c:pt>
+                <c:pt idx="132">
+                  <c:v>132</c:v>
+                </c:pt>
+                <c:pt idx="133">
+                  <c:v>133</c:v>
+                </c:pt>
+                <c:pt idx="134">
+                  <c:v>134</c:v>
+                </c:pt>
+                <c:pt idx="135">
+                  <c:v>135</c:v>
+                </c:pt>
+                <c:pt idx="136">
+                  <c:v>136</c:v>
+                </c:pt>
+                <c:pt idx="137">
+                  <c:v>137</c:v>
+                </c:pt>
+                <c:pt idx="138">
+                  <c:v>138</c:v>
+                </c:pt>
+                <c:pt idx="139">
+                  <c:v>139</c:v>
+                </c:pt>
+                <c:pt idx="140">
+                  <c:v>140</c:v>
+                </c:pt>
+                <c:pt idx="141">
+                  <c:v>141</c:v>
+                </c:pt>
+                <c:pt idx="142">
+                  <c:v>142</c:v>
+                </c:pt>
+                <c:pt idx="143">
+                  <c:v>143</c:v>
+                </c:pt>
+                <c:pt idx="144">
+                  <c:v>144</c:v>
+                </c:pt>
+                <c:pt idx="145">
+                  <c:v>145</c:v>
+                </c:pt>
+                <c:pt idx="146">
+                  <c:v>146</c:v>
+                </c:pt>
+              </c:numCache>
+            </c:numRef>
+          </c:xVal>
+          <c:yVal>
+            <c:numRef>
+              <c:f>Sheet2!$F$2:$F$148</c:f>
+              <c:numCache>
+                <c:formatCode>General</c:formatCode>
+                <c:ptCount val="147"/>
+                <c:pt idx="0">
+                  <c:v>4.476</c:v>
+                </c:pt>
+                <c:pt idx="1">
+                  <c:v>4.4675925925925926</c:v>
+                </c:pt>
+                <c:pt idx="2">
+                  <c:v>4.4675925925925926</c:v>
+                </c:pt>
+                <c:pt idx="3">
+                  <c:v>4.4675925925925926</c:v>
+                </c:pt>
+                <c:pt idx="4">
+                  <c:v>4.466049382716049</c:v>
+                </c:pt>
+                <c:pt idx="5">
+                  <c:v>4.466049382716049</c:v>
+                </c:pt>
+                <c:pt idx="6">
+                  <c:v>4.466049382716049</c:v>
+                </c:pt>
+                <c:pt idx="7">
+                  <c:v>4.466049382716049</c:v>
+                </c:pt>
+                <c:pt idx="8">
+                  <c:v>4.466049382716049</c:v>
+                </c:pt>
+                <c:pt idx="9">
+                  <c:v>4.466049382716049</c:v>
+                </c:pt>
+                <c:pt idx="10">
+                  <c:v>4.4652777777777777</c:v>
+                </c:pt>
+                <c:pt idx="11">
+                  <c:v>4.4652777777777777</c:v>
+                </c:pt>
+                <c:pt idx="12">
+                  <c:v>4.4652777777777777</c:v>
+                </c:pt>
+                <c:pt idx="13">
+                  <c:v>4.4621913580246915</c:v>
+                </c:pt>
+                <c:pt idx="14">
+                  <c:v>4.4621913580246915</c:v>
+                </c:pt>
+                <c:pt idx="15">
+                  <c:v>4.4621913580246915</c:v>
+                </c:pt>
+                <c:pt idx="16">
+                  <c:v>4.4621913580246915</c:v>
+                </c:pt>
+                <c:pt idx="17">
+                  <c:v>4.4621913580246915</c:v>
+                </c:pt>
+                <c:pt idx="18">
+                  <c:v>4.4621913580246915</c:v>
+                </c:pt>
+                <c:pt idx="19">
+                  <c:v>4.4606481481481479</c:v>
+                </c:pt>
+                <c:pt idx="20">
+                  <c:v>4.4606481481481479</c:v>
+                </c:pt>
+                <c:pt idx="21">
+                  <c:v>4.4606481481481479</c:v>
+                </c:pt>
+                <c:pt idx="22">
+                  <c:v>4.4606481481481479</c:v>
+                </c:pt>
+                <c:pt idx="23">
+                  <c:v>4.4606481481481479</c:v>
+                </c:pt>
+                <c:pt idx="24">
+                  <c:v>4.4606481481481479</c:v>
+                </c:pt>
+                <c:pt idx="25">
+                  <c:v>4.4606481481481479</c:v>
+                </c:pt>
+                <c:pt idx="26">
+                  <c:v>4.4606481481481479</c:v>
+                </c:pt>
+                <c:pt idx="27">
+                  <c:v>4.4606481481481479</c:v>
+                </c:pt>
+                <c:pt idx="28">
+                  <c:v>4.4606481481481479</c:v>
+                </c:pt>
+                <c:pt idx="29">
+                  <c:v>4.4606481481481479</c:v>
+                </c:pt>
+                <c:pt idx="30">
+                  <c:v>4.4606481481481479</c:v>
+                </c:pt>
+                <c:pt idx="31">
+                  <c:v>4.4606481481481479</c:v>
+                </c:pt>
+                <c:pt idx="32">
+                  <c:v>4.4606481481481479</c:v>
+                </c:pt>
+                <c:pt idx="33">
+                  <c:v>4.4606481481481479</c:v>
+                </c:pt>
+                <c:pt idx="34">
+                  <c:v>4.4606481481481479</c:v>
+                </c:pt>
+                <c:pt idx="35">
+                  <c:v>4.4606481481481479</c:v>
+                </c:pt>
+                <c:pt idx="36">
+                  <c:v>4.4606481481481479</c:v>
+                </c:pt>
+                <c:pt idx="37">
+                  <c:v>4.4606481481481479</c:v>
+                </c:pt>
+                <c:pt idx="38">
+                  <c:v>4.4606481481481479</c:v>
+                </c:pt>
+                <c:pt idx="39">
+                  <c:v>4.4606481481481479</c:v>
+                </c:pt>
+                <c:pt idx="40">
+                  <c:v>4.4606481481481479</c:v>
+                </c:pt>
+                <c:pt idx="41">
+                  <c:v>4.4606481481481479</c:v>
+                </c:pt>
+                <c:pt idx="42">
+                  <c:v>4.4606481481481479</c:v>
+                </c:pt>
+                <c:pt idx="43">
+                  <c:v>4.4606481481481479</c:v>
+                </c:pt>
+                <c:pt idx="44">
+                  <c:v>4.4606481481481479</c:v>
+                </c:pt>
+                <c:pt idx="45">
+                  <c:v>4.4606481481481479</c:v>
+                </c:pt>
+                <c:pt idx="46">
+                  <c:v>4.4606481481481479</c:v>
+                </c:pt>
+                <c:pt idx="47">
+                  <c:v>4.4606481481481479</c:v>
+                </c:pt>
+                <c:pt idx="48">
+                  <c:v>4.4606481481481479</c:v>
+                </c:pt>
+                <c:pt idx="49">
+                  <c:v>4.4606481481481479</c:v>
+                </c:pt>
+                <c:pt idx="50">
+                  <c:v>4.4606481481481479</c:v>
+                </c:pt>
+                <c:pt idx="51">
+                  <c:v>4.4606481481481479</c:v>
+                </c:pt>
+                <c:pt idx="52">
+                  <c:v>4.4606481481481479</c:v>
+                </c:pt>
+                <c:pt idx="53">
+                  <c:v>4.4606481481481479</c:v>
+                </c:pt>
+                <c:pt idx="54">
+                  <c:v>4.4606481481481479</c:v>
+                </c:pt>
+                <c:pt idx="55">
+                  <c:v>4.4606481481481479</c:v>
+                </c:pt>
+                <c:pt idx="56">
+                  <c:v>4.4606481481481479</c:v>
+                </c:pt>
+                <c:pt idx="57">
+                  <c:v>4.4606481481481479</c:v>
+                </c:pt>
+                <c:pt idx="58">
+                  <c:v>4.4606481481481479</c:v>
+                </c:pt>
+                <c:pt idx="59">
+                  <c:v>4.4606481481481479</c:v>
+                </c:pt>
+                <c:pt idx="60">
+                  <c:v>4.4606481481481479</c:v>
+                </c:pt>
+                <c:pt idx="61">
+                  <c:v>4.4606481481481479</c:v>
+                </c:pt>
+                <c:pt idx="62">
+                  <c:v>4.4606481481481479</c:v>
+                </c:pt>
+                <c:pt idx="63">
+                  <c:v>4.4606481481481479</c:v>
+                </c:pt>
+                <c:pt idx="64">
+                  <c:v>4.4606481481481479</c:v>
+                </c:pt>
+                <c:pt idx="65">
+                  <c:v>4.4606481481481479</c:v>
+                </c:pt>
+                <c:pt idx="66">
+                  <c:v>4.4606481481481479</c:v>
+                </c:pt>
+                <c:pt idx="67">
+                  <c:v>4.4606481481481479</c:v>
+                </c:pt>
+                <c:pt idx="68">
+                  <c:v>4.4606481481481479</c:v>
+                </c:pt>
+                <c:pt idx="69">
+                  <c:v>4.4606481481481479</c:v>
+                </c:pt>
+                <c:pt idx="70">
+                  <c:v>4.4606481481481479</c:v>
+                </c:pt>
+                <c:pt idx="71">
+                  <c:v>4.4606481481481479</c:v>
+                </c:pt>
+                <c:pt idx="72">
+                  <c:v>4.4606481481481479</c:v>
+                </c:pt>
+                <c:pt idx="73">
+                  <c:v>4.4606481481481479</c:v>
+                </c:pt>
+                <c:pt idx="74">
+                  <c:v>4.4606481481481479</c:v>
+                </c:pt>
+                <c:pt idx="75">
+                  <c:v>4.4606481481481479</c:v>
+                </c:pt>
+                <c:pt idx="76">
+                  <c:v>4.4606481481481479</c:v>
+                </c:pt>
+                <c:pt idx="77">
+                  <c:v>4.4606481481481479</c:v>
+                </c:pt>
+                <c:pt idx="78">
+                  <c:v>4.4606481481481479</c:v>
+                </c:pt>
+                <c:pt idx="79">
+                  <c:v>4.4606481481481479</c:v>
+                </c:pt>
+                <c:pt idx="80">
+                  <c:v>4.4606481481481479</c:v>
+                </c:pt>
+                <c:pt idx="81">
+                  <c:v>4.4606481481481479</c:v>
+                </c:pt>
+                <c:pt idx="82">
+                  <c:v>4.4606481481481479</c:v>
+                </c:pt>
+                <c:pt idx="83">
+                  <c:v>4.4606481481481479</c:v>
+                </c:pt>
+                <c:pt idx="84">
+                  <c:v>4.4606481481481479</c:v>
+                </c:pt>
+                <c:pt idx="85">
+                  <c:v>4.4606481481481479</c:v>
+                </c:pt>
+                <c:pt idx="86">
+                  <c:v>4.4606481481481479</c:v>
+                </c:pt>
+                <c:pt idx="87">
+                  <c:v>4.4606481481481479</c:v>
+                </c:pt>
+                <c:pt idx="88">
+                  <c:v>4.4606481481481479</c:v>
+                </c:pt>
+                <c:pt idx="89">
+                  <c:v>4.4606481481481479</c:v>
+                </c:pt>
+                <c:pt idx="90">
+                  <c:v>4.4606481481481479</c:v>
+                </c:pt>
+                <c:pt idx="91">
+                  <c:v>4.4606481481481479</c:v>
+                </c:pt>
+                <c:pt idx="92">
+                  <c:v>4.4606481481481479</c:v>
+                </c:pt>
+                <c:pt idx="93">
+                  <c:v>4.4606481481481479</c:v>
+                </c:pt>
+                <c:pt idx="94">
+                  <c:v>4.4606481481481479</c:v>
+                </c:pt>
+                <c:pt idx="95">
+                  <c:v>4.4606481481481479</c:v>
+                </c:pt>
+                <c:pt idx="96">
+                  <c:v>4.4606481481481479</c:v>
+                </c:pt>
+                <c:pt idx="97">
+                  <c:v>4.4606481481481479</c:v>
+                </c:pt>
+                <c:pt idx="98">
+                  <c:v>4.4606481481481479</c:v>
+                </c:pt>
+                <c:pt idx="99">
+                  <c:v>4.4606481481481479</c:v>
+                </c:pt>
+                <c:pt idx="100">
+                  <c:v>4.4606481481481479</c:v>
+                </c:pt>
+                <c:pt idx="101">
+                  <c:v>4.4606481481481479</c:v>
+                </c:pt>
+                <c:pt idx="102">
+                  <c:v>4.4606481481481479</c:v>
+                </c:pt>
+                <c:pt idx="103">
+                  <c:v>4.4606481481481479</c:v>
+                </c:pt>
+                <c:pt idx="104">
+                  <c:v>4.4606481481481479</c:v>
+                </c:pt>
+                <c:pt idx="105">
+                  <c:v>4.4606481481481479</c:v>
+                </c:pt>
+                <c:pt idx="106">
+                  <c:v>4.4606481481481479</c:v>
+                </c:pt>
+                <c:pt idx="107">
+                  <c:v>4.4606481481481479</c:v>
+                </c:pt>
+                <c:pt idx="108">
+                  <c:v>4.4606481481481479</c:v>
+                </c:pt>
+                <c:pt idx="109">
+                  <c:v>4.4606481481481479</c:v>
+                </c:pt>
+                <c:pt idx="110">
+                  <c:v>4.4606481481481479</c:v>
+                </c:pt>
+                <c:pt idx="111">
+                  <c:v>4.4606481481481479</c:v>
+                </c:pt>
+                <c:pt idx="112">
+                  <c:v>4.4606481481481479</c:v>
+                </c:pt>
+                <c:pt idx="113">
+                  <c:v>4.4606481481481479</c:v>
+                </c:pt>
+                <c:pt idx="114">
+                  <c:v>4.4606481481481479</c:v>
+                </c:pt>
+                <c:pt idx="115">
+                  <c:v>4.4606481481481479</c:v>
+                </c:pt>
+                <c:pt idx="116">
+                  <c:v>4.4598765432098766</c:v>
+                </c:pt>
+                <c:pt idx="117">
+                  <c:v>4.4598765432098766</c:v>
+                </c:pt>
+                <c:pt idx="118">
+                  <c:v>4.4598765432098766</c:v>
+                </c:pt>
+                <c:pt idx="119">
+                  <c:v>4.4598765432098766</c:v>
+                </c:pt>
+                <c:pt idx="120">
+                  <c:v>4.4598765432098766</c:v>
+                </c:pt>
+                <c:pt idx="121">
+                  <c:v>4.4598765432098766</c:v>
+                </c:pt>
+                <c:pt idx="122">
+                  <c:v>4.4598765432098766</c:v>
+                </c:pt>
+                <c:pt idx="123">
+                  <c:v>4.4598765432098766</c:v>
+                </c:pt>
+                <c:pt idx="124">
+                  <c:v>4.4598765432098766</c:v>
+                </c:pt>
+                <c:pt idx="125">
+                  <c:v>4.4598765432098766</c:v>
+                </c:pt>
+                <c:pt idx="126">
+                  <c:v>4.458333333333333</c:v>
+                </c:pt>
+                <c:pt idx="127">
+                  <c:v>4.458333333333333</c:v>
+                </c:pt>
+                <c:pt idx="128">
+                  <c:v>4.458333333333333</c:v>
+                </c:pt>
+                <c:pt idx="129">
+                  <c:v>4.458333333333333</c:v>
+                </c:pt>
+                <c:pt idx="130">
+                  <c:v>4.458333333333333</c:v>
+                </c:pt>
+                <c:pt idx="131">
+                  <c:v>4.458333333333333</c:v>
+                </c:pt>
+                <c:pt idx="132">
+                  <c:v>4.458333333333333</c:v>
+                </c:pt>
+                <c:pt idx="133">
+                  <c:v>4.458333333333333</c:v>
+                </c:pt>
+                <c:pt idx="134">
+                  <c:v>4.458333333333333</c:v>
+                </c:pt>
+                <c:pt idx="135">
+                  <c:v>4.458333333333333</c:v>
+                </c:pt>
+                <c:pt idx="136">
+                  <c:v>4.458333333333333</c:v>
+                </c:pt>
+                <c:pt idx="137">
+                  <c:v>4.458333333333333</c:v>
+                </c:pt>
+                <c:pt idx="138">
+                  <c:v>4.458333333333333</c:v>
+                </c:pt>
+                <c:pt idx="139">
+                  <c:v>4.458333333333333</c:v>
+                </c:pt>
+                <c:pt idx="140">
+                  <c:v>4.458333333333333</c:v>
+                </c:pt>
+                <c:pt idx="141">
+                  <c:v>4.458333333333333</c:v>
+                </c:pt>
+                <c:pt idx="142">
+                  <c:v>4.458333333333333</c:v>
+                </c:pt>
+                <c:pt idx="143">
+                  <c:v>4.458333333333333</c:v>
+                </c:pt>
+                <c:pt idx="144">
+                  <c:v>4.458333333333333</c:v>
+                </c:pt>
+                <c:pt idx="145">
+                  <c:v>4.458333333333333</c:v>
+                </c:pt>
+                <c:pt idx="146">
+                  <c:v>4.458333333333333</c:v>
+                </c:pt>
+              </c:numCache>
+            </c:numRef>
+          </c:yVal>
+          <c:smooth val="1"/>
+          <c:extLst>
+            <c:ext xmlns:c16="http://schemas.microsoft.com/office/drawing/2014/chart" uri="{C3380CC4-5D6E-409C-BE32-E72D297353CC}">
+              <c16:uniqueId val="{00000000-EE88-4707-AB27-197420448500}"/>
+            </c:ext>
+          </c:extLst>
+        </c:ser>
+        <c:dLbls>
+          <c:showLegendKey val="0"/>
+          <c:showVal val="0"/>
+          <c:showCatName val="0"/>
+          <c:showSerName val="0"/>
+          <c:showPercent val="0"/>
+          <c:showBubbleSize val="0"/>
+        </c:dLbls>
+        <c:axId val="448554720"/>
+        <c:axId val="448554064"/>
+      </c:scatterChart>
+      <c:valAx>
+        <c:axId val="448554720"/>
+        <c:scaling>
+          <c:orientation val="minMax"/>
+        </c:scaling>
+        <c:delete val="0"/>
+        <c:axPos val="b"/>
+        <c:majorGridlines>
+          <c:spPr>
+            <a:ln w="9525" cap="flat" cmpd="sng" algn="ctr">
+              <a:solidFill>
+                <a:schemeClr val="tx1">
+                  <a:lumMod val="15000"/>
+                  <a:lumOff val="85000"/>
+                </a:schemeClr>
+              </a:solidFill>
+              <a:round/>
+            </a:ln>
+            <a:effectLst/>
+          </c:spPr>
+        </c:majorGridlines>
+        <c:title>
+          <c:tx>
+            <c:rich>
+              <a:bodyPr rot="0" spcFirstLastPara="1" vertOverflow="ellipsis" vert="horz" wrap="square" anchor="ctr" anchorCtr="1"/>
+              <a:lstStyle/>
+              <a:p>
+                <a:pPr>
+                  <a:defRPr sz="1000" b="0" i="0" u="none" strike="noStrike" kern="1200" baseline="0">
+                    <a:solidFill>
+                      <a:schemeClr val="tx1">
+                        <a:lumMod val="65000"/>
+                        <a:lumOff val="35000"/>
+                      </a:schemeClr>
+                    </a:solidFill>
+                    <a:latin typeface="+mn-lt"/>
+                    <a:ea typeface="+mn-ea"/>
+                    <a:cs typeface="+mn-cs"/>
+                  </a:defRPr>
+                </a:pPr>
+                <a:r>
+                  <a:rPr lang="en-US"/>
+                  <a:t>Iterations</a:t>
+                </a:r>
+              </a:p>
+            </c:rich>
+          </c:tx>
+          <c:overlay val="0"/>
+          <c:spPr>
+            <a:noFill/>
+            <a:ln>
+              <a:noFill/>
+            </a:ln>
+            <a:effectLst/>
+          </c:spPr>
+          <c:txPr>
+            <a:bodyPr rot="0" spcFirstLastPara="1" vertOverflow="ellipsis" vert="horz" wrap="square" anchor="ctr" anchorCtr="1"/>
+            <a:lstStyle/>
+            <a:p>
+              <a:pPr>
+                <a:defRPr sz="1000" b="0" i="0" u="none" strike="noStrike" kern="1200" baseline="0">
+                  <a:solidFill>
+                    <a:schemeClr val="tx1">
+                      <a:lumMod val="65000"/>
+                      <a:lumOff val="35000"/>
+                    </a:schemeClr>
+                  </a:solidFill>
+                  <a:latin typeface="+mn-lt"/>
+                  <a:ea typeface="+mn-ea"/>
+                  <a:cs typeface="+mn-cs"/>
+                </a:defRPr>
+              </a:pPr>
+              <a:endParaRPr lang="en-US"/>
+            </a:p>
+          </c:txPr>
+        </c:title>
+        <c:numFmt formatCode="General" sourceLinked="1"/>
+        <c:majorTickMark val="none"/>
+        <c:minorTickMark val="none"/>
+        <c:tickLblPos val="nextTo"/>
+        <c:spPr>
+          <a:noFill/>
+          <a:ln w="9525" cap="flat" cmpd="sng" algn="ctr">
+            <a:solidFill>
+              <a:schemeClr val="tx1">
+                <a:lumMod val="25000"/>
+                <a:lumOff val="75000"/>
+              </a:schemeClr>
+            </a:solidFill>
+            <a:round/>
+          </a:ln>
+          <a:effectLst/>
+        </c:spPr>
+        <c:txPr>
+          <a:bodyPr rot="-60000000" spcFirstLastPara="1" vertOverflow="ellipsis" vert="horz" wrap="square" anchor="ctr" anchorCtr="1"/>
+          <a:lstStyle/>
+          <a:p>
+            <a:pPr>
+              <a:defRPr sz="900" b="0" i="0" u="none" strike="noStrike" kern="1200" baseline="0">
+                <a:solidFill>
+                  <a:schemeClr val="tx1">
+                    <a:lumMod val="65000"/>
+                    <a:lumOff val="35000"/>
+                  </a:schemeClr>
+                </a:solidFill>
+                <a:latin typeface="+mn-lt"/>
+                <a:ea typeface="+mn-ea"/>
+                <a:cs typeface="+mn-cs"/>
+              </a:defRPr>
+            </a:pPr>
+            <a:endParaRPr lang="en-US"/>
+          </a:p>
+        </c:txPr>
+        <c:crossAx val="448554064"/>
+        <c:crosses val="autoZero"/>
+        <c:crossBetween val="midCat"/>
+      </c:valAx>
+      <c:valAx>
+        <c:axId val="448554064"/>
+        <c:scaling>
+          <c:orientation val="minMax"/>
+        </c:scaling>
+        <c:delete val="0"/>
+        <c:axPos val="l"/>
+        <c:majorGridlines>
+          <c:spPr>
+            <a:ln w="9525" cap="flat" cmpd="sng" algn="ctr">
+              <a:solidFill>
+                <a:schemeClr val="tx1">
+                  <a:lumMod val="15000"/>
+                  <a:lumOff val="85000"/>
+                </a:schemeClr>
+              </a:solidFill>
+              <a:round/>
+            </a:ln>
+            <a:effectLst/>
+          </c:spPr>
+        </c:majorGridlines>
+        <c:title>
+          <c:tx>
+            <c:rich>
+              <a:bodyPr rot="-5400000" spcFirstLastPara="1" vertOverflow="ellipsis" vert="horz" wrap="square" anchor="ctr" anchorCtr="1"/>
+              <a:lstStyle/>
+              <a:p>
+                <a:pPr>
+                  <a:defRPr sz="1000" b="0" i="0" u="none" strike="noStrike" kern="1200" baseline="0">
+                    <a:solidFill>
+                      <a:schemeClr val="tx1">
+                        <a:lumMod val="65000"/>
+                        <a:lumOff val="35000"/>
+                      </a:schemeClr>
+                    </a:solidFill>
+                    <a:latin typeface="+mn-lt"/>
+                    <a:ea typeface="+mn-ea"/>
+                    <a:cs typeface="+mn-cs"/>
+                  </a:defRPr>
+                </a:pPr>
+                <a:r>
+                  <a:rPr lang="en-US"/>
+                  <a:t>Best Avarage</a:t>
+                </a:r>
+              </a:p>
+            </c:rich>
+          </c:tx>
+          <c:overlay val="0"/>
+          <c:spPr>
+            <a:noFill/>
+            <a:ln>
+              <a:noFill/>
+            </a:ln>
+            <a:effectLst/>
+          </c:spPr>
+          <c:txPr>
+            <a:bodyPr rot="-5400000" spcFirstLastPara="1" vertOverflow="ellipsis" vert="horz" wrap="square" anchor="ctr" anchorCtr="1"/>
+            <a:lstStyle/>
+            <a:p>
+              <a:pPr>
+                <a:defRPr sz="1000" b="0" i="0" u="none" strike="noStrike" kern="1200" baseline="0">
+                  <a:solidFill>
+                    <a:schemeClr val="tx1">
+                      <a:lumMod val="65000"/>
+                      <a:lumOff val="35000"/>
+                    </a:schemeClr>
+                  </a:solidFill>
+                  <a:latin typeface="+mn-lt"/>
+                  <a:ea typeface="+mn-ea"/>
+                  <a:cs typeface="+mn-cs"/>
+                </a:defRPr>
+              </a:pPr>
+              <a:endParaRPr lang="en-US"/>
+            </a:p>
+          </c:txPr>
+        </c:title>
+        <c:numFmt formatCode="General" sourceLinked="1"/>
+        <c:majorTickMark val="none"/>
+        <c:minorTickMark val="none"/>
+        <c:tickLblPos val="nextTo"/>
+        <c:spPr>
+          <a:noFill/>
+          <a:ln w="9525" cap="flat" cmpd="sng" algn="ctr">
+            <a:solidFill>
+              <a:schemeClr val="tx1">
+                <a:lumMod val="25000"/>
+                <a:lumOff val="75000"/>
+              </a:schemeClr>
+            </a:solidFill>
+            <a:round/>
+          </a:ln>
+          <a:effectLst/>
+        </c:spPr>
+        <c:txPr>
+          <a:bodyPr rot="-60000000" spcFirstLastPara="1" vertOverflow="ellipsis" vert="horz" wrap="square" anchor="ctr" anchorCtr="1"/>
+          <a:lstStyle/>
+          <a:p>
+            <a:pPr>
+              <a:defRPr sz="900" b="0" i="0" u="none" strike="noStrike" kern="1200" baseline="0">
+                <a:solidFill>
+                  <a:schemeClr val="tx1">
+                    <a:lumMod val="65000"/>
+                    <a:lumOff val="35000"/>
+                  </a:schemeClr>
+                </a:solidFill>
+                <a:latin typeface="+mn-lt"/>
+                <a:ea typeface="+mn-ea"/>
+                <a:cs typeface="+mn-cs"/>
+              </a:defRPr>
+            </a:pPr>
+            <a:endParaRPr lang="en-US"/>
+          </a:p>
+        </c:txPr>
+        <c:crossAx val="448554720"/>
+        <c:crosses val="autoZero"/>
+        <c:crossBetween val="midCat"/>
+      </c:valAx>
+      <c:spPr>
+        <a:noFill/>
+        <a:ln>
+          <a:noFill/>
+        </a:ln>
+        <a:effectLst/>
+      </c:spPr>
+    </c:plotArea>
+    <c:plotVisOnly val="1"/>
+    <c:dispBlanksAs val="gap"/>
+    <c:extLst>
+      <c:ext xmlns:c16r3="http://schemas.microsoft.com/office/drawing/2017/03/chart" uri="{56B9EC1D-385E-4148-901F-78D8002777C0}">
+        <c16r3:dataDisplayOptions16>
+          <c16r3:dispNaAsBlank val="1"/>
+        </c16r3:dataDisplayOptions16>
+      </c:ext>
+    </c:extLst>
+    <c:showDLblsOverMax val="0"/>
+  </c:chart>
+  <c:spPr>
+    <a:noFill/>
+    <a:ln>
+      <a:noFill/>
+    </a:ln>
+    <a:effectLst/>
+  </c:spPr>
+  <c:txPr>
+    <a:bodyPr/>
+    <a:lstStyle/>
+    <a:p>
+      <a:pPr>
+        <a:defRPr/>
+      </a:pPr>
+      <a:endParaRPr lang="en-US"/>
+    </a:p>
+  </c:txPr>
+  <c:externalData r:id="rId3">
+    <c:autoUpdate val="0"/>
+  </c:externalData>
+</c:chartSpace>
+</file>
+
+<file path=ppt/charts/chart2.xml><?xml version="1.0" encoding="utf-8"?>
+<c:chartSpace xmlns:c="http://schemas.openxmlformats.org/drawingml/2006/chart" xmlns:a="http://schemas.openxmlformats.org/drawingml/2006/main" xmlns:r="http://schemas.openxmlformats.org/officeDocument/2006/relationships" xmlns:c16r2="http://schemas.microsoft.com/office/drawing/2015/06/chart">
+  <c:date1904 val="0"/>
+  <c:lang val="en-US"/>
+  <c:roundedCorners val="0"/>
+  <mc:AlternateContent xmlns:mc="http://schemas.openxmlformats.org/markup-compatibility/2006">
+    <mc:Choice xmlns:c14="http://schemas.microsoft.com/office/drawing/2007/8/2/chart" Requires="c14">
+      <c14:style val="102"/>
+    </mc:Choice>
+    <mc:Fallback>
+      <c:style val="2"/>
+    </mc:Fallback>
+  </mc:AlternateContent>
+  <c:chart>
+    <c:title>
+      <c:tx>
+        <c:rich>
+          <a:bodyPr rot="0" spcFirstLastPara="1" vertOverflow="ellipsis" vert="horz" wrap="square" anchor="ctr" anchorCtr="1"/>
+          <a:lstStyle/>
+          <a:p>
+            <a:pPr>
+              <a:defRPr sz="1400" b="0" i="0" u="none" strike="noStrike" kern="1200" spc="0" baseline="0">
+                <a:solidFill>
+                  <a:schemeClr val="tx1">
+                    <a:lumMod val="65000"/>
+                    <a:lumOff val="35000"/>
+                  </a:schemeClr>
+                </a:solidFill>
+                <a:latin typeface="+mn-lt"/>
+                <a:ea typeface="+mn-ea"/>
+                <a:cs typeface="+mn-cs"/>
+              </a:defRPr>
+            </a:pPr>
+            <a:r>
+              <a:rPr lang="en-US"/>
               <a:t>Random strategy improvment </a:t>
             </a:r>
             <a:r>
@@ -226,7 +1538,7 @@
     <c:plotArea>
       <c:layout/>
       <c:scatterChart>
-        <c:scatterStyle val="smoothMarker"/>
+        <c:scatterStyle val="lineMarker"/>
         <c:varyColors val="0"/>
         <c:ser>
           <c:idx val="0"/>
@@ -241,7 +1553,19 @@
             <a:effectLst/>
           </c:spPr>
           <c:marker>
-            <c:symbol val="none"/>
+            <c:symbol val="circle"/>
+            <c:size val="5"/>
+            <c:spPr>
+              <a:solidFill>
+                <a:schemeClr val="accent1"/>
+              </a:solidFill>
+              <a:ln w="9525">
+                <a:solidFill>
+                  <a:schemeClr val="accent1"/>
+                </a:solidFill>
+              </a:ln>
+              <a:effectLst/>
+            </c:spPr>
           </c:marker>
           <c:xVal>
             <c:numRef>
@@ -15339,7 +16663,7 @@
               </c:numCache>
             </c:numRef>
           </c:yVal>
-          <c:smooth val="1"/>
+          <c:smooth val="0"/>
           <c:extLst>
             <c:ext xmlns:c16="http://schemas.microsoft.com/office/drawing/2014/chart" uri="{C3380CC4-5D6E-409C-BE32-E72D297353CC}">
               <c16:uniqueId val="{00000000-28E6-4D2C-A663-6FBCDC95BEF1}"/>
@@ -15593,1318 +16917,6 @@
           </a:p>
         </c:txPr>
         <c:crossAx val="434626344"/>
-        <c:crosses val="autoZero"/>
-        <c:crossBetween val="midCat"/>
-      </c:valAx>
-      <c:spPr>
-        <a:noFill/>
-        <a:ln>
-          <a:noFill/>
-        </a:ln>
-        <a:effectLst/>
-      </c:spPr>
-    </c:plotArea>
-    <c:plotVisOnly val="1"/>
-    <c:dispBlanksAs val="gap"/>
-    <c:extLst>
-      <c:ext xmlns:c16r3="http://schemas.microsoft.com/office/drawing/2017/03/chart" uri="{56B9EC1D-385E-4148-901F-78D8002777C0}">
-        <c16r3:dataDisplayOptions16>
-          <c16r3:dispNaAsBlank val="1"/>
-        </c16r3:dataDisplayOptions16>
-      </c:ext>
-    </c:extLst>
-    <c:showDLblsOverMax val="0"/>
-  </c:chart>
-  <c:spPr>
-    <a:noFill/>
-    <a:ln>
-      <a:noFill/>
-    </a:ln>
-    <a:effectLst/>
-  </c:spPr>
-  <c:txPr>
-    <a:bodyPr/>
-    <a:lstStyle/>
-    <a:p>
-      <a:pPr>
-        <a:defRPr/>
-      </a:pPr>
-      <a:endParaRPr lang="en-US"/>
-    </a:p>
-  </c:txPr>
-  <c:externalData r:id="rId3">
-    <c:autoUpdate val="0"/>
-  </c:externalData>
-</c:chartSpace>
-</file>
-
-<file path=ppt/charts/chart2.xml><?xml version="1.0" encoding="utf-8"?>
-<c:chartSpace xmlns:c="http://schemas.openxmlformats.org/drawingml/2006/chart" xmlns:a="http://schemas.openxmlformats.org/drawingml/2006/main" xmlns:r="http://schemas.openxmlformats.org/officeDocument/2006/relationships" xmlns:c16r2="http://schemas.microsoft.com/office/drawing/2015/06/chart">
-  <c:date1904 val="0"/>
-  <c:lang val="en-US"/>
-  <c:roundedCorners val="0"/>
-  <mc:AlternateContent xmlns:mc="http://schemas.openxmlformats.org/markup-compatibility/2006">
-    <mc:Choice xmlns:c14="http://schemas.microsoft.com/office/drawing/2007/8/2/chart" Requires="c14">
-      <c14:style val="102"/>
-    </mc:Choice>
-    <mc:Fallback>
-      <c:style val="2"/>
-    </mc:Fallback>
-  </mc:AlternateContent>
-  <c:chart>
-    <c:title>
-      <c:tx>
-        <c:rich>
-          <a:bodyPr rot="0" spcFirstLastPara="1" vertOverflow="ellipsis" vert="horz" wrap="square" anchor="ctr" anchorCtr="1"/>
-          <a:lstStyle/>
-          <a:p>
-            <a:pPr>
-              <a:defRPr sz="1400" b="0" i="0" u="none" strike="noStrike" kern="1200" spc="0" baseline="0">
-                <a:solidFill>
-                  <a:schemeClr val="tx1">
-                    <a:lumMod val="65000"/>
-                    <a:lumOff val="35000"/>
-                  </a:schemeClr>
-                </a:solidFill>
-                <a:latin typeface="+mn-lt"/>
-                <a:ea typeface="+mn-ea"/>
-                <a:cs typeface="+mn-cs"/>
-              </a:defRPr>
-            </a:pPr>
-            <a:r>
-              <a:rPr lang="en-US"/>
-              <a:t>worst case strategy</a:t>
-            </a:r>
-            <a:r>
-              <a:rPr lang="en-US" baseline="0"/>
-              <a:t> </a:t>
-            </a:r>
-            <a:r>
-              <a:rPr lang="en-US"/>
-              <a:t> improvement over time</a:t>
-            </a:r>
-          </a:p>
-        </c:rich>
-      </c:tx>
-      <c:layout>
-        <c:manualLayout>
-          <c:xMode val="edge"/>
-          <c:yMode val="edge"/>
-          <c:x val="0.1446480023330417"/>
-          <c:y val="0"/>
-        </c:manualLayout>
-      </c:layout>
-      <c:overlay val="0"/>
-      <c:spPr>
-        <a:noFill/>
-        <a:ln>
-          <a:noFill/>
-        </a:ln>
-        <a:effectLst/>
-      </c:spPr>
-      <c:txPr>
-        <a:bodyPr rot="0" spcFirstLastPara="1" vertOverflow="ellipsis" vert="horz" wrap="square" anchor="ctr" anchorCtr="1"/>
-        <a:lstStyle/>
-        <a:p>
-          <a:pPr>
-            <a:defRPr sz="1400" b="0" i="0" u="none" strike="noStrike" kern="1200" spc="0" baseline="0">
-              <a:solidFill>
-                <a:schemeClr val="tx1">
-                  <a:lumMod val="65000"/>
-                  <a:lumOff val="35000"/>
-                </a:schemeClr>
-              </a:solidFill>
-              <a:latin typeface="+mn-lt"/>
-              <a:ea typeface="+mn-ea"/>
-              <a:cs typeface="+mn-cs"/>
-            </a:defRPr>
-          </a:pPr>
-          <a:endParaRPr lang="en-US"/>
-        </a:p>
-      </c:txPr>
-    </c:title>
-    <c:autoTitleDeleted val="0"/>
-    <c:plotArea>
-      <c:layout/>
-      <c:scatterChart>
-        <c:scatterStyle val="smoothMarker"/>
-        <c:varyColors val="0"/>
-        <c:ser>
-          <c:idx val="0"/>
-          <c:order val="0"/>
-          <c:spPr>
-            <a:ln w="19050" cap="rnd">
-              <a:solidFill>
-                <a:schemeClr val="accent1"/>
-              </a:solidFill>
-              <a:round/>
-            </a:ln>
-            <a:effectLst/>
-          </c:spPr>
-          <c:marker>
-            <c:symbol val="circle"/>
-            <c:size val="5"/>
-            <c:spPr>
-              <a:solidFill>
-                <a:schemeClr val="accent1"/>
-              </a:solidFill>
-              <a:ln w="9525">
-                <a:solidFill>
-                  <a:schemeClr val="accent1"/>
-                </a:solidFill>
-              </a:ln>
-              <a:effectLst/>
-            </c:spPr>
-          </c:marker>
-          <c:xVal>
-            <c:numRef>
-              <c:f>Sheet2!$E$2:$E$148</c:f>
-              <c:numCache>
-                <c:formatCode>General</c:formatCode>
-                <c:ptCount val="147"/>
-                <c:pt idx="0">
-                  <c:v>0</c:v>
-                </c:pt>
-                <c:pt idx="1">
-                  <c:v>1</c:v>
-                </c:pt>
-                <c:pt idx="2">
-                  <c:v>2</c:v>
-                </c:pt>
-                <c:pt idx="3">
-                  <c:v>3</c:v>
-                </c:pt>
-                <c:pt idx="4">
-                  <c:v>4</c:v>
-                </c:pt>
-                <c:pt idx="5">
-                  <c:v>5</c:v>
-                </c:pt>
-                <c:pt idx="6">
-                  <c:v>6</c:v>
-                </c:pt>
-                <c:pt idx="7">
-                  <c:v>7</c:v>
-                </c:pt>
-                <c:pt idx="8">
-                  <c:v>8</c:v>
-                </c:pt>
-                <c:pt idx="9">
-                  <c:v>9</c:v>
-                </c:pt>
-                <c:pt idx="10">
-                  <c:v>10</c:v>
-                </c:pt>
-                <c:pt idx="11">
-                  <c:v>11</c:v>
-                </c:pt>
-                <c:pt idx="12">
-                  <c:v>12</c:v>
-                </c:pt>
-                <c:pt idx="13">
-                  <c:v>13</c:v>
-                </c:pt>
-                <c:pt idx="14">
-                  <c:v>14</c:v>
-                </c:pt>
-                <c:pt idx="15">
-                  <c:v>15</c:v>
-                </c:pt>
-                <c:pt idx="16">
-                  <c:v>16</c:v>
-                </c:pt>
-                <c:pt idx="17">
-                  <c:v>17</c:v>
-                </c:pt>
-                <c:pt idx="18">
-                  <c:v>18</c:v>
-                </c:pt>
-                <c:pt idx="19">
-                  <c:v>19</c:v>
-                </c:pt>
-                <c:pt idx="20">
-                  <c:v>20</c:v>
-                </c:pt>
-                <c:pt idx="21">
-                  <c:v>21</c:v>
-                </c:pt>
-                <c:pt idx="22">
-                  <c:v>22</c:v>
-                </c:pt>
-                <c:pt idx="23">
-                  <c:v>23</c:v>
-                </c:pt>
-                <c:pt idx="24">
-                  <c:v>24</c:v>
-                </c:pt>
-                <c:pt idx="25">
-                  <c:v>25</c:v>
-                </c:pt>
-                <c:pt idx="26">
-                  <c:v>26</c:v>
-                </c:pt>
-                <c:pt idx="27">
-                  <c:v>27</c:v>
-                </c:pt>
-                <c:pt idx="28">
-                  <c:v>28</c:v>
-                </c:pt>
-                <c:pt idx="29">
-                  <c:v>29</c:v>
-                </c:pt>
-                <c:pt idx="30">
-                  <c:v>30</c:v>
-                </c:pt>
-                <c:pt idx="31">
-                  <c:v>31</c:v>
-                </c:pt>
-                <c:pt idx="32">
-                  <c:v>32</c:v>
-                </c:pt>
-                <c:pt idx="33">
-                  <c:v>33</c:v>
-                </c:pt>
-                <c:pt idx="34">
-                  <c:v>34</c:v>
-                </c:pt>
-                <c:pt idx="35">
-                  <c:v>35</c:v>
-                </c:pt>
-                <c:pt idx="36">
-                  <c:v>36</c:v>
-                </c:pt>
-                <c:pt idx="37">
-                  <c:v>37</c:v>
-                </c:pt>
-                <c:pt idx="38">
-                  <c:v>38</c:v>
-                </c:pt>
-                <c:pt idx="39">
-                  <c:v>39</c:v>
-                </c:pt>
-                <c:pt idx="40">
-                  <c:v>40</c:v>
-                </c:pt>
-                <c:pt idx="41">
-                  <c:v>41</c:v>
-                </c:pt>
-                <c:pt idx="42">
-                  <c:v>42</c:v>
-                </c:pt>
-                <c:pt idx="43">
-                  <c:v>43</c:v>
-                </c:pt>
-                <c:pt idx="44">
-                  <c:v>44</c:v>
-                </c:pt>
-                <c:pt idx="45">
-                  <c:v>45</c:v>
-                </c:pt>
-                <c:pt idx="46">
-                  <c:v>46</c:v>
-                </c:pt>
-                <c:pt idx="47">
-                  <c:v>47</c:v>
-                </c:pt>
-                <c:pt idx="48">
-                  <c:v>48</c:v>
-                </c:pt>
-                <c:pt idx="49">
-                  <c:v>49</c:v>
-                </c:pt>
-                <c:pt idx="50">
-                  <c:v>50</c:v>
-                </c:pt>
-                <c:pt idx="51">
-                  <c:v>51</c:v>
-                </c:pt>
-                <c:pt idx="52">
-                  <c:v>52</c:v>
-                </c:pt>
-                <c:pt idx="53">
-                  <c:v>53</c:v>
-                </c:pt>
-                <c:pt idx="54">
-                  <c:v>54</c:v>
-                </c:pt>
-                <c:pt idx="55">
-                  <c:v>55</c:v>
-                </c:pt>
-                <c:pt idx="56">
-                  <c:v>56</c:v>
-                </c:pt>
-                <c:pt idx="57">
-                  <c:v>57</c:v>
-                </c:pt>
-                <c:pt idx="58">
-                  <c:v>58</c:v>
-                </c:pt>
-                <c:pt idx="59">
-                  <c:v>59</c:v>
-                </c:pt>
-                <c:pt idx="60">
-                  <c:v>60</c:v>
-                </c:pt>
-                <c:pt idx="61">
-                  <c:v>61</c:v>
-                </c:pt>
-                <c:pt idx="62">
-                  <c:v>62</c:v>
-                </c:pt>
-                <c:pt idx="63">
-                  <c:v>63</c:v>
-                </c:pt>
-                <c:pt idx="64">
-                  <c:v>64</c:v>
-                </c:pt>
-                <c:pt idx="65">
-                  <c:v>65</c:v>
-                </c:pt>
-                <c:pt idx="66">
-                  <c:v>66</c:v>
-                </c:pt>
-                <c:pt idx="67">
-                  <c:v>67</c:v>
-                </c:pt>
-                <c:pt idx="68">
-                  <c:v>68</c:v>
-                </c:pt>
-                <c:pt idx="69">
-                  <c:v>69</c:v>
-                </c:pt>
-                <c:pt idx="70">
-                  <c:v>70</c:v>
-                </c:pt>
-                <c:pt idx="71">
-                  <c:v>71</c:v>
-                </c:pt>
-                <c:pt idx="72">
-                  <c:v>72</c:v>
-                </c:pt>
-                <c:pt idx="73">
-                  <c:v>73</c:v>
-                </c:pt>
-                <c:pt idx="74">
-                  <c:v>74</c:v>
-                </c:pt>
-                <c:pt idx="75">
-                  <c:v>75</c:v>
-                </c:pt>
-                <c:pt idx="76">
-                  <c:v>76</c:v>
-                </c:pt>
-                <c:pt idx="77">
-                  <c:v>77</c:v>
-                </c:pt>
-                <c:pt idx="78">
-                  <c:v>78</c:v>
-                </c:pt>
-                <c:pt idx="79">
-                  <c:v>79</c:v>
-                </c:pt>
-                <c:pt idx="80">
-                  <c:v>80</c:v>
-                </c:pt>
-                <c:pt idx="81">
-                  <c:v>81</c:v>
-                </c:pt>
-                <c:pt idx="82">
-                  <c:v>82</c:v>
-                </c:pt>
-                <c:pt idx="83">
-                  <c:v>83</c:v>
-                </c:pt>
-                <c:pt idx="84">
-                  <c:v>84</c:v>
-                </c:pt>
-                <c:pt idx="85">
-                  <c:v>85</c:v>
-                </c:pt>
-                <c:pt idx="86">
-                  <c:v>86</c:v>
-                </c:pt>
-                <c:pt idx="87">
-                  <c:v>87</c:v>
-                </c:pt>
-                <c:pt idx="88">
-                  <c:v>88</c:v>
-                </c:pt>
-                <c:pt idx="89">
-                  <c:v>89</c:v>
-                </c:pt>
-                <c:pt idx="90">
-                  <c:v>90</c:v>
-                </c:pt>
-                <c:pt idx="91">
-                  <c:v>91</c:v>
-                </c:pt>
-                <c:pt idx="92">
-                  <c:v>92</c:v>
-                </c:pt>
-                <c:pt idx="93">
-                  <c:v>93</c:v>
-                </c:pt>
-                <c:pt idx="94">
-                  <c:v>94</c:v>
-                </c:pt>
-                <c:pt idx="95">
-                  <c:v>95</c:v>
-                </c:pt>
-                <c:pt idx="96">
-                  <c:v>96</c:v>
-                </c:pt>
-                <c:pt idx="97">
-                  <c:v>97</c:v>
-                </c:pt>
-                <c:pt idx="98">
-                  <c:v>98</c:v>
-                </c:pt>
-                <c:pt idx="99">
-                  <c:v>99</c:v>
-                </c:pt>
-                <c:pt idx="100">
-                  <c:v>100</c:v>
-                </c:pt>
-                <c:pt idx="101">
-                  <c:v>101</c:v>
-                </c:pt>
-                <c:pt idx="102">
-                  <c:v>102</c:v>
-                </c:pt>
-                <c:pt idx="103">
-                  <c:v>103</c:v>
-                </c:pt>
-                <c:pt idx="104">
-                  <c:v>104</c:v>
-                </c:pt>
-                <c:pt idx="105">
-                  <c:v>105</c:v>
-                </c:pt>
-                <c:pt idx="106">
-                  <c:v>106</c:v>
-                </c:pt>
-                <c:pt idx="107">
-                  <c:v>107</c:v>
-                </c:pt>
-                <c:pt idx="108">
-                  <c:v>108</c:v>
-                </c:pt>
-                <c:pt idx="109">
-                  <c:v>109</c:v>
-                </c:pt>
-                <c:pt idx="110">
-                  <c:v>110</c:v>
-                </c:pt>
-                <c:pt idx="111">
-                  <c:v>111</c:v>
-                </c:pt>
-                <c:pt idx="112">
-                  <c:v>112</c:v>
-                </c:pt>
-                <c:pt idx="113">
-                  <c:v>113</c:v>
-                </c:pt>
-                <c:pt idx="114">
-                  <c:v>114</c:v>
-                </c:pt>
-                <c:pt idx="115">
-                  <c:v>115</c:v>
-                </c:pt>
-                <c:pt idx="116">
-                  <c:v>116</c:v>
-                </c:pt>
-                <c:pt idx="117">
-                  <c:v>117</c:v>
-                </c:pt>
-                <c:pt idx="118">
-                  <c:v>118</c:v>
-                </c:pt>
-                <c:pt idx="119">
-                  <c:v>119</c:v>
-                </c:pt>
-                <c:pt idx="120">
-                  <c:v>120</c:v>
-                </c:pt>
-                <c:pt idx="121">
-                  <c:v>121</c:v>
-                </c:pt>
-                <c:pt idx="122">
-                  <c:v>122</c:v>
-                </c:pt>
-                <c:pt idx="123">
-                  <c:v>123</c:v>
-                </c:pt>
-                <c:pt idx="124">
-                  <c:v>124</c:v>
-                </c:pt>
-                <c:pt idx="125">
-                  <c:v>125</c:v>
-                </c:pt>
-                <c:pt idx="126">
-                  <c:v>126</c:v>
-                </c:pt>
-                <c:pt idx="127">
-                  <c:v>127</c:v>
-                </c:pt>
-                <c:pt idx="128">
-                  <c:v>128</c:v>
-                </c:pt>
-                <c:pt idx="129">
-                  <c:v>129</c:v>
-                </c:pt>
-                <c:pt idx="130">
-                  <c:v>130</c:v>
-                </c:pt>
-                <c:pt idx="131">
-                  <c:v>131</c:v>
-                </c:pt>
-                <c:pt idx="132">
-                  <c:v>132</c:v>
-                </c:pt>
-                <c:pt idx="133">
-                  <c:v>133</c:v>
-                </c:pt>
-                <c:pt idx="134">
-                  <c:v>134</c:v>
-                </c:pt>
-                <c:pt idx="135">
-                  <c:v>135</c:v>
-                </c:pt>
-                <c:pt idx="136">
-                  <c:v>136</c:v>
-                </c:pt>
-                <c:pt idx="137">
-                  <c:v>137</c:v>
-                </c:pt>
-                <c:pt idx="138">
-                  <c:v>138</c:v>
-                </c:pt>
-                <c:pt idx="139">
-                  <c:v>139</c:v>
-                </c:pt>
-                <c:pt idx="140">
-                  <c:v>140</c:v>
-                </c:pt>
-                <c:pt idx="141">
-                  <c:v>141</c:v>
-                </c:pt>
-                <c:pt idx="142">
-                  <c:v>142</c:v>
-                </c:pt>
-                <c:pt idx="143">
-                  <c:v>143</c:v>
-                </c:pt>
-                <c:pt idx="144">
-                  <c:v>144</c:v>
-                </c:pt>
-                <c:pt idx="145">
-                  <c:v>145</c:v>
-                </c:pt>
-                <c:pt idx="146">
-                  <c:v>146</c:v>
-                </c:pt>
-              </c:numCache>
-            </c:numRef>
-          </c:xVal>
-          <c:yVal>
-            <c:numRef>
-              <c:f>Sheet2!$F$2:$F$148</c:f>
-              <c:numCache>
-                <c:formatCode>General</c:formatCode>
-                <c:ptCount val="147"/>
-                <c:pt idx="0">
-                  <c:v>4.476</c:v>
-                </c:pt>
-                <c:pt idx="1">
-                  <c:v>4.4675925925925926</c:v>
-                </c:pt>
-                <c:pt idx="2">
-                  <c:v>4.4675925925925926</c:v>
-                </c:pt>
-                <c:pt idx="3">
-                  <c:v>4.4675925925925926</c:v>
-                </c:pt>
-                <c:pt idx="4">
-                  <c:v>4.466049382716049</c:v>
-                </c:pt>
-                <c:pt idx="5">
-                  <c:v>4.466049382716049</c:v>
-                </c:pt>
-                <c:pt idx="6">
-                  <c:v>4.466049382716049</c:v>
-                </c:pt>
-                <c:pt idx="7">
-                  <c:v>4.466049382716049</c:v>
-                </c:pt>
-                <c:pt idx="8">
-                  <c:v>4.466049382716049</c:v>
-                </c:pt>
-                <c:pt idx="9">
-                  <c:v>4.466049382716049</c:v>
-                </c:pt>
-                <c:pt idx="10">
-                  <c:v>4.4652777777777777</c:v>
-                </c:pt>
-                <c:pt idx="11">
-                  <c:v>4.4652777777777777</c:v>
-                </c:pt>
-                <c:pt idx="12">
-                  <c:v>4.4652777777777777</c:v>
-                </c:pt>
-                <c:pt idx="13">
-                  <c:v>4.4621913580246915</c:v>
-                </c:pt>
-                <c:pt idx="14">
-                  <c:v>4.4621913580246915</c:v>
-                </c:pt>
-                <c:pt idx="15">
-                  <c:v>4.4621913580246915</c:v>
-                </c:pt>
-                <c:pt idx="16">
-                  <c:v>4.4621913580246915</c:v>
-                </c:pt>
-                <c:pt idx="17">
-                  <c:v>4.4621913580246915</c:v>
-                </c:pt>
-                <c:pt idx="18">
-                  <c:v>4.4621913580246915</c:v>
-                </c:pt>
-                <c:pt idx="19">
-                  <c:v>4.4606481481481479</c:v>
-                </c:pt>
-                <c:pt idx="20">
-                  <c:v>4.4606481481481479</c:v>
-                </c:pt>
-                <c:pt idx="21">
-                  <c:v>4.4606481481481479</c:v>
-                </c:pt>
-                <c:pt idx="22">
-                  <c:v>4.4606481481481479</c:v>
-                </c:pt>
-                <c:pt idx="23">
-                  <c:v>4.4606481481481479</c:v>
-                </c:pt>
-                <c:pt idx="24">
-                  <c:v>4.4606481481481479</c:v>
-                </c:pt>
-                <c:pt idx="25">
-                  <c:v>4.4606481481481479</c:v>
-                </c:pt>
-                <c:pt idx="26">
-                  <c:v>4.4606481481481479</c:v>
-                </c:pt>
-                <c:pt idx="27">
-                  <c:v>4.4606481481481479</c:v>
-                </c:pt>
-                <c:pt idx="28">
-                  <c:v>4.4606481481481479</c:v>
-                </c:pt>
-                <c:pt idx="29">
-                  <c:v>4.4606481481481479</c:v>
-                </c:pt>
-                <c:pt idx="30">
-                  <c:v>4.4606481481481479</c:v>
-                </c:pt>
-                <c:pt idx="31">
-                  <c:v>4.4606481481481479</c:v>
-                </c:pt>
-                <c:pt idx="32">
-                  <c:v>4.4606481481481479</c:v>
-                </c:pt>
-                <c:pt idx="33">
-                  <c:v>4.4606481481481479</c:v>
-                </c:pt>
-                <c:pt idx="34">
-                  <c:v>4.4606481481481479</c:v>
-                </c:pt>
-                <c:pt idx="35">
-                  <c:v>4.4606481481481479</c:v>
-                </c:pt>
-                <c:pt idx="36">
-                  <c:v>4.4606481481481479</c:v>
-                </c:pt>
-                <c:pt idx="37">
-                  <c:v>4.4606481481481479</c:v>
-                </c:pt>
-                <c:pt idx="38">
-                  <c:v>4.4606481481481479</c:v>
-                </c:pt>
-                <c:pt idx="39">
-                  <c:v>4.4606481481481479</c:v>
-                </c:pt>
-                <c:pt idx="40">
-                  <c:v>4.4606481481481479</c:v>
-                </c:pt>
-                <c:pt idx="41">
-                  <c:v>4.4606481481481479</c:v>
-                </c:pt>
-                <c:pt idx="42">
-                  <c:v>4.4606481481481479</c:v>
-                </c:pt>
-                <c:pt idx="43">
-                  <c:v>4.4606481481481479</c:v>
-                </c:pt>
-                <c:pt idx="44">
-                  <c:v>4.4606481481481479</c:v>
-                </c:pt>
-                <c:pt idx="45">
-                  <c:v>4.4606481481481479</c:v>
-                </c:pt>
-                <c:pt idx="46">
-                  <c:v>4.4606481481481479</c:v>
-                </c:pt>
-                <c:pt idx="47">
-                  <c:v>4.4606481481481479</c:v>
-                </c:pt>
-                <c:pt idx="48">
-                  <c:v>4.4606481481481479</c:v>
-                </c:pt>
-                <c:pt idx="49">
-                  <c:v>4.4606481481481479</c:v>
-                </c:pt>
-                <c:pt idx="50">
-                  <c:v>4.4606481481481479</c:v>
-                </c:pt>
-                <c:pt idx="51">
-                  <c:v>4.4606481481481479</c:v>
-                </c:pt>
-                <c:pt idx="52">
-                  <c:v>4.4606481481481479</c:v>
-                </c:pt>
-                <c:pt idx="53">
-                  <c:v>4.4606481481481479</c:v>
-                </c:pt>
-                <c:pt idx="54">
-                  <c:v>4.4606481481481479</c:v>
-                </c:pt>
-                <c:pt idx="55">
-                  <c:v>4.4606481481481479</c:v>
-                </c:pt>
-                <c:pt idx="56">
-                  <c:v>4.4606481481481479</c:v>
-                </c:pt>
-                <c:pt idx="57">
-                  <c:v>4.4606481481481479</c:v>
-                </c:pt>
-                <c:pt idx="58">
-                  <c:v>4.4606481481481479</c:v>
-                </c:pt>
-                <c:pt idx="59">
-                  <c:v>4.4606481481481479</c:v>
-                </c:pt>
-                <c:pt idx="60">
-                  <c:v>4.4606481481481479</c:v>
-                </c:pt>
-                <c:pt idx="61">
-                  <c:v>4.4606481481481479</c:v>
-                </c:pt>
-                <c:pt idx="62">
-                  <c:v>4.4606481481481479</c:v>
-                </c:pt>
-                <c:pt idx="63">
-                  <c:v>4.4606481481481479</c:v>
-                </c:pt>
-                <c:pt idx="64">
-                  <c:v>4.4606481481481479</c:v>
-                </c:pt>
-                <c:pt idx="65">
-                  <c:v>4.4606481481481479</c:v>
-                </c:pt>
-                <c:pt idx="66">
-                  <c:v>4.4606481481481479</c:v>
-                </c:pt>
-                <c:pt idx="67">
-                  <c:v>4.4606481481481479</c:v>
-                </c:pt>
-                <c:pt idx="68">
-                  <c:v>4.4606481481481479</c:v>
-                </c:pt>
-                <c:pt idx="69">
-                  <c:v>4.4606481481481479</c:v>
-                </c:pt>
-                <c:pt idx="70">
-                  <c:v>4.4606481481481479</c:v>
-                </c:pt>
-                <c:pt idx="71">
-                  <c:v>4.4606481481481479</c:v>
-                </c:pt>
-                <c:pt idx="72">
-                  <c:v>4.4606481481481479</c:v>
-                </c:pt>
-                <c:pt idx="73">
-                  <c:v>4.4606481481481479</c:v>
-                </c:pt>
-                <c:pt idx="74">
-                  <c:v>4.4606481481481479</c:v>
-                </c:pt>
-                <c:pt idx="75">
-                  <c:v>4.4606481481481479</c:v>
-                </c:pt>
-                <c:pt idx="76">
-                  <c:v>4.4606481481481479</c:v>
-                </c:pt>
-                <c:pt idx="77">
-                  <c:v>4.4606481481481479</c:v>
-                </c:pt>
-                <c:pt idx="78">
-                  <c:v>4.4606481481481479</c:v>
-                </c:pt>
-                <c:pt idx="79">
-                  <c:v>4.4606481481481479</c:v>
-                </c:pt>
-                <c:pt idx="80">
-                  <c:v>4.4606481481481479</c:v>
-                </c:pt>
-                <c:pt idx="81">
-                  <c:v>4.4606481481481479</c:v>
-                </c:pt>
-                <c:pt idx="82">
-                  <c:v>4.4606481481481479</c:v>
-                </c:pt>
-                <c:pt idx="83">
-                  <c:v>4.4606481481481479</c:v>
-                </c:pt>
-                <c:pt idx="84">
-                  <c:v>4.4606481481481479</c:v>
-                </c:pt>
-                <c:pt idx="85">
-                  <c:v>4.4606481481481479</c:v>
-                </c:pt>
-                <c:pt idx="86">
-                  <c:v>4.4606481481481479</c:v>
-                </c:pt>
-                <c:pt idx="87">
-                  <c:v>4.4606481481481479</c:v>
-                </c:pt>
-                <c:pt idx="88">
-                  <c:v>4.4606481481481479</c:v>
-                </c:pt>
-                <c:pt idx="89">
-                  <c:v>4.4606481481481479</c:v>
-                </c:pt>
-                <c:pt idx="90">
-                  <c:v>4.4606481481481479</c:v>
-                </c:pt>
-                <c:pt idx="91">
-                  <c:v>4.4606481481481479</c:v>
-                </c:pt>
-                <c:pt idx="92">
-                  <c:v>4.4606481481481479</c:v>
-                </c:pt>
-                <c:pt idx="93">
-                  <c:v>4.4606481481481479</c:v>
-                </c:pt>
-                <c:pt idx="94">
-                  <c:v>4.4606481481481479</c:v>
-                </c:pt>
-                <c:pt idx="95">
-                  <c:v>4.4606481481481479</c:v>
-                </c:pt>
-                <c:pt idx="96">
-                  <c:v>4.4606481481481479</c:v>
-                </c:pt>
-                <c:pt idx="97">
-                  <c:v>4.4606481481481479</c:v>
-                </c:pt>
-                <c:pt idx="98">
-                  <c:v>4.4606481481481479</c:v>
-                </c:pt>
-                <c:pt idx="99">
-                  <c:v>4.4606481481481479</c:v>
-                </c:pt>
-                <c:pt idx="100">
-                  <c:v>4.4606481481481479</c:v>
-                </c:pt>
-                <c:pt idx="101">
-                  <c:v>4.4606481481481479</c:v>
-                </c:pt>
-                <c:pt idx="102">
-                  <c:v>4.4606481481481479</c:v>
-                </c:pt>
-                <c:pt idx="103">
-                  <c:v>4.4606481481481479</c:v>
-                </c:pt>
-                <c:pt idx="104">
-                  <c:v>4.4606481481481479</c:v>
-                </c:pt>
-                <c:pt idx="105">
-                  <c:v>4.4606481481481479</c:v>
-                </c:pt>
-                <c:pt idx="106">
-                  <c:v>4.4606481481481479</c:v>
-                </c:pt>
-                <c:pt idx="107">
-                  <c:v>4.4606481481481479</c:v>
-                </c:pt>
-                <c:pt idx="108">
-                  <c:v>4.4606481481481479</c:v>
-                </c:pt>
-                <c:pt idx="109">
-                  <c:v>4.4606481481481479</c:v>
-                </c:pt>
-                <c:pt idx="110">
-                  <c:v>4.4606481481481479</c:v>
-                </c:pt>
-                <c:pt idx="111">
-                  <c:v>4.4606481481481479</c:v>
-                </c:pt>
-                <c:pt idx="112">
-                  <c:v>4.4606481481481479</c:v>
-                </c:pt>
-                <c:pt idx="113">
-                  <c:v>4.4606481481481479</c:v>
-                </c:pt>
-                <c:pt idx="114">
-                  <c:v>4.4606481481481479</c:v>
-                </c:pt>
-                <c:pt idx="115">
-                  <c:v>4.4606481481481479</c:v>
-                </c:pt>
-                <c:pt idx="116">
-                  <c:v>4.4598765432098766</c:v>
-                </c:pt>
-                <c:pt idx="117">
-                  <c:v>4.4598765432098766</c:v>
-                </c:pt>
-                <c:pt idx="118">
-                  <c:v>4.4598765432098766</c:v>
-                </c:pt>
-                <c:pt idx="119">
-                  <c:v>4.4598765432098766</c:v>
-                </c:pt>
-                <c:pt idx="120">
-                  <c:v>4.4598765432098766</c:v>
-                </c:pt>
-                <c:pt idx="121">
-                  <c:v>4.4598765432098766</c:v>
-                </c:pt>
-                <c:pt idx="122">
-                  <c:v>4.4598765432098766</c:v>
-                </c:pt>
-                <c:pt idx="123">
-                  <c:v>4.4598765432098766</c:v>
-                </c:pt>
-                <c:pt idx="124">
-                  <c:v>4.4598765432098766</c:v>
-                </c:pt>
-                <c:pt idx="125">
-                  <c:v>4.4598765432098766</c:v>
-                </c:pt>
-                <c:pt idx="126">
-                  <c:v>4.458333333333333</c:v>
-                </c:pt>
-                <c:pt idx="127">
-                  <c:v>4.458333333333333</c:v>
-                </c:pt>
-                <c:pt idx="128">
-                  <c:v>4.458333333333333</c:v>
-                </c:pt>
-                <c:pt idx="129">
-                  <c:v>4.458333333333333</c:v>
-                </c:pt>
-                <c:pt idx="130">
-                  <c:v>4.458333333333333</c:v>
-                </c:pt>
-                <c:pt idx="131">
-                  <c:v>4.458333333333333</c:v>
-                </c:pt>
-                <c:pt idx="132">
-                  <c:v>4.458333333333333</c:v>
-                </c:pt>
-                <c:pt idx="133">
-                  <c:v>4.458333333333333</c:v>
-                </c:pt>
-                <c:pt idx="134">
-                  <c:v>4.458333333333333</c:v>
-                </c:pt>
-                <c:pt idx="135">
-                  <c:v>4.458333333333333</c:v>
-                </c:pt>
-                <c:pt idx="136">
-                  <c:v>4.458333333333333</c:v>
-                </c:pt>
-                <c:pt idx="137">
-                  <c:v>4.458333333333333</c:v>
-                </c:pt>
-                <c:pt idx="138">
-                  <c:v>4.458333333333333</c:v>
-                </c:pt>
-                <c:pt idx="139">
-                  <c:v>4.458333333333333</c:v>
-                </c:pt>
-                <c:pt idx="140">
-                  <c:v>4.458333333333333</c:v>
-                </c:pt>
-                <c:pt idx="141">
-                  <c:v>4.458333333333333</c:v>
-                </c:pt>
-                <c:pt idx="142">
-                  <c:v>4.458333333333333</c:v>
-                </c:pt>
-                <c:pt idx="143">
-                  <c:v>4.458333333333333</c:v>
-                </c:pt>
-                <c:pt idx="144">
-                  <c:v>4.458333333333333</c:v>
-                </c:pt>
-                <c:pt idx="145">
-                  <c:v>4.458333333333333</c:v>
-                </c:pt>
-                <c:pt idx="146">
-                  <c:v>4.458333333333333</c:v>
-                </c:pt>
-              </c:numCache>
-            </c:numRef>
-          </c:yVal>
-          <c:smooth val="1"/>
-          <c:extLst>
-            <c:ext xmlns:c16="http://schemas.microsoft.com/office/drawing/2014/chart" uri="{C3380CC4-5D6E-409C-BE32-E72D297353CC}">
-              <c16:uniqueId val="{00000000-EE88-4707-AB27-197420448500}"/>
-            </c:ext>
-          </c:extLst>
-        </c:ser>
-        <c:dLbls>
-          <c:showLegendKey val="0"/>
-          <c:showVal val="0"/>
-          <c:showCatName val="0"/>
-          <c:showSerName val="0"/>
-          <c:showPercent val="0"/>
-          <c:showBubbleSize val="0"/>
-        </c:dLbls>
-        <c:axId val="448554720"/>
-        <c:axId val="448554064"/>
-      </c:scatterChart>
-      <c:valAx>
-        <c:axId val="448554720"/>
-        <c:scaling>
-          <c:orientation val="minMax"/>
-        </c:scaling>
-        <c:delete val="0"/>
-        <c:axPos val="b"/>
-        <c:majorGridlines>
-          <c:spPr>
-            <a:ln w="9525" cap="flat" cmpd="sng" algn="ctr">
-              <a:solidFill>
-                <a:schemeClr val="tx1">
-                  <a:lumMod val="15000"/>
-                  <a:lumOff val="85000"/>
-                </a:schemeClr>
-              </a:solidFill>
-              <a:round/>
-            </a:ln>
-            <a:effectLst/>
-          </c:spPr>
-        </c:majorGridlines>
-        <c:title>
-          <c:tx>
-            <c:rich>
-              <a:bodyPr rot="0" spcFirstLastPara="1" vertOverflow="ellipsis" vert="horz" wrap="square" anchor="ctr" anchorCtr="1"/>
-              <a:lstStyle/>
-              <a:p>
-                <a:pPr>
-                  <a:defRPr sz="1000" b="0" i="0" u="none" strike="noStrike" kern="1200" baseline="0">
-                    <a:solidFill>
-                      <a:schemeClr val="tx1">
-                        <a:lumMod val="65000"/>
-                        <a:lumOff val="35000"/>
-                      </a:schemeClr>
-                    </a:solidFill>
-                    <a:latin typeface="+mn-lt"/>
-                    <a:ea typeface="+mn-ea"/>
-                    <a:cs typeface="+mn-cs"/>
-                  </a:defRPr>
-                </a:pPr>
-                <a:r>
-                  <a:rPr lang="en-US"/>
-                  <a:t>Iterations</a:t>
-                </a:r>
-              </a:p>
-            </c:rich>
-          </c:tx>
-          <c:overlay val="0"/>
-          <c:spPr>
-            <a:noFill/>
-            <a:ln>
-              <a:noFill/>
-            </a:ln>
-            <a:effectLst/>
-          </c:spPr>
-          <c:txPr>
-            <a:bodyPr rot="0" spcFirstLastPara="1" vertOverflow="ellipsis" vert="horz" wrap="square" anchor="ctr" anchorCtr="1"/>
-            <a:lstStyle/>
-            <a:p>
-              <a:pPr>
-                <a:defRPr sz="1000" b="0" i="0" u="none" strike="noStrike" kern="1200" baseline="0">
-                  <a:solidFill>
-                    <a:schemeClr val="tx1">
-                      <a:lumMod val="65000"/>
-                      <a:lumOff val="35000"/>
-                    </a:schemeClr>
-                  </a:solidFill>
-                  <a:latin typeface="+mn-lt"/>
-                  <a:ea typeface="+mn-ea"/>
-                  <a:cs typeface="+mn-cs"/>
-                </a:defRPr>
-              </a:pPr>
-              <a:endParaRPr lang="en-US"/>
-            </a:p>
-          </c:txPr>
-        </c:title>
-        <c:numFmt formatCode="General" sourceLinked="1"/>
-        <c:majorTickMark val="none"/>
-        <c:minorTickMark val="none"/>
-        <c:tickLblPos val="nextTo"/>
-        <c:spPr>
-          <a:noFill/>
-          <a:ln w="9525" cap="flat" cmpd="sng" algn="ctr">
-            <a:solidFill>
-              <a:schemeClr val="tx1">
-                <a:lumMod val="25000"/>
-                <a:lumOff val="75000"/>
-              </a:schemeClr>
-            </a:solidFill>
-            <a:round/>
-          </a:ln>
-          <a:effectLst/>
-        </c:spPr>
-        <c:txPr>
-          <a:bodyPr rot="-60000000" spcFirstLastPara="1" vertOverflow="ellipsis" vert="horz" wrap="square" anchor="ctr" anchorCtr="1"/>
-          <a:lstStyle/>
-          <a:p>
-            <a:pPr>
-              <a:defRPr sz="900" b="0" i="0" u="none" strike="noStrike" kern="1200" baseline="0">
-                <a:solidFill>
-                  <a:schemeClr val="tx1">
-                    <a:lumMod val="65000"/>
-                    <a:lumOff val="35000"/>
-                  </a:schemeClr>
-                </a:solidFill>
-                <a:latin typeface="+mn-lt"/>
-                <a:ea typeface="+mn-ea"/>
-                <a:cs typeface="+mn-cs"/>
-              </a:defRPr>
-            </a:pPr>
-            <a:endParaRPr lang="en-US"/>
-          </a:p>
-        </c:txPr>
-        <c:crossAx val="448554064"/>
-        <c:crosses val="autoZero"/>
-        <c:crossBetween val="midCat"/>
-      </c:valAx>
-      <c:valAx>
-        <c:axId val="448554064"/>
-        <c:scaling>
-          <c:orientation val="minMax"/>
-        </c:scaling>
-        <c:delete val="0"/>
-        <c:axPos val="l"/>
-        <c:majorGridlines>
-          <c:spPr>
-            <a:ln w="9525" cap="flat" cmpd="sng" algn="ctr">
-              <a:solidFill>
-                <a:schemeClr val="tx1">
-                  <a:lumMod val="15000"/>
-                  <a:lumOff val="85000"/>
-                </a:schemeClr>
-              </a:solidFill>
-              <a:round/>
-            </a:ln>
-            <a:effectLst/>
-          </c:spPr>
-        </c:majorGridlines>
-        <c:title>
-          <c:tx>
-            <c:rich>
-              <a:bodyPr rot="-5400000" spcFirstLastPara="1" vertOverflow="ellipsis" vert="horz" wrap="square" anchor="ctr" anchorCtr="1"/>
-              <a:lstStyle/>
-              <a:p>
-                <a:pPr>
-                  <a:defRPr sz="1000" b="0" i="0" u="none" strike="noStrike" kern="1200" baseline="0">
-                    <a:solidFill>
-                      <a:schemeClr val="tx1">
-                        <a:lumMod val="65000"/>
-                        <a:lumOff val="35000"/>
-                      </a:schemeClr>
-                    </a:solidFill>
-                    <a:latin typeface="+mn-lt"/>
-                    <a:ea typeface="+mn-ea"/>
-                    <a:cs typeface="+mn-cs"/>
-                  </a:defRPr>
-                </a:pPr>
-                <a:r>
-                  <a:rPr lang="en-US"/>
-                  <a:t>Best Avarage</a:t>
-                </a:r>
-              </a:p>
-            </c:rich>
-          </c:tx>
-          <c:overlay val="0"/>
-          <c:spPr>
-            <a:noFill/>
-            <a:ln>
-              <a:noFill/>
-            </a:ln>
-            <a:effectLst/>
-          </c:spPr>
-          <c:txPr>
-            <a:bodyPr rot="-5400000" spcFirstLastPara="1" vertOverflow="ellipsis" vert="horz" wrap="square" anchor="ctr" anchorCtr="1"/>
-            <a:lstStyle/>
-            <a:p>
-              <a:pPr>
-                <a:defRPr sz="1000" b="0" i="0" u="none" strike="noStrike" kern="1200" baseline="0">
-                  <a:solidFill>
-                    <a:schemeClr val="tx1">
-                      <a:lumMod val="65000"/>
-                      <a:lumOff val="35000"/>
-                    </a:schemeClr>
-                  </a:solidFill>
-                  <a:latin typeface="+mn-lt"/>
-                  <a:ea typeface="+mn-ea"/>
-                  <a:cs typeface="+mn-cs"/>
-                </a:defRPr>
-              </a:pPr>
-              <a:endParaRPr lang="en-US"/>
-            </a:p>
-          </c:txPr>
-        </c:title>
-        <c:numFmt formatCode="General" sourceLinked="1"/>
-        <c:majorTickMark val="none"/>
-        <c:minorTickMark val="none"/>
-        <c:tickLblPos val="nextTo"/>
-        <c:spPr>
-          <a:noFill/>
-          <a:ln w="9525" cap="flat" cmpd="sng" algn="ctr">
-            <a:solidFill>
-              <a:schemeClr val="tx1">
-                <a:lumMod val="25000"/>
-                <a:lumOff val="75000"/>
-              </a:schemeClr>
-            </a:solidFill>
-            <a:round/>
-          </a:ln>
-          <a:effectLst/>
-        </c:spPr>
-        <c:txPr>
-          <a:bodyPr rot="-60000000" spcFirstLastPara="1" vertOverflow="ellipsis" vert="horz" wrap="square" anchor="ctr" anchorCtr="1"/>
-          <a:lstStyle/>
-          <a:p>
-            <a:pPr>
-              <a:defRPr sz="900" b="0" i="0" u="none" strike="noStrike" kern="1200" baseline="0">
-                <a:solidFill>
-                  <a:schemeClr val="tx1">
-                    <a:lumMod val="65000"/>
-                    <a:lumOff val="35000"/>
-                  </a:schemeClr>
-                </a:solidFill>
-                <a:latin typeface="+mn-lt"/>
-                <a:ea typeface="+mn-ea"/>
-                <a:cs typeface="+mn-cs"/>
-              </a:defRPr>
-            </a:pPr>
-            <a:endParaRPr lang="en-US"/>
-          </a:p>
-        </c:txPr>
-        <c:crossAx val="448554720"/>
         <c:crosses val="autoZero"/>
         <c:crossBetween val="midCat"/>
       </c:valAx>
@@ -37082,7 +37094,7 @@
         </p:nvSpPr>
         <p:spPr>
           <a:xfrm>
-            <a:off x="72496" y="-21771"/>
+            <a:off x="194345" y="94478"/>
             <a:ext cx="10551952" cy="1675599"/>
           </a:xfrm>
           <a:prstGeom prst="rect">
@@ -37168,7 +37180,7 @@
           <a:p>
             <a:r>
               <a:rPr lang="en-US" dirty="0"/>
-              <a:t>                 Knuth   Policy</a:t>
+              <a:t>                 Random  Policy</a:t>
             </a:r>
             <a:endParaRPr lang="en-US" sz="4000" dirty="0"/>
           </a:p>
@@ -37176,27 +37188,28 @@
       </p:sp>
       <p:sp>
         <p:nvSpPr>
-          <p:cNvPr id="3" name="Rectangle 2">
+          <p:cNvPr id="3" name="TextBox 2">
             <a:extLst>
               <a:ext uri="{FF2B5EF4-FFF2-40B4-BE49-F238E27FC236}">
-                <a16:creationId xmlns:a16="http://schemas.microsoft.com/office/drawing/2014/main" id="{F96CC5E6-C228-43AA-8E68-B86504191A81}"/>
+                <a16:creationId xmlns:a16="http://schemas.microsoft.com/office/drawing/2014/main" id="{07BF8C91-2E5D-4EFE-983E-424C75309229}"/>
               </a:ext>
             </a:extLst>
           </p:cNvPr>
-          <p:cNvSpPr/>
+          <p:cNvSpPr txBox="1"/>
           <p:nvPr/>
         </p:nvSpPr>
         <p:spPr>
           <a:xfrm>
-            <a:off x="374614" y="615191"/>
-            <a:ext cx="9404722" cy="6771084"/>
+            <a:off x="581159" y="767908"/>
+            <a:ext cx="9778323" cy="3970318"/>
           </a:xfrm>
           <a:prstGeom prst="rect">
             <a:avLst/>
           </a:prstGeom>
+          <a:noFill/>
         </p:spPr>
         <p:txBody>
-          <a:bodyPr wrap="square">
+          <a:bodyPr wrap="square" rtlCol="0">
             <a:spAutoFit/>
           </a:bodyPr>
           <a:lstStyle/>
@@ -37205,8 +37218,8 @@
               <a:buAutoNum type="arabicParenR"/>
             </a:pPr>
             <a:r>
-              <a:rPr lang="en-US" sz="1600" dirty="0"/>
-              <a:t>Assign a score to each possible guess based on the worst-case  scoring algorithm – see below</a:t>
+              <a:rPr lang="en-US" dirty="0"/>
+              <a:t>Pick a guess randomly from the list of qualifying candidates</a:t>
             </a:r>
           </a:p>
           <a:p>
@@ -37214,23 +37227,14 @@
               <a:buAutoNum type="arabicParenR"/>
             </a:pPr>
             <a:r>
-              <a:rPr lang="en-US" sz="1600" dirty="0"/>
-              <a:t>Pick the guess with the best (lowest score)score. In case of a tie prefer a guess from the qualifying candidates   </a:t>
-            </a:r>
-          </a:p>
-          <a:p>
-            <a:pPr marL="342900" indent="-342900">
-              <a:buAutoNum type="arabicParenR"/>
-            </a:pPr>
-            <a:r>
-              <a:rPr lang="en-US" sz="1600" dirty="0"/>
+              <a:rPr lang="en-US" dirty="0"/>
               <a:t>If winning guess  quit  </a:t>
             </a:r>
           </a:p>
           <a:p>
             <a:r>
-              <a:rPr lang="en-US" sz="1600" dirty="0"/>
-              <a:t>2)  Based on the response ,filters out the candidates list</a:t>
+              <a:rPr lang="en-US" dirty="0"/>
+              <a:t>2)  Based on the response, filters out the candidate list </a:t>
             </a:r>
           </a:p>
           <a:p>
@@ -37238,7 +37242,7 @@
               <a:buAutoNum type="arabicParenR" startAt="3"/>
             </a:pPr>
             <a:r>
-              <a:rPr lang="en-US" sz="1600" dirty="0"/>
+              <a:rPr lang="en-US" dirty="0"/>
               <a:t>Go to 1)</a:t>
             </a:r>
           </a:p>
@@ -37249,37 +37253,13 @@
             <a:endParaRPr lang="en-US" dirty="0"/>
           </a:p>
           <a:p>
-            <a:r>
-              <a:rPr lang="en-US" sz="1600" b="1" u="sng" dirty="0"/>
-              <a:t>worst-case scoring algorithm</a:t>
-            </a:r>
+            <a:endParaRPr lang="en-US" dirty="0"/>
           </a:p>
           <a:p>
             <a:r>
-              <a:rPr lang="en-US" sz="1600" dirty="0"/>
-              <a:t>For the guess evaluated, compute all the different 15  lists of qualifying candidates ,one for each possible response, from the existing list of qualifying candidates. </a:t>
+              <a:rPr lang="en-US" dirty="0"/>
+              <a:t>Advantage : Execution time is extremely fast so many strategy trees can be built and evaluated in a unit of time keeping the one that gives the best result. So we can search many trees for better and better  random policies.  </a:t>
             </a:r>
-          </a:p>
-          <a:p>
-            <a:r>
-              <a:rPr lang="en-US" sz="1600" dirty="0"/>
-              <a:t>The length of the longest list is the score of the guess.</a:t>
-            </a:r>
-          </a:p>
-          <a:p>
-            <a:endParaRPr lang="en-US" sz="1600" dirty="0"/>
-          </a:p>
-          <a:p>
-            <a:r>
-              <a:rPr lang="en-US" sz="1600" dirty="0"/>
-              <a:t>Building a strategy tree out of Knuth  policy takes a while but it yields right a way a good result of 4.476  guesses on average to win. Shuffling the full list of guesses  randomly and rerunning it ,capturing the best result, yields  4.451 average guesses as the best result </a:t>
-            </a:r>
-          </a:p>
-          <a:p>
-            <a:endParaRPr lang="en-US" sz="1600" dirty="0"/>
-          </a:p>
-          <a:p>
-            <a:endParaRPr lang="en-US" sz="1600" dirty="0"/>
           </a:p>
           <a:p>
             <a:endParaRPr lang="en-US" dirty="0"/>
@@ -37294,16 +37274,10 @@
             <a:endParaRPr lang="en-US" dirty="0"/>
           </a:p>
           <a:p>
-            <a:endParaRPr lang="en-US" dirty="0"/>
-          </a:p>
-          <a:p>
-            <a:endParaRPr lang="en-US" dirty="0"/>
-          </a:p>
-          <a:p>
-            <a:endParaRPr lang="en-US" dirty="0"/>
-          </a:p>
-          <a:p>
-            <a:endParaRPr lang="en-US" dirty="0"/>
+            <a:r>
+              <a:rPr lang="en-US" dirty="0"/>
+              <a:t> </a:t>
+            </a:r>
           </a:p>
         </p:txBody>
       </p:sp>
@@ -37312,7 +37286,7 @@
           <p:cNvPr id="5" name="Chart 4">
             <a:extLst>
               <a:ext uri="{FF2B5EF4-FFF2-40B4-BE49-F238E27FC236}">
-                <a16:creationId xmlns:a16="http://schemas.microsoft.com/office/drawing/2014/main" id="{3C6AF83A-F6B8-48F9-B196-53A5B5C07D9F}"/>
+                <a16:creationId xmlns:a16="http://schemas.microsoft.com/office/drawing/2014/main" id="{4874AFF5-45B6-4F4A-A9FA-CC64120C39FC}"/>
               </a:ext>
             </a:extLst>
           </p:cNvPr>
@@ -37322,14 +37296,14 @@
           <p:nvPr>
             <p:extLst>
               <p:ext uri="{D42A27DB-BD31-4B8C-83A1-F6EECF244321}">
-                <p14:modId xmlns:p14="http://schemas.microsoft.com/office/powerpoint/2010/main" val="4280600420"/>
+                <p14:modId xmlns:p14="http://schemas.microsoft.com/office/powerpoint/2010/main" val="153138987"/>
               </p:ext>
             </p:extLst>
           </p:nvPr>
         </p:nvGraphicFramePr>
         <p:xfrm>
-          <a:off x="374613" y="4756274"/>
-          <a:ext cx="10021243" cy="2177143"/>
+          <a:off x="363180" y="3429001"/>
+          <a:ext cx="8316796" cy="2612570"/>
         </p:xfrm>
         <a:graphic>
           <a:graphicData uri="http://schemas.openxmlformats.org/drawingml/2006/chart">
@@ -37337,10 +37311,53 @@
           </a:graphicData>
         </a:graphic>
       </p:graphicFrame>
+      <p:sp>
+        <p:nvSpPr>
+          <p:cNvPr id="4" name="TextBox 3">
+            <a:extLst>
+              <a:ext uri="{FF2B5EF4-FFF2-40B4-BE49-F238E27FC236}">
+                <a16:creationId xmlns:a16="http://schemas.microsoft.com/office/drawing/2014/main" id="{C03918A6-CAB6-4583-B65D-0137962B161A}"/>
+              </a:ext>
+            </a:extLst>
+          </p:cNvPr>
+          <p:cNvSpPr txBox="1"/>
+          <p:nvPr/>
+        </p:nvSpPr>
+        <p:spPr>
+          <a:xfrm>
+            <a:off x="1034142" y="6041571"/>
+            <a:ext cx="7783287" cy="646331"/>
+          </a:xfrm>
+          <a:prstGeom prst="rect">
+            <a:avLst/>
+          </a:prstGeom>
+          <a:noFill/>
+        </p:spPr>
+        <p:txBody>
+          <a:bodyPr wrap="square" rtlCol="0">
+            <a:spAutoFit/>
+          </a:bodyPr>
+          <a:lstStyle/>
+          <a:p>
+            <a:r>
+              <a:rPr lang="en-US" dirty="0"/>
+              <a:t>Best strategy found after days of executions – yielded  </a:t>
+            </a:r>
+            <a:r>
+              <a:rPr lang="en-US" b="1" dirty="0"/>
+              <a:t>4.511 </a:t>
+            </a:r>
+            <a:r>
+              <a:rPr lang="en-US" dirty="0"/>
+              <a:t>guess to win on average </a:t>
+            </a:r>
+          </a:p>
+        </p:txBody>
+      </p:sp>
     </p:spTree>
     <p:extLst>
       <p:ext uri="{BB962C8B-B14F-4D97-AF65-F5344CB8AC3E}">
-        <p14:creationId xmlns:p14="http://schemas.microsoft.com/office/powerpoint/2010/main" val="3340501789"/>
+        <p14:creationId xmlns:p14="http://schemas.microsoft.com/office/powerpoint/2010/main" val="2374018576"/>
       </p:ext>
     </p:extLst>
   </p:cSld>
@@ -37567,7 +37584,7 @@
           <a:p>
             <a:r>
               <a:rPr lang="en-US" dirty="0"/>
-              <a:t>2)  Based on the response ,filters out the list candidate</a:t>
+              <a:t>2)  Based on the response ,filters out the candidates list</a:t>
             </a:r>
           </a:p>
           <a:p>
@@ -38383,7 +38400,7 @@
         </p:nvSpPr>
         <p:spPr>
           <a:xfrm>
-            <a:off x="194345" y="1253083"/>
+            <a:off x="194345" y="997223"/>
             <a:ext cx="11641256" cy="4247317"/>
           </a:xfrm>
           <a:prstGeom prst="rect">
@@ -38590,8 +38607,8 @@
         </p:nvSpPr>
         <p:spPr>
           <a:xfrm>
-            <a:off x="3668485" y="4224028"/>
-            <a:ext cx="1641728" cy="1233200"/>
+            <a:off x="3668484" y="4224028"/>
+            <a:ext cx="2427515" cy="1233200"/>
           </a:xfrm>
           <a:prstGeom prst="rect">
             <a:avLst/>
@@ -38620,14 +38637,7 @@
             <a:pPr algn="ctr"/>
             <a:r>
               <a:rPr lang="en-US" dirty="0"/>
-              <a:t>Episodes from </a:t>
-            </a:r>
-          </a:p>
-          <a:p>
-            <a:pPr algn="ctr"/>
-            <a:r>
-              <a:rPr lang="en-US" dirty="0"/>
-              <a:t>NN Strategy </a:t>
+              <a:t>Improve the NN by making gradient training steps</a:t>
             </a:r>
           </a:p>
         </p:txBody>
@@ -38646,8 +38656,8 @@
         </p:nvSpPr>
         <p:spPr>
           <a:xfrm>
-            <a:off x="5310213" y="4706128"/>
-            <a:ext cx="1719943" cy="269000"/>
+            <a:off x="9479063" y="4673731"/>
+            <a:ext cx="1057009" cy="269000"/>
           </a:xfrm>
           <a:prstGeom prst="rightArrow">
             <a:avLst/>
@@ -38692,7 +38702,7 @@
         </p:nvSpPr>
         <p:spPr>
           <a:xfrm>
-            <a:off x="5424698" y="4141913"/>
+            <a:off x="4757714" y="6050090"/>
             <a:ext cx="2216226" cy="646331"/>
           </a:xfrm>
           <a:prstGeom prst="rect">
@@ -38727,8 +38737,8 @@
         </p:nvSpPr>
         <p:spPr>
           <a:xfrm rot="5400000">
-            <a:off x="4526441" y="3224805"/>
-            <a:ext cx="1027288" cy="4463144"/>
+            <a:off x="5825512" y="1559774"/>
+            <a:ext cx="1034988" cy="7800901"/>
           </a:xfrm>
           <a:prstGeom prst="curvedLeftArrow">
             <a:avLst/>
@@ -38760,6 +38770,160 @@
                 <a:schemeClr val="tx1"/>
               </a:solidFill>
             </a:endParaRPr>
+          </a:p>
+        </p:txBody>
+      </p:sp>
+      <p:sp>
+        <p:nvSpPr>
+          <p:cNvPr id="13" name="Rectangle 12">
+            <a:extLst>
+              <a:ext uri="{FF2B5EF4-FFF2-40B4-BE49-F238E27FC236}">
+                <a16:creationId xmlns:a16="http://schemas.microsoft.com/office/drawing/2014/main" id="{F870CC43-042E-49C4-B227-607828F2F80E}"/>
+              </a:ext>
+            </a:extLst>
+          </p:cNvPr>
+          <p:cNvSpPr/>
+          <p:nvPr/>
+        </p:nvSpPr>
+        <p:spPr>
+          <a:xfrm>
+            <a:off x="7815940" y="4213514"/>
+            <a:ext cx="1641728" cy="1233200"/>
+          </a:xfrm>
+          <a:prstGeom prst="rect">
+            <a:avLst/>
+          </a:prstGeom>
+        </p:spPr>
+        <p:style>
+          <a:lnRef idx="2">
+            <a:schemeClr val="accent4">
+              <a:shade val="50000"/>
+            </a:schemeClr>
+          </a:lnRef>
+          <a:fillRef idx="1">
+            <a:schemeClr val="accent4"/>
+          </a:fillRef>
+          <a:effectRef idx="0">
+            <a:schemeClr val="accent4"/>
+          </a:effectRef>
+          <a:fontRef idx="minor">
+            <a:schemeClr val="lt1"/>
+          </a:fontRef>
+        </p:style>
+        <p:txBody>
+          <a:bodyPr rtlCol="0" anchor="ctr"/>
+          <a:lstStyle/>
+          <a:p>
+            <a:pPr algn="ctr"/>
+            <a:r>
+              <a:rPr lang="en-US" dirty="0"/>
+              <a:t>Generate Episodes from </a:t>
+            </a:r>
+          </a:p>
+          <a:p>
+            <a:pPr algn="ctr"/>
+            <a:r>
+              <a:rPr lang="en-US" dirty="0"/>
+              <a:t>NN Strategy </a:t>
+            </a:r>
+          </a:p>
+        </p:txBody>
+      </p:sp>
+      <p:sp>
+        <p:nvSpPr>
+          <p:cNvPr id="15" name="Arrow: Right 14">
+            <a:extLst>
+              <a:ext uri="{FF2B5EF4-FFF2-40B4-BE49-F238E27FC236}">
+                <a16:creationId xmlns:a16="http://schemas.microsoft.com/office/drawing/2014/main" id="{0300BED9-81B6-42FA-BA43-111144109081}"/>
+              </a:ext>
+            </a:extLst>
+          </p:cNvPr>
+          <p:cNvSpPr/>
+          <p:nvPr/>
+        </p:nvSpPr>
+        <p:spPr>
+          <a:xfrm>
+            <a:off x="6113969" y="4663355"/>
+            <a:ext cx="1719943" cy="269000"/>
+          </a:xfrm>
+          <a:prstGeom prst="rightArrow">
+            <a:avLst/>
+          </a:prstGeom>
+        </p:spPr>
+        <p:style>
+          <a:lnRef idx="2">
+            <a:schemeClr val="accent1">
+              <a:shade val="50000"/>
+            </a:schemeClr>
+          </a:lnRef>
+          <a:fillRef idx="1">
+            <a:schemeClr val="accent1"/>
+          </a:fillRef>
+          <a:effectRef idx="0">
+            <a:schemeClr val="accent1"/>
+          </a:effectRef>
+          <a:fontRef idx="minor">
+            <a:schemeClr val="lt1"/>
+          </a:fontRef>
+        </p:style>
+        <p:txBody>
+          <a:bodyPr rtlCol="0" anchor="ctr"/>
+          <a:lstStyle/>
+          <a:p>
+            <a:pPr algn="ctr"/>
+            <a:endParaRPr lang="en-US" dirty="0"/>
+          </a:p>
+        </p:txBody>
+      </p:sp>
+      <p:sp>
+        <p:nvSpPr>
+          <p:cNvPr id="4" name="Rectangle 3">
+            <a:extLst>
+              <a:ext uri="{FF2B5EF4-FFF2-40B4-BE49-F238E27FC236}">
+                <a16:creationId xmlns:a16="http://schemas.microsoft.com/office/drawing/2014/main" id="{1D2A589C-35D2-4E22-B4F9-5B0723635F13}"/>
+              </a:ext>
+            </a:extLst>
+          </p:cNvPr>
+          <p:cNvSpPr/>
+          <p:nvPr/>
+        </p:nvSpPr>
+        <p:spPr>
+          <a:xfrm>
+            <a:off x="10499703" y="4319554"/>
+            <a:ext cx="1463695" cy="956601"/>
+          </a:xfrm>
+          <a:prstGeom prst="rect">
+            <a:avLst/>
+          </a:prstGeom>
+          <a:solidFill>
+            <a:schemeClr val="accent2"/>
+          </a:solidFill>
+        </p:spPr>
+        <p:style>
+          <a:lnRef idx="2">
+            <a:schemeClr val="accent1">
+              <a:shade val="50000"/>
+            </a:schemeClr>
+          </a:lnRef>
+          <a:fillRef idx="1">
+            <a:schemeClr val="accent1"/>
+          </a:fillRef>
+          <a:effectRef idx="0">
+            <a:schemeClr val="accent1"/>
+          </a:effectRef>
+          <a:fontRef idx="minor">
+            <a:schemeClr val="lt1"/>
+          </a:fontRef>
+        </p:style>
+        <p:txBody>
+          <a:bodyPr rtlCol="0" anchor="ctr"/>
+          <a:lstStyle/>
+          <a:p>
+            <a:pPr algn="ctr"/>
+            <a:r>
+              <a:rPr lang="en-US" dirty="0"/>
+              <a:t>Capture best score</a:t>
+            </a:r>
           </a:p>
         </p:txBody>
       </p:sp>
@@ -39050,7 +39214,7 @@
           <a:p>
             <a:r>
               <a:rPr lang="en-US" dirty="0"/>
-              <a:t>After a bit more of 1.7k  iterations the NN learned to play mastermind with 4.386 guess to win on average!   </a:t>
+              <a:t>After a bit more than 1.7k  iterations the NN learned to play mastermind with 4.386 guess to win on average!   </a:t>
             </a:r>
           </a:p>
         </p:txBody>
@@ -41016,668 +41180,6 @@
           <a:p>
             <a:r>
               <a:rPr lang="en-US" dirty="0"/>
-              <a:t>         Policy  evaluation framework </a:t>
-            </a:r>
-            <a:endParaRPr lang="en-US" sz="4000" dirty="0"/>
-          </a:p>
-        </p:txBody>
-      </p:sp>
-      <p:sp>
-        <p:nvSpPr>
-          <p:cNvPr id="5" name="Rectangle 4">
-            <a:extLst>
-              <a:ext uri="{FF2B5EF4-FFF2-40B4-BE49-F238E27FC236}">
-                <a16:creationId xmlns:a16="http://schemas.microsoft.com/office/drawing/2014/main" id="{968AE50D-8C5E-4241-841F-A54D5C2FDF60}"/>
-              </a:ext>
-            </a:extLst>
-          </p:cNvPr>
-          <p:cNvSpPr/>
-          <p:nvPr/>
-        </p:nvSpPr>
-        <p:spPr>
-          <a:xfrm>
-            <a:off x="3992905" y="1853248"/>
-            <a:ext cx="2607398" cy="1086416"/>
-          </a:xfrm>
-          <a:prstGeom prst="rect">
-            <a:avLst/>
-          </a:prstGeom>
-        </p:spPr>
-        <p:style>
-          <a:lnRef idx="2">
-            <a:schemeClr val="accent6">
-              <a:shade val="50000"/>
-            </a:schemeClr>
-          </a:lnRef>
-          <a:fillRef idx="1">
-            <a:schemeClr val="accent6"/>
-          </a:fillRef>
-          <a:effectRef idx="0">
-            <a:schemeClr val="accent6"/>
-          </a:effectRef>
-          <a:fontRef idx="minor">
-            <a:schemeClr val="lt1"/>
-          </a:fontRef>
-        </p:style>
-        <p:txBody>
-          <a:bodyPr rtlCol="0" anchor="ctr"/>
-          <a:lstStyle/>
-          <a:p>
-            <a:pPr algn="ctr"/>
-            <a:r>
-              <a:rPr lang="en-US" dirty="0"/>
-              <a:t>Strategy tree generation </a:t>
-            </a:r>
-          </a:p>
-        </p:txBody>
-      </p:sp>
-      <p:sp>
-        <p:nvSpPr>
-          <p:cNvPr id="10" name="Rectangle 9">
-            <a:extLst>
-              <a:ext uri="{FF2B5EF4-FFF2-40B4-BE49-F238E27FC236}">
-                <a16:creationId xmlns:a16="http://schemas.microsoft.com/office/drawing/2014/main" id="{43E70271-4C25-41E3-B334-C3BAB9E5FE71}"/>
-              </a:ext>
-            </a:extLst>
-          </p:cNvPr>
-          <p:cNvSpPr/>
-          <p:nvPr/>
-        </p:nvSpPr>
-        <p:spPr>
-          <a:xfrm>
-            <a:off x="950615" y="1861698"/>
-            <a:ext cx="2322132" cy="1077965"/>
-          </a:xfrm>
-          <a:prstGeom prst="rect">
-            <a:avLst/>
-          </a:prstGeom>
-        </p:spPr>
-        <p:style>
-          <a:lnRef idx="2">
-            <a:schemeClr val="accent1">
-              <a:shade val="50000"/>
-            </a:schemeClr>
-          </a:lnRef>
-          <a:fillRef idx="1">
-            <a:schemeClr val="accent1"/>
-          </a:fillRef>
-          <a:effectRef idx="0">
-            <a:schemeClr val="accent1"/>
-          </a:effectRef>
-          <a:fontRef idx="minor">
-            <a:schemeClr val="lt1"/>
-          </a:fontRef>
-        </p:style>
-        <p:txBody>
-          <a:bodyPr rtlCol="0" anchor="ctr"/>
-          <a:lstStyle/>
-          <a:p>
-            <a:pPr algn="ctr"/>
-            <a:r>
-              <a:rPr lang="en-US" dirty="0"/>
-              <a:t>Policy to evaluate </a:t>
-            </a:r>
-          </a:p>
-          <a:p>
-            <a:pPr algn="ctr"/>
-            <a:r>
-              <a:rPr lang="en-US" dirty="0"/>
-              <a:t>guess = (s) </a:t>
-            </a:r>
-          </a:p>
-        </p:txBody>
-      </p:sp>
-      <p:cxnSp>
-        <p:nvCxnSpPr>
-          <p:cNvPr id="12" name="Straight Arrow Connector 11">
-            <a:extLst>
-              <a:ext uri="{FF2B5EF4-FFF2-40B4-BE49-F238E27FC236}">
-                <a16:creationId xmlns:a16="http://schemas.microsoft.com/office/drawing/2014/main" id="{CADCF6F7-C18C-4B41-B14F-DB3486565445}"/>
-              </a:ext>
-            </a:extLst>
-          </p:cNvPr>
-          <p:cNvCxnSpPr>
-            <a:cxnSpLocks/>
-          </p:cNvCxnSpPr>
-          <p:nvPr/>
-        </p:nvCxnSpPr>
-        <p:spPr>
-          <a:xfrm flipV="1">
-            <a:off x="3278881" y="2394343"/>
-            <a:ext cx="720159" cy="4225"/>
-          </a:xfrm>
-          <a:prstGeom prst="straightConnector1">
-            <a:avLst/>
-          </a:prstGeom>
-          <a:ln w="22225">
-            <a:solidFill>
-              <a:schemeClr val="bg1"/>
-            </a:solidFill>
-            <a:tailEnd type="triangle"/>
-          </a:ln>
-        </p:spPr>
-        <p:style>
-          <a:lnRef idx="1">
-            <a:schemeClr val="accent6"/>
-          </a:lnRef>
-          <a:fillRef idx="0">
-            <a:schemeClr val="accent6"/>
-          </a:fillRef>
-          <a:effectRef idx="0">
-            <a:schemeClr val="accent6"/>
-          </a:effectRef>
-          <a:fontRef idx="minor">
-            <a:schemeClr val="tx1"/>
-          </a:fontRef>
-        </p:style>
-      </p:cxnSp>
-      <p:sp>
-        <p:nvSpPr>
-          <p:cNvPr id="13" name="Rectangle 12">
-            <a:extLst>
-              <a:ext uri="{FF2B5EF4-FFF2-40B4-BE49-F238E27FC236}">
-                <a16:creationId xmlns:a16="http://schemas.microsoft.com/office/drawing/2014/main" id="{830C32EF-C412-4267-86C0-FA2904DF1E57}"/>
-              </a:ext>
-            </a:extLst>
-          </p:cNvPr>
-          <p:cNvSpPr/>
-          <p:nvPr/>
-        </p:nvSpPr>
-        <p:spPr>
-          <a:xfrm>
-            <a:off x="7422810" y="1811663"/>
-            <a:ext cx="2144889" cy="1086416"/>
-          </a:xfrm>
-          <a:prstGeom prst="rect">
-            <a:avLst/>
-          </a:prstGeom>
-        </p:spPr>
-        <p:style>
-          <a:lnRef idx="2">
-            <a:schemeClr val="accent4">
-              <a:shade val="50000"/>
-            </a:schemeClr>
-          </a:lnRef>
-          <a:fillRef idx="1">
-            <a:schemeClr val="accent4"/>
-          </a:fillRef>
-          <a:effectRef idx="0">
-            <a:schemeClr val="accent4"/>
-          </a:effectRef>
-          <a:fontRef idx="minor">
-            <a:schemeClr val="lt1"/>
-          </a:fontRef>
-        </p:style>
-        <p:txBody>
-          <a:bodyPr rtlCol="0" anchor="ctr"/>
-          <a:lstStyle/>
-          <a:p>
-            <a:pPr algn="ctr"/>
-            <a:r>
-              <a:rPr lang="en-US" dirty="0"/>
-              <a:t>Strategy Tree</a:t>
-            </a:r>
-          </a:p>
-        </p:txBody>
-      </p:sp>
-      <p:cxnSp>
-        <p:nvCxnSpPr>
-          <p:cNvPr id="15" name="Straight Arrow Connector 14">
-            <a:extLst>
-              <a:ext uri="{FF2B5EF4-FFF2-40B4-BE49-F238E27FC236}">
-                <a16:creationId xmlns:a16="http://schemas.microsoft.com/office/drawing/2014/main" id="{54FEECCC-ED23-4B91-B9C5-90FE3FF045A9}"/>
-              </a:ext>
-            </a:extLst>
-          </p:cNvPr>
-          <p:cNvCxnSpPr>
-            <a:stCxn id="5" idx="3"/>
-          </p:cNvCxnSpPr>
-          <p:nvPr/>
-        </p:nvCxnSpPr>
-        <p:spPr>
-          <a:xfrm>
-            <a:off x="6600303" y="2396456"/>
-            <a:ext cx="822507" cy="0"/>
-          </a:xfrm>
-          <a:prstGeom prst="straightConnector1">
-            <a:avLst/>
-          </a:prstGeom>
-          <a:ln w="22225">
-            <a:solidFill>
-              <a:schemeClr val="bg1"/>
-            </a:solidFill>
-            <a:tailEnd type="triangle"/>
-          </a:ln>
-        </p:spPr>
-        <p:style>
-          <a:lnRef idx="1">
-            <a:schemeClr val="accent1"/>
-          </a:lnRef>
-          <a:fillRef idx="0">
-            <a:schemeClr val="accent1"/>
-          </a:fillRef>
-          <a:effectRef idx="0">
-            <a:schemeClr val="accent1"/>
-          </a:effectRef>
-          <a:fontRef idx="minor">
-            <a:schemeClr val="tx1"/>
-          </a:fontRef>
-        </p:style>
-      </p:cxnSp>
-      <p:sp>
-        <p:nvSpPr>
-          <p:cNvPr id="17" name="Rectangle: Rounded Corners 16">
-            <a:extLst>
-              <a:ext uri="{FF2B5EF4-FFF2-40B4-BE49-F238E27FC236}">
-                <a16:creationId xmlns:a16="http://schemas.microsoft.com/office/drawing/2014/main" id="{55F2F7FD-6679-41F6-9AFC-ADB28546D9F0}"/>
-              </a:ext>
-            </a:extLst>
-          </p:cNvPr>
-          <p:cNvSpPr/>
-          <p:nvPr/>
-        </p:nvSpPr>
-        <p:spPr>
-          <a:xfrm>
-            <a:off x="7422810" y="3603589"/>
-            <a:ext cx="2460978" cy="1086415"/>
-          </a:xfrm>
-          <a:prstGeom prst="roundRect">
-            <a:avLst/>
-          </a:prstGeom>
-        </p:spPr>
-        <p:style>
-          <a:lnRef idx="1">
-            <a:schemeClr val="accent3"/>
-          </a:lnRef>
-          <a:fillRef idx="3">
-            <a:schemeClr val="accent3"/>
-          </a:fillRef>
-          <a:effectRef idx="2">
-            <a:schemeClr val="accent3"/>
-          </a:effectRef>
-          <a:fontRef idx="minor">
-            <a:schemeClr val="lt1"/>
-          </a:fontRef>
-        </p:style>
-        <p:txBody>
-          <a:bodyPr rtlCol="0" anchor="ctr"/>
-          <a:lstStyle/>
-          <a:p>
-            <a:pPr algn="ctr"/>
-            <a:r>
-              <a:rPr lang="en-US" dirty="0"/>
-              <a:t>Simulator </a:t>
-            </a:r>
-          </a:p>
-        </p:txBody>
-      </p:sp>
-      <p:cxnSp>
-        <p:nvCxnSpPr>
-          <p:cNvPr id="19" name="Straight Arrow Connector 18">
-            <a:extLst>
-              <a:ext uri="{FF2B5EF4-FFF2-40B4-BE49-F238E27FC236}">
-                <a16:creationId xmlns:a16="http://schemas.microsoft.com/office/drawing/2014/main" id="{E4AE4FE4-B54B-4FCD-AB43-C1EDB21C3003}"/>
-              </a:ext>
-            </a:extLst>
-          </p:cNvPr>
-          <p:cNvCxnSpPr>
-            <a:stCxn id="13" idx="2"/>
-          </p:cNvCxnSpPr>
-          <p:nvPr/>
-        </p:nvCxnSpPr>
-        <p:spPr>
-          <a:xfrm>
-            <a:off x="8495255" y="2898079"/>
-            <a:ext cx="27856" cy="705510"/>
-          </a:xfrm>
-          <a:prstGeom prst="straightConnector1">
-            <a:avLst/>
-          </a:prstGeom>
-          <a:ln w="22225">
-            <a:solidFill>
-              <a:schemeClr val="bg1"/>
-            </a:solidFill>
-            <a:tailEnd type="triangle"/>
-          </a:ln>
-        </p:spPr>
-        <p:style>
-          <a:lnRef idx="1">
-            <a:schemeClr val="accent1"/>
-          </a:lnRef>
-          <a:fillRef idx="0">
-            <a:schemeClr val="accent1"/>
-          </a:fillRef>
-          <a:effectRef idx="0">
-            <a:schemeClr val="accent1"/>
-          </a:effectRef>
-          <a:fontRef idx="minor">
-            <a:schemeClr val="tx1"/>
-          </a:fontRef>
-        </p:style>
-      </p:cxnSp>
-      <p:sp>
-        <p:nvSpPr>
-          <p:cNvPr id="20" name="Rectangle 19">
-            <a:extLst>
-              <a:ext uri="{FF2B5EF4-FFF2-40B4-BE49-F238E27FC236}">
-                <a16:creationId xmlns:a16="http://schemas.microsoft.com/office/drawing/2014/main" id="{A9EA4CD8-29DA-4114-BC4B-3D5DAD02ED41}"/>
-              </a:ext>
-            </a:extLst>
-          </p:cNvPr>
-          <p:cNvSpPr/>
-          <p:nvPr/>
-        </p:nvSpPr>
-        <p:spPr>
-          <a:xfrm>
-            <a:off x="7130880" y="5485251"/>
-            <a:ext cx="3450531" cy="486572"/>
-          </a:xfrm>
-          <a:prstGeom prst="rect">
-            <a:avLst/>
-          </a:prstGeom>
-          <a:solidFill>
-            <a:srgbClr val="92D050"/>
-          </a:solidFill>
-          <a:ln>
-            <a:solidFill>
-              <a:srgbClr val="92D050"/>
-            </a:solidFill>
-          </a:ln>
-        </p:spPr>
-        <p:style>
-          <a:lnRef idx="2">
-            <a:schemeClr val="accent1">
-              <a:shade val="50000"/>
-            </a:schemeClr>
-          </a:lnRef>
-          <a:fillRef idx="1">
-            <a:schemeClr val="accent1"/>
-          </a:fillRef>
-          <a:effectRef idx="0">
-            <a:schemeClr val="accent1"/>
-          </a:effectRef>
-          <a:fontRef idx="minor">
-            <a:schemeClr val="lt1"/>
-          </a:fontRef>
-        </p:style>
-        <p:txBody>
-          <a:bodyPr rtlCol="0" anchor="ctr"/>
-          <a:lstStyle/>
-          <a:p>
-            <a:pPr algn="ctr"/>
-            <a:r>
-              <a:rPr lang="en-US" dirty="0"/>
-              <a:t>Policy score and statistics </a:t>
-            </a:r>
-          </a:p>
-        </p:txBody>
-      </p:sp>
-      <p:cxnSp>
-        <p:nvCxnSpPr>
-          <p:cNvPr id="22" name="Straight Arrow Connector 21">
-            <a:extLst>
-              <a:ext uri="{FF2B5EF4-FFF2-40B4-BE49-F238E27FC236}">
-                <a16:creationId xmlns:a16="http://schemas.microsoft.com/office/drawing/2014/main" id="{6A46A550-0B9D-40B7-B16A-AB2E2618F6EE}"/>
-              </a:ext>
-            </a:extLst>
-          </p:cNvPr>
-          <p:cNvCxnSpPr>
-            <a:cxnSpLocks/>
-          </p:cNvCxnSpPr>
-          <p:nvPr/>
-        </p:nvCxnSpPr>
-        <p:spPr>
-          <a:xfrm>
-            <a:off x="8634085" y="4690004"/>
-            <a:ext cx="0" cy="795247"/>
-          </a:xfrm>
-          <a:prstGeom prst="straightConnector1">
-            <a:avLst/>
-          </a:prstGeom>
-          <a:ln w="22225">
-            <a:solidFill>
-              <a:schemeClr val="bg1"/>
-            </a:solidFill>
-            <a:tailEnd type="triangle"/>
-          </a:ln>
-        </p:spPr>
-        <p:style>
-          <a:lnRef idx="1">
-            <a:schemeClr val="accent1"/>
-          </a:lnRef>
-          <a:fillRef idx="0">
-            <a:schemeClr val="accent1"/>
-          </a:fillRef>
-          <a:effectRef idx="0">
-            <a:schemeClr val="accent1"/>
-          </a:effectRef>
-          <a:fontRef idx="minor">
-            <a:schemeClr val="tx1"/>
-          </a:fontRef>
-        </p:style>
-      </p:cxnSp>
-      <p:sp>
-        <p:nvSpPr>
-          <p:cNvPr id="23" name="TextBox 22">
-            <a:extLst>
-              <a:ext uri="{FF2B5EF4-FFF2-40B4-BE49-F238E27FC236}">
-                <a16:creationId xmlns:a16="http://schemas.microsoft.com/office/drawing/2014/main" id="{24582EBC-508E-4638-A5EC-C1A22C280F51}"/>
-              </a:ext>
-            </a:extLst>
-          </p:cNvPr>
-          <p:cNvSpPr txBox="1"/>
-          <p:nvPr/>
-        </p:nvSpPr>
-        <p:spPr>
-          <a:xfrm>
-            <a:off x="54793" y="3296593"/>
-            <a:ext cx="6631967" cy="3416320"/>
-          </a:xfrm>
-          <a:prstGeom prst="rect">
-            <a:avLst/>
-          </a:prstGeom>
-          <a:noFill/>
-        </p:spPr>
-        <p:txBody>
-          <a:bodyPr wrap="square" rtlCol="0">
-            <a:spAutoFit/>
-          </a:bodyPr>
-          <a:lstStyle/>
-          <a:p>
-            <a:r>
-              <a:rPr lang="en-US" dirty="0"/>
-              <a:t>1. A policy function that takes state S (list of qualifying guess candidates ) and  generates a guess to ask is create</a:t>
-            </a:r>
-          </a:p>
-          <a:p>
-            <a:endParaRPr lang="en-US" dirty="0"/>
-          </a:p>
-          <a:p>
-            <a:r>
-              <a:rPr lang="en-US" dirty="0"/>
-              <a:t>2. Strategy game tree is generated  from the policy to be able to simulates many games efficiently </a:t>
-            </a:r>
-          </a:p>
-          <a:p>
-            <a:endParaRPr lang="en-US" dirty="0"/>
-          </a:p>
-          <a:p>
-            <a:r>
-              <a:rPr lang="en-US" dirty="0"/>
-              <a:t>3. The simulator is constructed with a strategy tree as an input </a:t>
-            </a:r>
-          </a:p>
-          <a:p>
-            <a:endParaRPr lang="en-US" dirty="0"/>
-          </a:p>
-          <a:p>
-            <a:r>
-              <a:rPr lang="en-US" dirty="0"/>
-              <a:t>4. The simulator simulates games against all coded and generate the score for the policy </a:t>
-            </a:r>
-          </a:p>
-        </p:txBody>
-      </p:sp>
-    </p:spTree>
-    <p:extLst>
-      <p:ext uri="{BB962C8B-B14F-4D97-AF65-F5344CB8AC3E}">
-        <p14:creationId xmlns:p14="http://schemas.microsoft.com/office/powerpoint/2010/main" val="2506696228"/>
-      </p:ext>
-    </p:extLst>
-  </p:cSld>
-  <p:clrMapOvr>
-    <a:masterClrMapping/>
-  </p:clrMapOvr>
-</p:sld>
-</file>
-
-<file path=ppt/slides/slide7.xml><?xml version="1.0" encoding="utf-8"?>
-<p:sld xmlns:a="http://schemas.openxmlformats.org/drawingml/2006/main" xmlns:r="http://schemas.openxmlformats.org/officeDocument/2006/relationships" xmlns:p="http://schemas.openxmlformats.org/presentationml/2006/main">
-  <p:cSld>
-    <p:spTree>
-      <p:nvGrpSpPr>
-        <p:cNvPr id="1" name=""/>
-        <p:cNvGrpSpPr/>
-        <p:nvPr/>
-      </p:nvGrpSpPr>
-      <p:grpSpPr>
-        <a:xfrm>
-          <a:off x="0" y="0"/>
-          <a:ext cx="0" cy="0"/>
-          <a:chOff x="0" y="0"/>
-          <a:chExt cx="0" cy="0"/>
-        </a:xfrm>
-      </p:grpSpPr>
-      <p:sp>
-        <p:nvSpPr>
-          <p:cNvPr id="2" name="Title 1">
-            <a:extLst>
-              <a:ext uri="{FF2B5EF4-FFF2-40B4-BE49-F238E27FC236}">
-                <a16:creationId xmlns:a16="http://schemas.microsoft.com/office/drawing/2014/main" id="{BFE03E1E-1CD4-4BF6-8AB2-07362D59237F}"/>
-              </a:ext>
-            </a:extLst>
-          </p:cNvPr>
-          <p:cNvSpPr>
-            <a:spLocks noGrp="1"/>
-          </p:cNvSpPr>
-          <p:nvPr>
-            <p:ph type="title"/>
-          </p:nvPr>
-        </p:nvSpPr>
-        <p:spPr/>
-        <p:txBody>
-          <a:bodyPr/>
-          <a:lstStyle/>
-          <a:p>
-            <a:r>
-              <a:rPr lang="en-US" dirty="0"/>
-              <a:t>         </a:t>
-            </a:r>
-          </a:p>
-        </p:txBody>
-      </p:sp>
-      <p:sp>
-        <p:nvSpPr>
-          <p:cNvPr id="6" name="Title 1">
-            <a:extLst>
-              <a:ext uri="{FF2B5EF4-FFF2-40B4-BE49-F238E27FC236}">
-                <a16:creationId xmlns:a16="http://schemas.microsoft.com/office/drawing/2014/main" id="{28909404-97CF-447C-9C07-862F156F11DD}"/>
-              </a:ext>
-            </a:extLst>
-          </p:cNvPr>
-          <p:cNvSpPr txBox="1">
-            <a:spLocks/>
-          </p:cNvSpPr>
-          <p:nvPr/>
-        </p:nvSpPr>
-        <p:spPr>
-          <a:xfrm>
-            <a:off x="194345" y="94478"/>
-            <a:ext cx="10551952" cy="1675599"/>
-          </a:xfrm>
-          <a:prstGeom prst="rect">
-            <a:avLst/>
-          </a:prstGeom>
-        </p:spPr>
-        <p:txBody>
-          <a:bodyPr vert="horz" lIns="91440" tIns="45720" rIns="91440" bIns="45720" rtlCol="0" anchor="t">
-            <a:noAutofit/>
-          </a:bodyPr>
-          <a:lstStyle>
-            <a:lvl1pPr algn="l" defTabSz="457200" rtl="0" eaLnBrk="1" latinLnBrk="0" hangingPunct="1">
-              <a:spcBef>
-                <a:spcPct val="0"/>
-              </a:spcBef>
-              <a:buNone/>
-              <a:defRPr sz="4200" b="0" i="0" kern="1200">
-                <a:solidFill>
-                  <a:schemeClr val="tx2"/>
-                </a:solidFill>
-                <a:latin typeface="+mj-lt"/>
-                <a:ea typeface="+mj-ea"/>
-                <a:cs typeface="+mj-cs"/>
-              </a:defRPr>
-            </a:lvl1pPr>
-            <a:lvl2pPr eaLnBrk="1" hangingPunct="1">
-              <a:defRPr>
-                <a:solidFill>
-                  <a:schemeClr val="tx2"/>
-                </a:solidFill>
-              </a:defRPr>
-            </a:lvl2pPr>
-            <a:lvl3pPr eaLnBrk="1" hangingPunct="1">
-              <a:defRPr>
-                <a:solidFill>
-                  <a:schemeClr val="tx2"/>
-                </a:solidFill>
-              </a:defRPr>
-            </a:lvl3pPr>
-            <a:lvl4pPr eaLnBrk="1" hangingPunct="1">
-              <a:defRPr>
-                <a:solidFill>
-                  <a:schemeClr val="tx2"/>
-                </a:solidFill>
-              </a:defRPr>
-            </a:lvl4pPr>
-            <a:lvl5pPr eaLnBrk="1" hangingPunct="1">
-              <a:defRPr>
-                <a:solidFill>
-                  <a:schemeClr val="tx2"/>
-                </a:solidFill>
-              </a:defRPr>
-            </a:lvl5pPr>
-            <a:lvl6pPr eaLnBrk="1" hangingPunct="1">
-              <a:defRPr>
-                <a:solidFill>
-                  <a:schemeClr val="tx2"/>
-                </a:solidFill>
-              </a:defRPr>
-            </a:lvl6pPr>
-            <a:lvl7pPr eaLnBrk="1" hangingPunct="1">
-              <a:defRPr>
-                <a:solidFill>
-                  <a:schemeClr val="tx2"/>
-                </a:solidFill>
-              </a:defRPr>
-            </a:lvl7pPr>
-            <a:lvl8pPr eaLnBrk="1" hangingPunct="1">
-              <a:defRPr>
-                <a:solidFill>
-                  <a:schemeClr val="tx2"/>
-                </a:solidFill>
-              </a:defRPr>
-            </a:lvl8pPr>
-            <a:lvl9pPr eaLnBrk="1" hangingPunct="1">
-              <a:defRPr>
-                <a:solidFill>
-                  <a:schemeClr val="tx2"/>
-                </a:solidFill>
-              </a:defRPr>
-            </a:lvl9pPr>
-          </a:lstStyle>
-          <a:p>
-            <a:r>
-              <a:rPr lang="en-US" dirty="0"/>
               <a:t>                 Strategy tree </a:t>
             </a:r>
             <a:endParaRPr lang="en-US" sz="4000" dirty="0"/>
@@ -42350,7 +41852,998 @@
 </p:sld>
 </file>
 
+<file path=ppt/slides/slide7.xml><?xml version="1.0" encoding="utf-8"?>
+<p:sld xmlns:a="http://schemas.openxmlformats.org/drawingml/2006/main" xmlns:r="http://schemas.openxmlformats.org/officeDocument/2006/relationships" xmlns:p="http://schemas.openxmlformats.org/presentationml/2006/main">
+  <p:cSld>
+    <p:spTree>
+      <p:nvGrpSpPr>
+        <p:cNvPr id="1" name=""/>
+        <p:cNvGrpSpPr/>
+        <p:nvPr/>
+      </p:nvGrpSpPr>
+      <p:grpSpPr>
+        <a:xfrm>
+          <a:off x="0" y="0"/>
+          <a:ext cx="0" cy="0"/>
+          <a:chOff x="0" y="0"/>
+          <a:chExt cx="0" cy="0"/>
+        </a:xfrm>
+      </p:grpSpPr>
+      <p:sp>
+        <p:nvSpPr>
+          <p:cNvPr id="2" name="Title 1">
+            <a:extLst>
+              <a:ext uri="{FF2B5EF4-FFF2-40B4-BE49-F238E27FC236}">
+                <a16:creationId xmlns:a16="http://schemas.microsoft.com/office/drawing/2014/main" id="{BFE03E1E-1CD4-4BF6-8AB2-07362D59237F}"/>
+              </a:ext>
+            </a:extLst>
+          </p:cNvPr>
+          <p:cNvSpPr>
+            <a:spLocks noGrp="1"/>
+          </p:cNvSpPr>
+          <p:nvPr>
+            <p:ph type="title"/>
+          </p:nvPr>
+        </p:nvSpPr>
+        <p:spPr/>
+        <p:txBody>
+          <a:bodyPr/>
+          <a:lstStyle/>
+          <a:p>
+            <a:r>
+              <a:rPr lang="en-US" dirty="0"/>
+              <a:t>         </a:t>
+            </a:r>
+          </a:p>
+        </p:txBody>
+      </p:sp>
+      <p:sp>
+        <p:nvSpPr>
+          <p:cNvPr id="6" name="Title 1">
+            <a:extLst>
+              <a:ext uri="{FF2B5EF4-FFF2-40B4-BE49-F238E27FC236}">
+                <a16:creationId xmlns:a16="http://schemas.microsoft.com/office/drawing/2014/main" id="{28909404-97CF-447C-9C07-862F156F11DD}"/>
+              </a:ext>
+            </a:extLst>
+          </p:cNvPr>
+          <p:cNvSpPr txBox="1">
+            <a:spLocks/>
+          </p:cNvSpPr>
+          <p:nvPr/>
+        </p:nvSpPr>
+        <p:spPr>
+          <a:xfrm>
+            <a:off x="194345" y="94478"/>
+            <a:ext cx="10551952" cy="1675599"/>
+          </a:xfrm>
+          <a:prstGeom prst="rect">
+            <a:avLst/>
+          </a:prstGeom>
+        </p:spPr>
+        <p:txBody>
+          <a:bodyPr vert="horz" lIns="91440" tIns="45720" rIns="91440" bIns="45720" rtlCol="0" anchor="t">
+            <a:noAutofit/>
+          </a:bodyPr>
+          <a:lstStyle>
+            <a:lvl1pPr algn="l" defTabSz="457200" rtl="0" eaLnBrk="1" latinLnBrk="0" hangingPunct="1">
+              <a:spcBef>
+                <a:spcPct val="0"/>
+              </a:spcBef>
+              <a:buNone/>
+              <a:defRPr sz="4200" b="0" i="0" kern="1200">
+                <a:solidFill>
+                  <a:schemeClr val="tx2"/>
+                </a:solidFill>
+                <a:latin typeface="+mj-lt"/>
+                <a:ea typeface="+mj-ea"/>
+                <a:cs typeface="+mj-cs"/>
+              </a:defRPr>
+            </a:lvl1pPr>
+            <a:lvl2pPr eaLnBrk="1" hangingPunct="1">
+              <a:defRPr>
+                <a:solidFill>
+                  <a:schemeClr val="tx2"/>
+                </a:solidFill>
+              </a:defRPr>
+            </a:lvl2pPr>
+            <a:lvl3pPr eaLnBrk="1" hangingPunct="1">
+              <a:defRPr>
+                <a:solidFill>
+                  <a:schemeClr val="tx2"/>
+                </a:solidFill>
+              </a:defRPr>
+            </a:lvl3pPr>
+            <a:lvl4pPr eaLnBrk="1" hangingPunct="1">
+              <a:defRPr>
+                <a:solidFill>
+                  <a:schemeClr val="tx2"/>
+                </a:solidFill>
+              </a:defRPr>
+            </a:lvl4pPr>
+            <a:lvl5pPr eaLnBrk="1" hangingPunct="1">
+              <a:defRPr>
+                <a:solidFill>
+                  <a:schemeClr val="tx2"/>
+                </a:solidFill>
+              </a:defRPr>
+            </a:lvl5pPr>
+            <a:lvl6pPr eaLnBrk="1" hangingPunct="1">
+              <a:defRPr>
+                <a:solidFill>
+                  <a:schemeClr val="tx2"/>
+                </a:solidFill>
+              </a:defRPr>
+            </a:lvl6pPr>
+            <a:lvl7pPr eaLnBrk="1" hangingPunct="1">
+              <a:defRPr>
+                <a:solidFill>
+                  <a:schemeClr val="tx2"/>
+                </a:solidFill>
+              </a:defRPr>
+            </a:lvl7pPr>
+            <a:lvl8pPr eaLnBrk="1" hangingPunct="1">
+              <a:defRPr>
+                <a:solidFill>
+                  <a:schemeClr val="tx2"/>
+                </a:solidFill>
+              </a:defRPr>
+            </a:lvl8pPr>
+            <a:lvl9pPr eaLnBrk="1" hangingPunct="1">
+              <a:defRPr>
+                <a:solidFill>
+                  <a:schemeClr val="tx2"/>
+                </a:solidFill>
+              </a:defRPr>
+            </a:lvl9pPr>
+          </a:lstStyle>
+          <a:p>
+            <a:r>
+              <a:rPr lang="en-US" dirty="0"/>
+              <a:t>         Policy  evaluation framework </a:t>
+            </a:r>
+            <a:endParaRPr lang="en-US" sz="4000" dirty="0"/>
+          </a:p>
+        </p:txBody>
+      </p:sp>
+      <p:sp>
+        <p:nvSpPr>
+          <p:cNvPr id="5" name="Rectangle 4">
+            <a:extLst>
+              <a:ext uri="{FF2B5EF4-FFF2-40B4-BE49-F238E27FC236}">
+                <a16:creationId xmlns:a16="http://schemas.microsoft.com/office/drawing/2014/main" id="{968AE50D-8C5E-4241-841F-A54D5C2FDF60}"/>
+              </a:ext>
+            </a:extLst>
+          </p:cNvPr>
+          <p:cNvSpPr/>
+          <p:nvPr/>
+        </p:nvSpPr>
+        <p:spPr>
+          <a:xfrm>
+            <a:off x="3992905" y="1853248"/>
+            <a:ext cx="2607398" cy="1086416"/>
+          </a:xfrm>
+          <a:prstGeom prst="rect">
+            <a:avLst/>
+          </a:prstGeom>
+        </p:spPr>
+        <p:style>
+          <a:lnRef idx="2">
+            <a:schemeClr val="accent6">
+              <a:shade val="50000"/>
+            </a:schemeClr>
+          </a:lnRef>
+          <a:fillRef idx="1">
+            <a:schemeClr val="accent6"/>
+          </a:fillRef>
+          <a:effectRef idx="0">
+            <a:schemeClr val="accent6"/>
+          </a:effectRef>
+          <a:fontRef idx="minor">
+            <a:schemeClr val="lt1"/>
+          </a:fontRef>
+        </p:style>
+        <p:txBody>
+          <a:bodyPr rtlCol="0" anchor="ctr"/>
+          <a:lstStyle/>
+          <a:p>
+            <a:pPr algn="ctr"/>
+            <a:r>
+              <a:rPr lang="en-US" dirty="0"/>
+              <a:t>Strategy tree generation </a:t>
+            </a:r>
+          </a:p>
+        </p:txBody>
+      </p:sp>
+      <p:sp>
+        <p:nvSpPr>
+          <p:cNvPr id="10" name="Rectangle 9">
+            <a:extLst>
+              <a:ext uri="{FF2B5EF4-FFF2-40B4-BE49-F238E27FC236}">
+                <a16:creationId xmlns:a16="http://schemas.microsoft.com/office/drawing/2014/main" id="{43E70271-4C25-41E3-B334-C3BAB9E5FE71}"/>
+              </a:ext>
+            </a:extLst>
+          </p:cNvPr>
+          <p:cNvSpPr/>
+          <p:nvPr/>
+        </p:nvSpPr>
+        <p:spPr>
+          <a:xfrm>
+            <a:off x="950615" y="1861698"/>
+            <a:ext cx="2322132" cy="1077965"/>
+          </a:xfrm>
+          <a:prstGeom prst="rect">
+            <a:avLst/>
+          </a:prstGeom>
+        </p:spPr>
+        <p:style>
+          <a:lnRef idx="2">
+            <a:schemeClr val="accent1">
+              <a:shade val="50000"/>
+            </a:schemeClr>
+          </a:lnRef>
+          <a:fillRef idx="1">
+            <a:schemeClr val="accent1"/>
+          </a:fillRef>
+          <a:effectRef idx="0">
+            <a:schemeClr val="accent1"/>
+          </a:effectRef>
+          <a:fontRef idx="minor">
+            <a:schemeClr val="lt1"/>
+          </a:fontRef>
+        </p:style>
+        <p:txBody>
+          <a:bodyPr rtlCol="0" anchor="ctr"/>
+          <a:lstStyle/>
+          <a:p>
+            <a:pPr algn="ctr"/>
+            <a:r>
+              <a:rPr lang="en-US" dirty="0"/>
+              <a:t>Policy to evaluate </a:t>
+            </a:r>
+          </a:p>
+          <a:p>
+            <a:pPr algn="ctr"/>
+            <a:r>
+              <a:rPr lang="en-US" dirty="0"/>
+              <a:t>guess = (s) </a:t>
+            </a:r>
+          </a:p>
+        </p:txBody>
+      </p:sp>
+      <p:cxnSp>
+        <p:nvCxnSpPr>
+          <p:cNvPr id="12" name="Straight Arrow Connector 11">
+            <a:extLst>
+              <a:ext uri="{FF2B5EF4-FFF2-40B4-BE49-F238E27FC236}">
+                <a16:creationId xmlns:a16="http://schemas.microsoft.com/office/drawing/2014/main" id="{CADCF6F7-C18C-4B41-B14F-DB3486565445}"/>
+              </a:ext>
+            </a:extLst>
+          </p:cNvPr>
+          <p:cNvCxnSpPr>
+            <a:cxnSpLocks/>
+          </p:cNvCxnSpPr>
+          <p:nvPr/>
+        </p:nvCxnSpPr>
+        <p:spPr>
+          <a:xfrm flipV="1">
+            <a:off x="3278881" y="2394343"/>
+            <a:ext cx="720159" cy="4225"/>
+          </a:xfrm>
+          <a:prstGeom prst="straightConnector1">
+            <a:avLst/>
+          </a:prstGeom>
+          <a:ln w="22225">
+            <a:solidFill>
+              <a:schemeClr val="bg1"/>
+            </a:solidFill>
+            <a:tailEnd type="triangle"/>
+          </a:ln>
+        </p:spPr>
+        <p:style>
+          <a:lnRef idx="1">
+            <a:schemeClr val="accent6"/>
+          </a:lnRef>
+          <a:fillRef idx="0">
+            <a:schemeClr val="accent6"/>
+          </a:fillRef>
+          <a:effectRef idx="0">
+            <a:schemeClr val="accent6"/>
+          </a:effectRef>
+          <a:fontRef idx="minor">
+            <a:schemeClr val="tx1"/>
+          </a:fontRef>
+        </p:style>
+      </p:cxnSp>
+      <p:sp>
+        <p:nvSpPr>
+          <p:cNvPr id="13" name="Rectangle 12">
+            <a:extLst>
+              <a:ext uri="{FF2B5EF4-FFF2-40B4-BE49-F238E27FC236}">
+                <a16:creationId xmlns:a16="http://schemas.microsoft.com/office/drawing/2014/main" id="{830C32EF-C412-4267-86C0-FA2904DF1E57}"/>
+              </a:ext>
+            </a:extLst>
+          </p:cNvPr>
+          <p:cNvSpPr/>
+          <p:nvPr/>
+        </p:nvSpPr>
+        <p:spPr>
+          <a:xfrm>
+            <a:off x="7422810" y="1811663"/>
+            <a:ext cx="2144889" cy="1086416"/>
+          </a:xfrm>
+          <a:prstGeom prst="rect">
+            <a:avLst/>
+          </a:prstGeom>
+        </p:spPr>
+        <p:style>
+          <a:lnRef idx="2">
+            <a:schemeClr val="accent4">
+              <a:shade val="50000"/>
+            </a:schemeClr>
+          </a:lnRef>
+          <a:fillRef idx="1">
+            <a:schemeClr val="accent4"/>
+          </a:fillRef>
+          <a:effectRef idx="0">
+            <a:schemeClr val="accent4"/>
+          </a:effectRef>
+          <a:fontRef idx="minor">
+            <a:schemeClr val="lt1"/>
+          </a:fontRef>
+        </p:style>
+        <p:txBody>
+          <a:bodyPr rtlCol="0" anchor="ctr"/>
+          <a:lstStyle/>
+          <a:p>
+            <a:pPr algn="ctr"/>
+            <a:r>
+              <a:rPr lang="en-US" dirty="0"/>
+              <a:t>Strategy Tree</a:t>
+            </a:r>
+          </a:p>
+        </p:txBody>
+      </p:sp>
+      <p:cxnSp>
+        <p:nvCxnSpPr>
+          <p:cNvPr id="15" name="Straight Arrow Connector 14">
+            <a:extLst>
+              <a:ext uri="{FF2B5EF4-FFF2-40B4-BE49-F238E27FC236}">
+                <a16:creationId xmlns:a16="http://schemas.microsoft.com/office/drawing/2014/main" id="{54FEECCC-ED23-4B91-B9C5-90FE3FF045A9}"/>
+              </a:ext>
+            </a:extLst>
+          </p:cNvPr>
+          <p:cNvCxnSpPr>
+            <a:stCxn id="5" idx="3"/>
+          </p:cNvCxnSpPr>
+          <p:nvPr/>
+        </p:nvCxnSpPr>
+        <p:spPr>
+          <a:xfrm>
+            <a:off x="6600303" y="2396456"/>
+            <a:ext cx="822507" cy="0"/>
+          </a:xfrm>
+          <a:prstGeom prst="straightConnector1">
+            <a:avLst/>
+          </a:prstGeom>
+          <a:ln w="22225">
+            <a:solidFill>
+              <a:schemeClr val="bg1"/>
+            </a:solidFill>
+            <a:tailEnd type="triangle"/>
+          </a:ln>
+        </p:spPr>
+        <p:style>
+          <a:lnRef idx="1">
+            <a:schemeClr val="accent1"/>
+          </a:lnRef>
+          <a:fillRef idx="0">
+            <a:schemeClr val="accent1"/>
+          </a:fillRef>
+          <a:effectRef idx="0">
+            <a:schemeClr val="accent1"/>
+          </a:effectRef>
+          <a:fontRef idx="minor">
+            <a:schemeClr val="tx1"/>
+          </a:fontRef>
+        </p:style>
+      </p:cxnSp>
+      <p:sp>
+        <p:nvSpPr>
+          <p:cNvPr id="17" name="Rectangle: Rounded Corners 16">
+            <a:extLst>
+              <a:ext uri="{FF2B5EF4-FFF2-40B4-BE49-F238E27FC236}">
+                <a16:creationId xmlns:a16="http://schemas.microsoft.com/office/drawing/2014/main" id="{55F2F7FD-6679-41F6-9AFC-ADB28546D9F0}"/>
+              </a:ext>
+            </a:extLst>
+          </p:cNvPr>
+          <p:cNvSpPr/>
+          <p:nvPr/>
+        </p:nvSpPr>
+        <p:spPr>
+          <a:xfrm>
+            <a:off x="7422810" y="3603589"/>
+            <a:ext cx="2460978" cy="1086415"/>
+          </a:xfrm>
+          <a:prstGeom prst="roundRect">
+            <a:avLst/>
+          </a:prstGeom>
+        </p:spPr>
+        <p:style>
+          <a:lnRef idx="1">
+            <a:schemeClr val="accent3"/>
+          </a:lnRef>
+          <a:fillRef idx="3">
+            <a:schemeClr val="accent3"/>
+          </a:fillRef>
+          <a:effectRef idx="2">
+            <a:schemeClr val="accent3"/>
+          </a:effectRef>
+          <a:fontRef idx="minor">
+            <a:schemeClr val="lt1"/>
+          </a:fontRef>
+        </p:style>
+        <p:txBody>
+          <a:bodyPr rtlCol="0" anchor="ctr"/>
+          <a:lstStyle/>
+          <a:p>
+            <a:pPr algn="ctr"/>
+            <a:r>
+              <a:rPr lang="en-US" dirty="0"/>
+              <a:t>Simulator </a:t>
+            </a:r>
+          </a:p>
+        </p:txBody>
+      </p:sp>
+      <p:cxnSp>
+        <p:nvCxnSpPr>
+          <p:cNvPr id="19" name="Straight Arrow Connector 18">
+            <a:extLst>
+              <a:ext uri="{FF2B5EF4-FFF2-40B4-BE49-F238E27FC236}">
+                <a16:creationId xmlns:a16="http://schemas.microsoft.com/office/drawing/2014/main" id="{E4AE4FE4-B54B-4FCD-AB43-C1EDB21C3003}"/>
+              </a:ext>
+            </a:extLst>
+          </p:cNvPr>
+          <p:cNvCxnSpPr>
+            <a:stCxn id="13" idx="2"/>
+          </p:cNvCxnSpPr>
+          <p:nvPr/>
+        </p:nvCxnSpPr>
+        <p:spPr>
+          <a:xfrm>
+            <a:off x="8495255" y="2898079"/>
+            <a:ext cx="27856" cy="705510"/>
+          </a:xfrm>
+          <a:prstGeom prst="straightConnector1">
+            <a:avLst/>
+          </a:prstGeom>
+          <a:ln w="22225">
+            <a:solidFill>
+              <a:schemeClr val="bg1"/>
+            </a:solidFill>
+            <a:tailEnd type="triangle"/>
+          </a:ln>
+        </p:spPr>
+        <p:style>
+          <a:lnRef idx="1">
+            <a:schemeClr val="accent1"/>
+          </a:lnRef>
+          <a:fillRef idx="0">
+            <a:schemeClr val="accent1"/>
+          </a:fillRef>
+          <a:effectRef idx="0">
+            <a:schemeClr val="accent1"/>
+          </a:effectRef>
+          <a:fontRef idx="minor">
+            <a:schemeClr val="tx1"/>
+          </a:fontRef>
+        </p:style>
+      </p:cxnSp>
+      <p:sp>
+        <p:nvSpPr>
+          <p:cNvPr id="20" name="Rectangle 19">
+            <a:extLst>
+              <a:ext uri="{FF2B5EF4-FFF2-40B4-BE49-F238E27FC236}">
+                <a16:creationId xmlns:a16="http://schemas.microsoft.com/office/drawing/2014/main" id="{A9EA4CD8-29DA-4114-BC4B-3D5DAD02ED41}"/>
+              </a:ext>
+            </a:extLst>
+          </p:cNvPr>
+          <p:cNvSpPr/>
+          <p:nvPr/>
+        </p:nvSpPr>
+        <p:spPr>
+          <a:xfrm>
+            <a:off x="7130880" y="5485251"/>
+            <a:ext cx="3450531" cy="486572"/>
+          </a:xfrm>
+          <a:prstGeom prst="rect">
+            <a:avLst/>
+          </a:prstGeom>
+          <a:solidFill>
+            <a:srgbClr val="92D050"/>
+          </a:solidFill>
+          <a:ln>
+            <a:solidFill>
+              <a:srgbClr val="92D050"/>
+            </a:solidFill>
+          </a:ln>
+        </p:spPr>
+        <p:style>
+          <a:lnRef idx="2">
+            <a:schemeClr val="accent1">
+              <a:shade val="50000"/>
+            </a:schemeClr>
+          </a:lnRef>
+          <a:fillRef idx="1">
+            <a:schemeClr val="accent1"/>
+          </a:fillRef>
+          <a:effectRef idx="0">
+            <a:schemeClr val="accent1"/>
+          </a:effectRef>
+          <a:fontRef idx="minor">
+            <a:schemeClr val="lt1"/>
+          </a:fontRef>
+        </p:style>
+        <p:txBody>
+          <a:bodyPr rtlCol="0" anchor="ctr"/>
+          <a:lstStyle/>
+          <a:p>
+            <a:pPr algn="ctr"/>
+            <a:r>
+              <a:rPr lang="en-US" dirty="0"/>
+              <a:t>Policy score and statistics </a:t>
+            </a:r>
+          </a:p>
+        </p:txBody>
+      </p:sp>
+      <p:cxnSp>
+        <p:nvCxnSpPr>
+          <p:cNvPr id="22" name="Straight Arrow Connector 21">
+            <a:extLst>
+              <a:ext uri="{FF2B5EF4-FFF2-40B4-BE49-F238E27FC236}">
+                <a16:creationId xmlns:a16="http://schemas.microsoft.com/office/drawing/2014/main" id="{6A46A550-0B9D-40B7-B16A-AB2E2618F6EE}"/>
+              </a:ext>
+            </a:extLst>
+          </p:cNvPr>
+          <p:cNvCxnSpPr>
+            <a:cxnSpLocks/>
+          </p:cNvCxnSpPr>
+          <p:nvPr/>
+        </p:nvCxnSpPr>
+        <p:spPr>
+          <a:xfrm>
+            <a:off x="8634085" y="4690004"/>
+            <a:ext cx="0" cy="795247"/>
+          </a:xfrm>
+          <a:prstGeom prst="straightConnector1">
+            <a:avLst/>
+          </a:prstGeom>
+          <a:ln w="22225">
+            <a:solidFill>
+              <a:schemeClr val="bg1"/>
+            </a:solidFill>
+            <a:tailEnd type="triangle"/>
+          </a:ln>
+        </p:spPr>
+        <p:style>
+          <a:lnRef idx="1">
+            <a:schemeClr val="accent1"/>
+          </a:lnRef>
+          <a:fillRef idx="0">
+            <a:schemeClr val="accent1"/>
+          </a:fillRef>
+          <a:effectRef idx="0">
+            <a:schemeClr val="accent1"/>
+          </a:effectRef>
+          <a:fontRef idx="minor">
+            <a:schemeClr val="tx1"/>
+          </a:fontRef>
+        </p:style>
+      </p:cxnSp>
+      <p:sp>
+        <p:nvSpPr>
+          <p:cNvPr id="23" name="TextBox 22">
+            <a:extLst>
+              <a:ext uri="{FF2B5EF4-FFF2-40B4-BE49-F238E27FC236}">
+                <a16:creationId xmlns:a16="http://schemas.microsoft.com/office/drawing/2014/main" id="{24582EBC-508E-4638-A5EC-C1A22C280F51}"/>
+              </a:ext>
+            </a:extLst>
+          </p:cNvPr>
+          <p:cNvSpPr txBox="1"/>
+          <p:nvPr/>
+        </p:nvSpPr>
+        <p:spPr>
+          <a:xfrm>
+            <a:off x="54793" y="3296593"/>
+            <a:ext cx="7076085" cy="2862322"/>
+          </a:xfrm>
+          <a:prstGeom prst="rect">
+            <a:avLst/>
+          </a:prstGeom>
+          <a:noFill/>
+        </p:spPr>
+        <p:txBody>
+          <a:bodyPr wrap="square" rtlCol="0">
+            <a:spAutoFit/>
+          </a:bodyPr>
+          <a:lstStyle/>
+          <a:p>
+            <a:r>
+              <a:rPr lang="en-US" dirty="0"/>
+              <a:t>1. A policy function that takes state S (list of qualifying guess candidates ) and  generates a guess to ask is created</a:t>
+            </a:r>
+          </a:p>
+          <a:p>
+            <a:endParaRPr lang="en-US" dirty="0"/>
+          </a:p>
+          <a:p>
+            <a:r>
+              <a:rPr lang="en-US" dirty="0"/>
+              <a:t>2. Strategy game tree is generated  from the policy to be able to simulates many games efficiently </a:t>
+            </a:r>
+          </a:p>
+          <a:p>
+            <a:endParaRPr lang="en-US" dirty="0"/>
+          </a:p>
+          <a:p>
+            <a:r>
+              <a:rPr lang="en-US" dirty="0"/>
+              <a:t>3. The simulator is constructed with a strategy tree as an input </a:t>
+            </a:r>
+          </a:p>
+          <a:p>
+            <a:endParaRPr lang="en-US" dirty="0"/>
+          </a:p>
+          <a:p>
+            <a:r>
+              <a:rPr lang="en-US" dirty="0"/>
+              <a:t>4. The simulator simulates games against all coded and generate the score for the policy (average guesses to win)</a:t>
+            </a:r>
+          </a:p>
+        </p:txBody>
+      </p:sp>
+    </p:spTree>
+    <p:extLst>
+      <p:ext uri="{BB962C8B-B14F-4D97-AF65-F5344CB8AC3E}">
+        <p14:creationId xmlns:p14="http://schemas.microsoft.com/office/powerpoint/2010/main" val="2506696228"/>
+      </p:ext>
+    </p:extLst>
+  </p:cSld>
+  <p:clrMapOvr>
+    <a:masterClrMapping/>
+  </p:clrMapOvr>
+</p:sld>
+</file>
+
 <file path=ppt/slides/slide8.xml><?xml version="1.0" encoding="utf-8"?>
+<p:sld xmlns:a="http://schemas.openxmlformats.org/drawingml/2006/main" xmlns:r="http://schemas.openxmlformats.org/officeDocument/2006/relationships" xmlns:p="http://schemas.openxmlformats.org/presentationml/2006/main">
+  <p:cSld>
+    <p:spTree>
+      <p:nvGrpSpPr>
+        <p:cNvPr id="1" name=""/>
+        <p:cNvGrpSpPr/>
+        <p:nvPr/>
+      </p:nvGrpSpPr>
+      <p:grpSpPr>
+        <a:xfrm>
+          <a:off x="0" y="0"/>
+          <a:ext cx="0" cy="0"/>
+          <a:chOff x="0" y="0"/>
+          <a:chExt cx="0" cy="0"/>
+        </a:xfrm>
+      </p:grpSpPr>
+      <p:sp>
+        <p:nvSpPr>
+          <p:cNvPr id="2" name="Title 1">
+            <a:extLst>
+              <a:ext uri="{FF2B5EF4-FFF2-40B4-BE49-F238E27FC236}">
+                <a16:creationId xmlns:a16="http://schemas.microsoft.com/office/drawing/2014/main" id="{BFE03E1E-1CD4-4BF6-8AB2-07362D59237F}"/>
+              </a:ext>
+            </a:extLst>
+          </p:cNvPr>
+          <p:cNvSpPr>
+            <a:spLocks noGrp="1"/>
+          </p:cNvSpPr>
+          <p:nvPr>
+            <p:ph type="title"/>
+          </p:nvPr>
+        </p:nvSpPr>
+        <p:spPr/>
+        <p:txBody>
+          <a:bodyPr/>
+          <a:lstStyle/>
+          <a:p>
+            <a:r>
+              <a:rPr lang="en-US" dirty="0"/>
+              <a:t>         </a:t>
+            </a:r>
+          </a:p>
+        </p:txBody>
+      </p:sp>
+      <p:sp>
+        <p:nvSpPr>
+          <p:cNvPr id="6" name="Title 1">
+            <a:extLst>
+              <a:ext uri="{FF2B5EF4-FFF2-40B4-BE49-F238E27FC236}">
+                <a16:creationId xmlns:a16="http://schemas.microsoft.com/office/drawing/2014/main" id="{28909404-97CF-447C-9C07-862F156F11DD}"/>
+              </a:ext>
+            </a:extLst>
+          </p:cNvPr>
+          <p:cNvSpPr txBox="1">
+            <a:spLocks/>
+          </p:cNvSpPr>
+          <p:nvPr/>
+        </p:nvSpPr>
+        <p:spPr>
+          <a:xfrm>
+            <a:off x="72496" y="-21771"/>
+            <a:ext cx="10551952" cy="1675599"/>
+          </a:xfrm>
+          <a:prstGeom prst="rect">
+            <a:avLst/>
+          </a:prstGeom>
+        </p:spPr>
+        <p:txBody>
+          <a:bodyPr vert="horz" lIns="91440" tIns="45720" rIns="91440" bIns="45720" rtlCol="0" anchor="t">
+            <a:noAutofit/>
+          </a:bodyPr>
+          <a:lstStyle>
+            <a:lvl1pPr algn="l" defTabSz="457200" rtl="0" eaLnBrk="1" latinLnBrk="0" hangingPunct="1">
+              <a:spcBef>
+                <a:spcPct val="0"/>
+              </a:spcBef>
+              <a:buNone/>
+              <a:defRPr sz="4200" b="0" i="0" kern="1200">
+                <a:solidFill>
+                  <a:schemeClr val="tx2"/>
+                </a:solidFill>
+                <a:latin typeface="+mj-lt"/>
+                <a:ea typeface="+mj-ea"/>
+                <a:cs typeface="+mj-cs"/>
+              </a:defRPr>
+            </a:lvl1pPr>
+            <a:lvl2pPr eaLnBrk="1" hangingPunct="1">
+              <a:defRPr>
+                <a:solidFill>
+                  <a:schemeClr val="tx2"/>
+                </a:solidFill>
+              </a:defRPr>
+            </a:lvl2pPr>
+            <a:lvl3pPr eaLnBrk="1" hangingPunct="1">
+              <a:defRPr>
+                <a:solidFill>
+                  <a:schemeClr val="tx2"/>
+                </a:solidFill>
+              </a:defRPr>
+            </a:lvl3pPr>
+            <a:lvl4pPr eaLnBrk="1" hangingPunct="1">
+              <a:defRPr>
+                <a:solidFill>
+                  <a:schemeClr val="tx2"/>
+                </a:solidFill>
+              </a:defRPr>
+            </a:lvl4pPr>
+            <a:lvl5pPr eaLnBrk="1" hangingPunct="1">
+              <a:defRPr>
+                <a:solidFill>
+                  <a:schemeClr val="tx2"/>
+                </a:solidFill>
+              </a:defRPr>
+            </a:lvl5pPr>
+            <a:lvl6pPr eaLnBrk="1" hangingPunct="1">
+              <a:defRPr>
+                <a:solidFill>
+                  <a:schemeClr val="tx2"/>
+                </a:solidFill>
+              </a:defRPr>
+            </a:lvl6pPr>
+            <a:lvl7pPr eaLnBrk="1" hangingPunct="1">
+              <a:defRPr>
+                <a:solidFill>
+                  <a:schemeClr val="tx2"/>
+                </a:solidFill>
+              </a:defRPr>
+            </a:lvl7pPr>
+            <a:lvl8pPr eaLnBrk="1" hangingPunct="1">
+              <a:defRPr>
+                <a:solidFill>
+                  <a:schemeClr val="tx2"/>
+                </a:solidFill>
+              </a:defRPr>
+            </a:lvl8pPr>
+            <a:lvl9pPr eaLnBrk="1" hangingPunct="1">
+              <a:defRPr>
+                <a:solidFill>
+                  <a:schemeClr val="tx2"/>
+                </a:solidFill>
+              </a:defRPr>
+            </a:lvl9pPr>
+          </a:lstStyle>
+          <a:p>
+            <a:r>
+              <a:rPr lang="en-US" dirty="0"/>
+              <a:t>                 Knuth   Policy</a:t>
+            </a:r>
+            <a:endParaRPr lang="en-US" sz="4000" dirty="0"/>
+          </a:p>
+        </p:txBody>
+      </p:sp>
+      <p:sp>
+        <p:nvSpPr>
+          <p:cNvPr id="3" name="Rectangle 2">
+            <a:extLst>
+              <a:ext uri="{FF2B5EF4-FFF2-40B4-BE49-F238E27FC236}">
+                <a16:creationId xmlns:a16="http://schemas.microsoft.com/office/drawing/2014/main" id="{F96CC5E6-C228-43AA-8E68-B86504191A81}"/>
+              </a:ext>
+            </a:extLst>
+          </p:cNvPr>
+          <p:cNvSpPr/>
+          <p:nvPr/>
+        </p:nvSpPr>
+        <p:spPr>
+          <a:xfrm>
+            <a:off x="374614" y="615191"/>
+            <a:ext cx="9404722" cy="6771084"/>
+          </a:xfrm>
+          <a:prstGeom prst="rect">
+            <a:avLst/>
+          </a:prstGeom>
+        </p:spPr>
+        <p:txBody>
+          <a:bodyPr wrap="square">
+            <a:spAutoFit/>
+          </a:bodyPr>
+          <a:lstStyle/>
+          <a:p>
+            <a:pPr marL="342900" indent="-342900">
+              <a:buAutoNum type="arabicParenR"/>
+            </a:pPr>
+            <a:r>
+              <a:rPr lang="en-US" sz="1600" dirty="0"/>
+              <a:t>Assign a score to each possible guess based on the worst-case  scoring algorithm – see below</a:t>
+            </a:r>
+          </a:p>
+          <a:p>
+            <a:pPr marL="342900" indent="-342900">
+              <a:buAutoNum type="arabicParenR"/>
+            </a:pPr>
+            <a:r>
+              <a:rPr lang="en-US" sz="1600" dirty="0"/>
+              <a:t>Pick the guess with the best (lowest score)score. In case of a tie prefer a guess from the qualifying candidates   </a:t>
+            </a:r>
+          </a:p>
+          <a:p>
+            <a:pPr marL="342900" indent="-342900">
+              <a:buAutoNum type="arabicParenR"/>
+            </a:pPr>
+            <a:r>
+              <a:rPr lang="en-US" sz="1600" dirty="0"/>
+              <a:t>If winning guess  quit  </a:t>
+            </a:r>
+          </a:p>
+          <a:p>
+            <a:r>
+              <a:rPr lang="en-US" sz="1600" dirty="0"/>
+              <a:t>2)  Based on the response ,filters out the candidates list</a:t>
+            </a:r>
+          </a:p>
+          <a:p>
+            <a:pPr marL="342900" indent="-342900">
+              <a:buAutoNum type="arabicParenR" startAt="3"/>
+            </a:pPr>
+            <a:r>
+              <a:rPr lang="en-US" sz="1600" dirty="0"/>
+              <a:t>Go to 1)</a:t>
+            </a:r>
+          </a:p>
+          <a:p>
+            <a:pPr marL="342900" indent="-342900">
+              <a:buAutoNum type="arabicParenR" startAt="3"/>
+            </a:pPr>
+            <a:endParaRPr lang="en-US" dirty="0"/>
+          </a:p>
+          <a:p>
+            <a:r>
+              <a:rPr lang="en-US" sz="1600" b="1" u="sng" dirty="0"/>
+              <a:t>worst-case scoring algorithm</a:t>
+            </a:r>
+          </a:p>
+          <a:p>
+            <a:r>
+              <a:rPr lang="en-US" sz="1600" dirty="0"/>
+              <a:t>For the guess evaluated, compute all the different 15  lists of qualifying candidates ,one for each possible response, from the existing list of qualifying candidates. </a:t>
+            </a:r>
+          </a:p>
+          <a:p>
+            <a:r>
+              <a:rPr lang="en-US" sz="1600" dirty="0"/>
+              <a:t>The length of the longest list is the score of the guess.</a:t>
+            </a:r>
+          </a:p>
+          <a:p>
+            <a:endParaRPr lang="en-US" sz="1600" dirty="0"/>
+          </a:p>
+          <a:p>
+            <a:r>
+              <a:rPr lang="en-US" sz="1600" dirty="0"/>
+              <a:t>Building a strategy tree out of Knuth  policy takes a while but it yields right a way a good result of 4.476  guesses on average to win. Shuffling the full list of guesses  randomly and rerunning it ,capturing the best result, yields  4.451 average guesses as the best result </a:t>
+            </a:r>
+          </a:p>
+          <a:p>
+            <a:endParaRPr lang="en-US" sz="1600" dirty="0"/>
+          </a:p>
+          <a:p>
+            <a:endParaRPr lang="en-US" sz="1600" dirty="0"/>
+          </a:p>
+          <a:p>
+            <a:endParaRPr lang="en-US" dirty="0"/>
+          </a:p>
+          <a:p>
+            <a:endParaRPr lang="en-US" dirty="0"/>
+          </a:p>
+          <a:p>
+            <a:endParaRPr lang="en-US" dirty="0"/>
+          </a:p>
+          <a:p>
+            <a:endParaRPr lang="en-US" dirty="0"/>
+          </a:p>
+          <a:p>
+            <a:endParaRPr lang="en-US" dirty="0"/>
+          </a:p>
+          <a:p>
+            <a:endParaRPr lang="en-US" dirty="0"/>
+          </a:p>
+          <a:p>
+            <a:endParaRPr lang="en-US" dirty="0"/>
+          </a:p>
+          <a:p>
+            <a:endParaRPr lang="en-US" dirty="0"/>
+          </a:p>
+        </p:txBody>
+      </p:sp>
+      <p:graphicFrame>
+        <p:nvGraphicFramePr>
+          <p:cNvPr id="5" name="Chart 4">
+            <a:extLst>
+              <a:ext uri="{FF2B5EF4-FFF2-40B4-BE49-F238E27FC236}">
+                <a16:creationId xmlns:a16="http://schemas.microsoft.com/office/drawing/2014/main" id="{3C6AF83A-F6B8-48F9-B196-53A5B5C07D9F}"/>
+              </a:ext>
+            </a:extLst>
+          </p:cNvPr>
+          <p:cNvGraphicFramePr>
+            <a:graphicFrameLocks/>
+          </p:cNvGraphicFramePr>
+          <p:nvPr>
+            <p:extLst>
+              <p:ext uri="{D42A27DB-BD31-4B8C-83A1-F6EECF244321}">
+                <p14:modId xmlns:p14="http://schemas.microsoft.com/office/powerpoint/2010/main" val="4280600420"/>
+              </p:ext>
+            </p:extLst>
+          </p:nvPr>
+        </p:nvGraphicFramePr>
+        <p:xfrm>
+          <a:off x="374613" y="4756274"/>
+          <a:ext cx="10021243" cy="2177143"/>
+        </p:xfrm>
+        <a:graphic>
+          <a:graphicData uri="http://schemas.openxmlformats.org/drawingml/2006/chart">
+            <c:chart xmlns:c="http://schemas.openxmlformats.org/drawingml/2006/chart" xmlns:r="http://schemas.openxmlformats.org/officeDocument/2006/relationships" r:id="rId2"/>
+          </a:graphicData>
+        </a:graphic>
+      </p:graphicFrame>
+    </p:spTree>
+    <p:extLst>
+      <p:ext uri="{BB962C8B-B14F-4D97-AF65-F5344CB8AC3E}">
+        <p14:creationId xmlns:p14="http://schemas.microsoft.com/office/powerpoint/2010/main" val="3340501789"/>
+      </p:ext>
+    </p:extLst>
+  </p:cSld>
+  <p:clrMapOvr>
+    <a:masterClrMapping/>
+  </p:clrMapOvr>
+</p:sld>
+</file>
+
+<file path=ppt/slides/slide9.xml><?xml version="1.0" encoding="utf-8"?>
 <p:sld xmlns:a="http://schemas.openxmlformats.org/drawingml/2006/main" xmlns:r="http://schemas.openxmlformats.org/officeDocument/2006/relationships" xmlns:p="http://schemas.openxmlformats.org/presentationml/2006/main">
   <p:cSld>
     <p:spTree>
@@ -42537,340 +43030,6 @@
     <p:extLst>
       <p:ext uri="{BB962C8B-B14F-4D97-AF65-F5344CB8AC3E}">
         <p14:creationId xmlns:p14="http://schemas.microsoft.com/office/powerpoint/2010/main" val="675660116"/>
-      </p:ext>
-    </p:extLst>
-  </p:cSld>
-  <p:clrMapOvr>
-    <a:masterClrMapping/>
-  </p:clrMapOvr>
-</p:sld>
-</file>
-
-<file path=ppt/slides/slide9.xml><?xml version="1.0" encoding="utf-8"?>
-<p:sld xmlns:a="http://schemas.openxmlformats.org/drawingml/2006/main" xmlns:r="http://schemas.openxmlformats.org/officeDocument/2006/relationships" xmlns:p="http://schemas.openxmlformats.org/presentationml/2006/main">
-  <p:cSld>
-    <p:spTree>
-      <p:nvGrpSpPr>
-        <p:cNvPr id="1" name=""/>
-        <p:cNvGrpSpPr/>
-        <p:nvPr/>
-      </p:nvGrpSpPr>
-      <p:grpSpPr>
-        <a:xfrm>
-          <a:off x="0" y="0"/>
-          <a:ext cx="0" cy="0"/>
-          <a:chOff x="0" y="0"/>
-          <a:chExt cx="0" cy="0"/>
-        </a:xfrm>
-      </p:grpSpPr>
-      <p:sp>
-        <p:nvSpPr>
-          <p:cNvPr id="2" name="Title 1">
-            <a:extLst>
-              <a:ext uri="{FF2B5EF4-FFF2-40B4-BE49-F238E27FC236}">
-                <a16:creationId xmlns:a16="http://schemas.microsoft.com/office/drawing/2014/main" id="{BFE03E1E-1CD4-4BF6-8AB2-07362D59237F}"/>
-              </a:ext>
-            </a:extLst>
-          </p:cNvPr>
-          <p:cNvSpPr>
-            <a:spLocks noGrp="1"/>
-          </p:cNvSpPr>
-          <p:nvPr>
-            <p:ph type="title"/>
-          </p:nvPr>
-        </p:nvSpPr>
-        <p:spPr/>
-        <p:txBody>
-          <a:bodyPr/>
-          <a:lstStyle/>
-          <a:p>
-            <a:r>
-              <a:rPr lang="en-US" dirty="0"/>
-              <a:t>         </a:t>
-            </a:r>
-          </a:p>
-        </p:txBody>
-      </p:sp>
-      <p:sp>
-        <p:nvSpPr>
-          <p:cNvPr id="6" name="Title 1">
-            <a:extLst>
-              <a:ext uri="{FF2B5EF4-FFF2-40B4-BE49-F238E27FC236}">
-                <a16:creationId xmlns:a16="http://schemas.microsoft.com/office/drawing/2014/main" id="{28909404-97CF-447C-9C07-862F156F11DD}"/>
-              </a:ext>
-            </a:extLst>
-          </p:cNvPr>
-          <p:cNvSpPr txBox="1">
-            <a:spLocks/>
-          </p:cNvSpPr>
-          <p:nvPr/>
-        </p:nvSpPr>
-        <p:spPr>
-          <a:xfrm>
-            <a:off x="194345" y="94478"/>
-            <a:ext cx="10551952" cy="1675599"/>
-          </a:xfrm>
-          <a:prstGeom prst="rect">
-            <a:avLst/>
-          </a:prstGeom>
-        </p:spPr>
-        <p:txBody>
-          <a:bodyPr vert="horz" lIns="91440" tIns="45720" rIns="91440" bIns="45720" rtlCol="0" anchor="t">
-            <a:noAutofit/>
-          </a:bodyPr>
-          <a:lstStyle>
-            <a:lvl1pPr algn="l" defTabSz="457200" rtl="0" eaLnBrk="1" latinLnBrk="0" hangingPunct="1">
-              <a:spcBef>
-                <a:spcPct val="0"/>
-              </a:spcBef>
-              <a:buNone/>
-              <a:defRPr sz="4200" b="0" i="0" kern="1200">
-                <a:solidFill>
-                  <a:schemeClr val="tx2"/>
-                </a:solidFill>
-                <a:latin typeface="+mj-lt"/>
-                <a:ea typeface="+mj-ea"/>
-                <a:cs typeface="+mj-cs"/>
-              </a:defRPr>
-            </a:lvl1pPr>
-            <a:lvl2pPr eaLnBrk="1" hangingPunct="1">
-              <a:defRPr>
-                <a:solidFill>
-                  <a:schemeClr val="tx2"/>
-                </a:solidFill>
-              </a:defRPr>
-            </a:lvl2pPr>
-            <a:lvl3pPr eaLnBrk="1" hangingPunct="1">
-              <a:defRPr>
-                <a:solidFill>
-                  <a:schemeClr val="tx2"/>
-                </a:solidFill>
-              </a:defRPr>
-            </a:lvl3pPr>
-            <a:lvl4pPr eaLnBrk="1" hangingPunct="1">
-              <a:defRPr>
-                <a:solidFill>
-                  <a:schemeClr val="tx2"/>
-                </a:solidFill>
-              </a:defRPr>
-            </a:lvl4pPr>
-            <a:lvl5pPr eaLnBrk="1" hangingPunct="1">
-              <a:defRPr>
-                <a:solidFill>
-                  <a:schemeClr val="tx2"/>
-                </a:solidFill>
-              </a:defRPr>
-            </a:lvl5pPr>
-            <a:lvl6pPr eaLnBrk="1" hangingPunct="1">
-              <a:defRPr>
-                <a:solidFill>
-                  <a:schemeClr val="tx2"/>
-                </a:solidFill>
-              </a:defRPr>
-            </a:lvl6pPr>
-            <a:lvl7pPr eaLnBrk="1" hangingPunct="1">
-              <a:defRPr>
-                <a:solidFill>
-                  <a:schemeClr val="tx2"/>
-                </a:solidFill>
-              </a:defRPr>
-            </a:lvl7pPr>
-            <a:lvl8pPr eaLnBrk="1" hangingPunct="1">
-              <a:defRPr>
-                <a:solidFill>
-                  <a:schemeClr val="tx2"/>
-                </a:solidFill>
-              </a:defRPr>
-            </a:lvl8pPr>
-            <a:lvl9pPr eaLnBrk="1" hangingPunct="1">
-              <a:defRPr>
-                <a:solidFill>
-                  <a:schemeClr val="tx2"/>
-                </a:solidFill>
-              </a:defRPr>
-            </a:lvl9pPr>
-          </a:lstStyle>
-          <a:p>
-            <a:r>
-              <a:rPr lang="en-US" dirty="0"/>
-              <a:t>                 Random  Policy</a:t>
-            </a:r>
-            <a:endParaRPr lang="en-US" sz="4000" dirty="0"/>
-          </a:p>
-        </p:txBody>
-      </p:sp>
-      <p:sp>
-        <p:nvSpPr>
-          <p:cNvPr id="3" name="TextBox 2">
-            <a:extLst>
-              <a:ext uri="{FF2B5EF4-FFF2-40B4-BE49-F238E27FC236}">
-                <a16:creationId xmlns:a16="http://schemas.microsoft.com/office/drawing/2014/main" id="{07BF8C91-2E5D-4EFE-983E-424C75309229}"/>
-              </a:ext>
-            </a:extLst>
-          </p:cNvPr>
-          <p:cNvSpPr txBox="1"/>
-          <p:nvPr/>
-        </p:nvSpPr>
-        <p:spPr>
-          <a:xfrm>
-            <a:off x="581159" y="767908"/>
-            <a:ext cx="9778323" cy="3970318"/>
-          </a:xfrm>
-          <a:prstGeom prst="rect">
-            <a:avLst/>
-          </a:prstGeom>
-          <a:noFill/>
-        </p:spPr>
-        <p:txBody>
-          <a:bodyPr wrap="square" rtlCol="0">
-            <a:spAutoFit/>
-          </a:bodyPr>
-          <a:lstStyle/>
-          <a:p>
-            <a:pPr marL="342900" indent="-342900">
-              <a:buAutoNum type="arabicParenR"/>
-            </a:pPr>
-            <a:r>
-              <a:rPr lang="en-US" dirty="0"/>
-              <a:t>Pick a guess randomly from the list of qualifying candidates</a:t>
-            </a:r>
-          </a:p>
-          <a:p>
-            <a:pPr marL="342900" indent="-342900">
-              <a:buAutoNum type="arabicParenR"/>
-            </a:pPr>
-            <a:r>
-              <a:rPr lang="en-US" dirty="0"/>
-              <a:t>If winning guess  quit  </a:t>
-            </a:r>
-          </a:p>
-          <a:p>
-            <a:r>
-              <a:rPr lang="en-US" dirty="0"/>
-              <a:t>2)  Based on the response, filters out the candidate list </a:t>
-            </a:r>
-          </a:p>
-          <a:p>
-            <a:pPr marL="342900" indent="-342900">
-              <a:buAutoNum type="arabicParenR" startAt="3"/>
-            </a:pPr>
-            <a:r>
-              <a:rPr lang="en-US" dirty="0"/>
-              <a:t>Go to 1)</a:t>
-            </a:r>
-          </a:p>
-          <a:p>
-            <a:pPr marL="342900" indent="-342900">
-              <a:buAutoNum type="arabicParenR" startAt="3"/>
-            </a:pPr>
-            <a:endParaRPr lang="en-US" dirty="0"/>
-          </a:p>
-          <a:p>
-            <a:endParaRPr lang="en-US" dirty="0"/>
-          </a:p>
-          <a:p>
-            <a:r>
-              <a:rPr lang="en-US" dirty="0"/>
-              <a:t>Advantage : Execution time is extremely fast so many strategy trees can be built and evaluated in a unit of time keeping the one that gives the best result. So we can search many trees for better and better  random policies.  </a:t>
-            </a:r>
-          </a:p>
-          <a:p>
-            <a:endParaRPr lang="en-US" dirty="0"/>
-          </a:p>
-          <a:p>
-            <a:endParaRPr lang="en-US" dirty="0"/>
-          </a:p>
-          <a:p>
-            <a:endParaRPr lang="en-US" dirty="0"/>
-          </a:p>
-          <a:p>
-            <a:endParaRPr lang="en-US" dirty="0"/>
-          </a:p>
-          <a:p>
-            <a:r>
-              <a:rPr lang="en-US" dirty="0"/>
-              <a:t> </a:t>
-            </a:r>
-          </a:p>
-        </p:txBody>
-      </p:sp>
-      <p:graphicFrame>
-        <p:nvGraphicFramePr>
-          <p:cNvPr id="5" name="Chart 4">
-            <a:extLst>
-              <a:ext uri="{FF2B5EF4-FFF2-40B4-BE49-F238E27FC236}">
-                <a16:creationId xmlns:a16="http://schemas.microsoft.com/office/drawing/2014/main" id="{4874AFF5-45B6-4F4A-A9FA-CC64120C39FC}"/>
-              </a:ext>
-            </a:extLst>
-          </p:cNvPr>
-          <p:cNvGraphicFramePr>
-            <a:graphicFrameLocks/>
-          </p:cNvGraphicFramePr>
-          <p:nvPr>
-            <p:extLst>
-              <p:ext uri="{D42A27DB-BD31-4B8C-83A1-F6EECF244321}">
-                <p14:modId xmlns:p14="http://schemas.microsoft.com/office/powerpoint/2010/main" val="2561805491"/>
-              </p:ext>
-            </p:extLst>
-          </p:nvPr>
-        </p:nvGraphicFramePr>
-        <p:xfrm>
-          <a:off x="363180" y="3541322"/>
-          <a:ext cx="6067425" cy="2304308"/>
-        </p:xfrm>
-        <a:graphic>
-          <a:graphicData uri="http://schemas.openxmlformats.org/drawingml/2006/chart">
-            <c:chart xmlns:c="http://schemas.openxmlformats.org/drawingml/2006/chart" xmlns:r="http://schemas.openxmlformats.org/officeDocument/2006/relationships" r:id="rId2"/>
-          </a:graphicData>
-        </a:graphic>
-      </p:graphicFrame>
-      <p:sp>
-        <p:nvSpPr>
-          <p:cNvPr id="4" name="TextBox 3">
-            <a:extLst>
-              <a:ext uri="{FF2B5EF4-FFF2-40B4-BE49-F238E27FC236}">
-                <a16:creationId xmlns:a16="http://schemas.microsoft.com/office/drawing/2014/main" id="{C03918A6-CAB6-4583-B65D-0137962B161A}"/>
-              </a:ext>
-            </a:extLst>
-          </p:cNvPr>
-          <p:cNvSpPr txBox="1"/>
-          <p:nvPr/>
-        </p:nvSpPr>
-        <p:spPr>
-          <a:xfrm>
-            <a:off x="1034142" y="6041571"/>
-            <a:ext cx="7783287" cy="646331"/>
-          </a:xfrm>
-          <a:prstGeom prst="rect">
-            <a:avLst/>
-          </a:prstGeom>
-          <a:noFill/>
-        </p:spPr>
-        <p:txBody>
-          <a:bodyPr wrap="square" rtlCol="0">
-            <a:spAutoFit/>
-          </a:bodyPr>
-          <a:lstStyle/>
-          <a:p>
-            <a:r>
-              <a:rPr lang="en-US" dirty="0"/>
-              <a:t>Best strategy found after days of executions – yielded  </a:t>
-            </a:r>
-            <a:r>
-              <a:rPr lang="en-US" b="1" dirty="0"/>
-              <a:t>4.511 </a:t>
-            </a:r>
-            <a:r>
-              <a:rPr lang="en-US" dirty="0"/>
-              <a:t>guess to win on average </a:t>
-            </a:r>
-          </a:p>
-        </p:txBody>
-      </p:sp>
-    </p:spTree>
-    <p:extLst>
-      <p:ext uri="{BB962C8B-B14F-4D97-AF65-F5344CB8AC3E}">
-        <p14:creationId xmlns:p14="http://schemas.microsoft.com/office/powerpoint/2010/main" val="2374018576"/>
       </p:ext>
     </p:extLst>
   </p:cSld>

--- a/ai_final_project_mastermind.pptx
+++ b/ai_final_project_mastermind.pptx
@@ -37003,8 +37003,41 @@
                   <a:schemeClr val="bg2"/>
                 </a:solidFill>
               </a:rPr>
-              <a:t>By: alon Lapid</a:t>
+              <a:t>By: </a:t>
             </a:r>
+            <a:r>
+              <a:rPr lang="en-US" dirty="0">
+                <a:solidFill>
+                  <a:schemeClr val="bg2">
+                    <a:lumMod val="60000"/>
+                    <a:lumOff val="40000"/>
+                  </a:schemeClr>
+                </a:solidFill>
+              </a:rPr>
+              <a:t>alon Lapid</a:t>
+            </a:r>
+          </a:p>
+          <a:p>
+            <a:pPr algn="ctr"/>
+            <a:r>
+              <a:rPr lang="en-US" dirty="0">
+                <a:solidFill>
+                  <a:schemeClr val="bg2">
+                    <a:lumMod val="60000"/>
+                    <a:lumOff val="40000"/>
+                  </a:schemeClr>
+                </a:solidFill>
+              </a:rPr>
+              <a:t>                   Meredith Simpson</a:t>
+            </a:r>
+          </a:p>
+          <a:p>
+            <a:pPr algn="ctr"/>
+            <a:endParaRPr lang="en-US" sz="2400" dirty="0">
+              <a:solidFill>
+                <a:schemeClr val="bg2"/>
+              </a:solidFill>
+            </a:endParaRPr>
           </a:p>
         </p:txBody>
       </p:sp>

--- a/ai_final_project_mastermind.pptx
+++ b/ai_final_project_mastermind.pptx
@@ -37018,6 +37018,17 @@
               <a:t>By: alon Lapid</a:t>
             </a:r>
           </a:p>
+          <a:p>
+            <a:pPr algn="ctr"/>
+            <a:r>
+              <a:rPr lang="en-US" sz="2400" dirty="0">
+                <a:solidFill>
+                  <a:schemeClr val="bg2"/>
+                </a:solidFill>
+              </a:rPr>
+              <a:t>                  MEREDITH SIMPSON</a:t>
+            </a:r>
+          </a:p>
         </p:txBody>
       </p:sp>
     </p:spTree>

--- a/ai_final_project_mastermind.pptx
+++ b/ai_final_project_mastermind.pptx
@@ -39225,7 +39225,7 @@
           <a:p>
             <a:r>
               <a:rPr lang="en-US" dirty="0"/>
-              <a:t>After a bit more than 1.7k  iterations the NN learned to play mastermind with 4.386 guess to win on average!   </a:t>
+              <a:t>After little more than 1.7k  iterations the NN learned to play mastermind with 4.386 guess to win on average!   </a:t>
             </a:r>
           </a:p>
         </p:txBody>
@@ -39411,7 +39411,7 @@
           <p:nvPr>
             <p:extLst>
               <p:ext uri="{D42A27DB-BD31-4B8C-83A1-F6EECF244321}">
-                <p14:modId xmlns:p14="http://schemas.microsoft.com/office/powerpoint/2010/main" val="2562362475"/>
+                <p14:modId xmlns:p14="http://schemas.microsoft.com/office/powerpoint/2010/main" val="3373557666"/>
               </p:ext>
             </p:extLst>
           </p:nvPr>
@@ -39694,7 +39694,7 @@
                             <a:srgbClr val="00B0F0"/>
                           </a:solidFill>
                         </a:rPr>
-                        <a:t>Our Knuth optimized </a:t>
+                        <a:t>Our Knuth worst case optimized </a:t>
                       </a:r>
                     </a:p>
                   </a:txBody>
@@ -40627,7 +40627,7 @@
           <a:p>
             <a:r>
               <a:rPr lang="en-US" dirty="0"/>
-              <a:t>  Previous works in Mastermind Policy</a:t>
+              <a:t>  Previous works in playing Mastermind </a:t>
             </a:r>
             <a:endParaRPr lang="en-US" sz="4000" dirty="0"/>
           </a:p>
@@ -42300,7 +42300,7 @@
             <a:pPr algn="ctr"/>
             <a:r>
               <a:rPr lang="en-US" dirty="0"/>
-              <a:t>Simulator </a:t>
+              <a:t>Games  Simulator </a:t>
             </a:r>
           </a:p>
         </p:txBody>

--- a/ai_final_project_mastermind.pptx
+++ b/ai_final_project_mastermind.pptx
@@ -16996,14 +16996,14 @@
               </a:defRPr>
             </a:pPr>
             <a:r>
-              <a:rPr lang="en-US"/>
+              <a:rPr lang="en-US" dirty="0"/>
               <a:t>NN</a:t>
             </a:r>
             <a:r>
-              <a:rPr lang="en-US" baseline="0"/>
+              <a:rPr lang="en-US" baseline="0" dirty="0"/>
               <a:t> Strategy improvement over time</a:t>
             </a:r>
-            <a:endParaRPr lang="en-US"/>
+            <a:endParaRPr lang="en-US" dirty="0"/>
           </a:p>
         </c:rich>
       </c:tx>
@@ -29747,7 +29747,7 @@
           <a:p>
             <a:fld id="{D1AEB4C2-0CE1-455B-854A-E7A68A16A6D7}" type="datetimeFigureOut">
               <a:rPr lang="en-US" smtClean="0"/>
-              <a:t>12/8/2018</a:t>
+              <a:t>12/9/2018</a:t>
             </a:fld>
             <a:endParaRPr lang="en-US"/>
           </a:p>
@@ -30200,7 +30200,7 @@
           <a:p>
             <a:fld id="{80498F4A-FE51-4258-903F-BAA40BBA580E}" type="datetimeFigureOut">
               <a:rPr lang="en-US" smtClean="0"/>
-              <a:t>12/8/2018</a:t>
+              <a:t>12/9/2018</a:t>
             </a:fld>
             <a:endParaRPr lang="en-US"/>
           </a:p>
@@ -30475,7 +30475,7 @@
           <a:p>
             <a:fld id="{80498F4A-FE51-4258-903F-BAA40BBA580E}" type="datetimeFigureOut">
               <a:rPr lang="en-US" smtClean="0"/>
-              <a:t>12/8/2018</a:t>
+              <a:t>12/9/2018</a:t>
             </a:fld>
             <a:endParaRPr lang="en-US"/>
           </a:p>
@@ -30669,7 +30669,7 @@
           <a:p>
             <a:fld id="{80498F4A-FE51-4258-903F-BAA40BBA580E}" type="datetimeFigureOut">
               <a:rPr lang="en-US" smtClean="0"/>
-              <a:t>12/8/2018</a:t>
+              <a:t>12/9/2018</a:t>
             </a:fld>
             <a:endParaRPr lang="en-US"/>
           </a:p>
@@ -30942,7 +30942,7 @@
           <a:p>
             <a:fld id="{80498F4A-FE51-4258-903F-BAA40BBA580E}" type="datetimeFigureOut">
               <a:rPr lang="en-US" smtClean="0"/>
-              <a:t>12/8/2018</a:t>
+              <a:t>12/9/2018</a:t>
             </a:fld>
             <a:endParaRPr lang="en-US"/>
           </a:p>
@@ -31283,7 +31283,7 @@
           <a:p>
             <a:fld id="{80498F4A-FE51-4258-903F-BAA40BBA580E}" type="datetimeFigureOut">
               <a:rPr lang="en-US" smtClean="0"/>
-              <a:t>12/8/2018</a:t>
+              <a:t>12/9/2018</a:t>
             </a:fld>
             <a:endParaRPr lang="en-US"/>
           </a:p>
@@ -31906,7 +31906,7 @@
           <a:p>
             <a:fld id="{80498F4A-FE51-4258-903F-BAA40BBA580E}" type="datetimeFigureOut">
               <a:rPr lang="en-US" smtClean="0"/>
-              <a:t>12/8/2018</a:t>
+              <a:t>12/9/2018</a:t>
             </a:fld>
             <a:endParaRPr lang="en-US"/>
           </a:p>
@@ -32766,7 +32766,7 @@
           <a:p>
             <a:fld id="{80498F4A-FE51-4258-903F-BAA40BBA580E}" type="datetimeFigureOut">
               <a:rPr lang="en-US" smtClean="0"/>
-              <a:t>12/8/2018</a:t>
+              <a:t>12/9/2018</a:t>
             </a:fld>
             <a:endParaRPr lang="en-US"/>
           </a:p>
@@ -32936,7 +32936,7 @@
           <a:p>
             <a:fld id="{80498F4A-FE51-4258-903F-BAA40BBA580E}" type="datetimeFigureOut">
               <a:rPr lang="en-US" smtClean="0"/>
-              <a:t>12/8/2018</a:t>
+              <a:t>12/9/2018</a:t>
             </a:fld>
             <a:endParaRPr lang="en-US"/>
           </a:p>
@@ -33116,7 +33116,7 @@
           <a:p>
             <a:fld id="{80498F4A-FE51-4258-903F-BAA40BBA580E}" type="datetimeFigureOut">
               <a:rPr lang="en-US" smtClean="0"/>
-              <a:t>12/8/2018</a:t>
+              <a:t>12/9/2018</a:t>
             </a:fld>
             <a:endParaRPr lang="en-US"/>
           </a:p>
@@ -33286,7 +33286,7 @@
           <a:p>
             <a:fld id="{80498F4A-FE51-4258-903F-BAA40BBA580E}" type="datetimeFigureOut">
               <a:rPr lang="en-US" smtClean="0"/>
-              <a:t>12/8/2018</a:t>
+              <a:t>12/9/2018</a:t>
             </a:fld>
             <a:endParaRPr lang="en-US"/>
           </a:p>
@@ -33533,7 +33533,7 @@
           <a:p>
             <a:fld id="{80498F4A-FE51-4258-903F-BAA40BBA580E}" type="datetimeFigureOut">
               <a:rPr lang="en-US" smtClean="0"/>
-              <a:t>12/8/2018</a:t>
+              <a:t>12/9/2018</a:t>
             </a:fld>
             <a:endParaRPr lang="en-US"/>
           </a:p>
@@ -33825,7 +33825,7 @@
           <a:p>
             <a:fld id="{80498F4A-FE51-4258-903F-BAA40BBA580E}" type="datetimeFigureOut">
               <a:rPr lang="en-US" smtClean="0"/>
-              <a:t>12/8/2018</a:t>
+              <a:t>12/9/2018</a:t>
             </a:fld>
             <a:endParaRPr lang="en-US"/>
           </a:p>
@@ -34269,7 +34269,7 @@
           <a:p>
             <a:fld id="{80498F4A-FE51-4258-903F-BAA40BBA580E}" type="datetimeFigureOut">
               <a:rPr lang="en-US" smtClean="0"/>
-              <a:t>12/8/2018</a:t>
+              <a:t>12/9/2018</a:t>
             </a:fld>
             <a:endParaRPr lang="en-US"/>
           </a:p>
@@ -34387,7 +34387,7 @@
           <a:p>
             <a:fld id="{80498F4A-FE51-4258-903F-BAA40BBA580E}" type="datetimeFigureOut">
               <a:rPr lang="en-US" smtClean="0"/>
-              <a:t>12/8/2018</a:t>
+              <a:t>12/9/2018</a:t>
             </a:fld>
             <a:endParaRPr lang="en-US"/>
           </a:p>
@@ -34482,7 +34482,7 @@
           <a:p>
             <a:fld id="{80498F4A-FE51-4258-903F-BAA40BBA580E}" type="datetimeFigureOut">
               <a:rPr lang="en-US" smtClean="0"/>
-              <a:t>12/8/2018</a:t>
+              <a:t>12/9/2018</a:t>
             </a:fld>
             <a:endParaRPr lang="en-US"/>
           </a:p>
@@ -34761,7 +34761,7 @@
           <a:p>
             <a:fld id="{80498F4A-FE51-4258-903F-BAA40BBA580E}" type="datetimeFigureOut">
               <a:rPr lang="en-US" smtClean="0"/>
-              <a:t>12/8/2018</a:t>
+              <a:t>12/9/2018</a:t>
             </a:fld>
             <a:endParaRPr lang="en-US"/>
           </a:p>
@@ -35036,7 +35036,7 @@
           <a:p>
             <a:fld id="{80498F4A-FE51-4258-903F-BAA40BBA580E}" type="datetimeFigureOut">
               <a:rPr lang="en-US" smtClean="0"/>
-              <a:t>12/8/2018</a:t>
+              <a:t>12/9/2018</a:t>
             </a:fld>
             <a:endParaRPr lang="en-US"/>
           </a:p>
@@ -35465,7 +35465,7 @@
           <a:p>
             <a:fld id="{80498F4A-FE51-4258-903F-BAA40BBA580E}" type="datetimeFigureOut">
               <a:rPr lang="en-US" smtClean="0"/>
-              <a:t>12/8/2018</a:t>
+              <a:t>12/9/2018</a:t>
             </a:fld>
             <a:endParaRPr lang="en-US"/>
           </a:p>
@@ -39180,14 +39180,14 @@
           <p:nvPr>
             <p:extLst>
               <p:ext uri="{D42A27DB-BD31-4B8C-83A1-F6EECF244321}">
-                <p14:modId xmlns:p14="http://schemas.microsoft.com/office/powerpoint/2010/main" val="976453408"/>
+                <p14:modId xmlns:p14="http://schemas.microsoft.com/office/powerpoint/2010/main" val="3200682532"/>
               </p:ext>
             </p:extLst>
           </p:nvPr>
         </p:nvGraphicFramePr>
         <p:xfrm>
           <a:off x="356399" y="1259600"/>
-          <a:ext cx="10262239" cy="4338799"/>
+          <a:ext cx="7931073" cy="4338799"/>
         </p:xfrm>
         <a:graphic>
           <a:graphicData uri="http://schemas.openxmlformats.org/drawingml/2006/chart">
@@ -39226,6 +39226,322 @@
             <a:r>
               <a:rPr lang="en-US" dirty="0"/>
               <a:t>After little more than 1.7k  iterations the NN learned to play mastermind with 4.386 guess to win on average!   </a:t>
+            </a:r>
+          </a:p>
+        </p:txBody>
+      </p:sp>
+      <p:graphicFrame>
+        <p:nvGraphicFramePr>
+          <p:cNvPr id="5" name="Table 4">
+            <a:extLst>
+              <a:ext uri="{FF2B5EF4-FFF2-40B4-BE49-F238E27FC236}">
+                <a16:creationId xmlns:a16="http://schemas.microsoft.com/office/drawing/2014/main" id="{34BC5C4C-8378-4E8B-87B7-EB2829E49BCE}"/>
+              </a:ext>
+            </a:extLst>
+          </p:cNvPr>
+          <p:cNvGraphicFramePr>
+            <a:graphicFrameLocks noGrp="1"/>
+          </p:cNvGraphicFramePr>
+          <p:nvPr>
+            <p:extLst>
+              <p:ext uri="{D42A27DB-BD31-4B8C-83A1-F6EECF244321}">
+                <p14:modId xmlns:p14="http://schemas.microsoft.com/office/powerpoint/2010/main" val="558639969"/>
+              </p:ext>
+            </p:extLst>
+          </p:nvPr>
+        </p:nvGraphicFramePr>
+        <p:xfrm>
+          <a:off x="8449524" y="1973261"/>
+          <a:ext cx="3541848" cy="2590800"/>
+        </p:xfrm>
+        <a:graphic>
+          <a:graphicData uri="http://schemas.openxmlformats.org/drawingml/2006/table">
+            <a:tbl>
+              <a:tblPr firstRow="1" bandRow="1">
+                <a:tableStyleId>{5C22544A-7EE6-4342-B048-85BDC9FD1C3A}</a:tableStyleId>
+              </a:tblPr>
+              <a:tblGrid>
+                <a:gridCol w="1770924">
+                  <a:extLst>
+                    <a:ext uri="{9D8B030D-6E8A-4147-A177-3AD203B41FA5}">
+                      <a16:colId xmlns:a16="http://schemas.microsoft.com/office/drawing/2014/main" val="3395064719"/>
+                    </a:ext>
+                  </a:extLst>
+                </a:gridCol>
+                <a:gridCol w="1770924">
+                  <a:extLst>
+                    <a:ext uri="{9D8B030D-6E8A-4147-A177-3AD203B41FA5}">
+                      <a16:colId xmlns:a16="http://schemas.microsoft.com/office/drawing/2014/main" val="3246253355"/>
+                    </a:ext>
+                  </a:extLst>
+                </a:gridCol>
+              </a:tblGrid>
+              <a:tr h="257321">
+                <a:tc>
+                  <a:txBody>
+                    <a:bodyPr/>
+                    <a:lstStyle/>
+                    <a:p>
+                      <a:r>
+                        <a:rPr lang="en-US" dirty="0"/>
+                        <a:t>Guess to win</a:t>
+                      </a:r>
+                    </a:p>
+                  </a:txBody>
+                  <a:tcPr/>
+                </a:tc>
+                <a:tc>
+                  <a:txBody>
+                    <a:bodyPr/>
+                    <a:lstStyle/>
+                    <a:p>
+                      <a:r>
+                        <a:rPr lang="en-US" dirty="0"/>
+                        <a:t>Total  games </a:t>
+                      </a:r>
+                    </a:p>
+                  </a:txBody>
+                  <a:tcPr/>
+                </a:tc>
+                <a:extLst>
+                  <a:ext uri="{0D108BD9-81ED-4DB2-BD59-A6C34878D82A}">
+                    <a16:rowId xmlns:a16="http://schemas.microsoft.com/office/drawing/2014/main" val="1528140879"/>
+                  </a:ext>
+                </a:extLst>
+              </a:tr>
+              <a:tr h="370840">
+                <a:tc>
+                  <a:txBody>
+                    <a:bodyPr/>
+                    <a:lstStyle/>
+                    <a:p>
+                      <a:r>
+                        <a:rPr lang="en-US" dirty="0"/>
+                        <a:t>1</a:t>
+                      </a:r>
+                    </a:p>
+                  </a:txBody>
+                  <a:tcPr/>
+                </a:tc>
+                <a:tc>
+                  <a:txBody>
+                    <a:bodyPr/>
+                    <a:lstStyle/>
+                    <a:p>
+                      <a:r>
+                        <a:rPr lang="en-US" dirty="0"/>
+                        <a:t>1</a:t>
+                      </a:r>
+                    </a:p>
+                  </a:txBody>
+                  <a:tcPr/>
+                </a:tc>
+                <a:extLst>
+                  <a:ext uri="{0D108BD9-81ED-4DB2-BD59-A6C34878D82A}">
+                    <a16:rowId xmlns:a16="http://schemas.microsoft.com/office/drawing/2014/main" val="3944547375"/>
+                  </a:ext>
+                </a:extLst>
+              </a:tr>
+              <a:tr h="370840">
+                <a:tc>
+                  <a:txBody>
+                    <a:bodyPr/>
+                    <a:lstStyle/>
+                    <a:p>
+                      <a:r>
+                        <a:rPr lang="en-US" dirty="0"/>
+                        <a:t>2</a:t>
+                      </a:r>
+                    </a:p>
+                  </a:txBody>
+                  <a:tcPr/>
+                </a:tc>
+                <a:tc>
+                  <a:txBody>
+                    <a:bodyPr/>
+                    <a:lstStyle/>
+                    <a:p>
+                      <a:r>
+                        <a:rPr lang="en-US" dirty="0"/>
+                        <a:t>13</a:t>
+                      </a:r>
+                    </a:p>
+                  </a:txBody>
+                  <a:tcPr/>
+                </a:tc>
+                <a:extLst>
+                  <a:ext uri="{0D108BD9-81ED-4DB2-BD59-A6C34878D82A}">
+                    <a16:rowId xmlns:a16="http://schemas.microsoft.com/office/drawing/2014/main" val="1795079339"/>
+                  </a:ext>
+                </a:extLst>
+              </a:tr>
+              <a:tr h="370840">
+                <a:tc>
+                  <a:txBody>
+                    <a:bodyPr/>
+                    <a:lstStyle/>
+                    <a:p>
+                      <a:r>
+                        <a:rPr lang="en-US" dirty="0"/>
+                        <a:t>3</a:t>
+                      </a:r>
+                    </a:p>
+                  </a:txBody>
+                  <a:tcPr/>
+                </a:tc>
+                <a:tc>
+                  <a:txBody>
+                    <a:bodyPr/>
+                    <a:lstStyle/>
+                    <a:p>
+                      <a:r>
+                        <a:rPr lang="en-US" dirty="0"/>
+                        <a:t>112</a:t>
+                      </a:r>
+                    </a:p>
+                  </a:txBody>
+                  <a:tcPr/>
+                </a:tc>
+                <a:extLst>
+                  <a:ext uri="{0D108BD9-81ED-4DB2-BD59-A6C34878D82A}">
+                    <a16:rowId xmlns:a16="http://schemas.microsoft.com/office/drawing/2014/main" val="434508789"/>
+                  </a:ext>
+                </a:extLst>
+              </a:tr>
+              <a:tr h="370840">
+                <a:tc>
+                  <a:txBody>
+                    <a:bodyPr/>
+                    <a:lstStyle/>
+                    <a:p>
+                      <a:r>
+                        <a:rPr lang="en-US" dirty="0"/>
+                        <a:t>4</a:t>
+                      </a:r>
+                    </a:p>
+                  </a:txBody>
+                  <a:tcPr/>
+                </a:tc>
+                <a:tc>
+                  <a:txBody>
+                    <a:bodyPr/>
+                    <a:lstStyle/>
+                    <a:p>
+                      <a:r>
+                        <a:rPr lang="en-US" dirty="0"/>
+                        <a:t>553</a:t>
+                      </a:r>
+                    </a:p>
+                  </a:txBody>
+                  <a:tcPr/>
+                </a:tc>
+                <a:extLst>
+                  <a:ext uri="{0D108BD9-81ED-4DB2-BD59-A6C34878D82A}">
+                    <a16:rowId xmlns:a16="http://schemas.microsoft.com/office/drawing/2014/main" val="3571247413"/>
+                  </a:ext>
+                </a:extLst>
+              </a:tr>
+              <a:tr h="370840">
+                <a:tc>
+                  <a:txBody>
+                    <a:bodyPr/>
+                    <a:lstStyle/>
+                    <a:p>
+                      <a:r>
+                        <a:rPr lang="en-US" dirty="0"/>
+                        <a:t>5</a:t>
+                      </a:r>
+                    </a:p>
+                  </a:txBody>
+                  <a:tcPr/>
+                </a:tc>
+                <a:tc>
+                  <a:txBody>
+                    <a:bodyPr/>
+                    <a:lstStyle/>
+                    <a:p>
+                      <a:r>
+                        <a:rPr lang="en-US" dirty="0"/>
+                        <a:t>592</a:t>
+                      </a:r>
+                    </a:p>
+                  </a:txBody>
+                  <a:tcPr/>
+                </a:tc>
+                <a:extLst>
+                  <a:ext uri="{0D108BD9-81ED-4DB2-BD59-A6C34878D82A}">
+                    <a16:rowId xmlns:a16="http://schemas.microsoft.com/office/drawing/2014/main" val="1036485243"/>
+                  </a:ext>
+                </a:extLst>
+              </a:tr>
+              <a:tr h="370840">
+                <a:tc>
+                  <a:txBody>
+                    <a:bodyPr/>
+                    <a:lstStyle/>
+                    <a:p>
+                      <a:r>
+                        <a:rPr lang="en-US" dirty="0"/>
+                        <a:t>6</a:t>
+                      </a:r>
+                    </a:p>
+                  </a:txBody>
+                  <a:tcPr/>
+                </a:tc>
+                <a:tc>
+                  <a:txBody>
+                    <a:bodyPr/>
+                    <a:lstStyle/>
+                    <a:p>
+                      <a:r>
+                        <a:rPr lang="en-US" dirty="0"/>
+                        <a:t>25</a:t>
+                      </a:r>
+                    </a:p>
+                  </a:txBody>
+                  <a:tcPr/>
+                </a:tc>
+                <a:extLst>
+                  <a:ext uri="{0D108BD9-81ED-4DB2-BD59-A6C34878D82A}">
+                    <a16:rowId xmlns:a16="http://schemas.microsoft.com/office/drawing/2014/main" val="859948170"/>
+                  </a:ext>
+                </a:extLst>
+              </a:tr>
+            </a:tbl>
+          </a:graphicData>
+        </a:graphic>
+      </p:graphicFrame>
+      <p:sp>
+        <p:nvSpPr>
+          <p:cNvPr id="7" name="TextBox 6">
+            <a:extLst>
+              <a:ext uri="{FF2B5EF4-FFF2-40B4-BE49-F238E27FC236}">
+                <a16:creationId xmlns:a16="http://schemas.microsoft.com/office/drawing/2014/main" id="{83F2D211-55CC-46F3-8CA4-82C80C9455AB}"/>
+              </a:ext>
+            </a:extLst>
+          </p:cNvPr>
+          <p:cNvSpPr txBox="1"/>
+          <p:nvPr/>
+        </p:nvSpPr>
+        <p:spPr>
+          <a:xfrm>
+            <a:off x="8287472" y="1543923"/>
+            <a:ext cx="4036791" cy="369332"/>
+          </a:xfrm>
+          <a:prstGeom prst="rect">
+            <a:avLst/>
+          </a:prstGeom>
+          <a:noFill/>
+        </p:spPr>
+        <p:txBody>
+          <a:bodyPr wrap="square" rtlCol="0">
+            <a:spAutoFit/>
+          </a:bodyPr>
+          <a:lstStyle/>
+          <a:p>
+            <a:r>
+              <a:rPr lang="en-US" dirty="0"/>
+              <a:t>NN strategy – games distribution</a:t>
             </a:r>
           </a:p>
         </p:txBody>
@@ -39411,14 +39727,14 @@
           <p:nvPr>
             <p:extLst>
               <p:ext uri="{D42A27DB-BD31-4B8C-83A1-F6EECF244321}">
-                <p14:modId xmlns:p14="http://schemas.microsoft.com/office/powerpoint/2010/main" val="3373557666"/>
+                <p14:modId xmlns:p14="http://schemas.microsoft.com/office/powerpoint/2010/main" val="721763999"/>
               </p:ext>
             </p:extLst>
           </p:nvPr>
         </p:nvGraphicFramePr>
         <p:xfrm>
-          <a:off x="500743" y="1968051"/>
-          <a:ext cx="7612439" cy="3878282"/>
+          <a:off x="1037947" y="2128317"/>
+          <a:ext cx="8424707" cy="4028294"/>
         </p:xfrm>
         <a:graphic>
           <a:graphicData uri="http://schemas.openxmlformats.org/drawingml/2006/table">
@@ -39427,17 +39743,24 @@
                 <a:tableStyleId>{5C22544A-7EE6-4342-B048-85BDC9FD1C3A}</a:tableStyleId>
               </a:tblPr>
               <a:tblGrid>
-                <a:gridCol w="3789460">
+                <a:gridCol w="2744344">
                   <a:extLst>
                     <a:ext uri="{9D8B030D-6E8A-4147-A177-3AD203B41FA5}">
                       <a16:colId xmlns:a16="http://schemas.microsoft.com/office/drawing/2014/main" val="2193605055"/>
                     </a:ext>
                   </a:extLst>
                 </a:gridCol>
-                <a:gridCol w="3822979">
+                <a:gridCol w="2863896">
                   <a:extLst>
                     <a:ext uri="{9D8B030D-6E8A-4147-A177-3AD203B41FA5}">
                       <a16:colId xmlns:a16="http://schemas.microsoft.com/office/drawing/2014/main" val="4160411429"/>
+                    </a:ext>
+                  </a:extLst>
+                </a:gridCol>
+                <a:gridCol w="2816467">
+                  <a:extLst>
+                    <a:ext uri="{9D8B030D-6E8A-4147-A177-3AD203B41FA5}">
+                      <a16:colId xmlns:a16="http://schemas.microsoft.com/office/drawing/2014/main" val="2950001953"/>
                     </a:ext>
                   </a:extLst>
                 </a:gridCol>
@@ -39464,6 +39787,19 @@
                       <a:r>
                         <a:rPr lang="en-US" dirty="0"/>
                         <a:t>Average guess to win </a:t>
+                      </a:r>
+                    </a:p>
+                  </a:txBody>
+                  <a:tcPr/>
+                </a:tc>
+                <a:tc>
+                  <a:txBody>
+                    <a:bodyPr/>
+                    <a:lstStyle/>
+                    <a:p>
+                      <a:r>
+                        <a:rPr lang="en-US" dirty="0"/>
+                        <a:t>Worst case number of guesses to win </a:t>
                       </a:r>
                     </a:p>
                   </a:txBody>
@@ -39497,6 +39833,19 @@
                       <a:r>
                         <a:rPr lang="en-US" dirty="0"/>
                         <a:t>4.476</a:t>
+                      </a:r>
+                    </a:p>
+                  </a:txBody>
+                  <a:tcPr/>
+                </a:tc>
+                <a:tc>
+                  <a:txBody>
+                    <a:bodyPr/>
+                    <a:lstStyle/>
+                    <a:p>
+                      <a:r>
+                        <a:rPr lang="en-US" dirty="0"/>
+                        <a:t>5</a:t>
                       </a:r>
                     </a:p>
                   </a:txBody>
@@ -39551,6 +39900,19 @@
                   </a:txBody>
                   <a:tcPr/>
                 </a:tc>
+                <a:tc>
+                  <a:txBody>
+                    <a:bodyPr/>
+                    <a:lstStyle/>
+                    <a:p>
+                      <a:r>
+                        <a:rPr lang="en-US" dirty="0"/>
+                        <a:t>6</a:t>
+                      </a:r>
+                    </a:p>
+                  </a:txBody>
+                  <a:tcPr/>
+                </a:tc>
                 <a:extLst>
                   <a:ext uri="{0D108BD9-81ED-4DB2-BD59-A6C34878D82A}">
                     <a16:rowId xmlns:a16="http://schemas.microsoft.com/office/drawing/2014/main" val="351726747"/>
@@ -39592,6 +39954,19 @@
                   </a:txBody>
                   <a:tcPr/>
                 </a:tc>
+                <a:tc>
+                  <a:txBody>
+                    <a:bodyPr/>
+                    <a:lstStyle/>
+                    <a:p>
+                      <a:r>
+                        <a:rPr lang="en-US" dirty="0"/>
+                        <a:t>6</a:t>
+                      </a:r>
+                    </a:p>
+                  </a:txBody>
+                  <a:tcPr/>
+                </a:tc>
                 <a:extLst>
                   <a:ext uri="{0D108BD9-81ED-4DB2-BD59-A6C34878D82A}">
                     <a16:rowId xmlns:a16="http://schemas.microsoft.com/office/drawing/2014/main" val="2694972590"/>
@@ -39629,6 +40004,19 @@
                         <a:t>4.373</a:t>
                       </a:r>
                       <a:endParaRPr lang="en-US" dirty="0"/>
+                    </a:p>
+                  </a:txBody>
+                  <a:tcPr/>
+                </a:tc>
+                <a:tc>
+                  <a:txBody>
+                    <a:bodyPr/>
+                    <a:lstStyle/>
+                    <a:p>
+                      <a:r>
+                        <a:rPr lang="en-US" dirty="0"/>
+                        <a:t>6</a:t>
+                      </a:r>
                     </a:p>
                   </a:txBody>
                   <a:tcPr/>
@@ -39676,6 +40064,19 @@
                   </a:txBody>
                   <a:tcPr/>
                 </a:tc>
+                <a:tc>
+                  <a:txBody>
+                    <a:bodyPr/>
+                    <a:lstStyle/>
+                    <a:p>
+                      <a:r>
+                        <a:rPr lang="en-US" dirty="0"/>
+                        <a:t>6</a:t>
+                      </a:r>
+                    </a:p>
+                  </a:txBody>
+                  <a:tcPr/>
+                </a:tc>
                 <a:extLst>
                   <a:ext uri="{0D108BD9-81ED-4DB2-BD59-A6C34878D82A}">
                     <a16:rowId xmlns:a16="http://schemas.microsoft.com/office/drawing/2014/main" val="3121445676"/>
@@ -39712,6 +40113,23 @@
                           </a:solidFill>
                         </a:rPr>
                         <a:t>4.451</a:t>
+                      </a:r>
+                    </a:p>
+                  </a:txBody>
+                  <a:tcPr/>
+                </a:tc>
+                <a:tc>
+                  <a:txBody>
+                    <a:bodyPr/>
+                    <a:lstStyle/>
+                    <a:p>
+                      <a:r>
+                        <a:rPr lang="en-US" dirty="0">
+                          <a:solidFill>
+                            <a:srgbClr val="00B0F0"/>
+                          </a:solidFill>
+                        </a:rPr>
+                        <a:t>5</a:t>
                       </a:r>
                     </a:p>
                   </a:txBody>
@@ -39758,6 +40176,23 @@
                   </a:txBody>
                   <a:tcPr/>
                 </a:tc>
+                <a:tc>
+                  <a:txBody>
+                    <a:bodyPr/>
+                    <a:lstStyle/>
+                    <a:p>
+                      <a:r>
+                        <a:rPr lang="en-US" dirty="0">
+                          <a:solidFill>
+                            <a:srgbClr val="00B0F0"/>
+                          </a:solidFill>
+                        </a:rPr>
+                        <a:t>6</a:t>
+                      </a:r>
+                    </a:p>
+                  </a:txBody>
+                  <a:tcPr/>
+                </a:tc>
                 <a:extLst>
                   <a:ext uri="{0D108BD9-81ED-4DB2-BD59-A6C34878D82A}">
                     <a16:rowId xmlns:a16="http://schemas.microsoft.com/office/drawing/2014/main" val="1124989588"/>
@@ -39768,6 +40203,55 @@
           </a:graphicData>
         </a:graphic>
       </p:graphicFrame>
+      <p:sp>
+        <p:nvSpPr>
+          <p:cNvPr id="3" name="TextBox 2">
+            <a:extLst>
+              <a:ext uri="{FF2B5EF4-FFF2-40B4-BE49-F238E27FC236}">
+                <a16:creationId xmlns:a16="http://schemas.microsoft.com/office/drawing/2014/main" id="{487C0232-7BB4-40FF-97E3-859637ADFFE6}"/>
+              </a:ext>
+            </a:extLst>
+          </p:cNvPr>
+          <p:cNvSpPr txBox="1"/>
+          <p:nvPr/>
+        </p:nvSpPr>
+        <p:spPr>
+          <a:xfrm>
+            <a:off x="194345" y="1169376"/>
+            <a:ext cx="11603318" cy="646331"/>
+          </a:xfrm>
+          <a:prstGeom prst="rect">
+            <a:avLst/>
+          </a:prstGeom>
+          <a:noFill/>
+        </p:spPr>
+        <p:txBody>
+          <a:bodyPr wrap="square" rtlCol="0">
+            <a:spAutoFit/>
+          </a:bodyPr>
+          <a:lstStyle/>
+          <a:p>
+            <a:pPr marL="285750" indent="-285750">
+              <a:buFont typeface="Arial" panose="020B0604020202020204" pitchFamily="34" charset="0"/>
+              <a:buChar char="•"/>
+            </a:pPr>
+            <a:r>
+              <a:rPr lang="en-US" dirty="0"/>
+              <a:t>Our NN based strategy yielded competitive results compare to existing ,state of the art, policies</a:t>
+            </a:r>
+          </a:p>
+          <a:p>
+            <a:pPr marL="285750" indent="-285750">
+              <a:buFont typeface="Arial" panose="020B0604020202020204" pitchFamily="34" charset="0"/>
+              <a:buChar char="•"/>
+            </a:pPr>
+            <a:r>
+              <a:rPr lang="en-US" dirty="0"/>
+              <a:t>We were able to improve Knuth policy average score while maintaining its worst case  result </a:t>
+            </a:r>
+          </a:p>
+        </p:txBody>
+      </p:sp>
     </p:spTree>
     <p:extLst>
       <p:ext uri="{BB962C8B-B14F-4D97-AF65-F5344CB8AC3E}">
@@ -42693,7 +43177,7 @@
         <p:spPr>
           <a:xfrm>
             <a:off x="374614" y="615191"/>
-            <a:ext cx="9404722" cy="6771084"/>
+            <a:ext cx="9404722" cy="7017306"/>
           </a:xfrm>
           <a:prstGeom prst="rect">
             <a:avLst/>
@@ -42767,7 +43251,15 @@
           <a:p>
             <a:r>
               <a:rPr lang="en-US" sz="1600" dirty="0"/>
-              <a:t>The length of the longest list is the score of the guess.</a:t>
+              <a:t>The length of the </a:t>
+            </a:r>
+            <a:r>
+              <a:rPr lang="en-US" sz="1600" b="1" dirty="0"/>
+              <a:t>longest</a:t>
+            </a:r>
+            <a:r>
+              <a:rPr lang="en-US" sz="1600" dirty="0"/>
+              <a:t> list is the score of the guess.</a:t>
             </a:r>
           </a:p>
           <a:p>
@@ -42776,7 +43268,21 @@
           <a:p>
             <a:r>
               <a:rPr lang="en-US" sz="1600" dirty="0"/>
-              <a:t>Building a strategy tree out of Knuth  policy takes a while but it yields right a way a good result of 4.476  guesses on average to win. Shuffling the full list of guesses  randomly and rerunning it ,capturing the best result, yields  4.451 average guesses as the best result </a:t>
+              <a:t>Building a strategy tree out of Knuth  policy takes a while but it yields right a way a good result of 4.476  guesses on average to win. Shuffling the full list of guesses  randomly and rerunning it repeatedly  ,capturing the best result, yields  </a:t>
+            </a:r>
+            <a:r>
+              <a:rPr lang="en-US" sz="1600" b="1" dirty="0"/>
+              <a:t>4.451</a:t>
+            </a:r>
+            <a:r>
+              <a:rPr lang="en-US" sz="1600" dirty="0"/>
+              <a:t> average guesses as the best result</a:t>
+            </a:r>
+          </a:p>
+          <a:p>
+            <a:r>
+              <a:rPr lang="en-US" sz="1600" dirty="0"/>
+              <a:t> </a:t>
             </a:r>
           </a:p>
           <a:p>
@@ -42826,13 +43332,13 @@
           <p:nvPr>
             <p:extLst>
               <p:ext uri="{D42A27DB-BD31-4B8C-83A1-F6EECF244321}">
-                <p14:modId xmlns:p14="http://schemas.microsoft.com/office/powerpoint/2010/main" val="4280600420"/>
+                <p14:modId xmlns:p14="http://schemas.microsoft.com/office/powerpoint/2010/main" val="2885646399"/>
               </p:ext>
             </p:extLst>
           </p:nvPr>
         </p:nvGraphicFramePr>
         <p:xfrm>
-          <a:off x="374613" y="4756274"/>
+          <a:off x="236069" y="4833257"/>
           <a:ext cx="10021243" cy="2177143"/>
         </p:xfrm>
         <a:graphic>

--- a/ai_final_project_mastermind.pptx
+++ b/ai_final_project_mastermind.pptx
@@ -41025,8 +41025,8 @@
         </p:nvSpPr>
         <p:spPr>
           <a:xfrm>
-            <a:off x="194345" y="94478"/>
-            <a:ext cx="10551952" cy="1675599"/>
+            <a:off x="194344" y="94478"/>
+            <a:ext cx="12524129" cy="1097013"/>
           </a:xfrm>
           <a:prstGeom prst="rect">
             <a:avLst/>
@@ -41111,8 +41111,14 @@
           <a:p>
             <a:r>
               <a:rPr lang="en-US" dirty="0"/>
-              <a:t>  Previous works in playing Mastermind </a:t>
+              <a:t>  </a:t>
             </a:r>
+            <a:r>
+              <a:rPr lang="en-US" sz="3600" dirty="0"/>
+              <a:t>Previous works for Mastermind’s playing  strategies </a:t>
+            </a:r>
+          </a:p>
+          <a:p>
             <a:endParaRPr lang="en-US" sz="4000" dirty="0"/>
           </a:p>
         </p:txBody>
@@ -41131,7 +41137,7 @@
         </p:nvSpPr>
         <p:spPr>
           <a:xfrm>
-            <a:off x="434567" y="1204987"/>
+            <a:off x="259533" y="1311434"/>
             <a:ext cx="11932467" cy="3693319"/>
           </a:xfrm>
           <a:prstGeom prst="rect">

--- a/ai_final_project_mastermind.pptx
+++ b/ai_final_project_mastermind.pptx
@@ -5,7 +5,7 @@
     <p:sldMasterId id="2147483660" r:id="rId1"/>
   </p:sldMasterIdLst>
   <p:notesMasterIdLst>
-    <p:notesMasterId r:id="rId16"/>
+    <p:notesMasterId r:id="rId17"/>
   </p:notesMasterIdLst>
   <p:sldIdLst>
     <p:sldId id="256" r:id="rId2"/>
@@ -21,7 +21,8 @@
     <p:sldId id="271" r:id="rId12"/>
     <p:sldId id="272" r:id="rId13"/>
     <p:sldId id="273" r:id="rId14"/>
-    <p:sldId id="267" r:id="rId15"/>
+    <p:sldId id="274" r:id="rId15"/>
+    <p:sldId id="267" r:id="rId16"/>
   </p:sldIdLst>
   <p:sldSz cx="12192000" cy="6858000"/>
   <p:notesSz cx="6858000" cy="9144000"/>
@@ -192,8 +193,8 @@
         <c:manualLayout>
           <c:xMode val="edge"/>
           <c:yMode val="edge"/>
-          <c:x val="0.1446480023330417"/>
-          <c:y val="0"/>
+          <c:x val="0.14464802420218728"/>
+          <c:y val="1.7499998851706111E-2"/>
         </c:manualLayout>
       </c:layout>
       <c:overlay val="0"/>
@@ -27997,6 +27998,4585 @@
 </c:chartSpace>
 </file>
 
+<file path=ppt/charts/chart4.xml><?xml version="1.0" encoding="utf-8"?>
+<c:chartSpace xmlns:c="http://schemas.openxmlformats.org/drawingml/2006/chart" xmlns:a="http://schemas.openxmlformats.org/drawingml/2006/main" xmlns:r="http://schemas.openxmlformats.org/officeDocument/2006/relationships" xmlns:c16r2="http://schemas.microsoft.com/office/drawing/2015/06/chart">
+  <c:date1904 val="0"/>
+  <c:lang val="en-US"/>
+  <c:roundedCorners val="0"/>
+  <mc:AlternateContent xmlns:mc="http://schemas.openxmlformats.org/markup-compatibility/2006">
+    <mc:Choice xmlns:c14="http://schemas.microsoft.com/office/drawing/2007/8/2/chart" Requires="c14">
+      <c14:style val="102"/>
+    </mc:Choice>
+    <mc:Fallback>
+      <c:style val="2"/>
+    </mc:Fallback>
+  </mc:AlternateContent>
+  <c:chart>
+    <c:title>
+      <c:tx>
+        <c:rich>
+          <a:bodyPr rot="0" spcFirstLastPara="1" vertOverflow="ellipsis" vert="horz" wrap="square" anchor="ctr" anchorCtr="1"/>
+          <a:lstStyle/>
+          <a:p>
+            <a:pPr>
+              <a:defRPr sz="1400" b="0" i="0" u="none" strike="noStrike" kern="1200" spc="0" baseline="0">
+                <a:solidFill>
+                  <a:schemeClr val="tx1">
+                    <a:lumMod val="65000"/>
+                    <a:lumOff val="35000"/>
+                  </a:schemeClr>
+                </a:solidFill>
+                <a:latin typeface="+mn-lt"/>
+                <a:ea typeface="+mn-ea"/>
+                <a:cs typeface="+mn-cs"/>
+              </a:defRPr>
+            </a:pPr>
+            <a:r>
+              <a:rPr lang="en-US"/>
+              <a:t>NN strategy improvment over time 7</a:t>
+            </a:r>
+            <a:r>
+              <a:rPr lang="en-US" baseline="0"/>
+              <a:t> colors 4 slots</a:t>
+            </a:r>
+            <a:endParaRPr lang="en-US"/>
+          </a:p>
+        </c:rich>
+      </c:tx>
+      <c:overlay val="0"/>
+      <c:spPr>
+        <a:noFill/>
+        <a:ln>
+          <a:noFill/>
+        </a:ln>
+        <a:effectLst/>
+      </c:spPr>
+      <c:txPr>
+        <a:bodyPr rot="0" spcFirstLastPara="1" vertOverflow="ellipsis" vert="horz" wrap="square" anchor="ctr" anchorCtr="1"/>
+        <a:lstStyle/>
+        <a:p>
+          <a:pPr>
+            <a:defRPr sz="1400" b="0" i="0" u="none" strike="noStrike" kern="1200" spc="0" baseline="0">
+              <a:solidFill>
+                <a:schemeClr val="tx1">
+                  <a:lumMod val="65000"/>
+                  <a:lumOff val="35000"/>
+                </a:schemeClr>
+              </a:solidFill>
+              <a:latin typeface="+mn-lt"/>
+              <a:ea typeface="+mn-ea"/>
+              <a:cs typeface="+mn-cs"/>
+            </a:defRPr>
+          </a:pPr>
+          <a:endParaRPr lang="en-US"/>
+        </a:p>
+      </c:txPr>
+    </c:title>
+    <c:autoTitleDeleted val="0"/>
+    <c:plotArea>
+      <c:layout/>
+      <c:scatterChart>
+        <c:scatterStyle val="smoothMarker"/>
+        <c:varyColors val="0"/>
+        <c:ser>
+          <c:idx val="0"/>
+          <c:order val="0"/>
+          <c:spPr>
+            <a:ln w="19050" cap="rnd">
+              <a:solidFill>
+                <a:schemeClr val="accent1"/>
+              </a:solidFill>
+              <a:round/>
+            </a:ln>
+            <a:effectLst/>
+          </c:spPr>
+          <c:marker>
+            <c:symbol val="none"/>
+          </c:marker>
+          <c:xVal>
+            <c:numRef>
+              <c:f>Sheet2!$A$2:$A$696</c:f>
+              <c:numCache>
+                <c:formatCode>General</c:formatCode>
+                <c:ptCount val="695"/>
+                <c:pt idx="0">
+                  <c:v>1</c:v>
+                </c:pt>
+                <c:pt idx="1">
+                  <c:v>2</c:v>
+                </c:pt>
+                <c:pt idx="2">
+                  <c:v>3</c:v>
+                </c:pt>
+                <c:pt idx="3">
+                  <c:v>4</c:v>
+                </c:pt>
+                <c:pt idx="4">
+                  <c:v>5</c:v>
+                </c:pt>
+                <c:pt idx="5">
+                  <c:v>6</c:v>
+                </c:pt>
+                <c:pt idx="6">
+                  <c:v>7</c:v>
+                </c:pt>
+                <c:pt idx="7">
+                  <c:v>8</c:v>
+                </c:pt>
+                <c:pt idx="8">
+                  <c:v>9</c:v>
+                </c:pt>
+                <c:pt idx="9">
+                  <c:v>10</c:v>
+                </c:pt>
+                <c:pt idx="10">
+                  <c:v>11</c:v>
+                </c:pt>
+                <c:pt idx="11">
+                  <c:v>12</c:v>
+                </c:pt>
+                <c:pt idx="12">
+                  <c:v>13</c:v>
+                </c:pt>
+                <c:pt idx="13">
+                  <c:v>14</c:v>
+                </c:pt>
+                <c:pt idx="14">
+                  <c:v>15</c:v>
+                </c:pt>
+                <c:pt idx="15">
+                  <c:v>16</c:v>
+                </c:pt>
+                <c:pt idx="16">
+                  <c:v>17</c:v>
+                </c:pt>
+                <c:pt idx="17">
+                  <c:v>18</c:v>
+                </c:pt>
+                <c:pt idx="18">
+                  <c:v>19</c:v>
+                </c:pt>
+                <c:pt idx="19">
+                  <c:v>20</c:v>
+                </c:pt>
+                <c:pt idx="20">
+                  <c:v>21</c:v>
+                </c:pt>
+                <c:pt idx="21">
+                  <c:v>22</c:v>
+                </c:pt>
+                <c:pt idx="22">
+                  <c:v>23</c:v>
+                </c:pt>
+                <c:pt idx="23">
+                  <c:v>24</c:v>
+                </c:pt>
+                <c:pt idx="24">
+                  <c:v>25</c:v>
+                </c:pt>
+                <c:pt idx="25">
+                  <c:v>26</c:v>
+                </c:pt>
+                <c:pt idx="26">
+                  <c:v>27</c:v>
+                </c:pt>
+                <c:pt idx="27">
+                  <c:v>28</c:v>
+                </c:pt>
+                <c:pt idx="28">
+                  <c:v>29</c:v>
+                </c:pt>
+                <c:pt idx="29">
+                  <c:v>30</c:v>
+                </c:pt>
+                <c:pt idx="30">
+                  <c:v>31</c:v>
+                </c:pt>
+                <c:pt idx="31">
+                  <c:v>32</c:v>
+                </c:pt>
+                <c:pt idx="32">
+                  <c:v>33</c:v>
+                </c:pt>
+                <c:pt idx="33">
+                  <c:v>34</c:v>
+                </c:pt>
+                <c:pt idx="34">
+                  <c:v>35</c:v>
+                </c:pt>
+                <c:pt idx="35">
+                  <c:v>36</c:v>
+                </c:pt>
+                <c:pt idx="36">
+                  <c:v>37</c:v>
+                </c:pt>
+                <c:pt idx="37">
+                  <c:v>38</c:v>
+                </c:pt>
+                <c:pt idx="38">
+                  <c:v>39</c:v>
+                </c:pt>
+                <c:pt idx="39">
+                  <c:v>40</c:v>
+                </c:pt>
+                <c:pt idx="40">
+                  <c:v>41</c:v>
+                </c:pt>
+                <c:pt idx="41">
+                  <c:v>42</c:v>
+                </c:pt>
+                <c:pt idx="42">
+                  <c:v>43</c:v>
+                </c:pt>
+                <c:pt idx="43">
+                  <c:v>44</c:v>
+                </c:pt>
+                <c:pt idx="44">
+                  <c:v>45</c:v>
+                </c:pt>
+                <c:pt idx="45">
+                  <c:v>46</c:v>
+                </c:pt>
+                <c:pt idx="46">
+                  <c:v>47</c:v>
+                </c:pt>
+                <c:pt idx="47">
+                  <c:v>48</c:v>
+                </c:pt>
+                <c:pt idx="48">
+                  <c:v>49</c:v>
+                </c:pt>
+                <c:pt idx="49">
+                  <c:v>50</c:v>
+                </c:pt>
+                <c:pt idx="50">
+                  <c:v>51</c:v>
+                </c:pt>
+                <c:pt idx="51">
+                  <c:v>52</c:v>
+                </c:pt>
+                <c:pt idx="52">
+                  <c:v>53</c:v>
+                </c:pt>
+                <c:pt idx="53">
+                  <c:v>54</c:v>
+                </c:pt>
+                <c:pt idx="54">
+                  <c:v>55</c:v>
+                </c:pt>
+                <c:pt idx="55">
+                  <c:v>56</c:v>
+                </c:pt>
+                <c:pt idx="56">
+                  <c:v>57</c:v>
+                </c:pt>
+                <c:pt idx="57">
+                  <c:v>58</c:v>
+                </c:pt>
+                <c:pt idx="58">
+                  <c:v>59</c:v>
+                </c:pt>
+                <c:pt idx="59">
+                  <c:v>60</c:v>
+                </c:pt>
+                <c:pt idx="60">
+                  <c:v>61</c:v>
+                </c:pt>
+                <c:pt idx="61">
+                  <c:v>62</c:v>
+                </c:pt>
+                <c:pt idx="62">
+                  <c:v>63</c:v>
+                </c:pt>
+                <c:pt idx="63">
+                  <c:v>64</c:v>
+                </c:pt>
+                <c:pt idx="64">
+                  <c:v>65</c:v>
+                </c:pt>
+                <c:pt idx="65">
+                  <c:v>66</c:v>
+                </c:pt>
+                <c:pt idx="66">
+                  <c:v>67</c:v>
+                </c:pt>
+                <c:pt idx="67">
+                  <c:v>68</c:v>
+                </c:pt>
+                <c:pt idx="68">
+                  <c:v>69</c:v>
+                </c:pt>
+                <c:pt idx="69">
+                  <c:v>70</c:v>
+                </c:pt>
+                <c:pt idx="70">
+                  <c:v>71</c:v>
+                </c:pt>
+                <c:pt idx="71">
+                  <c:v>72</c:v>
+                </c:pt>
+                <c:pt idx="72">
+                  <c:v>73</c:v>
+                </c:pt>
+                <c:pt idx="73">
+                  <c:v>74</c:v>
+                </c:pt>
+                <c:pt idx="74">
+                  <c:v>75</c:v>
+                </c:pt>
+                <c:pt idx="75">
+                  <c:v>76</c:v>
+                </c:pt>
+                <c:pt idx="76">
+                  <c:v>77</c:v>
+                </c:pt>
+                <c:pt idx="77">
+                  <c:v>78</c:v>
+                </c:pt>
+                <c:pt idx="78">
+                  <c:v>79</c:v>
+                </c:pt>
+                <c:pt idx="79">
+                  <c:v>80</c:v>
+                </c:pt>
+                <c:pt idx="80">
+                  <c:v>81</c:v>
+                </c:pt>
+                <c:pt idx="81">
+                  <c:v>82</c:v>
+                </c:pt>
+                <c:pt idx="82">
+                  <c:v>83</c:v>
+                </c:pt>
+                <c:pt idx="83">
+                  <c:v>84</c:v>
+                </c:pt>
+                <c:pt idx="84">
+                  <c:v>85</c:v>
+                </c:pt>
+                <c:pt idx="85">
+                  <c:v>86</c:v>
+                </c:pt>
+                <c:pt idx="86">
+                  <c:v>87</c:v>
+                </c:pt>
+                <c:pt idx="87">
+                  <c:v>88</c:v>
+                </c:pt>
+                <c:pt idx="88">
+                  <c:v>89</c:v>
+                </c:pt>
+                <c:pt idx="89">
+                  <c:v>90</c:v>
+                </c:pt>
+                <c:pt idx="90">
+                  <c:v>91</c:v>
+                </c:pt>
+                <c:pt idx="91">
+                  <c:v>92</c:v>
+                </c:pt>
+                <c:pt idx="92">
+                  <c:v>93</c:v>
+                </c:pt>
+                <c:pt idx="93">
+                  <c:v>94</c:v>
+                </c:pt>
+                <c:pt idx="94">
+                  <c:v>95</c:v>
+                </c:pt>
+                <c:pt idx="95">
+                  <c:v>96</c:v>
+                </c:pt>
+                <c:pt idx="96">
+                  <c:v>97</c:v>
+                </c:pt>
+                <c:pt idx="97">
+                  <c:v>98</c:v>
+                </c:pt>
+                <c:pt idx="98">
+                  <c:v>99</c:v>
+                </c:pt>
+                <c:pt idx="99">
+                  <c:v>100</c:v>
+                </c:pt>
+                <c:pt idx="100">
+                  <c:v>101</c:v>
+                </c:pt>
+                <c:pt idx="101">
+                  <c:v>102</c:v>
+                </c:pt>
+                <c:pt idx="102">
+                  <c:v>103</c:v>
+                </c:pt>
+                <c:pt idx="103">
+                  <c:v>104</c:v>
+                </c:pt>
+                <c:pt idx="104">
+                  <c:v>105</c:v>
+                </c:pt>
+                <c:pt idx="105">
+                  <c:v>106</c:v>
+                </c:pt>
+                <c:pt idx="106">
+                  <c:v>107</c:v>
+                </c:pt>
+                <c:pt idx="107">
+                  <c:v>108</c:v>
+                </c:pt>
+                <c:pt idx="108">
+                  <c:v>109</c:v>
+                </c:pt>
+                <c:pt idx="109">
+                  <c:v>110</c:v>
+                </c:pt>
+                <c:pt idx="110">
+                  <c:v>111</c:v>
+                </c:pt>
+                <c:pt idx="111">
+                  <c:v>112</c:v>
+                </c:pt>
+                <c:pt idx="112">
+                  <c:v>113</c:v>
+                </c:pt>
+                <c:pt idx="113">
+                  <c:v>114</c:v>
+                </c:pt>
+                <c:pt idx="114">
+                  <c:v>115</c:v>
+                </c:pt>
+                <c:pt idx="115">
+                  <c:v>116</c:v>
+                </c:pt>
+                <c:pt idx="116">
+                  <c:v>117</c:v>
+                </c:pt>
+                <c:pt idx="117">
+                  <c:v>118</c:v>
+                </c:pt>
+                <c:pt idx="118">
+                  <c:v>119</c:v>
+                </c:pt>
+                <c:pt idx="119">
+                  <c:v>120</c:v>
+                </c:pt>
+                <c:pt idx="120">
+                  <c:v>121</c:v>
+                </c:pt>
+                <c:pt idx="121">
+                  <c:v>122</c:v>
+                </c:pt>
+                <c:pt idx="122">
+                  <c:v>123</c:v>
+                </c:pt>
+                <c:pt idx="123">
+                  <c:v>124</c:v>
+                </c:pt>
+                <c:pt idx="124">
+                  <c:v>125</c:v>
+                </c:pt>
+                <c:pt idx="125">
+                  <c:v>126</c:v>
+                </c:pt>
+                <c:pt idx="126">
+                  <c:v>127</c:v>
+                </c:pt>
+                <c:pt idx="127">
+                  <c:v>128</c:v>
+                </c:pt>
+                <c:pt idx="128">
+                  <c:v>129</c:v>
+                </c:pt>
+                <c:pt idx="129">
+                  <c:v>130</c:v>
+                </c:pt>
+                <c:pt idx="130">
+                  <c:v>131</c:v>
+                </c:pt>
+                <c:pt idx="131">
+                  <c:v>132</c:v>
+                </c:pt>
+                <c:pt idx="132">
+                  <c:v>133</c:v>
+                </c:pt>
+                <c:pt idx="133">
+                  <c:v>134</c:v>
+                </c:pt>
+                <c:pt idx="134">
+                  <c:v>135</c:v>
+                </c:pt>
+                <c:pt idx="135">
+                  <c:v>136</c:v>
+                </c:pt>
+                <c:pt idx="136">
+                  <c:v>137</c:v>
+                </c:pt>
+                <c:pt idx="137">
+                  <c:v>138</c:v>
+                </c:pt>
+                <c:pt idx="138">
+                  <c:v>139</c:v>
+                </c:pt>
+                <c:pt idx="139">
+                  <c:v>140</c:v>
+                </c:pt>
+                <c:pt idx="140">
+                  <c:v>141</c:v>
+                </c:pt>
+                <c:pt idx="141">
+                  <c:v>142</c:v>
+                </c:pt>
+                <c:pt idx="142">
+                  <c:v>143</c:v>
+                </c:pt>
+                <c:pt idx="143">
+                  <c:v>144</c:v>
+                </c:pt>
+                <c:pt idx="144">
+                  <c:v>145</c:v>
+                </c:pt>
+                <c:pt idx="145">
+                  <c:v>146</c:v>
+                </c:pt>
+                <c:pt idx="146">
+                  <c:v>147</c:v>
+                </c:pt>
+                <c:pt idx="147">
+                  <c:v>148</c:v>
+                </c:pt>
+                <c:pt idx="148">
+                  <c:v>149</c:v>
+                </c:pt>
+                <c:pt idx="149">
+                  <c:v>150</c:v>
+                </c:pt>
+                <c:pt idx="150">
+                  <c:v>151</c:v>
+                </c:pt>
+                <c:pt idx="151">
+                  <c:v>152</c:v>
+                </c:pt>
+                <c:pt idx="152">
+                  <c:v>153</c:v>
+                </c:pt>
+                <c:pt idx="153">
+                  <c:v>154</c:v>
+                </c:pt>
+                <c:pt idx="154">
+                  <c:v>155</c:v>
+                </c:pt>
+                <c:pt idx="155">
+                  <c:v>156</c:v>
+                </c:pt>
+                <c:pt idx="156">
+                  <c:v>157</c:v>
+                </c:pt>
+                <c:pt idx="157">
+                  <c:v>158</c:v>
+                </c:pt>
+                <c:pt idx="158">
+                  <c:v>159</c:v>
+                </c:pt>
+                <c:pt idx="159">
+                  <c:v>160</c:v>
+                </c:pt>
+                <c:pt idx="160">
+                  <c:v>161</c:v>
+                </c:pt>
+                <c:pt idx="161">
+                  <c:v>162</c:v>
+                </c:pt>
+                <c:pt idx="162">
+                  <c:v>163</c:v>
+                </c:pt>
+                <c:pt idx="163">
+                  <c:v>164</c:v>
+                </c:pt>
+                <c:pt idx="164">
+                  <c:v>165</c:v>
+                </c:pt>
+                <c:pt idx="165">
+                  <c:v>166</c:v>
+                </c:pt>
+                <c:pt idx="166">
+                  <c:v>167</c:v>
+                </c:pt>
+                <c:pt idx="167">
+                  <c:v>168</c:v>
+                </c:pt>
+                <c:pt idx="168">
+                  <c:v>169</c:v>
+                </c:pt>
+                <c:pt idx="169">
+                  <c:v>170</c:v>
+                </c:pt>
+                <c:pt idx="170">
+                  <c:v>171</c:v>
+                </c:pt>
+                <c:pt idx="171">
+                  <c:v>172</c:v>
+                </c:pt>
+                <c:pt idx="172">
+                  <c:v>173</c:v>
+                </c:pt>
+                <c:pt idx="173">
+                  <c:v>174</c:v>
+                </c:pt>
+                <c:pt idx="174">
+                  <c:v>175</c:v>
+                </c:pt>
+                <c:pt idx="175">
+                  <c:v>176</c:v>
+                </c:pt>
+                <c:pt idx="176">
+                  <c:v>177</c:v>
+                </c:pt>
+                <c:pt idx="177">
+                  <c:v>178</c:v>
+                </c:pt>
+                <c:pt idx="178">
+                  <c:v>179</c:v>
+                </c:pt>
+                <c:pt idx="179">
+                  <c:v>180</c:v>
+                </c:pt>
+                <c:pt idx="180">
+                  <c:v>181</c:v>
+                </c:pt>
+                <c:pt idx="181">
+                  <c:v>182</c:v>
+                </c:pt>
+                <c:pt idx="182">
+                  <c:v>183</c:v>
+                </c:pt>
+                <c:pt idx="183">
+                  <c:v>184</c:v>
+                </c:pt>
+                <c:pt idx="184">
+                  <c:v>185</c:v>
+                </c:pt>
+                <c:pt idx="185">
+                  <c:v>186</c:v>
+                </c:pt>
+                <c:pt idx="186">
+                  <c:v>187</c:v>
+                </c:pt>
+                <c:pt idx="187">
+                  <c:v>188</c:v>
+                </c:pt>
+                <c:pt idx="188">
+                  <c:v>189</c:v>
+                </c:pt>
+                <c:pt idx="189">
+                  <c:v>190</c:v>
+                </c:pt>
+                <c:pt idx="190">
+                  <c:v>191</c:v>
+                </c:pt>
+                <c:pt idx="191">
+                  <c:v>192</c:v>
+                </c:pt>
+                <c:pt idx="192">
+                  <c:v>193</c:v>
+                </c:pt>
+                <c:pt idx="193">
+                  <c:v>194</c:v>
+                </c:pt>
+                <c:pt idx="194">
+                  <c:v>195</c:v>
+                </c:pt>
+                <c:pt idx="195">
+                  <c:v>196</c:v>
+                </c:pt>
+                <c:pt idx="196">
+                  <c:v>197</c:v>
+                </c:pt>
+                <c:pt idx="197">
+                  <c:v>198</c:v>
+                </c:pt>
+                <c:pt idx="198">
+                  <c:v>199</c:v>
+                </c:pt>
+                <c:pt idx="199">
+                  <c:v>200</c:v>
+                </c:pt>
+                <c:pt idx="200">
+                  <c:v>201</c:v>
+                </c:pt>
+                <c:pt idx="201">
+                  <c:v>202</c:v>
+                </c:pt>
+                <c:pt idx="202">
+                  <c:v>203</c:v>
+                </c:pt>
+                <c:pt idx="203">
+                  <c:v>204</c:v>
+                </c:pt>
+                <c:pt idx="204">
+                  <c:v>205</c:v>
+                </c:pt>
+                <c:pt idx="205">
+                  <c:v>206</c:v>
+                </c:pt>
+                <c:pt idx="206">
+                  <c:v>207</c:v>
+                </c:pt>
+                <c:pt idx="207">
+                  <c:v>208</c:v>
+                </c:pt>
+                <c:pt idx="208">
+                  <c:v>209</c:v>
+                </c:pt>
+                <c:pt idx="209">
+                  <c:v>210</c:v>
+                </c:pt>
+                <c:pt idx="210">
+                  <c:v>211</c:v>
+                </c:pt>
+                <c:pt idx="211">
+                  <c:v>212</c:v>
+                </c:pt>
+                <c:pt idx="212">
+                  <c:v>213</c:v>
+                </c:pt>
+                <c:pt idx="213">
+                  <c:v>214</c:v>
+                </c:pt>
+                <c:pt idx="214">
+                  <c:v>215</c:v>
+                </c:pt>
+                <c:pt idx="215">
+                  <c:v>216</c:v>
+                </c:pt>
+                <c:pt idx="216">
+                  <c:v>217</c:v>
+                </c:pt>
+                <c:pt idx="217">
+                  <c:v>218</c:v>
+                </c:pt>
+                <c:pt idx="218">
+                  <c:v>219</c:v>
+                </c:pt>
+                <c:pt idx="219">
+                  <c:v>220</c:v>
+                </c:pt>
+                <c:pt idx="220">
+                  <c:v>221</c:v>
+                </c:pt>
+                <c:pt idx="221">
+                  <c:v>222</c:v>
+                </c:pt>
+                <c:pt idx="222">
+                  <c:v>223</c:v>
+                </c:pt>
+                <c:pt idx="223">
+                  <c:v>224</c:v>
+                </c:pt>
+                <c:pt idx="224">
+                  <c:v>225</c:v>
+                </c:pt>
+                <c:pt idx="225">
+                  <c:v>226</c:v>
+                </c:pt>
+                <c:pt idx="226">
+                  <c:v>227</c:v>
+                </c:pt>
+                <c:pt idx="227">
+                  <c:v>228</c:v>
+                </c:pt>
+                <c:pt idx="228">
+                  <c:v>229</c:v>
+                </c:pt>
+                <c:pt idx="229">
+                  <c:v>230</c:v>
+                </c:pt>
+                <c:pt idx="230">
+                  <c:v>231</c:v>
+                </c:pt>
+                <c:pt idx="231">
+                  <c:v>232</c:v>
+                </c:pt>
+                <c:pt idx="232">
+                  <c:v>233</c:v>
+                </c:pt>
+                <c:pt idx="233">
+                  <c:v>234</c:v>
+                </c:pt>
+                <c:pt idx="234">
+                  <c:v>235</c:v>
+                </c:pt>
+                <c:pt idx="235">
+                  <c:v>236</c:v>
+                </c:pt>
+                <c:pt idx="236">
+                  <c:v>237</c:v>
+                </c:pt>
+                <c:pt idx="237">
+                  <c:v>238</c:v>
+                </c:pt>
+                <c:pt idx="238">
+                  <c:v>239</c:v>
+                </c:pt>
+                <c:pt idx="239">
+                  <c:v>240</c:v>
+                </c:pt>
+                <c:pt idx="240">
+                  <c:v>241</c:v>
+                </c:pt>
+                <c:pt idx="241">
+                  <c:v>242</c:v>
+                </c:pt>
+                <c:pt idx="242">
+                  <c:v>243</c:v>
+                </c:pt>
+                <c:pt idx="243">
+                  <c:v>244</c:v>
+                </c:pt>
+                <c:pt idx="244">
+                  <c:v>245</c:v>
+                </c:pt>
+                <c:pt idx="245">
+                  <c:v>246</c:v>
+                </c:pt>
+                <c:pt idx="246">
+                  <c:v>247</c:v>
+                </c:pt>
+                <c:pt idx="247">
+                  <c:v>248</c:v>
+                </c:pt>
+                <c:pt idx="248">
+                  <c:v>249</c:v>
+                </c:pt>
+                <c:pt idx="249">
+                  <c:v>250</c:v>
+                </c:pt>
+                <c:pt idx="250">
+                  <c:v>251</c:v>
+                </c:pt>
+                <c:pt idx="251">
+                  <c:v>252</c:v>
+                </c:pt>
+                <c:pt idx="252">
+                  <c:v>253</c:v>
+                </c:pt>
+                <c:pt idx="253">
+                  <c:v>254</c:v>
+                </c:pt>
+                <c:pt idx="254">
+                  <c:v>255</c:v>
+                </c:pt>
+                <c:pt idx="255">
+                  <c:v>256</c:v>
+                </c:pt>
+                <c:pt idx="256">
+                  <c:v>257</c:v>
+                </c:pt>
+                <c:pt idx="257">
+                  <c:v>258</c:v>
+                </c:pt>
+                <c:pt idx="258">
+                  <c:v>259</c:v>
+                </c:pt>
+                <c:pt idx="259">
+                  <c:v>260</c:v>
+                </c:pt>
+                <c:pt idx="260">
+                  <c:v>261</c:v>
+                </c:pt>
+                <c:pt idx="261">
+                  <c:v>262</c:v>
+                </c:pt>
+                <c:pt idx="262">
+                  <c:v>263</c:v>
+                </c:pt>
+                <c:pt idx="263">
+                  <c:v>264</c:v>
+                </c:pt>
+                <c:pt idx="264">
+                  <c:v>265</c:v>
+                </c:pt>
+                <c:pt idx="265">
+                  <c:v>266</c:v>
+                </c:pt>
+                <c:pt idx="266">
+                  <c:v>267</c:v>
+                </c:pt>
+                <c:pt idx="267">
+                  <c:v>268</c:v>
+                </c:pt>
+                <c:pt idx="268">
+                  <c:v>269</c:v>
+                </c:pt>
+                <c:pt idx="269">
+                  <c:v>270</c:v>
+                </c:pt>
+                <c:pt idx="270">
+                  <c:v>271</c:v>
+                </c:pt>
+                <c:pt idx="271">
+                  <c:v>272</c:v>
+                </c:pt>
+                <c:pt idx="272">
+                  <c:v>273</c:v>
+                </c:pt>
+                <c:pt idx="273">
+                  <c:v>274</c:v>
+                </c:pt>
+                <c:pt idx="274">
+                  <c:v>275</c:v>
+                </c:pt>
+                <c:pt idx="275">
+                  <c:v>276</c:v>
+                </c:pt>
+                <c:pt idx="276">
+                  <c:v>277</c:v>
+                </c:pt>
+                <c:pt idx="277">
+                  <c:v>278</c:v>
+                </c:pt>
+                <c:pt idx="278">
+                  <c:v>279</c:v>
+                </c:pt>
+                <c:pt idx="279">
+                  <c:v>280</c:v>
+                </c:pt>
+                <c:pt idx="280">
+                  <c:v>281</c:v>
+                </c:pt>
+                <c:pt idx="281">
+                  <c:v>282</c:v>
+                </c:pt>
+                <c:pt idx="282">
+                  <c:v>283</c:v>
+                </c:pt>
+                <c:pt idx="283">
+                  <c:v>284</c:v>
+                </c:pt>
+                <c:pt idx="284">
+                  <c:v>285</c:v>
+                </c:pt>
+                <c:pt idx="285">
+                  <c:v>286</c:v>
+                </c:pt>
+                <c:pt idx="286">
+                  <c:v>287</c:v>
+                </c:pt>
+                <c:pt idx="287">
+                  <c:v>288</c:v>
+                </c:pt>
+                <c:pt idx="288">
+                  <c:v>289</c:v>
+                </c:pt>
+                <c:pt idx="289">
+                  <c:v>290</c:v>
+                </c:pt>
+                <c:pt idx="290">
+                  <c:v>291</c:v>
+                </c:pt>
+                <c:pt idx="291">
+                  <c:v>292</c:v>
+                </c:pt>
+                <c:pt idx="292">
+                  <c:v>293</c:v>
+                </c:pt>
+                <c:pt idx="293">
+                  <c:v>294</c:v>
+                </c:pt>
+                <c:pt idx="294">
+                  <c:v>295</c:v>
+                </c:pt>
+                <c:pt idx="295">
+                  <c:v>296</c:v>
+                </c:pt>
+                <c:pt idx="296">
+                  <c:v>297</c:v>
+                </c:pt>
+                <c:pt idx="297">
+                  <c:v>298</c:v>
+                </c:pt>
+                <c:pt idx="298">
+                  <c:v>299</c:v>
+                </c:pt>
+                <c:pt idx="299">
+                  <c:v>300</c:v>
+                </c:pt>
+                <c:pt idx="300">
+                  <c:v>301</c:v>
+                </c:pt>
+                <c:pt idx="301">
+                  <c:v>302</c:v>
+                </c:pt>
+                <c:pt idx="302">
+                  <c:v>303</c:v>
+                </c:pt>
+                <c:pt idx="303">
+                  <c:v>304</c:v>
+                </c:pt>
+                <c:pt idx="304">
+                  <c:v>305</c:v>
+                </c:pt>
+                <c:pt idx="305">
+                  <c:v>306</c:v>
+                </c:pt>
+                <c:pt idx="306">
+                  <c:v>307</c:v>
+                </c:pt>
+                <c:pt idx="307">
+                  <c:v>308</c:v>
+                </c:pt>
+                <c:pt idx="308">
+                  <c:v>309</c:v>
+                </c:pt>
+                <c:pt idx="309">
+                  <c:v>310</c:v>
+                </c:pt>
+                <c:pt idx="310">
+                  <c:v>311</c:v>
+                </c:pt>
+                <c:pt idx="311">
+                  <c:v>312</c:v>
+                </c:pt>
+                <c:pt idx="312">
+                  <c:v>313</c:v>
+                </c:pt>
+                <c:pt idx="313">
+                  <c:v>314</c:v>
+                </c:pt>
+                <c:pt idx="314">
+                  <c:v>315</c:v>
+                </c:pt>
+                <c:pt idx="315">
+                  <c:v>316</c:v>
+                </c:pt>
+                <c:pt idx="316">
+                  <c:v>317</c:v>
+                </c:pt>
+                <c:pt idx="317">
+                  <c:v>318</c:v>
+                </c:pt>
+                <c:pt idx="318">
+                  <c:v>319</c:v>
+                </c:pt>
+                <c:pt idx="319">
+                  <c:v>320</c:v>
+                </c:pt>
+                <c:pt idx="320">
+                  <c:v>321</c:v>
+                </c:pt>
+                <c:pt idx="321">
+                  <c:v>322</c:v>
+                </c:pt>
+                <c:pt idx="322">
+                  <c:v>323</c:v>
+                </c:pt>
+                <c:pt idx="323">
+                  <c:v>324</c:v>
+                </c:pt>
+                <c:pt idx="324">
+                  <c:v>325</c:v>
+                </c:pt>
+                <c:pt idx="325">
+                  <c:v>326</c:v>
+                </c:pt>
+                <c:pt idx="326">
+                  <c:v>327</c:v>
+                </c:pt>
+                <c:pt idx="327">
+                  <c:v>328</c:v>
+                </c:pt>
+                <c:pt idx="328">
+                  <c:v>329</c:v>
+                </c:pt>
+                <c:pt idx="329">
+                  <c:v>330</c:v>
+                </c:pt>
+                <c:pt idx="330">
+                  <c:v>331</c:v>
+                </c:pt>
+                <c:pt idx="331">
+                  <c:v>332</c:v>
+                </c:pt>
+                <c:pt idx="332">
+                  <c:v>333</c:v>
+                </c:pt>
+                <c:pt idx="333">
+                  <c:v>334</c:v>
+                </c:pt>
+                <c:pt idx="334">
+                  <c:v>335</c:v>
+                </c:pt>
+                <c:pt idx="335">
+                  <c:v>336</c:v>
+                </c:pt>
+                <c:pt idx="336">
+                  <c:v>337</c:v>
+                </c:pt>
+                <c:pt idx="337">
+                  <c:v>338</c:v>
+                </c:pt>
+                <c:pt idx="338">
+                  <c:v>339</c:v>
+                </c:pt>
+                <c:pt idx="339">
+                  <c:v>340</c:v>
+                </c:pt>
+                <c:pt idx="340">
+                  <c:v>341</c:v>
+                </c:pt>
+                <c:pt idx="341">
+                  <c:v>342</c:v>
+                </c:pt>
+                <c:pt idx="342">
+                  <c:v>343</c:v>
+                </c:pt>
+                <c:pt idx="343">
+                  <c:v>344</c:v>
+                </c:pt>
+                <c:pt idx="344">
+                  <c:v>345</c:v>
+                </c:pt>
+                <c:pt idx="345">
+                  <c:v>346</c:v>
+                </c:pt>
+                <c:pt idx="346">
+                  <c:v>347</c:v>
+                </c:pt>
+                <c:pt idx="347">
+                  <c:v>348</c:v>
+                </c:pt>
+                <c:pt idx="348">
+                  <c:v>349</c:v>
+                </c:pt>
+                <c:pt idx="349">
+                  <c:v>350</c:v>
+                </c:pt>
+                <c:pt idx="350">
+                  <c:v>351</c:v>
+                </c:pt>
+                <c:pt idx="351">
+                  <c:v>352</c:v>
+                </c:pt>
+                <c:pt idx="352">
+                  <c:v>353</c:v>
+                </c:pt>
+                <c:pt idx="353">
+                  <c:v>354</c:v>
+                </c:pt>
+                <c:pt idx="354">
+                  <c:v>355</c:v>
+                </c:pt>
+                <c:pt idx="355">
+                  <c:v>356</c:v>
+                </c:pt>
+                <c:pt idx="356">
+                  <c:v>357</c:v>
+                </c:pt>
+                <c:pt idx="357">
+                  <c:v>358</c:v>
+                </c:pt>
+                <c:pt idx="358">
+                  <c:v>359</c:v>
+                </c:pt>
+                <c:pt idx="359">
+                  <c:v>360</c:v>
+                </c:pt>
+                <c:pt idx="360">
+                  <c:v>361</c:v>
+                </c:pt>
+                <c:pt idx="361">
+                  <c:v>362</c:v>
+                </c:pt>
+                <c:pt idx="362">
+                  <c:v>363</c:v>
+                </c:pt>
+                <c:pt idx="363">
+                  <c:v>364</c:v>
+                </c:pt>
+                <c:pt idx="364">
+                  <c:v>365</c:v>
+                </c:pt>
+                <c:pt idx="365">
+                  <c:v>366</c:v>
+                </c:pt>
+                <c:pt idx="366">
+                  <c:v>367</c:v>
+                </c:pt>
+                <c:pt idx="367">
+                  <c:v>368</c:v>
+                </c:pt>
+                <c:pt idx="368">
+                  <c:v>369</c:v>
+                </c:pt>
+                <c:pt idx="369">
+                  <c:v>370</c:v>
+                </c:pt>
+                <c:pt idx="370">
+                  <c:v>371</c:v>
+                </c:pt>
+                <c:pt idx="371">
+                  <c:v>372</c:v>
+                </c:pt>
+                <c:pt idx="372">
+                  <c:v>373</c:v>
+                </c:pt>
+                <c:pt idx="373">
+                  <c:v>374</c:v>
+                </c:pt>
+                <c:pt idx="374">
+                  <c:v>375</c:v>
+                </c:pt>
+                <c:pt idx="375">
+                  <c:v>376</c:v>
+                </c:pt>
+                <c:pt idx="376">
+                  <c:v>377</c:v>
+                </c:pt>
+                <c:pt idx="377">
+                  <c:v>378</c:v>
+                </c:pt>
+                <c:pt idx="378">
+                  <c:v>379</c:v>
+                </c:pt>
+                <c:pt idx="379">
+                  <c:v>380</c:v>
+                </c:pt>
+                <c:pt idx="380">
+                  <c:v>381</c:v>
+                </c:pt>
+                <c:pt idx="381">
+                  <c:v>382</c:v>
+                </c:pt>
+                <c:pt idx="382">
+                  <c:v>383</c:v>
+                </c:pt>
+                <c:pt idx="383">
+                  <c:v>384</c:v>
+                </c:pt>
+                <c:pt idx="384">
+                  <c:v>385</c:v>
+                </c:pt>
+                <c:pt idx="385">
+                  <c:v>386</c:v>
+                </c:pt>
+                <c:pt idx="386">
+                  <c:v>387</c:v>
+                </c:pt>
+                <c:pt idx="387">
+                  <c:v>388</c:v>
+                </c:pt>
+                <c:pt idx="388">
+                  <c:v>389</c:v>
+                </c:pt>
+                <c:pt idx="389">
+                  <c:v>390</c:v>
+                </c:pt>
+                <c:pt idx="390">
+                  <c:v>391</c:v>
+                </c:pt>
+                <c:pt idx="391">
+                  <c:v>392</c:v>
+                </c:pt>
+                <c:pt idx="392">
+                  <c:v>393</c:v>
+                </c:pt>
+                <c:pt idx="393">
+                  <c:v>394</c:v>
+                </c:pt>
+                <c:pt idx="394">
+                  <c:v>395</c:v>
+                </c:pt>
+                <c:pt idx="395">
+                  <c:v>396</c:v>
+                </c:pt>
+                <c:pt idx="396">
+                  <c:v>397</c:v>
+                </c:pt>
+                <c:pt idx="397">
+                  <c:v>398</c:v>
+                </c:pt>
+                <c:pt idx="398">
+                  <c:v>399</c:v>
+                </c:pt>
+                <c:pt idx="399">
+                  <c:v>400</c:v>
+                </c:pt>
+                <c:pt idx="400">
+                  <c:v>401</c:v>
+                </c:pt>
+                <c:pt idx="401">
+                  <c:v>402</c:v>
+                </c:pt>
+                <c:pt idx="402">
+                  <c:v>403</c:v>
+                </c:pt>
+                <c:pt idx="403">
+                  <c:v>404</c:v>
+                </c:pt>
+                <c:pt idx="404">
+                  <c:v>405</c:v>
+                </c:pt>
+                <c:pt idx="405">
+                  <c:v>406</c:v>
+                </c:pt>
+                <c:pt idx="406">
+                  <c:v>407</c:v>
+                </c:pt>
+                <c:pt idx="407">
+                  <c:v>408</c:v>
+                </c:pt>
+                <c:pt idx="408">
+                  <c:v>409</c:v>
+                </c:pt>
+                <c:pt idx="409">
+                  <c:v>410</c:v>
+                </c:pt>
+                <c:pt idx="410">
+                  <c:v>411</c:v>
+                </c:pt>
+                <c:pt idx="411">
+                  <c:v>412</c:v>
+                </c:pt>
+                <c:pt idx="412">
+                  <c:v>413</c:v>
+                </c:pt>
+                <c:pt idx="413">
+                  <c:v>414</c:v>
+                </c:pt>
+                <c:pt idx="414">
+                  <c:v>415</c:v>
+                </c:pt>
+                <c:pt idx="415">
+                  <c:v>416</c:v>
+                </c:pt>
+                <c:pt idx="416">
+                  <c:v>417</c:v>
+                </c:pt>
+                <c:pt idx="417">
+                  <c:v>418</c:v>
+                </c:pt>
+                <c:pt idx="418">
+                  <c:v>419</c:v>
+                </c:pt>
+                <c:pt idx="419">
+                  <c:v>420</c:v>
+                </c:pt>
+                <c:pt idx="420">
+                  <c:v>421</c:v>
+                </c:pt>
+                <c:pt idx="421">
+                  <c:v>422</c:v>
+                </c:pt>
+                <c:pt idx="422">
+                  <c:v>423</c:v>
+                </c:pt>
+                <c:pt idx="423">
+                  <c:v>424</c:v>
+                </c:pt>
+                <c:pt idx="424">
+                  <c:v>425</c:v>
+                </c:pt>
+                <c:pt idx="425">
+                  <c:v>426</c:v>
+                </c:pt>
+                <c:pt idx="426">
+                  <c:v>427</c:v>
+                </c:pt>
+                <c:pt idx="427">
+                  <c:v>428</c:v>
+                </c:pt>
+                <c:pt idx="428">
+                  <c:v>429</c:v>
+                </c:pt>
+                <c:pt idx="429">
+                  <c:v>430</c:v>
+                </c:pt>
+                <c:pt idx="430">
+                  <c:v>431</c:v>
+                </c:pt>
+                <c:pt idx="431">
+                  <c:v>432</c:v>
+                </c:pt>
+                <c:pt idx="432">
+                  <c:v>433</c:v>
+                </c:pt>
+                <c:pt idx="433">
+                  <c:v>434</c:v>
+                </c:pt>
+                <c:pt idx="434">
+                  <c:v>435</c:v>
+                </c:pt>
+                <c:pt idx="435">
+                  <c:v>436</c:v>
+                </c:pt>
+                <c:pt idx="436">
+                  <c:v>437</c:v>
+                </c:pt>
+                <c:pt idx="437">
+                  <c:v>438</c:v>
+                </c:pt>
+                <c:pt idx="438">
+                  <c:v>439</c:v>
+                </c:pt>
+                <c:pt idx="439">
+                  <c:v>440</c:v>
+                </c:pt>
+                <c:pt idx="440">
+                  <c:v>441</c:v>
+                </c:pt>
+                <c:pt idx="441">
+                  <c:v>442</c:v>
+                </c:pt>
+                <c:pt idx="442">
+                  <c:v>443</c:v>
+                </c:pt>
+                <c:pt idx="443">
+                  <c:v>444</c:v>
+                </c:pt>
+                <c:pt idx="444">
+                  <c:v>445</c:v>
+                </c:pt>
+                <c:pt idx="445">
+                  <c:v>446</c:v>
+                </c:pt>
+                <c:pt idx="446">
+                  <c:v>447</c:v>
+                </c:pt>
+                <c:pt idx="447">
+                  <c:v>448</c:v>
+                </c:pt>
+                <c:pt idx="448">
+                  <c:v>449</c:v>
+                </c:pt>
+                <c:pt idx="449">
+                  <c:v>450</c:v>
+                </c:pt>
+                <c:pt idx="450">
+                  <c:v>451</c:v>
+                </c:pt>
+                <c:pt idx="451">
+                  <c:v>452</c:v>
+                </c:pt>
+                <c:pt idx="452">
+                  <c:v>453</c:v>
+                </c:pt>
+                <c:pt idx="453">
+                  <c:v>454</c:v>
+                </c:pt>
+                <c:pt idx="454">
+                  <c:v>455</c:v>
+                </c:pt>
+                <c:pt idx="455">
+                  <c:v>456</c:v>
+                </c:pt>
+                <c:pt idx="456">
+                  <c:v>457</c:v>
+                </c:pt>
+                <c:pt idx="457">
+                  <c:v>458</c:v>
+                </c:pt>
+                <c:pt idx="458">
+                  <c:v>459</c:v>
+                </c:pt>
+                <c:pt idx="459">
+                  <c:v>460</c:v>
+                </c:pt>
+                <c:pt idx="460">
+                  <c:v>461</c:v>
+                </c:pt>
+                <c:pt idx="461">
+                  <c:v>462</c:v>
+                </c:pt>
+                <c:pt idx="462">
+                  <c:v>463</c:v>
+                </c:pt>
+                <c:pt idx="463">
+                  <c:v>464</c:v>
+                </c:pt>
+                <c:pt idx="464">
+                  <c:v>465</c:v>
+                </c:pt>
+                <c:pt idx="465">
+                  <c:v>466</c:v>
+                </c:pt>
+                <c:pt idx="466">
+                  <c:v>467</c:v>
+                </c:pt>
+                <c:pt idx="467">
+                  <c:v>468</c:v>
+                </c:pt>
+                <c:pt idx="468">
+                  <c:v>469</c:v>
+                </c:pt>
+                <c:pt idx="469">
+                  <c:v>470</c:v>
+                </c:pt>
+                <c:pt idx="470">
+                  <c:v>471</c:v>
+                </c:pt>
+                <c:pt idx="471">
+                  <c:v>472</c:v>
+                </c:pt>
+                <c:pt idx="472">
+                  <c:v>473</c:v>
+                </c:pt>
+                <c:pt idx="473">
+                  <c:v>474</c:v>
+                </c:pt>
+                <c:pt idx="474">
+                  <c:v>475</c:v>
+                </c:pt>
+                <c:pt idx="475">
+                  <c:v>476</c:v>
+                </c:pt>
+                <c:pt idx="476">
+                  <c:v>477</c:v>
+                </c:pt>
+                <c:pt idx="477">
+                  <c:v>478</c:v>
+                </c:pt>
+                <c:pt idx="478">
+                  <c:v>479</c:v>
+                </c:pt>
+                <c:pt idx="479">
+                  <c:v>480</c:v>
+                </c:pt>
+                <c:pt idx="480">
+                  <c:v>481</c:v>
+                </c:pt>
+                <c:pt idx="481">
+                  <c:v>482</c:v>
+                </c:pt>
+                <c:pt idx="482">
+                  <c:v>483</c:v>
+                </c:pt>
+                <c:pt idx="483">
+                  <c:v>484</c:v>
+                </c:pt>
+                <c:pt idx="484">
+                  <c:v>485</c:v>
+                </c:pt>
+                <c:pt idx="485">
+                  <c:v>486</c:v>
+                </c:pt>
+                <c:pt idx="486">
+                  <c:v>487</c:v>
+                </c:pt>
+                <c:pt idx="487">
+                  <c:v>488</c:v>
+                </c:pt>
+                <c:pt idx="488">
+                  <c:v>489</c:v>
+                </c:pt>
+                <c:pt idx="489">
+                  <c:v>490</c:v>
+                </c:pt>
+                <c:pt idx="490">
+                  <c:v>491</c:v>
+                </c:pt>
+                <c:pt idx="491">
+                  <c:v>492</c:v>
+                </c:pt>
+                <c:pt idx="492">
+                  <c:v>493</c:v>
+                </c:pt>
+                <c:pt idx="493">
+                  <c:v>494</c:v>
+                </c:pt>
+                <c:pt idx="494">
+                  <c:v>495</c:v>
+                </c:pt>
+                <c:pt idx="495">
+                  <c:v>496</c:v>
+                </c:pt>
+                <c:pt idx="496">
+                  <c:v>497</c:v>
+                </c:pt>
+                <c:pt idx="497">
+                  <c:v>498</c:v>
+                </c:pt>
+                <c:pt idx="498">
+                  <c:v>499</c:v>
+                </c:pt>
+                <c:pt idx="499">
+                  <c:v>500</c:v>
+                </c:pt>
+                <c:pt idx="500">
+                  <c:v>501</c:v>
+                </c:pt>
+                <c:pt idx="501">
+                  <c:v>502</c:v>
+                </c:pt>
+                <c:pt idx="502">
+                  <c:v>503</c:v>
+                </c:pt>
+                <c:pt idx="503">
+                  <c:v>504</c:v>
+                </c:pt>
+                <c:pt idx="504">
+                  <c:v>505</c:v>
+                </c:pt>
+                <c:pt idx="505">
+                  <c:v>506</c:v>
+                </c:pt>
+                <c:pt idx="506">
+                  <c:v>507</c:v>
+                </c:pt>
+                <c:pt idx="507">
+                  <c:v>508</c:v>
+                </c:pt>
+                <c:pt idx="508">
+                  <c:v>509</c:v>
+                </c:pt>
+                <c:pt idx="509">
+                  <c:v>510</c:v>
+                </c:pt>
+                <c:pt idx="510">
+                  <c:v>511</c:v>
+                </c:pt>
+                <c:pt idx="511">
+                  <c:v>512</c:v>
+                </c:pt>
+                <c:pt idx="512">
+                  <c:v>513</c:v>
+                </c:pt>
+                <c:pt idx="513">
+                  <c:v>514</c:v>
+                </c:pt>
+                <c:pt idx="514">
+                  <c:v>515</c:v>
+                </c:pt>
+                <c:pt idx="515">
+                  <c:v>516</c:v>
+                </c:pt>
+                <c:pt idx="516">
+                  <c:v>517</c:v>
+                </c:pt>
+                <c:pt idx="517">
+                  <c:v>518</c:v>
+                </c:pt>
+                <c:pt idx="518">
+                  <c:v>519</c:v>
+                </c:pt>
+                <c:pt idx="519">
+                  <c:v>520</c:v>
+                </c:pt>
+                <c:pt idx="520">
+                  <c:v>521</c:v>
+                </c:pt>
+                <c:pt idx="521">
+                  <c:v>522</c:v>
+                </c:pt>
+                <c:pt idx="522">
+                  <c:v>523</c:v>
+                </c:pt>
+                <c:pt idx="523">
+                  <c:v>524</c:v>
+                </c:pt>
+                <c:pt idx="524">
+                  <c:v>525</c:v>
+                </c:pt>
+                <c:pt idx="525">
+                  <c:v>526</c:v>
+                </c:pt>
+                <c:pt idx="526">
+                  <c:v>527</c:v>
+                </c:pt>
+                <c:pt idx="527">
+                  <c:v>528</c:v>
+                </c:pt>
+                <c:pt idx="528">
+                  <c:v>529</c:v>
+                </c:pt>
+                <c:pt idx="529">
+                  <c:v>530</c:v>
+                </c:pt>
+                <c:pt idx="530">
+                  <c:v>531</c:v>
+                </c:pt>
+                <c:pt idx="531">
+                  <c:v>532</c:v>
+                </c:pt>
+                <c:pt idx="532">
+                  <c:v>533</c:v>
+                </c:pt>
+                <c:pt idx="533">
+                  <c:v>534</c:v>
+                </c:pt>
+                <c:pt idx="534">
+                  <c:v>535</c:v>
+                </c:pt>
+                <c:pt idx="535">
+                  <c:v>536</c:v>
+                </c:pt>
+                <c:pt idx="536">
+                  <c:v>537</c:v>
+                </c:pt>
+                <c:pt idx="537">
+                  <c:v>538</c:v>
+                </c:pt>
+                <c:pt idx="538">
+                  <c:v>539</c:v>
+                </c:pt>
+                <c:pt idx="539">
+                  <c:v>540</c:v>
+                </c:pt>
+                <c:pt idx="540">
+                  <c:v>541</c:v>
+                </c:pt>
+                <c:pt idx="541">
+                  <c:v>542</c:v>
+                </c:pt>
+                <c:pt idx="542">
+                  <c:v>543</c:v>
+                </c:pt>
+                <c:pt idx="543">
+                  <c:v>544</c:v>
+                </c:pt>
+                <c:pt idx="544">
+                  <c:v>545</c:v>
+                </c:pt>
+                <c:pt idx="545">
+                  <c:v>546</c:v>
+                </c:pt>
+                <c:pt idx="546">
+                  <c:v>547</c:v>
+                </c:pt>
+                <c:pt idx="547">
+                  <c:v>548</c:v>
+                </c:pt>
+                <c:pt idx="548">
+                  <c:v>549</c:v>
+                </c:pt>
+                <c:pt idx="549">
+                  <c:v>550</c:v>
+                </c:pt>
+                <c:pt idx="550">
+                  <c:v>551</c:v>
+                </c:pt>
+                <c:pt idx="551">
+                  <c:v>552</c:v>
+                </c:pt>
+                <c:pt idx="552">
+                  <c:v>553</c:v>
+                </c:pt>
+                <c:pt idx="553">
+                  <c:v>554</c:v>
+                </c:pt>
+                <c:pt idx="554">
+                  <c:v>555</c:v>
+                </c:pt>
+                <c:pt idx="555">
+                  <c:v>556</c:v>
+                </c:pt>
+                <c:pt idx="556">
+                  <c:v>557</c:v>
+                </c:pt>
+                <c:pt idx="557">
+                  <c:v>558</c:v>
+                </c:pt>
+                <c:pt idx="558">
+                  <c:v>559</c:v>
+                </c:pt>
+                <c:pt idx="559">
+                  <c:v>560</c:v>
+                </c:pt>
+                <c:pt idx="560">
+                  <c:v>561</c:v>
+                </c:pt>
+                <c:pt idx="561">
+                  <c:v>562</c:v>
+                </c:pt>
+                <c:pt idx="562">
+                  <c:v>563</c:v>
+                </c:pt>
+                <c:pt idx="563">
+                  <c:v>564</c:v>
+                </c:pt>
+                <c:pt idx="564">
+                  <c:v>565</c:v>
+                </c:pt>
+                <c:pt idx="565">
+                  <c:v>566</c:v>
+                </c:pt>
+                <c:pt idx="566">
+                  <c:v>567</c:v>
+                </c:pt>
+                <c:pt idx="567">
+                  <c:v>568</c:v>
+                </c:pt>
+                <c:pt idx="568">
+                  <c:v>569</c:v>
+                </c:pt>
+                <c:pt idx="569">
+                  <c:v>570</c:v>
+                </c:pt>
+                <c:pt idx="570">
+                  <c:v>571</c:v>
+                </c:pt>
+                <c:pt idx="571">
+                  <c:v>572</c:v>
+                </c:pt>
+                <c:pt idx="572">
+                  <c:v>573</c:v>
+                </c:pt>
+                <c:pt idx="573">
+                  <c:v>574</c:v>
+                </c:pt>
+                <c:pt idx="574">
+                  <c:v>575</c:v>
+                </c:pt>
+                <c:pt idx="575">
+                  <c:v>576</c:v>
+                </c:pt>
+                <c:pt idx="576">
+                  <c:v>577</c:v>
+                </c:pt>
+                <c:pt idx="577">
+                  <c:v>578</c:v>
+                </c:pt>
+                <c:pt idx="578">
+                  <c:v>579</c:v>
+                </c:pt>
+                <c:pt idx="579">
+                  <c:v>580</c:v>
+                </c:pt>
+                <c:pt idx="580">
+                  <c:v>581</c:v>
+                </c:pt>
+                <c:pt idx="581">
+                  <c:v>582</c:v>
+                </c:pt>
+                <c:pt idx="582">
+                  <c:v>583</c:v>
+                </c:pt>
+                <c:pt idx="583">
+                  <c:v>584</c:v>
+                </c:pt>
+                <c:pt idx="584">
+                  <c:v>585</c:v>
+                </c:pt>
+                <c:pt idx="585">
+                  <c:v>586</c:v>
+                </c:pt>
+                <c:pt idx="586">
+                  <c:v>587</c:v>
+                </c:pt>
+                <c:pt idx="587">
+                  <c:v>588</c:v>
+                </c:pt>
+                <c:pt idx="588">
+                  <c:v>589</c:v>
+                </c:pt>
+                <c:pt idx="589">
+                  <c:v>590</c:v>
+                </c:pt>
+                <c:pt idx="590">
+                  <c:v>591</c:v>
+                </c:pt>
+                <c:pt idx="591">
+                  <c:v>592</c:v>
+                </c:pt>
+                <c:pt idx="592">
+                  <c:v>593</c:v>
+                </c:pt>
+                <c:pt idx="593">
+                  <c:v>594</c:v>
+                </c:pt>
+                <c:pt idx="594">
+                  <c:v>595</c:v>
+                </c:pt>
+                <c:pt idx="595">
+                  <c:v>596</c:v>
+                </c:pt>
+                <c:pt idx="596">
+                  <c:v>597</c:v>
+                </c:pt>
+                <c:pt idx="597">
+                  <c:v>598</c:v>
+                </c:pt>
+                <c:pt idx="598">
+                  <c:v>599</c:v>
+                </c:pt>
+                <c:pt idx="599">
+                  <c:v>600</c:v>
+                </c:pt>
+                <c:pt idx="600">
+                  <c:v>601</c:v>
+                </c:pt>
+                <c:pt idx="601">
+                  <c:v>602</c:v>
+                </c:pt>
+                <c:pt idx="602">
+                  <c:v>603</c:v>
+                </c:pt>
+                <c:pt idx="603">
+                  <c:v>604</c:v>
+                </c:pt>
+                <c:pt idx="604">
+                  <c:v>605</c:v>
+                </c:pt>
+                <c:pt idx="605">
+                  <c:v>606</c:v>
+                </c:pt>
+                <c:pt idx="606">
+                  <c:v>607</c:v>
+                </c:pt>
+                <c:pt idx="607">
+                  <c:v>608</c:v>
+                </c:pt>
+                <c:pt idx="608">
+                  <c:v>609</c:v>
+                </c:pt>
+                <c:pt idx="609">
+                  <c:v>610</c:v>
+                </c:pt>
+                <c:pt idx="610">
+                  <c:v>611</c:v>
+                </c:pt>
+                <c:pt idx="611">
+                  <c:v>612</c:v>
+                </c:pt>
+                <c:pt idx="612">
+                  <c:v>613</c:v>
+                </c:pt>
+                <c:pt idx="613">
+                  <c:v>614</c:v>
+                </c:pt>
+                <c:pt idx="614">
+                  <c:v>615</c:v>
+                </c:pt>
+                <c:pt idx="615">
+                  <c:v>616</c:v>
+                </c:pt>
+                <c:pt idx="616">
+                  <c:v>617</c:v>
+                </c:pt>
+                <c:pt idx="617">
+                  <c:v>618</c:v>
+                </c:pt>
+                <c:pt idx="618">
+                  <c:v>619</c:v>
+                </c:pt>
+                <c:pt idx="619">
+                  <c:v>620</c:v>
+                </c:pt>
+                <c:pt idx="620">
+                  <c:v>621</c:v>
+                </c:pt>
+                <c:pt idx="621">
+                  <c:v>622</c:v>
+                </c:pt>
+                <c:pt idx="622">
+                  <c:v>623</c:v>
+                </c:pt>
+                <c:pt idx="623">
+                  <c:v>624</c:v>
+                </c:pt>
+                <c:pt idx="624">
+                  <c:v>625</c:v>
+                </c:pt>
+                <c:pt idx="625">
+                  <c:v>626</c:v>
+                </c:pt>
+                <c:pt idx="626">
+                  <c:v>627</c:v>
+                </c:pt>
+                <c:pt idx="627">
+                  <c:v>628</c:v>
+                </c:pt>
+                <c:pt idx="628">
+                  <c:v>629</c:v>
+                </c:pt>
+                <c:pt idx="629">
+                  <c:v>630</c:v>
+                </c:pt>
+                <c:pt idx="630">
+                  <c:v>631</c:v>
+                </c:pt>
+                <c:pt idx="631">
+                  <c:v>632</c:v>
+                </c:pt>
+                <c:pt idx="632">
+                  <c:v>633</c:v>
+                </c:pt>
+                <c:pt idx="633">
+                  <c:v>634</c:v>
+                </c:pt>
+                <c:pt idx="634">
+                  <c:v>635</c:v>
+                </c:pt>
+                <c:pt idx="635">
+                  <c:v>636</c:v>
+                </c:pt>
+                <c:pt idx="636">
+                  <c:v>637</c:v>
+                </c:pt>
+                <c:pt idx="637">
+                  <c:v>638</c:v>
+                </c:pt>
+                <c:pt idx="638">
+                  <c:v>639</c:v>
+                </c:pt>
+                <c:pt idx="639">
+                  <c:v>640</c:v>
+                </c:pt>
+                <c:pt idx="640">
+                  <c:v>641</c:v>
+                </c:pt>
+                <c:pt idx="641">
+                  <c:v>642</c:v>
+                </c:pt>
+                <c:pt idx="642">
+                  <c:v>643</c:v>
+                </c:pt>
+                <c:pt idx="643">
+                  <c:v>644</c:v>
+                </c:pt>
+                <c:pt idx="644">
+                  <c:v>645</c:v>
+                </c:pt>
+                <c:pt idx="645">
+                  <c:v>646</c:v>
+                </c:pt>
+                <c:pt idx="646">
+                  <c:v>647</c:v>
+                </c:pt>
+                <c:pt idx="647">
+                  <c:v>648</c:v>
+                </c:pt>
+                <c:pt idx="648">
+                  <c:v>649</c:v>
+                </c:pt>
+                <c:pt idx="649">
+                  <c:v>650</c:v>
+                </c:pt>
+                <c:pt idx="650">
+                  <c:v>651</c:v>
+                </c:pt>
+                <c:pt idx="651">
+                  <c:v>652</c:v>
+                </c:pt>
+                <c:pt idx="652">
+                  <c:v>653</c:v>
+                </c:pt>
+                <c:pt idx="653">
+                  <c:v>654</c:v>
+                </c:pt>
+                <c:pt idx="654">
+                  <c:v>655</c:v>
+                </c:pt>
+                <c:pt idx="655">
+                  <c:v>656</c:v>
+                </c:pt>
+                <c:pt idx="656">
+                  <c:v>657</c:v>
+                </c:pt>
+                <c:pt idx="657">
+                  <c:v>658</c:v>
+                </c:pt>
+                <c:pt idx="658">
+                  <c:v>659</c:v>
+                </c:pt>
+                <c:pt idx="659">
+                  <c:v>660</c:v>
+                </c:pt>
+                <c:pt idx="660">
+                  <c:v>661</c:v>
+                </c:pt>
+                <c:pt idx="661">
+                  <c:v>662</c:v>
+                </c:pt>
+                <c:pt idx="662">
+                  <c:v>663</c:v>
+                </c:pt>
+                <c:pt idx="663">
+                  <c:v>664</c:v>
+                </c:pt>
+                <c:pt idx="664">
+                  <c:v>665</c:v>
+                </c:pt>
+                <c:pt idx="665">
+                  <c:v>666</c:v>
+                </c:pt>
+                <c:pt idx="666">
+                  <c:v>667</c:v>
+                </c:pt>
+                <c:pt idx="667">
+                  <c:v>668</c:v>
+                </c:pt>
+                <c:pt idx="668">
+                  <c:v>669</c:v>
+                </c:pt>
+                <c:pt idx="669">
+                  <c:v>670</c:v>
+                </c:pt>
+                <c:pt idx="670">
+                  <c:v>671</c:v>
+                </c:pt>
+                <c:pt idx="671">
+                  <c:v>672</c:v>
+                </c:pt>
+                <c:pt idx="672">
+                  <c:v>673</c:v>
+                </c:pt>
+                <c:pt idx="673">
+                  <c:v>674</c:v>
+                </c:pt>
+                <c:pt idx="674">
+                  <c:v>675</c:v>
+                </c:pt>
+                <c:pt idx="675">
+                  <c:v>676</c:v>
+                </c:pt>
+                <c:pt idx="676">
+                  <c:v>677</c:v>
+                </c:pt>
+                <c:pt idx="677">
+                  <c:v>678</c:v>
+                </c:pt>
+                <c:pt idx="678">
+                  <c:v>679</c:v>
+                </c:pt>
+                <c:pt idx="679">
+                  <c:v>680</c:v>
+                </c:pt>
+                <c:pt idx="680">
+                  <c:v>681</c:v>
+                </c:pt>
+                <c:pt idx="681">
+                  <c:v>682</c:v>
+                </c:pt>
+                <c:pt idx="682">
+                  <c:v>683</c:v>
+                </c:pt>
+                <c:pt idx="683">
+                  <c:v>684</c:v>
+                </c:pt>
+                <c:pt idx="684">
+                  <c:v>685</c:v>
+                </c:pt>
+                <c:pt idx="685">
+                  <c:v>686</c:v>
+                </c:pt>
+                <c:pt idx="686">
+                  <c:v>687</c:v>
+                </c:pt>
+                <c:pt idx="687">
+                  <c:v>688</c:v>
+                </c:pt>
+                <c:pt idx="688">
+                  <c:v>689</c:v>
+                </c:pt>
+                <c:pt idx="689">
+                  <c:v>690</c:v>
+                </c:pt>
+                <c:pt idx="690">
+                  <c:v>691</c:v>
+                </c:pt>
+                <c:pt idx="691">
+                  <c:v>692</c:v>
+                </c:pt>
+                <c:pt idx="692">
+                  <c:v>693</c:v>
+                </c:pt>
+                <c:pt idx="693">
+                  <c:v>694</c:v>
+                </c:pt>
+                <c:pt idx="694">
+                  <c:v>695</c:v>
+                </c:pt>
+              </c:numCache>
+            </c:numRef>
+          </c:xVal>
+          <c:yVal>
+            <c:numRef>
+              <c:f>Sheet2!$B$2:$B$696</c:f>
+              <c:numCache>
+                <c:formatCode>General</c:formatCode>
+                <c:ptCount val="695"/>
+                <c:pt idx="0">
+                  <c:v>6.1457725947521862</c:v>
+                </c:pt>
+                <c:pt idx="1">
+                  <c:v>5.8038317367763428</c:v>
+                </c:pt>
+                <c:pt idx="2">
+                  <c:v>5.141607663473553</c:v>
+                </c:pt>
+                <c:pt idx="3">
+                  <c:v>5.141607663473553</c:v>
+                </c:pt>
+                <c:pt idx="4">
+                  <c:v>5.1112036651395254</c:v>
+                </c:pt>
+                <c:pt idx="5">
+                  <c:v>5.0941274468971258</c:v>
+                </c:pt>
+                <c:pt idx="6">
+                  <c:v>5.0845481049562684</c:v>
+                </c:pt>
+                <c:pt idx="7">
+                  <c:v>5.0845481049562684</c:v>
+                </c:pt>
+                <c:pt idx="8">
+                  <c:v>5.0845481049562684</c:v>
+                </c:pt>
+                <c:pt idx="9">
+                  <c:v>5.0845481049562684</c:v>
+                </c:pt>
+                <c:pt idx="10">
+                  <c:v>5.0845481049562684</c:v>
+                </c:pt>
+                <c:pt idx="11">
+                  <c:v>5.0624739691795089</c:v>
+                </c:pt>
+                <c:pt idx="12">
+                  <c:v>5.0624739691795089</c:v>
+                </c:pt>
+                <c:pt idx="13">
+                  <c:v>5.0458142440649727</c:v>
+                </c:pt>
+                <c:pt idx="14">
+                  <c:v>5.0458142440649727</c:v>
+                </c:pt>
+                <c:pt idx="15">
+                  <c:v>4.995835068721366</c:v>
+                </c:pt>
+                <c:pt idx="16">
+                  <c:v>4.995835068721366</c:v>
+                </c:pt>
+                <c:pt idx="17">
+                  <c:v>4.995835068721366</c:v>
+                </c:pt>
+                <c:pt idx="18">
+                  <c:v>4.995835068721366</c:v>
+                </c:pt>
+                <c:pt idx="19">
+                  <c:v>4.9662640566430651</c:v>
+                </c:pt>
+                <c:pt idx="20">
+                  <c:v>4.9662640566430651</c:v>
+                </c:pt>
+                <c:pt idx="21">
+                  <c:v>4.9662640566430651</c:v>
+                </c:pt>
+                <c:pt idx="22">
+                  <c:v>4.9662640566430651</c:v>
+                </c:pt>
+                <c:pt idx="23">
+                  <c:v>4.9662640566430651</c:v>
+                </c:pt>
+                <c:pt idx="24">
+                  <c:v>4.9662640566430651</c:v>
+                </c:pt>
+                <c:pt idx="25">
+                  <c:v>4.9662640566430651</c:v>
+                </c:pt>
+                <c:pt idx="26">
+                  <c:v>4.9604331528529784</c:v>
+                </c:pt>
+                <c:pt idx="27">
+                  <c:v>4.9604331528529784</c:v>
+                </c:pt>
+                <c:pt idx="28">
+                  <c:v>4.9421074552269886</c:v>
+                </c:pt>
+                <c:pt idx="29">
+                  <c:v>4.9229487713452729</c:v>
+                </c:pt>
+                <c:pt idx="30">
+                  <c:v>4.9229487713452729</c:v>
+                </c:pt>
+                <c:pt idx="31">
+                  <c:v>4.9196168263223656</c:v>
+                </c:pt>
+                <c:pt idx="32">
+                  <c:v>4.9100374843815073</c:v>
+                </c:pt>
+                <c:pt idx="33">
+                  <c:v>4.9100374843815073</c:v>
+                </c:pt>
+                <c:pt idx="34">
+                  <c:v>4.9100374843815073</c:v>
+                </c:pt>
+                <c:pt idx="35">
+                  <c:v>4.9033735943356938</c:v>
+                </c:pt>
+                <c:pt idx="36">
+                  <c:v>4.8975426905456061</c:v>
+                </c:pt>
+                <c:pt idx="37">
+                  <c:v>4.8975426905456061</c:v>
+                </c:pt>
+                <c:pt idx="38">
+                  <c:v>4.8975426905456061</c:v>
+                </c:pt>
+                <c:pt idx="39">
+                  <c:v>4.8929612661391086</c:v>
+                </c:pt>
+                <c:pt idx="40">
+                  <c:v>4.8867138692211576</c:v>
+                </c:pt>
+                <c:pt idx="41">
+                  <c:v>4.8821324448146601</c:v>
+                </c:pt>
+                <c:pt idx="42">
+                  <c:v>4.8821324448146601</c:v>
+                </c:pt>
+                <c:pt idx="43">
+                  <c:v>4.8821324448146601</c:v>
+                </c:pt>
+                <c:pt idx="44">
+                  <c:v>4.8812994585589342</c:v>
+                </c:pt>
+                <c:pt idx="45">
+                  <c:v>4.8771345272803002</c:v>
+                </c:pt>
+                <c:pt idx="46">
+                  <c:v>4.8704706372344857</c:v>
+                </c:pt>
+                <c:pt idx="47">
+                  <c:v>4.8704706372344857</c:v>
+                </c:pt>
+                <c:pt idx="48">
+                  <c:v>4.8704706372344857</c:v>
+                </c:pt>
+                <c:pt idx="49">
+                  <c:v>4.8704706372344857</c:v>
+                </c:pt>
+                <c:pt idx="50">
+                  <c:v>4.8704706372344857</c:v>
+                </c:pt>
+                <c:pt idx="51">
+                  <c:v>4.8704706372344857</c:v>
+                </c:pt>
+                <c:pt idx="52">
+                  <c:v>4.8704706372344857</c:v>
+                </c:pt>
+                <c:pt idx="53">
+                  <c:v>4.8704706372344857</c:v>
+                </c:pt>
+                <c:pt idx="54">
+                  <c:v>4.8704706372344857</c:v>
+                </c:pt>
+                <c:pt idx="55">
+                  <c:v>4.8704706372344857</c:v>
+                </c:pt>
+                <c:pt idx="56">
+                  <c:v>4.8704706372344857</c:v>
+                </c:pt>
+                <c:pt idx="57">
+                  <c:v>4.8704706372344857</c:v>
+                </c:pt>
+                <c:pt idx="58">
+                  <c:v>4.8704706372344857</c:v>
+                </c:pt>
+                <c:pt idx="59">
+                  <c:v>4.8704706372344857</c:v>
+                </c:pt>
+                <c:pt idx="60">
+                  <c:v>4.8704706372344857</c:v>
+                </c:pt>
+                <c:pt idx="61">
+                  <c:v>4.8704706372344857</c:v>
+                </c:pt>
+                <c:pt idx="62">
+                  <c:v>4.8704706372344857</c:v>
+                </c:pt>
+                <c:pt idx="63">
+                  <c:v>4.8704706372344857</c:v>
+                </c:pt>
+                <c:pt idx="64">
+                  <c:v>4.8704706372344857</c:v>
+                </c:pt>
+                <c:pt idx="65">
+                  <c:v>4.8704706372344857</c:v>
+                </c:pt>
+                <c:pt idx="66">
+                  <c:v>4.8704706372344857</c:v>
+                </c:pt>
+                <c:pt idx="67">
+                  <c:v>4.8704706372344857</c:v>
+                </c:pt>
+                <c:pt idx="68">
+                  <c:v>4.8704706372344857</c:v>
+                </c:pt>
+                <c:pt idx="69">
+                  <c:v>4.8704706372344857</c:v>
+                </c:pt>
+                <c:pt idx="70">
+                  <c:v>4.8704706372344857</c:v>
+                </c:pt>
+                <c:pt idx="71">
+                  <c:v>4.8704706372344857</c:v>
+                </c:pt>
+                <c:pt idx="72">
+                  <c:v>4.8617242815493542</c:v>
+                </c:pt>
+                <c:pt idx="73">
+                  <c:v>4.8617242815493542</c:v>
+                </c:pt>
+                <c:pt idx="74">
+                  <c:v>4.8617242815493542</c:v>
+                </c:pt>
+                <c:pt idx="75">
+                  <c:v>4.8617242815493542</c:v>
+                </c:pt>
+                <c:pt idx="76">
+                  <c:v>4.8617242815493542</c:v>
+                </c:pt>
+                <c:pt idx="77">
+                  <c:v>4.8617242815493542</c:v>
+                </c:pt>
+                <c:pt idx="78">
+                  <c:v>4.8617242815493542</c:v>
+                </c:pt>
+                <c:pt idx="79">
+                  <c:v>4.8617242815493542</c:v>
+                </c:pt>
+                <c:pt idx="80">
+                  <c:v>4.8617242815493542</c:v>
+                </c:pt>
+                <c:pt idx="81">
+                  <c:v>4.8617242815493542</c:v>
+                </c:pt>
+                <c:pt idx="82">
+                  <c:v>4.8617242815493542</c:v>
+                </c:pt>
+                <c:pt idx="83">
+                  <c:v>4.8617242815493542</c:v>
+                </c:pt>
+                <c:pt idx="84">
+                  <c:v>4.8567263640149934</c:v>
+                </c:pt>
+                <c:pt idx="85">
+                  <c:v>4.8567263640149934</c:v>
+                </c:pt>
+                <c:pt idx="86">
+                  <c:v>4.8567263640149934</c:v>
+                </c:pt>
+                <c:pt idx="87">
+                  <c:v>4.8567263640149934</c:v>
+                </c:pt>
+                <c:pt idx="88">
+                  <c:v>4.8567263640149934</c:v>
+                </c:pt>
+                <c:pt idx="89">
+                  <c:v>4.8567263640149934</c:v>
+                </c:pt>
+                <c:pt idx="90">
+                  <c:v>4.8567263640149934</c:v>
+                </c:pt>
+                <c:pt idx="91">
+                  <c:v>4.8567263640149934</c:v>
+                </c:pt>
+                <c:pt idx="92">
+                  <c:v>4.8567263640149934</c:v>
+                </c:pt>
+                <c:pt idx="93">
+                  <c:v>4.8567263640149934</c:v>
+                </c:pt>
+                <c:pt idx="94">
+                  <c:v>4.8567263640149934</c:v>
+                </c:pt>
+                <c:pt idx="95">
+                  <c:v>4.8558933777592665</c:v>
+                </c:pt>
+                <c:pt idx="96">
+                  <c:v>4.8550603915035406</c:v>
+                </c:pt>
+                <c:pt idx="97">
+                  <c:v>4.8550603915035406</c:v>
+                </c:pt>
+                <c:pt idx="98">
+                  <c:v>4.8550603915035406</c:v>
+                </c:pt>
+                <c:pt idx="99">
+                  <c:v>4.8550603915035406</c:v>
+                </c:pt>
+                <c:pt idx="100">
+                  <c:v>4.8550603915035406</c:v>
+                </c:pt>
+                <c:pt idx="101">
+                  <c:v>4.8433985839233653</c:v>
+                </c:pt>
+                <c:pt idx="102">
+                  <c:v>4.8433985839233653</c:v>
+                </c:pt>
+                <c:pt idx="103">
+                  <c:v>4.8433985839233653</c:v>
+                </c:pt>
+                <c:pt idx="104">
+                  <c:v>4.8388171595168679</c:v>
+                </c:pt>
+                <c:pt idx="105">
+                  <c:v>4.8388171595168679</c:v>
+                </c:pt>
+                <c:pt idx="106">
+                  <c:v>4.8388171595168679</c:v>
+                </c:pt>
+                <c:pt idx="107">
+                  <c:v>4.8388171595168679</c:v>
+                </c:pt>
+                <c:pt idx="108">
+                  <c:v>4.8388171595168679</c:v>
+                </c:pt>
+                <c:pt idx="109">
+                  <c:v>4.8325697625989168</c:v>
+                </c:pt>
+                <c:pt idx="110">
+                  <c:v>4.83173677634319</c:v>
+                </c:pt>
+                <c:pt idx="111">
+                  <c:v>4.83173677634319</c:v>
+                </c:pt>
+                <c:pt idx="112">
+                  <c:v>4.8154935443565181</c:v>
+                </c:pt>
+                <c:pt idx="113">
+                  <c:v>4.8154935443565181</c:v>
+                </c:pt>
+                <c:pt idx="114">
+                  <c:v>4.8154935443565181</c:v>
+                </c:pt>
+                <c:pt idx="115">
+                  <c:v>4.8154935443565181</c:v>
+                </c:pt>
+                <c:pt idx="116">
+                  <c:v>4.8154935443565181</c:v>
+                </c:pt>
+                <c:pt idx="117">
+                  <c:v>4.8154935443565181</c:v>
+                </c:pt>
+                <c:pt idx="118">
+                  <c:v>4.8154935443565181</c:v>
+                </c:pt>
+                <c:pt idx="119">
+                  <c:v>4.8154935443565181</c:v>
+                </c:pt>
+                <c:pt idx="120">
+                  <c:v>4.8154935443565181</c:v>
+                </c:pt>
+                <c:pt idx="121">
+                  <c:v>4.8154935443565181</c:v>
+                </c:pt>
+                <c:pt idx="122">
+                  <c:v>4.805081216159933</c:v>
+                </c:pt>
+                <c:pt idx="123">
+                  <c:v>4.805081216159933</c:v>
+                </c:pt>
+                <c:pt idx="124">
+                  <c:v>4.805081216159933</c:v>
+                </c:pt>
+                <c:pt idx="125">
+                  <c:v>4.805081216159933</c:v>
+                </c:pt>
+                <c:pt idx="126">
+                  <c:v>4.805081216159933</c:v>
+                </c:pt>
+                <c:pt idx="127">
+                  <c:v>4.805081216159933</c:v>
+                </c:pt>
+                <c:pt idx="128">
+                  <c:v>4.805081216159933</c:v>
+                </c:pt>
+                <c:pt idx="129">
+                  <c:v>4.805081216159933</c:v>
+                </c:pt>
+                <c:pt idx="130">
+                  <c:v>4.805081216159933</c:v>
+                </c:pt>
+                <c:pt idx="131">
+                  <c:v>4.805081216159933</c:v>
+                </c:pt>
+                <c:pt idx="132">
+                  <c:v>4.805081216159933</c:v>
+                </c:pt>
+                <c:pt idx="133">
+                  <c:v>4.805081216159933</c:v>
+                </c:pt>
+                <c:pt idx="134">
+                  <c:v>4.805081216159933</c:v>
+                </c:pt>
+                <c:pt idx="135">
+                  <c:v>4.805081216159933</c:v>
+                </c:pt>
+                <c:pt idx="136">
+                  <c:v>4.805081216159933</c:v>
+                </c:pt>
+                <c:pt idx="137">
+                  <c:v>4.805081216159933</c:v>
+                </c:pt>
+                <c:pt idx="138">
+                  <c:v>4.805081216159933</c:v>
+                </c:pt>
+                <c:pt idx="139">
+                  <c:v>4.805081216159933</c:v>
+                </c:pt>
+                <c:pt idx="140">
+                  <c:v>4.805081216159933</c:v>
+                </c:pt>
+                <c:pt idx="141">
+                  <c:v>4.805081216159933</c:v>
+                </c:pt>
+                <c:pt idx="142">
+                  <c:v>4.805081216159933</c:v>
+                </c:pt>
+                <c:pt idx="143">
+                  <c:v>4.805081216159933</c:v>
+                </c:pt>
+                <c:pt idx="144">
+                  <c:v>4.805081216159933</c:v>
+                </c:pt>
+                <c:pt idx="145">
+                  <c:v>4.805081216159933</c:v>
+                </c:pt>
+                <c:pt idx="146">
+                  <c:v>4.805081216159933</c:v>
+                </c:pt>
+                <c:pt idx="147">
+                  <c:v>4.805081216159933</c:v>
+                </c:pt>
+                <c:pt idx="148">
+                  <c:v>4.805081216159933</c:v>
+                </c:pt>
+                <c:pt idx="149">
+                  <c:v>4.805081216159933</c:v>
+                </c:pt>
+                <c:pt idx="150">
+                  <c:v>4.805081216159933</c:v>
+                </c:pt>
+                <c:pt idx="151">
+                  <c:v>4.805081216159933</c:v>
+                </c:pt>
+                <c:pt idx="152">
+                  <c:v>4.805081216159933</c:v>
+                </c:pt>
+                <c:pt idx="153">
+                  <c:v>4.805081216159933</c:v>
+                </c:pt>
+                <c:pt idx="154">
+                  <c:v>4.805081216159933</c:v>
+                </c:pt>
+                <c:pt idx="155">
+                  <c:v>4.805081216159933</c:v>
+                </c:pt>
+                <c:pt idx="156">
+                  <c:v>4.805081216159933</c:v>
+                </c:pt>
+                <c:pt idx="157">
+                  <c:v>4.805081216159933</c:v>
+                </c:pt>
+                <c:pt idx="158">
+                  <c:v>4.805081216159933</c:v>
+                </c:pt>
+                <c:pt idx="159">
+                  <c:v>4.805081216159933</c:v>
+                </c:pt>
+                <c:pt idx="160">
+                  <c:v>4.805081216159933</c:v>
+                </c:pt>
+                <c:pt idx="161">
+                  <c:v>4.805081216159933</c:v>
+                </c:pt>
+                <c:pt idx="162">
+                  <c:v>4.8021657642648901</c:v>
+                </c:pt>
+                <c:pt idx="163">
+                  <c:v>4.8021657642648901</c:v>
+                </c:pt>
+                <c:pt idx="164">
+                  <c:v>4.7950853810912122</c:v>
+                </c:pt>
+                <c:pt idx="165">
+                  <c:v>4.7950853810912122</c:v>
+                </c:pt>
+                <c:pt idx="166">
+                  <c:v>4.7950853810912122</c:v>
+                </c:pt>
+                <c:pt idx="167">
+                  <c:v>4.7950853810912122</c:v>
+                </c:pt>
+                <c:pt idx="168">
+                  <c:v>4.7950853810912122</c:v>
+                </c:pt>
+                <c:pt idx="169">
+                  <c:v>4.7950853810912122</c:v>
+                </c:pt>
+                <c:pt idx="170">
+                  <c:v>4.7950853810912122</c:v>
+                </c:pt>
+                <c:pt idx="171">
+                  <c:v>4.7950853810912122</c:v>
+                </c:pt>
+                <c:pt idx="172">
+                  <c:v>4.7950853810912122</c:v>
+                </c:pt>
+                <c:pt idx="173">
+                  <c:v>4.7950853810912122</c:v>
+                </c:pt>
+                <c:pt idx="174">
+                  <c:v>4.7950853810912122</c:v>
+                </c:pt>
+                <c:pt idx="175">
+                  <c:v>4.7950853810912122</c:v>
+                </c:pt>
+                <c:pt idx="176">
+                  <c:v>4.7950853810912122</c:v>
+                </c:pt>
+                <c:pt idx="177">
+                  <c:v>4.7950853810912122</c:v>
+                </c:pt>
+                <c:pt idx="178">
+                  <c:v>4.7950853810912122</c:v>
+                </c:pt>
+                <c:pt idx="179">
+                  <c:v>4.7950853810912122</c:v>
+                </c:pt>
+                <c:pt idx="180">
+                  <c:v>4.7950853810912122</c:v>
+                </c:pt>
+                <c:pt idx="181">
+                  <c:v>4.7950853810912122</c:v>
+                </c:pt>
+                <c:pt idx="182">
+                  <c:v>4.7950853810912122</c:v>
+                </c:pt>
+                <c:pt idx="183">
+                  <c:v>4.7950853810912122</c:v>
+                </c:pt>
+                <c:pt idx="184">
+                  <c:v>4.7950853810912122</c:v>
+                </c:pt>
+                <c:pt idx="185">
+                  <c:v>4.7950853810912122</c:v>
+                </c:pt>
+                <c:pt idx="186">
+                  <c:v>4.7950853810912122</c:v>
+                </c:pt>
+                <c:pt idx="187">
+                  <c:v>4.7950853810912122</c:v>
+                </c:pt>
+                <c:pt idx="188">
+                  <c:v>4.7950853810912122</c:v>
+                </c:pt>
+                <c:pt idx="189">
+                  <c:v>4.7950853810912122</c:v>
+                </c:pt>
+                <c:pt idx="190">
+                  <c:v>4.7950853810912122</c:v>
+                </c:pt>
+                <c:pt idx="191">
+                  <c:v>4.7950853810912122</c:v>
+                </c:pt>
+                <c:pt idx="192">
+                  <c:v>4.7950853810912122</c:v>
+                </c:pt>
+                <c:pt idx="193">
+                  <c:v>4.7950853810912122</c:v>
+                </c:pt>
+                <c:pt idx="194">
+                  <c:v>4.7950853810912122</c:v>
+                </c:pt>
+                <c:pt idx="195">
+                  <c:v>4.7950853810912122</c:v>
+                </c:pt>
+                <c:pt idx="196">
+                  <c:v>4.7950853810912122</c:v>
+                </c:pt>
+                <c:pt idx="197">
+                  <c:v>4.7950853810912122</c:v>
+                </c:pt>
+                <c:pt idx="198">
+                  <c:v>4.7950853810912122</c:v>
+                </c:pt>
+                <c:pt idx="199">
+                  <c:v>4.7950853810912122</c:v>
+                </c:pt>
+                <c:pt idx="200">
+                  <c:v>4.7950853810912122</c:v>
+                </c:pt>
+                <c:pt idx="201">
+                  <c:v>4.7950853810912122</c:v>
+                </c:pt>
+                <c:pt idx="202">
+                  <c:v>4.7950853810912122</c:v>
+                </c:pt>
+                <c:pt idx="203">
+                  <c:v>4.7950853810912122</c:v>
+                </c:pt>
+                <c:pt idx="204">
+                  <c:v>4.7950853810912122</c:v>
+                </c:pt>
+                <c:pt idx="205">
+                  <c:v>4.7950853810912122</c:v>
+                </c:pt>
+                <c:pt idx="206">
+                  <c:v>4.7950853810912122</c:v>
+                </c:pt>
+                <c:pt idx="207">
+                  <c:v>4.7950853810912122</c:v>
+                </c:pt>
+                <c:pt idx="208">
+                  <c:v>4.7950853810912122</c:v>
+                </c:pt>
+                <c:pt idx="209">
+                  <c:v>4.7950853810912122</c:v>
+                </c:pt>
+                <c:pt idx="210">
+                  <c:v>4.7950853810912122</c:v>
+                </c:pt>
+                <c:pt idx="211">
+                  <c:v>4.7950853810912122</c:v>
+                </c:pt>
+                <c:pt idx="212">
+                  <c:v>4.7950853810912122</c:v>
+                </c:pt>
+                <c:pt idx="213">
+                  <c:v>4.7950853810912122</c:v>
+                </c:pt>
+                <c:pt idx="214">
+                  <c:v>4.7950853810912122</c:v>
+                </c:pt>
+                <c:pt idx="215">
+                  <c:v>4.7950853810912122</c:v>
+                </c:pt>
+                <c:pt idx="216">
+                  <c:v>4.7950853810912122</c:v>
+                </c:pt>
+                <c:pt idx="217">
+                  <c:v>4.7950853810912122</c:v>
+                </c:pt>
+                <c:pt idx="218">
+                  <c:v>4.7950853810912122</c:v>
+                </c:pt>
+                <c:pt idx="219">
+                  <c:v>4.7950853810912122</c:v>
+                </c:pt>
+                <c:pt idx="220">
+                  <c:v>4.7950853810912122</c:v>
+                </c:pt>
+                <c:pt idx="221">
+                  <c:v>4.7950853810912122</c:v>
+                </c:pt>
+                <c:pt idx="222">
+                  <c:v>4.7950853810912122</c:v>
+                </c:pt>
+                <c:pt idx="223">
+                  <c:v>4.7950853810912122</c:v>
+                </c:pt>
+                <c:pt idx="224">
+                  <c:v>4.7942523948354854</c:v>
+                </c:pt>
+                <c:pt idx="225">
+                  <c:v>4.7942523948354854</c:v>
+                </c:pt>
+                <c:pt idx="226">
+                  <c:v>4.7942523948354854</c:v>
+                </c:pt>
+                <c:pt idx="227">
+                  <c:v>4.7942523948354854</c:v>
+                </c:pt>
+                <c:pt idx="228">
+                  <c:v>4.7942523948354854</c:v>
+                </c:pt>
+                <c:pt idx="229">
+                  <c:v>4.7942523948354854</c:v>
+                </c:pt>
+                <c:pt idx="230">
+                  <c:v>4.7942523948354854</c:v>
+                </c:pt>
+                <c:pt idx="231">
+                  <c:v>4.7942523948354854</c:v>
+                </c:pt>
+                <c:pt idx="232">
+                  <c:v>4.7942523948354854</c:v>
+                </c:pt>
+                <c:pt idx="233">
+                  <c:v>4.7942523948354854</c:v>
+                </c:pt>
+                <c:pt idx="234">
+                  <c:v>4.7942523948354854</c:v>
+                </c:pt>
+                <c:pt idx="235">
+                  <c:v>4.7942523948354854</c:v>
+                </c:pt>
+                <c:pt idx="236">
+                  <c:v>4.7942523948354854</c:v>
+                </c:pt>
+                <c:pt idx="237">
+                  <c:v>4.7942523948354854</c:v>
+                </c:pt>
+                <c:pt idx="238">
+                  <c:v>4.7942523948354854</c:v>
+                </c:pt>
+                <c:pt idx="239">
+                  <c:v>4.7942523948354854</c:v>
+                </c:pt>
+                <c:pt idx="240">
+                  <c:v>4.7942523948354854</c:v>
+                </c:pt>
+                <c:pt idx="241">
+                  <c:v>4.7942523948354854</c:v>
+                </c:pt>
+                <c:pt idx="242">
+                  <c:v>4.7942523948354854</c:v>
+                </c:pt>
+                <c:pt idx="243">
+                  <c:v>4.7942523948354854</c:v>
+                </c:pt>
+                <c:pt idx="244">
+                  <c:v>4.7942523948354854</c:v>
+                </c:pt>
+                <c:pt idx="245">
+                  <c:v>4.7942523948354854</c:v>
+                </c:pt>
+                <c:pt idx="246">
+                  <c:v>4.7942523948354854</c:v>
+                </c:pt>
+                <c:pt idx="247">
+                  <c:v>4.7942523948354854</c:v>
+                </c:pt>
+                <c:pt idx="248">
+                  <c:v>4.7942523948354854</c:v>
+                </c:pt>
+                <c:pt idx="249">
+                  <c:v>4.7942523948354854</c:v>
+                </c:pt>
+                <c:pt idx="250">
+                  <c:v>4.7942523948354854</c:v>
+                </c:pt>
+                <c:pt idx="251">
+                  <c:v>4.7942523948354854</c:v>
+                </c:pt>
+                <c:pt idx="252">
+                  <c:v>4.7942523948354854</c:v>
+                </c:pt>
+                <c:pt idx="253">
+                  <c:v>4.7942523948354854</c:v>
+                </c:pt>
+                <c:pt idx="254">
+                  <c:v>4.7942523948354854</c:v>
+                </c:pt>
+                <c:pt idx="255">
+                  <c:v>4.7942523948354854</c:v>
+                </c:pt>
+                <c:pt idx="256">
+                  <c:v>4.7942523948354854</c:v>
+                </c:pt>
+                <c:pt idx="257">
+                  <c:v>4.7942523948354854</c:v>
+                </c:pt>
+                <c:pt idx="258">
+                  <c:v>4.7942523948354854</c:v>
+                </c:pt>
+                <c:pt idx="259">
+                  <c:v>4.7942523948354854</c:v>
+                </c:pt>
+                <c:pt idx="260">
+                  <c:v>4.7942523948354854</c:v>
+                </c:pt>
+                <c:pt idx="261">
+                  <c:v>4.7942523948354854</c:v>
+                </c:pt>
+                <c:pt idx="262">
+                  <c:v>4.7942523948354854</c:v>
+                </c:pt>
+                <c:pt idx="263">
+                  <c:v>4.7942523948354854</c:v>
+                </c:pt>
+                <c:pt idx="264">
+                  <c:v>4.7942523948354854</c:v>
+                </c:pt>
+                <c:pt idx="265">
+                  <c:v>4.7942523948354854</c:v>
+                </c:pt>
+                <c:pt idx="266">
+                  <c:v>4.7942523948354854</c:v>
+                </c:pt>
+                <c:pt idx="267">
+                  <c:v>4.7942523948354854</c:v>
+                </c:pt>
+                <c:pt idx="268">
+                  <c:v>4.7942523948354854</c:v>
+                </c:pt>
+                <c:pt idx="269">
+                  <c:v>4.7942523948354854</c:v>
+                </c:pt>
+                <c:pt idx="270">
+                  <c:v>4.7942523948354854</c:v>
+                </c:pt>
+                <c:pt idx="271">
+                  <c:v>4.7942523948354854</c:v>
+                </c:pt>
+                <c:pt idx="272">
+                  <c:v>4.7942523948354854</c:v>
+                </c:pt>
+                <c:pt idx="273">
+                  <c:v>4.7942523948354854</c:v>
+                </c:pt>
+                <c:pt idx="274">
+                  <c:v>4.7942523948354854</c:v>
+                </c:pt>
+                <c:pt idx="275">
+                  <c:v>4.7942523948354854</c:v>
+                </c:pt>
+                <c:pt idx="276">
+                  <c:v>4.7942523948354854</c:v>
+                </c:pt>
+                <c:pt idx="277">
+                  <c:v>4.7942523948354854</c:v>
+                </c:pt>
+                <c:pt idx="278">
+                  <c:v>4.7942523948354854</c:v>
+                </c:pt>
+                <c:pt idx="279">
+                  <c:v>4.7942523948354854</c:v>
+                </c:pt>
+                <c:pt idx="280">
+                  <c:v>4.7942523948354854</c:v>
+                </c:pt>
+                <c:pt idx="281">
+                  <c:v>4.7942523948354854</c:v>
+                </c:pt>
+                <c:pt idx="282">
+                  <c:v>4.7942523948354854</c:v>
+                </c:pt>
+                <c:pt idx="283">
+                  <c:v>4.7942523948354854</c:v>
+                </c:pt>
+                <c:pt idx="284">
+                  <c:v>4.7942523948354854</c:v>
+                </c:pt>
+                <c:pt idx="285">
+                  <c:v>4.7942523948354854</c:v>
+                </c:pt>
+                <c:pt idx="286">
+                  <c:v>4.7942523948354854</c:v>
+                </c:pt>
+                <c:pt idx="287">
+                  <c:v>4.7942523948354854</c:v>
+                </c:pt>
+                <c:pt idx="288">
+                  <c:v>4.7942523948354854</c:v>
+                </c:pt>
+                <c:pt idx="289">
+                  <c:v>4.7942523948354854</c:v>
+                </c:pt>
+                <c:pt idx="290">
+                  <c:v>4.7942523948354854</c:v>
+                </c:pt>
+                <c:pt idx="291">
+                  <c:v>4.7942523948354854</c:v>
+                </c:pt>
+                <c:pt idx="292">
+                  <c:v>4.7942523948354854</c:v>
+                </c:pt>
+                <c:pt idx="293">
+                  <c:v>4.7942523948354854</c:v>
+                </c:pt>
+                <c:pt idx="294">
+                  <c:v>4.7942523948354854</c:v>
+                </c:pt>
+                <c:pt idx="295">
+                  <c:v>4.7942523948354854</c:v>
+                </c:pt>
+                <c:pt idx="296">
+                  <c:v>4.7942523948354854</c:v>
+                </c:pt>
+                <c:pt idx="297">
+                  <c:v>4.7942523948354854</c:v>
+                </c:pt>
+                <c:pt idx="298">
+                  <c:v>4.7942523948354854</c:v>
+                </c:pt>
+                <c:pt idx="299">
+                  <c:v>4.7942523948354854</c:v>
+                </c:pt>
+                <c:pt idx="300">
+                  <c:v>4.7942523948354854</c:v>
+                </c:pt>
+                <c:pt idx="301">
+                  <c:v>4.7942523948354854</c:v>
+                </c:pt>
+                <c:pt idx="302">
+                  <c:v>4.7942523948354854</c:v>
+                </c:pt>
+                <c:pt idx="303">
+                  <c:v>4.7942523948354854</c:v>
+                </c:pt>
+                <c:pt idx="304">
+                  <c:v>4.7942523948354854</c:v>
+                </c:pt>
+                <c:pt idx="305">
+                  <c:v>4.7942523948354854</c:v>
+                </c:pt>
+                <c:pt idx="306">
+                  <c:v>4.7942523948354854</c:v>
+                </c:pt>
+                <c:pt idx="307">
+                  <c:v>4.7942523948354854</c:v>
+                </c:pt>
+                <c:pt idx="308">
+                  <c:v>4.7942523948354854</c:v>
+                </c:pt>
+                <c:pt idx="309">
+                  <c:v>4.7942523948354854</c:v>
+                </c:pt>
+                <c:pt idx="310">
+                  <c:v>4.7934194085797586</c:v>
+                </c:pt>
+                <c:pt idx="311">
+                  <c:v>4.7934194085797586</c:v>
+                </c:pt>
+                <c:pt idx="312">
+                  <c:v>4.7934194085797586</c:v>
+                </c:pt>
+                <c:pt idx="313">
+                  <c:v>4.7934194085797586</c:v>
+                </c:pt>
+                <c:pt idx="314">
+                  <c:v>4.7934194085797586</c:v>
+                </c:pt>
+                <c:pt idx="315">
+                  <c:v>4.7934194085797586</c:v>
+                </c:pt>
+                <c:pt idx="316">
+                  <c:v>4.7934194085797586</c:v>
+                </c:pt>
+                <c:pt idx="317">
+                  <c:v>4.7934194085797586</c:v>
+                </c:pt>
+                <c:pt idx="318">
+                  <c:v>4.7934194085797586</c:v>
+                </c:pt>
+                <c:pt idx="319">
+                  <c:v>4.7934194085797586</c:v>
+                </c:pt>
+                <c:pt idx="320">
+                  <c:v>4.7934194085797586</c:v>
+                </c:pt>
+                <c:pt idx="321">
+                  <c:v>4.7934194085797586</c:v>
+                </c:pt>
+                <c:pt idx="322">
+                  <c:v>4.7934194085797586</c:v>
+                </c:pt>
+                <c:pt idx="323">
+                  <c:v>4.7934194085797586</c:v>
+                </c:pt>
+                <c:pt idx="324">
+                  <c:v>4.7934194085797586</c:v>
+                </c:pt>
+                <c:pt idx="325">
+                  <c:v>4.7934194085797586</c:v>
+                </c:pt>
+                <c:pt idx="326">
+                  <c:v>4.7934194085797586</c:v>
+                </c:pt>
+                <c:pt idx="327">
+                  <c:v>4.7934194085797586</c:v>
+                </c:pt>
+                <c:pt idx="328">
+                  <c:v>4.7934194085797586</c:v>
+                </c:pt>
+                <c:pt idx="329">
+                  <c:v>4.7934194085797586</c:v>
+                </c:pt>
+                <c:pt idx="330">
+                  <c:v>4.7934194085797586</c:v>
+                </c:pt>
+                <c:pt idx="331">
+                  <c:v>4.7934194085797586</c:v>
+                </c:pt>
+                <c:pt idx="332">
+                  <c:v>4.7934194085797586</c:v>
+                </c:pt>
+                <c:pt idx="333">
+                  <c:v>4.7934194085797586</c:v>
+                </c:pt>
+                <c:pt idx="334">
+                  <c:v>4.7934194085797586</c:v>
+                </c:pt>
+                <c:pt idx="335">
+                  <c:v>4.7934194085797586</c:v>
+                </c:pt>
+                <c:pt idx="336">
+                  <c:v>4.7934194085797586</c:v>
+                </c:pt>
+                <c:pt idx="337">
+                  <c:v>4.7934194085797586</c:v>
+                </c:pt>
+                <c:pt idx="338">
+                  <c:v>4.7934194085797586</c:v>
+                </c:pt>
+                <c:pt idx="339">
+                  <c:v>4.7934194085797586</c:v>
+                </c:pt>
+                <c:pt idx="340">
+                  <c:v>4.7934194085797586</c:v>
+                </c:pt>
+                <c:pt idx="341">
+                  <c:v>4.7934194085797586</c:v>
+                </c:pt>
+                <c:pt idx="342">
+                  <c:v>4.7934194085797586</c:v>
+                </c:pt>
+                <c:pt idx="343">
+                  <c:v>4.7934194085797586</c:v>
+                </c:pt>
+                <c:pt idx="344">
+                  <c:v>4.7934194085797586</c:v>
+                </c:pt>
+                <c:pt idx="345">
+                  <c:v>4.7934194085797586</c:v>
+                </c:pt>
+                <c:pt idx="346">
+                  <c:v>4.7934194085797586</c:v>
+                </c:pt>
+                <c:pt idx="347">
+                  <c:v>4.7934194085797586</c:v>
+                </c:pt>
+                <c:pt idx="348">
+                  <c:v>4.7934194085797586</c:v>
+                </c:pt>
+                <c:pt idx="349">
+                  <c:v>4.7934194085797586</c:v>
+                </c:pt>
+                <c:pt idx="350">
+                  <c:v>4.7934194085797586</c:v>
+                </c:pt>
+                <c:pt idx="351">
+                  <c:v>4.7934194085797586</c:v>
+                </c:pt>
+                <c:pt idx="352">
+                  <c:v>4.7934194085797586</c:v>
+                </c:pt>
+                <c:pt idx="353">
+                  <c:v>4.7934194085797586</c:v>
+                </c:pt>
+                <c:pt idx="354">
+                  <c:v>4.7934194085797586</c:v>
+                </c:pt>
+                <c:pt idx="355">
+                  <c:v>4.7934194085797586</c:v>
+                </c:pt>
+                <c:pt idx="356">
+                  <c:v>4.7934194085797586</c:v>
+                </c:pt>
+                <c:pt idx="357">
+                  <c:v>4.7934194085797586</c:v>
+                </c:pt>
+                <c:pt idx="358">
+                  <c:v>4.7934194085797586</c:v>
+                </c:pt>
+                <c:pt idx="359">
+                  <c:v>4.7934194085797586</c:v>
+                </c:pt>
+                <c:pt idx="360">
+                  <c:v>4.7934194085797586</c:v>
+                </c:pt>
+                <c:pt idx="361">
+                  <c:v>4.7934194085797586</c:v>
+                </c:pt>
+                <c:pt idx="362">
+                  <c:v>4.7934194085797586</c:v>
+                </c:pt>
+                <c:pt idx="363">
+                  <c:v>4.7930029154518952</c:v>
+                </c:pt>
+                <c:pt idx="364">
+                  <c:v>4.7930029154518952</c:v>
+                </c:pt>
+                <c:pt idx="365">
+                  <c:v>4.7930029154518952</c:v>
+                </c:pt>
+                <c:pt idx="366">
+                  <c:v>4.7930029154518952</c:v>
+                </c:pt>
+                <c:pt idx="367">
+                  <c:v>4.7930029154518952</c:v>
+                </c:pt>
+                <c:pt idx="368">
+                  <c:v>4.7930029154518952</c:v>
+                </c:pt>
+                <c:pt idx="369">
+                  <c:v>4.7930029154518952</c:v>
+                </c:pt>
+                <c:pt idx="370">
+                  <c:v>4.7930029154518952</c:v>
+                </c:pt>
+                <c:pt idx="371">
+                  <c:v>4.7930029154518952</c:v>
+                </c:pt>
+                <c:pt idx="372">
+                  <c:v>4.7930029154518952</c:v>
+                </c:pt>
+                <c:pt idx="373">
+                  <c:v>4.7930029154518952</c:v>
+                </c:pt>
+                <c:pt idx="374">
+                  <c:v>4.7930029154518952</c:v>
+                </c:pt>
+                <c:pt idx="375">
+                  <c:v>4.7930029154518952</c:v>
+                </c:pt>
+                <c:pt idx="376">
+                  <c:v>4.7930029154518952</c:v>
+                </c:pt>
+                <c:pt idx="377">
+                  <c:v>4.7930029154518952</c:v>
+                </c:pt>
+                <c:pt idx="378">
+                  <c:v>4.7930029154518952</c:v>
+                </c:pt>
+                <c:pt idx="379">
+                  <c:v>4.7930029154518952</c:v>
+                </c:pt>
+                <c:pt idx="380">
+                  <c:v>4.7930029154518952</c:v>
+                </c:pt>
+                <c:pt idx="381">
+                  <c:v>4.7930029154518952</c:v>
+                </c:pt>
+                <c:pt idx="382">
+                  <c:v>4.7930029154518952</c:v>
+                </c:pt>
+                <c:pt idx="383">
+                  <c:v>4.7930029154518952</c:v>
+                </c:pt>
+                <c:pt idx="384">
+                  <c:v>4.7930029154518952</c:v>
+                </c:pt>
+                <c:pt idx="385">
+                  <c:v>4.7930029154518952</c:v>
+                </c:pt>
+                <c:pt idx="386">
+                  <c:v>4.7930029154518952</c:v>
+                </c:pt>
+                <c:pt idx="387">
+                  <c:v>4.7930029154518952</c:v>
+                </c:pt>
+                <c:pt idx="388">
+                  <c:v>4.7930029154518952</c:v>
+                </c:pt>
+                <c:pt idx="389">
+                  <c:v>4.7930029154518952</c:v>
+                </c:pt>
+                <c:pt idx="390">
+                  <c:v>4.7930029154518952</c:v>
+                </c:pt>
+                <c:pt idx="391">
+                  <c:v>4.7930029154518952</c:v>
+                </c:pt>
+                <c:pt idx="392">
+                  <c:v>4.7930029154518952</c:v>
+                </c:pt>
+                <c:pt idx="393">
+                  <c:v>4.7930029154518952</c:v>
+                </c:pt>
+                <c:pt idx="394">
+                  <c:v>4.7930029154518952</c:v>
+                </c:pt>
+                <c:pt idx="395">
+                  <c:v>4.7930029154518952</c:v>
+                </c:pt>
+                <c:pt idx="396">
+                  <c:v>4.7930029154518952</c:v>
+                </c:pt>
+                <c:pt idx="397">
+                  <c:v>4.7930029154518952</c:v>
+                </c:pt>
+                <c:pt idx="398">
+                  <c:v>4.7930029154518952</c:v>
+                </c:pt>
+                <c:pt idx="399">
+                  <c:v>4.7930029154518952</c:v>
+                </c:pt>
+                <c:pt idx="400">
+                  <c:v>4.7930029154518952</c:v>
+                </c:pt>
+                <c:pt idx="401">
+                  <c:v>4.7930029154518952</c:v>
+                </c:pt>
+                <c:pt idx="402">
+                  <c:v>4.7930029154518952</c:v>
+                </c:pt>
+                <c:pt idx="403">
+                  <c:v>4.7930029154518952</c:v>
+                </c:pt>
+                <c:pt idx="404">
+                  <c:v>4.7930029154518952</c:v>
+                </c:pt>
+                <c:pt idx="405">
+                  <c:v>4.7930029154518952</c:v>
+                </c:pt>
+                <c:pt idx="406">
+                  <c:v>4.7930029154518952</c:v>
+                </c:pt>
+                <c:pt idx="407">
+                  <c:v>4.7930029154518952</c:v>
+                </c:pt>
+                <c:pt idx="408">
+                  <c:v>4.7930029154518952</c:v>
+                </c:pt>
+                <c:pt idx="409">
+                  <c:v>4.7930029154518952</c:v>
+                </c:pt>
+                <c:pt idx="410">
+                  <c:v>4.7900874635568513</c:v>
+                </c:pt>
+                <c:pt idx="411">
+                  <c:v>4.7875885047896709</c:v>
+                </c:pt>
+                <c:pt idx="412">
+                  <c:v>4.7875885047896709</c:v>
+                </c:pt>
+                <c:pt idx="413">
+                  <c:v>4.7875885047896709</c:v>
+                </c:pt>
+                <c:pt idx="414">
+                  <c:v>4.7875885047896709</c:v>
+                </c:pt>
+                <c:pt idx="415">
+                  <c:v>4.7875885047896709</c:v>
+                </c:pt>
+                <c:pt idx="416">
+                  <c:v>4.7875885047896709</c:v>
+                </c:pt>
+                <c:pt idx="417">
+                  <c:v>4.7875885047896709</c:v>
+                </c:pt>
+                <c:pt idx="418">
+                  <c:v>4.7875885047896709</c:v>
+                </c:pt>
+                <c:pt idx="419">
+                  <c:v>4.7875885047896709</c:v>
+                </c:pt>
+                <c:pt idx="420">
+                  <c:v>4.7875885047896709</c:v>
+                </c:pt>
+                <c:pt idx="421">
+                  <c:v>4.7875885047896709</c:v>
+                </c:pt>
+                <c:pt idx="422">
+                  <c:v>4.7875885047896709</c:v>
+                </c:pt>
+                <c:pt idx="423">
+                  <c:v>4.7875885047896709</c:v>
+                </c:pt>
+                <c:pt idx="424">
+                  <c:v>4.7875885047896709</c:v>
+                </c:pt>
+                <c:pt idx="425">
+                  <c:v>4.7875885047896709</c:v>
+                </c:pt>
+                <c:pt idx="426">
+                  <c:v>4.7859225322782173</c:v>
+                </c:pt>
+                <c:pt idx="427">
+                  <c:v>4.7859225322782173</c:v>
+                </c:pt>
+                <c:pt idx="428">
+                  <c:v>4.7859225322782173</c:v>
+                </c:pt>
+                <c:pt idx="429">
+                  <c:v>4.7842565597667637</c:v>
+                </c:pt>
+                <c:pt idx="430">
+                  <c:v>4.7842565597667637</c:v>
+                </c:pt>
+                <c:pt idx="431">
+                  <c:v>4.7842565597667637</c:v>
+                </c:pt>
+                <c:pt idx="432">
+                  <c:v>4.7842565597667637</c:v>
+                </c:pt>
+                <c:pt idx="433">
+                  <c:v>4.7842565597667637</c:v>
+                </c:pt>
+                <c:pt idx="434">
+                  <c:v>4.7842565597667637</c:v>
+                </c:pt>
+                <c:pt idx="435">
+                  <c:v>4.7842565597667637</c:v>
+                </c:pt>
+                <c:pt idx="436">
+                  <c:v>4.7842565597667637</c:v>
+                </c:pt>
+                <c:pt idx="437">
+                  <c:v>4.7842565597667637</c:v>
+                </c:pt>
+                <c:pt idx="438">
+                  <c:v>4.7842565597667637</c:v>
+                </c:pt>
+                <c:pt idx="439">
+                  <c:v>4.7842565597667637</c:v>
+                </c:pt>
+                <c:pt idx="440">
+                  <c:v>4.7842565597667637</c:v>
+                </c:pt>
+                <c:pt idx="441">
+                  <c:v>4.7842565597667637</c:v>
+                </c:pt>
+                <c:pt idx="442">
+                  <c:v>4.7842565597667637</c:v>
+                </c:pt>
+                <c:pt idx="443">
+                  <c:v>4.7842565597667637</c:v>
+                </c:pt>
+                <c:pt idx="444">
+                  <c:v>4.7842565597667637</c:v>
+                </c:pt>
+                <c:pt idx="445">
+                  <c:v>4.7842565597667637</c:v>
+                </c:pt>
+                <c:pt idx="446">
+                  <c:v>4.7842565597667637</c:v>
+                </c:pt>
+                <c:pt idx="447">
+                  <c:v>4.7842565597667637</c:v>
+                </c:pt>
+                <c:pt idx="448">
+                  <c:v>4.7842565597667637</c:v>
+                </c:pt>
+                <c:pt idx="449">
+                  <c:v>4.7842565597667637</c:v>
+                </c:pt>
+                <c:pt idx="450">
+                  <c:v>4.7842565597667637</c:v>
+                </c:pt>
+                <c:pt idx="451">
+                  <c:v>4.7838400666389003</c:v>
+                </c:pt>
+                <c:pt idx="452">
+                  <c:v>4.7838400666389003</c:v>
+                </c:pt>
+                <c:pt idx="453">
+                  <c:v>4.7838400666389003</c:v>
+                </c:pt>
+                <c:pt idx="454">
+                  <c:v>4.7813411078717198</c:v>
+                </c:pt>
+                <c:pt idx="455">
+                  <c:v>4.7813411078717198</c:v>
+                </c:pt>
+                <c:pt idx="456">
+                  <c:v>4.7813411078717198</c:v>
+                </c:pt>
+                <c:pt idx="457">
+                  <c:v>4.7813411078717198</c:v>
+                </c:pt>
+                <c:pt idx="458">
+                  <c:v>4.7813411078717198</c:v>
+                </c:pt>
+                <c:pt idx="459">
+                  <c:v>4.7813411078717198</c:v>
+                </c:pt>
+                <c:pt idx="460">
+                  <c:v>4.7813411078717198</c:v>
+                </c:pt>
+                <c:pt idx="461">
+                  <c:v>4.7813411078717198</c:v>
+                </c:pt>
+                <c:pt idx="462">
+                  <c:v>4.7813411078717198</c:v>
+                </c:pt>
+                <c:pt idx="463">
+                  <c:v>4.7813411078717198</c:v>
+                </c:pt>
+                <c:pt idx="464">
+                  <c:v>4.7813411078717198</c:v>
+                </c:pt>
+                <c:pt idx="465">
+                  <c:v>4.7813411078717198</c:v>
+                </c:pt>
+                <c:pt idx="466">
+                  <c:v>4.7813411078717198</c:v>
+                </c:pt>
+                <c:pt idx="467">
+                  <c:v>4.7813411078717198</c:v>
+                </c:pt>
+                <c:pt idx="468">
+                  <c:v>4.7813411078717198</c:v>
+                </c:pt>
+                <c:pt idx="469">
+                  <c:v>4.7813411078717198</c:v>
+                </c:pt>
+                <c:pt idx="470">
+                  <c:v>4.7813411078717198</c:v>
+                </c:pt>
+                <c:pt idx="471">
+                  <c:v>4.7813411078717198</c:v>
+                </c:pt>
+                <c:pt idx="472">
+                  <c:v>4.7813411078717198</c:v>
+                </c:pt>
+                <c:pt idx="473">
+                  <c:v>4.7813411078717198</c:v>
+                </c:pt>
+                <c:pt idx="474">
+                  <c:v>4.7813411078717198</c:v>
+                </c:pt>
+                <c:pt idx="475">
+                  <c:v>4.7813411078717198</c:v>
+                </c:pt>
+                <c:pt idx="476">
+                  <c:v>4.7813411078717198</c:v>
+                </c:pt>
+                <c:pt idx="477">
+                  <c:v>4.7813411078717198</c:v>
+                </c:pt>
+                <c:pt idx="478">
+                  <c:v>4.7813411078717198</c:v>
+                </c:pt>
+                <c:pt idx="479">
+                  <c:v>4.7813411078717198</c:v>
+                </c:pt>
+                <c:pt idx="480">
+                  <c:v>4.7813411078717198</c:v>
+                </c:pt>
+                <c:pt idx="481">
+                  <c:v>4.7813411078717198</c:v>
+                </c:pt>
+                <c:pt idx="482">
+                  <c:v>4.7813411078717198</c:v>
+                </c:pt>
+                <c:pt idx="483">
+                  <c:v>4.7780091628488126</c:v>
+                </c:pt>
+                <c:pt idx="484">
+                  <c:v>4.7780091628488126</c:v>
+                </c:pt>
+                <c:pt idx="485">
+                  <c:v>4.7780091628488126</c:v>
+                </c:pt>
+                <c:pt idx="486">
+                  <c:v>4.7780091628488126</c:v>
+                </c:pt>
+                <c:pt idx="487">
+                  <c:v>4.7780091628488126</c:v>
+                </c:pt>
+                <c:pt idx="488">
+                  <c:v>4.7780091628488126</c:v>
+                </c:pt>
+                <c:pt idx="489">
+                  <c:v>4.7780091628488126</c:v>
+                </c:pt>
+                <c:pt idx="490">
+                  <c:v>4.7780091628488126</c:v>
+                </c:pt>
+                <c:pt idx="491">
+                  <c:v>4.7780091628488126</c:v>
+                </c:pt>
+                <c:pt idx="492">
+                  <c:v>4.7780091628488126</c:v>
+                </c:pt>
+                <c:pt idx="493">
+                  <c:v>4.7780091628488126</c:v>
+                </c:pt>
+                <c:pt idx="494">
+                  <c:v>4.7780091628488126</c:v>
+                </c:pt>
+                <c:pt idx="495">
+                  <c:v>4.7780091628488126</c:v>
+                </c:pt>
+                <c:pt idx="496">
+                  <c:v>4.7780091628488126</c:v>
+                </c:pt>
+                <c:pt idx="497">
+                  <c:v>4.7780091628488126</c:v>
+                </c:pt>
+                <c:pt idx="498">
+                  <c:v>4.7780091628488126</c:v>
+                </c:pt>
+                <c:pt idx="499">
+                  <c:v>4.7780091628488126</c:v>
+                </c:pt>
+                <c:pt idx="500">
+                  <c:v>4.7780091628488126</c:v>
+                </c:pt>
+                <c:pt idx="501">
+                  <c:v>4.7780091628488126</c:v>
+                </c:pt>
+                <c:pt idx="502">
+                  <c:v>4.7780091628488126</c:v>
+                </c:pt>
+                <c:pt idx="503">
+                  <c:v>4.7780091628488126</c:v>
+                </c:pt>
+                <c:pt idx="504">
+                  <c:v>4.7780091628488126</c:v>
+                </c:pt>
+                <c:pt idx="505">
+                  <c:v>4.7780091628488126</c:v>
+                </c:pt>
+                <c:pt idx="506">
+                  <c:v>4.7780091628488126</c:v>
+                </c:pt>
+                <c:pt idx="507">
+                  <c:v>4.7780091628488126</c:v>
+                </c:pt>
+                <c:pt idx="508">
+                  <c:v>4.7780091628488126</c:v>
+                </c:pt>
+                <c:pt idx="509">
+                  <c:v>4.7780091628488126</c:v>
+                </c:pt>
+                <c:pt idx="510">
+                  <c:v>4.7780091628488126</c:v>
+                </c:pt>
+                <c:pt idx="511">
+                  <c:v>4.7780091628488126</c:v>
+                </c:pt>
+                <c:pt idx="512">
+                  <c:v>4.7780091628488126</c:v>
+                </c:pt>
+                <c:pt idx="513">
+                  <c:v>4.7780091628488126</c:v>
+                </c:pt>
+                <c:pt idx="514">
+                  <c:v>4.7780091628488126</c:v>
+                </c:pt>
+                <c:pt idx="515">
+                  <c:v>4.7780091628488126</c:v>
+                </c:pt>
+                <c:pt idx="516">
+                  <c:v>4.7780091628488126</c:v>
+                </c:pt>
+                <c:pt idx="517">
+                  <c:v>4.7780091628488126</c:v>
+                </c:pt>
+                <c:pt idx="518">
+                  <c:v>4.776343190337359</c:v>
+                </c:pt>
+                <c:pt idx="519">
+                  <c:v>4.776343190337359</c:v>
+                </c:pt>
+                <c:pt idx="520">
+                  <c:v>4.776343190337359</c:v>
+                </c:pt>
+                <c:pt idx="521">
+                  <c:v>4.776343190337359</c:v>
+                </c:pt>
+                <c:pt idx="522">
+                  <c:v>4.776343190337359</c:v>
+                </c:pt>
+                <c:pt idx="523">
+                  <c:v>4.776343190337359</c:v>
+                </c:pt>
+                <c:pt idx="524">
+                  <c:v>4.776343190337359</c:v>
+                </c:pt>
+                <c:pt idx="525">
+                  <c:v>4.776343190337359</c:v>
+                </c:pt>
+                <c:pt idx="526">
+                  <c:v>4.776343190337359</c:v>
+                </c:pt>
+                <c:pt idx="527">
+                  <c:v>4.776343190337359</c:v>
+                </c:pt>
+                <c:pt idx="528">
+                  <c:v>4.776343190337359</c:v>
+                </c:pt>
+                <c:pt idx="529">
+                  <c:v>4.776343190337359</c:v>
+                </c:pt>
+                <c:pt idx="530">
+                  <c:v>4.776343190337359</c:v>
+                </c:pt>
+                <c:pt idx="531">
+                  <c:v>4.776343190337359</c:v>
+                </c:pt>
+                <c:pt idx="532">
+                  <c:v>4.776343190337359</c:v>
+                </c:pt>
+                <c:pt idx="533">
+                  <c:v>4.776343190337359</c:v>
+                </c:pt>
+                <c:pt idx="534">
+                  <c:v>4.776343190337359</c:v>
+                </c:pt>
+                <c:pt idx="535">
+                  <c:v>4.776343190337359</c:v>
+                </c:pt>
+                <c:pt idx="536">
+                  <c:v>4.776343190337359</c:v>
+                </c:pt>
+                <c:pt idx="537">
+                  <c:v>4.776343190337359</c:v>
+                </c:pt>
+                <c:pt idx="538">
+                  <c:v>4.776343190337359</c:v>
+                </c:pt>
+                <c:pt idx="539">
+                  <c:v>4.776343190337359</c:v>
+                </c:pt>
+                <c:pt idx="540">
+                  <c:v>4.776343190337359</c:v>
+                </c:pt>
+                <c:pt idx="541">
+                  <c:v>4.776343190337359</c:v>
+                </c:pt>
+                <c:pt idx="542">
+                  <c:v>4.7755102040816331</c:v>
+                </c:pt>
+                <c:pt idx="543">
+                  <c:v>4.7755102040816331</c:v>
+                </c:pt>
+                <c:pt idx="544">
+                  <c:v>4.7755102040816331</c:v>
+                </c:pt>
+                <c:pt idx="545">
+                  <c:v>4.7755102040816331</c:v>
+                </c:pt>
+                <c:pt idx="546">
+                  <c:v>4.7755102040816331</c:v>
+                </c:pt>
+                <c:pt idx="547">
+                  <c:v>4.7755102040816331</c:v>
+                </c:pt>
+                <c:pt idx="548">
+                  <c:v>4.7750937109537697</c:v>
+                </c:pt>
+                <c:pt idx="549">
+                  <c:v>4.7750937109537697</c:v>
+                </c:pt>
+                <c:pt idx="550">
+                  <c:v>4.7750937109537697</c:v>
+                </c:pt>
+                <c:pt idx="551">
+                  <c:v>4.7750937109537697</c:v>
+                </c:pt>
+                <c:pt idx="552">
+                  <c:v>4.7750937109537697</c:v>
+                </c:pt>
+                <c:pt idx="553">
+                  <c:v>4.7750937109537697</c:v>
+                </c:pt>
+                <c:pt idx="554">
+                  <c:v>4.7750937109537697</c:v>
+                </c:pt>
+                <c:pt idx="555">
+                  <c:v>4.7750937109537697</c:v>
+                </c:pt>
+                <c:pt idx="556">
+                  <c:v>4.7750937109537697</c:v>
+                </c:pt>
+                <c:pt idx="557">
+                  <c:v>4.7750937109537697</c:v>
+                </c:pt>
+                <c:pt idx="558">
+                  <c:v>4.7750937109537697</c:v>
+                </c:pt>
+                <c:pt idx="559">
+                  <c:v>4.7750937109537697</c:v>
+                </c:pt>
+                <c:pt idx="560">
+                  <c:v>4.7750937109537697</c:v>
+                </c:pt>
+                <c:pt idx="561">
+                  <c:v>4.7750937109537697</c:v>
+                </c:pt>
+                <c:pt idx="562">
+                  <c:v>4.7750937109537697</c:v>
+                </c:pt>
+                <c:pt idx="563">
+                  <c:v>4.7750937109537697</c:v>
+                </c:pt>
+                <c:pt idx="564">
+                  <c:v>4.7750937109537697</c:v>
+                </c:pt>
+                <c:pt idx="565">
+                  <c:v>4.7750937109537697</c:v>
+                </c:pt>
+                <c:pt idx="566">
+                  <c:v>4.7750937109537697</c:v>
+                </c:pt>
+                <c:pt idx="567">
+                  <c:v>4.7750937109537697</c:v>
+                </c:pt>
+                <c:pt idx="568">
+                  <c:v>4.7750937109537697</c:v>
+                </c:pt>
+                <c:pt idx="569">
+                  <c:v>4.7750937109537697</c:v>
+                </c:pt>
+                <c:pt idx="570">
+                  <c:v>4.7750937109537697</c:v>
+                </c:pt>
+                <c:pt idx="571">
+                  <c:v>4.7750937109537697</c:v>
+                </c:pt>
+                <c:pt idx="572">
+                  <c:v>4.7750937109537697</c:v>
+                </c:pt>
+                <c:pt idx="573">
+                  <c:v>4.7750937109537697</c:v>
+                </c:pt>
+                <c:pt idx="574">
+                  <c:v>4.7750937109537697</c:v>
+                </c:pt>
+                <c:pt idx="575">
+                  <c:v>4.7750937109537697</c:v>
+                </c:pt>
+                <c:pt idx="576">
+                  <c:v>4.7750937109537697</c:v>
+                </c:pt>
+                <c:pt idx="577">
+                  <c:v>4.7750937109537697</c:v>
+                </c:pt>
+                <c:pt idx="578">
+                  <c:v>4.7750937109537697</c:v>
+                </c:pt>
+                <c:pt idx="579">
+                  <c:v>4.7750937109537697</c:v>
+                </c:pt>
+                <c:pt idx="580">
+                  <c:v>4.7750937109537697</c:v>
+                </c:pt>
+                <c:pt idx="581">
+                  <c:v>4.7750937109537697</c:v>
+                </c:pt>
+                <c:pt idx="582">
+                  <c:v>4.7750937109537697</c:v>
+                </c:pt>
+                <c:pt idx="583">
+                  <c:v>4.7750937109537697</c:v>
+                </c:pt>
+                <c:pt idx="584">
+                  <c:v>4.7750937109537697</c:v>
+                </c:pt>
+                <c:pt idx="585">
+                  <c:v>4.7750937109537697</c:v>
+                </c:pt>
+                <c:pt idx="586">
+                  <c:v>4.7750937109537697</c:v>
+                </c:pt>
+                <c:pt idx="587">
+                  <c:v>4.7750937109537697</c:v>
+                </c:pt>
+                <c:pt idx="588">
+                  <c:v>4.7750937109537697</c:v>
+                </c:pt>
+                <c:pt idx="589">
+                  <c:v>4.7750937109537697</c:v>
+                </c:pt>
+                <c:pt idx="590">
+                  <c:v>4.7750937109537697</c:v>
+                </c:pt>
+                <c:pt idx="591">
+                  <c:v>4.7750937109537697</c:v>
+                </c:pt>
+                <c:pt idx="592">
+                  <c:v>4.7750937109537697</c:v>
+                </c:pt>
+                <c:pt idx="593">
+                  <c:v>4.7750937109537697</c:v>
+                </c:pt>
+                <c:pt idx="594">
+                  <c:v>4.7750937109537697</c:v>
+                </c:pt>
+                <c:pt idx="595">
+                  <c:v>4.7750937109537697</c:v>
+                </c:pt>
+                <c:pt idx="596">
+                  <c:v>4.7750937109537697</c:v>
+                </c:pt>
+                <c:pt idx="597">
+                  <c:v>4.7750937109537697</c:v>
+                </c:pt>
+                <c:pt idx="598">
+                  <c:v>4.7750937109537697</c:v>
+                </c:pt>
+                <c:pt idx="599">
+                  <c:v>4.7750937109537697</c:v>
+                </c:pt>
+                <c:pt idx="600">
+                  <c:v>4.7750937109537697</c:v>
+                </c:pt>
+                <c:pt idx="601">
+                  <c:v>4.7750937109537697</c:v>
+                </c:pt>
+                <c:pt idx="602">
+                  <c:v>4.7750937109537697</c:v>
+                </c:pt>
+                <c:pt idx="603">
+                  <c:v>4.7750937109537697</c:v>
+                </c:pt>
+                <c:pt idx="604">
+                  <c:v>4.7750937109537697</c:v>
+                </c:pt>
+                <c:pt idx="605">
+                  <c:v>4.7750937109537697</c:v>
+                </c:pt>
+                <c:pt idx="606">
+                  <c:v>4.7750937109537697</c:v>
+                </c:pt>
+                <c:pt idx="607">
+                  <c:v>4.7750937109537697</c:v>
+                </c:pt>
+                <c:pt idx="608">
+                  <c:v>4.7750937109537697</c:v>
+                </c:pt>
+                <c:pt idx="609">
+                  <c:v>4.7750937109537697</c:v>
+                </c:pt>
+                <c:pt idx="610">
+                  <c:v>4.7750937109537697</c:v>
+                </c:pt>
+                <c:pt idx="611">
+                  <c:v>4.7750937109537697</c:v>
+                </c:pt>
+                <c:pt idx="612">
+                  <c:v>4.7750937109537697</c:v>
+                </c:pt>
+                <c:pt idx="613">
+                  <c:v>4.7750937109537697</c:v>
+                </c:pt>
+                <c:pt idx="614">
+                  <c:v>4.7750937109537697</c:v>
+                </c:pt>
+                <c:pt idx="615">
+                  <c:v>4.7750937109537697</c:v>
+                </c:pt>
+                <c:pt idx="616">
+                  <c:v>4.7750937109537697</c:v>
+                </c:pt>
+                <c:pt idx="617">
+                  <c:v>4.7750937109537697</c:v>
+                </c:pt>
+                <c:pt idx="618">
+                  <c:v>4.7750937109537697</c:v>
+                </c:pt>
+                <c:pt idx="619">
+                  <c:v>4.7750937109537697</c:v>
+                </c:pt>
+                <c:pt idx="620">
+                  <c:v>4.7750937109537697</c:v>
+                </c:pt>
+                <c:pt idx="621">
+                  <c:v>4.7750937109537697</c:v>
+                </c:pt>
+                <c:pt idx="622">
+                  <c:v>4.7750937109537697</c:v>
+                </c:pt>
+                <c:pt idx="623">
+                  <c:v>4.7750937109537697</c:v>
+                </c:pt>
+                <c:pt idx="624">
+                  <c:v>4.7750937109537697</c:v>
+                </c:pt>
+                <c:pt idx="625">
+                  <c:v>4.7750937109537697</c:v>
+                </c:pt>
+                <c:pt idx="626">
+                  <c:v>4.7750937109537697</c:v>
+                </c:pt>
+                <c:pt idx="627">
+                  <c:v>4.7750937109537697</c:v>
+                </c:pt>
+                <c:pt idx="628">
+                  <c:v>4.7750937109537697</c:v>
+                </c:pt>
+                <c:pt idx="629">
+                  <c:v>4.7750937109537697</c:v>
+                </c:pt>
+                <c:pt idx="630">
+                  <c:v>4.7750937109537697</c:v>
+                </c:pt>
+                <c:pt idx="631">
+                  <c:v>4.7750937109537697</c:v>
+                </c:pt>
+                <c:pt idx="632">
+                  <c:v>4.7750937109537697</c:v>
+                </c:pt>
+                <c:pt idx="633">
+                  <c:v>4.7750937109537697</c:v>
+                </c:pt>
+                <c:pt idx="634">
+                  <c:v>4.7750937109537697</c:v>
+                </c:pt>
+                <c:pt idx="635">
+                  <c:v>4.7750937109537697</c:v>
+                </c:pt>
+                <c:pt idx="636">
+                  <c:v>4.7750937109537697</c:v>
+                </c:pt>
+                <c:pt idx="637">
+                  <c:v>4.7750937109537697</c:v>
+                </c:pt>
+                <c:pt idx="638">
+                  <c:v>4.7750937109537697</c:v>
+                </c:pt>
+                <c:pt idx="639">
+                  <c:v>4.7750937109537697</c:v>
+                </c:pt>
+                <c:pt idx="640">
+                  <c:v>4.7750937109537697</c:v>
+                </c:pt>
+                <c:pt idx="641">
+                  <c:v>4.7750937109537697</c:v>
+                </c:pt>
+                <c:pt idx="642">
+                  <c:v>4.7750937109537697</c:v>
+                </c:pt>
+                <c:pt idx="643">
+                  <c:v>4.7750937109537697</c:v>
+                </c:pt>
+                <c:pt idx="644">
+                  <c:v>4.7750937109537697</c:v>
+                </c:pt>
+                <c:pt idx="645">
+                  <c:v>4.7750937109537697</c:v>
+                </c:pt>
+                <c:pt idx="646">
+                  <c:v>4.7750937109537697</c:v>
+                </c:pt>
+                <c:pt idx="647">
+                  <c:v>4.7750937109537697</c:v>
+                </c:pt>
+                <c:pt idx="648">
+                  <c:v>4.7750937109537697</c:v>
+                </c:pt>
+                <c:pt idx="649">
+                  <c:v>4.7750937109537697</c:v>
+                </c:pt>
+                <c:pt idx="650">
+                  <c:v>4.7750937109537697</c:v>
+                </c:pt>
+                <c:pt idx="651">
+                  <c:v>4.7750937109537697</c:v>
+                </c:pt>
+                <c:pt idx="652">
+                  <c:v>4.7750937109537697</c:v>
+                </c:pt>
+                <c:pt idx="653">
+                  <c:v>4.7750937109537697</c:v>
+                </c:pt>
+                <c:pt idx="654">
+                  <c:v>4.7750937109537697</c:v>
+                </c:pt>
+                <c:pt idx="655">
+                  <c:v>4.7750937109537697</c:v>
+                </c:pt>
+                <c:pt idx="656">
+                  <c:v>4.7750937109537697</c:v>
+                </c:pt>
+                <c:pt idx="657">
+                  <c:v>4.7750937109537697</c:v>
+                </c:pt>
+                <c:pt idx="658">
+                  <c:v>4.7750937109537697</c:v>
+                </c:pt>
+                <c:pt idx="659">
+                  <c:v>4.7750937109537697</c:v>
+                </c:pt>
+                <c:pt idx="660">
+                  <c:v>4.7750937109537697</c:v>
+                </c:pt>
+                <c:pt idx="661">
+                  <c:v>4.7750937109537697</c:v>
+                </c:pt>
+                <c:pt idx="662">
+                  <c:v>4.7750937109537697</c:v>
+                </c:pt>
+                <c:pt idx="663">
+                  <c:v>4.7750937109537697</c:v>
+                </c:pt>
+                <c:pt idx="664">
+                  <c:v>4.7750937109537697</c:v>
+                </c:pt>
+                <c:pt idx="665">
+                  <c:v>4.7750937109537697</c:v>
+                </c:pt>
+                <c:pt idx="666">
+                  <c:v>4.7750937109537697</c:v>
+                </c:pt>
+                <c:pt idx="667">
+                  <c:v>4.7750937109537697</c:v>
+                </c:pt>
+                <c:pt idx="668">
+                  <c:v>4.7750937109537697</c:v>
+                </c:pt>
+                <c:pt idx="669">
+                  <c:v>4.7750937109537697</c:v>
+                </c:pt>
+                <c:pt idx="670">
+                  <c:v>4.7750937109537697</c:v>
+                </c:pt>
+                <c:pt idx="671">
+                  <c:v>4.7750937109537697</c:v>
+                </c:pt>
+                <c:pt idx="672">
+                  <c:v>4.7750937109537697</c:v>
+                </c:pt>
+                <c:pt idx="673">
+                  <c:v>4.7750937109537697</c:v>
+                </c:pt>
+                <c:pt idx="674">
+                  <c:v>4.7750937109537697</c:v>
+                </c:pt>
+                <c:pt idx="675">
+                  <c:v>4.7750937109537697</c:v>
+                </c:pt>
+                <c:pt idx="676">
+                  <c:v>4.7750937109537697</c:v>
+                </c:pt>
+                <c:pt idx="677">
+                  <c:v>4.7750937109537697</c:v>
+                </c:pt>
+                <c:pt idx="678">
+                  <c:v>4.7750937109537697</c:v>
+                </c:pt>
+                <c:pt idx="679">
+                  <c:v>4.7750937109537697</c:v>
+                </c:pt>
+                <c:pt idx="680">
+                  <c:v>4.7750937109537697</c:v>
+                </c:pt>
+                <c:pt idx="681">
+                  <c:v>4.7750937109537697</c:v>
+                </c:pt>
+                <c:pt idx="682">
+                  <c:v>4.7750937109537697</c:v>
+                </c:pt>
+                <c:pt idx="683">
+                  <c:v>4.7750937109537697</c:v>
+                </c:pt>
+                <c:pt idx="684">
+                  <c:v>4.7750937109537697</c:v>
+                </c:pt>
+                <c:pt idx="685">
+                  <c:v>4.7750937109537697</c:v>
+                </c:pt>
+                <c:pt idx="686">
+                  <c:v>4.7750937109537697</c:v>
+                </c:pt>
+                <c:pt idx="687">
+                  <c:v>4.7750937109537697</c:v>
+                </c:pt>
+                <c:pt idx="688">
+                  <c:v>4.7750937109537697</c:v>
+                </c:pt>
+                <c:pt idx="689">
+                  <c:v>4.7750937109537697</c:v>
+                </c:pt>
+                <c:pt idx="690">
+                  <c:v>4.7750937109537697</c:v>
+                </c:pt>
+                <c:pt idx="691">
+                  <c:v>4.7750937109537697</c:v>
+                </c:pt>
+                <c:pt idx="692">
+                  <c:v>4.7750937109537697</c:v>
+                </c:pt>
+                <c:pt idx="693">
+                  <c:v>4.7750937109537697</c:v>
+                </c:pt>
+                <c:pt idx="694">
+                  <c:v>4.7750937109537697</c:v>
+                </c:pt>
+              </c:numCache>
+            </c:numRef>
+          </c:yVal>
+          <c:smooth val="1"/>
+          <c:extLst>
+            <c:ext xmlns:c16="http://schemas.microsoft.com/office/drawing/2014/chart" uri="{C3380CC4-5D6E-409C-BE32-E72D297353CC}">
+              <c16:uniqueId val="{00000000-A72B-477B-B931-E5279B064FF2}"/>
+            </c:ext>
+          </c:extLst>
+        </c:ser>
+        <c:dLbls>
+          <c:showLegendKey val="0"/>
+          <c:showVal val="0"/>
+          <c:showCatName val="0"/>
+          <c:showSerName val="0"/>
+          <c:showPercent val="0"/>
+          <c:showBubbleSize val="0"/>
+        </c:dLbls>
+        <c:axId val="457772968"/>
+        <c:axId val="457773296"/>
+      </c:scatterChart>
+      <c:valAx>
+        <c:axId val="457772968"/>
+        <c:scaling>
+          <c:orientation val="minMax"/>
+        </c:scaling>
+        <c:delete val="0"/>
+        <c:axPos val="b"/>
+        <c:majorGridlines>
+          <c:spPr>
+            <a:ln w="9525" cap="flat" cmpd="sng" algn="ctr">
+              <a:solidFill>
+                <a:schemeClr val="tx1">
+                  <a:lumMod val="15000"/>
+                  <a:lumOff val="85000"/>
+                </a:schemeClr>
+              </a:solidFill>
+              <a:round/>
+            </a:ln>
+            <a:effectLst/>
+          </c:spPr>
+        </c:majorGridlines>
+        <c:title>
+          <c:tx>
+            <c:rich>
+              <a:bodyPr rot="0" spcFirstLastPara="1" vertOverflow="ellipsis" vert="horz" wrap="square" anchor="ctr" anchorCtr="1"/>
+              <a:lstStyle/>
+              <a:p>
+                <a:pPr>
+                  <a:defRPr sz="1000" b="0" i="0" u="none" strike="noStrike" kern="1200" baseline="0">
+                    <a:solidFill>
+                      <a:schemeClr val="tx1">
+                        <a:lumMod val="65000"/>
+                        <a:lumOff val="35000"/>
+                      </a:schemeClr>
+                    </a:solidFill>
+                    <a:latin typeface="+mn-lt"/>
+                    <a:ea typeface="+mn-ea"/>
+                    <a:cs typeface="+mn-cs"/>
+                  </a:defRPr>
+                </a:pPr>
+                <a:r>
+                  <a:rPr lang="en-US"/>
+                  <a:t>Iteration </a:t>
+                </a:r>
+              </a:p>
+            </c:rich>
+          </c:tx>
+          <c:overlay val="0"/>
+          <c:spPr>
+            <a:noFill/>
+            <a:ln>
+              <a:noFill/>
+            </a:ln>
+            <a:effectLst/>
+          </c:spPr>
+          <c:txPr>
+            <a:bodyPr rot="0" spcFirstLastPara="1" vertOverflow="ellipsis" vert="horz" wrap="square" anchor="ctr" anchorCtr="1"/>
+            <a:lstStyle/>
+            <a:p>
+              <a:pPr>
+                <a:defRPr sz="1000" b="0" i="0" u="none" strike="noStrike" kern="1200" baseline="0">
+                  <a:solidFill>
+                    <a:schemeClr val="tx1">
+                      <a:lumMod val="65000"/>
+                      <a:lumOff val="35000"/>
+                    </a:schemeClr>
+                  </a:solidFill>
+                  <a:latin typeface="+mn-lt"/>
+                  <a:ea typeface="+mn-ea"/>
+                  <a:cs typeface="+mn-cs"/>
+                </a:defRPr>
+              </a:pPr>
+              <a:endParaRPr lang="en-US"/>
+            </a:p>
+          </c:txPr>
+        </c:title>
+        <c:numFmt formatCode="General" sourceLinked="1"/>
+        <c:majorTickMark val="none"/>
+        <c:minorTickMark val="none"/>
+        <c:tickLblPos val="nextTo"/>
+        <c:spPr>
+          <a:noFill/>
+          <a:ln w="9525" cap="flat" cmpd="sng" algn="ctr">
+            <a:solidFill>
+              <a:schemeClr val="tx1">
+                <a:lumMod val="25000"/>
+                <a:lumOff val="75000"/>
+              </a:schemeClr>
+            </a:solidFill>
+            <a:round/>
+          </a:ln>
+          <a:effectLst/>
+        </c:spPr>
+        <c:txPr>
+          <a:bodyPr rot="-60000000" spcFirstLastPara="1" vertOverflow="ellipsis" vert="horz" wrap="square" anchor="ctr" anchorCtr="1"/>
+          <a:lstStyle/>
+          <a:p>
+            <a:pPr>
+              <a:defRPr sz="900" b="0" i="0" u="none" strike="noStrike" kern="1200" baseline="0">
+                <a:solidFill>
+                  <a:schemeClr val="tx1">
+                    <a:lumMod val="65000"/>
+                    <a:lumOff val="35000"/>
+                  </a:schemeClr>
+                </a:solidFill>
+                <a:latin typeface="+mn-lt"/>
+                <a:ea typeface="+mn-ea"/>
+                <a:cs typeface="+mn-cs"/>
+              </a:defRPr>
+            </a:pPr>
+            <a:endParaRPr lang="en-US"/>
+          </a:p>
+        </c:txPr>
+        <c:crossAx val="457773296"/>
+        <c:crosses val="autoZero"/>
+        <c:crossBetween val="midCat"/>
+      </c:valAx>
+      <c:valAx>
+        <c:axId val="457773296"/>
+        <c:scaling>
+          <c:orientation val="minMax"/>
+          <c:min val="4"/>
+        </c:scaling>
+        <c:delete val="0"/>
+        <c:axPos val="l"/>
+        <c:majorGridlines>
+          <c:spPr>
+            <a:ln w="9525" cap="flat" cmpd="sng" algn="ctr">
+              <a:solidFill>
+                <a:schemeClr val="tx1">
+                  <a:lumMod val="15000"/>
+                  <a:lumOff val="85000"/>
+                </a:schemeClr>
+              </a:solidFill>
+              <a:round/>
+            </a:ln>
+            <a:effectLst/>
+          </c:spPr>
+        </c:majorGridlines>
+        <c:title>
+          <c:tx>
+            <c:rich>
+              <a:bodyPr rot="-5400000" spcFirstLastPara="1" vertOverflow="ellipsis" vert="horz" wrap="square" anchor="ctr" anchorCtr="1"/>
+              <a:lstStyle/>
+              <a:p>
+                <a:pPr>
+                  <a:defRPr sz="1000" b="0" i="0" u="none" strike="noStrike" kern="1200" baseline="0">
+                    <a:solidFill>
+                      <a:schemeClr val="tx1">
+                        <a:lumMod val="65000"/>
+                        <a:lumOff val="35000"/>
+                      </a:schemeClr>
+                    </a:solidFill>
+                    <a:latin typeface="+mn-lt"/>
+                    <a:ea typeface="+mn-ea"/>
+                    <a:cs typeface="+mn-cs"/>
+                  </a:defRPr>
+                </a:pPr>
+                <a:r>
+                  <a:rPr lang="en-US"/>
+                  <a:t>Best  Avarage </a:t>
+                </a:r>
+              </a:p>
+            </c:rich>
+          </c:tx>
+          <c:overlay val="0"/>
+          <c:spPr>
+            <a:noFill/>
+            <a:ln>
+              <a:noFill/>
+            </a:ln>
+            <a:effectLst/>
+          </c:spPr>
+          <c:txPr>
+            <a:bodyPr rot="-5400000" spcFirstLastPara="1" vertOverflow="ellipsis" vert="horz" wrap="square" anchor="ctr" anchorCtr="1"/>
+            <a:lstStyle/>
+            <a:p>
+              <a:pPr>
+                <a:defRPr sz="1000" b="0" i="0" u="none" strike="noStrike" kern="1200" baseline="0">
+                  <a:solidFill>
+                    <a:schemeClr val="tx1">
+                      <a:lumMod val="65000"/>
+                      <a:lumOff val="35000"/>
+                    </a:schemeClr>
+                  </a:solidFill>
+                  <a:latin typeface="+mn-lt"/>
+                  <a:ea typeface="+mn-ea"/>
+                  <a:cs typeface="+mn-cs"/>
+                </a:defRPr>
+              </a:pPr>
+              <a:endParaRPr lang="en-US"/>
+            </a:p>
+          </c:txPr>
+        </c:title>
+        <c:numFmt formatCode="General" sourceLinked="1"/>
+        <c:majorTickMark val="none"/>
+        <c:minorTickMark val="none"/>
+        <c:tickLblPos val="nextTo"/>
+        <c:spPr>
+          <a:noFill/>
+          <a:ln w="9525" cap="flat" cmpd="sng" algn="ctr">
+            <a:solidFill>
+              <a:schemeClr val="tx1">
+                <a:lumMod val="25000"/>
+                <a:lumOff val="75000"/>
+              </a:schemeClr>
+            </a:solidFill>
+            <a:round/>
+          </a:ln>
+          <a:effectLst/>
+        </c:spPr>
+        <c:txPr>
+          <a:bodyPr rot="-60000000" spcFirstLastPara="1" vertOverflow="ellipsis" vert="horz" wrap="square" anchor="ctr" anchorCtr="1"/>
+          <a:lstStyle/>
+          <a:p>
+            <a:pPr>
+              <a:defRPr sz="900" b="0" i="0" u="none" strike="noStrike" kern="1200" baseline="0">
+                <a:solidFill>
+                  <a:schemeClr val="tx1">
+                    <a:lumMod val="65000"/>
+                    <a:lumOff val="35000"/>
+                  </a:schemeClr>
+                </a:solidFill>
+                <a:latin typeface="+mn-lt"/>
+                <a:ea typeface="+mn-ea"/>
+                <a:cs typeface="+mn-cs"/>
+              </a:defRPr>
+            </a:pPr>
+            <a:endParaRPr lang="en-US"/>
+          </a:p>
+        </c:txPr>
+        <c:crossAx val="457772968"/>
+        <c:crosses val="autoZero"/>
+        <c:crossBetween val="midCat"/>
+        <c:majorUnit val="0.2"/>
+      </c:valAx>
+      <c:spPr>
+        <a:noFill/>
+        <a:ln>
+          <a:noFill/>
+        </a:ln>
+        <a:effectLst/>
+      </c:spPr>
+    </c:plotArea>
+    <c:plotVisOnly val="1"/>
+    <c:dispBlanksAs val="gap"/>
+    <c:extLst>
+      <c:ext xmlns:c16r3="http://schemas.microsoft.com/office/drawing/2017/03/chart" uri="{56B9EC1D-385E-4148-901F-78D8002777C0}">
+        <c16r3:dataDisplayOptions16>
+          <c16r3:dispNaAsBlank val="1"/>
+        </c16r3:dataDisplayOptions16>
+      </c:ext>
+    </c:extLst>
+    <c:showDLblsOverMax val="0"/>
+  </c:chart>
+  <c:spPr>
+    <a:noFill/>
+    <a:ln>
+      <a:noFill/>
+    </a:ln>
+    <a:effectLst/>
+  </c:spPr>
+  <c:txPr>
+    <a:bodyPr/>
+    <a:lstStyle/>
+    <a:p>
+      <a:pPr>
+        <a:defRPr/>
+      </a:pPr>
+      <a:endParaRPr lang="en-US"/>
+    </a:p>
+  </c:txPr>
+  <c:externalData r:id="rId3">
+    <c:autoUpdate val="0"/>
+  </c:externalData>
+</c:chartSpace>
+</file>
+
 <file path=ppt/charts/colors1.xml><?xml version="1.0" encoding="utf-8"?>
 <cs:colorStyle xmlns:cs="http://schemas.microsoft.com/office/drawing/2012/chartStyle" xmlns:a="http://schemas.openxmlformats.org/drawingml/2006/main" meth="cycle" id="10">
   <a:schemeClr val="accent1"/>
@@ -28078,6 +32658,46 @@
 </file>
 
 <file path=ppt/charts/colors3.xml><?xml version="1.0" encoding="utf-8"?>
+<cs:colorStyle xmlns:cs="http://schemas.microsoft.com/office/drawing/2012/chartStyle" xmlns:a="http://schemas.openxmlformats.org/drawingml/2006/main" meth="cycle" id="10">
+  <a:schemeClr val="accent1"/>
+  <a:schemeClr val="accent2"/>
+  <a:schemeClr val="accent3"/>
+  <a:schemeClr val="accent4"/>
+  <a:schemeClr val="accent5"/>
+  <a:schemeClr val="accent6"/>
+  <cs:variation/>
+  <cs:variation>
+    <a:lumMod val="60000"/>
+  </cs:variation>
+  <cs:variation>
+    <a:lumMod val="80000"/>
+    <a:lumOff val="20000"/>
+  </cs:variation>
+  <cs:variation>
+    <a:lumMod val="80000"/>
+  </cs:variation>
+  <cs:variation>
+    <a:lumMod val="60000"/>
+    <a:lumOff val="40000"/>
+  </cs:variation>
+  <cs:variation>
+    <a:lumMod val="50000"/>
+  </cs:variation>
+  <cs:variation>
+    <a:lumMod val="70000"/>
+    <a:lumOff val="30000"/>
+  </cs:variation>
+  <cs:variation>
+    <a:lumMod val="70000"/>
+  </cs:variation>
+  <cs:variation>
+    <a:lumMod val="50000"/>
+    <a:lumOff val="50000"/>
+  </cs:variation>
+</cs:colorStyle>
+</file>
+
+<file path=ppt/charts/colors4.xml><?xml version="1.0" encoding="utf-8"?>
 <cs:colorStyle xmlns:cs="http://schemas.microsoft.com/office/drawing/2012/chartStyle" xmlns:a="http://schemas.openxmlformats.org/drawingml/2006/main" meth="cycle" id="10">
   <a:schemeClr val="accent1"/>
   <a:schemeClr val="accent2"/>
@@ -29665,6 +34285,522 @@
 </cs:chartStyle>
 </file>
 
+<file path=ppt/charts/style4.xml><?xml version="1.0" encoding="utf-8"?>
+<cs:chartStyle xmlns:cs="http://schemas.microsoft.com/office/drawing/2012/chartStyle" xmlns:a="http://schemas.openxmlformats.org/drawingml/2006/main" id="240">
+  <cs:axisTitle>
+    <cs:lnRef idx="0"/>
+    <cs:fillRef idx="0"/>
+    <cs:effectRef idx="0"/>
+    <cs:fontRef idx="minor">
+      <a:schemeClr val="tx1">
+        <a:lumMod val="65000"/>
+        <a:lumOff val="35000"/>
+      </a:schemeClr>
+    </cs:fontRef>
+    <cs:defRPr sz="1000" kern="1200"/>
+  </cs:axisTitle>
+  <cs:categoryAxis>
+    <cs:lnRef idx="0"/>
+    <cs:fillRef idx="0"/>
+    <cs:effectRef idx="0"/>
+    <cs:fontRef idx="minor">
+      <a:schemeClr val="tx1">
+        <a:lumMod val="65000"/>
+        <a:lumOff val="35000"/>
+      </a:schemeClr>
+    </cs:fontRef>
+    <cs:spPr>
+      <a:ln w="9525" cap="flat" cmpd="sng" algn="ctr">
+        <a:solidFill>
+          <a:schemeClr val="tx1">
+            <a:lumMod val="25000"/>
+            <a:lumOff val="75000"/>
+          </a:schemeClr>
+        </a:solidFill>
+        <a:round/>
+      </a:ln>
+    </cs:spPr>
+    <cs:defRPr sz="900" kern="1200"/>
+  </cs:categoryAxis>
+  <cs:chartArea mods="allowNoFillOverride allowNoLineOverride">
+    <cs:lnRef idx="0"/>
+    <cs:fillRef idx="0"/>
+    <cs:effectRef idx="0"/>
+    <cs:fontRef idx="minor">
+      <a:schemeClr val="tx1"/>
+    </cs:fontRef>
+    <cs:spPr>
+      <a:solidFill>
+        <a:schemeClr val="bg1"/>
+      </a:solidFill>
+      <a:ln w="9525" cap="flat" cmpd="sng" algn="ctr">
+        <a:solidFill>
+          <a:schemeClr val="tx1">
+            <a:lumMod val="15000"/>
+            <a:lumOff val="85000"/>
+          </a:schemeClr>
+        </a:solidFill>
+        <a:round/>
+      </a:ln>
+    </cs:spPr>
+    <cs:defRPr sz="1000" kern="1200"/>
+  </cs:chartArea>
+  <cs:dataLabel>
+    <cs:lnRef idx="0"/>
+    <cs:fillRef idx="0"/>
+    <cs:effectRef idx="0"/>
+    <cs:fontRef idx="minor">
+      <a:schemeClr val="tx1">
+        <a:lumMod val="75000"/>
+        <a:lumOff val="25000"/>
+      </a:schemeClr>
+    </cs:fontRef>
+    <cs:defRPr sz="900" kern="1200"/>
+  </cs:dataLabel>
+  <cs:dataLabelCallout>
+    <cs:lnRef idx="0"/>
+    <cs:fillRef idx="0"/>
+    <cs:effectRef idx="0"/>
+    <cs:fontRef idx="minor">
+      <a:schemeClr val="dk1">
+        <a:lumMod val="65000"/>
+        <a:lumOff val="35000"/>
+      </a:schemeClr>
+    </cs:fontRef>
+    <cs:spPr>
+      <a:solidFill>
+        <a:schemeClr val="lt1"/>
+      </a:solidFill>
+      <a:ln>
+        <a:solidFill>
+          <a:schemeClr val="dk1">
+            <a:lumMod val="25000"/>
+            <a:lumOff val="75000"/>
+          </a:schemeClr>
+        </a:solidFill>
+      </a:ln>
+    </cs:spPr>
+    <cs:defRPr sz="900" kern="1200"/>
+    <cs:bodyPr rot="0" spcFirstLastPara="1" vertOverflow="clip" horzOverflow="clip" vert="horz" wrap="square" lIns="36576" tIns="18288" rIns="36576" bIns="18288" anchor="ctr" anchorCtr="1">
+      <a:spAutoFit/>
+    </cs:bodyPr>
+  </cs:dataLabelCallout>
+  <cs:dataPoint>
+    <cs:lnRef idx="0"/>
+    <cs:fillRef idx="1">
+      <cs:styleClr val="auto"/>
+    </cs:fillRef>
+    <cs:effectRef idx="0"/>
+    <cs:fontRef idx="minor">
+      <a:schemeClr val="tx1"/>
+    </cs:fontRef>
+  </cs:dataPoint>
+  <cs:dataPoint3D>
+    <cs:lnRef idx="0"/>
+    <cs:fillRef idx="1">
+      <cs:styleClr val="auto"/>
+    </cs:fillRef>
+    <cs:effectRef idx="0"/>
+    <cs:fontRef idx="minor">
+      <a:schemeClr val="tx1"/>
+    </cs:fontRef>
+  </cs:dataPoint3D>
+  <cs:dataPointLine>
+    <cs:lnRef idx="0">
+      <cs:styleClr val="auto"/>
+    </cs:lnRef>
+    <cs:fillRef idx="1"/>
+    <cs:effectRef idx="0"/>
+    <cs:fontRef idx="minor">
+      <a:schemeClr val="tx1"/>
+    </cs:fontRef>
+    <cs:spPr>
+      <a:ln w="19050" cap="rnd">
+        <a:solidFill>
+          <a:schemeClr val="phClr"/>
+        </a:solidFill>
+        <a:round/>
+      </a:ln>
+    </cs:spPr>
+  </cs:dataPointLine>
+  <cs:dataPointMarker>
+    <cs:lnRef idx="0">
+      <cs:styleClr val="auto"/>
+    </cs:lnRef>
+    <cs:fillRef idx="1">
+      <cs:styleClr val="auto"/>
+    </cs:fillRef>
+    <cs:effectRef idx="0"/>
+    <cs:fontRef idx="minor">
+      <a:schemeClr val="tx1"/>
+    </cs:fontRef>
+    <cs:spPr>
+      <a:ln w="9525">
+        <a:solidFill>
+          <a:schemeClr val="phClr"/>
+        </a:solidFill>
+      </a:ln>
+    </cs:spPr>
+  </cs:dataPointMarker>
+  <cs:dataPointMarkerLayout symbol="circle" size="5"/>
+  <cs:dataPointWireframe>
+    <cs:lnRef idx="0">
+      <cs:styleClr val="auto"/>
+    </cs:lnRef>
+    <cs:fillRef idx="0"/>
+    <cs:effectRef idx="0"/>
+    <cs:fontRef idx="minor">
+      <a:schemeClr val="dk1"/>
+    </cs:fontRef>
+    <cs:spPr>
+      <a:ln w="9525" cap="rnd">
+        <a:solidFill>
+          <a:schemeClr val="phClr"/>
+        </a:solidFill>
+        <a:round/>
+      </a:ln>
+    </cs:spPr>
+  </cs:dataPointWireframe>
+  <cs:dataTable>
+    <cs:lnRef idx="0"/>
+    <cs:fillRef idx="0"/>
+    <cs:effectRef idx="0"/>
+    <cs:fontRef idx="minor">
+      <a:schemeClr val="tx1">
+        <a:lumMod val="65000"/>
+        <a:lumOff val="35000"/>
+      </a:schemeClr>
+    </cs:fontRef>
+    <cs:spPr>
+      <a:noFill/>
+      <a:ln w="9525" cap="flat" cmpd="sng" algn="ctr">
+        <a:solidFill>
+          <a:schemeClr val="tx1">
+            <a:lumMod val="15000"/>
+            <a:lumOff val="85000"/>
+          </a:schemeClr>
+        </a:solidFill>
+        <a:round/>
+      </a:ln>
+    </cs:spPr>
+    <cs:defRPr sz="900" kern="1200"/>
+  </cs:dataTable>
+  <cs:downBar>
+    <cs:lnRef idx="0"/>
+    <cs:fillRef idx="0"/>
+    <cs:effectRef idx="0"/>
+    <cs:fontRef idx="minor">
+      <a:schemeClr val="tx1"/>
+    </cs:fontRef>
+    <cs:spPr>
+      <a:solidFill>
+        <a:schemeClr val="dk1">
+          <a:lumMod val="75000"/>
+          <a:lumOff val="25000"/>
+        </a:schemeClr>
+      </a:solidFill>
+      <a:ln w="9525" cap="flat" cmpd="sng" algn="ctr">
+        <a:solidFill>
+          <a:schemeClr val="tx1">
+            <a:lumMod val="65000"/>
+            <a:lumOff val="35000"/>
+          </a:schemeClr>
+        </a:solidFill>
+        <a:round/>
+      </a:ln>
+    </cs:spPr>
+  </cs:downBar>
+  <cs:dropLine>
+    <cs:lnRef idx="0"/>
+    <cs:fillRef idx="0"/>
+    <cs:effectRef idx="0"/>
+    <cs:fontRef idx="minor">
+      <a:schemeClr val="tx1"/>
+    </cs:fontRef>
+    <cs:spPr>
+      <a:ln w="9525" cap="flat" cmpd="sng" algn="ctr">
+        <a:solidFill>
+          <a:schemeClr val="tx1">
+            <a:lumMod val="35000"/>
+            <a:lumOff val="65000"/>
+          </a:schemeClr>
+        </a:solidFill>
+        <a:round/>
+      </a:ln>
+    </cs:spPr>
+  </cs:dropLine>
+  <cs:errorBar>
+    <cs:lnRef idx="0"/>
+    <cs:fillRef idx="0"/>
+    <cs:effectRef idx="0"/>
+    <cs:fontRef idx="minor">
+      <a:schemeClr val="tx1"/>
+    </cs:fontRef>
+    <cs:spPr>
+      <a:ln w="9525" cap="flat" cmpd="sng" algn="ctr">
+        <a:solidFill>
+          <a:schemeClr val="tx1">
+            <a:lumMod val="65000"/>
+            <a:lumOff val="35000"/>
+          </a:schemeClr>
+        </a:solidFill>
+        <a:round/>
+      </a:ln>
+    </cs:spPr>
+  </cs:errorBar>
+  <cs:floor>
+    <cs:lnRef idx="0"/>
+    <cs:fillRef idx="0"/>
+    <cs:effectRef idx="0"/>
+    <cs:fontRef idx="minor">
+      <a:schemeClr val="tx1"/>
+    </cs:fontRef>
+    <cs:spPr>
+      <a:noFill/>
+      <a:ln>
+        <a:noFill/>
+      </a:ln>
+    </cs:spPr>
+  </cs:floor>
+  <cs:gridlineMajor>
+    <cs:lnRef idx="0"/>
+    <cs:fillRef idx="0"/>
+    <cs:effectRef idx="0"/>
+    <cs:fontRef idx="minor">
+      <a:schemeClr val="tx1"/>
+    </cs:fontRef>
+    <cs:spPr>
+      <a:ln w="9525" cap="flat" cmpd="sng" algn="ctr">
+        <a:solidFill>
+          <a:schemeClr val="tx1">
+            <a:lumMod val="15000"/>
+            <a:lumOff val="85000"/>
+          </a:schemeClr>
+        </a:solidFill>
+        <a:round/>
+      </a:ln>
+    </cs:spPr>
+  </cs:gridlineMajor>
+  <cs:gridlineMinor>
+    <cs:lnRef idx="0"/>
+    <cs:fillRef idx="0"/>
+    <cs:effectRef idx="0"/>
+    <cs:fontRef idx="minor">
+      <a:schemeClr val="tx1"/>
+    </cs:fontRef>
+    <cs:spPr>
+      <a:ln w="9525" cap="flat" cmpd="sng" algn="ctr">
+        <a:solidFill>
+          <a:schemeClr val="tx1">
+            <a:lumMod val="5000"/>
+            <a:lumOff val="95000"/>
+          </a:schemeClr>
+        </a:solidFill>
+        <a:round/>
+      </a:ln>
+    </cs:spPr>
+  </cs:gridlineMinor>
+  <cs:hiLoLine>
+    <cs:lnRef idx="0"/>
+    <cs:fillRef idx="0"/>
+    <cs:effectRef idx="0"/>
+    <cs:fontRef idx="minor">
+      <a:schemeClr val="tx1"/>
+    </cs:fontRef>
+    <cs:spPr>
+      <a:ln w="9525" cap="flat" cmpd="sng" algn="ctr">
+        <a:solidFill>
+          <a:schemeClr val="tx1">
+            <a:lumMod val="50000"/>
+            <a:lumOff val="50000"/>
+          </a:schemeClr>
+        </a:solidFill>
+        <a:round/>
+      </a:ln>
+    </cs:spPr>
+  </cs:hiLoLine>
+  <cs:leaderLine>
+    <cs:lnRef idx="0"/>
+    <cs:fillRef idx="0"/>
+    <cs:effectRef idx="0"/>
+    <cs:fontRef idx="minor">
+      <a:schemeClr val="tx1"/>
+    </cs:fontRef>
+    <cs:spPr>
+      <a:ln w="9525" cap="flat" cmpd="sng" algn="ctr">
+        <a:solidFill>
+          <a:schemeClr val="tx1">
+            <a:lumMod val="35000"/>
+            <a:lumOff val="65000"/>
+          </a:schemeClr>
+        </a:solidFill>
+        <a:round/>
+      </a:ln>
+    </cs:spPr>
+  </cs:leaderLine>
+  <cs:legend>
+    <cs:lnRef idx="0"/>
+    <cs:fillRef idx="0"/>
+    <cs:effectRef idx="0"/>
+    <cs:fontRef idx="minor">
+      <a:schemeClr val="tx1">
+        <a:lumMod val="65000"/>
+        <a:lumOff val="35000"/>
+      </a:schemeClr>
+    </cs:fontRef>
+    <cs:defRPr sz="900" kern="1200"/>
+  </cs:legend>
+  <cs:plotArea mods="allowNoFillOverride allowNoLineOverride">
+    <cs:lnRef idx="0"/>
+    <cs:fillRef idx="0"/>
+    <cs:effectRef idx="0"/>
+    <cs:fontRef idx="minor">
+      <a:schemeClr val="tx1"/>
+    </cs:fontRef>
+  </cs:plotArea>
+  <cs:plotArea3D mods="allowNoFillOverride allowNoLineOverride">
+    <cs:lnRef idx="0"/>
+    <cs:fillRef idx="0"/>
+    <cs:effectRef idx="0"/>
+    <cs:fontRef idx="minor">
+      <a:schemeClr val="tx1"/>
+    </cs:fontRef>
+  </cs:plotArea3D>
+  <cs:seriesAxis>
+    <cs:lnRef idx="0"/>
+    <cs:fillRef idx="0"/>
+    <cs:effectRef idx="0"/>
+    <cs:fontRef idx="minor">
+      <a:schemeClr val="tx1">
+        <a:lumMod val="65000"/>
+        <a:lumOff val="35000"/>
+      </a:schemeClr>
+    </cs:fontRef>
+    <cs:defRPr sz="900" kern="1200"/>
+  </cs:seriesAxis>
+  <cs:seriesLine>
+    <cs:lnRef idx="0"/>
+    <cs:fillRef idx="0"/>
+    <cs:effectRef idx="0"/>
+    <cs:fontRef idx="minor">
+      <a:schemeClr val="tx1"/>
+    </cs:fontRef>
+    <cs:spPr>
+      <a:ln w="9525" cap="flat" cmpd="sng" algn="ctr">
+        <a:solidFill>
+          <a:schemeClr val="tx1">
+            <a:lumMod val="35000"/>
+            <a:lumOff val="65000"/>
+          </a:schemeClr>
+        </a:solidFill>
+        <a:round/>
+      </a:ln>
+    </cs:spPr>
+  </cs:seriesLine>
+  <cs:title>
+    <cs:lnRef idx="0"/>
+    <cs:fillRef idx="0"/>
+    <cs:effectRef idx="0"/>
+    <cs:fontRef idx="minor">
+      <a:schemeClr val="tx1">
+        <a:lumMod val="65000"/>
+        <a:lumOff val="35000"/>
+      </a:schemeClr>
+    </cs:fontRef>
+    <cs:defRPr sz="1400" b="0" kern="1200" spc="0" baseline="0"/>
+  </cs:title>
+  <cs:trendline>
+    <cs:lnRef idx="0">
+      <cs:styleClr val="auto"/>
+    </cs:lnRef>
+    <cs:fillRef idx="0"/>
+    <cs:effectRef idx="0"/>
+    <cs:fontRef idx="minor">
+      <a:schemeClr val="tx1"/>
+    </cs:fontRef>
+    <cs:spPr>
+      <a:ln w="19050" cap="rnd">
+        <a:solidFill>
+          <a:schemeClr val="phClr"/>
+        </a:solidFill>
+        <a:prstDash val="sysDot"/>
+      </a:ln>
+    </cs:spPr>
+  </cs:trendline>
+  <cs:trendlineLabel>
+    <cs:lnRef idx="0"/>
+    <cs:fillRef idx="0"/>
+    <cs:effectRef idx="0"/>
+    <cs:fontRef idx="minor">
+      <a:schemeClr val="tx1">
+        <a:lumMod val="65000"/>
+        <a:lumOff val="35000"/>
+      </a:schemeClr>
+    </cs:fontRef>
+    <cs:defRPr sz="900" kern="1200"/>
+  </cs:trendlineLabel>
+  <cs:upBar>
+    <cs:lnRef idx="0"/>
+    <cs:fillRef idx="0"/>
+    <cs:effectRef idx="0"/>
+    <cs:fontRef idx="minor">
+      <a:schemeClr val="tx1"/>
+    </cs:fontRef>
+    <cs:spPr>
+      <a:solidFill>
+        <a:schemeClr val="lt1"/>
+      </a:solidFill>
+      <a:ln w="9525" cap="flat" cmpd="sng" algn="ctr">
+        <a:solidFill>
+          <a:schemeClr val="tx1">
+            <a:lumMod val="65000"/>
+            <a:lumOff val="35000"/>
+          </a:schemeClr>
+        </a:solidFill>
+        <a:round/>
+      </a:ln>
+    </cs:spPr>
+  </cs:upBar>
+  <cs:valueAxis>
+    <cs:lnRef idx="0"/>
+    <cs:fillRef idx="0"/>
+    <cs:effectRef idx="0"/>
+    <cs:fontRef idx="minor">
+      <a:schemeClr val="tx1">
+        <a:lumMod val="65000"/>
+        <a:lumOff val="35000"/>
+      </a:schemeClr>
+    </cs:fontRef>
+    <cs:spPr>
+      <a:ln w="9525" cap="flat" cmpd="sng" algn="ctr">
+        <a:solidFill>
+          <a:schemeClr val="tx1">
+            <a:lumMod val="25000"/>
+            <a:lumOff val="75000"/>
+          </a:schemeClr>
+        </a:solidFill>
+        <a:round/>
+      </a:ln>
+    </cs:spPr>
+    <cs:defRPr sz="900" kern="1200"/>
+  </cs:valueAxis>
+  <cs:wall>
+    <cs:lnRef idx="0"/>
+    <cs:fillRef idx="0"/>
+    <cs:effectRef idx="0"/>
+    <cs:fontRef idx="minor">
+      <a:schemeClr val="tx1"/>
+    </cs:fontRef>
+    <cs:spPr>
+      <a:noFill/>
+      <a:ln>
+        <a:noFill/>
+      </a:ln>
+    </cs:spPr>
+  </cs:wall>
+</cs:chartStyle>
+</file>
+
 <file path=ppt/notesMasters/notesMaster1.xml><?xml version="1.0" encoding="utf-8"?>
 <p:notesMaster xmlns:a="http://schemas.openxmlformats.org/drawingml/2006/main" xmlns:r="http://schemas.openxmlformats.org/officeDocument/2006/relationships" xmlns:p="http://schemas.openxmlformats.org/presentationml/2006/main">
   <p:cSld>
@@ -29747,7 +34883,7 @@
           <a:p>
             <a:fld id="{D1AEB4C2-0CE1-455B-854A-E7A68A16A6D7}" type="datetimeFigureOut">
               <a:rPr lang="en-US" smtClean="0"/>
-              <a:t>12/9/2018</a:t>
+              <a:t>12/13/2018</a:t>
             </a:fld>
             <a:endParaRPr lang="en-US"/>
           </a:p>
@@ -30200,7 +35336,7 @@
           <a:p>
             <a:fld id="{80498F4A-FE51-4258-903F-BAA40BBA580E}" type="datetimeFigureOut">
               <a:rPr lang="en-US" smtClean="0"/>
-              <a:t>12/9/2018</a:t>
+              <a:t>12/13/2018</a:t>
             </a:fld>
             <a:endParaRPr lang="en-US"/>
           </a:p>
@@ -30475,7 +35611,7 @@
           <a:p>
             <a:fld id="{80498F4A-FE51-4258-903F-BAA40BBA580E}" type="datetimeFigureOut">
               <a:rPr lang="en-US" smtClean="0"/>
-              <a:t>12/9/2018</a:t>
+              <a:t>12/13/2018</a:t>
             </a:fld>
             <a:endParaRPr lang="en-US"/>
           </a:p>
@@ -30669,7 +35805,7 @@
           <a:p>
             <a:fld id="{80498F4A-FE51-4258-903F-BAA40BBA580E}" type="datetimeFigureOut">
               <a:rPr lang="en-US" smtClean="0"/>
-              <a:t>12/9/2018</a:t>
+              <a:t>12/13/2018</a:t>
             </a:fld>
             <a:endParaRPr lang="en-US"/>
           </a:p>
@@ -30942,7 +36078,7 @@
           <a:p>
             <a:fld id="{80498F4A-FE51-4258-903F-BAA40BBA580E}" type="datetimeFigureOut">
               <a:rPr lang="en-US" smtClean="0"/>
-              <a:t>12/9/2018</a:t>
+              <a:t>12/13/2018</a:t>
             </a:fld>
             <a:endParaRPr lang="en-US"/>
           </a:p>
@@ -31283,7 +36419,7 @@
           <a:p>
             <a:fld id="{80498F4A-FE51-4258-903F-BAA40BBA580E}" type="datetimeFigureOut">
               <a:rPr lang="en-US" smtClean="0"/>
-              <a:t>12/9/2018</a:t>
+              <a:t>12/13/2018</a:t>
             </a:fld>
             <a:endParaRPr lang="en-US"/>
           </a:p>
@@ -31906,7 +37042,7 @@
           <a:p>
             <a:fld id="{80498F4A-FE51-4258-903F-BAA40BBA580E}" type="datetimeFigureOut">
               <a:rPr lang="en-US" smtClean="0"/>
-              <a:t>12/9/2018</a:t>
+              <a:t>12/13/2018</a:t>
             </a:fld>
             <a:endParaRPr lang="en-US"/>
           </a:p>
@@ -32766,7 +37902,7 @@
           <a:p>
             <a:fld id="{80498F4A-FE51-4258-903F-BAA40BBA580E}" type="datetimeFigureOut">
               <a:rPr lang="en-US" smtClean="0"/>
-              <a:t>12/9/2018</a:t>
+              <a:t>12/13/2018</a:t>
             </a:fld>
             <a:endParaRPr lang="en-US"/>
           </a:p>
@@ -32936,7 +38072,7 @@
           <a:p>
             <a:fld id="{80498F4A-FE51-4258-903F-BAA40BBA580E}" type="datetimeFigureOut">
               <a:rPr lang="en-US" smtClean="0"/>
-              <a:t>12/9/2018</a:t>
+              <a:t>12/13/2018</a:t>
             </a:fld>
             <a:endParaRPr lang="en-US"/>
           </a:p>
@@ -33116,7 +38252,7 @@
           <a:p>
             <a:fld id="{80498F4A-FE51-4258-903F-BAA40BBA580E}" type="datetimeFigureOut">
               <a:rPr lang="en-US" smtClean="0"/>
-              <a:t>12/9/2018</a:t>
+              <a:t>12/13/2018</a:t>
             </a:fld>
             <a:endParaRPr lang="en-US"/>
           </a:p>
@@ -33286,7 +38422,7 @@
           <a:p>
             <a:fld id="{80498F4A-FE51-4258-903F-BAA40BBA580E}" type="datetimeFigureOut">
               <a:rPr lang="en-US" smtClean="0"/>
-              <a:t>12/9/2018</a:t>
+              <a:t>12/13/2018</a:t>
             </a:fld>
             <a:endParaRPr lang="en-US"/>
           </a:p>
@@ -33533,7 +38669,7 @@
           <a:p>
             <a:fld id="{80498F4A-FE51-4258-903F-BAA40BBA580E}" type="datetimeFigureOut">
               <a:rPr lang="en-US" smtClean="0"/>
-              <a:t>12/9/2018</a:t>
+              <a:t>12/13/2018</a:t>
             </a:fld>
             <a:endParaRPr lang="en-US"/>
           </a:p>
@@ -33825,7 +38961,7 @@
           <a:p>
             <a:fld id="{80498F4A-FE51-4258-903F-BAA40BBA580E}" type="datetimeFigureOut">
               <a:rPr lang="en-US" smtClean="0"/>
-              <a:t>12/9/2018</a:t>
+              <a:t>12/13/2018</a:t>
             </a:fld>
             <a:endParaRPr lang="en-US"/>
           </a:p>
@@ -34269,7 +39405,7 @@
           <a:p>
             <a:fld id="{80498F4A-FE51-4258-903F-BAA40BBA580E}" type="datetimeFigureOut">
               <a:rPr lang="en-US" smtClean="0"/>
-              <a:t>12/9/2018</a:t>
+              <a:t>12/13/2018</a:t>
             </a:fld>
             <a:endParaRPr lang="en-US"/>
           </a:p>
@@ -34387,7 +39523,7 @@
           <a:p>
             <a:fld id="{80498F4A-FE51-4258-903F-BAA40BBA580E}" type="datetimeFigureOut">
               <a:rPr lang="en-US" smtClean="0"/>
-              <a:t>12/9/2018</a:t>
+              <a:t>12/13/2018</a:t>
             </a:fld>
             <a:endParaRPr lang="en-US"/>
           </a:p>
@@ -34482,7 +39618,7 @@
           <a:p>
             <a:fld id="{80498F4A-FE51-4258-903F-BAA40BBA580E}" type="datetimeFigureOut">
               <a:rPr lang="en-US" smtClean="0"/>
-              <a:t>12/9/2018</a:t>
+              <a:t>12/13/2018</a:t>
             </a:fld>
             <a:endParaRPr lang="en-US"/>
           </a:p>
@@ -34761,7 +39897,7 @@
           <a:p>
             <a:fld id="{80498F4A-FE51-4258-903F-BAA40BBA580E}" type="datetimeFigureOut">
               <a:rPr lang="en-US" smtClean="0"/>
-              <a:t>12/9/2018</a:t>
+              <a:t>12/13/2018</a:t>
             </a:fld>
             <a:endParaRPr lang="en-US"/>
           </a:p>
@@ -35036,7 +40172,7 @@
           <a:p>
             <a:fld id="{80498F4A-FE51-4258-903F-BAA40BBA580E}" type="datetimeFigureOut">
               <a:rPr lang="en-US" smtClean="0"/>
-              <a:t>12/9/2018</a:t>
+              <a:t>12/13/2018</a:t>
             </a:fld>
             <a:endParaRPr lang="en-US"/>
           </a:p>
@@ -35465,7 +40601,7 @@
           <a:p>
             <a:fld id="{80498F4A-FE51-4258-903F-BAA40BBA580E}" type="datetimeFigureOut">
               <a:rPr lang="en-US" smtClean="0"/>
-              <a:t>12/9/2018</a:t>
+              <a:t>12/13/2018</a:t>
             </a:fld>
             <a:endParaRPr lang="en-US"/>
           </a:p>
@@ -39620,6 +44756,306 @@
         </p:nvSpPr>
         <p:spPr>
           <a:xfrm>
+            <a:off x="0" y="177649"/>
+            <a:ext cx="10551952" cy="1675599"/>
+          </a:xfrm>
+          <a:prstGeom prst="rect">
+            <a:avLst/>
+          </a:prstGeom>
+        </p:spPr>
+        <p:txBody>
+          <a:bodyPr vert="horz" lIns="91440" tIns="45720" rIns="91440" bIns="45720" rtlCol="0" anchor="t">
+            <a:noAutofit/>
+          </a:bodyPr>
+          <a:lstStyle>
+            <a:lvl1pPr algn="l" defTabSz="457200" rtl="0" eaLnBrk="1" latinLnBrk="0" hangingPunct="1">
+              <a:spcBef>
+                <a:spcPct val="0"/>
+              </a:spcBef>
+              <a:buNone/>
+              <a:defRPr sz="4200" b="0" i="0" kern="1200">
+                <a:solidFill>
+                  <a:schemeClr val="tx2"/>
+                </a:solidFill>
+                <a:latin typeface="+mj-lt"/>
+                <a:ea typeface="+mj-ea"/>
+                <a:cs typeface="+mj-cs"/>
+              </a:defRPr>
+            </a:lvl1pPr>
+            <a:lvl2pPr eaLnBrk="1" hangingPunct="1">
+              <a:defRPr>
+                <a:solidFill>
+                  <a:schemeClr val="tx2"/>
+                </a:solidFill>
+              </a:defRPr>
+            </a:lvl2pPr>
+            <a:lvl3pPr eaLnBrk="1" hangingPunct="1">
+              <a:defRPr>
+                <a:solidFill>
+                  <a:schemeClr val="tx2"/>
+                </a:solidFill>
+              </a:defRPr>
+            </a:lvl3pPr>
+            <a:lvl4pPr eaLnBrk="1" hangingPunct="1">
+              <a:defRPr>
+                <a:solidFill>
+                  <a:schemeClr val="tx2"/>
+                </a:solidFill>
+              </a:defRPr>
+            </a:lvl4pPr>
+            <a:lvl5pPr eaLnBrk="1" hangingPunct="1">
+              <a:defRPr>
+                <a:solidFill>
+                  <a:schemeClr val="tx2"/>
+                </a:solidFill>
+              </a:defRPr>
+            </a:lvl5pPr>
+            <a:lvl6pPr eaLnBrk="1" hangingPunct="1">
+              <a:defRPr>
+                <a:solidFill>
+                  <a:schemeClr val="tx2"/>
+                </a:solidFill>
+              </a:defRPr>
+            </a:lvl6pPr>
+            <a:lvl7pPr eaLnBrk="1" hangingPunct="1">
+              <a:defRPr>
+                <a:solidFill>
+                  <a:schemeClr val="tx2"/>
+                </a:solidFill>
+              </a:defRPr>
+            </a:lvl7pPr>
+            <a:lvl8pPr eaLnBrk="1" hangingPunct="1">
+              <a:defRPr>
+                <a:solidFill>
+                  <a:schemeClr val="tx2"/>
+                </a:solidFill>
+              </a:defRPr>
+            </a:lvl8pPr>
+            <a:lvl9pPr eaLnBrk="1" hangingPunct="1">
+              <a:defRPr>
+                <a:solidFill>
+                  <a:schemeClr val="tx2"/>
+                </a:solidFill>
+              </a:defRPr>
+            </a:lvl9pPr>
+          </a:lstStyle>
+          <a:p>
+            <a:r>
+              <a:rPr lang="en-US" dirty="0"/>
+              <a:t>            Trying NN with </a:t>
+            </a:r>
+            <a:r>
+              <a:rPr lang="en-US" b="1" dirty="0"/>
+              <a:t>7 </a:t>
+            </a:r>
+            <a:r>
+              <a:rPr lang="en-US" dirty="0"/>
+              <a:t>colors and 4 slots   </a:t>
+            </a:r>
+            <a:endParaRPr lang="en-US" sz="4000" dirty="0"/>
+          </a:p>
+        </p:txBody>
+      </p:sp>
+      <p:sp>
+        <p:nvSpPr>
+          <p:cNvPr id="3" name="Rectangle 2">
+            <a:extLst>
+              <a:ext uri="{FF2B5EF4-FFF2-40B4-BE49-F238E27FC236}">
+                <a16:creationId xmlns:a16="http://schemas.microsoft.com/office/drawing/2014/main" id="{F96CC5E6-C228-43AA-8E68-B86504191A81}"/>
+              </a:ext>
+            </a:extLst>
+          </p:cNvPr>
+          <p:cNvSpPr/>
+          <p:nvPr/>
+        </p:nvSpPr>
+        <p:spPr>
+          <a:xfrm>
+            <a:off x="356399" y="1086186"/>
+            <a:ext cx="10551951" cy="2585323"/>
+          </a:xfrm>
+          <a:prstGeom prst="rect">
+            <a:avLst/>
+          </a:prstGeom>
+        </p:spPr>
+        <p:txBody>
+          <a:bodyPr wrap="square">
+            <a:spAutoFit/>
+          </a:bodyPr>
+          <a:lstStyle/>
+          <a:p>
+            <a:endParaRPr lang="en-US" dirty="0"/>
+          </a:p>
+          <a:p>
+            <a:r>
+              <a:rPr lang="en-US" dirty="0"/>
+              <a:t>  </a:t>
+            </a:r>
+          </a:p>
+          <a:p>
+            <a:r>
+              <a:rPr lang="en-US" dirty="0"/>
+              <a:t>   </a:t>
+            </a:r>
+          </a:p>
+          <a:p>
+            <a:endParaRPr lang="en-US" dirty="0"/>
+          </a:p>
+          <a:p>
+            <a:endParaRPr lang="en-US" dirty="0"/>
+          </a:p>
+          <a:p>
+            <a:endParaRPr lang="en-US" dirty="0"/>
+          </a:p>
+          <a:p>
+            <a:endParaRPr lang="en-US" dirty="0"/>
+          </a:p>
+          <a:p>
+            <a:endParaRPr lang="en-US" dirty="0"/>
+          </a:p>
+          <a:p>
+            <a:endParaRPr lang="en-US" dirty="0"/>
+          </a:p>
+        </p:txBody>
+      </p:sp>
+      <p:sp>
+        <p:nvSpPr>
+          <p:cNvPr id="4" name="TextBox 3">
+            <a:extLst>
+              <a:ext uri="{FF2B5EF4-FFF2-40B4-BE49-F238E27FC236}">
+                <a16:creationId xmlns:a16="http://schemas.microsoft.com/office/drawing/2014/main" id="{0AA6F4B4-8739-40B2-B6F1-370AE20BDF7C}"/>
+              </a:ext>
+            </a:extLst>
+          </p:cNvPr>
+          <p:cNvSpPr txBox="1"/>
+          <p:nvPr/>
+        </p:nvSpPr>
+        <p:spPr>
+          <a:xfrm>
+            <a:off x="693333" y="5398860"/>
+            <a:ext cx="9404723" cy="646331"/>
+          </a:xfrm>
+          <a:prstGeom prst="rect">
+            <a:avLst/>
+          </a:prstGeom>
+          <a:noFill/>
+        </p:spPr>
+        <p:txBody>
+          <a:bodyPr wrap="square" rtlCol="0">
+            <a:spAutoFit/>
+          </a:bodyPr>
+          <a:lstStyle/>
+          <a:p>
+            <a:r>
+              <a:rPr lang="en-US" dirty="0"/>
+              <a:t>After little more than 700  iterations the NN learned to play mastermind with 4.775 guess to win on average!   </a:t>
+            </a:r>
+          </a:p>
+        </p:txBody>
+      </p:sp>
+      <p:graphicFrame>
+        <p:nvGraphicFramePr>
+          <p:cNvPr id="9" name="Chart 8">
+            <a:extLst>
+              <a:ext uri="{FF2B5EF4-FFF2-40B4-BE49-F238E27FC236}">
+                <a16:creationId xmlns:a16="http://schemas.microsoft.com/office/drawing/2014/main" id="{47931E07-9DA4-4492-B897-800FCEC5F63F}"/>
+              </a:ext>
+            </a:extLst>
+          </p:cNvPr>
+          <p:cNvGraphicFramePr>
+            <a:graphicFrameLocks/>
+          </p:cNvGraphicFramePr>
+          <p:nvPr>
+            <p:extLst>
+              <p:ext uri="{D42A27DB-BD31-4B8C-83A1-F6EECF244321}">
+                <p14:modId xmlns:p14="http://schemas.microsoft.com/office/powerpoint/2010/main" val="4162984363"/>
+              </p:ext>
+            </p:extLst>
+          </p:nvPr>
+        </p:nvGraphicFramePr>
+        <p:xfrm>
+          <a:off x="2141166" y="1399032"/>
+          <a:ext cx="6509058" cy="3675888"/>
+        </p:xfrm>
+        <a:graphic>
+          <a:graphicData uri="http://schemas.openxmlformats.org/drawingml/2006/chart">
+            <c:chart xmlns:c="http://schemas.openxmlformats.org/drawingml/2006/chart" xmlns:r="http://schemas.openxmlformats.org/officeDocument/2006/relationships" r:id="rId2"/>
+          </a:graphicData>
+        </a:graphic>
+      </p:graphicFrame>
+    </p:spTree>
+    <p:extLst>
+      <p:ext uri="{BB962C8B-B14F-4D97-AF65-F5344CB8AC3E}">
+        <p14:creationId xmlns:p14="http://schemas.microsoft.com/office/powerpoint/2010/main" val="1444213961"/>
+      </p:ext>
+    </p:extLst>
+  </p:cSld>
+  <p:clrMapOvr>
+    <a:masterClrMapping/>
+  </p:clrMapOvr>
+</p:sld>
+</file>
+
+<file path=ppt/slides/slide15.xml><?xml version="1.0" encoding="utf-8"?>
+<p:sld xmlns:a="http://schemas.openxmlformats.org/drawingml/2006/main" xmlns:r="http://schemas.openxmlformats.org/officeDocument/2006/relationships" xmlns:p="http://schemas.openxmlformats.org/presentationml/2006/main">
+  <p:cSld>
+    <p:spTree>
+      <p:nvGrpSpPr>
+        <p:cNvPr id="1" name=""/>
+        <p:cNvGrpSpPr/>
+        <p:nvPr/>
+      </p:nvGrpSpPr>
+      <p:grpSpPr>
+        <a:xfrm>
+          <a:off x="0" y="0"/>
+          <a:ext cx="0" cy="0"/>
+          <a:chOff x="0" y="0"/>
+          <a:chExt cx="0" cy="0"/>
+        </a:xfrm>
+      </p:grpSpPr>
+      <p:sp>
+        <p:nvSpPr>
+          <p:cNvPr id="2" name="Title 1">
+            <a:extLst>
+              <a:ext uri="{FF2B5EF4-FFF2-40B4-BE49-F238E27FC236}">
+                <a16:creationId xmlns:a16="http://schemas.microsoft.com/office/drawing/2014/main" id="{BFE03E1E-1CD4-4BF6-8AB2-07362D59237F}"/>
+              </a:ext>
+            </a:extLst>
+          </p:cNvPr>
+          <p:cNvSpPr>
+            <a:spLocks noGrp="1"/>
+          </p:cNvSpPr>
+          <p:nvPr>
+            <p:ph type="title"/>
+          </p:nvPr>
+        </p:nvSpPr>
+        <p:spPr/>
+        <p:txBody>
+          <a:bodyPr/>
+          <a:lstStyle/>
+          <a:p>
+            <a:r>
+              <a:rPr lang="en-US" dirty="0"/>
+              <a:t>         </a:t>
+            </a:r>
+          </a:p>
+        </p:txBody>
+      </p:sp>
+      <p:sp>
+        <p:nvSpPr>
+          <p:cNvPr id="6" name="Title 1">
+            <a:extLst>
+              <a:ext uri="{FF2B5EF4-FFF2-40B4-BE49-F238E27FC236}">
+                <a16:creationId xmlns:a16="http://schemas.microsoft.com/office/drawing/2014/main" id="{28909404-97CF-447C-9C07-862F156F11DD}"/>
+              </a:ext>
+            </a:extLst>
+          </p:cNvPr>
+          <p:cNvSpPr txBox="1">
+            <a:spLocks/>
+          </p:cNvSpPr>
+          <p:nvPr/>
+        </p:nvSpPr>
+        <p:spPr>
+          <a:xfrm>
             <a:off x="194345" y="94478"/>
             <a:ext cx="10551952" cy="1675599"/>
           </a:xfrm>
@@ -43338,7 +48774,7 @@
           <p:nvPr>
             <p:extLst>
               <p:ext uri="{D42A27DB-BD31-4B8C-83A1-F6EECF244321}">
-                <p14:modId xmlns:p14="http://schemas.microsoft.com/office/powerpoint/2010/main" val="2885646399"/>
+                <p14:modId xmlns:p14="http://schemas.microsoft.com/office/powerpoint/2010/main" val="1181033402"/>
               </p:ext>
             </p:extLst>
           </p:nvPr>

--- a/ai_final_project_mastermind.pptx
+++ b/ai_final_project_mastermind.pptx
@@ -5,7 +5,7 @@
     <p:sldMasterId id="2147483660" r:id="rId1"/>
   </p:sldMasterIdLst>
   <p:notesMasterIdLst>
-    <p:notesMasterId r:id="rId17"/>
+    <p:notesMasterId r:id="rId18"/>
   </p:notesMasterIdLst>
   <p:sldIdLst>
     <p:sldId id="256" r:id="rId2"/>
@@ -19,10 +19,11 @@
     <p:sldId id="270" r:id="rId10"/>
     <p:sldId id="269" r:id="rId11"/>
     <p:sldId id="271" r:id="rId12"/>
-    <p:sldId id="272" r:id="rId13"/>
-    <p:sldId id="273" r:id="rId14"/>
-    <p:sldId id="274" r:id="rId15"/>
-    <p:sldId id="267" r:id="rId16"/>
+    <p:sldId id="275" r:id="rId13"/>
+    <p:sldId id="272" r:id="rId14"/>
+    <p:sldId id="273" r:id="rId15"/>
+    <p:sldId id="274" r:id="rId16"/>
+    <p:sldId id="267" r:id="rId17"/>
   </p:sldIdLst>
   <p:sldSz cx="12192000" cy="6858000"/>
   <p:notesSz cx="6858000" cy="9144000"/>
@@ -34883,7 +34884,7 @@
           <a:p>
             <a:fld id="{D1AEB4C2-0CE1-455B-854A-E7A68A16A6D7}" type="datetimeFigureOut">
               <a:rPr lang="en-US" smtClean="0"/>
-              <a:t>12/13/2018</a:t>
+              <a:t>12/15/2018</a:t>
             </a:fld>
             <a:endParaRPr lang="en-US"/>
           </a:p>
@@ -35336,7 +35337,7 @@
           <a:p>
             <a:fld id="{80498F4A-FE51-4258-903F-BAA40BBA580E}" type="datetimeFigureOut">
               <a:rPr lang="en-US" smtClean="0"/>
-              <a:t>12/13/2018</a:t>
+              <a:t>12/15/2018</a:t>
             </a:fld>
             <a:endParaRPr lang="en-US"/>
           </a:p>
@@ -35611,7 +35612,7 @@
           <a:p>
             <a:fld id="{80498F4A-FE51-4258-903F-BAA40BBA580E}" type="datetimeFigureOut">
               <a:rPr lang="en-US" smtClean="0"/>
-              <a:t>12/13/2018</a:t>
+              <a:t>12/15/2018</a:t>
             </a:fld>
             <a:endParaRPr lang="en-US"/>
           </a:p>
@@ -35805,7 +35806,7 @@
           <a:p>
             <a:fld id="{80498F4A-FE51-4258-903F-BAA40BBA580E}" type="datetimeFigureOut">
               <a:rPr lang="en-US" smtClean="0"/>
-              <a:t>12/13/2018</a:t>
+              <a:t>12/15/2018</a:t>
             </a:fld>
             <a:endParaRPr lang="en-US"/>
           </a:p>
@@ -36078,7 +36079,7 @@
           <a:p>
             <a:fld id="{80498F4A-FE51-4258-903F-BAA40BBA580E}" type="datetimeFigureOut">
               <a:rPr lang="en-US" smtClean="0"/>
-              <a:t>12/13/2018</a:t>
+              <a:t>12/15/2018</a:t>
             </a:fld>
             <a:endParaRPr lang="en-US"/>
           </a:p>
@@ -36419,7 +36420,7 @@
           <a:p>
             <a:fld id="{80498F4A-FE51-4258-903F-BAA40BBA580E}" type="datetimeFigureOut">
               <a:rPr lang="en-US" smtClean="0"/>
-              <a:t>12/13/2018</a:t>
+              <a:t>12/15/2018</a:t>
             </a:fld>
             <a:endParaRPr lang="en-US"/>
           </a:p>
@@ -37042,7 +37043,7 @@
           <a:p>
             <a:fld id="{80498F4A-FE51-4258-903F-BAA40BBA580E}" type="datetimeFigureOut">
               <a:rPr lang="en-US" smtClean="0"/>
-              <a:t>12/13/2018</a:t>
+              <a:t>12/15/2018</a:t>
             </a:fld>
             <a:endParaRPr lang="en-US"/>
           </a:p>
@@ -37902,7 +37903,7 @@
           <a:p>
             <a:fld id="{80498F4A-FE51-4258-903F-BAA40BBA580E}" type="datetimeFigureOut">
               <a:rPr lang="en-US" smtClean="0"/>
-              <a:t>12/13/2018</a:t>
+              <a:t>12/15/2018</a:t>
             </a:fld>
             <a:endParaRPr lang="en-US"/>
           </a:p>
@@ -38072,7 +38073,7 @@
           <a:p>
             <a:fld id="{80498F4A-FE51-4258-903F-BAA40BBA580E}" type="datetimeFigureOut">
               <a:rPr lang="en-US" smtClean="0"/>
-              <a:t>12/13/2018</a:t>
+              <a:t>12/15/2018</a:t>
             </a:fld>
             <a:endParaRPr lang="en-US"/>
           </a:p>
@@ -38252,7 +38253,7 @@
           <a:p>
             <a:fld id="{80498F4A-FE51-4258-903F-BAA40BBA580E}" type="datetimeFigureOut">
               <a:rPr lang="en-US" smtClean="0"/>
-              <a:t>12/13/2018</a:t>
+              <a:t>12/15/2018</a:t>
             </a:fld>
             <a:endParaRPr lang="en-US"/>
           </a:p>
@@ -38422,7 +38423,7 @@
           <a:p>
             <a:fld id="{80498F4A-FE51-4258-903F-BAA40BBA580E}" type="datetimeFigureOut">
               <a:rPr lang="en-US" smtClean="0"/>
-              <a:t>12/13/2018</a:t>
+              <a:t>12/15/2018</a:t>
             </a:fld>
             <a:endParaRPr lang="en-US"/>
           </a:p>
@@ -38669,7 +38670,7 @@
           <a:p>
             <a:fld id="{80498F4A-FE51-4258-903F-BAA40BBA580E}" type="datetimeFigureOut">
               <a:rPr lang="en-US" smtClean="0"/>
-              <a:t>12/13/2018</a:t>
+              <a:t>12/15/2018</a:t>
             </a:fld>
             <a:endParaRPr lang="en-US"/>
           </a:p>
@@ -38961,7 +38962,7 @@
           <a:p>
             <a:fld id="{80498F4A-FE51-4258-903F-BAA40BBA580E}" type="datetimeFigureOut">
               <a:rPr lang="en-US" smtClean="0"/>
-              <a:t>12/13/2018</a:t>
+              <a:t>12/15/2018</a:t>
             </a:fld>
             <a:endParaRPr lang="en-US"/>
           </a:p>
@@ -39405,7 +39406,7 @@
           <a:p>
             <a:fld id="{80498F4A-FE51-4258-903F-BAA40BBA580E}" type="datetimeFigureOut">
               <a:rPr lang="en-US" smtClean="0"/>
-              <a:t>12/13/2018</a:t>
+              <a:t>12/15/2018</a:t>
             </a:fld>
             <a:endParaRPr lang="en-US"/>
           </a:p>
@@ -39523,7 +39524,7 @@
           <a:p>
             <a:fld id="{80498F4A-FE51-4258-903F-BAA40BBA580E}" type="datetimeFigureOut">
               <a:rPr lang="en-US" smtClean="0"/>
-              <a:t>12/13/2018</a:t>
+              <a:t>12/15/2018</a:t>
             </a:fld>
             <a:endParaRPr lang="en-US"/>
           </a:p>
@@ -39618,7 +39619,7 @@
           <a:p>
             <a:fld id="{80498F4A-FE51-4258-903F-BAA40BBA580E}" type="datetimeFigureOut">
               <a:rPr lang="en-US" smtClean="0"/>
-              <a:t>12/13/2018</a:t>
+              <a:t>12/15/2018</a:t>
             </a:fld>
             <a:endParaRPr lang="en-US"/>
           </a:p>
@@ -39897,7 +39898,7 @@
           <a:p>
             <a:fld id="{80498F4A-FE51-4258-903F-BAA40BBA580E}" type="datetimeFigureOut">
               <a:rPr lang="en-US" smtClean="0"/>
-              <a:t>12/13/2018</a:t>
+              <a:t>12/15/2018</a:t>
             </a:fld>
             <a:endParaRPr lang="en-US"/>
           </a:p>
@@ -40172,7 +40173,7 @@
           <a:p>
             <a:fld id="{80498F4A-FE51-4258-903F-BAA40BBA580E}" type="datetimeFigureOut">
               <a:rPr lang="en-US" smtClean="0"/>
-              <a:t>12/13/2018</a:t>
+              <a:t>12/15/2018</a:t>
             </a:fld>
             <a:endParaRPr lang="en-US"/>
           </a:p>
@@ -40601,7 +40602,7 @@
           <a:p>
             <a:fld id="{80498F4A-FE51-4258-903F-BAA40BBA580E}" type="datetimeFigureOut">
               <a:rPr lang="en-US" smtClean="0"/>
-              <a:t>12/13/2018</a:t>
+              <a:t>12/15/2018</a:t>
             </a:fld>
             <a:endParaRPr lang="en-US"/>
           </a:p>
@@ -43380,6 +43381,336 @@
         </p:nvSpPr>
         <p:spPr>
           <a:xfrm>
+            <a:off x="-1094129" y="67861"/>
+            <a:ext cx="11789837" cy="1675599"/>
+          </a:xfrm>
+          <a:prstGeom prst="rect">
+            <a:avLst/>
+          </a:prstGeom>
+        </p:spPr>
+        <p:txBody>
+          <a:bodyPr vert="horz" lIns="91440" tIns="45720" rIns="91440" bIns="45720" rtlCol="0" anchor="t">
+            <a:noAutofit/>
+          </a:bodyPr>
+          <a:lstStyle>
+            <a:lvl1pPr algn="l" defTabSz="457200" rtl="0" eaLnBrk="1" latinLnBrk="0" hangingPunct="1">
+              <a:spcBef>
+                <a:spcPct val="0"/>
+              </a:spcBef>
+              <a:buNone/>
+              <a:defRPr sz="4200" b="0" i="0" kern="1200">
+                <a:solidFill>
+                  <a:schemeClr val="tx2"/>
+                </a:solidFill>
+                <a:latin typeface="+mj-lt"/>
+                <a:ea typeface="+mj-ea"/>
+                <a:cs typeface="+mj-cs"/>
+              </a:defRPr>
+            </a:lvl1pPr>
+            <a:lvl2pPr eaLnBrk="1" hangingPunct="1">
+              <a:defRPr>
+                <a:solidFill>
+                  <a:schemeClr val="tx2"/>
+                </a:solidFill>
+              </a:defRPr>
+            </a:lvl2pPr>
+            <a:lvl3pPr eaLnBrk="1" hangingPunct="1">
+              <a:defRPr>
+                <a:solidFill>
+                  <a:schemeClr val="tx2"/>
+                </a:solidFill>
+              </a:defRPr>
+            </a:lvl3pPr>
+            <a:lvl4pPr eaLnBrk="1" hangingPunct="1">
+              <a:defRPr>
+                <a:solidFill>
+                  <a:schemeClr val="tx2"/>
+                </a:solidFill>
+              </a:defRPr>
+            </a:lvl4pPr>
+            <a:lvl5pPr eaLnBrk="1" hangingPunct="1">
+              <a:defRPr>
+                <a:solidFill>
+                  <a:schemeClr val="tx2"/>
+                </a:solidFill>
+              </a:defRPr>
+            </a:lvl5pPr>
+            <a:lvl6pPr eaLnBrk="1" hangingPunct="1">
+              <a:defRPr>
+                <a:solidFill>
+                  <a:schemeClr val="tx2"/>
+                </a:solidFill>
+              </a:defRPr>
+            </a:lvl6pPr>
+            <a:lvl7pPr eaLnBrk="1" hangingPunct="1">
+              <a:defRPr>
+                <a:solidFill>
+                  <a:schemeClr val="tx2"/>
+                </a:solidFill>
+              </a:defRPr>
+            </a:lvl7pPr>
+            <a:lvl8pPr eaLnBrk="1" hangingPunct="1">
+              <a:defRPr>
+                <a:solidFill>
+                  <a:schemeClr val="tx2"/>
+                </a:solidFill>
+              </a:defRPr>
+            </a:lvl8pPr>
+            <a:lvl9pPr eaLnBrk="1" hangingPunct="1">
+              <a:defRPr>
+                <a:solidFill>
+                  <a:schemeClr val="tx2"/>
+                </a:solidFill>
+              </a:defRPr>
+            </a:lvl9pPr>
+          </a:lstStyle>
+          <a:p>
+            <a:r>
+              <a:rPr lang="en-US" dirty="0"/>
+              <a:t>                  Dilemma: TD or Monte Carlo ?</a:t>
+            </a:r>
+            <a:endParaRPr lang="en-US" sz="4000" dirty="0"/>
+          </a:p>
+        </p:txBody>
+      </p:sp>
+      <p:sp>
+        <p:nvSpPr>
+          <p:cNvPr id="3" name="Rectangle 2">
+            <a:extLst>
+              <a:ext uri="{FF2B5EF4-FFF2-40B4-BE49-F238E27FC236}">
+                <a16:creationId xmlns:a16="http://schemas.microsoft.com/office/drawing/2014/main" id="{F96CC5E6-C228-43AA-8E68-B86504191A81}"/>
+              </a:ext>
+            </a:extLst>
+          </p:cNvPr>
+          <p:cNvSpPr/>
+          <p:nvPr/>
+        </p:nvSpPr>
+        <p:spPr>
+          <a:xfrm>
+            <a:off x="441080" y="714255"/>
+            <a:ext cx="10551951" cy="2585323"/>
+          </a:xfrm>
+          <a:prstGeom prst="rect">
+            <a:avLst/>
+          </a:prstGeom>
+        </p:spPr>
+        <p:txBody>
+          <a:bodyPr wrap="square">
+            <a:spAutoFit/>
+          </a:bodyPr>
+          <a:lstStyle/>
+          <a:p>
+            <a:pPr marL="342900" indent="-342900">
+              <a:buAutoNum type="arabicParenR" startAt="3"/>
+            </a:pPr>
+            <a:endParaRPr lang="en-US" dirty="0"/>
+          </a:p>
+          <a:p>
+            <a:r>
+              <a:rPr lang="en-US" dirty="0"/>
+              <a:t>  </a:t>
+            </a:r>
+          </a:p>
+          <a:p>
+            <a:r>
+              <a:rPr lang="en-US" dirty="0"/>
+              <a:t>   </a:t>
+            </a:r>
+          </a:p>
+          <a:p>
+            <a:endParaRPr lang="en-US" dirty="0"/>
+          </a:p>
+          <a:p>
+            <a:endParaRPr lang="en-US" dirty="0"/>
+          </a:p>
+          <a:p>
+            <a:endParaRPr lang="en-US" dirty="0"/>
+          </a:p>
+          <a:p>
+            <a:endParaRPr lang="en-US" dirty="0"/>
+          </a:p>
+          <a:p>
+            <a:endParaRPr lang="en-US" dirty="0"/>
+          </a:p>
+          <a:p>
+            <a:endParaRPr lang="en-US" dirty="0"/>
+          </a:p>
+        </p:txBody>
+      </p:sp>
+      <p:sp>
+        <p:nvSpPr>
+          <p:cNvPr id="5" name="TextBox 4">
+            <a:extLst>
+              <a:ext uri="{FF2B5EF4-FFF2-40B4-BE49-F238E27FC236}">
+                <a16:creationId xmlns:a16="http://schemas.microsoft.com/office/drawing/2014/main" id="{352BAD37-21D3-44C7-ADCD-32ED088223FA}"/>
+              </a:ext>
+            </a:extLst>
+          </p:cNvPr>
+          <p:cNvSpPr txBox="1"/>
+          <p:nvPr/>
+        </p:nvSpPr>
+        <p:spPr>
+          <a:xfrm>
+            <a:off x="441080" y="1662545"/>
+            <a:ext cx="11309840" cy="5632311"/>
+          </a:xfrm>
+          <a:prstGeom prst="rect">
+            <a:avLst/>
+          </a:prstGeom>
+          <a:noFill/>
+        </p:spPr>
+        <p:txBody>
+          <a:bodyPr wrap="square" rtlCol="0">
+            <a:spAutoFit/>
+          </a:bodyPr>
+          <a:lstStyle/>
+          <a:p>
+            <a:r>
+              <a:rPr lang="en-US" sz="2000" dirty="0"/>
+              <a:t>TD – updates the  model after each guess</a:t>
+            </a:r>
+          </a:p>
+          <a:p>
+            <a:r>
+              <a:rPr lang="en-US" sz="2000" dirty="0"/>
+              <a:t>Monte Carlo – updates the model after the whole game (episode)</a:t>
+            </a:r>
+          </a:p>
+          <a:p>
+            <a:endParaRPr lang="en-US" sz="2000" dirty="0"/>
+          </a:p>
+          <a:p>
+            <a:endParaRPr lang="en-US" sz="2000" dirty="0"/>
+          </a:p>
+          <a:p>
+            <a:r>
+              <a:rPr lang="en-US" sz="2000" dirty="0"/>
+              <a:t>We decided to take the Monte Carlo approach because each episode is short (typically no more than 10 guesses ) and captures high-quality information. Our NN will learn and update itself using the outcome of many games.</a:t>
+            </a:r>
+          </a:p>
+          <a:p>
+            <a:endParaRPr lang="en-US" sz="2000" dirty="0"/>
+          </a:p>
+          <a:p>
+            <a:endParaRPr lang="en-US" sz="2000" dirty="0"/>
+          </a:p>
+          <a:p>
+            <a:r>
+              <a:rPr lang="en-US" sz="2000" dirty="0"/>
+              <a:t> How Monte Carlo approach  is used ?</a:t>
+            </a:r>
+          </a:p>
+          <a:p>
+            <a:r>
+              <a:rPr lang="en-US" sz="2000" dirty="0"/>
+              <a:t>The number of guesses to win in </a:t>
+            </a:r>
+            <a:r>
+              <a:rPr lang="en-US" sz="2000"/>
+              <a:t>a game </a:t>
+            </a:r>
+            <a:r>
+              <a:rPr lang="en-US" sz="2000" dirty="0"/>
+              <a:t>will propagate back to each guess in the game</a:t>
+            </a:r>
+          </a:p>
+          <a:p>
+            <a:r>
+              <a:rPr lang="en-US" sz="2000" dirty="0"/>
+              <a:t>as a score of how far the guess was from winning. A NN network will be trained based on the guess and its score that will act as label</a:t>
+            </a:r>
+          </a:p>
+          <a:p>
+            <a:endParaRPr lang="en-US" sz="2000" dirty="0"/>
+          </a:p>
+          <a:p>
+            <a:endParaRPr lang="en-US" sz="2000" dirty="0"/>
+          </a:p>
+          <a:p>
+            <a:endParaRPr lang="en-US" sz="2000" dirty="0"/>
+          </a:p>
+          <a:p>
+            <a:endParaRPr lang="en-US" sz="2000" dirty="0"/>
+          </a:p>
+          <a:p>
+            <a:endParaRPr lang="en-US" sz="2000" dirty="0"/>
+          </a:p>
+        </p:txBody>
+      </p:sp>
+    </p:spTree>
+    <p:extLst>
+      <p:ext uri="{BB962C8B-B14F-4D97-AF65-F5344CB8AC3E}">
+        <p14:creationId xmlns:p14="http://schemas.microsoft.com/office/powerpoint/2010/main" val="78790481"/>
+      </p:ext>
+    </p:extLst>
+  </p:cSld>
+  <p:clrMapOvr>
+    <a:masterClrMapping/>
+  </p:clrMapOvr>
+</p:sld>
+</file>
+
+<file path=ppt/slides/slide13.xml><?xml version="1.0" encoding="utf-8"?>
+<p:sld xmlns:a="http://schemas.openxmlformats.org/drawingml/2006/main" xmlns:r="http://schemas.openxmlformats.org/officeDocument/2006/relationships" xmlns:p="http://schemas.openxmlformats.org/presentationml/2006/main">
+  <p:cSld>
+    <p:spTree>
+      <p:nvGrpSpPr>
+        <p:cNvPr id="1" name=""/>
+        <p:cNvGrpSpPr/>
+        <p:nvPr/>
+      </p:nvGrpSpPr>
+      <p:grpSpPr>
+        <a:xfrm>
+          <a:off x="0" y="0"/>
+          <a:ext cx="0" cy="0"/>
+          <a:chOff x="0" y="0"/>
+          <a:chExt cx="0" cy="0"/>
+        </a:xfrm>
+      </p:grpSpPr>
+      <p:sp>
+        <p:nvSpPr>
+          <p:cNvPr id="2" name="Title 1">
+            <a:extLst>
+              <a:ext uri="{FF2B5EF4-FFF2-40B4-BE49-F238E27FC236}">
+                <a16:creationId xmlns:a16="http://schemas.microsoft.com/office/drawing/2014/main" id="{BFE03E1E-1CD4-4BF6-8AB2-07362D59237F}"/>
+              </a:ext>
+            </a:extLst>
+          </p:cNvPr>
+          <p:cNvSpPr>
+            <a:spLocks noGrp="1"/>
+          </p:cNvSpPr>
+          <p:nvPr>
+            <p:ph type="title"/>
+          </p:nvPr>
+        </p:nvSpPr>
+        <p:spPr/>
+        <p:txBody>
+          <a:bodyPr/>
+          <a:lstStyle/>
+          <a:p>
+            <a:r>
+              <a:rPr lang="en-US" dirty="0"/>
+              <a:t>         </a:t>
+            </a:r>
+          </a:p>
+        </p:txBody>
+      </p:sp>
+      <p:sp>
+        <p:nvSpPr>
+          <p:cNvPr id="6" name="Title 1">
+            <a:extLst>
+              <a:ext uri="{FF2B5EF4-FFF2-40B4-BE49-F238E27FC236}">
+                <a16:creationId xmlns:a16="http://schemas.microsoft.com/office/drawing/2014/main" id="{28909404-97CF-447C-9C07-862F156F11DD}"/>
+              </a:ext>
+            </a:extLst>
+          </p:cNvPr>
+          <p:cNvSpPr txBox="1">
+            <a:spLocks/>
+          </p:cNvSpPr>
+          <p:nvPr/>
+        </p:nvSpPr>
+        <p:spPr>
+          <a:xfrm>
             <a:off x="194345" y="94478"/>
             <a:ext cx="10551952" cy="1675599"/>
           </a:xfrm>
@@ -44087,7 +44418,7 @@
 </p:sld>
 </file>
 
-<file path=ppt/slides/slide13.xml><?xml version="1.0" encoding="utf-8"?>
+<file path=ppt/slides/slide14.xml><?xml version="1.0" encoding="utf-8"?>
 <p:sld xmlns:a="http://schemas.openxmlformats.org/drawingml/2006/main" xmlns:r="http://schemas.openxmlformats.org/officeDocument/2006/relationships" xmlns:p="http://schemas.openxmlformats.org/presentationml/2006/main">
   <p:cSld>
     <p:spTree>
@@ -44695,7 +45026,7 @@
 </p:sld>
 </file>
 
-<file path=ppt/slides/slide14.xml><?xml version="1.0" encoding="utf-8"?>
+<file path=ppt/slides/slide15.xml><?xml version="1.0" encoding="utf-8"?>
 <p:sld xmlns:a="http://schemas.openxmlformats.org/drawingml/2006/main" xmlns:r="http://schemas.openxmlformats.org/officeDocument/2006/relationships" xmlns:p="http://schemas.openxmlformats.org/presentationml/2006/main">
   <p:cSld>
     <p:spTree>
@@ -44995,7 +45326,7 @@
 </p:sld>
 </file>
 
-<file path=ppt/slides/slide15.xml><?xml version="1.0" encoding="utf-8"?>
+<file path=ppt/slides/slide16.xml><?xml version="1.0" encoding="utf-8"?>
 <p:sld xmlns:a="http://schemas.openxmlformats.org/drawingml/2006/main" xmlns:r="http://schemas.openxmlformats.org/officeDocument/2006/relationships" xmlns:p="http://schemas.openxmlformats.org/presentationml/2006/main">
   <p:cSld>
     <p:spTree>

--- a/ai_final_project_mastermind.pptx
+++ b/ai_final_project_mastermind.pptx
@@ -18,8 +18,8 @@
     <p:sldId id="264" r:id="rId9"/>
     <p:sldId id="270" r:id="rId10"/>
     <p:sldId id="269" r:id="rId11"/>
-    <p:sldId id="271" r:id="rId12"/>
-    <p:sldId id="275" r:id="rId13"/>
+    <p:sldId id="275" r:id="rId12"/>
+    <p:sldId id="271" r:id="rId13"/>
     <p:sldId id="272" r:id="rId14"/>
     <p:sldId id="273" r:id="rId15"/>
     <p:sldId id="274" r:id="rId16"/>
@@ -28020,7 +28020,7 @@
           <a:lstStyle/>
           <a:p>
             <a:pPr>
-              <a:defRPr sz="1400" b="0" i="0" u="none" strike="noStrike" kern="1200" spc="0" baseline="0">
+              <a:defRPr sz="1862" b="0" i="0" u="none" strike="noStrike" kern="1200" spc="0" baseline="0">
                 <a:solidFill>
                   <a:schemeClr val="tx1">
                     <a:lumMod val="65000"/>
@@ -28034,13 +28034,8 @@
             </a:pPr>
             <a:r>
               <a:rPr lang="en-US"/>
-              <a:t>NN strategy improvment over time 7</a:t>
+              <a:t>NN strategy improvment over time 7 colors 4 slots</a:t>
             </a:r>
-            <a:r>
-              <a:rPr lang="en-US" baseline="0"/>
-              <a:t> colors 4 slots</a:t>
-            </a:r>
-            <a:endParaRPr lang="en-US"/>
           </a:p>
         </c:rich>
       </c:tx>
@@ -28057,7 +28052,7 @@
         <a:lstStyle/>
         <a:p>
           <a:pPr>
-            <a:defRPr sz="1400" b="0" i="0" u="none" strike="noStrike" kern="1200" spc="0" baseline="0">
+            <a:defRPr sz="1862" b="0" i="0" u="none" strike="noStrike" kern="1200" spc="0" baseline="0">
               <a:solidFill>
                 <a:schemeClr val="tx1">
                   <a:lumMod val="65000"/>
@@ -28083,7 +28078,7 @@
           <c:idx val="0"/>
           <c:order val="0"/>
           <c:spPr>
-            <a:ln w="19050" cap="rnd">
+            <a:ln w="41275" cap="rnd">
               <a:solidFill>
                 <a:schemeClr val="accent1"/>
               </a:solidFill>
@@ -32328,7 +32323,7 @@
               <a:lstStyle/>
               <a:p>
                 <a:pPr>
-                  <a:defRPr sz="1000" b="0" i="0" u="none" strike="noStrike" kern="1200" baseline="0">
+                  <a:defRPr sz="1330" b="0" i="0" u="none" strike="noStrike" kern="1200" baseline="0">
                     <a:solidFill>
                       <a:schemeClr val="tx1">
                         <a:lumMod val="65000"/>
@@ -32360,7 +32355,7 @@
             <a:lstStyle/>
             <a:p>
               <a:pPr>
-                <a:defRPr sz="1000" b="0" i="0" u="none" strike="noStrike" kern="1200" baseline="0">
+                <a:defRPr sz="1330" b="0" i="0" u="none" strike="noStrike" kern="1200" baseline="0">
                   <a:solidFill>
                     <a:schemeClr val="tx1">
                       <a:lumMod val="65000"/>
@@ -32398,7 +32393,7 @@
           <a:lstStyle/>
           <a:p>
             <a:pPr>
-              <a:defRPr sz="900" b="0" i="0" u="none" strike="noStrike" kern="1200" baseline="0">
+              <a:defRPr sz="1197" b="0" i="0" u="none" strike="noStrike" kern="1200" baseline="0">
                 <a:solidFill>
                   <a:schemeClr val="tx1">
                     <a:lumMod val="65000"/>
@@ -32427,7 +32422,7 @@
         <c:axPos val="l"/>
         <c:majorGridlines>
           <c:spPr>
-            <a:ln w="9525" cap="flat" cmpd="sng" algn="ctr">
+            <a:ln w="38100" cap="flat" cmpd="sng" algn="ctr">
               <a:solidFill>
                 <a:schemeClr val="tx1">
                   <a:lumMod val="15000"/>
@@ -32446,7 +32441,7 @@
               <a:lstStyle/>
               <a:p>
                 <a:pPr>
-                  <a:defRPr sz="1000" b="0" i="0" u="none" strike="noStrike" kern="1200" baseline="0">
+                  <a:defRPr sz="1330" b="0" i="0" u="none" strike="noStrike" kern="1200" baseline="0">
                     <a:solidFill>
                       <a:schemeClr val="tx1">
                         <a:lumMod val="65000"/>
@@ -32478,7 +32473,7 @@
             <a:lstStyle/>
             <a:p>
               <a:pPr>
-                <a:defRPr sz="1000" b="0" i="0" u="none" strike="noStrike" kern="1200" baseline="0">
+                <a:defRPr sz="1330" b="0" i="0" u="none" strike="noStrike" kern="1200" baseline="0">
                   <a:solidFill>
                     <a:schemeClr val="tx1">
                       <a:lumMod val="65000"/>
@@ -32516,7 +32511,7 @@
           <a:lstStyle/>
           <a:p>
             <a:pPr>
-              <a:defRPr sz="900" b="0" i="0" u="none" strike="noStrike" kern="1200" baseline="0">
+              <a:defRPr sz="1197" b="0" i="0" u="none" strike="noStrike" kern="1200" baseline="0">
                 <a:solidFill>
                   <a:schemeClr val="tx1">
                     <a:lumMod val="65000"/>
@@ -34298,7 +34293,7 @@
         <a:lumOff val="35000"/>
       </a:schemeClr>
     </cs:fontRef>
-    <cs:defRPr sz="1000" kern="1200"/>
+    <cs:defRPr sz="1330" kern="1200"/>
   </cs:axisTitle>
   <cs:categoryAxis>
     <cs:lnRef idx="0"/>
@@ -34321,7 +34316,7 @@
         <a:round/>
       </a:ln>
     </cs:spPr>
-    <cs:defRPr sz="900" kern="1200"/>
+    <cs:defRPr sz="1197" kern="1200"/>
   </cs:categoryAxis>
   <cs:chartArea mods="allowNoFillOverride allowNoLineOverride">
     <cs:lnRef idx="0"/>
@@ -34344,7 +34339,7 @@
         <a:round/>
       </a:ln>
     </cs:spPr>
-    <cs:defRPr sz="1000" kern="1200"/>
+    <cs:defRPr sz="1330" kern="1200"/>
   </cs:chartArea>
   <cs:dataLabel>
     <cs:lnRef idx="0"/>
@@ -34356,7 +34351,7 @@
         <a:lumOff val="25000"/>
       </a:schemeClr>
     </cs:fontRef>
-    <cs:defRPr sz="900" kern="1200"/>
+    <cs:defRPr sz="1197" kern="1200"/>
   </cs:dataLabel>
   <cs:dataLabelCallout>
     <cs:lnRef idx="0"/>
@@ -34381,7 +34376,7 @@
         </a:solidFill>
       </a:ln>
     </cs:spPr>
-    <cs:defRPr sz="900" kern="1200"/>
+    <cs:defRPr sz="1197" kern="1200"/>
     <cs:bodyPr rot="0" spcFirstLastPara="1" vertOverflow="clip" horzOverflow="clip" vert="horz" wrap="square" lIns="36576" tIns="18288" rIns="36576" bIns="18288" anchor="ctr" anchorCtr="1">
       <a:spAutoFit/>
     </cs:bodyPr>
@@ -34484,7 +34479,7 @@
         <a:round/>
       </a:ln>
     </cs:spPr>
-    <cs:defRPr sz="900" kern="1200"/>
+    <cs:defRPr sz="1197" kern="1200"/>
   </cs:dataTable>
   <cs:downBar>
     <cs:lnRef idx="0"/>
@@ -34649,7 +34644,7 @@
         <a:lumOff val="35000"/>
       </a:schemeClr>
     </cs:fontRef>
-    <cs:defRPr sz="900" kern="1200"/>
+    <cs:defRPr sz="1197" kern="1200"/>
   </cs:legend>
   <cs:plotArea mods="allowNoFillOverride allowNoLineOverride">
     <cs:lnRef idx="0"/>
@@ -34677,7 +34672,7 @@
         <a:lumOff val="35000"/>
       </a:schemeClr>
     </cs:fontRef>
-    <cs:defRPr sz="900" kern="1200"/>
+    <cs:defRPr sz="1197" kern="1200"/>
   </cs:seriesAxis>
   <cs:seriesLine>
     <cs:lnRef idx="0"/>
@@ -34708,7 +34703,7 @@
         <a:lumOff val="35000"/>
       </a:schemeClr>
     </cs:fontRef>
-    <cs:defRPr sz="1400" b="0" kern="1200" spc="0" baseline="0"/>
+    <cs:defRPr sz="1862" b="0" kern="1200" spc="0" baseline="0"/>
   </cs:title>
   <cs:trendline>
     <cs:lnRef idx="0">
@@ -34738,7 +34733,7 @@
         <a:lumOff val="35000"/>
       </a:schemeClr>
     </cs:fontRef>
-    <cs:defRPr sz="900" kern="1200"/>
+    <cs:defRPr sz="1197" kern="1200"/>
   </cs:trendlineLabel>
   <cs:upBar>
     <cs:lnRef idx="0"/>
@@ -34783,7 +34778,7 @@
         <a:round/>
       </a:ln>
     </cs:spPr>
-    <cs:defRPr sz="900" kern="1200"/>
+    <cs:defRPr sz="1197" kern="1200"/>
   </cs:valueAxis>
   <cs:wall>
     <cs:lnRef idx="0"/>
@@ -42576,6 +42571,328 @@
         </p:nvSpPr>
         <p:spPr>
           <a:xfrm>
+            <a:off x="-1094129" y="67861"/>
+            <a:ext cx="11789837" cy="1675599"/>
+          </a:xfrm>
+          <a:prstGeom prst="rect">
+            <a:avLst/>
+          </a:prstGeom>
+        </p:spPr>
+        <p:txBody>
+          <a:bodyPr vert="horz" lIns="91440" tIns="45720" rIns="91440" bIns="45720" rtlCol="0" anchor="t">
+            <a:noAutofit/>
+          </a:bodyPr>
+          <a:lstStyle>
+            <a:lvl1pPr algn="l" defTabSz="457200" rtl="0" eaLnBrk="1" latinLnBrk="0" hangingPunct="1">
+              <a:spcBef>
+                <a:spcPct val="0"/>
+              </a:spcBef>
+              <a:buNone/>
+              <a:defRPr sz="4200" b="0" i="0" kern="1200">
+                <a:solidFill>
+                  <a:schemeClr val="tx2"/>
+                </a:solidFill>
+                <a:latin typeface="+mj-lt"/>
+                <a:ea typeface="+mj-ea"/>
+                <a:cs typeface="+mj-cs"/>
+              </a:defRPr>
+            </a:lvl1pPr>
+            <a:lvl2pPr eaLnBrk="1" hangingPunct="1">
+              <a:defRPr>
+                <a:solidFill>
+                  <a:schemeClr val="tx2"/>
+                </a:solidFill>
+              </a:defRPr>
+            </a:lvl2pPr>
+            <a:lvl3pPr eaLnBrk="1" hangingPunct="1">
+              <a:defRPr>
+                <a:solidFill>
+                  <a:schemeClr val="tx2"/>
+                </a:solidFill>
+              </a:defRPr>
+            </a:lvl3pPr>
+            <a:lvl4pPr eaLnBrk="1" hangingPunct="1">
+              <a:defRPr>
+                <a:solidFill>
+                  <a:schemeClr val="tx2"/>
+                </a:solidFill>
+              </a:defRPr>
+            </a:lvl4pPr>
+            <a:lvl5pPr eaLnBrk="1" hangingPunct="1">
+              <a:defRPr>
+                <a:solidFill>
+                  <a:schemeClr val="tx2"/>
+                </a:solidFill>
+              </a:defRPr>
+            </a:lvl5pPr>
+            <a:lvl6pPr eaLnBrk="1" hangingPunct="1">
+              <a:defRPr>
+                <a:solidFill>
+                  <a:schemeClr val="tx2"/>
+                </a:solidFill>
+              </a:defRPr>
+            </a:lvl6pPr>
+            <a:lvl7pPr eaLnBrk="1" hangingPunct="1">
+              <a:defRPr>
+                <a:solidFill>
+                  <a:schemeClr val="tx2"/>
+                </a:solidFill>
+              </a:defRPr>
+            </a:lvl7pPr>
+            <a:lvl8pPr eaLnBrk="1" hangingPunct="1">
+              <a:defRPr>
+                <a:solidFill>
+                  <a:schemeClr val="tx2"/>
+                </a:solidFill>
+              </a:defRPr>
+            </a:lvl8pPr>
+            <a:lvl9pPr eaLnBrk="1" hangingPunct="1">
+              <a:defRPr>
+                <a:solidFill>
+                  <a:schemeClr val="tx2"/>
+                </a:solidFill>
+              </a:defRPr>
+            </a:lvl9pPr>
+          </a:lstStyle>
+          <a:p>
+            <a:r>
+              <a:rPr lang="en-US" dirty="0"/>
+              <a:t>                  Dilemma: TD or Monte Carlo ?</a:t>
+            </a:r>
+            <a:endParaRPr lang="en-US" sz="4000" dirty="0"/>
+          </a:p>
+        </p:txBody>
+      </p:sp>
+      <p:sp>
+        <p:nvSpPr>
+          <p:cNvPr id="3" name="Rectangle 2">
+            <a:extLst>
+              <a:ext uri="{FF2B5EF4-FFF2-40B4-BE49-F238E27FC236}">
+                <a16:creationId xmlns:a16="http://schemas.microsoft.com/office/drawing/2014/main" id="{F96CC5E6-C228-43AA-8E68-B86504191A81}"/>
+              </a:ext>
+            </a:extLst>
+          </p:cNvPr>
+          <p:cNvSpPr/>
+          <p:nvPr/>
+        </p:nvSpPr>
+        <p:spPr>
+          <a:xfrm>
+            <a:off x="441080" y="714255"/>
+            <a:ext cx="10551951" cy="2585323"/>
+          </a:xfrm>
+          <a:prstGeom prst="rect">
+            <a:avLst/>
+          </a:prstGeom>
+        </p:spPr>
+        <p:txBody>
+          <a:bodyPr wrap="square">
+            <a:spAutoFit/>
+          </a:bodyPr>
+          <a:lstStyle/>
+          <a:p>
+            <a:pPr marL="342900" indent="-342900">
+              <a:buAutoNum type="arabicParenR" startAt="3"/>
+            </a:pPr>
+            <a:endParaRPr lang="en-US" dirty="0"/>
+          </a:p>
+          <a:p>
+            <a:r>
+              <a:rPr lang="en-US" dirty="0"/>
+              <a:t>  </a:t>
+            </a:r>
+          </a:p>
+          <a:p>
+            <a:r>
+              <a:rPr lang="en-US" dirty="0"/>
+              <a:t>   </a:t>
+            </a:r>
+          </a:p>
+          <a:p>
+            <a:endParaRPr lang="en-US" dirty="0"/>
+          </a:p>
+          <a:p>
+            <a:endParaRPr lang="en-US" dirty="0"/>
+          </a:p>
+          <a:p>
+            <a:endParaRPr lang="en-US" dirty="0"/>
+          </a:p>
+          <a:p>
+            <a:endParaRPr lang="en-US" dirty="0"/>
+          </a:p>
+          <a:p>
+            <a:endParaRPr lang="en-US" dirty="0"/>
+          </a:p>
+          <a:p>
+            <a:endParaRPr lang="en-US" dirty="0"/>
+          </a:p>
+        </p:txBody>
+      </p:sp>
+      <p:sp>
+        <p:nvSpPr>
+          <p:cNvPr id="5" name="TextBox 4">
+            <a:extLst>
+              <a:ext uri="{FF2B5EF4-FFF2-40B4-BE49-F238E27FC236}">
+                <a16:creationId xmlns:a16="http://schemas.microsoft.com/office/drawing/2014/main" id="{352BAD37-21D3-44C7-ADCD-32ED088223FA}"/>
+              </a:ext>
+            </a:extLst>
+          </p:cNvPr>
+          <p:cNvSpPr txBox="1"/>
+          <p:nvPr/>
+        </p:nvSpPr>
+        <p:spPr>
+          <a:xfrm>
+            <a:off x="441080" y="1662545"/>
+            <a:ext cx="11309840" cy="5632311"/>
+          </a:xfrm>
+          <a:prstGeom prst="rect">
+            <a:avLst/>
+          </a:prstGeom>
+          <a:noFill/>
+        </p:spPr>
+        <p:txBody>
+          <a:bodyPr wrap="square" rtlCol="0">
+            <a:spAutoFit/>
+          </a:bodyPr>
+          <a:lstStyle/>
+          <a:p>
+            <a:r>
+              <a:rPr lang="en-US" sz="2000" dirty="0"/>
+              <a:t>TD – updates the  model after each guess</a:t>
+            </a:r>
+          </a:p>
+          <a:p>
+            <a:r>
+              <a:rPr lang="en-US" sz="2000" dirty="0"/>
+              <a:t>Monte Carlo – updates the model after the whole game (episode)</a:t>
+            </a:r>
+          </a:p>
+          <a:p>
+            <a:endParaRPr lang="en-US" sz="2000" dirty="0"/>
+          </a:p>
+          <a:p>
+            <a:endParaRPr lang="en-US" sz="2000" dirty="0"/>
+          </a:p>
+          <a:p>
+            <a:r>
+              <a:rPr lang="en-US" sz="2000" dirty="0"/>
+              <a:t>We decided to take the Monte Carlo approach because each episode is short (typically no more than 10 guesses ) and captures high-quality information. Our NN will learn and update itself using the outcome of many games.</a:t>
+            </a:r>
+          </a:p>
+          <a:p>
+            <a:endParaRPr lang="en-US" sz="2000" dirty="0"/>
+          </a:p>
+          <a:p>
+            <a:endParaRPr lang="en-US" sz="2000" dirty="0"/>
+          </a:p>
+          <a:p>
+            <a:r>
+              <a:rPr lang="en-US" sz="2000" dirty="0"/>
+              <a:t> How Monte Carlo approach  is used ?</a:t>
+            </a:r>
+          </a:p>
+          <a:p>
+            <a:r>
+              <a:rPr lang="en-US" sz="2000" dirty="0"/>
+              <a:t>The number of guesses to win in a game will propagate back to each guess in the game</a:t>
+            </a:r>
+          </a:p>
+          <a:p>
+            <a:r>
+              <a:rPr lang="en-US" sz="2000" dirty="0"/>
+              <a:t>as a score of how far the guess was from winning. A NN network will be trained based on the guess and its score that will act as label</a:t>
+            </a:r>
+          </a:p>
+          <a:p>
+            <a:endParaRPr lang="en-US" sz="2000" dirty="0"/>
+          </a:p>
+          <a:p>
+            <a:endParaRPr lang="en-US" sz="2000" dirty="0"/>
+          </a:p>
+          <a:p>
+            <a:endParaRPr lang="en-US" sz="2000" dirty="0"/>
+          </a:p>
+          <a:p>
+            <a:endParaRPr lang="en-US" sz="2000" dirty="0"/>
+          </a:p>
+          <a:p>
+            <a:endParaRPr lang="en-US" sz="2000" dirty="0"/>
+          </a:p>
+        </p:txBody>
+      </p:sp>
+    </p:spTree>
+    <p:extLst>
+      <p:ext uri="{BB962C8B-B14F-4D97-AF65-F5344CB8AC3E}">
+        <p14:creationId xmlns:p14="http://schemas.microsoft.com/office/powerpoint/2010/main" val="78790481"/>
+      </p:ext>
+    </p:extLst>
+  </p:cSld>
+  <p:clrMapOvr>
+    <a:masterClrMapping/>
+  </p:clrMapOvr>
+</p:sld>
+</file>
+
+<file path=ppt/slides/slide12.xml><?xml version="1.0" encoding="utf-8"?>
+<p:sld xmlns:a="http://schemas.openxmlformats.org/drawingml/2006/main" xmlns:r="http://schemas.openxmlformats.org/officeDocument/2006/relationships" xmlns:p="http://schemas.openxmlformats.org/presentationml/2006/main">
+  <p:cSld>
+    <p:spTree>
+      <p:nvGrpSpPr>
+        <p:cNvPr id="1" name=""/>
+        <p:cNvGrpSpPr/>
+        <p:nvPr/>
+      </p:nvGrpSpPr>
+      <p:grpSpPr>
+        <a:xfrm>
+          <a:off x="0" y="0"/>
+          <a:ext cx="0" cy="0"/>
+          <a:chOff x="0" y="0"/>
+          <a:chExt cx="0" cy="0"/>
+        </a:xfrm>
+      </p:grpSpPr>
+      <p:sp>
+        <p:nvSpPr>
+          <p:cNvPr id="2" name="Title 1">
+            <a:extLst>
+              <a:ext uri="{FF2B5EF4-FFF2-40B4-BE49-F238E27FC236}">
+                <a16:creationId xmlns:a16="http://schemas.microsoft.com/office/drawing/2014/main" id="{BFE03E1E-1CD4-4BF6-8AB2-07362D59237F}"/>
+              </a:ext>
+            </a:extLst>
+          </p:cNvPr>
+          <p:cNvSpPr>
+            <a:spLocks noGrp="1"/>
+          </p:cNvSpPr>
+          <p:nvPr>
+            <p:ph type="title"/>
+          </p:nvPr>
+        </p:nvSpPr>
+        <p:spPr/>
+        <p:txBody>
+          <a:bodyPr/>
+          <a:lstStyle/>
+          <a:p>
+            <a:r>
+              <a:rPr lang="en-US" dirty="0"/>
+              <a:t>         </a:t>
+            </a:r>
+          </a:p>
+        </p:txBody>
+      </p:sp>
+      <p:sp>
+        <p:nvSpPr>
+          <p:cNvPr id="6" name="Title 1">
+            <a:extLst>
+              <a:ext uri="{FF2B5EF4-FFF2-40B4-BE49-F238E27FC236}">
+                <a16:creationId xmlns:a16="http://schemas.microsoft.com/office/drawing/2014/main" id="{28909404-97CF-447C-9C07-862F156F11DD}"/>
+              </a:ext>
+            </a:extLst>
+          </p:cNvPr>
+          <p:cNvSpPr txBox="1">
+            <a:spLocks/>
+          </p:cNvSpPr>
+          <p:nvPr/>
+        </p:nvSpPr>
+        <p:spPr>
+          <a:xfrm>
             <a:off x="194345" y="94478"/>
             <a:ext cx="10551952" cy="1675599"/>
           </a:xfrm>
@@ -43311,336 +43628,6 @@
     <p:extLst>
       <p:ext uri="{BB962C8B-B14F-4D97-AF65-F5344CB8AC3E}">
         <p14:creationId xmlns:p14="http://schemas.microsoft.com/office/powerpoint/2010/main" val="4245347050"/>
-      </p:ext>
-    </p:extLst>
-  </p:cSld>
-  <p:clrMapOvr>
-    <a:masterClrMapping/>
-  </p:clrMapOvr>
-</p:sld>
-</file>
-
-<file path=ppt/slides/slide12.xml><?xml version="1.0" encoding="utf-8"?>
-<p:sld xmlns:a="http://schemas.openxmlformats.org/drawingml/2006/main" xmlns:r="http://schemas.openxmlformats.org/officeDocument/2006/relationships" xmlns:p="http://schemas.openxmlformats.org/presentationml/2006/main">
-  <p:cSld>
-    <p:spTree>
-      <p:nvGrpSpPr>
-        <p:cNvPr id="1" name=""/>
-        <p:cNvGrpSpPr/>
-        <p:nvPr/>
-      </p:nvGrpSpPr>
-      <p:grpSpPr>
-        <a:xfrm>
-          <a:off x="0" y="0"/>
-          <a:ext cx="0" cy="0"/>
-          <a:chOff x="0" y="0"/>
-          <a:chExt cx="0" cy="0"/>
-        </a:xfrm>
-      </p:grpSpPr>
-      <p:sp>
-        <p:nvSpPr>
-          <p:cNvPr id="2" name="Title 1">
-            <a:extLst>
-              <a:ext uri="{FF2B5EF4-FFF2-40B4-BE49-F238E27FC236}">
-                <a16:creationId xmlns:a16="http://schemas.microsoft.com/office/drawing/2014/main" id="{BFE03E1E-1CD4-4BF6-8AB2-07362D59237F}"/>
-              </a:ext>
-            </a:extLst>
-          </p:cNvPr>
-          <p:cNvSpPr>
-            <a:spLocks noGrp="1"/>
-          </p:cNvSpPr>
-          <p:nvPr>
-            <p:ph type="title"/>
-          </p:nvPr>
-        </p:nvSpPr>
-        <p:spPr/>
-        <p:txBody>
-          <a:bodyPr/>
-          <a:lstStyle/>
-          <a:p>
-            <a:r>
-              <a:rPr lang="en-US" dirty="0"/>
-              <a:t>         </a:t>
-            </a:r>
-          </a:p>
-        </p:txBody>
-      </p:sp>
-      <p:sp>
-        <p:nvSpPr>
-          <p:cNvPr id="6" name="Title 1">
-            <a:extLst>
-              <a:ext uri="{FF2B5EF4-FFF2-40B4-BE49-F238E27FC236}">
-                <a16:creationId xmlns:a16="http://schemas.microsoft.com/office/drawing/2014/main" id="{28909404-97CF-447C-9C07-862F156F11DD}"/>
-              </a:ext>
-            </a:extLst>
-          </p:cNvPr>
-          <p:cNvSpPr txBox="1">
-            <a:spLocks/>
-          </p:cNvSpPr>
-          <p:nvPr/>
-        </p:nvSpPr>
-        <p:spPr>
-          <a:xfrm>
-            <a:off x="-1094129" y="67861"/>
-            <a:ext cx="11789837" cy="1675599"/>
-          </a:xfrm>
-          <a:prstGeom prst="rect">
-            <a:avLst/>
-          </a:prstGeom>
-        </p:spPr>
-        <p:txBody>
-          <a:bodyPr vert="horz" lIns="91440" tIns="45720" rIns="91440" bIns="45720" rtlCol="0" anchor="t">
-            <a:noAutofit/>
-          </a:bodyPr>
-          <a:lstStyle>
-            <a:lvl1pPr algn="l" defTabSz="457200" rtl="0" eaLnBrk="1" latinLnBrk="0" hangingPunct="1">
-              <a:spcBef>
-                <a:spcPct val="0"/>
-              </a:spcBef>
-              <a:buNone/>
-              <a:defRPr sz="4200" b="0" i="0" kern="1200">
-                <a:solidFill>
-                  <a:schemeClr val="tx2"/>
-                </a:solidFill>
-                <a:latin typeface="+mj-lt"/>
-                <a:ea typeface="+mj-ea"/>
-                <a:cs typeface="+mj-cs"/>
-              </a:defRPr>
-            </a:lvl1pPr>
-            <a:lvl2pPr eaLnBrk="1" hangingPunct="1">
-              <a:defRPr>
-                <a:solidFill>
-                  <a:schemeClr val="tx2"/>
-                </a:solidFill>
-              </a:defRPr>
-            </a:lvl2pPr>
-            <a:lvl3pPr eaLnBrk="1" hangingPunct="1">
-              <a:defRPr>
-                <a:solidFill>
-                  <a:schemeClr val="tx2"/>
-                </a:solidFill>
-              </a:defRPr>
-            </a:lvl3pPr>
-            <a:lvl4pPr eaLnBrk="1" hangingPunct="1">
-              <a:defRPr>
-                <a:solidFill>
-                  <a:schemeClr val="tx2"/>
-                </a:solidFill>
-              </a:defRPr>
-            </a:lvl4pPr>
-            <a:lvl5pPr eaLnBrk="1" hangingPunct="1">
-              <a:defRPr>
-                <a:solidFill>
-                  <a:schemeClr val="tx2"/>
-                </a:solidFill>
-              </a:defRPr>
-            </a:lvl5pPr>
-            <a:lvl6pPr eaLnBrk="1" hangingPunct="1">
-              <a:defRPr>
-                <a:solidFill>
-                  <a:schemeClr val="tx2"/>
-                </a:solidFill>
-              </a:defRPr>
-            </a:lvl6pPr>
-            <a:lvl7pPr eaLnBrk="1" hangingPunct="1">
-              <a:defRPr>
-                <a:solidFill>
-                  <a:schemeClr val="tx2"/>
-                </a:solidFill>
-              </a:defRPr>
-            </a:lvl7pPr>
-            <a:lvl8pPr eaLnBrk="1" hangingPunct="1">
-              <a:defRPr>
-                <a:solidFill>
-                  <a:schemeClr val="tx2"/>
-                </a:solidFill>
-              </a:defRPr>
-            </a:lvl8pPr>
-            <a:lvl9pPr eaLnBrk="1" hangingPunct="1">
-              <a:defRPr>
-                <a:solidFill>
-                  <a:schemeClr val="tx2"/>
-                </a:solidFill>
-              </a:defRPr>
-            </a:lvl9pPr>
-          </a:lstStyle>
-          <a:p>
-            <a:r>
-              <a:rPr lang="en-US" dirty="0"/>
-              <a:t>                  Dilemma: TD or Monte Carlo ?</a:t>
-            </a:r>
-            <a:endParaRPr lang="en-US" sz="4000" dirty="0"/>
-          </a:p>
-        </p:txBody>
-      </p:sp>
-      <p:sp>
-        <p:nvSpPr>
-          <p:cNvPr id="3" name="Rectangle 2">
-            <a:extLst>
-              <a:ext uri="{FF2B5EF4-FFF2-40B4-BE49-F238E27FC236}">
-                <a16:creationId xmlns:a16="http://schemas.microsoft.com/office/drawing/2014/main" id="{F96CC5E6-C228-43AA-8E68-B86504191A81}"/>
-              </a:ext>
-            </a:extLst>
-          </p:cNvPr>
-          <p:cNvSpPr/>
-          <p:nvPr/>
-        </p:nvSpPr>
-        <p:spPr>
-          <a:xfrm>
-            <a:off x="441080" y="714255"/>
-            <a:ext cx="10551951" cy="2585323"/>
-          </a:xfrm>
-          <a:prstGeom prst="rect">
-            <a:avLst/>
-          </a:prstGeom>
-        </p:spPr>
-        <p:txBody>
-          <a:bodyPr wrap="square">
-            <a:spAutoFit/>
-          </a:bodyPr>
-          <a:lstStyle/>
-          <a:p>
-            <a:pPr marL="342900" indent="-342900">
-              <a:buAutoNum type="arabicParenR" startAt="3"/>
-            </a:pPr>
-            <a:endParaRPr lang="en-US" dirty="0"/>
-          </a:p>
-          <a:p>
-            <a:r>
-              <a:rPr lang="en-US" dirty="0"/>
-              <a:t>  </a:t>
-            </a:r>
-          </a:p>
-          <a:p>
-            <a:r>
-              <a:rPr lang="en-US" dirty="0"/>
-              <a:t>   </a:t>
-            </a:r>
-          </a:p>
-          <a:p>
-            <a:endParaRPr lang="en-US" dirty="0"/>
-          </a:p>
-          <a:p>
-            <a:endParaRPr lang="en-US" dirty="0"/>
-          </a:p>
-          <a:p>
-            <a:endParaRPr lang="en-US" dirty="0"/>
-          </a:p>
-          <a:p>
-            <a:endParaRPr lang="en-US" dirty="0"/>
-          </a:p>
-          <a:p>
-            <a:endParaRPr lang="en-US" dirty="0"/>
-          </a:p>
-          <a:p>
-            <a:endParaRPr lang="en-US" dirty="0"/>
-          </a:p>
-        </p:txBody>
-      </p:sp>
-      <p:sp>
-        <p:nvSpPr>
-          <p:cNvPr id="5" name="TextBox 4">
-            <a:extLst>
-              <a:ext uri="{FF2B5EF4-FFF2-40B4-BE49-F238E27FC236}">
-                <a16:creationId xmlns:a16="http://schemas.microsoft.com/office/drawing/2014/main" id="{352BAD37-21D3-44C7-ADCD-32ED088223FA}"/>
-              </a:ext>
-            </a:extLst>
-          </p:cNvPr>
-          <p:cNvSpPr txBox="1"/>
-          <p:nvPr/>
-        </p:nvSpPr>
-        <p:spPr>
-          <a:xfrm>
-            <a:off x="441080" y="1662545"/>
-            <a:ext cx="11309840" cy="5632311"/>
-          </a:xfrm>
-          <a:prstGeom prst="rect">
-            <a:avLst/>
-          </a:prstGeom>
-          <a:noFill/>
-        </p:spPr>
-        <p:txBody>
-          <a:bodyPr wrap="square" rtlCol="0">
-            <a:spAutoFit/>
-          </a:bodyPr>
-          <a:lstStyle/>
-          <a:p>
-            <a:r>
-              <a:rPr lang="en-US" sz="2000" dirty="0"/>
-              <a:t>TD – updates the  model after each guess</a:t>
-            </a:r>
-          </a:p>
-          <a:p>
-            <a:r>
-              <a:rPr lang="en-US" sz="2000" dirty="0"/>
-              <a:t>Monte Carlo – updates the model after the whole game (episode)</a:t>
-            </a:r>
-          </a:p>
-          <a:p>
-            <a:endParaRPr lang="en-US" sz="2000" dirty="0"/>
-          </a:p>
-          <a:p>
-            <a:endParaRPr lang="en-US" sz="2000" dirty="0"/>
-          </a:p>
-          <a:p>
-            <a:r>
-              <a:rPr lang="en-US" sz="2000" dirty="0"/>
-              <a:t>We decided to take the Monte Carlo approach because each episode is short (typically no more than 10 guesses ) and captures high-quality information. Our NN will learn and update itself using the outcome of many games.</a:t>
-            </a:r>
-          </a:p>
-          <a:p>
-            <a:endParaRPr lang="en-US" sz="2000" dirty="0"/>
-          </a:p>
-          <a:p>
-            <a:endParaRPr lang="en-US" sz="2000" dirty="0"/>
-          </a:p>
-          <a:p>
-            <a:r>
-              <a:rPr lang="en-US" sz="2000" dirty="0"/>
-              <a:t> How Monte Carlo approach  is used ?</a:t>
-            </a:r>
-          </a:p>
-          <a:p>
-            <a:r>
-              <a:rPr lang="en-US" sz="2000" dirty="0"/>
-              <a:t>The number of guesses to win in </a:t>
-            </a:r>
-            <a:r>
-              <a:rPr lang="en-US" sz="2000"/>
-              <a:t>a game </a:t>
-            </a:r>
-            <a:r>
-              <a:rPr lang="en-US" sz="2000" dirty="0"/>
-              <a:t>will propagate back to each guess in the game</a:t>
-            </a:r>
-          </a:p>
-          <a:p>
-            <a:r>
-              <a:rPr lang="en-US" sz="2000" dirty="0"/>
-              <a:t>as a score of how far the guess was from winning. A NN network will be trained based on the guess and its score that will act as label</a:t>
-            </a:r>
-          </a:p>
-          <a:p>
-            <a:endParaRPr lang="en-US" sz="2000" dirty="0"/>
-          </a:p>
-          <a:p>
-            <a:endParaRPr lang="en-US" sz="2000" dirty="0"/>
-          </a:p>
-          <a:p>
-            <a:endParaRPr lang="en-US" sz="2000" dirty="0"/>
-          </a:p>
-          <a:p>
-            <a:endParaRPr lang="en-US" sz="2000" dirty="0"/>
-          </a:p>
-          <a:p>
-            <a:endParaRPr lang="en-US" sz="2000" dirty="0"/>
-          </a:p>
-        </p:txBody>
-      </p:sp>
-    </p:spTree>
-    <p:extLst>
-      <p:ext uri="{BB962C8B-B14F-4D97-AF65-F5344CB8AC3E}">
-        <p14:creationId xmlns:p14="http://schemas.microsoft.com/office/powerpoint/2010/main" val="78790481"/>
       </p:ext>
     </p:extLst>
   </p:cSld>
@@ -45298,7 +45285,7 @@
           <p:nvPr>
             <p:extLst>
               <p:ext uri="{D42A27DB-BD31-4B8C-83A1-F6EECF244321}">
-                <p14:modId xmlns:p14="http://schemas.microsoft.com/office/powerpoint/2010/main" val="4162984363"/>
+                <p14:modId xmlns:p14="http://schemas.microsoft.com/office/powerpoint/2010/main" val="2435641760"/>
               </p:ext>
             </p:extLst>
           </p:nvPr>

--- a/ai_final_project_mastermind.pptx
+++ b/ai_final_project_mastermind.pptx
@@ -42572,7 +42572,7 @@
         <p:spPr>
           <a:xfrm>
             <a:off x="-1094129" y="67861"/>
-            <a:ext cx="11789837" cy="1675599"/>
+            <a:ext cx="13108920" cy="1675599"/>
           </a:xfrm>
           <a:prstGeom prst="rect">
             <a:avLst/>
@@ -42657,7 +42657,7 @@
           <a:p>
             <a:r>
               <a:rPr lang="en-US" dirty="0"/>
-              <a:t>                  Dilemma: TD or Monte Carlo ?</a:t>
+              <a:t>                  Our NN Dilemma: TD or Monte Carlo ?</a:t>
             </a:r>
             <a:endParaRPr lang="en-US" sz="4000" dirty="0"/>
           </a:p>
@@ -46098,7 +46098,15 @@
             </a:pPr>
             <a:r>
               <a:rPr lang="en-US" sz="2400" dirty="0"/>
-              <a:t>Write python program that learn a mastermind playing policy that is competitive with existing known policies and better than a naïve playing policy</a:t>
+              <a:t>Write python program </a:t>
+            </a:r>
+            <a:r>
+              <a:rPr lang="en-US" sz="2400"/>
+              <a:t>that learns </a:t>
+            </a:r>
+            <a:r>
+              <a:rPr lang="en-US" sz="2400" dirty="0"/>
+              <a:t>a mastermind playing policy that is competitive with existing known policies and better than a naïve playing policy</a:t>
             </a:r>
           </a:p>
           <a:p>

--- a/ai_final_project_mastermind.pptx
+++ b/ai_final_project_mastermind.pptx
@@ -1488,14 +1488,22 @@
               </a:defRPr>
             </a:pPr>
             <a:r>
-              <a:rPr lang="en-US"/>
-              <a:t>Random strategy improvment </a:t>
+              <a:rPr lang="en-US" dirty="0"/>
+              <a:t>Random strategy </a:t>
             </a:r>
             <a:r>
-              <a:rPr lang="en-US" baseline="0"/>
-              <a:t> over time</a:t>
+              <a:rPr lang="en-US" dirty="0" err="1"/>
+              <a:t>improvment</a:t>
             </a:r>
-            <a:endParaRPr lang="en-US"/>
+            <a:r>
+              <a:rPr lang="en-US" dirty="0"/>
+              <a:t> </a:t>
+            </a:r>
+            <a:r>
+              <a:rPr lang="en-US" baseline="0" dirty="0"/>
+              <a:t>over time</a:t>
+            </a:r>
+            <a:endParaRPr lang="en-US" dirty="0"/>
           </a:p>
         </c:rich>
       </c:tx>
@@ -41598,14 +41606,14 @@
         </p:spPr>
         <p:txBody>
           <a:bodyPr>
-            <a:normAutofit fontScale="90000"/>
+            <a:normAutofit/>
           </a:bodyPr>
           <a:lstStyle/>
           <a:p>
             <a:pPr algn="ctr"/>
             <a:r>
               <a:rPr lang="en-US" sz="8000" dirty="0"/>
-              <a:t>Learning heuristics for playing Mastermind </a:t>
+              <a:t>Training NN for playing Mastermind </a:t>
             </a:r>
             <a:br>
               <a:rPr lang="en-US" sz="8000" dirty="0"/>
@@ -42439,7 +42447,7 @@
           <p:nvPr>
             <p:extLst>
               <p:ext uri="{D42A27DB-BD31-4B8C-83A1-F6EECF244321}">
-                <p14:modId xmlns:p14="http://schemas.microsoft.com/office/powerpoint/2010/main" val="153138987"/>
+                <p14:modId xmlns:p14="http://schemas.microsoft.com/office/powerpoint/2010/main" val="1285757247"/>
               </p:ext>
             </p:extLst>
           </p:nvPr>
@@ -42757,7 +42765,7 @@
           <a:p>
             <a:r>
               <a:rPr lang="en-US" sz="2000" dirty="0"/>
-              <a:t>TD – updates the  model after each guess</a:t>
+              <a:t>Temporal Difference – updates the model after each guess</a:t>
             </a:r>
           </a:p>
           <a:p>
@@ -42787,7 +42795,7 @@
           <a:p>
             <a:r>
               <a:rPr lang="en-US" sz="2000" dirty="0"/>
-              <a:t> How Monte Carlo approach  is used ?</a:t>
+              <a:t> How Monte Carlo approach is used ?</a:t>
             </a:r>
           </a:p>
           <a:p>
@@ -43586,7 +43594,7 @@
           <a:p>
             <a:r>
               <a:rPr lang="en-US" dirty="0"/>
-              <a:t> The features for the NN will be :   </a:t>
+              <a:t> The features for the NN will be:   </a:t>
             </a:r>
             <a:r>
               <a:rPr lang="en-US" dirty="0" err="1"/>
@@ -43881,7 +43889,7 @@
           <a:p>
             <a:r>
               <a:rPr lang="en-US" dirty="0"/>
-              <a:t>Inspired by MTCS, we initially generated  games episodes using the random play strategy. </a:t>
+              <a:t>Inspired by MTCS, we initially generated  game episodes using the random play strategy. </a:t>
             </a:r>
           </a:p>
           <a:p>
@@ -46079,7 +46087,7 @@
         <p:spPr>
           <a:xfrm>
             <a:off x="194345" y="1511635"/>
-            <a:ext cx="11803310" cy="3416320"/>
+            <a:ext cx="11803310" cy="3046988"/>
           </a:xfrm>
           <a:prstGeom prst="rect">
             <a:avLst/>
@@ -46098,15 +46106,7 @@
             </a:pPr>
             <a:r>
               <a:rPr lang="en-US" sz="2400" dirty="0"/>
-              <a:t>Write python program </a:t>
-            </a:r>
-            <a:r>
-              <a:rPr lang="en-US" sz="2400"/>
-              <a:t>that learns </a:t>
-            </a:r>
-            <a:r>
-              <a:rPr lang="en-US" sz="2400" dirty="0"/>
-              <a:t>a mastermind playing policy that is competitive with existing known policies and better than a naïve playing policy</a:t>
+              <a:t>Write a python program that learns a mastermind playing policy that is competitive with existing policies and better than a naïve playing policy</a:t>
             </a:r>
           </a:p>
           <a:p>
@@ -46547,7 +46547,7 @@
           <a:p>
             <a:r>
               <a:rPr lang="en-US" sz="2400" dirty="0"/>
-              <a:t>- A Mastermind playing policy (s) where s is a state, is defined as a guess choosing algorithm in each turn of the game until the secret code is guessed (winning)</a:t>
+              <a:t>- A Mastermind playing policy (s) where s is a state, is defined as a guess choosing algorithm in each turn of the game until the secret code is guessed (win condition)</a:t>
             </a:r>
           </a:p>
           <a:p>
@@ -46556,7 +46556,7 @@
           <a:p>
             <a:r>
               <a:rPr lang="en-US" sz="2400" dirty="0"/>
-              <a:t>- The state s  is a list  of qualifying guess candidates  that are consistent with previous guesses and responses, namely, they are potentially the secret code chosen by the code maker. For example, after the guess {</a:t>
+              <a:t>- The state s is a list of qualifying guess candidates that are consistent with previous guesses and responses, namely, they are potentially the secret code chosen by the code maker. For example, after the guess {</a:t>
             </a:r>
             <a:r>
               <a:rPr lang="en-US" sz="2400" dirty="0" err="1"/>
@@ -48262,7 +48262,7 @@
           <a:p>
             <a:r>
               <a:rPr lang="en-US" dirty="0"/>
-              <a:t>         Policy  evaluation framework </a:t>
+              <a:t>         Policy evaluation framework </a:t>
             </a:r>
             <a:endParaRPr lang="en-US" sz="4000" dirty="0"/>
           </a:p>
@@ -48732,7 +48732,7 @@
           <a:p>
             <a:r>
               <a:rPr lang="en-US" dirty="0"/>
-              <a:t>1. A policy function that takes state S (list of qualifying guess candidates ) and  generates a guess to ask is created</a:t>
+              <a:t>1. A policy function that takes state S (list of qualifying guess candidates ) and generates a guess</a:t>
             </a:r>
           </a:p>
           <a:p>
@@ -48741,7 +48741,7 @@
           <a:p>
             <a:r>
               <a:rPr lang="en-US" dirty="0"/>
-              <a:t>2. Strategy game tree is generated  from the policy to be able to simulates many games efficiently </a:t>
+              <a:t>2. A strategy game tree is generated from the policy to be able to simulate many games efficiently </a:t>
             </a:r>
           </a:p>
           <a:p>
@@ -48759,7 +48759,7 @@
           <a:p>
             <a:r>
               <a:rPr lang="en-US" dirty="0"/>
-              <a:t>4. The simulator simulates games against all coded and generate the score for the policy (average guesses to win)</a:t>
+              <a:t>4. The simulator simulates games against all secret codes and generates the score for the policy (average guesses to win)</a:t>
             </a:r>
           </a:p>
         </p:txBody>
@@ -48924,7 +48924,7 @@
           <a:p>
             <a:r>
               <a:rPr lang="en-US" dirty="0"/>
-              <a:t>                 Knuth   Policy</a:t>
+              <a:t>                 (Improved) Knuth Policy</a:t>
             </a:r>
             <a:endParaRPr lang="en-US" sz="4000" dirty="0"/>
           </a:p>
@@ -48980,13 +48980,13 @@
             </a:pPr>
             <a:r>
               <a:rPr lang="en-US" sz="1600" dirty="0"/>
-              <a:t>If winning guess  quit  </a:t>
+              <a:t>If winning guess quit  </a:t>
             </a:r>
           </a:p>
           <a:p>
             <a:r>
               <a:rPr lang="en-US" sz="1600" dirty="0"/>
-              <a:t>2)  Based on the response ,filters out the candidates list</a:t>
+              <a:t>2)  Based on the response, filters out the candidates list</a:t>
             </a:r>
           </a:p>
           <a:p>

--- a/ai_final_project_mastermind.pptx
+++ b/ai_final_project_mastermind.pptx
@@ -5,7 +5,7 @@
     <p:sldMasterId id="2147483660" r:id="rId1"/>
   </p:sldMasterIdLst>
   <p:notesMasterIdLst>
-    <p:notesMasterId r:id="rId18"/>
+    <p:notesMasterId r:id="rId17"/>
   </p:notesMasterIdLst>
   <p:sldIdLst>
     <p:sldId id="256" r:id="rId2"/>
@@ -15,15 +15,14 @@
     <p:sldId id="258" r:id="rId6"/>
     <p:sldId id="268" r:id="rId7"/>
     <p:sldId id="263" r:id="rId8"/>
-    <p:sldId id="264" r:id="rId9"/>
-    <p:sldId id="270" r:id="rId10"/>
-    <p:sldId id="269" r:id="rId11"/>
-    <p:sldId id="275" r:id="rId12"/>
-    <p:sldId id="271" r:id="rId13"/>
-    <p:sldId id="272" r:id="rId14"/>
-    <p:sldId id="273" r:id="rId15"/>
-    <p:sldId id="274" r:id="rId16"/>
-    <p:sldId id="267" r:id="rId17"/>
+    <p:sldId id="269" r:id="rId9"/>
+    <p:sldId id="264" r:id="rId10"/>
+    <p:sldId id="275" r:id="rId11"/>
+    <p:sldId id="271" r:id="rId12"/>
+    <p:sldId id="272" r:id="rId13"/>
+    <p:sldId id="273" r:id="rId14"/>
+    <p:sldId id="274" r:id="rId15"/>
+    <p:sldId id="267" r:id="rId16"/>
   </p:sldIdLst>
   <p:sldSz cx="12192000" cy="6858000"/>
   <p:notesSz cx="6858000" cy="9144000"/>
@@ -176,1328 +175,8 @@
               </a:defRPr>
             </a:pPr>
             <a:r>
-              <a:rPr lang="en-US"/>
-              <a:t>worst case strategy</a:t>
-            </a:r>
-            <a:r>
-              <a:rPr lang="en-US" baseline="0"/>
-              <a:t> </a:t>
-            </a:r>
-            <a:r>
-              <a:rPr lang="en-US"/>
-              <a:t> improvement over time</a:t>
-            </a:r>
-          </a:p>
-        </c:rich>
-      </c:tx>
-      <c:layout>
-        <c:manualLayout>
-          <c:xMode val="edge"/>
-          <c:yMode val="edge"/>
-          <c:x val="0.14464802420218728"/>
-          <c:y val="1.7499998851706111E-2"/>
-        </c:manualLayout>
-      </c:layout>
-      <c:overlay val="0"/>
-      <c:spPr>
-        <a:noFill/>
-        <a:ln>
-          <a:noFill/>
-        </a:ln>
-        <a:effectLst/>
-      </c:spPr>
-      <c:txPr>
-        <a:bodyPr rot="0" spcFirstLastPara="1" vertOverflow="ellipsis" vert="horz" wrap="square" anchor="ctr" anchorCtr="1"/>
-        <a:lstStyle/>
-        <a:p>
-          <a:pPr>
-            <a:defRPr sz="1400" b="0" i="0" u="none" strike="noStrike" kern="1200" spc="0" baseline="0">
-              <a:solidFill>
-                <a:schemeClr val="tx1">
-                  <a:lumMod val="65000"/>
-                  <a:lumOff val="35000"/>
-                </a:schemeClr>
-              </a:solidFill>
-              <a:latin typeface="+mn-lt"/>
-              <a:ea typeface="+mn-ea"/>
-              <a:cs typeface="+mn-cs"/>
-            </a:defRPr>
-          </a:pPr>
-          <a:endParaRPr lang="en-US"/>
-        </a:p>
-      </c:txPr>
-    </c:title>
-    <c:autoTitleDeleted val="0"/>
-    <c:plotArea>
-      <c:layout/>
-      <c:scatterChart>
-        <c:scatterStyle val="smoothMarker"/>
-        <c:varyColors val="0"/>
-        <c:ser>
-          <c:idx val="0"/>
-          <c:order val="0"/>
-          <c:spPr>
-            <a:ln w="19050" cap="rnd">
-              <a:solidFill>
-                <a:schemeClr val="accent1"/>
-              </a:solidFill>
-              <a:round/>
-            </a:ln>
-            <a:effectLst/>
-          </c:spPr>
-          <c:marker>
-            <c:symbol val="circle"/>
-            <c:size val="5"/>
-            <c:spPr>
-              <a:solidFill>
-                <a:schemeClr val="accent1"/>
-              </a:solidFill>
-              <a:ln w="9525">
-                <a:solidFill>
-                  <a:schemeClr val="accent1"/>
-                </a:solidFill>
-              </a:ln>
-              <a:effectLst/>
-            </c:spPr>
-          </c:marker>
-          <c:xVal>
-            <c:numRef>
-              <c:f>Sheet2!$E$2:$E$148</c:f>
-              <c:numCache>
-                <c:formatCode>General</c:formatCode>
-                <c:ptCount val="147"/>
-                <c:pt idx="0">
-                  <c:v>0</c:v>
-                </c:pt>
-                <c:pt idx="1">
-                  <c:v>1</c:v>
-                </c:pt>
-                <c:pt idx="2">
-                  <c:v>2</c:v>
-                </c:pt>
-                <c:pt idx="3">
-                  <c:v>3</c:v>
-                </c:pt>
-                <c:pt idx="4">
-                  <c:v>4</c:v>
-                </c:pt>
-                <c:pt idx="5">
-                  <c:v>5</c:v>
-                </c:pt>
-                <c:pt idx="6">
-                  <c:v>6</c:v>
-                </c:pt>
-                <c:pt idx="7">
-                  <c:v>7</c:v>
-                </c:pt>
-                <c:pt idx="8">
-                  <c:v>8</c:v>
-                </c:pt>
-                <c:pt idx="9">
-                  <c:v>9</c:v>
-                </c:pt>
-                <c:pt idx="10">
-                  <c:v>10</c:v>
-                </c:pt>
-                <c:pt idx="11">
-                  <c:v>11</c:v>
-                </c:pt>
-                <c:pt idx="12">
-                  <c:v>12</c:v>
-                </c:pt>
-                <c:pt idx="13">
-                  <c:v>13</c:v>
-                </c:pt>
-                <c:pt idx="14">
-                  <c:v>14</c:v>
-                </c:pt>
-                <c:pt idx="15">
-                  <c:v>15</c:v>
-                </c:pt>
-                <c:pt idx="16">
-                  <c:v>16</c:v>
-                </c:pt>
-                <c:pt idx="17">
-                  <c:v>17</c:v>
-                </c:pt>
-                <c:pt idx="18">
-                  <c:v>18</c:v>
-                </c:pt>
-                <c:pt idx="19">
-                  <c:v>19</c:v>
-                </c:pt>
-                <c:pt idx="20">
-                  <c:v>20</c:v>
-                </c:pt>
-                <c:pt idx="21">
-                  <c:v>21</c:v>
-                </c:pt>
-                <c:pt idx="22">
-                  <c:v>22</c:v>
-                </c:pt>
-                <c:pt idx="23">
-                  <c:v>23</c:v>
-                </c:pt>
-                <c:pt idx="24">
-                  <c:v>24</c:v>
-                </c:pt>
-                <c:pt idx="25">
-                  <c:v>25</c:v>
-                </c:pt>
-                <c:pt idx="26">
-                  <c:v>26</c:v>
-                </c:pt>
-                <c:pt idx="27">
-                  <c:v>27</c:v>
-                </c:pt>
-                <c:pt idx="28">
-                  <c:v>28</c:v>
-                </c:pt>
-                <c:pt idx="29">
-                  <c:v>29</c:v>
-                </c:pt>
-                <c:pt idx="30">
-                  <c:v>30</c:v>
-                </c:pt>
-                <c:pt idx="31">
-                  <c:v>31</c:v>
-                </c:pt>
-                <c:pt idx="32">
-                  <c:v>32</c:v>
-                </c:pt>
-                <c:pt idx="33">
-                  <c:v>33</c:v>
-                </c:pt>
-                <c:pt idx="34">
-                  <c:v>34</c:v>
-                </c:pt>
-                <c:pt idx="35">
-                  <c:v>35</c:v>
-                </c:pt>
-                <c:pt idx="36">
-                  <c:v>36</c:v>
-                </c:pt>
-                <c:pt idx="37">
-                  <c:v>37</c:v>
-                </c:pt>
-                <c:pt idx="38">
-                  <c:v>38</c:v>
-                </c:pt>
-                <c:pt idx="39">
-                  <c:v>39</c:v>
-                </c:pt>
-                <c:pt idx="40">
-                  <c:v>40</c:v>
-                </c:pt>
-                <c:pt idx="41">
-                  <c:v>41</c:v>
-                </c:pt>
-                <c:pt idx="42">
-                  <c:v>42</c:v>
-                </c:pt>
-                <c:pt idx="43">
-                  <c:v>43</c:v>
-                </c:pt>
-                <c:pt idx="44">
-                  <c:v>44</c:v>
-                </c:pt>
-                <c:pt idx="45">
-                  <c:v>45</c:v>
-                </c:pt>
-                <c:pt idx="46">
-                  <c:v>46</c:v>
-                </c:pt>
-                <c:pt idx="47">
-                  <c:v>47</c:v>
-                </c:pt>
-                <c:pt idx="48">
-                  <c:v>48</c:v>
-                </c:pt>
-                <c:pt idx="49">
-                  <c:v>49</c:v>
-                </c:pt>
-                <c:pt idx="50">
-                  <c:v>50</c:v>
-                </c:pt>
-                <c:pt idx="51">
-                  <c:v>51</c:v>
-                </c:pt>
-                <c:pt idx="52">
-                  <c:v>52</c:v>
-                </c:pt>
-                <c:pt idx="53">
-                  <c:v>53</c:v>
-                </c:pt>
-                <c:pt idx="54">
-                  <c:v>54</c:v>
-                </c:pt>
-                <c:pt idx="55">
-                  <c:v>55</c:v>
-                </c:pt>
-                <c:pt idx="56">
-                  <c:v>56</c:v>
-                </c:pt>
-                <c:pt idx="57">
-                  <c:v>57</c:v>
-                </c:pt>
-                <c:pt idx="58">
-                  <c:v>58</c:v>
-                </c:pt>
-                <c:pt idx="59">
-                  <c:v>59</c:v>
-                </c:pt>
-                <c:pt idx="60">
-                  <c:v>60</c:v>
-                </c:pt>
-                <c:pt idx="61">
-                  <c:v>61</c:v>
-                </c:pt>
-                <c:pt idx="62">
-                  <c:v>62</c:v>
-                </c:pt>
-                <c:pt idx="63">
-                  <c:v>63</c:v>
-                </c:pt>
-                <c:pt idx="64">
-                  <c:v>64</c:v>
-                </c:pt>
-                <c:pt idx="65">
-                  <c:v>65</c:v>
-                </c:pt>
-                <c:pt idx="66">
-                  <c:v>66</c:v>
-                </c:pt>
-                <c:pt idx="67">
-                  <c:v>67</c:v>
-                </c:pt>
-                <c:pt idx="68">
-                  <c:v>68</c:v>
-                </c:pt>
-                <c:pt idx="69">
-                  <c:v>69</c:v>
-                </c:pt>
-                <c:pt idx="70">
-                  <c:v>70</c:v>
-                </c:pt>
-                <c:pt idx="71">
-                  <c:v>71</c:v>
-                </c:pt>
-                <c:pt idx="72">
-                  <c:v>72</c:v>
-                </c:pt>
-                <c:pt idx="73">
-                  <c:v>73</c:v>
-                </c:pt>
-                <c:pt idx="74">
-                  <c:v>74</c:v>
-                </c:pt>
-                <c:pt idx="75">
-                  <c:v>75</c:v>
-                </c:pt>
-                <c:pt idx="76">
-                  <c:v>76</c:v>
-                </c:pt>
-                <c:pt idx="77">
-                  <c:v>77</c:v>
-                </c:pt>
-                <c:pt idx="78">
-                  <c:v>78</c:v>
-                </c:pt>
-                <c:pt idx="79">
-                  <c:v>79</c:v>
-                </c:pt>
-                <c:pt idx="80">
-                  <c:v>80</c:v>
-                </c:pt>
-                <c:pt idx="81">
-                  <c:v>81</c:v>
-                </c:pt>
-                <c:pt idx="82">
-                  <c:v>82</c:v>
-                </c:pt>
-                <c:pt idx="83">
-                  <c:v>83</c:v>
-                </c:pt>
-                <c:pt idx="84">
-                  <c:v>84</c:v>
-                </c:pt>
-                <c:pt idx="85">
-                  <c:v>85</c:v>
-                </c:pt>
-                <c:pt idx="86">
-                  <c:v>86</c:v>
-                </c:pt>
-                <c:pt idx="87">
-                  <c:v>87</c:v>
-                </c:pt>
-                <c:pt idx="88">
-                  <c:v>88</c:v>
-                </c:pt>
-                <c:pt idx="89">
-                  <c:v>89</c:v>
-                </c:pt>
-                <c:pt idx="90">
-                  <c:v>90</c:v>
-                </c:pt>
-                <c:pt idx="91">
-                  <c:v>91</c:v>
-                </c:pt>
-                <c:pt idx="92">
-                  <c:v>92</c:v>
-                </c:pt>
-                <c:pt idx="93">
-                  <c:v>93</c:v>
-                </c:pt>
-                <c:pt idx="94">
-                  <c:v>94</c:v>
-                </c:pt>
-                <c:pt idx="95">
-                  <c:v>95</c:v>
-                </c:pt>
-                <c:pt idx="96">
-                  <c:v>96</c:v>
-                </c:pt>
-                <c:pt idx="97">
-                  <c:v>97</c:v>
-                </c:pt>
-                <c:pt idx="98">
-                  <c:v>98</c:v>
-                </c:pt>
-                <c:pt idx="99">
-                  <c:v>99</c:v>
-                </c:pt>
-                <c:pt idx="100">
-                  <c:v>100</c:v>
-                </c:pt>
-                <c:pt idx="101">
-                  <c:v>101</c:v>
-                </c:pt>
-                <c:pt idx="102">
-                  <c:v>102</c:v>
-                </c:pt>
-                <c:pt idx="103">
-                  <c:v>103</c:v>
-                </c:pt>
-                <c:pt idx="104">
-                  <c:v>104</c:v>
-                </c:pt>
-                <c:pt idx="105">
-                  <c:v>105</c:v>
-                </c:pt>
-                <c:pt idx="106">
-                  <c:v>106</c:v>
-                </c:pt>
-                <c:pt idx="107">
-                  <c:v>107</c:v>
-                </c:pt>
-                <c:pt idx="108">
-                  <c:v>108</c:v>
-                </c:pt>
-                <c:pt idx="109">
-                  <c:v>109</c:v>
-                </c:pt>
-                <c:pt idx="110">
-                  <c:v>110</c:v>
-                </c:pt>
-                <c:pt idx="111">
-                  <c:v>111</c:v>
-                </c:pt>
-                <c:pt idx="112">
-                  <c:v>112</c:v>
-                </c:pt>
-                <c:pt idx="113">
-                  <c:v>113</c:v>
-                </c:pt>
-                <c:pt idx="114">
-                  <c:v>114</c:v>
-                </c:pt>
-                <c:pt idx="115">
-                  <c:v>115</c:v>
-                </c:pt>
-                <c:pt idx="116">
-                  <c:v>116</c:v>
-                </c:pt>
-                <c:pt idx="117">
-                  <c:v>117</c:v>
-                </c:pt>
-                <c:pt idx="118">
-                  <c:v>118</c:v>
-                </c:pt>
-                <c:pt idx="119">
-                  <c:v>119</c:v>
-                </c:pt>
-                <c:pt idx="120">
-                  <c:v>120</c:v>
-                </c:pt>
-                <c:pt idx="121">
-                  <c:v>121</c:v>
-                </c:pt>
-                <c:pt idx="122">
-                  <c:v>122</c:v>
-                </c:pt>
-                <c:pt idx="123">
-                  <c:v>123</c:v>
-                </c:pt>
-                <c:pt idx="124">
-                  <c:v>124</c:v>
-                </c:pt>
-                <c:pt idx="125">
-                  <c:v>125</c:v>
-                </c:pt>
-                <c:pt idx="126">
-                  <c:v>126</c:v>
-                </c:pt>
-                <c:pt idx="127">
-                  <c:v>127</c:v>
-                </c:pt>
-                <c:pt idx="128">
-                  <c:v>128</c:v>
-                </c:pt>
-                <c:pt idx="129">
-                  <c:v>129</c:v>
-                </c:pt>
-                <c:pt idx="130">
-                  <c:v>130</c:v>
-                </c:pt>
-                <c:pt idx="131">
-                  <c:v>131</c:v>
-                </c:pt>
-                <c:pt idx="132">
-                  <c:v>132</c:v>
-                </c:pt>
-                <c:pt idx="133">
-                  <c:v>133</c:v>
-                </c:pt>
-                <c:pt idx="134">
-                  <c:v>134</c:v>
-                </c:pt>
-                <c:pt idx="135">
-                  <c:v>135</c:v>
-                </c:pt>
-                <c:pt idx="136">
-                  <c:v>136</c:v>
-                </c:pt>
-                <c:pt idx="137">
-                  <c:v>137</c:v>
-                </c:pt>
-                <c:pt idx="138">
-                  <c:v>138</c:v>
-                </c:pt>
-                <c:pt idx="139">
-                  <c:v>139</c:v>
-                </c:pt>
-                <c:pt idx="140">
-                  <c:v>140</c:v>
-                </c:pt>
-                <c:pt idx="141">
-                  <c:v>141</c:v>
-                </c:pt>
-                <c:pt idx="142">
-                  <c:v>142</c:v>
-                </c:pt>
-                <c:pt idx="143">
-                  <c:v>143</c:v>
-                </c:pt>
-                <c:pt idx="144">
-                  <c:v>144</c:v>
-                </c:pt>
-                <c:pt idx="145">
-                  <c:v>145</c:v>
-                </c:pt>
-                <c:pt idx="146">
-                  <c:v>146</c:v>
-                </c:pt>
-              </c:numCache>
-            </c:numRef>
-          </c:xVal>
-          <c:yVal>
-            <c:numRef>
-              <c:f>Sheet2!$F$2:$F$148</c:f>
-              <c:numCache>
-                <c:formatCode>General</c:formatCode>
-                <c:ptCount val="147"/>
-                <c:pt idx="0">
-                  <c:v>4.476</c:v>
-                </c:pt>
-                <c:pt idx="1">
-                  <c:v>4.4675925925925926</c:v>
-                </c:pt>
-                <c:pt idx="2">
-                  <c:v>4.4675925925925926</c:v>
-                </c:pt>
-                <c:pt idx="3">
-                  <c:v>4.4675925925925926</c:v>
-                </c:pt>
-                <c:pt idx="4">
-                  <c:v>4.466049382716049</c:v>
-                </c:pt>
-                <c:pt idx="5">
-                  <c:v>4.466049382716049</c:v>
-                </c:pt>
-                <c:pt idx="6">
-                  <c:v>4.466049382716049</c:v>
-                </c:pt>
-                <c:pt idx="7">
-                  <c:v>4.466049382716049</c:v>
-                </c:pt>
-                <c:pt idx="8">
-                  <c:v>4.466049382716049</c:v>
-                </c:pt>
-                <c:pt idx="9">
-                  <c:v>4.466049382716049</c:v>
-                </c:pt>
-                <c:pt idx="10">
-                  <c:v>4.4652777777777777</c:v>
-                </c:pt>
-                <c:pt idx="11">
-                  <c:v>4.4652777777777777</c:v>
-                </c:pt>
-                <c:pt idx="12">
-                  <c:v>4.4652777777777777</c:v>
-                </c:pt>
-                <c:pt idx="13">
-                  <c:v>4.4621913580246915</c:v>
-                </c:pt>
-                <c:pt idx="14">
-                  <c:v>4.4621913580246915</c:v>
-                </c:pt>
-                <c:pt idx="15">
-                  <c:v>4.4621913580246915</c:v>
-                </c:pt>
-                <c:pt idx="16">
-                  <c:v>4.4621913580246915</c:v>
-                </c:pt>
-                <c:pt idx="17">
-                  <c:v>4.4621913580246915</c:v>
-                </c:pt>
-                <c:pt idx="18">
-                  <c:v>4.4621913580246915</c:v>
-                </c:pt>
-                <c:pt idx="19">
-                  <c:v>4.4606481481481479</c:v>
-                </c:pt>
-                <c:pt idx="20">
-                  <c:v>4.4606481481481479</c:v>
-                </c:pt>
-                <c:pt idx="21">
-                  <c:v>4.4606481481481479</c:v>
-                </c:pt>
-                <c:pt idx="22">
-                  <c:v>4.4606481481481479</c:v>
-                </c:pt>
-                <c:pt idx="23">
-                  <c:v>4.4606481481481479</c:v>
-                </c:pt>
-                <c:pt idx="24">
-                  <c:v>4.4606481481481479</c:v>
-                </c:pt>
-                <c:pt idx="25">
-                  <c:v>4.4606481481481479</c:v>
-                </c:pt>
-                <c:pt idx="26">
-                  <c:v>4.4606481481481479</c:v>
-                </c:pt>
-                <c:pt idx="27">
-                  <c:v>4.4606481481481479</c:v>
-                </c:pt>
-                <c:pt idx="28">
-                  <c:v>4.4606481481481479</c:v>
-                </c:pt>
-                <c:pt idx="29">
-                  <c:v>4.4606481481481479</c:v>
-                </c:pt>
-                <c:pt idx="30">
-                  <c:v>4.4606481481481479</c:v>
-                </c:pt>
-                <c:pt idx="31">
-                  <c:v>4.4606481481481479</c:v>
-                </c:pt>
-                <c:pt idx="32">
-                  <c:v>4.4606481481481479</c:v>
-                </c:pt>
-                <c:pt idx="33">
-                  <c:v>4.4606481481481479</c:v>
-                </c:pt>
-                <c:pt idx="34">
-                  <c:v>4.4606481481481479</c:v>
-                </c:pt>
-                <c:pt idx="35">
-                  <c:v>4.4606481481481479</c:v>
-                </c:pt>
-                <c:pt idx="36">
-                  <c:v>4.4606481481481479</c:v>
-                </c:pt>
-                <c:pt idx="37">
-                  <c:v>4.4606481481481479</c:v>
-                </c:pt>
-                <c:pt idx="38">
-                  <c:v>4.4606481481481479</c:v>
-                </c:pt>
-                <c:pt idx="39">
-                  <c:v>4.4606481481481479</c:v>
-                </c:pt>
-                <c:pt idx="40">
-                  <c:v>4.4606481481481479</c:v>
-                </c:pt>
-                <c:pt idx="41">
-                  <c:v>4.4606481481481479</c:v>
-                </c:pt>
-                <c:pt idx="42">
-                  <c:v>4.4606481481481479</c:v>
-                </c:pt>
-                <c:pt idx="43">
-                  <c:v>4.4606481481481479</c:v>
-                </c:pt>
-                <c:pt idx="44">
-                  <c:v>4.4606481481481479</c:v>
-                </c:pt>
-                <c:pt idx="45">
-                  <c:v>4.4606481481481479</c:v>
-                </c:pt>
-                <c:pt idx="46">
-                  <c:v>4.4606481481481479</c:v>
-                </c:pt>
-                <c:pt idx="47">
-                  <c:v>4.4606481481481479</c:v>
-                </c:pt>
-                <c:pt idx="48">
-                  <c:v>4.4606481481481479</c:v>
-                </c:pt>
-                <c:pt idx="49">
-                  <c:v>4.4606481481481479</c:v>
-                </c:pt>
-                <c:pt idx="50">
-                  <c:v>4.4606481481481479</c:v>
-                </c:pt>
-                <c:pt idx="51">
-                  <c:v>4.4606481481481479</c:v>
-                </c:pt>
-                <c:pt idx="52">
-                  <c:v>4.4606481481481479</c:v>
-                </c:pt>
-                <c:pt idx="53">
-                  <c:v>4.4606481481481479</c:v>
-                </c:pt>
-                <c:pt idx="54">
-                  <c:v>4.4606481481481479</c:v>
-                </c:pt>
-                <c:pt idx="55">
-                  <c:v>4.4606481481481479</c:v>
-                </c:pt>
-                <c:pt idx="56">
-                  <c:v>4.4606481481481479</c:v>
-                </c:pt>
-                <c:pt idx="57">
-                  <c:v>4.4606481481481479</c:v>
-                </c:pt>
-                <c:pt idx="58">
-                  <c:v>4.4606481481481479</c:v>
-                </c:pt>
-                <c:pt idx="59">
-                  <c:v>4.4606481481481479</c:v>
-                </c:pt>
-                <c:pt idx="60">
-                  <c:v>4.4606481481481479</c:v>
-                </c:pt>
-                <c:pt idx="61">
-                  <c:v>4.4606481481481479</c:v>
-                </c:pt>
-                <c:pt idx="62">
-                  <c:v>4.4606481481481479</c:v>
-                </c:pt>
-                <c:pt idx="63">
-                  <c:v>4.4606481481481479</c:v>
-                </c:pt>
-                <c:pt idx="64">
-                  <c:v>4.4606481481481479</c:v>
-                </c:pt>
-                <c:pt idx="65">
-                  <c:v>4.4606481481481479</c:v>
-                </c:pt>
-                <c:pt idx="66">
-                  <c:v>4.4606481481481479</c:v>
-                </c:pt>
-                <c:pt idx="67">
-                  <c:v>4.4606481481481479</c:v>
-                </c:pt>
-                <c:pt idx="68">
-                  <c:v>4.4606481481481479</c:v>
-                </c:pt>
-                <c:pt idx="69">
-                  <c:v>4.4606481481481479</c:v>
-                </c:pt>
-                <c:pt idx="70">
-                  <c:v>4.4606481481481479</c:v>
-                </c:pt>
-                <c:pt idx="71">
-                  <c:v>4.4606481481481479</c:v>
-                </c:pt>
-                <c:pt idx="72">
-                  <c:v>4.4606481481481479</c:v>
-                </c:pt>
-                <c:pt idx="73">
-                  <c:v>4.4606481481481479</c:v>
-                </c:pt>
-                <c:pt idx="74">
-                  <c:v>4.4606481481481479</c:v>
-                </c:pt>
-                <c:pt idx="75">
-                  <c:v>4.4606481481481479</c:v>
-                </c:pt>
-                <c:pt idx="76">
-                  <c:v>4.4606481481481479</c:v>
-                </c:pt>
-                <c:pt idx="77">
-                  <c:v>4.4606481481481479</c:v>
-                </c:pt>
-                <c:pt idx="78">
-                  <c:v>4.4606481481481479</c:v>
-                </c:pt>
-                <c:pt idx="79">
-                  <c:v>4.4606481481481479</c:v>
-                </c:pt>
-                <c:pt idx="80">
-                  <c:v>4.4606481481481479</c:v>
-                </c:pt>
-                <c:pt idx="81">
-                  <c:v>4.4606481481481479</c:v>
-                </c:pt>
-                <c:pt idx="82">
-                  <c:v>4.4606481481481479</c:v>
-                </c:pt>
-                <c:pt idx="83">
-                  <c:v>4.4606481481481479</c:v>
-                </c:pt>
-                <c:pt idx="84">
-                  <c:v>4.4606481481481479</c:v>
-                </c:pt>
-                <c:pt idx="85">
-                  <c:v>4.4606481481481479</c:v>
-                </c:pt>
-                <c:pt idx="86">
-                  <c:v>4.4606481481481479</c:v>
-                </c:pt>
-                <c:pt idx="87">
-                  <c:v>4.4606481481481479</c:v>
-                </c:pt>
-                <c:pt idx="88">
-                  <c:v>4.4606481481481479</c:v>
-                </c:pt>
-                <c:pt idx="89">
-                  <c:v>4.4606481481481479</c:v>
-                </c:pt>
-                <c:pt idx="90">
-                  <c:v>4.4606481481481479</c:v>
-                </c:pt>
-                <c:pt idx="91">
-                  <c:v>4.4606481481481479</c:v>
-                </c:pt>
-                <c:pt idx="92">
-                  <c:v>4.4606481481481479</c:v>
-                </c:pt>
-                <c:pt idx="93">
-                  <c:v>4.4606481481481479</c:v>
-                </c:pt>
-                <c:pt idx="94">
-                  <c:v>4.4606481481481479</c:v>
-                </c:pt>
-                <c:pt idx="95">
-                  <c:v>4.4606481481481479</c:v>
-                </c:pt>
-                <c:pt idx="96">
-                  <c:v>4.4606481481481479</c:v>
-                </c:pt>
-                <c:pt idx="97">
-                  <c:v>4.4606481481481479</c:v>
-                </c:pt>
-                <c:pt idx="98">
-                  <c:v>4.4606481481481479</c:v>
-                </c:pt>
-                <c:pt idx="99">
-                  <c:v>4.4606481481481479</c:v>
-                </c:pt>
-                <c:pt idx="100">
-                  <c:v>4.4606481481481479</c:v>
-                </c:pt>
-                <c:pt idx="101">
-                  <c:v>4.4606481481481479</c:v>
-                </c:pt>
-                <c:pt idx="102">
-                  <c:v>4.4606481481481479</c:v>
-                </c:pt>
-                <c:pt idx="103">
-                  <c:v>4.4606481481481479</c:v>
-                </c:pt>
-                <c:pt idx="104">
-                  <c:v>4.4606481481481479</c:v>
-                </c:pt>
-                <c:pt idx="105">
-                  <c:v>4.4606481481481479</c:v>
-                </c:pt>
-                <c:pt idx="106">
-                  <c:v>4.4606481481481479</c:v>
-                </c:pt>
-                <c:pt idx="107">
-                  <c:v>4.4606481481481479</c:v>
-                </c:pt>
-                <c:pt idx="108">
-                  <c:v>4.4606481481481479</c:v>
-                </c:pt>
-                <c:pt idx="109">
-                  <c:v>4.4606481481481479</c:v>
-                </c:pt>
-                <c:pt idx="110">
-                  <c:v>4.4606481481481479</c:v>
-                </c:pt>
-                <c:pt idx="111">
-                  <c:v>4.4606481481481479</c:v>
-                </c:pt>
-                <c:pt idx="112">
-                  <c:v>4.4606481481481479</c:v>
-                </c:pt>
-                <c:pt idx="113">
-                  <c:v>4.4606481481481479</c:v>
-                </c:pt>
-                <c:pt idx="114">
-                  <c:v>4.4606481481481479</c:v>
-                </c:pt>
-                <c:pt idx="115">
-                  <c:v>4.4606481481481479</c:v>
-                </c:pt>
-                <c:pt idx="116">
-                  <c:v>4.4598765432098766</c:v>
-                </c:pt>
-                <c:pt idx="117">
-                  <c:v>4.4598765432098766</c:v>
-                </c:pt>
-                <c:pt idx="118">
-                  <c:v>4.4598765432098766</c:v>
-                </c:pt>
-                <c:pt idx="119">
-                  <c:v>4.4598765432098766</c:v>
-                </c:pt>
-                <c:pt idx="120">
-                  <c:v>4.4598765432098766</c:v>
-                </c:pt>
-                <c:pt idx="121">
-                  <c:v>4.4598765432098766</c:v>
-                </c:pt>
-                <c:pt idx="122">
-                  <c:v>4.4598765432098766</c:v>
-                </c:pt>
-                <c:pt idx="123">
-                  <c:v>4.4598765432098766</c:v>
-                </c:pt>
-                <c:pt idx="124">
-                  <c:v>4.4598765432098766</c:v>
-                </c:pt>
-                <c:pt idx="125">
-                  <c:v>4.4598765432098766</c:v>
-                </c:pt>
-                <c:pt idx="126">
-                  <c:v>4.458333333333333</c:v>
-                </c:pt>
-                <c:pt idx="127">
-                  <c:v>4.458333333333333</c:v>
-                </c:pt>
-                <c:pt idx="128">
-                  <c:v>4.458333333333333</c:v>
-                </c:pt>
-                <c:pt idx="129">
-                  <c:v>4.458333333333333</c:v>
-                </c:pt>
-                <c:pt idx="130">
-                  <c:v>4.458333333333333</c:v>
-                </c:pt>
-                <c:pt idx="131">
-                  <c:v>4.458333333333333</c:v>
-                </c:pt>
-                <c:pt idx="132">
-                  <c:v>4.458333333333333</c:v>
-                </c:pt>
-                <c:pt idx="133">
-                  <c:v>4.458333333333333</c:v>
-                </c:pt>
-                <c:pt idx="134">
-                  <c:v>4.458333333333333</c:v>
-                </c:pt>
-                <c:pt idx="135">
-                  <c:v>4.458333333333333</c:v>
-                </c:pt>
-                <c:pt idx="136">
-                  <c:v>4.458333333333333</c:v>
-                </c:pt>
-                <c:pt idx="137">
-                  <c:v>4.458333333333333</c:v>
-                </c:pt>
-                <c:pt idx="138">
-                  <c:v>4.458333333333333</c:v>
-                </c:pt>
-                <c:pt idx="139">
-                  <c:v>4.458333333333333</c:v>
-                </c:pt>
-                <c:pt idx="140">
-                  <c:v>4.458333333333333</c:v>
-                </c:pt>
-                <c:pt idx="141">
-                  <c:v>4.458333333333333</c:v>
-                </c:pt>
-                <c:pt idx="142">
-                  <c:v>4.458333333333333</c:v>
-                </c:pt>
-                <c:pt idx="143">
-                  <c:v>4.458333333333333</c:v>
-                </c:pt>
-                <c:pt idx="144">
-                  <c:v>4.458333333333333</c:v>
-                </c:pt>
-                <c:pt idx="145">
-                  <c:v>4.458333333333333</c:v>
-                </c:pt>
-                <c:pt idx="146">
-                  <c:v>4.458333333333333</c:v>
-                </c:pt>
-              </c:numCache>
-            </c:numRef>
-          </c:yVal>
-          <c:smooth val="1"/>
-          <c:extLst>
-            <c:ext xmlns:c16="http://schemas.microsoft.com/office/drawing/2014/chart" uri="{C3380CC4-5D6E-409C-BE32-E72D297353CC}">
-              <c16:uniqueId val="{00000000-EE88-4707-AB27-197420448500}"/>
-            </c:ext>
-          </c:extLst>
-        </c:ser>
-        <c:dLbls>
-          <c:showLegendKey val="0"/>
-          <c:showVal val="0"/>
-          <c:showCatName val="0"/>
-          <c:showSerName val="0"/>
-          <c:showPercent val="0"/>
-          <c:showBubbleSize val="0"/>
-        </c:dLbls>
-        <c:axId val="448554720"/>
-        <c:axId val="448554064"/>
-      </c:scatterChart>
-      <c:valAx>
-        <c:axId val="448554720"/>
-        <c:scaling>
-          <c:orientation val="minMax"/>
-        </c:scaling>
-        <c:delete val="0"/>
-        <c:axPos val="b"/>
-        <c:majorGridlines>
-          <c:spPr>
-            <a:ln w="9525" cap="flat" cmpd="sng" algn="ctr">
-              <a:solidFill>
-                <a:schemeClr val="tx1">
-                  <a:lumMod val="15000"/>
-                  <a:lumOff val="85000"/>
-                </a:schemeClr>
-              </a:solidFill>
-              <a:round/>
-            </a:ln>
-            <a:effectLst/>
-          </c:spPr>
-        </c:majorGridlines>
-        <c:title>
-          <c:tx>
-            <c:rich>
-              <a:bodyPr rot="0" spcFirstLastPara="1" vertOverflow="ellipsis" vert="horz" wrap="square" anchor="ctr" anchorCtr="1"/>
-              <a:lstStyle/>
-              <a:p>
-                <a:pPr>
-                  <a:defRPr sz="1000" b="0" i="0" u="none" strike="noStrike" kern="1200" baseline="0">
-                    <a:solidFill>
-                      <a:schemeClr val="tx1">
-                        <a:lumMod val="65000"/>
-                        <a:lumOff val="35000"/>
-                      </a:schemeClr>
-                    </a:solidFill>
-                    <a:latin typeface="+mn-lt"/>
-                    <a:ea typeface="+mn-ea"/>
-                    <a:cs typeface="+mn-cs"/>
-                  </a:defRPr>
-                </a:pPr>
-                <a:r>
-                  <a:rPr lang="en-US"/>
-                  <a:t>Iterations</a:t>
-                </a:r>
-              </a:p>
-            </c:rich>
-          </c:tx>
-          <c:overlay val="0"/>
-          <c:spPr>
-            <a:noFill/>
-            <a:ln>
-              <a:noFill/>
-            </a:ln>
-            <a:effectLst/>
-          </c:spPr>
-          <c:txPr>
-            <a:bodyPr rot="0" spcFirstLastPara="1" vertOverflow="ellipsis" vert="horz" wrap="square" anchor="ctr" anchorCtr="1"/>
-            <a:lstStyle/>
-            <a:p>
-              <a:pPr>
-                <a:defRPr sz="1000" b="0" i="0" u="none" strike="noStrike" kern="1200" baseline="0">
-                  <a:solidFill>
-                    <a:schemeClr val="tx1">
-                      <a:lumMod val="65000"/>
-                      <a:lumOff val="35000"/>
-                    </a:schemeClr>
-                  </a:solidFill>
-                  <a:latin typeface="+mn-lt"/>
-                  <a:ea typeface="+mn-ea"/>
-                  <a:cs typeface="+mn-cs"/>
-                </a:defRPr>
-              </a:pPr>
-              <a:endParaRPr lang="en-US"/>
-            </a:p>
-          </c:txPr>
-        </c:title>
-        <c:numFmt formatCode="General" sourceLinked="1"/>
-        <c:majorTickMark val="none"/>
-        <c:minorTickMark val="none"/>
-        <c:tickLblPos val="nextTo"/>
-        <c:spPr>
-          <a:noFill/>
-          <a:ln w="9525" cap="flat" cmpd="sng" algn="ctr">
-            <a:solidFill>
-              <a:schemeClr val="tx1">
-                <a:lumMod val="25000"/>
-                <a:lumOff val="75000"/>
-              </a:schemeClr>
-            </a:solidFill>
-            <a:round/>
-          </a:ln>
-          <a:effectLst/>
-        </c:spPr>
-        <c:txPr>
-          <a:bodyPr rot="-60000000" spcFirstLastPara="1" vertOverflow="ellipsis" vert="horz" wrap="square" anchor="ctr" anchorCtr="1"/>
-          <a:lstStyle/>
-          <a:p>
-            <a:pPr>
-              <a:defRPr sz="900" b="0" i="0" u="none" strike="noStrike" kern="1200" baseline="0">
-                <a:solidFill>
-                  <a:schemeClr val="tx1">
-                    <a:lumMod val="65000"/>
-                    <a:lumOff val="35000"/>
-                  </a:schemeClr>
-                </a:solidFill>
-                <a:latin typeface="+mn-lt"/>
-                <a:ea typeface="+mn-ea"/>
-                <a:cs typeface="+mn-cs"/>
-              </a:defRPr>
-            </a:pPr>
-            <a:endParaRPr lang="en-US"/>
-          </a:p>
-        </c:txPr>
-        <c:crossAx val="448554064"/>
-        <c:crosses val="autoZero"/>
-        <c:crossBetween val="midCat"/>
-      </c:valAx>
-      <c:valAx>
-        <c:axId val="448554064"/>
-        <c:scaling>
-          <c:orientation val="minMax"/>
-        </c:scaling>
-        <c:delete val="0"/>
-        <c:axPos val="l"/>
-        <c:majorGridlines>
-          <c:spPr>
-            <a:ln w="9525" cap="flat" cmpd="sng" algn="ctr">
-              <a:solidFill>
-                <a:schemeClr val="tx1">
-                  <a:lumMod val="15000"/>
-                  <a:lumOff val="85000"/>
-                </a:schemeClr>
-              </a:solidFill>
-              <a:round/>
-            </a:ln>
-            <a:effectLst/>
-          </c:spPr>
-        </c:majorGridlines>
-        <c:title>
-          <c:tx>
-            <c:rich>
-              <a:bodyPr rot="-5400000" spcFirstLastPara="1" vertOverflow="ellipsis" vert="horz" wrap="square" anchor="ctr" anchorCtr="1"/>
-              <a:lstStyle/>
-              <a:p>
-                <a:pPr>
-                  <a:defRPr sz="1000" b="0" i="0" u="none" strike="noStrike" kern="1200" baseline="0">
-                    <a:solidFill>
-                      <a:schemeClr val="tx1">
-                        <a:lumMod val="65000"/>
-                        <a:lumOff val="35000"/>
-                      </a:schemeClr>
-                    </a:solidFill>
-                    <a:latin typeface="+mn-lt"/>
-                    <a:ea typeface="+mn-ea"/>
-                    <a:cs typeface="+mn-cs"/>
-                  </a:defRPr>
-                </a:pPr>
-                <a:r>
-                  <a:rPr lang="en-US"/>
-                  <a:t>Best Avarage</a:t>
-                </a:r>
-              </a:p>
-            </c:rich>
-          </c:tx>
-          <c:overlay val="0"/>
-          <c:spPr>
-            <a:noFill/>
-            <a:ln>
-              <a:noFill/>
-            </a:ln>
-            <a:effectLst/>
-          </c:spPr>
-          <c:txPr>
-            <a:bodyPr rot="-5400000" spcFirstLastPara="1" vertOverflow="ellipsis" vert="horz" wrap="square" anchor="ctr" anchorCtr="1"/>
-            <a:lstStyle/>
-            <a:p>
-              <a:pPr>
-                <a:defRPr sz="1000" b="0" i="0" u="none" strike="noStrike" kern="1200" baseline="0">
-                  <a:solidFill>
-                    <a:schemeClr val="tx1">
-                      <a:lumMod val="65000"/>
-                      <a:lumOff val="35000"/>
-                    </a:schemeClr>
-                  </a:solidFill>
-                  <a:latin typeface="+mn-lt"/>
-                  <a:ea typeface="+mn-ea"/>
-                  <a:cs typeface="+mn-cs"/>
-                </a:defRPr>
-              </a:pPr>
-              <a:endParaRPr lang="en-US"/>
-            </a:p>
-          </c:txPr>
-        </c:title>
-        <c:numFmt formatCode="General" sourceLinked="1"/>
-        <c:majorTickMark val="none"/>
-        <c:minorTickMark val="none"/>
-        <c:tickLblPos val="nextTo"/>
-        <c:spPr>
-          <a:noFill/>
-          <a:ln w="9525" cap="flat" cmpd="sng" algn="ctr">
-            <a:solidFill>
-              <a:schemeClr val="tx1">
-                <a:lumMod val="25000"/>
-                <a:lumOff val="75000"/>
-              </a:schemeClr>
-            </a:solidFill>
-            <a:round/>
-          </a:ln>
-          <a:effectLst/>
-        </c:spPr>
-        <c:txPr>
-          <a:bodyPr rot="-60000000" spcFirstLastPara="1" vertOverflow="ellipsis" vert="horz" wrap="square" anchor="ctr" anchorCtr="1"/>
-          <a:lstStyle/>
-          <a:p>
-            <a:pPr>
-              <a:defRPr sz="900" b="0" i="0" u="none" strike="noStrike" kern="1200" baseline="0">
-                <a:solidFill>
-                  <a:schemeClr val="tx1">
-                    <a:lumMod val="65000"/>
-                    <a:lumOff val="35000"/>
-                  </a:schemeClr>
-                </a:solidFill>
-                <a:latin typeface="+mn-lt"/>
-                <a:ea typeface="+mn-ea"/>
-                <a:cs typeface="+mn-cs"/>
-              </a:defRPr>
-            </a:pPr>
-            <a:endParaRPr lang="en-US"/>
-          </a:p>
-        </c:txPr>
-        <c:crossAx val="448554720"/>
-        <c:crosses val="autoZero"/>
-        <c:crossBetween val="midCat"/>
-      </c:valAx>
-      <c:spPr>
-        <a:noFill/>
-        <a:ln>
-          <a:noFill/>
-        </a:ln>
-        <a:effectLst/>
-      </c:spPr>
-    </c:plotArea>
-    <c:plotVisOnly val="1"/>
-    <c:dispBlanksAs val="gap"/>
-    <c:extLst>
-      <c:ext xmlns:c16r3="http://schemas.microsoft.com/office/drawing/2017/03/chart" uri="{56B9EC1D-385E-4148-901F-78D8002777C0}">
-        <c16r3:dataDisplayOptions16>
-          <c16r3:dispNaAsBlank val="1"/>
-        </c16r3:dataDisplayOptions16>
-      </c:ext>
-    </c:extLst>
-    <c:showDLblsOverMax val="0"/>
-  </c:chart>
-  <c:spPr>
-    <a:noFill/>
-    <a:ln>
-      <a:noFill/>
-    </a:ln>
-    <a:effectLst/>
-  </c:spPr>
-  <c:txPr>
-    <a:bodyPr/>
-    <a:lstStyle/>
-    <a:p>
-      <a:pPr>
-        <a:defRPr/>
-      </a:pPr>
-      <a:endParaRPr lang="en-US"/>
-    </a:p>
-  </c:txPr>
-  <c:externalData r:id="rId3">
-    <c:autoUpdate val="0"/>
-  </c:externalData>
-</c:chartSpace>
-</file>
-
-<file path=ppt/charts/chart2.xml><?xml version="1.0" encoding="utf-8"?>
-<c:chartSpace xmlns:c="http://schemas.openxmlformats.org/drawingml/2006/chart" xmlns:a="http://schemas.openxmlformats.org/drawingml/2006/main" xmlns:r="http://schemas.openxmlformats.org/officeDocument/2006/relationships" xmlns:c16r2="http://schemas.microsoft.com/office/drawing/2015/06/chart">
-  <c:date1904 val="0"/>
-  <c:lang val="en-US"/>
-  <c:roundedCorners val="0"/>
-  <mc:AlternateContent xmlns:mc="http://schemas.openxmlformats.org/markup-compatibility/2006">
-    <mc:Choice xmlns:c14="http://schemas.microsoft.com/office/drawing/2007/8/2/chart" Requires="c14">
-      <c14:style val="102"/>
-    </mc:Choice>
-    <mc:Fallback>
-      <c:style val="2"/>
-    </mc:Fallback>
-  </mc:AlternateContent>
-  <c:chart>
-    <c:title>
-      <c:tx>
-        <c:rich>
-          <a:bodyPr rot="0" spcFirstLastPara="1" vertOverflow="ellipsis" vert="horz" wrap="square" anchor="ctr" anchorCtr="1"/>
-          <a:lstStyle/>
-          <a:p>
-            <a:pPr>
-              <a:defRPr sz="1400" b="0" i="0" u="none" strike="noStrike" kern="1200" spc="0" baseline="0">
-                <a:solidFill>
-                  <a:schemeClr val="tx1">
-                    <a:lumMod val="65000"/>
-                    <a:lumOff val="35000"/>
-                  </a:schemeClr>
-                </a:solidFill>
-                <a:latin typeface="+mn-lt"/>
-                <a:ea typeface="+mn-ea"/>
-                <a:cs typeface="+mn-cs"/>
-              </a:defRPr>
-            </a:pPr>
-            <a:r>
               <a:rPr lang="en-US" dirty="0"/>
-              <a:t>Random strategy </a:t>
-            </a:r>
-            <a:r>
-              <a:rPr lang="en-US" dirty="0" err="1"/>
-              <a:t>improvment</a:t>
-            </a:r>
-            <a:r>
-              <a:rPr lang="en-US" dirty="0"/>
-              <a:t> </a:t>
+              <a:t>Random strategy improvement </a:t>
             </a:r>
             <a:r>
               <a:rPr lang="en-US" baseline="0" dirty="0"/>
@@ -16927,6 +15606,1318 @@
           </a:p>
         </c:txPr>
         <c:crossAx val="434626344"/>
+        <c:crosses val="autoZero"/>
+        <c:crossBetween val="midCat"/>
+      </c:valAx>
+      <c:spPr>
+        <a:noFill/>
+        <a:ln>
+          <a:noFill/>
+        </a:ln>
+        <a:effectLst/>
+      </c:spPr>
+    </c:plotArea>
+    <c:plotVisOnly val="1"/>
+    <c:dispBlanksAs val="gap"/>
+    <c:extLst>
+      <c:ext xmlns:c16r3="http://schemas.microsoft.com/office/drawing/2017/03/chart" uri="{56B9EC1D-385E-4148-901F-78D8002777C0}">
+        <c16r3:dataDisplayOptions16>
+          <c16r3:dispNaAsBlank val="1"/>
+        </c16r3:dataDisplayOptions16>
+      </c:ext>
+    </c:extLst>
+    <c:showDLblsOverMax val="0"/>
+  </c:chart>
+  <c:spPr>
+    <a:noFill/>
+    <a:ln>
+      <a:noFill/>
+    </a:ln>
+    <a:effectLst/>
+  </c:spPr>
+  <c:txPr>
+    <a:bodyPr/>
+    <a:lstStyle/>
+    <a:p>
+      <a:pPr>
+        <a:defRPr/>
+      </a:pPr>
+      <a:endParaRPr lang="en-US"/>
+    </a:p>
+  </c:txPr>
+  <c:externalData r:id="rId3">
+    <c:autoUpdate val="0"/>
+  </c:externalData>
+</c:chartSpace>
+</file>
+
+<file path=ppt/charts/chart2.xml><?xml version="1.0" encoding="utf-8"?>
+<c:chartSpace xmlns:c="http://schemas.openxmlformats.org/drawingml/2006/chart" xmlns:a="http://schemas.openxmlformats.org/drawingml/2006/main" xmlns:r="http://schemas.openxmlformats.org/officeDocument/2006/relationships" xmlns:c16r2="http://schemas.microsoft.com/office/drawing/2015/06/chart">
+  <c:date1904 val="0"/>
+  <c:lang val="en-US"/>
+  <c:roundedCorners val="0"/>
+  <mc:AlternateContent xmlns:mc="http://schemas.openxmlformats.org/markup-compatibility/2006">
+    <mc:Choice xmlns:c14="http://schemas.microsoft.com/office/drawing/2007/8/2/chart" Requires="c14">
+      <c14:style val="102"/>
+    </mc:Choice>
+    <mc:Fallback>
+      <c:style val="2"/>
+    </mc:Fallback>
+  </mc:AlternateContent>
+  <c:chart>
+    <c:title>
+      <c:tx>
+        <c:rich>
+          <a:bodyPr rot="0" spcFirstLastPara="1" vertOverflow="ellipsis" vert="horz" wrap="square" anchor="ctr" anchorCtr="1"/>
+          <a:lstStyle/>
+          <a:p>
+            <a:pPr>
+              <a:defRPr sz="1400" b="0" i="0" u="none" strike="noStrike" kern="1200" spc="0" baseline="0">
+                <a:solidFill>
+                  <a:schemeClr val="tx1">
+                    <a:lumMod val="65000"/>
+                    <a:lumOff val="35000"/>
+                  </a:schemeClr>
+                </a:solidFill>
+                <a:latin typeface="+mn-lt"/>
+                <a:ea typeface="+mn-ea"/>
+                <a:cs typeface="+mn-cs"/>
+              </a:defRPr>
+            </a:pPr>
+            <a:r>
+              <a:rPr lang="en-US"/>
+              <a:t>worst case strategy</a:t>
+            </a:r>
+            <a:r>
+              <a:rPr lang="en-US" baseline="0"/>
+              <a:t> </a:t>
+            </a:r>
+            <a:r>
+              <a:rPr lang="en-US"/>
+              <a:t> improvement over time</a:t>
+            </a:r>
+          </a:p>
+        </c:rich>
+      </c:tx>
+      <c:layout>
+        <c:manualLayout>
+          <c:xMode val="edge"/>
+          <c:yMode val="edge"/>
+          <c:x val="0.14464802420218728"/>
+          <c:y val="1.7499998851706111E-2"/>
+        </c:manualLayout>
+      </c:layout>
+      <c:overlay val="0"/>
+      <c:spPr>
+        <a:noFill/>
+        <a:ln>
+          <a:noFill/>
+        </a:ln>
+        <a:effectLst/>
+      </c:spPr>
+      <c:txPr>
+        <a:bodyPr rot="0" spcFirstLastPara="1" vertOverflow="ellipsis" vert="horz" wrap="square" anchor="ctr" anchorCtr="1"/>
+        <a:lstStyle/>
+        <a:p>
+          <a:pPr>
+            <a:defRPr sz="1400" b="0" i="0" u="none" strike="noStrike" kern="1200" spc="0" baseline="0">
+              <a:solidFill>
+                <a:schemeClr val="tx1">
+                  <a:lumMod val="65000"/>
+                  <a:lumOff val="35000"/>
+                </a:schemeClr>
+              </a:solidFill>
+              <a:latin typeface="+mn-lt"/>
+              <a:ea typeface="+mn-ea"/>
+              <a:cs typeface="+mn-cs"/>
+            </a:defRPr>
+          </a:pPr>
+          <a:endParaRPr lang="en-US"/>
+        </a:p>
+      </c:txPr>
+    </c:title>
+    <c:autoTitleDeleted val="0"/>
+    <c:plotArea>
+      <c:layout/>
+      <c:scatterChart>
+        <c:scatterStyle val="smoothMarker"/>
+        <c:varyColors val="0"/>
+        <c:ser>
+          <c:idx val="0"/>
+          <c:order val="0"/>
+          <c:spPr>
+            <a:ln w="19050" cap="rnd">
+              <a:solidFill>
+                <a:schemeClr val="accent1"/>
+              </a:solidFill>
+              <a:round/>
+            </a:ln>
+            <a:effectLst/>
+          </c:spPr>
+          <c:marker>
+            <c:symbol val="circle"/>
+            <c:size val="5"/>
+            <c:spPr>
+              <a:solidFill>
+                <a:schemeClr val="accent1"/>
+              </a:solidFill>
+              <a:ln w="9525">
+                <a:solidFill>
+                  <a:schemeClr val="accent1"/>
+                </a:solidFill>
+              </a:ln>
+              <a:effectLst/>
+            </c:spPr>
+          </c:marker>
+          <c:xVal>
+            <c:numRef>
+              <c:f>Sheet2!$E$2:$E$148</c:f>
+              <c:numCache>
+                <c:formatCode>General</c:formatCode>
+                <c:ptCount val="147"/>
+                <c:pt idx="0">
+                  <c:v>0</c:v>
+                </c:pt>
+                <c:pt idx="1">
+                  <c:v>1</c:v>
+                </c:pt>
+                <c:pt idx="2">
+                  <c:v>2</c:v>
+                </c:pt>
+                <c:pt idx="3">
+                  <c:v>3</c:v>
+                </c:pt>
+                <c:pt idx="4">
+                  <c:v>4</c:v>
+                </c:pt>
+                <c:pt idx="5">
+                  <c:v>5</c:v>
+                </c:pt>
+                <c:pt idx="6">
+                  <c:v>6</c:v>
+                </c:pt>
+                <c:pt idx="7">
+                  <c:v>7</c:v>
+                </c:pt>
+                <c:pt idx="8">
+                  <c:v>8</c:v>
+                </c:pt>
+                <c:pt idx="9">
+                  <c:v>9</c:v>
+                </c:pt>
+                <c:pt idx="10">
+                  <c:v>10</c:v>
+                </c:pt>
+                <c:pt idx="11">
+                  <c:v>11</c:v>
+                </c:pt>
+                <c:pt idx="12">
+                  <c:v>12</c:v>
+                </c:pt>
+                <c:pt idx="13">
+                  <c:v>13</c:v>
+                </c:pt>
+                <c:pt idx="14">
+                  <c:v>14</c:v>
+                </c:pt>
+                <c:pt idx="15">
+                  <c:v>15</c:v>
+                </c:pt>
+                <c:pt idx="16">
+                  <c:v>16</c:v>
+                </c:pt>
+                <c:pt idx="17">
+                  <c:v>17</c:v>
+                </c:pt>
+                <c:pt idx="18">
+                  <c:v>18</c:v>
+                </c:pt>
+                <c:pt idx="19">
+                  <c:v>19</c:v>
+                </c:pt>
+                <c:pt idx="20">
+                  <c:v>20</c:v>
+                </c:pt>
+                <c:pt idx="21">
+                  <c:v>21</c:v>
+                </c:pt>
+                <c:pt idx="22">
+                  <c:v>22</c:v>
+                </c:pt>
+                <c:pt idx="23">
+                  <c:v>23</c:v>
+                </c:pt>
+                <c:pt idx="24">
+                  <c:v>24</c:v>
+                </c:pt>
+                <c:pt idx="25">
+                  <c:v>25</c:v>
+                </c:pt>
+                <c:pt idx="26">
+                  <c:v>26</c:v>
+                </c:pt>
+                <c:pt idx="27">
+                  <c:v>27</c:v>
+                </c:pt>
+                <c:pt idx="28">
+                  <c:v>28</c:v>
+                </c:pt>
+                <c:pt idx="29">
+                  <c:v>29</c:v>
+                </c:pt>
+                <c:pt idx="30">
+                  <c:v>30</c:v>
+                </c:pt>
+                <c:pt idx="31">
+                  <c:v>31</c:v>
+                </c:pt>
+                <c:pt idx="32">
+                  <c:v>32</c:v>
+                </c:pt>
+                <c:pt idx="33">
+                  <c:v>33</c:v>
+                </c:pt>
+                <c:pt idx="34">
+                  <c:v>34</c:v>
+                </c:pt>
+                <c:pt idx="35">
+                  <c:v>35</c:v>
+                </c:pt>
+                <c:pt idx="36">
+                  <c:v>36</c:v>
+                </c:pt>
+                <c:pt idx="37">
+                  <c:v>37</c:v>
+                </c:pt>
+                <c:pt idx="38">
+                  <c:v>38</c:v>
+                </c:pt>
+                <c:pt idx="39">
+                  <c:v>39</c:v>
+                </c:pt>
+                <c:pt idx="40">
+                  <c:v>40</c:v>
+                </c:pt>
+                <c:pt idx="41">
+                  <c:v>41</c:v>
+                </c:pt>
+                <c:pt idx="42">
+                  <c:v>42</c:v>
+                </c:pt>
+                <c:pt idx="43">
+                  <c:v>43</c:v>
+                </c:pt>
+                <c:pt idx="44">
+                  <c:v>44</c:v>
+                </c:pt>
+                <c:pt idx="45">
+                  <c:v>45</c:v>
+                </c:pt>
+                <c:pt idx="46">
+                  <c:v>46</c:v>
+                </c:pt>
+                <c:pt idx="47">
+                  <c:v>47</c:v>
+                </c:pt>
+                <c:pt idx="48">
+                  <c:v>48</c:v>
+                </c:pt>
+                <c:pt idx="49">
+                  <c:v>49</c:v>
+                </c:pt>
+                <c:pt idx="50">
+                  <c:v>50</c:v>
+                </c:pt>
+                <c:pt idx="51">
+                  <c:v>51</c:v>
+                </c:pt>
+                <c:pt idx="52">
+                  <c:v>52</c:v>
+                </c:pt>
+                <c:pt idx="53">
+                  <c:v>53</c:v>
+                </c:pt>
+                <c:pt idx="54">
+                  <c:v>54</c:v>
+                </c:pt>
+                <c:pt idx="55">
+                  <c:v>55</c:v>
+                </c:pt>
+                <c:pt idx="56">
+                  <c:v>56</c:v>
+                </c:pt>
+                <c:pt idx="57">
+                  <c:v>57</c:v>
+                </c:pt>
+                <c:pt idx="58">
+                  <c:v>58</c:v>
+                </c:pt>
+                <c:pt idx="59">
+                  <c:v>59</c:v>
+                </c:pt>
+                <c:pt idx="60">
+                  <c:v>60</c:v>
+                </c:pt>
+                <c:pt idx="61">
+                  <c:v>61</c:v>
+                </c:pt>
+                <c:pt idx="62">
+                  <c:v>62</c:v>
+                </c:pt>
+                <c:pt idx="63">
+                  <c:v>63</c:v>
+                </c:pt>
+                <c:pt idx="64">
+                  <c:v>64</c:v>
+                </c:pt>
+                <c:pt idx="65">
+                  <c:v>65</c:v>
+                </c:pt>
+                <c:pt idx="66">
+                  <c:v>66</c:v>
+                </c:pt>
+                <c:pt idx="67">
+                  <c:v>67</c:v>
+                </c:pt>
+                <c:pt idx="68">
+                  <c:v>68</c:v>
+                </c:pt>
+                <c:pt idx="69">
+                  <c:v>69</c:v>
+                </c:pt>
+                <c:pt idx="70">
+                  <c:v>70</c:v>
+                </c:pt>
+                <c:pt idx="71">
+                  <c:v>71</c:v>
+                </c:pt>
+                <c:pt idx="72">
+                  <c:v>72</c:v>
+                </c:pt>
+                <c:pt idx="73">
+                  <c:v>73</c:v>
+                </c:pt>
+                <c:pt idx="74">
+                  <c:v>74</c:v>
+                </c:pt>
+                <c:pt idx="75">
+                  <c:v>75</c:v>
+                </c:pt>
+                <c:pt idx="76">
+                  <c:v>76</c:v>
+                </c:pt>
+                <c:pt idx="77">
+                  <c:v>77</c:v>
+                </c:pt>
+                <c:pt idx="78">
+                  <c:v>78</c:v>
+                </c:pt>
+                <c:pt idx="79">
+                  <c:v>79</c:v>
+                </c:pt>
+                <c:pt idx="80">
+                  <c:v>80</c:v>
+                </c:pt>
+                <c:pt idx="81">
+                  <c:v>81</c:v>
+                </c:pt>
+                <c:pt idx="82">
+                  <c:v>82</c:v>
+                </c:pt>
+                <c:pt idx="83">
+                  <c:v>83</c:v>
+                </c:pt>
+                <c:pt idx="84">
+                  <c:v>84</c:v>
+                </c:pt>
+                <c:pt idx="85">
+                  <c:v>85</c:v>
+                </c:pt>
+                <c:pt idx="86">
+                  <c:v>86</c:v>
+                </c:pt>
+                <c:pt idx="87">
+                  <c:v>87</c:v>
+                </c:pt>
+                <c:pt idx="88">
+                  <c:v>88</c:v>
+                </c:pt>
+                <c:pt idx="89">
+                  <c:v>89</c:v>
+                </c:pt>
+                <c:pt idx="90">
+                  <c:v>90</c:v>
+                </c:pt>
+                <c:pt idx="91">
+                  <c:v>91</c:v>
+                </c:pt>
+                <c:pt idx="92">
+                  <c:v>92</c:v>
+                </c:pt>
+                <c:pt idx="93">
+                  <c:v>93</c:v>
+                </c:pt>
+                <c:pt idx="94">
+                  <c:v>94</c:v>
+                </c:pt>
+                <c:pt idx="95">
+                  <c:v>95</c:v>
+                </c:pt>
+                <c:pt idx="96">
+                  <c:v>96</c:v>
+                </c:pt>
+                <c:pt idx="97">
+                  <c:v>97</c:v>
+                </c:pt>
+                <c:pt idx="98">
+                  <c:v>98</c:v>
+                </c:pt>
+                <c:pt idx="99">
+                  <c:v>99</c:v>
+                </c:pt>
+                <c:pt idx="100">
+                  <c:v>100</c:v>
+                </c:pt>
+                <c:pt idx="101">
+                  <c:v>101</c:v>
+                </c:pt>
+                <c:pt idx="102">
+                  <c:v>102</c:v>
+                </c:pt>
+                <c:pt idx="103">
+                  <c:v>103</c:v>
+                </c:pt>
+                <c:pt idx="104">
+                  <c:v>104</c:v>
+                </c:pt>
+                <c:pt idx="105">
+                  <c:v>105</c:v>
+                </c:pt>
+                <c:pt idx="106">
+                  <c:v>106</c:v>
+                </c:pt>
+                <c:pt idx="107">
+                  <c:v>107</c:v>
+                </c:pt>
+                <c:pt idx="108">
+                  <c:v>108</c:v>
+                </c:pt>
+                <c:pt idx="109">
+                  <c:v>109</c:v>
+                </c:pt>
+                <c:pt idx="110">
+                  <c:v>110</c:v>
+                </c:pt>
+                <c:pt idx="111">
+                  <c:v>111</c:v>
+                </c:pt>
+                <c:pt idx="112">
+                  <c:v>112</c:v>
+                </c:pt>
+                <c:pt idx="113">
+                  <c:v>113</c:v>
+                </c:pt>
+                <c:pt idx="114">
+                  <c:v>114</c:v>
+                </c:pt>
+                <c:pt idx="115">
+                  <c:v>115</c:v>
+                </c:pt>
+                <c:pt idx="116">
+                  <c:v>116</c:v>
+                </c:pt>
+                <c:pt idx="117">
+                  <c:v>117</c:v>
+                </c:pt>
+                <c:pt idx="118">
+                  <c:v>118</c:v>
+                </c:pt>
+                <c:pt idx="119">
+                  <c:v>119</c:v>
+                </c:pt>
+                <c:pt idx="120">
+                  <c:v>120</c:v>
+                </c:pt>
+                <c:pt idx="121">
+                  <c:v>121</c:v>
+                </c:pt>
+                <c:pt idx="122">
+                  <c:v>122</c:v>
+                </c:pt>
+                <c:pt idx="123">
+                  <c:v>123</c:v>
+                </c:pt>
+                <c:pt idx="124">
+                  <c:v>124</c:v>
+                </c:pt>
+                <c:pt idx="125">
+                  <c:v>125</c:v>
+                </c:pt>
+                <c:pt idx="126">
+                  <c:v>126</c:v>
+                </c:pt>
+                <c:pt idx="127">
+                  <c:v>127</c:v>
+                </c:pt>
+                <c:pt idx="128">
+                  <c:v>128</c:v>
+                </c:pt>
+                <c:pt idx="129">
+                  <c:v>129</c:v>
+                </c:pt>
+                <c:pt idx="130">
+                  <c:v>130</c:v>
+                </c:pt>
+                <c:pt idx="131">
+                  <c:v>131</c:v>
+                </c:pt>
+                <c:pt idx="132">
+                  <c:v>132</c:v>
+                </c:pt>
+                <c:pt idx="133">
+                  <c:v>133</c:v>
+                </c:pt>
+                <c:pt idx="134">
+                  <c:v>134</c:v>
+                </c:pt>
+                <c:pt idx="135">
+                  <c:v>135</c:v>
+                </c:pt>
+                <c:pt idx="136">
+                  <c:v>136</c:v>
+                </c:pt>
+                <c:pt idx="137">
+                  <c:v>137</c:v>
+                </c:pt>
+                <c:pt idx="138">
+                  <c:v>138</c:v>
+                </c:pt>
+                <c:pt idx="139">
+                  <c:v>139</c:v>
+                </c:pt>
+                <c:pt idx="140">
+                  <c:v>140</c:v>
+                </c:pt>
+                <c:pt idx="141">
+                  <c:v>141</c:v>
+                </c:pt>
+                <c:pt idx="142">
+                  <c:v>142</c:v>
+                </c:pt>
+                <c:pt idx="143">
+                  <c:v>143</c:v>
+                </c:pt>
+                <c:pt idx="144">
+                  <c:v>144</c:v>
+                </c:pt>
+                <c:pt idx="145">
+                  <c:v>145</c:v>
+                </c:pt>
+                <c:pt idx="146">
+                  <c:v>146</c:v>
+                </c:pt>
+              </c:numCache>
+            </c:numRef>
+          </c:xVal>
+          <c:yVal>
+            <c:numRef>
+              <c:f>Sheet2!$F$2:$F$148</c:f>
+              <c:numCache>
+                <c:formatCode>General</c:formatCode>
+                <c:ptCount val="147"/>
+                <c:pt idx="0">
+                  <c:v>4.476</c:v>
+                </c:pt>
+                <c:pt idx="1">
+                  <c:v>4.4675925925925926</c:v>
+                </c:pt>
+                <c:pt idx="2">
+                  <c:v>4.4675925925925926</c:v>
+                </c:pt>
+                <c:pt idx="3">
+                  <c:v>4.4675925925925926</c:v>
+                </c:pt>
+                <c:pt idx="4">
+                  <c:v>4.466049382716049</c:v>
+                </c:pt>
+                <c:pt idx="5">
+                  <c:v>4.466049382716049</c:v>
+                </c:pt>
+                <c:pt idx="6">
+                  <c:v>4.466049382716049</c:v>
+                </c:pt>
+                <c:pt idx="7">
+                  <c:v>4.466049382716049</c:v>
+                </c:pt>
+                <c:pt idx="8">
+                  <c:v>4.466049382716049</c:v>
+                </c:pt>
+                <c:pt idx="9">
+                  <c:v>4.466049382716049</c:v>
+                </c:pt>
+                <c:pt idx="10">
+                  <c:v>4.4652777777777777</c:v>
+                </c:pt>
+                <c:pt idx="11">
+                  <c:v>4.4652777777777777</c:v>
+                </c:pt>
+                <c:pt idx="12">
+                  <c:v>4.4652777777777777</c:v>
+                </c:pt>
+                <c:pt idx="13">
+                  <c:v>4.4621913580246915</c:v>
+                </c:pt>
+                <c:pt idx="14">
+                  <c:v>4.4621913580246915</c:v>
+                </c:pt>
+                <c:pt idx="15">
+                  <c:v>4.4621913580246915</c:v>
+                </c:pt>
+                <c:pt idx="16">
+                  <c:v>4.4621913580246915</c:v>
+                </c:pt>
+                <c:pt idx="17">
+                  <c:v>4.4621913580246915</c:v>
+                </c:pt>
+                <c:pt idx="18">
+                  <c:v>4.4621913580246915</c:v>
+                </c:pt>
+                <c:pt idx="19">
+                  <c:v>4.4606481481481479</c:v>
+                </c:pt>
+                <c:pt idx="20">
+                  <c:v>4.4606481481481479</c:v>
+                </c:pt>
+                <c:pt idx="21">
+                  <c:v>4.4606481481481479</c:v>
+                </c:pt>
+                <c:pt idx="22">
+                  <c:v>4.4606481481481479</c:v>
+                </c:pt>
+                <c:pt idx="23">
+                  <c:v>4.4606481481481479</c:v>
+                </c:pt>
+                <c:pt idx="24">
+                  <c:v>4.4606481481481479</c:v>
+                </c:pt>
+                <c:pt idx="25">
+                  <c:v>4.4606481481481479</c:v>
+                </c:pt>
+                <c:pt idx="26">
+                  <c:v>4.4606481481481479</c:v>
+                </c:pt>
+                <c:pt idx="27">
+                  <c:v>4.4606481481481479</c:v>
+                </c:pt>
+                <c:pt idx="28">
+                  <c:v>4.4606481481481479</c:v>
+                </c:pt>
+                <c:pt idx="29">
+                  <c:v>4.4606481481481479</c:v>
+                </c:pt>
+                <c:pt idx="30">
+                  <c:v>4.4606481481481479</c:v>
+                </c:pt>
+                <c:pt idx="31">
+                  <c:v>4.4606481481481479</c:v>
+                </c:pt>
+                <c:pt idx="32">
+                  <c:v>4.4606481481481479</c:v>
+                </c:pt>
+                <c:pt idx="33">
+                  <c:v>4.4606481481481479</c:v>
+                </c:pt>
+                <c:pt idx="34">
+                  <c:v>4.4606481481481479</c:v>
+                </c:pt>
+                <c:pt idx="35">
+                  <c:v>4.4606481481481479</c:v>
+                </c:pt>
+                <c:pt idx="36">
+                  <c:v>4.4606481481481479</c:v>
+                </c:pt>
+                <c:pt idx="37">
+                  <c:v>4.4606481481481479</c:v>
+                </c:pt>
+                <c:pt idx="38">
+                  <c:v>4.4606481481481479</c:v>
+                </c:pt>
+                <c:pt idx="39">
+                  <c:v>4.4606481481481479</c:v>
+                </c:pt>
+                <c:pt idx="40">
+                  <c:v>4.4606481481481479</c:v>
+                </c:pt>
+                <c:pt idx="41">
+                  <c:v>4.4606481481481479</c:v>
+                </c:pt>
+                <c:pt idx="42">
+                  <c:v>4.4606481481481479</c:v>
+                </c:pt>
+                <c:pt idx="43">
+                  <c:v>4.4606481481481479</c:v>
+                </c:pt>
+                <c:pt idx="44">
+                  <c:v>4.4606481481481479</c:v>
+                </c:pt>
+                <c:pt idx="45">
+                  <c:v>4.4606481481481479</c:v>
+                </c:pt>
+                <c:pt idx="46">
+                  <c:v>4.4606481481481479</c:v>
+                </c:pt>
+                <c:pt idx="47">
+                  <c:v>4.4606481481481479</c:v>
+                </c:pt>
+                <c:pt idx="48">
+                  <c:v>4.4606481481481479</c:v>
+                </c:pt>
+                <c:pt idx="49">
+                  <c:v>4.4606481481481479</c:v>
+                </c:pt>
+                <c:pt idx="50">
+                  <c:v>4.4606481481481479</c:v>
+                </c:pt>
+                <c:pt idx="51">
+                  <c:v>4.4606481481481479</c:v>
+                </c:pt>
+                <c:pt idx="52">
+                  <c:v>4.4606481481481479</c:v>
+                </c:pt>
+                <c:pt idx="53">
+                  <c:v>4.4606481481481479</c:v>
+                </c:pt>
+                <c:pt idx="54">
+                  <c:v>4.4606481481481479</c:v>
+                </c:pt>
+                <c:pt idx="55">
+                  <c:v>4.4606481481481479</c:v>
+                </c:pt>
+                <c:pt idx="56">
+                  <c:v>4.4606481481481479</c:v>
+                </c:pt>
+                <c:pt idx="57">
+                  <c:v>4.4606481481481479</c:v>
+                </c:pt>
+                <c:pt idx="58">
+                  <c:v>4.4606481481481479</c:v>
+                </c:pt>
+                <c:pt idx="59">
+                  <c:v>4.4606481481481479</c:v>
+                </c:pt>
+                <c:pt idx="60">
+                  <c:v>4.4606481481481479</c:v>
+                </c:pt>
+                <c:pt idx="61">
+                  <c:v>4.4606481481481479</c:v>
+                </c:pt>
+                <c:pt idx="62">
+                  <c:v>4.4606481481481479</c:v>
+                </c:pt>
+                <c:pt idx="63">
+                  <c:v>4.4606481481481479</c:v>
+                </c:pt>
+                <c:pt idx="64">
+                  <c:v>4.4606481481481479</c:v>
+                </c:pt>
+                <c:pt idx="65">
+                  <c:v>4.4606481481481479</c:v>
+                </c:pt>
+                <c:pt idx="66">
+                  <c:v>4.4606481481481479</c:v>
+                </c:pt>
+                <c:pt idx="67">
+                  <c:v>4.4606481481481479</c:v>
+                </c:pt>
+                <c:pt idx="68">
+                  <c:v>4.4606481481481479</c:v>
+                </c:pt>
+                <c:pt idx="69">
+                  <c:v>4.4606481481481479</c:v>
+                </c:pt>
+                <c:pt idx="70">
+                  <c:v>4.4606481481481479</c:v>
+                </c:pt>
+                <c:pt idx="71">
+                  <c:v>4.4606481481481479</c:v>
+                </c:pt>
+                <c:pt idx="72">
+                  <c:v>4.4606481481481479</c:v>
+                </c:pt>
+                <c:pt idx="73">
+                  <c:v>4.4606481481481479</c:v>
+                </c:pt>
+                <c:pt idx="74">
+                  <c:v>4.4606481481481479</c:v>
+                </c:pt>
+                <c:pt idx="75">
+                  <c:v>4.4606481481481479</c:v>
+                </c:pt>
+                <c:pt idx="76">
+                  <c:v>4.4606481481481479</c:v>
+                </c:pt>
+                <c:pt idx="77">
+                  <c:v>4.4606481481481479</c:v>
+                </c:pt>
+                <c:pt idx="78">
+                  <c:v>4.4606481481481479</c:v>
+                </c:pt>
+                <c:pt idx="79">
+                  <c:v>4.4606481481481479</c:v>
+                </c:pt>
+                <c:pt idx="80">
+                  <c:v>4.4606481481481479</c:v>
+                </c:pt>
+                <c:pt idx="81">
+                  <c:v>4.4606481481481479</c:v>
+                </c:pt>
+                <c:pt idx="82">
+                  <c:v>4.4606481481481479</c:v>
+                </c:pt>
+                <c:pt idx="83">
+                  <c:v>4.4606481481481479</c:v>
+                </c:pt>
+                <c:pt idx="84">
+                  <c:v>4.4606481481481479</c:v>
+                </c:pt>
+                <c:pt idx="85">
+                  <c:v>4.4606481481481479</c:v>
+                </c:pt>
+                <c:pt idx="86">
+                  <c:v>4.4606481481481479</c:v>
+                </c:pt>
+                <c:pt idx="87">
+                  <c:v>4.4606481481481479</c:v>
+                </c:pt>
+                <c:pt idx="88">
+                  <c:v>4.4606481481481479</c:v>
+                </c:pt>
+                <c:pt idx="89">
+                  <c:v>4.4606481481481479</c:v>
+                </c:pt>
+                <c:pt idx="90">
+                  <c:v>4.4606481481481479</c:v>
+                </c:pt>
+                <c:pt idx="91">
+                  <c:v>4.4606481481481479</c:v>
+                </c:pt>
+                <c:pt idx="92">
+                  <c:v>4.4606481481481479</c:v>
+                </c:pt>
+                <c:pt idx="93">
+                  <c:v>4.4606481481481479</c:v>
+                </c:pt>
+                <c:pt idx="94">
+                  <c:v>4.4606481481481479</c:v>
+                </c:pt>
+                <c:pt idx="95">
+                  <c:v>4.4606481481481479</c:v>
+                </c:pt>
+                <c:pt idx="96">
+                  <c:v>4.4606481481481479</c:v>
+                </c:pt>
+                <c:pt idx="97">
+                  <c:v>4.4606481481481479</c:v>
+                </c:pt>
+                <c:pt idx="98">
+                  <c:v>4.4606481481481479</c:v>
+                </c:pt>
+                <c:pt idx="99">
+                  <c:v>4.4606481481481479</c:v>
+                </c:pt>
+                <c:pt idx="100">
+                  <c:v>4.4606481481481479</c:v>
+                </c:pt>
+                <c:pt idx="101">
+                  <c:v>4.4606481481481479</c:v>
+                </c:pt>
+                <c:pt idx="102">
+                  <c:v>4.4606481481481479</c:v>
+                </c:pt>
+                <c:pt idx="103">
+                  <c:v>4.4606481481481479</c:v>
+                </c:pt>
+                <c:pt idx="104">
+                  <c:v>4.4606481481481479</c:v>
+                </c:pt>
+                <c:pt idx="105">
+                  <c:v>4.4606481481481479</c:v>
+                </c:pt>
+                <c:pt idx="106">
+                  <c:v>4.4606481481481479</c:v>
+                </c:pt>
+                <c:pt idx="107">
+                  <c:v>4.4606481481481479</c:v>
+                </c:pt>
+                <c:pt idx="108">
+                  <c:v>4.4606481481481479</c:v>
+                </c:pt>
+                <c:pt idx="109">
+                  <c:v>4.4606481481481479</c:v>
+                </c:pt>
+                <c:pt idx="110">
+                  <c:v>4.4606481481481479</c:v>
+                </c:pt>
+                <c:pt idx="111">
+                  <c:v>4.4606481481481479</c:v>
+                </c:pt>
+                <c:pt idx="112">
+                  <c:v>4.4606481481481479</c:v>
+                </c:pt>
+                <c:pt idx="113">
+                  <c:v>4.4606481481481479</c:v>
+                </c:pt>
+                <c:pt idx="114">
+                  <c:v>4.4606481481481479</c:v>
+                </c:pt>
+                <c:pt idx="115">
+                  <c:v>4.4606481481481479</c:v>
+                </c:pt>
+                <c:pt idx="116">
+                  <c:v>4.4598765432098766</c:v>
+                </c:pt>
+                <c:pt idx="117">
+                  <c:v>4.4598765432098766</c:v>
+                </c:pt>
+                <c:pt idx="118">
+                  <c:v>4.4598765432098766</c:v>
+                </c:pt>
+                <c:pt idx="119">
+                  <c:v>4.4598765432098766</c:v>
+                </c:pt>
+                <c:pt idx="120">
+                  <c:v>4.4598765432098766</c:v>
+                </c:pt>
+                <c:pt idx="121">
+                  <c:v>4.4598765432098766</c:v>
+                </c:pt>
+                <c:pt idx="122">
+                  <c:v>4.4598765432098766</c:v>
+                </c:pt>
+                <c:pt idx="123">
+                  <c:v>4.4598765432098766</c:v>
+                </c:pt>
+                <c:pt idx="124">
+                  <c:v>4.4598765432098766</c:v>
+                </c:pt>
+                <c:pt idx="125">
+                  <c:v>4.4598765432098766</c:v>
+                </c:pt>
+                <c:pt idx="126">
+                  <c:v>4.458333333333333</c:v>
+                </c:pt>
+                <c:pt idx="127">
+                  <c:v>4.458333333333333</c:v>
+                </c:pt>
+                <c:pt idx="128">
+                  <c:v>4.458333333333333</c:v>
+                </c:pt>
+                <c:pt idx="129">
+                  <c:v>4.458333333333333</c:v>
+                </c:pt>
+                <c:pt idx="130">
+                  <c:v>4.458333333333333</c:v>
+                </c:pt>
+                <c:pt idx="131">
+                  <c:v>4.458333333333333</c:v>
+                </c:pt>
+                <c:pt idx="132">
+                  <c:v>4.458333333333333</c:v>
+                </c:pt>
+                <c:pt idx="133">
+                  <c:v>4.458333333333333</c:v>
+                </c:pt>
+                <c:pt idx="134">
+                  <c:v>4.458333333333333</c:v>
+                </c:pt>
+                <c:pt idx="135">
+                  <c:v>4.458333333333333</c:v>
+                </c:pt>
+                <c:pt idx="136">
+                  <c:v>4.458333333333333</c:v>
+                </c:pt>
+                <c:pt idx="137">
+                  <c:v>4.458333333333333</c:v>
+                </c:pt>
+                <c:pt idx="138">
+                  <c:v>4.458333333333333</c:v>
+                </c:pt>
+                <c:pt idx="139">
+                  <c:v>4.458333333333333</c:v>
+                </c:pt>
+                <c:pt idx="140">
+                  <c:v>4.458333333333333</c:v>
+                </c:pt>
+                <c:pt idx="141">
+                  <c:v>4.458333333333333</c:v>
+                </c:pt>
+                <c:pt idx="142">
+                  <c:v>4.458333333333333</c:v>
+                </c:pt>
+                <c:pt idx="143">
+                  <c:v>4.458333333333333</c:v>
+                </c:pt>
+                <c:pt idx="144">
+                  <c:v>4.458333333333333</c:v>
+                </c:pt>
+                <c:pt idx="145">
+                  <c:v>4.458333333333333</c:v>
+                </c:pt>
+                <c:pt idx="146">
+                  <c:v>4.458333333333333</c:v>
+                </c:pt>
+              </c:numCache>
+            </c:numRef>
+          </c:yVal>
+          <c:smooth val="1"/>
+          <c:extLst>
+            <c:ext xmlns:c16="http://schemas.microsoft.com/office/drawing/2014/chart" uri="{C3380CC4-5D6E-409C-BE32-E72D297353CC}">
+              <c16:uniqueId val="{00000000-EE88-4707-AB27-197420448500}"/>
+            </c:ext>
+          </c:extLst>
+        </c:ser>
+        <c:dLbls>
+          <c:showLegendKey val="0"/>
+          <c:showVal val="0"/>
+          <c:showCatName val="0"/>
+          <c:showSerName val="0"/>
+          <c:showPercent val="0"/>
+          <c:showBubbleSize val="0"/>
+        </c:dLbls>
+        <c:axId val="448554720"/>
+        <c:axId val="448554064"/>
+      </c:scatterChart>
+      <c:valAx>
+        <c:axId val="448554720"/>
+        <c:scaling>
+          <c:orientation val="minMax"/>
+        </c:scaling>
+        <c:delete val="0"/>
+        <c:axPos val="b"/>
+        <c:majorGridlines>
+          <c:spPr>
+            <a:ln w="9525" cap="flat" cmpd="sng" algn="ctr">
+              <a:solidFill>
+                <a:schemeClr val="tx1">
+                  <a:lumMod val="15000"/>
+                  <a:lumOff val="85000"/>
+                </a:schemeClr>
+              </a:solidFill>
+              <a:round/>
+            </a:ln>
+            <a:effectLst/>
+          </c:spPr>
+        </c:majorGridlines>
+        <c:title>
+          <c:tx>
+            <c:rich>
+              <a:bodyPr rot="0" spcFirstLastPara="1" vertOverflow="ellipsis" vert="horz" wrap="square" anchor="ctr" anchorCtr="1"/>
+              <a:lstStyle/>
+              <a:p>
+                <a:pPr>
+                  <a:defRPr sz="1000" b="0" i="0" u="none" strike="noStrike" kern="1200" baseline="0">
+                    <a:solidFill>
+                      <a:schemeClr val="tx1">
+                        <a:lumMod val="65000"/>
+                        <a:lumOff val="35000"/>
+                      </a:schemeClr>
+                    </a:solidFill>
+                    <a:latin typeface="+mn-lt"/>
+                    <a:ea typeface="+mn-ea"/>
+                    <a:cs typeface="+mn-cs"/>
+                  </a:defRPr>
+                </a:pPr>
+                <a:r>
+                  <a:rPr lang="en-US"/>
+                  <a:t>Iterations</a:t>
+                </a:r>
+              </a:p>
+            </c:rich>
+          </c:tx>
+          <c:overlay val="0"/>
+          <c:spPr>
+            <a:noFill/>
+            <a:ln>
+              <a:noFill/>
+            </a:ln>
+            <a:effectLst/>
+          </c:spPr>
+          <c:txPr>
+            <a:bodyPr rot="0" spcFirstLastPara="1" vertOverflow="ellipsis" vert="horz" wrap="square" anchor="ctr" anchorCtr="1"/>
+            <a:lstStyle/>
+            <a:p>
+              <a:pPr>
+                <a:defRPr sz="1000" b="0" i="0" u="none" strike="noStrike" kern="1200" baseline="0">
+                  <a:solidFill>
+                    <a:schemeClr val="tx1">
+                      <a:lumMod val="65000"/>
+                      <a:lumOff val="35000"/>
+                    </a:schemeClr>
+                  </a:solidFill>
+                  <a:latin typeface="+mn-lt"/>
+                  <a:ea typeface="+mn-ea"/>
+                  <a:cs typeface="+mn-cs"/>
+                </a:defRPr>
+              </a:pPr>
+              <a:endParaRPr lang="en-US"/>
+            </a:p>
+          </c:txPr>
+        </c:title>
+        <c:numFmt formatCode="General" sourceLinked="1"/>
+        <c:majorTickMark val="none"/>
+        <c:minorTickMark val="none"/>
+        <c:tickLblPos val="nextTo"/>
+        <c:spPr>
+          <a:noFill/>
+          <a:ln w="9525" cap="flat" cmpd="sng" algn="ctr">
+            <a:solidFill>
+              <a:schemeClr val="tx1">
+                <a:lumMod val="25000"/>
+                <a:lumOff val="75000"/>
+              </a:schemeClr>
+            </a:solidFill>
+            <a:round/>
+          </a:ln>
+          <a:effectLst/>
+        </c:spPr>
+        <c:txPr>
+          <a:bodyPr rot="-60000000" spcFirstLastPara="1" vertOverflow="ellipsis" vert="horz" wrap="square" anchor="ctr" anchorCtr="1"/>
+          <a:lstStyle/>
+          <a:p>
+            <a:pPr>
+              <a:defRPr sz="900" b="0" i="0" u="none" strike="noStrike" kern="1200" baseline="0">
+                <a:solidFill>
+                  <a:schemeClr val="tx1">
+                    <a:lumMod val="65000"/>
+                    <a:lumOff val="35000"/>
+                  </a:schemeClr>
+                </a:solidFill>
+                <a:latin typeface="+mn-lt"/>
+                <a:ea typeface="+mn-ea"/>
+                <a:cs typeface="+mn-cs"/>
+              </a:defRPr>
+            </a:pPr>
+            <a:endParaRPr lang="en-US"/>
+          </a:p>
+        </c:txPr>
+        <c:crossAx val="448554064"/>
+        <c:crosses val="autoZero"/>
+        <c:crossBetween val="midCat"/>
+      </c:valAx>
+      <c:valAx>
+        <c:axId val="448554064"/>
+        <c:scaling>
+          <c:orientation val="minMax"/>
+        </c:scaling>
+        <c:delete val="0"/>
+        <c:axPos val="l"/>
+        <c:majorGridlines>
+          <c:spPr>
+            <a:ln w="9525" cap="flat" cmpd="sng" algn="ctr">
+              <a:solidFill>
+                <a:schemeClr val="tx1">
+                  <a:lumMod val="15000"/>
+                  <a:lumOff val="85000"/>
+                </a:schemeClr>
+              </a:solidFill>
+              <a:round/>
+            </a:ln>
+            <a:effectLst/>
+          </c:spPr>
+        </c:majorGridlines>
+        <c:title>
+          <c:tx>
+            <c:rich>
+              <a:bodyPr rot="-5400000" spcFirstLastPara="1" vertOverflow="ellipsis" vert="horz" wrap="square" anchor="ctr" anchorCtr="1"/>
+              <a:lstStyle/>
+              <a:p>
+                <a:pPr>
+                  <a:defRPr sz="1000" b="0" i="0" u="none" strike="noStrike" kern="1200" baseline="0">
+                    <a:solidFill>
+                      <a:schemeClr val="tx1">
+                        <a:lumMod val="65000"/>
+                        <a:lumOff val="35000"/>
+                      </a:schemeClr>
+                    </a:solidFill>
+                    <a:latin typeface="+mn-lt"/>
+                    <a:ea typeface="+mn-ea"/>
+                    <a:cs typeface="+mn-cs"/>
+                  </a:defRPr>
+                </a:pPr>
+                <a:r>
+                  <a:rPr lang="en-US"/>
+                  <a:t>Best Avarage</a:t>
+                </a:r>
+              </a:p>
+            </c:rich>
+          </c:tx>
+          <c:overlay val="0"/>
+          <c:spPr>
+            <a:noFill/>
+            <a:ln>
+              <a:noFill/>
+            </a:ln>
+            <a:effectLst/>
+          </c:spPr>
+          <c:txPr>
+            <a:bodyPr rot="-5400000" spcFirstLastPara="1" vertOverflow="ellipsis" vert="horz" wrap="square" anchor="ctr" anchorCtr="1"/>
+            <a:lstStyle/>
+            <a:p>
+              <a:pPr>
+                <a:defRPr sz="1000" b="0" i="0" u="none" strike="noStrike" kern="1200" baseline="0">
+                  <a:solidFill>
+                    <a:schemeClr val="tx1">
+                      <a:lumMod val="65000"/>
+                      <a:lumOff val="35000"/>
+                    </a:schemeClr>
+                  </a:solidFill>
+                  <a:latin typeface="+mn-lt"/>
+                  <a:ea typeface="+mn-ea"/>
+                  <a:cs typeface="+mn-cs"/>
+                </a:defRPr>
+              </a:pPr>
+              <a:endParaRPr lang="en-US"/>
+            </a:p>
+          </c:txPr>
+        </c:title>
+        <c:numFmt formatCode="General" sourceLinked="1"/>
+        <c:majorTickMark val="none"/>
+        <c:minorTickMark val="none"/>
+        <c:tickLblPos val="nextTo"/>
+        <c:spPr>
+          <a:noFill/>
+          <a:ln w="9525" cap="flat" cmpd="sng" algn="ctr">
+            <a:solidFill>
+              <a:schemeClr val="tx1">
+                <a:lumMod val="25000"/>
+                <a:lumOff val="75000"/>
+              </a:schemeClr>
+            </a:solidFill>
+            <a:round/>
+          </a:ln>
+          <a:effectLst/>
+        </c:spPr>
+        <c:txPr>
+          <a:bodyPr rot="-60000000" spcFirstLastPara="1" vertOverflow="ellipsis" vert="horz" wrap="square" anchor="ctr" anchorCtr="1"/>
+          <a:lstStyle/>
+          <a:p>
+            <a:pPr>
+              <a:defRPr sz="900" b="0" i="0" u="none" strike="noStrike" kern="1200" baseline="0">
+                <a:solidFill>
+                  <a:schemeClr val="tx1">
+                    <a:lumMod val="65000"/>
+                    <a:lumOff val="35000"/>
+                  </a:schemeClr>
+                </a:solidFill>
+                <a:latin typeface="+mn-lt"/>
+                <a:ea typeface="+mn-ea"/>
+                <a:cs typeface="+mn-cs"/>
+              </a:defRPr>
+            </a:pPr>
+            <a:endParaRPr lang="en-US"/>
+          </a:p>
+        </c:txPr>
+        <c:crossAx val="448554720"/>
         <c:crosses val="autoZero"/>
         <c:crossBetween val="midCat"/>
       </c:valAx>
@@ -42245,340 +42236,6 @@
         </p:nvSpPr>
         <p:spPr>
           <a:xfrm>
-            <a:off x="194345" y="94478"/>
-            <a:ext cx="10551952" cy="1675599"/>
-          </a:xfrm>
-          <a:prstGeom prst="rect">
-            <a:avLst/>
-          </a:prstGeom>
-        </p:spPr>
-        <p:txBody>
-          <a:bodyPr vert="horz" lIns="91440" tIns="45720" rIns="91440" bIns="45720" rtlCol="0" anchor="t">
-            <a:noAutofit/>
-          </a:bodyPr>
-          <a:lstStyle>
-            <a:lvl1pPr algn="l" defTabSz="457200" rtl="0" eaLnBrk="1" latinLnBrk="0" hangingPunct="1">
-              <a:spcBef>
-                <a:spcPct val="0"/>
-              </a:spcBef>
-              <a:buNone/>
-              <a:defRPr sz="4200" b="0" i="0" kern="1200">
-                <a:solidFill>
-                  <a:schemeClr val="tx2"/>
-                </a:solidFill>
-                <a:latin typeface="+mj-lt"/>
-                <a:ea typeface="+mj-ea"/>
-                <a:cs typeface="+mj-cs"/>
-              </a:defRPr>
-            </a:lvl1pPr>
-            <a:lvl2pPr eaLnBrk="1" hangingPunct="1">
-              <a:defRPr>
-                <a:solidFill>
-                  <a:schemeClr val="tx2"/>
-                </a:solidFill>
-              </a:defRPr>
-            </a:lvl2pPr>
-            <a:lvl3pPr eaLnBrk="1" hangingPunct="1">
-              <a:defRPr>
-                <a:solidFill>
-                  <a:schemeClr val="tx2"/>
-                </a:solidFill>
-              </a:defRPr>
-            </a:lvl3pPr>
-            <a:lvl4pPr eaLnBrk="1" hangingPunct="1">
-              <a:defRPr>
-                <a:solidFill>
-                  <a:schemeClr val="tx2"/>
-                </a:solidFill>
-              </a:defRPr>
-            </a:lvl4pPr>
-            <a:lvl5pPr eaLnBrk="1" hangingPunct="1">
-              <a:defRPr>
-                <a:solidFill>
-                  <a:schemeClr val="tx2"/>
-                </a:solidFill>
-              </a:defRPr>
-            </a:lvl5pPr>
-            <a:lvl6pPr eaLnBrk="1" hangingPunct="1">
-              <a:defRPr>
-                <a:solidFill>
-                  <a:schemeClr val="tx2"/>
-                </a:solidFill>
-              </a:defRPr>
-            </a:lvl6pPr>
-            <a:lvl7pPr eaLnBrk="1" hangingPunct="1">
-              <a:defRPr>
-                <a:solidFill>
-                  <a:schemeClr val="tx2"/>
-                </a:solidFill>
-              </a:defRPr>
-            </a:lvl7pPr>
-            <a:lvl8pPr eaLnBrk="1" hangingPunct="1">
-              <a:defRPr>
-                <a:solidFill>
-                  <a:schemeClr val="tx2"/>
-                </a:solidFill>
-              </a:defRPr>
-            </a:lvl8pPr>
-            <a:lvl9pPr eaLnBrk="1" hangingPunct="1">
-              <a:defRPr>
-                <a:solidFill>
-                  <a:schemeClr val="tx2"/>
-                </a:solidFill>
-              </a:defRPr>
-            </a:lvl9pPr>
-          </a:lstStyle>
-          <a:p>
-            <a:r>
-              <a:rPr lang="en-US" dirty="0"/>
-              <a:t>                 Random  Policy</a:t>
-            </a:r>
-            <a:endParaRPr lang="en-US" sz="4000" dirty="0"/>
-          </a:p>
-        </p:txBody>
-      </p:sp>
-      <p:sp>
-        <p:nvSpPr>
-          <p:cNvPr id="3" name="TextBox 2">
-            <a:extLst>
-              <a:ext uri="{FF2B5EF4-FFF2-40B4-BE49-F238E27FC236}">
-                <a16:creationId xmlns:a16="http://schemas.microsoft.com/office/drawing/2014/main" id="{07BF8C91-2E5D-4EFE-983E-424C75309229}"/>
-              </a:ext>
-            </a:extLst>
-          </p:cNvPr>
-          <p:cNvSpPr txBox="1"/>
-          <p:nvPr/>
-        </p:nvSpPr>
-        <p:spPr>
-          <a:xfrm>
-            <a:off x="581159" y="767908"/>
-            <a:ext cx="9778323" cy="3970318"/>
-          </a:xfrm>
-          <a:prstGeom prst="rect">
-            <a:avLst/>
-          </a:prstGeom>
-          <a:noFill/>
-        </p:spPr>
-        <p:txBody>
-          <a:bodyPr wrap="square" rtlCol="0">
-            <a:spAutoFit/>
-          </a:bodyPr>
-          <a:lstStyle/>
-          <a:p>
-            <a:pPr marL="342900" indent="-342900">
-              <a:buAutoNum type="arabicParenR"/>
-            </a:pPr>
-            <a:r>
-              <a:rPr lang="en-US" dirty="0"/>
-              <a:t>Pick a guess randomly from the list of qualifying candidates</a:t>
-            </a:r>
-          </a:p>
-          <a:p>
-            <a:pPr marL="342900" indent="-342900">
-              <a:buAutoNum type="arabicParenR"/>
-            </a:pPr>
-            <a:r>
-              <a:rPr lang="en-US" dirty="0"/>
-              <a:t>If winning guess  quit  </a:t>
-            </a:r>
-          </a:p>
-          <a:p>
-            <a:r>
-              <a:rPr lang="en-US" dirty="0"/>
-              <a:t>2)  Based on the response, filters out the candidate list </a:t>
-            </a:r>
-          </a:p>
-          <a:p>
-            <a:pPr marL="342900" indent="-342900">
-              <a:buAutoNum type="arabicParenR" startAt="3"/>
-            </a:pPr>
-            <a:r>
-              <a:rPr lang="en-US" dirty="0"/>
-              <a:t>Go to 1)</a:t>
-            </a:r>
-          </a:p>
-          <a:p>
-            <a:pPr marL="342900" indent="-342900">
-              <a:buAutoNum type="arabicParenR" startAt="3"/>
-            </a:pPr>
-            <a:endParaRPr lang="en-US" dirty="0"/>
-          </a:p>
-          <a:p>
-            <a:endParaRPr lang="en-US" dirty="0"/>
-          </a:p>
-          <a:p>
-            <a:r>
-              <a:rPr lang="en-US" dirty="0"/>
-              <a:t>Advantage : Execution time is extremely fast so many strategy trees can be built and evaluated in a unit of time keeping the one that gives the best result. So we can search many trees for better and better  random policies.  </a:t>
-            </a:r>
-          </a:p>
-          <a:p>
-            <a:endParaRPr lang="en-US" dirty="0"/>
-          </a:p>
-          <a:p>
-            <a:endParaRPr lang="en-US" dirty="0"/>
-          </a:p>
-          <a:p>
-            <a:endParaRPr lang="en-US" dirty="0"/>
-          </a:p>
-          <a:p>
-            <a:endParaRPr lang="en-US" dirty="0"/>
-          </a:p>
-          <a:p>
-            <a:r>
-              <a:rPr lang="en-US" dirty="0"/>
-              <a:t> </a:t>
-            </a:r>
-          </a:p>
-        </p:txBody>
-      </p:sp>
-      <p:graphicFrame>
-        <p:nvGraphicFramePr>
-          <p:cNvPr id="5" name="Chart 4">
-            <a:extLst>
-              <a:ext uri="{FF2B5EF4-FFF2-40B4-BE49-F238E27FC236}">
-                <a16:creationId xmlns:a16="http://schemas.microsoft.com/office/drawing/2014/main" id="{4874AFF5-45B6-4F4A-A9FA-CC64120C39FC}"/>
-              </a:ext>
-            </a:extLst>
-          </p:cNvPr>
-          <p:cNvGraphicFramePr>
-            <a:graphicFrameLocks/>
-          </p:cNvGraphicFramePr>
-          <p:nvPr>
-            <p:extLst>
-              <p:ext uri="{D42A27DB-BD31-4B8C-83A1-F6EECF244321}">
-                <p14:modId xmlns:p14="http://schemas.microsoft.com/office/powerpoint/2010/main" val="1285757247"/>
-              </p:ext>
-            </p:extLst>
-          </p:nvPr>
-        </p:nvGraphicFramePr>
-        <p:xfrm>
-          <a:off x="363180" y="3429001"/>
-          <a:ext cx="8316796" cy="2612570"/>
-        </p:xfrm>
-        <a:graphic>
-          <a:graphicData uri="http://schemas.openxmlformats.org/drawingml/2006/chart">
-            <c:chart xmlns:c="http://schemas.openxmlformats.org/drawingml/2006/chart" xmlns:r="http://schemas.openxmlformats.org/officeDocument/2006/relationships" r:id="rId2"/>
-          </a:graphicData>
-        </a:graphic>
-      </p:graphicFrame>
-      <p:sp>
-        <p:nvSpPr>
-          <p:cNvPr id="4" name="TextBox 3">
-            <a:extLst>
-              <a:ext uri="{FF2B5EF4-FFF2-40B4-BE49-F238E27FC236}">
-                <a16:creationId xmlns:a16="http://schemas.microsoft.com/office/drawing/2014/main" id="{C03918A6-CAB6-4583-B65D-0137962B161A}"/>
-              </a:ext>
-            </a:extLst>
-          </p:cNvPr>
-          <p:cNvSpPr txBox="1"/>
-          <p:nvPr/>
-        </p:nvSpPr>
-        <p:spPr>
-          <a:xfrm>
-            <a:off x="1034142" y="6041571"/>
-            <a:ext cx="7783287" cy="646331"/>
-          </a:xfrm>
-          <a:prstGeom prst="rect">
-            <a:avLst/>
-          </a:prstGeom>
-          <a:noFill/>
-        </p:spPr>
-        <p:txBody>
-          <a:bodyPr wrap="square" rtlCol="0">
-            <a:spAutoFit/>
-          </a:bodyPr>
-          <a:lstStyle/>
-          <a:p>
-            <a:r>
-              <a:rPr lang="en-US" dirty="0"/>
-              <a:t>Best strategy found after days of executions – yielded  </a:t>
-            </a:r>
-            <a:r>
-              <a:rPr lang="en-US" b="1" dirty="0"/>
-              <a:t>4.511 </a:t>
-            </a:r>
-            <a:r>
-              <a:rPr lang="en-US" dirty="0"/>
-              <a:t>guess to win on average </a:t>
-            </a:r>
-          </a:p>
-        </p:txBody>
-      </p:sp>
-    </p:spTree>
-    <p:extLst>
-      <p:ext uri="{BB962C8B-B14F-4D97-AF65-F5344CB8AC3E}">
-        <p14:creationId xmlns:p14="http://schemas.microsoft.com/office/powerpoint/2010/main" val="2374018576"/>
-      </p:ext>
-    </p:extLst>
-  </p:cSld>
-  <p:clrMapOvr>
-    <a:masterClrMapping/>
-  </p:clrMapOvr>
-</p:sld>
-</file>
-
-<file path=ppt/slides/slide11.xml><?xml version="1.0" encoding="utf-8"?>
-<p:sld xmlns:a="http://schemas.openxmlformats.org/drawingml/2006/main" xmlns:r="http://schemas.openxmlformats.org/officeDocument/2006/relationships" xmlns:p="http://schemas.openxmlformats.org/presentationml/2006/main">
-  <p:cSld>
-    <p:spTree>
-      <p:nvGrpSpPr>
-        <p:cNvPr id="1" name=""/>
-        <p:cNvGrpSpPr/>
-        <p:nvPr/>
-      </p:nvGrpSpPr>
-      <p:grpSpPr>
-        <a:xfrm>
-          <a:off x="0" y="0"/>
-          <a:ext cx="0" cy="0"/>
-          <a:chOff x="0" y="0"/>
-          <a:chExt cx="0" cy="0"/>
-        </a:xfrm>
-      </p:grpSpPr>
-      <p:sp>
-        <p:nvSpPr>
-          <p:cNvPr id="2" name="Title 1">
-            <a:extLst>
-              <a:ext uri="{FF2B5EF4-FFF2-40B4-BE49-F238E27FC236}">
-                <a16:creationId xmlns:a16="http://schemas.microsoft.com/office/drawing/2014/main" id="{BFE03E1E-1CD4-4BF6-8AB2-07362D59237F}"/>
-              </a:ext>
-            </a:extLst>
-          </p:cNvPr>
-          <p:cNvSpPr>
-            <a:spLocks noGrp="1"/>
-          </p:cNvSpPr>
-          <p:nvPr>
-            <p:ph type="title"/>
-          </p:nvPr>
-        </p:nvSpPr>
-        <p:spPr/>
-        <p:txBody>
-          <a:bodyPr/>
-          <a:lstStyle/>
-          <a:p>
-            <a:r>
-              <a:rPr lang="en-US" dirty="0"/>
-              <a:t>         </a:t>
-            </a:r>
-          </a:p>
-        </p:txBody>
-      </p:sp>
-      <p:sp>
-        <p:nvSpPr>
-          <p:cNvPr id="6" name="Title 1">
-            <a:extLst>
-              <a:ext uri="{FF2B5EF4-FFF2-40B4-BE49-F238E27FC236}">
-                <a16:creationId xmlns:a16="http://schemas.microsoft.com/office/drawing/2014/main" id="{28909404-97CF-447C-9C07-862F156F11DD}"/>
-              </a:ext>
-            </a:extLst>
-          </p:cNvPr>
-          <p:cNvSpPr txBox="1">
-            <a:spLocks/>
-          </p:cNvSpPr>
-          <p:nvPr/>
-        </p:nvSpPr>
-        <p:spPr>
-          <a:xfrm>
             <a:off x="-1094129" y="67861"/>
             <a:ext cx="13108920" cy="1675599"/>
           </a:xfrm>
@@ -42840,7 +42497,7 @@
 </p:sld>
 </file>
 
-<file path=ppt/slides/slide12.xml><?xml version="1.0" encoding="utf-8"?>
+<file path=ppt/slides/slide11.xml><?xml version="1.0" encoding="utf-8"?>
 <p:sld xmlns:a="http://schemas.openxmlformats.org/drawingml/2006/main" xmlns:r="http://schemas.openxmlformats.org/officeDocument/2006/relationships" xmlns:p="http://schemas.openxmlformats.org/presentationml/2006/main">
   <p:cSld>
     <p:spTree>
@@ -43645,7 +43302,7 @@
 </p:sld>
 </file>
 
-<file path=ppt/slides/slide13.xml><?xml version="1.0" encoding="utf-8"?>
+<file path=ppt/slides/slide12.xml><?xml version="1.0" encoding="utf-8"?>
 <p:sld xmlns:a="http://schemas.openxmlformats.org/drawingml/2006/main" xmlns:r="http://schemas.openxmlformats.org/officeDocument/2006/relationships" xmlns:p="http://schemas.openxmlformats.org/presentationml/2006/main">
   <p:cSld>
     <p:spTree>
@@ -44413,7 +44070,7 @@
 </p:sld>
 </file>
 
-<file path=ppt/slides/slide14.xml><?xml version="1.0" encoding="utf-8"?>
+<file path=ppt/slides/slide13.xml><?xml version="1.0" encoding="utf-8"?>
 <p:sld xmlns:a="http://schemas.openxmlformats.org/drawingml/2006/main" xmlns:r="http://schemas.openxmlformats.org/officeDocument/2006/relationships" xmlns:p="http://schemas.openxmlformats.org/presentationml/2006/main">
   <p:cSld>
     <p:spTree>
@@ -45021,7 +44678,7 @@
 </p:sld>
 </file>
 
-<file path=ppt/slides/slide15.xml><?xml version="1.0" encoding="utf-8"?>
+<file path=ppt/slides/slide14.xml><?xml version="1.0" encoding="utf-8"?>
 <p:sld xmlns:a="http://schemas.openxmlformats.org/drawingml/2006/main" xmlns:r="http://schemas.openxmlformats.org/officeDocument/2006/relationships" xmlns:p="http://schemas.openxmlformats.org/presentationml/2006/main">
   <p:cSld>
     <p:spTree>
@@ -45321,7 +44978,7 @@
 </p:sld>
 </file>
 
-<file path=ppt/slides/slide16.xml><?xml version="1.0" encoding="utf-8"?>
+<file path=ppt/slides/slide15.xml><?xml version="1.0" encoding="utf-8"?>
 <p:sld xmlns:a="http://schemas.openxmlformats.org/drawingml/2006/main" xmlns:r="http://schemas.openxmlformats.org/officeDocument/2006/relationships" xmlns:p="http://schemas.openxmlformats.org/presentationml/2006/main">
   <p:cSld>
     <p:spTree>
@@ -48838,6 +48495,340 @@
         </p:nvSpPr>
         <p:spPr>
           <a:xfrm>
+            <a:off x="194345" y="94478"/>
+            <a:ext cx="10551952" cy="1675599"/>
+          </a:xfrm>
+          <a:prstGeom prst="rect">
+            <a:avLst/>
+          </a:prstGeom>
+        </p:spPr>
+        <p:txBody>
+          <a:bodyPr vert="horz" lIns="91440" tIns="45720" rIns="91440" bIns="45720" rtlCol="0" anchor="t">
+            <a:noAutofit/>
+          </a:bodyPr>
+          <a:lstStyle>
+            <a:lvl1pPr algn="l" defTabSz="457200" rtl="0" eaLnBrk="1" latinLnBrk="0" hangingPunct="1">
+              <a:spcBef>
+                <a:spcPct val="0"/>
+              </a:spcBef>
+              <a:buNone/>
+              <a:defRPr sz="4200" b="0" i="0" kern="1200">
+                <a:solidFill>
+                  <a:schemeClr val="tx2"/>
+                </a:solidFill>
+                <a:latin typeface="+mj-lt"/>
+                <a:ea typeface="+mj-ea"/>
+                <a:cs typeface="+mj-cs"/>
+              </a:defRPr>
+            </a:lvl1pPr>
+            <a:lvl2pPr eaLnBrk="1" hangingPunct="1">
+              <a:defRPr>
+                <a:solidFill>
+                  <a:schemeClr val="tx2"/>
+                </a:solidFill>
+              </a:defRPr>
+            </a:lvl2pPr>
+            <a:lvl3pPr eaLnBrk="1" hangingPunct="1">
+              <a:defRPr>
+                <a:solidFill>
+                  <a:schemeClr val="tx2"/>
+                </a:solidFill>
+              </a:defRPr>
+            </a:lvl3pPr>
+            <a:lvl4pPr eaLnBrk="1" hangingPunct="1">
+              <a:defRPr>
+                <a:solidFill>
+                  <a:schemeClr val="tx2"/>
+                </a:solidFill>
+              </a:defRPr>
+            </a:lvl4pPr>
+            <a:lvl5pPr eaLnBrk="1" hangingPunct="1">
+              <a:defRPr>
+                <a:solidFill>
+                  <a:schemeClr val="tx2"/>
+                </a:solidFill>
+              </a:defRPr>
+            </a:lvl5pPr>
+            <a:lvl6pPr eaLnBrk="1" hangingPunct="1">
+              <a:defRPr>
+                <a:solidFill>
+                  <a:schemeClr val="tx2"/>
+                </a:solidFill>
+              </a:defRPr>
+            </a:lvl6pPr>
+            <a:lvl7pPr eaLnBrk="1" hangingPunct="1">
+              <a:defRPr>
+                <a:solidFill>
+                  <a:schemeClr val="tx2"/>
+                </a:solidFill>
+              </a:defRPr>
+            </a:lvl7pPr>
+            <a:lvl8pPr eaLnBrk="1" hangingPunct="1">
+              <a:defRPr>
+                <a:solidFill>
+                  <a:schemeClr val="tx2"/>
+                </a:solidFill>
+              </a:defRPr>
+            </a:lvl8pPr>
+            <a:lvl9pPr eaLnBrk="1" hangingPunct="1">
+              <a:defRPr>
+                <a:solidFill>
+                  <a:schemeClr val="tx2"/>
+                </a:solidFill>
+              </a:defRPr>
+            </a:lvl9pPr>
+          </a:lstStyle>
+          <a:p>
+            <a:r>
+              <a:rPr lang="en-US" dirty="0"/>
+              <a:t>                 Random  Policy</a:t>
+            </a:r>
+            <a:endParaRPr lang="en-US" sz="4000" dirty="0"/>
+          </a:p>
+        </p:txBody>
+      </p:sp>
+      <p:sp>
+        <p:nvSpPr>
+          <p:cNvPr id="3" name="TextBox 2">
+            <a:extLst>
+              <a:ext uri="{FF2B5EF4-FFF2-40B4-BE49-F238E27FC236}">
+                <a16:creationId xmlns:a16="http://schemas.microsoft.com/office/drawing/2014/main" id="{07BF8C91-2E5D-4EFE-983E-424C75309229}"/>
+              </a:ext>
+            </a:extLst>
+          </p:cNvPr>
+          <p:cNvSpPr txBox="1"/>
+          <p:nvPr/>
+        </p:nvSpPr>
+        <p:spPr>
+          <a:xfrm>
+            <a:off x="581159" y="767908"/>
+            <a:ext cx="9778323" cy="3970318"/>
+          </a:xfrm>
+          <a:prstGeom prst="rect">
+            <a:avLst/>
+          </a:prstGeom>
+          <a:noFill/>
+        </p:spPr>
+        <p:txBody>
+          <a:bodyPr wrap="square" rtlCol="0">
+            <a:spAutoFit/>
+          </a:bodyPr>
+          <a:lstStyle/>
+          <a:p>
+            <a:pPr marL="342900" indent="-342900">
+              <a:buAutoNum type="arabicParenR"/>
+            </a:pPr>
+            <a:r>
+              <a:rPr lang="en-US" dirty="0"/>
+              <a:t>Pick a guess randomly from the list of qualifying candidates</a:t>
+            </a:r>
+          </a:p>
+          <a:p>
+            <a:pPr marL="342900" indent="-342900">
+              <a:buAutoNum type="arabicParenR"/>
+            </a:pPr>
+            <a:r>
+              <a:rPr lang="en-US" dirty="0"/>
+              <a:t>If winning guess  quit  </a:t>
+            </a:r>
+          </a:p>
+          <a:p>
+            <a:r>
+              <a:rPr lang="en-US" dirty="0"/>
+              <a:t>2)  Based on the response, filters out the candidate list </a:t>
+            </a:r>
+          </a:p>
+          <a:p>
+            <a:pPr marL="342900" indent="-342900">
+              <a:buAutoNum type="arabicParenR" startAt="3"/>
+            </a:pPr>
+            <a:r>
+              <a:rPr lang="en-US" dirty="0"/>
+              <a:t>Go to 1)</a:t>
+            </a:r>
+          </a:p>
+          <a:p>
+            <a:pPr marL="342900" indent="-342900">
+              <a:buAutoNum type="arabicParenR" startAt="3"/>
+            </a:pPr>
+            <a:endParaRPr lang="en-US" dirty="0"/>
+          </a:p>
+          <a:p>
+            <a:endParaRPr lang="en-US" dirty="0"/>
+          </a:p>
+          <a:p>
+            <a:r>
+              <a:rPr lang="en-US" dirty="0"/>
+              <a:t>Advantage : Execution time is extremely fast so many strategy trees can be built and evaluated in a unit of time keeping the one that gives the best result. So we can search many trees for better and better  random policies.  </a:t>
+            </a:r>
+          </a:p>
+          <a:p>
+            <a:endParaRPr lang="en-US" dirty="0"/>
+          </a:p>
+          <a:p>
+            <a:endParaRPr lang="en-US" dirty="0"/>
+          </a:p>
+          <a:p>
+            <a:endParaRPr lang="en-US" dirty="0"/>
+          </a:p>
+          <a:p>
+            <a:endParaRPr lang="en-US" dirty="0"/>
+          </a:p>
+          <a:p>
+            <a:r>
+              <a:rPr lang="en-US" dirty="0"/>
+              <a:t> </a:t>
+            </a:r>
+          </a:p>
+        </p:txBody>
+      </p:sp>
+      <p:graphicFrame>
+        <p:nvGraphicFramePr>
+          <p:cNvPr id="5" name="Chart 4">
+            <a:extLst>
+              <a:ext uri="{FF2B5EF4-FFF2-40B4-BE49-F238E27FC236}">
+                <a16:creationId xmlns:a16="http://schemas.microsoft.com/office/drawing/2014/main" id="{4874AFF5-45B6-4F4A-A9FA-CC64120C39FC}"/>
+              </a:ext>
+            </a:extLst>
+          </p:cNvPr>
+          <p:cNvGraphicFramePr>
+            <a:graphicFrameLocks/>
+          </p:cNvGraphicFramePr>
+          <p:nvPr>
+            <p:extLst>
+              <p:ext uri="{D42A27DB-BD31-4B8C-83A1-F6EECF244321}">
+                <p14:modId xmlns:p14="http://schemas.microsoft.com/office/powerpoint/2010/main" val="3055271523"/>
+              </p:ext>
+            </p:extLst>
+          </p:nvPr>
+        </p:nvGraphicFramePr>
+        <p:xfrm>
+          <a:off x="363180" y="3429001"/>
+          <a:ext cx="8316796" cy="2612570"/>
+        </p:xfrm>
+        <a:graphic>
+          <a:graphicData uri="http://schemas.openxmlformats.org/drawingml/2006/chart">
+            <c:chart xmlns:c="http://schemas.openxmlformats.org/drawingml/2006/chart" xmlns:r="http://schemas.openxmlformats.org/officeDocument/2006/relationships" r:id="rId2"/>
+          </a:graphicData>
+        </a:graphic>
+      </p:graphicFrame>
+      <p:sp>
+        <p:nvSpPr>
+          <p:cNvPr id="4" name="TextBox 3">
+            <a:extLst>
+              <a:ext uri="{FF2B5EF4-FFF2-40B4-BE49-F238E27FC236}">
+                <a16:creationId xmlns:a16="http://schemas.microsoft.com/office/drawing/2014/main" id="{C03918A6-CAB6-4583-B65D-0137962B161A}"/>
+              </a:ext>
+            </a:extLst>
+          </p:cNvPr>
+          <p:cNvSpPr txBox="1"/>
+          <p:nvPr/>
+        </p:nvSpPr>
+        <p:spPr>
+          <a:xfrm>
+            <a:off x="1034142" y="6041571"/>
+            <a:ext cx="7783287" cy="646331"/>
+          </a:xfrm>
+          <a:prstGeom prst="rect">
+            <a:avLst/>
+          </a:prstGeom>
+          <a:noFill/>
+        </p:spPr>
+        <p:txBody>
+          <a:bodyPr wrap="square" rtlCol="0">
+            <a:spAutoFit/>
+          </a:bodyPr>
+          <a:lstStyle/>
+          <a:p>
+            <a:r>
+              <a:rPr lang="en-US" dirty="0"/>
+              <a:t>Best strategy found after days of executions – yielded  </a:t>
+            </a:r>
+            <a:r>
+              <a:rPr lang="en-US" b="1" dirty="0"/>
+              <a:t>4.511 </a:t>
+            </a:r>
+            <a:r>
+              <a:rPr lang="en-US" dirty="0"/>
+              <a:t>guess to win on average </a:t>
+            </a:r>
+          </a:p>
+        </p:txBody>
+      </p:sp>
+    </p:spTree>
+    <p:extLst>
+      <p:ext uri="{BB962C8B-B14F-4D97-AF65-F5344CB8AC3E}">
+        <p14:creationId xmlns:p14="http://schemas.microsoft.com/office/powerpoint/2010/main" val="2374018576"/>
+      </p:ext>
+    </p:extLst>
+  </p:cSld>
+  <p:clrMapOvr>
+    <a:masterClrMapping/>
+  </p:clrMapOvr>
+</p:sld>
+</file>
+
+<file path=ppt/slides/slide9.xml><?xml version="1.0" encoding="utf-8"?>
+<p:sld xmlns:a="http://schemas.openxmlformats.org/drawingml/2006/main" xmlns:r="http://schemas.openxmlformats.org/officeDocument/2006/relationships" xmlns:p="http://schemas.openxmlformats.org/presentationml/2006/main">
+  <p:cSld>
+    <p:spTree>
+      <p:nvGrpSpPr>
+        <p:cNvPr id="1" name=""/>
+        <p:cNvGrpSpPr/>
+        <p:nvPr/>
+      </p:nvGrpSpPr>
+      <p:grpSpPr>
+        <a:xfrm>
+          <a:off x="0" y="0"/>
+          <a:ext cx="0" cy="0"/>
+          <a:chOff x="0" y="0"/>
+          <a:chExt cx="0" cy="0"/>
+        </a:xfrm>
+      </p:grpSpPr>
+      <p:sp>
+        <p:nvSpPr>
+          <p:cNvPr id="2" name="Title 1">
+            <a:extLst>
+              <a:ext uri="{FF2B5EF4-FFF2-40B4-BE49-F238E27FC236}">
+                <a16:creationId xmlns:a16="http://schemas.microsoft.com/office/drawing/2014/main" id="{BFE03E1E-1CD4-4BF6-8AB2-07362D59237F}"/>
+              </a:ext>
+            </a:extLst>
+          </p:cNvPr>
+          <p:cNvSpPr>
+            <a:spLocks noGrp="1"/>
+          </p:cNvSpPr>
+          <p:nvPr>
+            <p:ph type="title"/>
+          </p:nvPr>
+        </p:nvSpPr>
+        <p:spPr/>
+        <p:txBody>
+          <a:bodyPr/>
+          <a:lstStyle/>
+          <a:p>
+            <a:r>
+              <a:rPr lang="en-US" dirty="0"/>
+              <a:t>         </a:t>
+            </a:r>
+          </a:p>
+        </p:txBody>
+      </p:sp>
+      <p:sp>
+        <p:nvSpPr>
+          <p:cNvPr id="6" name="Title 1">
+            <a:extLst>
+              <a:ext uri="{FF2B5EF4-FFF2-40B4-BE49-F238E27FC236}">
+                <a16:creationId xmlns:a16="http://schemas.microsoft.com/office/drawing/2014/main" id="{28909404-97CF-447C-9C07-862F156F11DD}"/>
+              </a:ext>
+            </a:extLst>
+          </p:cNvPr>
+          <p:cNvSpPr txBox="1">
+            <a:spLocks/>
+          </p:cNvSpPr>
+          <p:nvPr/>
+        </p:nvSpPr>
+        <p:spPr>
+          <a:xfrm>
             <a:off x="72496" y="-21771"/>
             <a:ext cx="10551952" cy="1675599"/>
           </a:xfrm>
@@ -49119,202 +49110,6 @@
     <p:extLst>
       <p:ext uri="{BB962C8B-B14F-4D97-AF65-F5344CB8AC3E}">
         <p14:creationId xmlns:p14="http://schemas.microsoft.com/office/powerpoint/2010/main" val="3340501789"/>
-      </p:ext>
-    </p:extLst>
-  </p:cSld>
-  <p:clrMapOvr>
-    <a:masterClrMapping/>
-  </p:clrMapOvr>
-</p:sld>
-</file>
-
-<file path=ppt/slides/slide9.xml><?xml version="1.0" encoding="utf-8"?>
-<p:sld xmlns:a="http://schemas.openxmlformats.org/drawingml/2006/main" xmlns:r="http://schemas.openxmlformats.org/officeDocument/2006/relationships" xmlns:p="http://schemas.openxmlformats.org/presentationml/2006/main">
-  <p:cSld>
-    <p:spTree>
-      <p:nvGrpSpPr>
-        <p:cNvPr id="1" name=""/>
-        <p:cNvGrpSpPr/>
-        <p:nvPr/>
-      </p:nvGrpSpPr>
-      <p:grpSpPr>
-        <a:xfrm>
-          <a:off x="0" y="0"/>
-          <a:ext cx="0" cy="0"/>
-          <a:chOff x="0" y="0"/>
-          <a:chExt cx="0" cy="0"/>
-        </a:xfrm>
-      </p:grpSpPr>
-      <p:sp>
-        <p:nvSpPr>
-          <p:cNvPr id="2" name="Title 1">
-            <a:extLst>
-              <a:ext uri="{FF2B5EF4-FFF2-40B4-BE49-F238E27FC236}">
-                <a16:creationId xmlns:a16="http://schemas.microsoft.com/office/drawing/2014/main" id="{BFE03E1E-1CD4-4BF6-8AB2-07362D59237F}"/>
-              </a:ext>
-            </a:extLst>
-          </p:cNvPr>
-          <p:cNvSpPr>
-            <a:spLocks noGrp="1"/>
-          </p:cNvSpPr>
-          <p:nvPr>
-            <p:ph type="title"/>
-          </p:nvPr>
-        </p:nvSpPr>
-        <p:spPr/>
-        <p:txBody>
-          <a:bodyPr/>
-          <a:lstStyle/>
-          <a:p>
-            <a:r>
-              <a:rPr lang="en-US" dirty="0"/>
-              <a:t>         </a:t>
-            </a:r>
-          </a:p>
-        </p:txBody>
-      </p:sp>
-      <p:sp>
-        <p:nvSpPr>
-          <p:cNvPr id="6" name="Title 1">
-            <a:extLst>
-              <a:ext uri="{FF2B5EF4-FFF2-40B4-BE49-F238E27FC236}">
-                <a16:creationId xmlns:a16="http://schemas.microsoft.com/office/drawing/2014/main" id="{28909404-97CF-447C-9C07-862F156F11DD}"/>
-              </a:ext>
-            </a:extLst>
-          </p:cNvPr>
-          <p:cNvSpPr txBox="1">
-            <a:spLocks/>
-          </p:cNvSpPr>
-          <p:nvPr/>
-        </p:nvSpPr>
-        <p:spPr>
-          <a:xfrm>
-            <a:off x="194345" y="94478"/>
-            <a:ext cx="10551952" cy="1675599"/>
-          </a:xfrm>
-          <a:prstGeom prst="rect">
-            <a:avLst/>
-          </a:prstGeom>
-        </p:spPr>
-        <p:txBody>
-          <a:bodyPr vert="horz" lIns="91440" tIns="45720" rIns="91440" bIns="45720" rtlCol="0" anchor="t">
-            <a:noAutofit/>
-          </a:bodyPr>
-          <a:lstStyle>
-            <a:lvl1pPr algn="l" defTabSz="457200" rtl="0" eaLnBrk="1" latinLnBrk="0" hangingPunct="1">
-              <a:spcBef>
-                <a:spcPct val="0"/>
-              </a:spcBef>
-              <a:buNone/>
-              <a:defRPr sz="4200" b="0" i="0" kern="1200">
-                <a:solidFill>
-                  <a:schemeClr val="tx2"/>
-                </a:solidFill>
-                <a:latin typeface="+mj-lt"/>
-                <a:ea typeface="+mj-ea"/>
-                <a:cs typeface="+mj-cs"/>
-              </a:defRPr>
-            </a:lvl1pPr>
-            <a:lvl2pPr eaLnBrk="1" hangingPunct="1">
-              <a:defRPr>
-                <a:solidFill>
-                  <a:schemeClr val="tx2"/>
-                </a:solidFill>
-              </a:defRPr>
-            </a:lvl2pPr>
-            <a:lvl3pPr eaLnBrk="1" hangingPunct="1">
-              <a:defRPr>
-                <a:solidFill>
-                  <a:schemeClr val="tx2"/>
-                </a:solidFill>
-              </a:defRPr>
-            </a:lvl3pPr>
-            <a:lvl4pPr eaLnBrk="1" hangingPunct="1">
-              <a:defRPr>
-                <a:solidFill>
-                  <a:schemeClr val="tx2"/>
-                </a:solidFill>
-              </a:defRPr>
-            </a:lvl4pPr>
-            <a:lvl5pPr eaLnBrk="1" hangingPunct="1">
-              <a:defRPr>
-                <a:solidFill>
-                  <a:schemeClr val="tx2"/>
-                </a:solidFill>
-              </a:defRPr>
-            </a:lvl5pPr>
-            <a:lvl6pPr eaLnBrk="1" hangingPunct="1">
-              <a:defRPr>
-                <a:solidFill>
-                  <a:schemeClr val="tx2"/>
-                </a:solidFill>
-              </a:defRPr>
-            </a:lvl6pPr>
-            <a:lvl7pPr eaLnBrk="1" hangingPunct="1">
-              <a:defRPr>
-                <a:solidFill>
-                  <a:schemeClr val="tx2"/>
-                </a:solidFill>
-              </a:defRPr>
-            </a:lvl7pPr>
-            <a:lvl8pPr eaLnBrk="1" hangingPunct="1">
-              <a:defRPr>
-                <a:solidFill>
-                  <a:schemeClr val="tx2"/>
-                </a:solidFill>
-              </a:defRPr>
-            </a:lvl8pPr>
-            <a:lvl9pPr eaLnBrk="1" hangingPunct="1">
-              <a:defRPr>
-                <a:solidFill>
-                  <a:schemeClr val="tx2"/>
-                </a:solidFill>
-              </a:defRPr>
-            </a:lvl9pPr>
-          </a:lstStyle>
-          <a:p>
-            <a:r>
-              <a:rPr lang="en-US" dirty="0"/>
-              <a:t>               Knuth Strategy tree example </a:t>
-            </a:r>
-            <a:endParaRPr lang="en-US" sz="4000" dirty="0"/>
-          </a:p>
-        </p:txBody>
-      </p:sp>
-      <p:pic>
-        <p:nvPicPr>
-          <p:cNvPr id="7" name="Picture 6">
-            <a:extLst>
-              <a:ext uri="{FF2B5EF4-FFF2-40B4-BE49-F238E27FC236}">
-                <a16:creationId xmlns:a16="http://schemas.microsoft.com/office/drawing/2014/main" id="{D5DA528D-FD17-482B-ACD4-F26307AEE446}"/>
-              </a:ext>
-            </a:extLst>
-          </p:cNvPr>
-          <p:cNvPicPr>
-            <a:picLocks noChangeAspect="1"/>
-          </p:cNvPicPr>
-          <p:nvPr/>
-        </p:nvPicPr>
-        <p:blipFill>
-          <a:blip r:embed="rId2"/>
-          <a:stretch>
-            <a:fillRect/>
-          </a:stretch>
-        </p:blipFill>
-        <p:spPr>
-          <a:xfrm>
-            <a:off x="646111" y="1486630"/>
-            <a:ext cx="10442408" cy="5095240"/>
-          </a:xfrm>
-          <a:prstGeom prst="rect">
-            <a:avLst/>
-          </a:prstGeom>
-        </p:spPr>
-      </p:pic>
-    </p:spTree>
-    <p:extLst>
-      <p:ext uri="{BB962C8B-B14F-4D97-AF65-F5344CB8AC3E}">
-        <p14:creationId xmlns:p14="http://schemas.microsoft.com/office/powerpoint/2010/main" val="675660116"/>
       </p:ext>
     </p:extLst>
   </p:cSld>

--- a/ai_final_project_mastermind.pptx
+++ b/ai_final_project_mastermind.pptx
@@ -42986,7 +42986,7 @@
           <a:p>
             <a:r>
               <a:rPr lang="en-US" sz="1100" dirty="0"/>
-              <a:t>Features</a:t>
+              <a:t>14 Features</a:t>
             </a:r>
           </a:p>
         </p:txBody>
@@ -43267,7 +43267,7 @@
             </a:r>
             <a:r>
               <a:rPr lang="en-US" dirty="0"/>
-              <a:t>(list 2) …. </a:t>
+              <a:t>(list 2) </a:t>
             </a:r>
             <a:r>
               <a:rPr lang="en-US" dirty="0" err="1"/>
@@ -43275,7 +43275,7 @@
             </a:r>
             <a:r>
               <a:rPr lang="en-US" dirty="0"/>
-              <a:t>(list 15)</a:t>
+              <a:t>(list 14)</a:t>
             </a:r>
           </a:p>
           <a:p>

--- a/ai_final_project_mastermind.pptx
+++ b/ai_final_project_mastermind.pptx
@@ -46162,7 +46162,12 @@
             <p:ph type="title"/>
           </p:nvPr>
         </p:nvSpPr>
-        <p:spPr/>
+        <p:spPr>
+          <a:xfrm>
+            <a:off x="646111" y="452718"/>
+            <a:ext cx="9404723" cy="1400530"/>
+          </a:xfrm>
+        </p:spPr>
         <p:txBody>
           <a:bodyPr/>
           <a:lstStyle/>

--- a/ai_final_project_mastermind.pptx
+++ b/ai_final_project_mastermind.pptx
@@ -5,7 +5,7 @@
     <p:sldMasterId id="2147483660" r:id="rId1"/>
   </p:sldMasterIdLst>
   <p:notesMasterIdLst>
-    <p:notesMasterId r:id="rId17"/>
+    <p:notesMasterId r:id="rId21"/>
   </p:notesMasterIdLst>
   <p:sldIdLst>
     <p:sldId id="256" r:id="rId2"/>
@@ -16,13 +16,17 @@
     <p:sldId id="268" r:id="rId7"/>
     <p:sldId id="263" r:id="rId8"/>
     <p:sldId id="269" r:id="rId9"/>
-    <p:sldId id="264" r:id="rId10"/>
-    <p:sldId id="275" r:id="rId11"/>
-    <p:sldId id="271" r:id="rId12"/>
-    <p:sldId id="272" r:id="rId13"/>
-    <p:sldId id="273" r:id="rId14"/>
-    <p:sldId id="274" r:id="rId15"/>
-    <p:sldId id="267" r:id="rId16"/>
+    <p:sldId id="279" r:id="rId10"/>
+    <p:sldId id="264" r:id="rId11"/>
+    <p:sldId id="278" r:id="rId12"/>
+    <p:sldId id="275" r:id="rId13"/>
+    <p:sldId id="271" r:id="rId14"/>
+    <p:sldId id="276" r:id="rId15"/>
+    <p:sldId id="272" r:id="rId16"/>
+    <p:sldId id="273" r:id="rId17"/>
+    <p:sldId id="274" r:id="rId18"/>
+    <p:sldId id="267" r:id="rId19"/>
+    <p:sldId id="277" r:id="rId20"/>
   </p:sldIdLst>
   <p:sldSz cx="12192000" cy="6858000"/>
   <p:notesSz cx="6858000" cy="9144000"/>
@@ -15355,7 +15359,7 @@
           <c:smooth val="0"/>
           <c:extLst>
             <c:ext xmlns:c16="http://schemas.microsoft.com/office/drawing/2014/chart" uri="{C3380CC4-5D6E-409C-BE32-E72D297353CC}">
-              <c16:uniqueId val="{00000000-28E6-4D2C-A663-6FBCDC95BEF1}"/>
+              <c16:uniqueId val="{00000000-03D4-884B-BBCC-9B059FF7AED4}"/>
             </c:ext>
           </c:extLst>
         </c:ser>
@@ -16672,7 +16676,7 @@
           <c:smooth val="1"/>
           <c:extLst>
             <c:ext xmlns:c16="http://schemas.microsoft.com/office/drawing/2014/chart" uri="{C3380CC4-5D6E-409C-BE32-E72D297353CC}">
-              <c16:uniqueId val="{00000000-EE88-4707-AB27-197420448500}"/>
+              <c16:uniqueId val="{00000000-9B3B-E549-94DC-7D56605785EF}"/>
             </c:ext>
           </c:extLst>
         </c:ser>
@@ -28019,11 +28023,11 @@
           <a:lstStyle/>
           <a:p>
             <a:pPr>
-              <a:defRPr sz="1862" b="0" i="0" u="none" strike="noStrike" kern="1200" spc="0" baseline="0">
+              <a:defRPr sz="2128" b="0" i="0" u="none" strike="noStrike" kern="1200" spc="70" baseline="0">
                 <a:solidFill>
-                  <a:schemeClr val="tx1">
-                    <a:lumMod val="65000"/>
-                    <a:lumOff val="35000"/>
+                  <a:schemeClr val="dk1">
+                    <a:lumMod val="50000"/>
+                    <a:lumOff val="50000"/>
                   </a:schemeClr>
                 </a:solidFill>
                 <a:latin typeface="+mn-lt"/>
@@ -28051,11 +28055,11 @@
         <a:lstStyle/>
         <a:p>
           <a:pPr>
-            <a:defRPr sz="1862" b="0" i="0" u="none" strike="noStrike" kern="1200" spc="0" baseline="0">
+            <a:defRPr sz="2128" b="0" i="0" u="none" strike="noStrike" kern="1200" spc="70" baseline="0">
               <a:solidFill>
-                <a:schemeClr val="tx1">
-                  <a:lumMod val="65000"/>
-                  <a:lumOff val="35000"/>
+                <a:schemeClr val="dk1">
+                  <a:lumMod val="50000"/>
+                  <a:lumOff val="50000"/>
                 </a:schemeClr>
               </a:solidFill>
               <a:latin typeface="+mn-lt"/>
@@ -28077,11 +28081,12 @@
           <c:idx val="0"/>
           <c:order val="0"/>
           <c:spPr>
-            <a:ln w="41275" cap="rnd">
+            <a:ln w="76200">
               <a:solidFill>
-                <a:schemeClr val="accent1"/>
+                <a:srgbClr val="FF0000">
+                  <a:alpha val="20000"/>
+                </a:srgbClr>
               </a:solidFill>
-              <a:round/>
             </a:ln>
             <a:effectLst/>
           </c:spPr>
@@ -32305,7 +32310,7 @@
           <c:spPr>
             <a:ln w="9525" cap="flat" cmpd="sng" algn="ctr">
               <a:solidFill>
-                <a:schemeClr val="tx1">
+                <a:schemeClr val="dk1">
                   <a:lumMod val="15000"/>
                   <a:lumOff val="85000"/>
                 </a:schemeClr>
@@ -32322,11 +32327,11 @@
               <a:lstStyle/>
               <a:p>
                 <a:pPr>
-                  <a:defRPr sz="1330" b="0" i="0" u="none" strike="noStrike" kern="1200" baseline="0">
+                  <a:defRPr sz="1197" b="1" i="0" u="none" strike="noStrike" kern="1200" baseline="0">
                     <a:solidFill>
-                      <a:schemeClr val="tx1">
-                        <a:lumMod val="65000"/>
-                        <a:lumOff val="35000"/>
+                      <a:schemeClr val="dk1">
+                        <a:lumMod val="50000"/>
+                        <a:lumOff val="50000"/>
                       </a:schemeClr>
                     </a:solidFill>
                     <a:latin typeface="+mn-lt"/>
@@ -32354,11 +32359,11 @@
             <a:lstStyle/>
             <a:p>
               <a:pPr>
-                <a:defRPr sz="1330" b="0" i="0" u="none" strike="noStrike" kern="1200" baseline="0">
+                <a:defRPr sz="1197" b="1" i="0" u="none" strike="noStrike" kern="1200" baseline="0">
                   <a:solidFill>
-                    <a:schemeClr val="tx1">
-                      <a:lumMod val="65000"/>
-                      <a:lumOff val="35000"/>
+                    <a:schemeClr val="dk1">
+                      <a:lumMod val="50000"/>
+                      <a:lumOff val="50000"/>
                     </a:schemeClr>
                   </a:solidFill>
                   <a:latin typeface="+mn-lt"/>
@@ -32376,14 +32381,8 @@
         <c:tickLblPos val="nextTo"/>
         <c:spPr>
           <a:noFill/>
-          <a:ln w="9525" cap="flat" cmpd="sng" algn="ctr">
-            <a:solidFill>
-              <a:schemeClr val="tx1">
-                <a:lumMod val="25000"/>
-                <a:lumOff val="75000"/>
-              </a:schemeClr>
-            </a:solidFill>
-            <a:round/>
+          <a:ln>
+            <a:noFill/>
           </a:ln>
           <a:effectLst/>
         </c:spPr>
@@ -32394,9 +32393,9 @@
             <a:pPr>
               <a:defRPr sz="1197" b="0" i="0" u="none" strike="noStrike" kern="1200" baseline="0">
                 <a:solidFill>
-                  <a:schemeClr val="tx1">
-                    <a:lumMod val="65000"/>
-                    <a:lumOff val="35000"/>
+                  <a:schemeClr val="dk1">
+                    <a:lumMod val="50000"/>
+                    <a:lumOff val="50000"/>
                   </a:schemeClr>
                 </a:solidFill>
                 <a:latin typeface="+mn-lt"/>
@@ -32421,9 +32420,9 @@
         <c:axPos val="l"/>
         <c:majorGridlines>
           <c:spPr>
-            <a:ln w="38100" cap="flat" cmpd="sng" algn="ctr">
+            <a:ln w="9525" cap="flat" cmpd="sng" algn="ctr">
               <a:solidFill>
-                <a:schemeClr val="tx1">
+                <a:schemeClr val="dk1">
                   <a:lumMod val="15000"/>
                   <a:lumOff val="85000"/>
                 </a:schemeClr>
@@ -32440,11 +32439,11 @@
               <a:lstStyle/>
               <a:p>
                 <a:pPr>
-                  <a:defRPr sz="1330" b="0" i="0" u="none" strike="noStrike" kern="1200" baseline="0">
+                  <a:defRPr sz="1197" b="1" i="0" u="none" strike="noStrike" kern="1200" baseline="0">
                     <a:solidFill>
-                      <a:schemeClr val="tx1">
-                        <a:lumMod val="65000"/>
-                        <a:lumOff val="35000"/>
+                      <a:schemeClr val="dk1">
+                        <a:lumMod val="50000"/>
+                        <a:lumOff val="50000"/>
                       </a:schemeClr>
                     </a:solidFill>
                     <a:latin typeface="+mn-lt"/>
@@ -32472,11 +32471,11 @@
             <a:lstStyle/>
             <a:p>
               <a:pPr>
-                <a:defRPr sz="1330" b="0" i="0" u="none" strike="noStrike" kern="1200" baseline="0">
+                <a:defRPr sz="1197" b="1" i="0" u="none" strike="noStrike" kern="1200" baseline="0">
                   <a:solidFill>
-                    <a:schemeClr val="tx1">
-                      <a:lumMod val="65000"/>
-                      <a:lumOff val="35000"/>
+                    <a:schemeClr val="dk1">
+                      <a:lumMod val="50000"/>
+                      <a:lumOff val="50000"/>
                     </a:schemeClr>
                   </a:solidFill>
                   <a:latin typeface="+mn-lt"/>
@@ -32494,14 +32493,8 @@
         <c:tickLblPos val="nextTo"/>
         <c:spPr>
           <a:noFill/>
-          <a:ln w="9525" cap="flat" cmpd="sng" algn="ctr">
-            <a:solidFill>
-              <a:schemeClr val="tx1">
-                <a:lumMod val="25000"/>
-                <a:lumOff val="75000"/>
-              </a:schemeClr>
-            </a:solidFill>
-            <a:round/>
+          <a:ln>
+            <a:noFill/>
           </a:ln>
           <a:effectLst/>
         </c:spPr>
@@ -32512,9 +32505,9 @@
             <a:pPr>
               <a:defRPr sz="1197" b="0" i="0" u="none" strike="noStrike" kern="1200" baseline="0">
                 <a:solidFill>
-                  <a:schemeClr val="tx1">
-                    <a:lumMod val="65000"/>
-                    <a:lumOff val="35000"/>
+                  <a:schemeClr val="dk1">
+                    <a:lumMod val="50000"/>
+                    <a:lumOff val="50000"/>
                   </a:schemeClr>
                 </a:solidFill>
                 <a:latin typeface="+mn-lt"/>
@@ -32550,9 +32543,30 @@
     <c:showDLblsOverMax val="0"/>
   </c:chart>
   <c:spPr>
-    <a:noFill/>
-    <a:ln>
-      <a:noFill/>
+    <a:gradFill flip="none" rotWithShape="1">
+      <a:gsLst>
+        <a:gs pos="100000">
+          <a:schemeClr val="lt1">
+            <a:lumMod val="95000"/>
+          </a:schemeClr>
+        </a:gs>
+        <a:gs pos="43000">
+          <a:schemeClr val="lt1"/>
+        </a:gs>
+      </a:gsLst>
+      <a:path path="circle">
+        <a:fillToRect l="50000" t="50000" r="50000" b="50000"/>
+      </a:path>
+      <a:tileRect/>
+    </a:gradFill>
+    <a:ln w="9525" cap="flat" cmpd="sng" algn="ctr">
+      <a:solidFill>
+        <a:schemeClr val="dk1">
+          <a:lumMod val="15000"/>
+          <a:lumOff val="85000"/>
+        </a:schemeClr>
+      </a:solidFill>
+      <a:round/>
     </a:ln>
     <a:effectLst/>
   </c:spPr>
@@ -34281,35 +34295,35 @@
 </file>
 
 <file path=ppt/charts/style4.xml><?xml version="1.0" encoding="utf-8"?>
-<cs:chartStyle xmlns:cs="http://schemas.microsoft.com/office/drawing/2012/chartStyle" xmlns:a="http://schemas.openxmlformats.org/drawingml/2006/main" id="240">
+<cs:chartStyle xmlns:cs="http://schemas.microsoft.com/office/drawing/2012/chartStyle" xmlns:a="http://schemas.openxmlformats.org/drawingml/2006/main" id="244">
   <cs:axisTitle>
     <cs:lnRef idx="0"/>
     <cs:fillRef idx="0"/>
     <cs:effectRef idx="0"/>
     <cs:fontRef idx="minor">
-      <a:schemeClr val="tx1">
-        <a:lumMod val="65000"/>
-        <a:lumOff val="35000"/>
+      <a:schemeClr val="dk1">
+        <a:lumMod val="50000"/>
+        <a:lumOff val="50000"/>
       </a:schemeClr>
     </cs:fontRef>
-    <cs:defRPr sz="1330" kern="1200"/>
+    <cs:defRPr sz="1197" b="1" kern="1200"/>
   </cs:axisTitle>
   <cs:categoryAxis>
     <cs:lnRef idx="0"/>
     <cs:fillRef idx="0"/>
     <cs:effectRef idx="0"/>
     <cs:fontRef idx="minor">
-      <a:schemeClr val="tx1">
-        <a:lumMod val="65000"/>
-        <a:lumOff val="35000"/>
+      <a:schemeClr val="dk1">
+        <a:lumMod val="50000"/>
+        <a:lumOff val="50000"/>
       </a:schemeClr>
     </cs:fontRef>
     <cs:spPr>
       <a:ln w="9525" cap="flat" cmpd="sng" algn="ctr">
         <a:solidFill>
-          <a:schemeClr val="tx1">
-            <a:lumMod val="25000"/>
-            <a:lumOff val="75000"/>
+          <a:schemeClr val="dk1">
+            <a:lumMod val="15000"/>
+            <a:lumOff val="85000"/>
           </a:schemeClr>
         </a:solidFill>
         <a:round/>
@@ -34317,20 +34331,33 @@
     </cs:spPr>
     <cs:defRPr sz="1197" kern="1200"/>
   </cs:categoryAxis>
-  <cs:chartArea mods="allowNoFillOverride allowNoLineOverride">
+  <cs:chartArea>
     <cs:lnRef idx="0"/>
     <cs:fillRef idx="0"/>
     <cs:effectRef idx="0"/>
     <cs:fontRef idx="minor">
-      <a:schemeClr val="tx1"/>
+      <a:schemeClr val="dk1"/>
     </cs:fontRef>
     <cs:spPr>
-      <a:solidFill>
-        <a:schemeClr val="bg1"/>
-      </a:solidFill>
+      <a:gradFill flip="none" rotWithShape="1">
+        <a:gsLst>
+          <a:gs pos="100000">
+            <a:schemeClr val="lt1">
+              <a:lumMod val="95000"/>
+            </a:schemeClr>
+          </a:gs>
+          <a:gs pos="43000">
+            <a:schemeClr val="lt1"/>
+          </a:gs>
+        </a:gsLst>
+        <a:path path="circle">
+          <a:fillToRect l="50000" t="50000" r="50000" b="50000"/>
+        </a:path>
+        <a:tileRect/>
+      </a:gradFill>
       <a:ln w="9525" cap="flat" cmpd="sng" algn="ctr">
         <a:solidFill>
-          <a:schemeClr val="tx1">
+          <a:schemeClr val="dk1">
             <a:lumMod val="15000"/>
             <a:lumOff val="85000"/>
           </a:schemeClr>
@@ -34338,16 +34365,16 @@
         <a:round/>
       </a:ln>
     </cs:spPr>
-    <cs:defRPr sz="1330" kern="1200"/>
+    <cs:defRPr sz="1197" kern="1200"/>
   </cs:chartArea>
   <cs:dataLabel>
     <cs:lnRef idx="0"/>
     <cs:fillRef idx="0"/>
     <cs:effectRef idx="0"/>
     <cs:fontRef idx="minor">
-      <a:schemeClr val="tx1">
-        <a:lumMod val="75000"/>
-        <a:lumOff val="25000"/>
+      <a:schemeClr val="dk1">
+        <a:lumMod val="50000"/>
+        <a:lumOff val="50000"/>
       </a:schemeClr>
     </cs:fontRef>
     <cs:defRPr sz="1197" kern="1200"/>
@@ -34364,16 +34391,11 @@
     </cs:fontRef>
     <cs:spPr>
       <a:solidFill>
-        <a:schemeClr val="lt1"/>
+        <a:schemeClr val="dk1">
+          <a:lumMod val="15000"/>
+          <a:lumOff val="85000"/>
+        </a:schemeClr>
       </a:solidFill>
-      <a:ln>
-        <a:solidFill>
-          <a:schemeClr val="dk1">
-            <a:lumMod val="25000"/>
-            <a:lumOff val="75000"/>
-          </a:schemeClr>
-        </a:solidFill>
-      </a:ln>
     </cs:spPr>
     <cs:defRPr sz="1197" kern="1200"/>
     <cs:bodyPr rot="0" spcFirstLastPara="1" vertOverflow="clip" horzOverflow="clip" vert="horz" wrap="square" lIns="36576" tIns="18288" rIns="36576" bIns="18288" anchor="ctr" anchorCtr="1">
@@ -34382,39 +34404,50 @@
   </cs:dataLabelCallout>
   <cs:dataPoint>
     <cs:lnRef idx="0"/>
-    <cs:fillRef idx="1">
+    <cs:fillRef idx="0">
       <cs:styleClr val="auto"/>
     </cs:fillRef>
     <cs:effectRef idx="0"/>
     <cs:fontRef idx="minor">
       <a:schemeClr val="tx1"/>
     </cs:fontRef>
+    <cs:spPr>
+      <a:solidFill>
+        <a:schemeClr val="phClr"/>
+      </a:solidFill>
+    </cs:spPr>
   </cs:dataPoint>
   <cs:dataPoint3D>
     <cs:lnRef idx="0"/>
-    <cs:fillRef idx="1">
+    <cs:fillRef idx="0">
       <cs:styleClr val="auto"/>
     </cs:fillRef>
     <cs:effectRef idx="0"/>
     <cs:fontRef idx="minor">
       <a:schemeClr val="tx1"/>
     </cs:fontRef>
+    <cs:spPr>
+      <a:solidFill>
+        <a:schemeClr val="phClr"/>
+      </a:solidFill>
+    </cs:spPr>
   </cs:dataPoint3D>
   <cs:dataPointLine>
     <cs:lnRef idx="0">
       <cs:styleClr val="auto"/>
     </cs:lnRef>
-    <cs:fillRef idx="1"/>
+    <cs:fillRef idx="0"/>
     <cs:effectRef idx="0"/>
     <cs:fontRef idx="minor">
       <a:schemeClr val="tx1"/>
     </cs:fontRef>
     <cs:spPr>
-      <a:ln w="19050" cap="rnd">
+      <a:ln w="28575">
         <a:solidFill>
-          <a:schemeClr val="phClr"/>
+          <a:schemeClr val="phClr">
+            <a:alpha val="20000"/>
+          </a:schemeClr>
         </a:solidFill>
-        <a:round/>
       </a:ln>
     </cs:spPr>
   </cs:dataPointLine>
@@ -34422,7 +34455,7 @@
     <cs:lnRef idx="0">
       <cs:styleClr val="auto"/>
     </cs:lnRef>
-    <cs:fillRef idx="1">
+    <cs:fillRef idx="0">
       <cs:styleClr val="auto"/>
     </cs:fillRef>
     <cs:effectRef idx="0"/>
@@ -34430,14 +34463,18 @@
       <a:schemeClr val="tx1"/>
     </cs:fontRef>
     <cs:spPr>
-      <a:ln w="9525">
+      <a:solidFill>
+        <a:schemeClr val="phClr"/>
+      </a:solidFill>
+      <a:ln w="9525" cap="flat" cmpd="sng" algn="ctr">
         <a:solidFill>
           <a:schemeClr val="phClr"/>
         </a:solidFill>
+        <a:round/>
       </a:ln>
     </cs:spPr>
   </cs:dataPointMarker>
-  <cs:dataPointMarkerLayout symbol="circle" size="5"/>
+  <cs:dataPointMarkerLayout symbol="circle" size="4"/>
   <cs:dataPointWireframe>
     <cs:lnRef idx="0">
       <cs:styleClr val="auto"/>
@@ -34445,7 +34482,7 @@
     <cs:fillRef idx="0"/>
     <cs:effectRef idx="0"/>
     <cs:fontRef idx="minor">
-      <a:schemeClr val="dk1"/>
+      <a:schemeClr val="tx1"/>
     </cs:fontRef>
     <cs:spPr>
       <a:ln w="9525" cap="rnd">
@@ -34461,16 +34498,15 @@
     <cs:fillRef idx="0"/>
     <cs:effectRef idx="0"/>
     <cs:fontRef idx="minor">
-      <a:schemeClr val="tx1">
-        <a:lumMod val="65000"/>
-        <a:lumOff val="35000"/>
+      <a:schemeClr val="dk1">
+        <a:lumMod val="50000"/>
+        <a:lumOff val="50000"/>
       </a:schemeClr>
     </cs:fontRef>
     <cs:spPr>
-      <a:noFill/>
-      <a:ln w="9525" cap="flat" cmpd="sng" algn="ctr">
+      <a:ln w="9525" cap="rnd">
         <a:solidFill>
-          <a:schemeClr val="tx1">
+          <a:schemeClr val="dk1">
             <a:lumMod val="15000"/>
             <a:lumOff val="85000"/>
           </a:schemeClr>
@@ -34494,14 +34530,13 @@
           <a:lumOff val="25000"/>
         </a:schemeClr>
       </a:solidFill>
-      <a:ln w="9525" cap="flat" cmpd="sng" algn="ctr">
+      <a:ln w="9525">
         <a:solidFill>
-          <a:schemeClr val="tx1">
-            <a:lumMod val="65000"/>
-            <a:lumOff val="35000"/>
+          <a:schemeClr val="dk1">
+            <a:lumMod val="50000"/>
+            <a:lumOff val="50000"/>
           </a:schemeClr>
         </a:solidFill>
-        <a:round/>
       </a:ln>
     </cs:spPr>
   </cs:downBar>
@@ -34513,14 +34548,13 @@
       <a:schemeClr val="tx1"/>
     </cs:fontRef>
     <cs:spPr>
-      <a:ln w="9525" cap="flat" cmpd="sng" algn="ctr">
+      <a:ln w="9525">
         <a:solidFill>
-          <a:schemeClr val="tx1">
+          <a:schemeClr val="dk1">
             <a:lumMod val="35000"/>
             <a:lumOff val="65000"/>
           </a:schemeClr>
         </a:solidFill>
-        <a:round/>
       </a:ln>
     </cs:spPr>
   </cs:dropLine>
@@ -34532,14 +34566,13 @@
       <a:schemeClr val="tx1"/>
     </cs:fontRef>
     <cs:spPr>
-      <a:ln w="9525" cap="flat" cmpd="sng" algn="ctr">
+      <a:ln w="9525">
         <a:solidFill>
-          <a:schemeClr val="tx1">
-            <a:lumMod val="65000"/>
-            <a:lumOff val="35000"/>
+          <a:schemeClr val="dk1">
+            <a:lumMod val="50000"/>
+            <a:lumOff val="50000"/>
           </a:schemeClr>
         </a:solidFill>
-        <a:round/>
       </a:ln>
     </cs:spPr>
   </cs:errorBar>
@@ -34550,12 +34583,6 @@
     <cs:fontRef idx="minor">
       <a:schemeClr val="tx1"/>
     </cs:fontRef>
-    <cs:spPr>
-      <a:noFill/>
-      <a:ln>
-        <a:noFill/>
-      </a:ln>
-    </cs:spPr>
   </cs:floor>
   <cs:gridlineMajor>
     <cs:lnRef idx="0"/>
@@ -34567,7 +34594,7 @@
     <cs:spPr>
       <a:ln w="9525" cap="flat" cmpd="sng" algn="ctr">
         <a:solidFill>
-          <a:schemeClr val="tx1">
+          <a:schemeClr val="dk1">
             <a:lumMod val="15000"/>
             <a:lumOff val="85000"/>
           </a:schemeClr>
@@ -34586,7 +34613,7 @@
     <cs:spPr>
       <a:ln w="9525" cap="flat" cmpd="sng" algn="ctr">
         <a:solidFill>
-          <a:schemeClr val="tx1">
+          <a:schemeClr val="dk1">
             <a:lumMod val="5000"/>
             <a:lumOff val="95000"/>
           </a:schemeClr>
@@ -34603,14 +34630,13 @@
       <a:schemeClr val="tx1"/>
     </cs:fontRef>
     <cs:spPr>
-      <a:ln w="9525" cap="flat" cmpd="sng" algn="ctr">
+      <a:ln w="9525">
         <a:solidFill>
-          <a:schemeClr val="tx1">
-            <a:lumMod val="50000"/>
-            <a:lumOff val="50000"/>
+          <a:schemeClr val="dk1">
+            <a:lumMod val="35000"/>
+            <a:lumOff val="65000"/>
           </a:schemeClr>
         </a:solidFill>
-        <a:round/>
       </a:ln>
     </cs:spPr>
   </cs:hiLoLine>
@@ -34622,14 +34648,13 @@
       <a:schemeClr val="tx1"/>
     </cs:fontRef>
     <cs:spPr>
-      <a:ln w="9525" cap="flat" cmpd="sng" algn="ctr">
+      <a:ln w="9525">
         <a:solidFill>
-          <a:schemeClr val="tx1">
+          <a:schemeClr val="dk1">
             <a:lumMod val="35000"/>
             <a:lumOff val="65000"/>
           </a:schemeClr>
         </a:solidFill>
-        <a:round/>
       </a:ln>
     </cs:spPr>
   </cs:leaderLine>
@@ -34638,14 +34663,14 @@
     <cs:fillRef idx="0"/>
     <cs:effectRef idx="0"/>
     <cs:fontRef idx="minor">
-      <a:schemeClr val="tx1">
-        <a:lumMod val="65000"/>
-        <a:lumOff val="35000"/>
+      <a:schemeClr val="dk1">
+        <a:lumMod val="50000"/>
+        <a:lumOff val="50000"/>
       </a:schemeClr>
     </cs:fontRef>
     <cs:defRPr sz="1197" kern="1200"/>
   </cs:legend>
-  <cs:plotArea mods="allowNoFillOverride allowNoLineOverride">
+  <cs:plotArea>
     <cs:lnRef idx="0"/>
     <cs:fillRef idx="0"/>
     <cs:effectRef idx="0"/>
@@ -34653,7 +34678,7 @@
       <a:schemeClr val="tx1"/>
     </cs:fontRef>
   </cs:plotArea>
-  <cs:plotArea3D mods="allowNoFillOverride allowNoLineOverride">
+  <cs:plotArea3D>
     <cs:lnRef idx="0"/>
     <cs:fillRef idx="0"/>
     <cs:effectRef idx="0"/>
@@ -34667,10 +34692,20 @@
     <cs:effectRef idx="0"/>
     <cs:fontRef idx="minor">
       <a:schemeClr val="tx1">
-        <a:lumMod val="65000"/>
-        <a:lumOff val="35000"/>
+        <a:lumMod val="50000"/>
+        <a:lumOff val="50000"/>
       </a:schemeClr>
     </cs:fontRef>
+    <cs:spPr>
+      <a:ln w="9525">
+        <a:solidFill>
+          <a:schemeClr val="dk1">
+            <a:lumMod val="15000"/>
+            <a:lumOff val="85000"/>
+          </a:schemeClr>
+        </a:solidFill>
+      </a:ln>
+    </cs:spPr>
     <cs:defRPr sz="1197" kern="1200"/>
   </cs:seriesAxis>
   <cs:seriesLine>
@@ -34681,14 +34716,13 @@
       <a:schemeClr val="tx1"/>
     </cs:fontRef>
     <cs:spPr>
-      <a:ln w="9525" cap="flat" cmpd="sng" algn="ctr">
+      <a:ln w="9525">
         <a:solidFill>
-          <a:schemeClr val="tx1">
+          <a:schemeClr val="dk1">
             <a:lumMod val="35000"/>
             <a:lumOff val="65000"/>
           </a:schemeClr>
         </a:solidFill>
-        <a:round/>
       </a:ln>
     </cs:spPr>
   </cs:seriesLine>
@@ -34697,16 +34731,16 @@
     <cs:fillRef idx="0"/>
     <cs:effectRef idx="0"/>
     <cs:fontRef idx="minor">
-      <a:schemeClr val="tx1">
-        <a:lumMod val="65000"/>
-        <a:lumOff val="35000"/>
+      <a:schemeClr val="dk1">
+        <a:lumMod val="50000"/>
+        <a:lumOff val="50000"/>
       </a:schemeClr>
     </cs:fontRef>
-    <cs:defRPr sz="1862" b="0" kern="1200" spc="0" baseline="0"/>
+    <cs:defRPr sz="2128" b="0" kern="1200" spc="70" baseline="0"/>
   </cs:title>
   <cs:trendline>
     <cs:lnRef idx="0">
-      <cs:styleClr val="auto"/>
+      <cs:styleClr val="0"/>
     </cs:lnRef>
     <cs:fillRef idx="0"/>
     <cs:effectRef idx="0"/>
@@ -34714,11 +34748,13 @@
       <a:schemeClr val="tx1"/>
     </cs:fontRef>
     <cs:spPr>
-      <a:ln w="19050" cap="rnd">
+      <a:ln w="63500" cap="rnd" cmpd="sng" algn="ctr">
         <a:solidFill>
-          <a:schemeClr val="phClr"/>
+          <a:schemeClr val="phClr">
+            <a:alpha val="25000"/>
+          </a:schemeClr>
         </a:solidFill>
-        <a:prstDash val="sysDot"/>
+        <a:round/>
       </a:ln>
     </cs:spPr>
   </cs:trendline>
@@ -34727,9 +34763,9 @@
     <cs:fillRef idx="0"/>
     <cs:effectRef idx="0"/>
     <cs:fontRef idx="minor">
-      <a:schemeClr val="tx1">
-        <a:lumMod val="65000"/>
-        <a:lumOff val="35000"/>
+      <a:schemeClr val="dk1">
+        <a:lumMod val="50000"/>
+        <a:lumOff val="50000"/>
       </a:schemeClr>
     </cs:fontRef>
     <cs:defRPr sz="1197" kern="1200"/>
@@ -34745,14 +34781,13 @@
       <a:solidFill>
         <a:schemeClr val="lt1"/>
       </a:solidFill>
-      <a:ln w="9525" cap="flat" cmpd="sng" algn="ctr">
+      <a:ln w="9525">
         <a:solidFill>
-          <a:schemeClr val="tx1">
-            <a:lumMod val="65000"/>
-            <a:lumOff val="35000"/>
+          <a:schemeClr val="dk1">
+            <a:lumMod val="50000"/>
+            <a:lumOff val="50000"/>
           </a:schemeClr>
         </a:solidFill>
-        <a:round/>
       </a:ln>
     </cs:spPr>
   </cs:upBar>
@@ -34761,22 +34796,11 @@
     <cs:fillRef idx="0"/>
     <cs:effectRef idx="0"/>
     <cs:fontRef idx="minor">
-      <a:schemeClr val="tx1">
-        <a:lumMod val="65000"/>
-        <a:lumOff val="35000"/>
+      <a:schemeClr val="dk1">
+        <a:lumMod val="50000"/>
+        <a:lumOff val="50000"/>
       </a:schemeClr>
     </cs:fontRef>
-    <cs:spPr>
-      <a:ln w="9525" cap="flat" cmpd="sng" algn="ctr">
-        <a:solidFill>
-          <a:schemeClr val="tx1">
-            <a:lumMod val="25000"/>
-            <a:lumOff val="75000"/>
-          </a:schemeClr>
-        </a:solidFill>
-        <a:round/>
-      </a:ln>
-    </cs:spPr>
     <cs:defRPr sz="1197" kern="1200"/>
   </cs:valueAxis>
   <cs:wall>
@@ -34786,12 +34810,6 @@
     <cs:fontRef idx="minor">
       <a:schemeClr val="tx1"/>
     </cs:fontRef>
-    <cs:spPr>
-      <a:noFill/>
-      <a:ln>
-        <a:noFill/>
-      </a:ln>
-    </cs:spPr>
   </cs:wall>
 </cs:chartStyle>
 </file>
@@ -34878,7 +34896,7 @@
           <a:p>
             <a:fld id="{D1AEB4C2-0CE1-455B-854A-E7A68A16A6D7}" type="datetimeFigureOut">
               <a:rPr lang="en-US" smtClean="0"/>
-              <a:t>12/15/2018</a:t>
+              <a:t>12/19/18</a:t>
             </a:fld>
             <a:endParaRPr lang="en-US"/>
           </a:p>
@@ -35145,6 +35163,501 @@
 </p:notesMaster>
 </file>
 
+<file path=ppt/notesSlides/notesSlide1.xml><?xml version="1.0" encoding="utf-8"?>
+<p:notes xmlns:a="http://schemas.openxmlformats.org/drawingml/2006/main" xmlns:r="http://schemas.openxmlformats.org/officeDocument/2006/relationships" xmlns:p="http://schemas.openxmlformats.org/presentationml/2006/main">
+  <p:cSld>
+    <p:spTree>
+      <p:nvGrpSpPr>
+        <p:cNvPr id="1" name=""/>
+        <p:cNvGrpSpPr/>
+        <p:nvPr/>
+      </p:nvGrpSpPr>
+      <p:grpSpPr>
+        <a:xfrm>
+          <a:off x="0" y="0"/>
+          <a:ext cx="0" cy="0"/>
+          <a:chOff x="0" y="0"/>
+          <a:chExt cx="0" cy="0"/>
+        </a:xfrm>
+      </p:grpSpPr>
+      <p:sp>
+        <p:nvSpPr>
+          <p:cNvPr id="2" name="Slide Image Placeholder 1"/>
+          <p:cNvSpPr>
+            <a:spLocks noGrp="1" noRot="1" noChangeAspect="1"/>
+          </p:cNvSpPr>
+          <p:nvPr>
+            <p:ph type="sldImg"/>
+          </p:nvPr>
+        </p:nvSpPr>
+        <p:spPr/>
+      </p:sp>
+      <p:sp>
+        <p:nvSpPr>
+          <p:cNvPr id="3" name="Notes Placeholder 2"/>
+          <p:cNvSpPr>
+            <a:spLocks noGrp="1"/>
+          </p:cNvSpPr>
+          <p:nvPr>
+            <p:ph type="body" idx="1"/>
+          </p:nvPr>
+        </p:nvSpPr>
+        <p:spPr/>
+        <p:txBody>
+          <a:bodyPr/>
+          <a:lstStyle/>
+          <a:p>
+            <a:endParaRPr lang="en-US" dirty="0"/>
+          </a:p>
+        </p:txBody>
+      </p:sp>
+      <p:sp>
+        <p:nvSpPr>
+          <p:cNvPr id="4" name="Slide Number Placeholder 3"/>
+          <p:cNvSpPr>
+            <a:spLocks noGrp="1"/>
+          </p:cNvSpPr>
+          <p:nvPr>
+            <p:ph type="sldNum" sz="quarter" idx="5"/>
+          </p:nvPr>
+        </p:nvSpPr>
+        <p:spPr/>
+        <p:txBody>
+          <a:bodyPr/>
+          <a:lstStyle/>
+          <a:p>
+            <a:fld id="{9427C16B-CC77-47B4-B653-D01F2B647ACF}" type="slidenum">
+              <a:rPr lang="en-US" smtClean="0"/>
+              <a:t>2</a:t>
+            </a:fld>
+            <a:endParaRPr lang="en-US"/>
+          </a:p>
+        </p:txBody>
+      </p:sp>
+    </p:spTree>
+    <p:extLst>
+      <p:ext uri="{BB962C8B-B14F-4D97-AF65-F5344CB8AC3E}">
+        <p14:creationId xmlns:p14="http://schemas.microsoft.com/office/powerpoint/2010/main" val="935529996"/>
+      </p:ext>
+    </p:extLst>
+  </p:cSld>
+  <p:clrMapOvr>
+    <a:masterClrMapping/>
+  </p:clrMapOvr>
+</p:notes>
+</file>
+
+<file path=ppt/notesSlides/notesSlide2.xml><?xml version="1.0" encoding="utf-8"?>
+<p:notes xmlns:a="http://schemas.openxmlformats.org/drawingml/2006/main" xmlns:r="http://schemas.openxmlformats.org/officeDocument/2006/relationships" xmlns:p="http://schemas.openxmlformats.org/presentationml/2006/main">
+  <p:cSld>
+    <p:spTree>
+      <p:nvGrpSpPr>
+        <p:cNvPr id="1" name=""/>
+        <p:cNvGrpSpPr/>
+        <p:nvPr/>
+      </p:nvGrpSpPr>
+      <p:grpSpPr>
+        <a:xfrm>
+          <a:off x="0" y="0"/>
+          <a:ext cx="0" cy="0"/>
+          <a:chOff x="0" y="0"/>
+          <a:chExt cx="0" cy="0"/>
+        </a:xfrm>
+      </p:grpSpPr>
+      <p:sp>
+        <p:nvSpPr>
+          <p:cNvPr id="2" name="Slide Image Placeholder 1"/>
+          <p:cNvSpPr>
+            <a:spLocks noGrp="1" noRot="1" noChangeAspect="1"/>
+          </p:cNvSpPr>
+          <p:nvPr>
+            <p:ph type="sldImg"/>
+          </p:nvPr>
+        </p:nvSpPr>
+        <p:spPr/>
+      </p:sp>
+      <p:sp>
+        <p:nvSpPr>
+          <p:cNvPr id="3" name="Notes Placeholder 2"/>
+          <p:cNvSpPr>
+            <a:spLocks noGrp="1"/>
+          </p:cNvSpPr>
+          <p:nvPr>
+            <p:ph type="body" idx="1"/>
+          </p:nvPr>
+        </p:nvSpPr>
+        <p:spPr/>
+        <p:txBody>
+          <a:bodyPr/>
+          <a:lstStyle/>
+          <a:p>
+            <a:r>
+              <a:rPr lang="en-US" sz="1200" dirty="0"/>
+              <a:t>The average guesses to win is the score of the policy. The lower the better. </a:t>
+            </a:r>
+            <a:endParaRPr lang="en-US" dirty="0"/>
+          </a:p>
+        </p:txBody>
+      </p:sp>
+      <p:sp>
+        <p:nvSpPr>
+          <p:cNvPr id="4" name="Slide Number Placeholder 3"/>
+          <p:cNvSpPr>
+            <a:spLocks noGrp="1"/>
+          </p:cNvSpPr>
+          <p:nvPr>
+            <p:ph type="sldNum" sz="quarter" idx="5"/>
+          </p:nvPr>
+        </p:nvSpPr>
+        <p:spPr/>
+        <p:txBody>
+          <a:bodyPr/>
+          <a:lstStyle/>
+          <a:p>
+            <a:fld id="{9427C16B-CC77-47B4-B653-D01F2B647ACF}" type="slidenum">
+              <a:rPr lang="en-US" smtClean="0"/>
+              <a:t>4</a:t>
+            </a:fld>
+            <a:endParaRPr lang="en-US"/>
+          </a:p>
+        </p:txBody>
+      </p:sp>
+    </p:spTree>
+    <p:extLst>
+      <p:ext uri="{BB962C8B-B14F-4D97-AF65-F5344CB8AC3E}">
+        <p14:creationId xmlns:p14="http://schemas.microsoft.com/office/powerpoint/2010/main" val="3913919348"/>
+      </p:ext>
+    </p:extLst>
+  </p:cSld>
+  <p:clrMapOvr>
+    <a:masterClrMapping/>
+  </p:clrMapOvr>
+</p:notes>
+</file>
+
+<file path=ppt/notesSlides/notesSlide3.xml><?xml version="1.0" encoding="utf-8"?>
+<p:notes xmlns:a="http://schemas.openxmlformats.org/drawingml/2006/main" xmlns:r="http://schemas.openxmlformats.org/officeDocument/2006/relationships" xmlns:p="http://schemas.openxmlformats.org/presentationml/2006/main">
+  <p:cSld>
+    <p:spTree>
+      <p:nvGrpSpPr>
+        <p:cNvPr id="1" name=""/>
+        <p:cNvGrpSpPr/>
+        <p:nvPr/>
+      </p:nvGrpSpPr>
+      <p:grpSpPr>
+        <a:xfrm>
+          <a:off x="0" y="0"/>
+          <a:ext cx="0" cy="0"/>
+          <a:chOff x="0" y="0"/>
+          <a:chExt cx="0" cy="0"/>
+        </a:xfrm>
+      </p:grpSpPr>
+      <p:sp>
+        <p:nvSpPr>
+          <p:cNvPr id="2" name="Slide Image Placeholder 1"/>
+          <p:cNvSpPr>
+            <a:spLocks noGrp="1" noRot="1" noChangeAspect="1"/>
+          </p:cNvSpPr>
+          <p:nvPr>
+            <p:ph type="sldImg"/>
+          </p:nvPr>
+        </p:nvSpPr>
+        <p:spPr/>
+      </p:sp>
+      <p:sp>
+        <p:nvSpPr>
+          <p:cNvPr id="3" name="Notes Placeholder 2"/>
+          <p:cNvSpPr>
+            <a:spLocks noGrp="1"/>
+          </p:cNvSpPr>
+          <p:nvPr>
+            <p:ph type="body" idx="1"/>
+          </p:nvPr>
+        </p:nvSpPr>
+        <p:spPr/>
+        <p:txBody>
+          <a:bodyPr/>
+          <a:lstStyle/>
+          <a:p>
+            <a:endParaRPr lang="en-US" dirty="0"/>
+          </a:p>
+        </p:txBody>
+      </p:sp>
+      <p:sp>
+        <p:nvSpPr>
+          <p:cNvPr id="4" name="Slide Number Placeholder 3"/>
+          <p:cNvSpPr>
+            <a:spLocks noGrp="1"/>
+          </p:cNvSpPr>
+          <p:nvPr>
+            <p:ph type="sldNum" sz="quarter" idx="5"/>
+          </p:nvPr>
+        </p:nvSpPr>
+        <p:spPr/>
+        <p:txBody>
+          <a:bodyPr/>
+          <a:lstStyle/>
+          <a:p>
+            <a:fld id="{9427C16B-CC77-47B4-B653-D01F2B647ACF}" type="slidenum">
+              <a:rPr lang="en-US" smtClean="0"/>
+              <a:t>5</a:t>
+            </a:fld>
+            <a:endParaRPr lang="en-US"/>
+          </a:p>
+        </p:txBody>
+      </p:sp>
+    </p:spTree>
+    <p:extLst>
+      <p:ext uri="{BB962C8B-B14F-4D97-AF65-F5344CB8AC3E}">
+        <p14:creationId xmlns:p14="http://schemas.microsoft.com/office/powerpoint/2010/main" val="4117377917"/>
+      </p:ext>
+    </p:extLst>
+  </p:cSld>
+  <p:clrMapOvr>
+    <a:masterClrMapping/>
+  </p:clrMapOvr>
+</p:notes>
+</file>
+
+<file path=ppt/notesSlides/notesSlide4.xml><?xml version="1.0" encoding="utf-8"?>
+<p:notes xmlns:a="http://schemas.openxmlformats.org/drawingml/2006/main" xmlns:r="http://schemas.openxmlformats.org/officeDocument/2006/relationships" xmlns:p="http://schemas.openxmlformats.org/presentationml/2006/main">
+  <p:cSld>
+    <p:spTree>
+      <p:nvGrpSpPr>
+        <p:cNvPr id="1" name=""/>
+        <p:cNvGrpSpPr/>
+        <p:nvPr/>
+      </p:nvGrpSpPr>
+      <p:grpSpPr>
+        <a:xfrm>
+          <a:off x="0" y="0"/>
+          <a:ext cx="0" cy="0"/>
+          <a:chOff x="0" y="0"/>
+          <a:chExt cx="0" cy="0"/>
+        </a:xfrm>
+      </p:grpSpPr>
+      <p:sp>
+        <p:nvSpPr>
+          <p:cNvPr id="2" name="Slide Image Placeholder 1"/>
+          <p:cNvSpPr>
+            <a:spLocks noGrp="1" noRot="1" noChangeAspect="1"/>
+          </p:cNvSpPr>
+          <p:nvPr>
+            <p:ph type="sldImg"/>
+          </p:nvPr>
+        </p:nvSpPr>
+        <p:spPr/>
+      </p:sp>
+      <p:sp>
+        <p:nvSpPr>
+          <p:cNvPr id="3" name="Notes Placeholder 2"/>
+          <p:cNvSpPr>
+            <a:spLocks noGrp="1"/>
+          </p:cNvSpPr>
+          <p:nvPr>
+            <p:ph type="body" idx="1"/>
+          </p:nvPr>
+        </p:nvSpPr>
+        <p:spPr/>
+        <p:txBody>
+          <a:bodyPr/>
+          <a:lstStyle/>
+          <a:p>
+            <a:r>
+              <a:rPr lang="en-US" dirty="0"/>
+              <a:t>1. Policy function takes state s (list of qualifying guess candidates) and generates a guess</a:t>
+            </a:r>
+          </a:p>
+          <a:p>
+            <a:endParaRPr lang="en-US" dirty="0"/>
+          </a:p>
+          <a:p>
+            <a:r>
+              <a:rPr lang="en-US" dirty="0"/>
+              <a:t>2. Strategy game tree is generated from the policy to be able to simulate many games efficiently </a:t>
+            </a:r>
+          </a:p>
+          <a:p>
+            <a:endParaRPr lang="en-US" dirty="0"/>
+          </a:p>
+          <a:p>
+            <a:r>
+              <a:rPr lang="en-US" dirty="0"/>
+              <a:t>3. The simulator is constructed with a strategy tree as an input </a:t>
+            </a:r>
+          </a:p>
+          <a:p>
+            <a:endParaRPr lang="en-US" dirty="0"/>
+          </a:p>
+          <a:p>
+            <a:r>
+              <a:rPr lang="en-US" dirty="0"/>
+              <a:t>4. The simulator simulates games against all secret codes and generates the score for the policy (average guesses to win)</a:t>
+            </a:r>
+          </a:p>
+          <a:p>
+            <a:endParaRPr lang="en-US" dirty="0"/>
+          </a:p>
+        </p:txBody>
+      </p:sp>
+      <p:sp>
+        <p:nvSpPr>
+          <p:cNvPr id="4" name="Slide Number Placeholder 3"/>
+          <p:cNvSpPr>
+            <a:spLocks noGrp="1"/>
+          </p:cNvSpPr>
+          <p:nvPr>
+            <p:ph type="sldNum" sz="quarter" idx="5"/>
+          </p:nvPr>
+        </p:nvSpPr>
+        <p:spPr/>
+        <p:txBody>
+          <a:bodyPr/>
+          <a:lstStyle/>
+          <a:p>
+            <a:fld id="{9427C16B-CC77-47B4-B653-D01F2B647ACF}" type="slidenum">
+              <a:rPr lang="en-US" smtClean="0"/>
+              <a:t>7</a:t>
+            </a:fld>
+            <a:endParaRPr lang="en-US"/>
+          </a:p>
+        </p:txBody>
+      </p:sp>
+    </p:spTree>
+    <p:extLst>
+      <p:ext uri="{BB962C8B-B14F-4D97-AF65-F5344CB8AC3E}">
+        <p14:creationId xmlns:p14="http://schemas.microsoft.com/office/powerpoint/2010/main" val="1644914867"/>
+      </p:ext>
+    </p:extLst>
+  </p:cSld>
+  <p:clrMapOvr>
+    <a:masterClrMapping/>
+  </p:clrMapOvr>
+</p:notes>
+</file>
+
+<file path=ppt/notesSlides/notesSlide5.xml><?xml version="1.0" encoding="utf-8"?>
+<p:notes xmlns:a="http://schemas.openxmlformats.org/drawingml/2006/main" xmlns:r="http://schemas.openxmlformats.org/officeDocument/2006/relationships" xmlns:p="http://schemas.openxmlformats.org/presentationml/2006/main">
+  <p:cSld>
+    <p:spTree>
+      <p:nvGrpSpPr>
+        <p:cNvPr id="1" name=""/>
+        <p:cNvGrpSpPr/>
+        <p:nvPr/>
+      </p:nvGrpSpPr>
+      <p:grpSpPr>
+        <a:xfrm>
+          <a:off x="0" y="0"/>
+          <a:ext cx="0" cy="0"/>
+          <a:chOff x="0" y="0"/>
+          <a:chExt cx="0" cy="0"/>
+        </a:xfrm>
+      </p:grpSpPr>
+      <p:sp>
+        <p:nvSpPr>
+          <p:cNvPr id="2" name="Slide Image Placeholder 1"/>
+          <p:cNvSpPr>
+            <a:spLocks noGrp="1" noRot="1" noChangeAspect="1"/>
+          </p:cNvSpPr>
+          <p:nvPr>
+            <p:ph type="sldImg"/>
+          </p:nvPr>
+        </p:nvSpPr>
+        <p:spPr/>
+      </p:sp>
+      <p:sp>
+        <p:nvSpPr>
+          <p:cNvPr id="3" name="Notes Placeholder 2"/>
+          <p:cNvSpPr>
+            <a:spLocks noGrp="1"/>
+          </p:cNvSpPr>
+          <p:nvPr>
+            <p:ph type="body" idx="1"/>
+          </p:nvPr>
+        </p:nvSpPr>
+        <p:spPr/>
+        <p:txBody>
+          <a:bodyPr/>
+          <a:lstStyle/>
+          <a:p>
+            <a:pPr marL="0" marR="0" lvl="0" indent="0" algn="l" defTabSz="914400" rtl="0" eaLnBrk="1" fontAlgn="auto" latinLnBrk="0" hangingPunct="1">
+              <a:lnSpc>
+                <a:spcPct val="100000"/>
+              </a:lnSpc>
+              <a:spcBef>
+                <a:spcPts val="0"/>
+              </a:spcBef>
+              <a:spcAft>
+                <a:spcPts val="0"/>
+              </a:spcAft>
+              <a:buClrTx/>
+              <a:buSzTx/>
+              <a:buFontTx/>
+              <a:buNone/>
+              <a:tabLst/>
+              <a:defRPr/>
+            </a:pPr>
+            <a:r>
+              <a:rPr lang="en-US" sz="1200" dirty="0"/>
+              <a:t>(typically no more than 10 guesses ) and captures high-quality information. Our NN will learn and update itself using the outcome of many games.</a:t>
+            </a:r>
+          </a:p>
+          <a:p>
+            <a:endParaRPr lang="en-US" dirty="0"/>
+          </a:p>
+          <a:p>
+            <a:r>
+              <a:rPr lang="en-US" sz="1200" dirty="0"/>
+              <a:t>The number of guesses to win in a game propagates back to each guess in the game</a:t>
+            </a:r>
+          </a:p>
+          <a:p>
+            <a:r>
+              <a:rPr lang="en-US" sz="1200" dirty="0"/>
+              <a:t>as a score of how far the guess was from winning. A NN network will be trained based on the guess and its score that will act as label</a:t>
+            </a:r>
+          </a:p>
+          <a:p>
+            <a:endParaRPr lang="en-US" dirty="0"/>
+          </a:p>
+        </p:txBody>
+      </p:sp>
+      <p:sp>
+        <p:nvSpPr>
+          <p:cNvPr id="4" name="Slide Number Placeholder 3"/>
+          <p:cNvSpPr>
+            <a:spLocks noGrp="1"/>
+          </p:cNvSpPr>
+          <p:nvPr>
+            <p:ph type="sldNum" sz="quarter" idx="5"/>
+          </p:nvPr>
+        </p:nvSpPr>
+        <p:spPr/>
+        <p:txBody>
+          <a:bodyPr/>
+          <a:lstStyle/>
+          <a:p>
+            <a:fld id="{9427C16B-CC77-47B4-B653-D01F2B647ACF}" type="slidenum">
+              <a:rPr lang="en-US" smtClean="0"/>
+              <a:t>12</a:t>
+            </a:fld>
+            <a:endParaRPr lang="en-US"/>
+          </a:p>
+        </p:txBody>
+      </p:sp>
+    </p:spTree>
+    <p:extLst>
+      <p:ext uri="{BB962C8B-B14F-4D97-AF65-F5344CB8AC3E}">
+        <p14:creationId xmlns:p14="http://schemas.microsoft.com/office/powerpoint/2010/main" val="167852826"/>
+      </p:ext>
+    </p:extLst>
+  </p:cSld>
+  <p:clrMapOvr>
+    <a:masterClrMapping/>
+  </p:clrMapOvr>
+</p:notes>
+</file>
+
 <file path=ppt/slideLayouts/slideLayout1.xml><?xml version="1.0" encoding="utf-8"?>
 <p:sldLayout xmlns:a="http://schemas.openxmlformats.org/drawingml/2006/main" xmlns:r="http://schemas.openxmlformats.org/officeDocument/2006/relationships" xmlns:p="http://schemas.openxmlformats.org/presentationml/2006/main" type="title" preserve="1">
   <p:cSld name="Title Slide">
@@ -35331,7 +35844,7 @@
           <a:p>
             <a:fld id="{80498F4A-FE51-4258-903F-BAA40BBA580E}" type="datetimeFigureOut">
               <a:rPr lang="en-US" smtClean="0"/>
-              <a:t>12/15/2018</a:t>
+              <a:t>12/19/18</a:t>
             </a:fld>
             <a:endParaRPr lang="en-US"/>
           </a:p>
@@ -35606,7 +36119,7 @@
           <a:p>
             <a:fld id="{80498F4A-FE51-4258-903F-BAA40BBA580E}" type="datetimeFigureOut">
               <a:rPr lang="en-US" smtClean="0"/>
-              <a:t>12/15/2018</a:t>
+              <a:t>12/19/18</a:t>
             </a:fld>
             <a:endParaRPr lang="en-US"/>
           </a:p>
@@ -35800,7 +36313,7 @@
           <a:p>
             <a:fld id="{80498F4A-FE51-4258-903F-BAA40BBA580E}" type="datetimeFigureOut">
               <a:rPr lang="en-US" smtClean="0"/>
-              <a:t>12/15/2018</a:t>
+              <a:t>12/19/18</a:t>
             </a:fld>
             <a:endParaRPr lang="en-US"/>
           </a:p>
@@ -36073,7 +36586,7 @@
           <a:p>
             <a:fld id="{80498F4A-FE51-4258-903F-BAA40BBA580E}" type="datetimeFigureOut">
               <a:rPr lang="en-US" smtClean="0"/>
-              <a:t>12/15/2018</a:t>
+              <a:t>12/19/18</a:t>
             </a:fld>
             <a:endParaRPr lang="en-US"/>
           </a:p>
@@ -36414,7 +36927,7 @@
           <a:p>
             <a:fld id="{80498F4A-FE51-4258-903F-BAA40BBA580E}" type="datetimeFigureOut">
               <a:rPr lang="en-US" smtClean="0"/>
-              <a:t>12/15/2018</a:t>
+              <a:t>12/19/18</a:t>
             </a:fld>
             <a:endParaRPr lang="en-US"/>
           </a:p>
@@ -37037,7 +37550,7 @@
           <a:p>
             <a:fld id="{80498F4A-FE51-4258-903F-BAA40BBA580E}" type="datetimeFigureOut">
               <a:rPr lang="en-US" smtClean="0"/>
-              <a:t>12/15/2018</a:t>
+              <a:t>12/19/18</a:t>
             </a:fld>
             <a:endParaRPr lang="en-US"/>
           </a:p>
@@ -37897,7 +38410,7 @@
           <a:p>
             <a:fld id="{80498F4A-FE51-4258-903F-BAA40BBA580E}" type="datetimeFigureOut">
               <a:rPr lang="en-US" smtClean="0"/>
-              <a:t>12/15/2018</a:t>
+              <a:t>12/19/18</a:t>
             </a:fld>
             <a:endParaRPr lang="en-US"/>
           </a:p>
@@ -38067,7 +38580,7 @@
           <a:p>
             <a:fld id="{80498F4A-FE51-4258-903F-BAA40BBA580E}" type="datetimeFigureOut">
               <a:rPr lang="en-US" smtClean="0"/>
-              <a:t>12/15/2018</a:t>
+              <a:t>12/19/18</a:t>
             </a:fld>
             <a:endParaRPr lang="en-US"/>
           </a:p>
@@ -38247,7 +38760,7 @@
           <a:p>
             <a:fld id="{80498F4A-FE51-4258-903F-BAA40BBA580E}" type="datetimeFigureOut">
               <a:rPr lang="en-US" smtClean="0"/>
-              <a:t>12/15/2018</a:t>
+              <a:t>12/19/18</a:t>
             </a:fld>
             <a:endParaRPr lang="en-US"/>
           </a:p>
@@ -38417,7 +38930,7 @@
           <a:p>
             <a:fld id="{80498F4A-FE51-4258-903F-BAA40BBA580E}" type="datetimeFigureOut">
               <a:rPr lang="en-US" smtClean="0"/>
-              <a:t>12/15/2018</a:t>
+              <a:t>12/19/18</a:t>
             </a:fld>
             <a:endParaRPr lang="en-US"/>
           </a:p>
@@ -38664,7 +39177,7 @@
           <a:p>
             <a:fld id="{80498F4A-FE51-4258-903F-BAA40BBA580E}" type="datetimeFigureOut">
               <a:rPr lang="en-US" smtClean="0"/>
-              <a:t>12/15/2018</a:t>
+              <a:t>12/19/18</a:t>
             </a:fld>
             <a:endParaRPr lang="en-US"/>
           </a:p>
@@ -38956,7 +39469,7 @@
           <a:p>
             <a:fld id="{80498F4A-FE51-4258-903F-BAA40BBA580E}" type="datetimeFigureOut">
               <a:rPr lang="en-US" smtClean="0"/>
-              <a:t>12/15/2018</a:t>
+              <a:t>12/19/18</a:t>
             </a:fld>
             <a:endParaRPr lang="en-US"/>
           </a:p>
@@ -39400,7 +39913,7 @@
           <a:p>
             <a:fld id="{80498F4A-FE51-4258-903F-BAA40BBA580E}" type="datetimeFigureOut">
               <a:rPr lang="en-US" smtClean="0"/>
-              <a:t>12/15/2018</a:t>
+              <a:t>12/19/18</a:t>
             </a:fld>
             <a:endParaRPr lang="en-US"/>
           </a:p>
@@ -39518,7 +40031,7 @@
           <a:p>
             <a:fld id="{80498F4A-FE51-4258-903F-BAA40BBA580E}" type="datetimeFigureOut">
               <a:rPr lang="en-US" smtClean="0"/>
-              <a:t>12/15/2018</a:t>
+              <a:t>12/19/18</a:t>
             </a:fld>
             <a:endParaRPr lang="en-US"/>
           </a:p>
@@ -39613,7 +40126,7 @@
           <a:p>
             <a:fld id="{80498F4A-FE51-4258-903F-BAA40BBA580E}" type="datetimeFigureOut">
               <a:rPr lang="en-US" smtClean="0"/>
-              <a:t>12/15/2018</a:t>
+              <a:t>12/19/18</a:t>
             </a:fld>
             <a:endParaRPr lang="en-US"/>
           </a:p>
@@ -39892,7 +40405,7 @@
           <a:p>
             <a:fld id="{80498F4A-FE51-4258-903F-BAA40BBA580E}" type="datetimeFigureOut">
               <a:rPr lang="en-US" smtClean="0"/>
-              <a:t>12/15/2018</a:t>
+              <a:t>12/19/18</a:t>
             </a:fld>
             <a:endParaRPr lang="en-US"/>
           </a:p>
@@ -40167,7 +40680,7 @@
           <a:p>
             <a:fld id="{80498F4A-FE51-4258-903F-BAA40BBA580E}" type="datetimeFigureOut">
               <a:rPr lang="en-US" smtClean="0"/>
-              <a:t>12/15/2018</a:t>
+              <a:t>12/19/18</a:t>
             </a:fld>
             <a:endParaRPr lang="en-US"/>
           </a:p>
@@ -40596,7 +41109,7 @@
           <a:p>
             <a:fld id="{80498F4A-FE51-4258-903F-BAA40BBA580E}" type="datetimeFigureOut">
               <a:rPr lang="en-US" smtClean="0"/>
-              <a:t>12/15/2018</a:t>
+              <a:t>12/19/18</a:t>
             </a:fld>
             <a:endParaRPr lang="en-US"/>
           </a:p>
@@ -41604,7 +42117,7 @@
             <a:pPr algn="ctr"/>
             <a:r>
               <a:rPr lang="en-US" sz="8000" dirty="0"/>
-              <a:t>Training NN for playing Mastermind </a:t>
+              <a:t>Training NN to Play Mastermind </a:t>
             </a:r>
             <a:br>
               <a:rPr lang="en-US" sz="8000" dirty="0"/>
@@ -42141,12 +42654,36 @@
           <a:p>
             <a:pPr algn="ctr"/>
             <a:r>
+              <a:rPr lang="en-US" sz="2400" dirty="0" err="1">
+                <a:solidFill>
+                  <a:schemeClr val="bg2"/>
+                </a:solidFill>
+              </a:rPr>
+              <a:t>alon</a:t>
+            </a:r>
+            <a:r>
               <a:rPr lang="en-US" sz="2400" dirty="0">
                 <a:solidFill>
                   <a:schemeClr val="bg2"/>
                 </a:solidFill>
               </a:rPr>
-              <a:t>By: alon Lapid</a:t>
+              <a:t> </a:t>
+            </a:r>
+            <a:r>
+              <a:rPr lang="en-US" sz="2400" dirty="0" err="1">
+                <a:solidFill>
+                  <a:schemeClr val="bg2"/>
+                </a:solidFill>
+              </a:rPr>
+              <a:t>Lapid</a:t>
+            </a:r>
+            <a:r>
+              <a:rPr lang="en-US" sz="2400" dirty="0">
+                <a:solidFill>
+                  <a:schemeClr val="bg2"/>
+                </a:solidFill>
+              </a:rPr>
+              <a:t> and MEREDITH SIMPSON</a:t>
             </a:r>
           </a:p>
           <a:p>
@@ -42157,7 +42694,7 @@
                   <a:schemeClr val="bg2"/>
                 </a:solidFill>
               </a:rPr>
-              <a:t>                  MEREDITH SIMPSON</a:t>
+              <a:t>          </a:t>
             </a:r>
           </a:p>
         </p:txBody>
@@ -42236,7 +42773,426 @@
         </p:nvSpPr>
         <p:spPr>
           <a:xfrm>
-            <a:off x="-1094129" y="67861"/>
+            <a:off x="488913" y="452718"/>
+            <a:ext cx="10551952" cy="1675599"/>
+          </a:xfrm>
+          <a:prstGeom prst="rect">
+            <a:avLst/>
+          </a:prstGeom>
+        </p:spPr>
+        <p:txBody>
+          <a:bodyPr vert="horz" lIns="91440" tIns="45720" rIns="91440" bIns="45720" rtlCol="0" anchor="t">
+            <a:noAutofit/>
+          </a:bodyPr>
+          <a:lstStyle>
+            <a:lvl1pPr algn="l" defTabSz="457200" rtl="0" eaLnBrk="1" latinLnBrk="0" hangingPunct="1">
+              <a:spcBef>
+                <a:spcPct val="0"/>
+              </a:spcBef>
+              <a:buNone/>
+              <a:defRPr sz="4200" b="0" i="0" kern="1200">
+                <a:solidFill>
+                  <a:schemeClr val="tx2"/>
+                </a:solidFill>
+                <a:latin typeface="+mj-lt"/>
+                <a:ea typeface="+mj-ea"/>
+                <a:cs typeface="+mj-cs"/>
+              </a:defRPr>
+            </a:lvl1pPr>
+            <a:lvl2pPr eaLnBrk="1" hangingPunct="1">
+              <a:defRPr>
+                <a:solidFill>
+                  <a:schemeClr val="tx2"/>
+                </a:solidFill>
+              </a:defRPr>
+            </a:lvl2pPr>
+            <a:lvl3pPr eaLnBrk="1" hangingPunct="1">
+              <a:defRPr>
+                <a:solidFill>
+                  <a:schemeClr val="tx2"/>
+                </a:solidFill>
+              </a:defRPr>
+            </a:lvl3pPr>
+            <a:lvl4pPr eaLnBrk="1" hangingPunct="1">
+              <a:defRPr>
+                <a:solidFill>
+                  <a:schemeClr val="tx2"/>
+                </a:solidFill>
+              </a:defRPr>
+            </a:lvl4pPr>
+            <a:lvl5pPr eaLnBrk="1" hangingPunct="1">
+              <a:defRPr>
+                <a:solidFill>
+                  <a:schemeClr val="tx2"/>
+                </a:solidFill>
+              </a:defRPr>
+            </a:lvl5pPr>
+            <a:lvl6pPr eaLnBrk="1" hangingPunct="1">
+              <a:defRPr>
+                <a:solidFill>
+                  <a:schemeClr val="tx2"/>
+                </a:solidFill>
+              </a:defRPr>
+            </a:lvl6pPr>
+            <a:lvl7pPr eaLnBrk="1" hangingPunct="1">
+              <a:defRPr>
+                <a:solidFill>
+                  <a:schemeClr val="tx2"/>
+                </a:solidFill>
+              </a:defRPr>
+            </a:lvl7pPr>
+            <a:lvl8pPr eaLnBrk="1" hangingPunct="1">
+              <a:defRPr>
+                <a:solidFill>
+                  <a:schemeClr val="tx2"/>
+                </a:solidFill>
+              </a:defRPr>
+            </a:lvl8pPr>
+            <a:lvl9pPr eaLnBrk="1" hangingPunct="1">
+              <a:defRPr>
+                <a:solidFill>
+                  <a:schemeClr val="tx2"/>
+                </a:solidFill>
+              </a:defRPr>
+            </a:lvl9pPr>
+          </a:lstStyle>
+          <a:p>
+            <a:r>
+              <a:rPr lang="en-US" dirty="0"/>
+              <a:t>Improved Knuth Policy</a:t>
+            </a:r>
+            <a:endParaRPr lang="en-US" sz="4000" dirty="0"/>
+          </a:p>
+        </p:txBody>
+      </p:sp>
+      <p:sp>
+        <p:nvSpPr>
+          <p:cNvPr id="3" name="Rectangle 2">
+            <a:extLst>
+              <a:ext uri="{FF2B5EF4-FFF2-40B4-BE49-F238E27FC236}">
+                <a16:creationId xmlns:a16="http://schemas.microsoft.com/office/drawing/2014/main" id="{F96CC5E6-C228-43AA-8E68-B86504191A81}"/>
+              </a:ext>
+            </a:extLst>
+          </p:cNvPr>
+          <p:cNvSpPr/>
+          <p:nvPr/>
+        </p:nvSpPr>
+        <p:spPr>
+          <a:xfrm>
+            <a:off x="488913" y="1445594"/>
+            <a:ext cx="11408677" cy="5262979"/>
+          </a:xfrm>
+          <a:prstGeom prst="rect">
+            <a:avLst/>
+          </a:prstGeom>
+        </p:spPr>
+        <p:txBody>
+          <a:bodyPr wrap="square">
+            <a:spAutoFit/>
+          </a:bodyPr>
+          <a:lstStyle/>
+          <a:p>
+            <a:pPr marL="342900" indent="-342900">
+              <a:buAutoNum type="arabicParenR"/>
+            </a:pPr>
+            <a:r>
+              <a:rPr lang="en-US" sz="2400" dirty="0"/>
+              <a:t>Assign a score to each possible guess based on worst-case scoring algorithm.</a:t>
+            </a:r>
+          </a:p>
+          <a:p>
+            <a:pPr marL="342900" indent="-342900">
+              <a:buAutoNum type="arabicParenR"/>
+            </a:pPr>
+            <a:r>
+              <a:rPr lang="en-US" sz="2400" dirty="0"/>
+              <a:t>Pick the guess with the best (lowest score)score. In case of a tie prefer a guess from the qualifying candidates.</a:t>
+            </a:r>
+          </a:p>
+          <a:p>
+            <a:pPr marL="342900" indent="-342900">
+              <a:buAutoNum type="arabicParenR"/>
+            </a:pPr>
+            <a:r>
+              <a:rPr lang="en-US" sz="2400" dirty="0"/>
+              <a:t>Quit if guess is a winning guess.</a:t>
+            </a:r>
+          </a:p>
+          <a:p>
+            <a:r>
+              <a:rPr lang="en-US" sz="2400" dirty="0"/>
+              <a:t>2) Filter out the candidates list based on the response.</a:t>
+            </a:r>
+          </a:p>
+          <a:p>
+            <a:pPr marL="342900" indent="-342900">
+              <a:buAutoNum type="arabicParenR" startAt="3"/>
+            </a:pPr>
+            <a:r>
+              <a:rPr lang="en-US" sz="2400" dirty="0"/>
+              <a:t>Return to step 1.</a:t>
+            </a:r>
+          </a:p>
+          <a:p>
+            <a:pPr marL="342900" indent="-342900">
+              <a:buAutoNum type="arabicParenR" startAt="3"/>
+            </a:pPr>
+            <a:endParaRPr lang="en-US" sz="2400" dirty="0"/>
+          </a:p>
+          <a:p>
+            <a:r>
+              <a:rPr lang="en-US" sz="2400" b="1" dirty="0"/>
+              <a:t>Worst-case scoring algorithm</a:t>
+            </a:r>
+          </a:p>
+          <a:p>
+            <a:r>
+              <a:rPr lang="en-US" sz="2400" dirty="0"/>
+              <a:t>For the guess under evaluation:</a:t>
+            </a:r>
+          </a:p>
+          <a:p>
+            <a:pPr marL="457200" indent="-457200">
+              <a:buFont typeface="+mj-lt"/>
+              <a:buAutoNum type="arabicParenR"/>
+            </a:pPr>
+            <a:r>
+              <a:rPr lang="en-US" sz="2400" dirty="0"/>
+              <a:t>Compute all the different 15  lists of qualifying candidates, one for each possible response, from the existing list of qualifying candidates. </a:t>
+            </a:r>
+          </a:p>
+          <a:p>
+            <a:r>
+              <a:rPr lang="en-US" sz="2400" dirty="0"/>
+              <a:t>The length of the </a:t>
+            </a:r>
+            <a:r>
+              <a:rPr lang="en-US" sz="2400" b="1" dirty="0"/>
+              <a:t>longest</a:t>
+            </a:r>
+            <a:r>
+              <a:rPr lang="en-US" sz="2400" dirty="0"/>
+              <a:t> list is the score of the guess.</a:t>
+            </a:r>
+          </a:p>
+          <a:p>
+            <a:endParaRPr lang="en-US" sz="2400" dirty="0"/>
+          </a:p>
+        </p:txBody>
+      </p:sp>
+    </p:spTree>
+    <p:extLst>
+      <p:ext uri="{BB962C8B-B14F-4D97-AF65-F5344CB8AC3E}">
+        <p14:creationId xmlns:p14="http://schemas.microsoft.com/office/powerpoint/2010/main" val="3340501789"/>
+      </p:ext>
+    </p:extLst>
+  </p:cSld>
+  <p:clrMapOvr>
+    <a:masterClrMapping/>
+  </p:clrMapOvr>
+</p:sld>
+</file>
+
+<file path=ppt/slides/slide11.xml><?xml version="1.0" encoding="utf-8"?>
+<p:sld xmlns:a="http://schemas.openxmlformats.org/drawingml/2006/main" xmlns:r="http://schemas.openxmlformats.org/officeDocument/2006/relationships" xmlns:p="http://schemas.openxmlformats.org/presentationml/2006/main">
+  <p:cSld>
+    <p:spTree>
+      <p:nvGrpSpPr>
+        <p:cNvPr id="1" name=""/>
+        <p:cNvGrpSpPr/>
+        <p:nvPr/>
+      </p:nvGrpSpPr>
+      <p:grpSpPr>
+        <a:xfrm>
+          <a:off x="0" y="0"/>
+          <a:ext cx="0" cy="0"/>
+          <a:chOff x="0" y="0"/>
+          <a:chExt cx="0" cy="0"/>
+        </a:xfrm>
+      </p:grpSpPr>
+      <p:sp>
+        <p:nvSpPr>
+          <p:cNvPr id="2" name="Title 1">
+            <a:extLst>
+              <a:ext uri="{FF2B5EF4-FFF2-40B4-BE49-F238E27FC236}">
+                <a16:creationId xmlns:a16="http://schemas.microsoft.com/office/drawing/2014/main" id="{D0EA04D5-A9BF-0647-BF89-EF7712F77A6D}"/>
+              </a:ext>
+            </a:extLst>
+          </p:cNvPr>
+          <p:cNvSpPr>
+            <a:spLocks noGrp="1"/>
+          </p:cNvSpPr>
+          <p:nvPr>
+            <p:ph type="title"/>
+          </p:nvPr>
+        </p:nvSpPr>
+        <p:spPr/>
+        <p:txBody>
+          <a:bodyPr/>
+          <a:lstStyle/>
+          <a:p>
+            <a:r>
+              <a:rPr lang="en-US" dirty="0"/>
+              <a:t>Improved Knuth Policy Results</a:t>
+            </a:r>
+          </a:p>
+        </p:txBody>
+      </p:sp>
+      <p:sp>
+        <p:nvSpPr>
+          <p:cNvPr id="3" name="Content Placeholder 2">
+            <a:extLst>
+              <a:ext uri="{FF2B5EF4-FFF2-40B4-BE49-F238E27FC236}">
+                <a16:creationId xmlns:a16="http://schemas.microsoft.com/office/drawing/2014/main" id="{C79F0E8C-6E12-0947-A5BB-C18109B4626A}"/>
+              </a:ext>
+            </a:extLst>
+          </p:cNvPr>
+          <p:cNvSpPr>
+            <a:spLocks noGrp="1"/>
+          </p:cNvSpPr>
+          <p:nvPr>
+            <p:ph idx="1"/>
+          </p:nvPr>
+        </p:nvSpPr>
+        <p:spPr>
+          <a:xfrm>
+            <a:off x="646112" y="2052918"/>
+            <a:ext cx="9403742" cy="4195481"/>
+          </a:xfrm>
+        </p:spPr>
+        <p:txBody>
+          <a:bodyPr/>
+          <a:lstStyle/>
+          <a:p>
+            <a:pPr marL="0" indent="0">
+              <a:buNone/>
+            </a:pPr>
+            <a:r>
+              <a:rPr lang="en-US" dirty="0"/>
+              <a:t>Building a strategy tree out of Knuth  policy takes a while but it yields right a way a good result of 4.476  guesses on average to win. Shuffling the full list of guesses  randomly and rerunning it repeatedly  ,capturing the best result, yields  </a:t>
+            </a:r>
+            <a:r>
+              <a:rPr lang="en-US" b="1" dirty="0"/>
+              <a:t>4.451</a:t>
+            </a:r>
+            <a:r>
+              <a:rPr lang="en-US" dirty="0"/>
+              <a:t> average guesses as the best result</a:t>
+            </a:r>
+          </a:p>
+          <a:p>
+            <a:pPr marL="0" indent="0">
+              <a:buNone/>
+            </a:pPr>
+            <a:endParaRPr lang="en-US" dirty="0"/>
+          </a:p>
+        </p:txBody>
+      </p:sp>
+      <p:graphicFrame>
+        <p:nvGraphicFramePr>
+          <p:cNvPr id="4" name="Chart 3">
+            <a:extLst>
+              <a:ext uri="{FF2B5EF4-FFF2-40B4-BE49-F238E27FC236}">
+                <a16:creationId xmlns:a16="http://schemas.microsoft.com/office/drawing/2014/main" id="{20FD82D6-372D-944B-B528-225A31CF2FB1}"/>
+              </a:ext>
+            </a:extLst>
+          </p:cNvPr>
+          <p:cNvGraphicFramePr>
+            <a:graphicFrameLocks/>
+          </p:cNvGraphicFramePr>
+          <p:nvPr>
+            <p:extLst>
+              <p:ext uri="{D42A27DB-BD31-4B8C-83A1-F6EECF244321}">
+                <p14:modId xmlns:p14="http://schemas.microsoft.com/office/powerpoint/2010/main" val="1581442629"/>
+              </p:ext>
+            </p:extLst>
+          </p:nvPr>
+        </p:nvGraphicFramePr>
+        <p:xfrm>
+          <a:off x="646111" y="4071256"/>
+          <a:ext cx="10021243" cy="2177143"/>
+        </p:xfrm>
+        <a:graphic>
+          <a:graphicData uri="http://schemas.openxmlformats.org/drawingml/2006/chart">
+            <c:chart xmlns:c="http://schemas.openxmlformats.org/drawingml/2006/chart" xmlns:r="http://schemas.openxmlformats.org/officeDocument/2006/relationships" r:id="rId2"/>
+          </a:graphicData>
+        </a:graphic>
+      </p:graphicFrame>
+    </p:spTree>
+    <p:extLst>
+      <p:ext uri="{BB962C8B-B14F-4D97-AF65-F5344CB8AC3E}">
+        <p14:creationId xmlns:p14="http://schemas.microsoft.com/office/powerpoint/2010/main" val="1798346008"/>
+      </p:ext>
+    </p:extLst>
+  </p:cSld>
+  <p:clrMapOvr>
+    <a:masterClrMapping/>
+  </p:clrMapOvr>
+</p:sld>
+</file>
+
+<file path=ppt/slides/slide12.xml><?xml version="1.0" encoding="utf-8"?>
+<p:sld xmlns:a="http://schemas.openxmlformats.org/drawingml/2006/main" xmlns:r="http://schemas.openxmlformats.org/officeDocument/2006/relationships" xmlns:p="http://schemas.openxmlformats.org/presentationml/2006/main">
+  <p:cSld>
+    <p:spTree>
+      <p:nvGrpSpPr>
+        <p:cNvPr id="1" name=""/>
+        <p:cNvGrpSpPr/>
+        <p:nvPr/>
+      </p:nvGrpSpPr>
+      <p:grpSpPr>
+        <a:xfrm>
+          <a:off x="0" y="0"/>
+          <a:ext cx="0" cy="0"/>
+          <a:chOff x="0" y="0"/>
+          <a:chExt cx="0" cy="0"/>
+        </a:xfrm>
+      </p:grpSpPr>
+      <p:sp>
+        <p:nvSpPr>
+          <p:cNvPr id="2" name="Title 1">
+            <a:extLst>
+              <a:ext uri="{FF2B5EF4-FFF2-40B4-BE49-F238E27FC236}">
+                <a16:creationId xmlns:a16="http://schemas.microsoft.com/office/drawing/2014/main" id="{BFE03E1E-1CD4-4BF6-8AB2-07362D59237F}"/>
+              </a:ext>
+            </a:extLst>
+          </p:cNvPr>
+          <p:cNvSpPr>
+            <a:spLocks noGrp="1"/>
+          </p:cNvSpPr>
+          <p:nvPr>
+            <p:ph type="title"/>
+          </p:nvPr>
+        </p:nvSpPr>
+        <p:spPr/>
+        <p:txBody>
+          <a:bodyPr/>
+          <a:lstStyle/>
+          <a:p>
+            <a:r>
+              <a:rPr lang="en-US" dirty="0"/>
+              <a:t>   </a:t>
+            </a:r>
+          </a:p>
+        </p:txBody>
+      </p:sp>
+      <p:sp>
+        <p:nvSpPr>
+          <p:cNvPr id="6" name="Title 1">
+            <a:extLst>
+              <a:ext uri="{FF2B5EF4-FFF2-40B4-BE49-F238E27FC236}">
+                <a16:creationId xmlns:a16="http://schemas.microsoft.com/office/drawing/2014/main" id="{28909404-97CF-447C-9C07-862F156F11DD}"/>
+              </a:ext>
+            </a:extLst>
+          </p:cNvPr>
+          <p:cNvSpPr txBox="1">
+            <a:spLocks/>
+          </p:cNvSpPr>
+          <p:nvPr/>
+        </p:nvSpPr>
+        <p:spPr>
+          <a:xfrm>
+            <a:off x="441080" y="410257"/>
             <a:ext cx="13108920" cy="1675599"/>
           </a:xfrm>
           <a:prstGeom prst="rect">
@@ -42322,7 +43278,7 @@
           <a:p>
             <a:r>
               <a:rPr lang="en-US" dirty="0"/>
-              <a:t>                  Our NN Dilemma: TD or Monte Carlo ?</a:t>
+              <a:t>Temporal Difference or Monte Carlo?</a:t>
             </a:r>
             <a:endParaRPr lang="en-US" sz="4000" dirty="0"/>
           </a:p>
@@ -42407,7 +43363,7 @@
         <p:spPr>
           <a:xfrm>
             <a:off x="441080" y="1662545"/>
-            <a:ext cx="11309840" cy="5632311"/>
+            <a:ext cx="11309840" cy="4093428"/>
           </a:xfrm>
           <a:prstGeom prst="rect">
             <a:avLst/>
@@ -42421,18 +43377,26 @@
           <a:lstStyle/>
           <a:p>
             <a:r>
-              <a:rPr lang="en-US" sz="2000" dirty="0"/>
-              <a:t>Temporal Difference – updates the model after each guess</a:t>
+              <a:rPr lang="en-US" sz="2000" b="1" dirty="0"/>
+              <a:t>Temporal Difference: </a:t>
             </a:r>
-          </a:p>
-          <a:p>
             <a:r>
               <a:rPr lang="en-US" sz="2000" dirty="0"/>
-              <a:t>Monte Carlo – updates the model after the whole game (episode)</a:t>
+              <a:t>updates model after each guess</a:t>
             </a:r>
           </a:p>
           <a:p>
             <a:endParaRPr lang="en-US" sz="2000" dirty="0"/>
+          </a:p>
+          <a:p>
+            <a:r>
+              <a:rPr lang="en-US" sz="2000" b="1" dirty="0"/>
+              <a:t>Monte Carlo</a:t>
+            </a:r>
+            <a:r>
+              <a:rPr lang="en-US" sz="2000" dirty="0"/>
+              <a:t>: updates model after each episode</a:t>
+            </a:r>
           </a:p>
           <a:p>
             <a:endParaRPr lang="en-US" sz="2000" dirty="0"/>
@@ -42440,11 +43404,16 @@
           <a:p>
             <a:r>
               <a:rPr lang="en-US" sz="2000" dirty="0"/>
-              <a:t>We decided to take the Monte Carlo approach because each episode is short (typically no more than 10 guesses ) and captures high-quality information. Our NN will learn and update itself using the outcome of many games.</a:t>
+              <a:t>Decided on </a:t>
             </a:r>
-          </a:p>
-          <a:p>
-            <a:endParaRPr lang="en-US" sz="2000" dirty="0"/>
+            <a:r>
+              <a:rPr lang="en-US" sz="2000" b="1" dirty="0"/>
+              <a:t>Monte Carlo </a:t>
+            </a:r>
+            <a:r>
+              <a:rPr lang="en-US" sz="2000" dirty="0"/>
+              <a:t>approach because each episode is short and captures high-quality information</a:t>
+            </a:r>
           </a:p>
           <a:p>
             <a:endParaRPr lang="en-US" sz="2000" dirty="0"/>
@@ -42452,19 +43421,15 @@
           <a:p>
             <a:r>
               <a:rPr lang="en-US" sz="2000" dirty="0"/>
-              <a:t> How Monte Carlo approach is used ?</a:t>
+              <a:t>NN learns and updates itself using </a:t>
             </a:r>
-          </a:p>
-          <a:p>
+            <a:r>
+              <a:rPr lang="en-US" sz="2000" b="1" dirty="0"/>
+              <a:t>backpropagation </a:t>
+            </a:r>
             <a:r>
               <a:rPr lang="en-US" sz="2000" dirty="0"/>
-              <a:t>The number of guesses to win in a game will propagate back to each guess in the game</a:t>
-            </a:r>
-          </a:p>
-          <a:p>
-            <a:r>
-              <a:rPr lang="en-US" sz="2000" dirty="0"/>
-              <a:t>as a score of how far the guess was from winning. A NN network will be trained based on the guess and its score that will act as label</a:t>
+              <a:t>on the outcome of many games</a:t>
             </a:r>
           </a:p>
           <a:p>
@@ -42497,7 +43462,7 @@
 </p:sld>
 </file>
 
-<file path=ppt/slides/slide11.xml><?xml version="1.0" encoding="utf-8"?>
+<file path=ppt/slides/slide13.xml><?xml version="1.0" encoding="utf-8"?>
 <p:sld xmlns:a="http://schemas.openxmlformats.org/drawingml/2006/main" xmlns:r="http://schemas.openxmlformats.org/officeDocument/2006/relationships" xmlns:p="http://schemas.openxmlformats.org/presentationml/2006/main">
   <p:cSld>
     <p:spTree>
@@ -42558,7 +43523,7 @@
         </p:nvSpPr>
         <p:spPr>
           <a:xfrm>
-            <a:off x="194345" y="94478"/>
+            <a:off x="446485" y="468174"/>
             <a:ext cx="10551952" cy="1675599"/>
           </a:xfrm>
           <a:prstGeom prst="rect">
@@ -42644,7 +43609,7 @@
           <a:p>
             <a:r>
               <a:rPr lang="en-US" dirty="0"/>
-              <a:t>                  Our NN Policy</a:t>
+              <a:t>Our NN Policy</a:t>
             </a:r>
             <a:endParaRPr lang="en-US" sz="4000" dirty="0"/>
           </a:p>
@@ -42664,8 +43629,8 @@
         </p:nvSpPr>
         <p:spPr>
           <a:xfrm>
-            <a:off x="441080" y="714255"/>
-            <a:ext cx="10551951" cy="3970318"/>
+            <a:off x="521790" y="3138061"/>
+            <a:ext cx="10551951" cy="4801314"/>
           </a:xfrm>
           <a:prstGeom prst="rect">
             <a:avLst/>
@@ -42682,7 +43647,7 @@
             </a:pPr>
             <a:r>
               <a:rPr lang="en-US" dirty="0"/>
-              <a:t>Assign a score to each  qualified candidate guess based on the </a:t>
+              <a:t>Assign a score to each qualified candidate guess based on the </a:t>
             </a:r>
             <a:r>
               <a:rPr lang="en-US" dirty="0">
@@ -42699,7 +43664,7 @@
             </a:pPr>
             <a:r>
               <a:rPr lang="en-US" dirty="0"/>
-              <a:t>Pick the guess with the best (lowest)score</a:t>
+              <a:t>Pick the guess with the best (lowest) score</a:t>
             </a:r>
           </a:p>
           <a:p>
@@ -42708,13 +43673,13 @@
             </a:pPr>
             <a:r>
               <a:rPr lang="en-US" dirty="0"/>
-              <a:t>If winning guess  quit  </a:t>
+              <a:t>If it is a winning guess,  quit  </a:t>
             </a:r>
           </a:p>
           <a:p>
             <a:r>
               <a:rPr lang="en-US" dirty="0"/>
-              <a:t>2)  Based on the response ,filters out the candidates list</a:t>
+              <a:t>2)  Based on the response, filters out the candidates list</a:t>
             </a:r>
           </a:p>
           <a:p>
@@ -42723,7 +43688,7 @@
             </a:pPr>
             <a:r>
               <a:rPr lang="en-US" dirty="0"/>
-              <a:t>Go to 1)</a:t>
+              <a:t>Return to step 1</a:t>
             </a:r>
           </a:p>
           <a:p>
@@ -42731,6 +43696,16 @@
               <a:buAutoNum type="arabicParenR" startAt="3"/>
             </a:pPr>
             <a:endParaRPr lang="en-US" dirty="0"/>
+          </a:p>
+          <a:p>
+            <a:r>
+              <a:rPr lang="en-US" b="1" dirty="0"/>
+              <a:t>Feature  extraction</a:t>
+            </a:r>
+            <a:r>
+              <a:rPr lang="en-US" dirty="0"/>
+              <a:t>: Any given guess has 15 potential lists of qualifying candidates corresponding to each of the 15 possible responses. The number of elements in each list will be a feature to the NN model.  </a:t>
+            </a:r>
           </a:p>
           <a:p>
             <a:r>
@@ -42778,7 +43753,7 @@
         </p:nvSpPr>
         <p:spPr>
           <a:xfrm>
-            <a:off x="441080" y="2308370"/>
+            <a:off x="618003" y="1927780"/>
             <a:ext cx="1448554" cy="588475"/>
           </a:xfrm>
           <a:prstGeom prst="rect">
@@ -42827,7 +43802,7 @@
         </p:nvSpPr>
         <p:spPr>
           <a:xfrm>
-            <a:off x="1919853" y="2558309"/>
+            <a:off x="2096776" y="2177719"/>
             <a:ext cx="748123" cy="45719"/>
           </a:xfrm>
           <a:prstGeom prst="rightArrow">
@@ -42874,7 +43849,7 @@
         </p:nvSpPr>
         <p:spPr>
           <a:xfrm>
-            <a:off x="2732191" y="2298917"/>
+            <a:off x="2909114" y="1918327"/>
             <a:ext cx="1448554" cy="588475"/>
           </a:xfrm>
           <a:prstGeom prst="roundRect">
@@ -42923,7 +43898,7 @@
         </p:nvSpPr>
         <p:spPr>
           <a:xfrm>
-            <a:off x="4218574" y="2558308"/>
+            <a:off x="4395497" y="2177718"/>
             <a:ext cx="748123" cy="45719"/>
           </a:xfrm>
           <a:prstGeom prst="rightArrow">
@@ -42970,7 +43945,7 @@
         </p:nvSpPr>
         <p:spPr>
           <a:xfrm>
-            <a:off x="4164014" y="2293677"/>
+            <a:off x="4340937" y="1913087"/>
             <a:ext cx="2503714" cy="261610"/>
           </a:xfrm>
           <a:prstGeom prst="rect">
@@ -43020,7 +43995,7 @@
         </p:blipFill>
         <p:spPr bwMode="auto">
           <a:xfrm>
-            <a:off x="5004526" y="2061482"/>
+            <a:off x="5173879" y="1576689"/>
             <a:ext cx="1247775" cy="1247775"/>
           </a:xfrm>
           <a:prstGeom prst="rect">
@@ -43052,7 +44027,7 @@
         </p:nvSpPr>
         <p:spPr>
           <a:xfrm>
-            <a:off x="4952772" y="2033103"/>
+            <a:off x="5510990" y="1207357"/>
             <a:ext cx="914400" cy="369332"/>
           </a:xfrm>
           <a:prstGeom prst="rect">
@@ -43091,7 +44066,7 @@
         </p:nvSpPr>
         <p:spPr>
           <a:xfrm>
-            <a:off x="6290130" y="2547435"/>
+            <a:off x="6467053" y="2166845"/>
             <a:ext cx="748123" cy="45719"/>
           </a:xfrm>
           <a:prstGeom prst="rightArrow">
@@ -43138,7 +44113,7 @@
         </p:nvSpPr>
         <p:spPr>
           <a:xfrm>
-            <a:off x="7081462" y="2384958"/>
+            <a:off x="7258385" y="2004368"/>
             <a:ext cx="3297402" cy="369332"/>
           </a:xfrm>
           <a:prstGeom prst="rect">
@@ -43163,132 +44138,6 @@
           </a:p>
         </p:txBody>
       </p:sp>
-      <p:sp>
-        <p:nvSpPr>
-          <p:cNvPr id="14" name="Rectangle 13">
-            <a:extLst>
-              <a:ext uri="{FF2B5EF4-FFF2-40B4-BE49-F238E27FC236}">
-                <a16:creationId xmlns:a16="http://schemas.microsoft.com/office/drawing/2014/main" id="{0E1F8240-D72D-455C-804B-74ED714BEC56}"/>
-              </a:ext>
-            </a:extLst>
-          </p:cNvPr>
-          <p:cNvSpPr/>
-          <p:nvPr/>
-        </p:nvSpPr>
-        <p:spPr>
-          <a:xfrm>
-            <a:off x="86169" y="3037296"/>
-            <a:ext cx="11084487" cy="4247317"/>
-          </a:xfrm>
-          <a:prstGeom prst="rect">
-            <a:avLst/>
-          </a:prstGeom>
-        </p:spPr>
-        <p:txBody>
-          <a:bodyPr wrap="square">
-            <a:spAutoFit/>
-          </a:bodyPr>
-          <a:lstStyle/>
-          <a:p>
-            <a:r>
-              <a:rPr lang="en-US" u="sng" dirty="0"/>
-              <a:t>Features  extraction : </a:t>
-            </a:r>
-          </a:p>
-          <a:p>
-            <a:r>
-              <a:rPr lang="en-US" dirty="0"/>
-              <a:t>If a given guess will be asked it will potentially have 15 different lists of qualifying candidates corresponding to each of the 15 possible responses. The number of elements in each list will be  a feature to the NN model.  </a:t>
-            </a:r>
-          </a:p>
-          <a:p>
-            <a:endParaRPr lang="en-US" dirty="0"/>
-          </a:p>
-          <a:p>
-            <a:r>
-              <a:rPr lang="en-US" dirty="0"/>
-              <a:t>Example : For the first guess of {</a:t>
-            </a:r>
-            <a:r>
-              <a:rPr lang="en-US" dirty="0" err="1"/>
-              <a:t>Red,Red,Green,Green</a:t>
-            </a:r>
-            <a:r>
-              <a:rPr lang="en-US" dirty="0"/>
-              <a:t>} we can get 15 different lists of qualifying candidates:</a:t>
-            </a:r>
-          </a:p>
-          <a:p>
-            <a:r>
-              <a:rPr lang="en-US" dirty="0"/>
-              <a:t>{0,0} -&gt;  [list 1] </a:t>
-            </a:r>
-          </a:p>
-          <a:p>
-            <a:r>
-              <a:rPr lang="en-US" dirty="0"/>
-              <a:t>{0,1} - &gt; [list 2]</a:t>
-            </a:r>
-          </a:p>
-          <a:p>
-            <a:r>
-              <a:rPr lang="en-US" dirty="0"/>
-              <a:t>….       </a:t>
-            </a:r>
-          </a:p>
-          <a:p>
-            <a:r>
-              <a:rPr lang="en-US" dirty="0"/>
-              <a:t>{4,0}  -&gt; [list 15]  </a:t>
-            </a:r>
-          </a:p>
-          <a:p>
-            <a:r>
-              <a:rPr lang="en-US" dirty="0"/>
-              <a:t> </a:t>
-            </a:r>
-          </a:p>
-          <a:p>
-            <a:r>
-              <a:rPr lang="en-US" dirty="0"/>
-              <a:t> The features for the NN will be:   </a:t>
-            </a:r>
-            <a:r>
-              <a:rPr lang="en-US" dirty="0" err="1"/>
-              <a:t>len</a:t>
-            </a:r>
-            <a:r>
-              <a:rPr lang="en-US" dirty="0"/>
-              <a:t>(list 1), </a:t>
-            </a:r>
-            <a:r>
-              <a:rPr lang="en-US" dirty="0" err="1"/>
-              <a:t>len</a:t>
-            </a:r>
-            <a:r>
-              <a:rPr lang="en-US" dirty="0"/>
-              <a:t>(list 2) </a:t>
-            </a:r>
-            <a:r>
-              <a:rPr lang="en-US" dirty="0" err="1"/>
-              <a:t>len</a:t>
-            </a:r>
-            <a:r>
-              <a:rPr lang="en-US" dirty="0"/>
-              <a:t>(list 14)</a:t>
-            </a:r>
-          </a:p>
-          <a:p>
-            <a:endParaRPr lang="en-US" dirty="0"/>
-          </a:p>
-          <a:p>
-            <a:r>
-              <a:rPr lang="en-US" dirty="0"/>
-              <a:t> </a:t>
-            </a:r>
-          </a:p>
-        </p:txBody>
-      </p:sp>
     </p:spTree>
     <p:extLst>
       <p:ext uri="{BB962C8B-B14F-4D97-AF65-F5344CB8AC3E}">
@@ -43302,7 +44151,562 @@
 </p:sld>
 </file>
 
-<file path=ppt/slides/slide12.xml><?xml version="1.0" encoding="utf-8"?>
+<file path=ppt/slides/slide14.xml><?xml version="1.0" encoding="utf-8"?>
+<p:sld xmlns:a="http://schemas.openxmlformats.org/drawingml/2006/main" xmlns:r="http://schemas.openxmlformats.org/officeDocument/2006/relationships" xmlns:p="http://schemas.openxmlformats.org/presentationml/2006/main">
+  <p:cSld>
+    <p:spTree>
+      <p:nvGrpSpPr>
+        <p:cNvPr id="1" name=""/>
+        <p:cNvGrpSpPr/>
+        <p:nvPr/>
+      </p:nvGrpSpPr>
+      <p:grpSpPr>
+        <a:xfrm>
+          <a:off x="0" y="0"/>
+          <a:ext cx="0" cy="0"/>
+          <a:chOff x="0" y="0"/>
+          <a:chExt cx="0" cy="0"/>
+        </a:xfrm>
+      </p:grpSpPr>
+      <p:sp>
+        <p:nvSpPr>
+          <p:cNvPr id="11" name="Rounded Rectangle 10">
+            <a:extLst>
+              <a:ext uri="{FF2B5EF4-FFF2-40B4-BE49-F238E27FC236}">
+                <a16:creationId xmlns:a16="http://schemas.microsoft.com/office/drawing/2014/main" id="{F5FA6AF1-AA8F-2849-9AC4-4C6F53D37E71}"/>
+              </a:ext>
+            </a:extLst>
+          </p:cNvPr>
+          <p:cNvSpPr/>
+          <p:nvPr/>
+        </p:nvSpPr>
+        <p:spPr>
+          <a:xfrm>
+            <a:off x="2523458" y="5238372"/>
+            <a:ext cx="6613452" cy="571258"/>
+          </a:xfrm>
+          <a:prstGeom prst="roundRect">
+            <a:avLst/>
+          </a:prstGeom>
+          <a:solidFill>
+            <a:schemeClr val="tx1">
+              <a:lumMod val="50000"/>
+            </a:schemeClr>
+          </a:solidFill>
+          <a:ln>
+            <a:noFill/>
+          </a:ln>
+        </p:spPr>
+        <p:style>
+          <a:lnRef idx="2">
+            <a:schemeClr val="accent1">
+              <a:shade val="50000"/>
+            </a:schemeClr>
+          </a:lnRef>
+          <a:fillRef idx="1">
+            <a:schemeClr val="accent1"/>
+          </a:fillRef>
+          <a:effectRef idx="0">
+            <a:schemeClr val="accent1"/>
+          </a:effectRef>
+          <a:fontRef idx="minor">
+            <a:schemeClr val="lt1"/>
+          </a:fontRef>
+        </p:style>
+        <p:txBody>
+          <a:bodyPr rtlCol="0" anchor="ctr"/>
+          <a:lstStyle/>
+          <a:p>
+            <a:pPr algn="ctr"/>
+            <a:endParaRPr lang="en-US"/>
+          </a:p>
+        </p:txBody>
+      </p:sp>
+      <p:cxnSp>
+        <p:nvCxnSpPr>
+          <p:cNvPr id="5" name="Straight Arrow Connector 4">
+            <a:extLst>
+              <a:ext uri="{FF2B5EF4-FFF2-40B4-BE49-F238E27FC236}">
+                <a16:creationId xmlns:a16="http://schemas.microsoft.com/office/drawing/2014/main" id="{5F07F354-78CA-CD40-8266-5214185FFDE0}"/>
+              </a:ext>
+            </a:extLst>
+          </p:cNvPr>
+          <p:cNvCxnSpPr/>
+          <p:nvPr/>
+        </p:nvCxnSpPr>
+        <p:spPr>
+          <a:xfrm>
+            <a:off x="5830183" y="2039735"/>
+            <a:ext cx="0" cy="616688"/>
+          </a:xfrm>
+          <a:prstGeom prst="straightConnector1">
+            <a:avLst/>
+          </a:prstGeom>
+          <a:ln w="76200">
+            <a:solidFill>
+              <a:schemeClr val="accent1"/>
+            </a:solidFill>
+            <a:tailEnd type="triangle"/>
+          </a:ln>
+        </p:spPr>
+        <p:style>
+          <a:lnRef idx="1">
+            <a:schemeClr val="accent1"/>
+          </a:lnRef>
+          <a:fillRef idx="0">
+            <a:schemeClr val="accent1"/>
+          </a:fillRef>
+          <a:effectRef idx="0">
+            <a:schemeClr val="accent1"/>
+          </a:effectRef>
+          <a:fontRef idx="minor">
+            <a:schemeClr val="tx1"/>
+          </a:fontRef>
+        </p:style>
+      </p:cxnSp>
+      <p:sp>
+        <p:nvSpPr>
+          <p:cNvPr id="7" name="Rounded Rectangle 6">
+            <a:extLst>
+              <a:ext uri="{FF2B5EF4-FFF2-40B4-BE49-F238E27FC236}">
+                <a16:creationId xmlns:a16="http://schemas.microsoft.com/office/drawing/2014/main" id="{0D8161F6-85B2-3E4B-816D-D83D0A4949E4}"/>
+              </a:ext>
+            </a:extLst>
+          </p:cNvPr>
+          <p:cNvSpPr/>
+          <p:nvPr/>
+        </p:nvSpPr>
+        <p:spPr>
+          <a:xfrm>
+            <a:off x="2523459" y="1576452"/>
+            <a:ext cx="6613452" cy="571258"/>
+          </a:xfrm>
+          <a:prstGeom prst="roundRect">
+            <a:avLst/>
+          </a:prstGeom>
+          <a:solidFill>
+            <a:schemeClr val="tx1">
+              <a:lumMod val="50000"/>
+            </a:schemeClr>
+          </a:solidFill>
+          <a:ln>
+            <a:noFill/>
+          </a:ln>
+        </p:spPr>
+        <p:style>
+          <a:lnRef idx="2">
+            <a:schemeClr val="accent1">
+              <a:shade val="50000"/>
+            </a:schemeClr>
+          </a:lnRef>
+          <a:fillRef idx="1">
+            <a:schemeClr val="accent1"/>
+          </a:fillRef>
+          <a:effectRef idx="0">
+            <a:schemeClr val="accent1"/>
+          </a:effectRef>
+          <a:fontRef idx="minor">
+            <a:schemeClr val="lt1"/>
+          </a:fontRef>
+        </p:style>
+        <p:txBody>
+          <a:bodyPr rtlCol="0" anchor="ctr"/>
+          <a:lstStyle/>
+          <a:p>
+            <a:pPr algn="ctr"/>
+            <a:endParaRPr lang="en-US"/>
+          </a:p>
+        </p:txBody>
+      </p:sp>
+      <p:sp>
+        <p:nvSpPr>
+          <p:cNvPr id="2" name="Title 1">
+            <a:extLst>
+              <a:ext uri="{FF2B5EF4-FFF2-40B4-BE49-F238E27FC236}">
+                <a16:creationId xmlns:a16="http://schemas.microsoft.com/office/drawing/2014/main" id="{B964F8A8-7B95-7A49-AFDC-91A28E62941A}"/>
+              </a:ext>
+            </a:extLst>
+          </p:cNvPr>
+          <p:cNvSpPr>
+            <a:spLocks noGrp="1"/>
+          </p:cNvSpPr>
+          <p:nvPr>
+            <p:ph type="title"/>
+          </p:nvPr>
+        </p:nvSpPr>
+        <p:spPr>
+          <a:xfrm>
+            <a:off x="479857" y="473500"/>
+            <a:ext cx="9404723" cy="1400530"/>
+          </a:xfrm>
+        </p:spPr>
+        <p:txBody>
+          <a:bodyPr/>
+          <a:lstStyle/>
+          <a:p>
+            <a:r>
+              <a:rPr lang="en-US" dirty="0"/>
+              <a:t>Example</a:t>
+            </a:r>
+          </a:p>
+        </p:txBody>
+      </p:sp>
+      <p:cxnSp>
+        <p:nvCxnSpPr>
+          <p:cNvPr id="6" name="Straight Arrow Connector 5">
+            <a:extLst>
+              <a:ext uri="{FF2B5EF4-FFF2-40B4-BE49-F238E27FC236}">
+                <a16:creationId xmlns:a16="http://schemas.microsoft.com/office/drawing/2014/main" id="{C417A846-82A9-6248-8A72-861F7E70291F}"/>
+              </a:ext>
+            </a:extLst>
+          </p:cNvPr>
+          <p:cNvCxnSpPr/>
+          <p:nvPr/>
+        </p:nvCxnSpPr>
+        <p:spPr>
+          <a:xfrm>
+            <a:off x="5830183" y="4616557"/>
+            <a:ext cx="0" cy="616688"/>
+          </a:xfrm>
+          <a:prstGeom prst="straightConnector1">
+            <a:avLst/>
+          </a:prstGeom>
+          <a:ln w="76200">
+            <a:solidFill>
+              <a:schemeClr val="accent1"/>
+            </a:solidFill>
+            <a:tailEnd type="triangle"/>
+          </a:ln>
+        </p:spPr>
+        <p:style>
+          <a:lnRef idx="1">
+            <a:schemeClr val="accent1"/>
+          </a:lnRef>
+          <a:fillRef idx="0">
+            <a:schemeClr val="accent1"/>
+          </a:fillRef>
+          <a:effectRef idx="0">
+            <a:schemeClr val="accent1"/>
+          </a:effectRef>
+          <a:fontRef idx="minor">
+            <a:schemeClr val="tx1"/>
+          </a:fontRef>
+        </p:style>
+      </p:cxnSp>
+      <p:sp>
+        <p:nvSpPr>
+          <p:cNvPr id="8" name="Rounded Rectangle 7">
+            <a:extLst>
+              <a:ext uri="{FF2B5EF4-FFF2-40B4-BE49-F238E27FC236}">
+                <a16:creationId xmlns:a16="http://schemas.microsoft.com/office/drawing/2014/main" id="{CE063867-27C4-B24E-B4E6-A08FAF4E4F02}"/>
+              </a:ext>
+            </a:extLst>
+          </p:cNvPr>
+          <p:cNvSpPr/>
+          <p:nvPr/>
+        </p:nvSpPr>
+        <p:spPr>
+          <a:xfrm>
+            <a:off x="2523457" y="2656423"/>
+            <a:ext cx="6613453" cy="2073236"/>
+          </a:xfrm>
+          <a:prstGeom prst="roundRect">
+            <a:avLst/>
+          </a:prstGeom>
+          <a:solidFill>
+            <a:schemeClr val="tx1">
+              <a:lumMod val="50000"/>
+            </a:schemeClr>
+          </a:solidFill>
+          <a:ln>
+            <a:noFill/>
+          </a:ln>
+        </p:spPr>
+        <p:style>
+          <a:lnRef idx="2">
+            <a:schemeClr val="accent1">
+              <a:shade val="50000"/>
+            </a:schemeClr>
+          </a:lnRef>
+          <a:fillRef idx="1">
+            <a:schemeClr val="accent1"/>
+          </a:fillRef>
+          <a:effectRef idx="0">
+            <a:schemeClr val="accent1"/>
+          </a:effectRef>
+          <a:fontRef idx="minor">
+            <a:schemeClr val="lt1"/>
+          </a:fontRef>
+        </p:style>
+        <p:txBody>
+          <a:bodyPr rtlCol="0" anchor="ctr"/>
+          <a:lstStyle/>
+          <a:p>
+            <a:pPr algn="ctr"/>
+            <a:endParaRPr lang="en-US"/>
+          </a:p>
+        </p:txBody>
+      </p:sp>
+      <p:sp>
+        <p:nvSpPr>
+          <p:cNvPr id="3" name="Content Placeholder 2">
+            <a:extLst>
+              <a:ext uri="{FF2B5EF4-FFF2-40B4-BE49-F238E27FC236}">
+                <a16:creationId xmlns:a16="http://schemas.microsoft.com/office/drawing/2014/main" id="{061E343A-F150-7F4C-B006-3B431777D94C}"/>
+              </a:ext>
+            </a:extLst>
+          </p:cNvPr>
+          <p:cNvSpPr>
+            <a:spLocks noGrp="1"/>
+          </p:cNvSpPr>
+          <p:nvPr>
+            <p:ph idx="1"/>
+          </p:nvPr>
+        </p:nvSpPr>
+        <p:spPr>
+          <a:xfrm>
+            <a:off x="456121" y="1600551"/>
+            <a:ext cx="10748123" cy="4589720"/>
+          </a:xfrm>
+        </p:spPr>
+        <p:txBody>
+          <a:bodyPr>
+            <a:normAutofit/>
+          </a:bodyPr>
+          <a:lstStyle/>
+          <a:p>
+            <a:pPr marL="0" lvl="0" indent="0" algn="ctr">
+              <a:spcBef>
+                <a:spcPts val="0"/>
+              </a:spcBef>
+              <a:buClrTx/>
+              <a:buSzTx/>
+              <a:buNone/>
+            </a:pPr>
+            <a:r>
+              <a:rPr lang="en-US" sz="2400" dirty="0">
+                <a:solidFill>
+                  <a:prstClr val="white"/>
+                </a:solidFill>
+                <a:ea typeface="+mn-ea"/>
+                <a:cs typeface="+mn-cs"/>
+              </a:rPr>
+              <a:t>First guess: {Red, Red, Green, Green}</a:t>
+            </a:r>
+          </a:p>
+          <a:p>
+            <a:pPr marL="0" lvl="0" indent="0" algn="ctr">
+              <a:spcBef>
+                <a:spcPts val="0"/>
+              </a:spcBef>
+              <a:buClrTx/>
+              <a:buSzTx/>
+              <a:buNone/>
+            </a:pPr>
+            <a:endParaRPr lang="en-US" sz="2400" dirty="0">
+              <a:solidFill>
+                <a:prstClr val="white"/>
+              </a:solidFill>
+              <a:ea typeface="+mn-ea"/>
+              <a:cs typeface="+mn-cs"/>
+            </a:endParaRPr>
+          </a:p>
+          <a:p>
+            <a:pPr marL="0" lvl="0" indent="0" algn="ctr">
+              <a:spcBef>
+                <a:spcPts val="0"/>
+              </a:spcBef>
+              <a:buClrTx/>
+              <a:buSzTx/>
+              <a:buNone/>
+            </a:pPr>
+            <a:endParaRPr lang="en-US" sz="2400" dirty="0">
+              <a:solidFill>
+                <a:prstClr val="white"/>
+              </a:solidFill>
+              <a:ea typeface="+mn-ea"/>
+              <a:cs typeface="+mn-cs"/>
+            </a:endParaRPr>
+          </a:p>
+          <a:p>
+            <a:pPr marL="0" lvl="0" indent="0" algn="ctr">
+              <a:spcBef>
+                <a:spcPts val="0"/>
+              </a:spcBef>
+              <a:buClrTx/>
+              <a:buSzTx/>
+              <a:buNone/>
+            </a:pPr>
+            <a:r>
+              <a:rPr lang="en-US" sz="2400" dirty="0">
+                <a:solidFill>
+                  <a:prstClr val="white"/>
+                </a:solidFill>
+                <a:ea typeface="+mn-ea"/>
+                <a:cs typeface="+mn-cs"/>
+              </a:rPr>
+              <a:t>15 different lists of qualifying candidates:</a:t>
+            </a:r>
+          </a:p>
+          <a:p>
+            <a:pPr marL="0" lvl="0" indent="0" algn="ctr">
+              <a:spcBef>
+                <a:spcPts val="0"/>
+              </a:spcBef>
+              <a:buClrTx/>
+              <a:buSzTx/>
+              <a:buNone/>
+            </a:pPr>
+            <a:r>
+              <a:rPr lang="en-US" sz="2400" dirty="0">
+                <a:solidFill>
+                  <a:prstClr val="white"/>
+                </a:solidFill>
+                <a:ea typeface="+mn-ea"/>
+                <a:cs typeface="+mn-cs"/>
+              </a:rPr>
+              <a:t>{0,0} -&gt;  [list 1] </a:t>
+            </a:r>
+          </a:p>
+          <a:p>
+            <a:pPr marL="0" lvl="0" indent="0" algn="ctr">
+              <a:spcBef>
+                <a:spcPts val="0"/>
+              </a:spcBef>
+              <a:buClrTx/>
+              <a:buSzTx/>
+              <a:buNone/>
+            </a:pPr>
+            <a:r>
+              <a:rPr lang="en-US" sz="2400" dirty="0">
+                <a:solidFill>
+                  <a:prstClr val="white"/>
+                </a:solidFill>
+                <a:ea typeface="+mn-ea"/>
+                <a:cs typeface="+mn-cs"/>
+              </a:rPr>
+              <a:t>{0,1} - &gt; [list 2]</a:t>
+            </a:r>
+          </a:p>
+          <a:p>
+            <a:pPr marL="0" lvl="0" indent="0" algn="ctr">
+              <a:spcBef>
+                <a:spcPts val="0"/>
+              </a:spcBef>
+              <a:buClrTx/>
+              <a:buSzTx/>
+              <a:buNone/>
+            </a:pPr>
+            <a:r>
+              <a:rPr lang="en-US" sz="2400" dirty="0">
+                <a:solidFill>
+                  <a:prstClr val="white"/>
+                </a:solidFill>
+                <a:ea typeface="+mn-ea"/>
+                <a:cs typeface="+mn-cs"/>
+              </a:rPr>
+              <a:t>….       </a:t>
+            </a:r>
+          </a:p>
+          <a:p>
+            <a:pPr marL="0" lvl="0" indent="0" algn="ctr">
+              <a:spcBef>
+                <a:spcPts val="0"/>
+              </a:spcBef>
+              <a:buClrTx/>
+              <a:buSzTx/>
+              <a:buNone/>
+            </a:pPr>
+            <a:r>
+              <a:rPr lang="en-US" sz="2400" dirty="0">
+                <a:solidFill>
+                  <a:prstClr val="white"/>
+                </a:solidFill>
+                <a:ea typeface="+mn-ea"/>
+                <a:cs typeface="+mn-cs"/>
+              </a:rPr>
+              <a:t>{4,0}  -&gt; [list 15]  </a:t>
+            </a:r>
+          </a:p>
+          <a:p>
+            <a:pPr marL="0" lvl="0" indent="0" algn="ctr">
+              <a:spcBef>
+                <a:spcPts val="0"/>
+              </a:spcBef>
+              <a:buClrTx/>
+              <a:buSzTx/>
+              <a:buNone/>
+            </a:pPr>
+            <a:endParaRPr lang="en-US" sz="2400" dirty="0">
+              <a:solidFill>
+                <a:prstClr val="white"/>
+              </a:solidFill>
+              <a:ea typeface="+mn-ea"/>
+              <a:cs typeface="+mn-cs"/>
+            </a:endParaRPr>
+          </a:p>
+          <a:p>
+            <a:pPr marL="0" lvl="0" indent="0" algn="ctr">
+              <a:spcBef>
+                <a:spcPts val="0"/>
+              </a:spcBef>
+              <a:buClrTx/>
+              <a:buSzTx/>
+              <a:buNone/>
+            </a:pPr>
+            <a:r>
+              <a:rPr lang="en-US" sz="2400" dirty="0">
+                <a:solidFill>
+                  <a:prstClr val="white"/>
+                </a:solidFill>
+                <a:ea typeface="+mn-ea"/>
+                <a:cs typeface="+mn-cs"/>
+              </a:rPr>
+              <a:t> </a:t>
+            </a:r>
+          </a:p>
+          <a:p>
+            <a:pPr marL="0" lvl="0" indent="0" algn="ctr">
+              <a:spcBef>
+                <a:spcPts val="0"/>
+              </a:spcBef>
+              <a:buClrTx/>
+              <a:buSzTx/>
+              <a:buNone/>
+            </a:pPr>
+            <a:r>
+              <a:rPr lang="en-US" sz="2400" dirty="0">
+                <a:solidFill>
+                  <a:prstClr val="white"/>
+                </a:solidFill>
+                <a:ea typeface="+mn-ea"/>
+                <a:cs typeface="+mn-cs"/>
+              </a:rPr>
+              <a:t> NN Features: len(list 1), len(list 2) len(list 14)</a:t>
+            </a:r>
+          </a:p>
+          <a:p>
+            <a:pPr marL="0" indent="0" algn="ctr">
+              <a:buNone/>
+            </a:pPr>
+            <a:endParaRPr lang="en-US" sz="2400" dirty="0"/>
+          </a:p>
+        </p:txBody>
+      </p:sp>
+    </p:spTree>
+    <p:extLst>
+      <p:ext uri="{BB962C8B-B14F-4D97-AF65-F5344CB8AC3E}">
+        <p14:creationId xmlns:p14="http://schemas.microsoft.com/office/powerpoint/2010/main" val="1584389990"/>
+      </p:ext>
+    </p:extLst>
+  </p:cSld>
+  <p:clrMapOvr>
+    <a:masterClrMapping/>
+  </p:clrMapOvr>
+</p:sld>
+</file>
+
+<file path=ppt/slides/slide15.xml><?xml version="1.0" encoding="utf-8"?>
 <p:sld xmlns:a="http://schemas.openxmlformats.org/drawingml/2006/main" xmlns:r="http://schemas.openxmlformats.org/officeDocument/2006/relationships" xmlns:p="http://schemas.openxmlformats.org/presentationml/2006/main">
   <p:cSld>
     <p:spTree>
@@ -43363,7 +44767,7 @@
         </p:nvSpPr>
         <p:spPr>
           <a:xfrm>
-            <a:off x="194345" y="94478"/>
+            <a:off x="518452" y="452718"/>
             <a:ext cx="10551952" cy="1675599"/>
           </a:xfrm>
           <a:prstGeom prst="rect">
@@ -43449,7 +44853,7 @@
           <a:p>
             <a:r>
               <a:rPr lang="en-US" dirty="0"/>
-              <a:t>           Training the NN – MCTS approach   </a:t>
+              <a:t>Training the NN – MCTS approach   </a:t>
             </a:r>
             <a:endParaRPr lang="en-US" sz="4000" dirty="0"/>
           </a:p>
@@ -43530,8 +44934,8 @@
         </p:nvSpPr>
         <p:spPr>
           <a:xfrm>
-            <a:off x="194345" y="997223"/>
-            <a:ext cx="11641256" cy="4247317"/>
+            <a:off x="518452" y="1275879"/>
+            <a:ext cx="11015457" cy="4247317"/>
           </a:xfrm>
           <a:prstGeom prst="rect">
             <a:avLst/>
@@ -44070,7 +45474,7 @@
 </p:sld>
 </file>
 
-<file path=ppt/slides/slide13.xml><?xml version="1.0" encoding="utf-8"?>
+<file path=ppt/slides/slide16.xml><?xml version="1.0" encoding="utf-8"?>
 <p:sld xmlns:a="http://schemas.openxmlformats.org/drawingml/2006/main" xmlns:r="http://schemas.openxmlformats.org/officeDocument/2006/relationships" xmlns:p="http://schemas.openxmlformats.org/presentationml/2006/main">
   <p:cSld>
     <p:spTree>
@@ -44131,7 +45535,7 @@
         </p:nvSpPr>
         <p:spPr>
           <a:xfrm>
-            <a:off x="194345" y="94478"/>
+            <a:off x="437424" y="452718"/>
             <a:ext cx="10551952" cy="1675599"/>
           </a:xfrm>
           <a:prstGeom prst="rect">
@@ -44217,7 +45621,7 @@
           <a:p>
             <a:r>
               <a:rPr lang="en-US" dirty="0"/>
-              <a:t>            NN strategy results    </a:t>
+              <a:t>NN Strategy Results    </a:t>
             </a:r>
             <a:endParaRPr lang="en-US" sz="4000" dirty="0"/>
           </a:p>
@@ -44678,7 +46082,7 @@
 </p:sld>
 </file>
 
-<file path=ppt/slides/slide14.xml><?xml version="1.0" encoding="utf-8"?>
+<file path=ppt/slides/slide17.xml><?xml version="1.0" encoding="utf-8"?>
 <p:sld xmlns:a="http://schemas.openxmlformats.org/drawingml/2006/main" xmlns:r="http://schemas.openxmlformats.org/officeDocument/2006/relationships" xmlns:p="http://schemas.openxmlformats.org/presentationml/2006/main">
   <p:cSld>
     <p:spTree>
@@ -44739,7 +46143,7 @@
         </p:nvSpPr>
         <p:spPr>
           <a:xfrm>
-            <a:off x="0" y="177649"/>
+            <a:off x="461286" y="460566"/>
             <a:ext cx="10551952" cy="1675599"/>
           </a:xfrm>
           <a:prstGeom prst="rect">
@@ -44825,7 +46229,7 @@
           <a:p>
             <a:r>
               <a:rPr lang="en-US" dirty="0"/>
-              <a:t>            Trying NN with </a:t>
+              <a:t>NN Results with </a:t>
             </a:r>
             <a:r>
               <a:rPr lang="en-US" b="1" dirty="0"/>
@@ -44914,8 +46318,8 @@
         </p:nvSpPr>
         <p:spPr>
           <a:xfrm>
-            <a:off x="693333" y="5398860"/>
-            <a:ext cx="9404723" cy="646331"/>
+            <a:off x="1034900" y="5422487"/>
+            <a:ext cx="9404723" cy="461665"/>
           </a:xfrm>
           <a:prstGeom prst="rect">
             <a:avLst/>
@@ -44928,9 +46332,10 @@
           </a:bodyPr>
           <a:lstStyle/>
           <a:p>
+            <a:pPr algn="ctr"/>
             <a:r>
-              <a:rPr lang="en-US" dirty="0"/>
-              <a:t>After little more than 700  iterations the NN learned to play mastermind with 4.775 guess to win on average!   </a:t>
+              <a:rPr lang="en-US" sz="2400" dirty="0"/>
+              <a:t>Averaged 4.775 guess to win after ~700 iterations!   </a:t>
             </a:r>
           </a:p>
         </p:txBody>
@@ -44950,13 +46355,13 @@
           <p:nvPr>
             <p:extLst>
               <p:ext uri="{D42A27DB-BD31-4B8C-83A1-F6EECF244321}">
-                <p14:modId xmlns:p14="http://schemas.microsoft.com/office/powerpoint/2010/main" val="2435641760"/>
+                <p14:modId xmlns:p14="http://schemas.microsoft.com/office/powerpoint/2010/main" val="2872267339"/>
               </p:ext>
             </p:extLst>
           </p:nvPr>
         </p:nvGraphicFramePr>
         <p:xfrm>
-          <a:off x="2141166" y="1399032"/>
+          <a:off x="2482733" y="1531809"/>
           <a:ext cx="6509058" cy="3675888"/>
         </p:xfrm>
         <a:graphic>
@@ -44978,7 +46383,7 @@
 </p:sld>
 </file>
 
-<file path=ppt/slides/slide15.xml><?xml version="1.0" encoding="utf-8"?>
+<file path=ppt/slides/slide18.xml><?xml version="1.0" encoding="utf-8"?>
 <p:sld xmlns:a="http://schemas.openxmlformats.org/drawingml/2006/main" xmlns:r="http://schemas.openxmlformats.org/officeDocument/2006/relationships" xmlns:p="http://schemas.openxmlformats.org/presentationml/2006/main">
   <p:cSld>
     <p:spTree>
@@ -45039,7 +46444,7 @@
         </p:nvSpPr>
         <p:spPr>
           <a:xfrm>
-            <a:off x="194345" y="94478"/>
+            <a:off x="406996" y="452718"/>
             <a:ext cx="10551952" cy="1675599"/>
           </a:xfrm>
           <a:prstGeom prst="rect">
@@ -45125,7 +46530,7 @@
           <a:p>
             <a:r>
               <a:rPr lang="en-US" dirty="0"/>
-              <a:t>                 Summary </a:t>
+              <a:t>Summary </a:t>
             </a:r>
             <a:endParaRPr lang="en-US" sz="4000" dirty="0"/>
           </a:p>
@@ -45146,14 +46551,14 @@
           <p:nvPr>
             <p:extLst>
               <p:ext uri="{D42A27DB-BD31-4B8C-83A1-F6EECF244321}">
-                <p14:modId xmlns:p14="http://schemas.microsoft.com/office/powerpoint/2010/main" val="721763999"/>
+                <p14:modId xmlns:p14="http://schemas.microsoft.com/office/powerpoint/2010/main" val="206507215"/>
               </p:ext>
             </p:extLst>
           </p:nvPr>
         </p:nvGraphicFramePr>
         <p:xfrm>
-          <a:off x="1037947" y="2128317"/>
-          <a:ext cx="8424707" cy="4028294"/>
+          <a:off x="1626127" y="2402875"/>
+          <a:ext cx="8424707" cy="3957929"/>
         </p:xfrm>
         <a:graphic>
           <a:graphicData uri="http://schemas.openxmlformats.org/drawingml/2006/table">
@@ -45184,7 +46589,7 @@
                   </a:extLst>
                 </a:gridCol>
               </a:tblGrid>
-              <a:tr h="499344">
+              <a:tr h="619485">
                 <a:tc>
                   <a:txBody>
                     <a:bodyPr/>
@@ -45192,7 +46597,7 @@
                     <a:p>
                       <a:r>
                         <a:rPr lang="en-US" dirty="0"/>
-                        <a:t>Policy name </a:t>
+                        <a:t>Policy</a:t>
                       </a:r>
                     </a:p>
                   </a:txBody>
@@ -45205,7 +46610,7 @@
                     <a:p>
                       <a:r>
                         <a:rPr lang="en-US" dirty="0"/>
-                        <a:t>Average guess to win </a:t>
+                        <a:t>Average # of guesses to win </a:t>
                       </a:r>
                     </a:p>
                   </a:txBody>
@@ -45218,7 +46623,7 @@
                     <a:p>
                       <a:r>
                         <a:rPr lang="en-US" dirty="0"/>
-                        <a:t>Worst case number of guesses to win </a:t>
+                        <a:t>Worst case # of guesses to win </a:t>
                       </a:r>
                     </a:p>
                   </a:txBody>
@@ -45230,7 +46635,7 @@
                   </a:ext>
                 </a:extLst>
               </a:tr>
-              <a:tr h="368153">
+              <a:tr h="353991">
                 <a:tc>
                   <a:txBody>
                     <a:bodyPr/>
@@ -45276,7 +46681,7 @@
                   </a:ext>
                 </a:extLst>
               </a:tr>
-              <a:tr h="368153">
+              <a:tr h="353991">
                 <a:tc>
                   <a:txBody>
                     <a:bodyPr/>
@@ -45338,7 +46743,7 @@
                   </a:ext>
                 </a:extLst>
               </a:tr>
-              <a:tr h="368153">
+              <a:tr h="353991">
                 <a:tc>
                   <a:txBody>
                     <a:bodyPr/>
@@ -45392,7 +46797,7 @@
                   </a:ext>
                 </a:extLst>
               </a:tr>
-              <a:tr h="368153">
+              <a:tr h="353991">
                 <a:tc>
                   <a:txBody>
                     <a:bodyPr/>
@@ -45446,7 +46851,7 @@
                   </a:ext>
                 </a:extLst>
               </a:tr>
-              <a:tr h="635442">
+              <a:tr h="619485">
                 <a:tc>
                   <a:txBody>
                     <a:bodyPr/>
@@ -45502,16 +46907,16 @@
                   </a:ext>
                 </a:extLst>
               </a:tr>
-              <a:tr h="635442">
+              <a:tr h="619485">
                 <a:tc>
                   <a:txBody>
                     <a:bodyPr/>
                     <a:lstStyle/>
                     <a:p>
                       <a:r>
-                        <a:rPr lang="en-US" dirty="0">
+                        <a:rPr lang="en-US" b="1" dirty="0">
                           <a:solidFill>
-                            <a:srgbClr val="00B0F0"/>
+                            <a:schemeClr val="bg1"/>
                           </a:solidFill>
                         </a:rPr>
                         <a:t>Our Knuth worst case optimized </a:t>
@@ -45526,9 +46931,9 @@
                     <a:lstStyle/>
                     <a:p>
                       <a:r>
-                        <a:rPr lang="en-US" dirty="0">
+                        <a:rPr lang="en-US" b="1" dirty="0">
                           <a:solidFill>
-                            <a:srgbClr val="00B0F0"/>
+                            <a:schemeClr val="bg1"/>
                           </a:solidFill>
                         </a:rPr>
                         <a:t>4.451</a:t>
@@ -45543,9 +46948,9 @@
                     <a:lstStyle/>
                     <a:p>
                       <a:r>
-                        <a:rPr lang="en-US" dirty="0">
+                        <a:rPr lang="en-US" b="1" dirty="0">
                           <a:solidFill>
-                            <a:srgbClr val="00B0F0"/>
+                            <a:schemeClr val="bg1"/>
                           </a:solidFill>
                         </a:rPr>
                         <a:t>5</a:t>
@@ -45560,16 +46965,16 @@
                   </a:ext>
                 </a:extLst>
               </a:tr>
-              <a:tr h="635442">
+              <a:tr h="574649">
                 <a:tc>
                   <a:txBody>
                     <a:bodyPr/>
                     <a:lstStyle/>
                     <a:p>
                       <a:r>
-                        <a:rPr lang="en-US" dirty="0">
+                        <a:rPr lang="en-US" b="1" dirty="0">
                           <a:solidFill>
-                            <a:srgbClr val="00B0F0"/>
+                            <a:schemeClr val="bg1"/>
                           </a:solidFill>
                         </a:rPr>
                         <a:t>Our NN </a:t>
@@ -45584,9 +46989,9 @@
                     <a:lstStyle/>
                     <a:p>
                       <a:r>
-                        <a:rPr lang="en-US" dirty="0">
+                        <a:rPr lang="en-US" b="1" dirty="0">
                           <a:solidFill>
-                            <a:srgbClr val="00B0F0"/>
+                            <a:schemeClr val="bg1"/>
                           </a:solidFill>
                         </a:rPr>
                         <a:t>4.4386</a:t>
@@ -45601,9 +47006,9 @@
                     <a:lstStyle/>
                     <a:p>
                       <a:r>
-                        <a:rPr lang="en-US" dirty="0">
+                        <a:rPr lang="en-US" b="1" dirty="0">
                           <a:solidFill>
-                            <a:srgbClr val="00B0F0"/>
+                            <a:schemeClr val="bg1"/>
                           </a:solidFill>
                         </a:rPr>
                         <a:t>6</a:t>
@@ -45636,8 +47041,8 @@
         </p:nvSpPr>
         <p:spPr>
           <a:xfrm>
-            <a:off x="194345" y="1169376"/>
-            <a:ext cx="11603318" cy="646331"/>
+            <a:off x="406996" y="1398442"/>
+            <a:ext cx="11603318" cy="830997"/>
           </a:xfrm>
           <a:prstGeom prst="rect">
             <a:avLst/>
@@ -45655,8 +47060,8 @@
               <a:buChar char="•"/>
             </a:pPr>
             <a:r>
-              <a:rPr lang="en-US" dirty="0"/>
-              <a:t>Our NN based strategy yielded competitive results compare to existing ,state of the art, policies</a:t>
+              <a:rPr lang="en-US" sz="2400" dirty="0"/>
+              <a:t>NN strategy competitive with existing state of the art policies</a:t>
             </a:r>
           </a:p>
           <a:p>
@@ -45665,8 +47070,8 @@
               <a:buChar char="•"/>
             </a:pPr>
             <a:r>
-              <a:rPr lang="en-US" dirty="0"/>
-              <a:t>We were able to improve Knuth policy average score while maintaining its worst case  result </a:t>
+              <a:rPr lang="en-US" sz="2400" dirty="0"/>
+              <a:t>Revised Knuth policy improved average score with same worst case score</a:t>
             </a:r>
           </a:p>
         </p:txBody>
@@ -45675,6 +47080,97 @@
     <p:extLst>
       <p:ext uri="{BB962C8B-B14F-4D97-AF65-F5344CB8AC3E}">
         <p14:creationId xmlns:p14="http://schemas.microsoft.com/office/powerpoint/2010/main" val="3735265900"/>
+      </p:ext>
+    </p:extLst>
+  </p:cSld>
+  <p:clrMapOvr>
+    <a:masterClrMapping/>
+  </p:clrMapOvr>
+</p:sld>
+</file>
+
+<file path=ppt/slides/slide19.xml><?xml version="1.0" encoding="utf-8"?>
+<p:sld xmlns:a="http://schemas.openxmlformats.org/drawingml/2006/main" xmlns:r="http://schemas.openxmlformats.org/officeDocument/2006/relationships" xmlns:p="http://schemas.openxmlformats.org/presentationml/2006/main">
+  <p:cSld>
+    <p:spTree>
+      <p:nvGrpSpPr>
+        <p:cNvPr id="1" name=""/>
+        <p:cNvGrpSpPr/>
+        <p:nvPr/>
+      </p:nvGrpSpPr>
+      <p:grpSpPr>
+        <a:xfrm>
+          <a:off x="0" y="0"/>
+          <a:ext cx="0" cy="0"/>
+          <a:chOff x="0" y="0"/>
+          <a:chExt cx="0" cy="0"/>
+        </a:xfrm>
+      </p:grpSpPr>
+      <p:sp>
+        <p:nvSpPr>
+          <p:cNvPr id="2" name="Title 1">
+            <a:extLst>
+              <a:ext uri="{FF2B5EF4-FFF2-40B4-BE49-F238E27FC236}">
+                <a16:creationId xmlns:a16="http://schemas.microsoft.com/office/drawing/2014/main" id="{3A96DC2A-7159-D042-AB83-A2B5E9170D54}"/>
+              </a:ext>
+            </a:extLst>
+          </p:cNvPr>
+          <p:cNvSpPr>
+            <a:spLocks noGrp="1"/>
+          </p:cNvSpPr>
+          <p:nvPr>
+            <p:ph type="title"/>
+          </p:nvPr>
+        </p:nvSpPr>
+        <p:spPr/>
+        <p:txBody>
+          <a:bodyPr/>
+          <a:lstStyle/>
+          <a:p>
+            <a:r>
+              <a:rPr lang="en-US" dirty="0"/>
+              <a:t>Works Cited</a:t>
+            </a:r>
+          </a:p>
+        </p:txBody>
+      </p:sp>
+      <p:sp>
+        <p:nvSpPr>
+          <p:cNvPr id="3" name="Content Placeholder 2">
+            <a:extLst>
+              <a:ext uri="{FF2B5EF4-FFF2-40B4-BE49-F238E27FC236}">
+                <a16:creationId xmlns:a16="http://schemas.microsoft.com/office/drawing/2014/main" id="{793802D3-C5E4-4240-A379-83F0A054FC07}"/>
+              </a:ext>
+            </a:extLst>
+          </p:cNvPr>
+          <p:cNvSpPr>
+            <a:spLocks noGrp="1"/>
+          </p:cNvSpPr>
+          <p:nvPr>
+            <p:ph idx="1"/>
+          </p:nvPr>
+        </p:nvSpPr>
+        <p:spPr>
+          <a:xfrm>
+            <a:off x="646112" y="2052918"/>
+            <a:ext cx="9403742" cy="4195481"/>
+          </a:xfrm>
+        </p:spPr>
+        <p:txBody>
+          <a:bodyPr/>
+          <a:lstStyle/>
+          <a:p>
+            <a:pPr marL="0" indent="0">
+              <a:buNone/>
+            </a:pPr>
+            <a:endParaRPr lang="en-US" dirty="0"/>
+          </a:p>
+        </p:txBody>
+      </p:sp>
+    </p:spTree>
+    <p:extLst>
+      <p:ext uri="{BB962C8B-B14F-4D97-AF65-F5344CB8AC3E}">
+        <p14:creationId xmlns:p14="http://schemas.microsoft.com/office/powerpoint/2010/main" val="4277983246"/>
       </p:ext>
     </p:extLst>
   </p:cSld>
@@ -45724,6 +47220,562 @@
           <a:p>
             <a:r>
               <a:rPr lang="en-US" dirty="0"/>
+              <a:t>               </a:t>
+            </a:r>
+          </a:p>
+        </p:txBody>
+      </p:sp>
+      <p:sp>
+        <p:nvSpPr>
+          <p:cNvPr id="5" name="TextBox 4">
+            <a:extLst>
+              <a:ext uri="{FF2B5EF4-FFF2-40B4-BE49-F238E27FC236}">
+                <a16:creationId xmlns:a16="http://schemas.microsoft.com/office/drawing/2014/main" id="{0F6CA043-CF96-435B-8DE5-85CA7BBD38B7}"/>
+              </a:ext>
+            </a:extLst>
+          </p:cNvPr>
+          <p:cNvSpPr txBox="1"/>
+          <p:nvPr/>
+        </p:nvSpPr>
+        <p:spPr>
+          <a:xfrm>
+            <a:off x="489097" y="1532900"/>
+            <a:ext cx="11121655" cy="2677656"/>
+          </a:xfrm>
+          <a:prstGeom prst="rect">
+            <a:avLst/>
+          </a:prstGeom>
+          <a:noFill/>
+        </p:spPr>
+        <p:txBody>
+          <a:bodyPr wrap="square" rtlCol="0">
+            <a:spAutoFit/>
+          </a:bodyPr>
+          <a:lstStyle/>
+          <a:p>
+            <a:pPr marL="342900" indent="-342900">
+              <a:buFont typeface="Arial" panose="020B0604020202020204" pitchFamily="34" charset="0"/>
+              <a:buChar char="•"/>
+            </a:pPr>
+            <a:r>
+              <a:rPr lang="en-US" sz="2400" dirty="0"/>
+              <a:t>Write a python program that learns a mastermind playing policy that is competitive with existing policies and better than a naïve playing policy</a:t>
+            </a:r>
+          </a:p>
+          <a:p>
+            <a:pPr marL="342900" indent="-342900">
+              <a:buFont typeface="Arial" panose="020B0604020202020204" pitchFamily="34" charset="0"/>
+              <a:buChar char="•"/>
+            </a:pPr>
+            <a:endParaRPr lang="en-US" sz="2400" dirty="0"/>
+          </a:p>
+          <a:p>
+            <a:pPr marL="342900" indent="-342900">
+              <a:buFont typeface="Arial" panose="020B0604020202020204" pitchFamily="34" charset="0"/>
+              <a:buChar char="•"/>
+            </a:pPr>
+            <a:r>
+              <a:rPr lang="en-US" sz="2400" dirty="0"/>
+              <a:t>Build a generic framework to evaluate any arbitrary mastermind policy   </a:t>
+            </a:r>
+          </a:p>
+          <a:p>
+            <a:pPr marL="342900" indent="-342900">
+              <a:buFont typeface="Arial" panose="020B0604020202020204" pitchFamily="34" charset="0"/>
+              <a:buChar char="•"/>
+            </a:pPr>
+            <a:endParaRPr lang="en-US" sz="2400" dirty="0"/>
+          </a:p>
+          <a:p>
+            <a:pPr marL="342900" indent="-342900">
+              <a:buFont typeface="Arial" panose="020B0604020202020204" pitchFamily="34" charset="0"/>
+              <a:buChar char="•"/>
+            </a:pPr>
+            <a:endParaRPr lang="en-US" sz="2400" dirty="0"/>
+          </a:p>
+        </p:txBody>
+      </p:sp>
+      <p:sp>
+        <p:nvSpPr>
+          <p:cNvPr id="18" name="Title 1">
+            <a:extLst>
+              <a:ext uri="{FF2B5EF4-FFF2-40B4-BE49-F238E27FC236}">
+                <a16:creationId xmlns:a16="http://schemas.microsoft.com/office/drawing/2014/main" id="{7DE1DCFF-6B76-41E8-9C12-B8ED6D53A6A6}"/>
+              </a:ext>
+            </a:extLst>
+          </p:cNvPr>
+          <p:cNvSpPr txBox="1">
+            <a:spLocks/>
+          </p:cNvSpPr>
+          <p:nvPr/>
+        </p:nvSpPr>
+        <p:spPr>
+          <a:xfrm>
+            <a:off x="489098" y="452718"/>
+            <a:ext cx="10050834" cy="1400530"/>
+          </a:xfrm>
+          <a:prstGeom prst="rect">
+            <a:avLst/>
+          </a:prstGeom>
+        </p:spPr>
+        <p:txBody>
+          <a:bodyPr vert="horz" lIns="91440" tIns="45720" rIns="91440" bIns="45720" rtlCol="0" anchor="t">
+            <a:noAutofit/>
+          </a:bodyPr>
+          <a:lstStyle>
+            <a:lvl1pPr algn="l" defTabSz="457200" rtl="0" eaLnBrk="1" latinLnBrk="0" hangingPunct="1">
+              <a:spcBef>
+                <a:spcPct val="0"/>
+              </a:spcBef>
+              <a:buNone/>
+              <a:defRPr sz="4200" b="0" i="0" kern="1200">
+                <a:solidFill>
+                  <a:schemeClr val="tx2"/>
+                </a:solidFill>
+                <a:latin typeface="+mj-lt"/>
+                <a:ea typeface="+mj-ea"/>
+                <a:cs typeface="+mj-cs"/>
+              </a:defRPr>
+            </a:lvl1pPr>
+            <a:lvl2pPr eaLnBrk="1" hangingPunct="1">
+              <a:defRPr>
+                <a:solidFill>
+                  <a:schemeClr val="tx2"/>
+                </a:solidFill>
+              </a:defRPr>
+            </a:lvl2pPr>
+            <a:lvl3pPr eaLnBrk="1" hangingPunct="1">
+              <a:defRPr>
+                <a:solidFill>
+                  <a:schemeClr val="tx2"/>
+                </a:solidFill>
+              </a:defRPr>
+            </a:lvl3pPr>
+            <a:lvl4pPr eaLnBrk="1" hangingPunct="1">
+              <a:defRPr>
+                <a:solidFill>
+                  <a:schemeClr val="tx2"/>
+                </a:solidFill>
+              </a:defRPr>
+            </a:lvl4pPr>
+            <a:lvl5pPr eaLnBrk="1" hangingPunct="1">
+              <a:defRPr>
+                <a:solidFill>
+                  <a:schemeClr val="tx2"/>
+                </a:solidFill>
+              </a:defRPr>
+            </a:lvl5pPr>
+            <a:lvl6pPr eaLnBrk="1" hangingPunct="1">
+              <a:defRPr>
+                <a:solidFill>
+                  <a:schemeClr val="tx2"/>
+                </a:solidFill>
+              </a:defRPr>
+            </a:lvl6pPr>
+            <a:lvl7pPr eaLnBrk="1" hangingPunct="1">
+              <a:defRPr>
+                <a:solidFill>
+                  <a:schemeClr val="tx2"/>
+                </a:solidFill>
+              </a:defRPr>
+            </a:lvl7pPr>
+            <a:lvl8pPr eaLnBrk="1" hangingPunct="1">
+              <a:defRPr>
+                <a:solidFill>
+                  <a:schemeClr val="tx2"/>
+                </a:solidFill>
+              </a:defRPr>
+            </a:lvl8pPr>
+            <a:lvl9pPr eaLnBrk="1" hangingPunct="1">
+              <a:defRPr>
+                <a:solidFill>
+                  <a:schemeClr val="tx2"/>
+                </a:solidFill>
+              </a:defRPr>
+            </a:lvl9pPr>
+          </a:lstStyle>
+          <a:p>
+            <a:r>
+              <a:rPr lang="en-US" dirty="0"/>
+              <a:t>Project goals </a:t>
+            </a:r>
+          </a:p>
+        </p:txBody>
+      </p:sp>
+    </p:spTree>
+    <p:extLst>
+      <p:ext uri="{BB962C8B-B14F-4D97-AF65-F5344CB8AC3E}">
+        <p14:creationId xmlns:p14="http://schemas.microsoft.com/office/powerpoint/2010/main" val="3145004851"/>
+      </p:ext>
+    </p:extLst>
+  </p:cSld>
+  <p:clrMapOvr>
+    <a:masterClrMapping/>
+  </p:clrMapOvr>
+</p:sld>
+</file>
+
+<file path=ppt/slides/slide3.xml><?xml version="1.0" encoding="utf-8"?>
+<p:sld xmlns:a="http://schemas.openxmlformats.org/drawingml/2006/main" xmlns:r="http://schemas.openxmlformats.org/officeDocument/2006/relationships" xmlns:p="http://schemas.openxmlformats.org/presentationml/2006/main">
+  <p:cSld>
+    <p:spTree>
+      <p:nvGrpSpPr>
+        <p:cNvPr id="1" name=""/>
+        <p:cNvGrpSpPr/>
+        <p:nvPr/>
+      </p:nvGrpSpPr>
+      <p:grpSpPr>
+        <a:xfrm>
+          <a:off x="0" y="0"/>
+          <a:ext cx="0" cy="0"/>
+          <a:chOff x="0" y="0"/>
+          <a:chExt cx="0" cy="0"/>
+        </a:xfrm>
+      </p:grpSpPr>
+      <p:pic>
+        <p:nvPicPr>
+          <p:cNvPr id="7" name="Picture 6">
+            <a:extLst>
+              <a:ext uri="{FF2B5EF4-FFF2-40B4-BE49-F238E27FC236}">
+                <a16:creationId xmlns:a16="http://schemas.microsoft.com/office/drawing/2014/main" id="{13C1B6C7-83CA-4FF2-86A1-A23C69144B0A}"/>
+              </a:ext>
+            </a:extLst>
+          </p:cNvPr>
+          <p:cNvPicPr>
+            <a:picLocks noChangeAspect="1"/>
+          </p:cNvPicPr>
+          <p:nvPr/>
+        </p:nvPicPr>
+        <p:blipFill>
+          <a:blip r:embed="rId2"/>
+          <a:stretch>
+            <a:fillRect/>
+          </a:stretch>
+        </p:blipFill>
+        <p:spPr>
+          <a:xfrm>
+            <a:off x="7673349" y="1532090"/>
+            <a:ext cx="3944493" cy="4398645"/>
+          </a:xfrm>
+          <a:prstGeom prst="rect">
+            <a:avLst/>
+          </a:prstGeom>
+          <a:ln>
+            <a:noFill/>
+          </a:ln>
+          <a:effectLst>
+            <a:outerShdw blurRad="292100" dist="139700" dir="2700000" algn="tl" rotWithShape="0">
+              <a:srgbClr val="333333">
+                <a:alpha val="65000"/>
+              </a:srgbClr>
+            </a:outerShdw>
+          </a:effectLst>
+        </p:spPr>
+      </p:pic>
+      <p:sp>
+        <p:nvSpPr>
+          <p:cNvPr id="13" name="Title 1">
+            <a:extLst>
+              <a:ext uri="{FF2B5EF4-FFF2-40B4-BE49-F238E27FC236}">
+                <a16:creationId xmlns:a16="http://schemas.microsoft.com/office/drawing/2014/main" id="{08DE297D-1BC3-46D8-A687-4CF51F59C435}"/>
+              </a:ext>
+            </a:extLst>
+          </p:cNvPr>
+          <p:cNvSpPr txBox="1">
+            <a:spLocks/>
+          </p:cNvSpPr>
+          <p:nvPr/>
+        </p:nvSpPr>
+        <p:spPr>
+          <a:xfrm>
+            <a:off x="467833" y="471802"/>
+            <a:ext cx="9404723" cy="1400530"/>
+          </a:xfrm>
+          <a:prstGeom prst="rect">
+            <a:avLst/>
+          </a:prstGeom>
+        </p:spPr>
+        <p:txBody>
+          <a:bodyPr vert="horz" lIns="91440" tIns="45720" rIns="91440" bIns="45720" rtlCol="0" anchor="t">
+            <a:noAutofit/>
+          </a:bodyPr>
+          <a:lstStyle>
+            <a:lvl1pPr algn="l" defTabSz="457200" rtl="0" eaLnBrk="1" latinLnBrk="0" hangingPunct="1">
+              <a:spcBef>
+                <a:spcPct val="0"/>
+              </a:spcBef>
+              <a:buNone/>
+              <a:defRPr sz="4200" b="0" i="0" kern="1200">
+                <a:solidFill>
+                  <a:schemeClr val="tx2"/>
+                </a:solidFill>
+                <a:latin typeface="+mj-lt"/>
+                <a:ea typeface="+mj-ea"/>
+                <a:cs typeface="+mj-cs"/>
+              </a:defRPr>
+            </a:lvl1pPr>
+            <a:lvl2pPr eaLnBrk="1" hangingPunct="1">
+              <a:defRPr>
+                <a:solidFill>
+                  <a:schemeClr val="tx2"/>
+                </a:solidFill>
+              </a:defRPr>
+            </a:lvl2pPr>
+            <a:lvl3pPr eaLnBrk="1" hangingPunct="1">
+              <a:defRPr>
+                <a:solidFill>
+                  <a:schemeClr val="tx2"/>
+                </a:solidFill>
+              </a:defRPr>
+            </a:lvl3pPr>
+            <a:lvl4pPr eaLnBrk="1" hangingPunct="1">
+              <a:defRPr>
+                <a:solidFill>
+                  <a:schemeClr val="tx2"/>
+                </a:solidFill>
+              </a:defRPr>
+            </a:lvl4pPr>
+            <a:lvl5pPr eaLnBrk="1" hangingPunct="1">
+              <a:defRPr>
+                <a:solidFill>
+                  <a:schemeClr val="tx2"/>
+                </a:solidFill>
+              </a:defRPr>
+            </a:lvl5pPr>
+            <a:lvl6pPr eaLnBrk="1" hangingPunct="1">
+              <a:defRPr>
+                <a:solidFill>
+                  <a:schemeClr val="tx2"/>
+                </a:solidFill>
+              </a:defRPr>
+            </a:lvl6pPr>
+            <a:lvl7pPr eaLnBrk="1" hangingPunct="1">
+              <a:defRPr>
+                <a:solidFill>
+                  <a:schemeClr val="tx2"/>
+                </a:solidFill>
+              </a:defRPr>
+            </a:lvl7pPr>
+            <a:lvl8pPr eaLnBrk="1" hangingPunct="1">
+              <a:defRPr>
+                <a:solidFill>
+                  <a:schemeClr val="tx2"/>
+                </a:solidFill>
+              </a:defRPr>
+            </a:lvl8pPr>
+            <a:lvl9pPr eaLnBrk="1" hangingPunct="1">
+              <a:defRPr>
+                <a:solidFill>
+                  <a:schemeClr val="tx2"/>
+                </a:solidFill>
+              </a:defRPr>
+            </a:lvl9pPr>
+          </a:lstStyle>
+          <a:p>
+            <a:r>
+              <a:rPr lang="en-US" dirty="0"/>
+              <a:t>What is Mastermind?</a:t>
+            </a:r>
+          </a:p>
+        </p:txBody>
+      </p:sp>
+      <p:sp>
+        <p:nvSpPr>
+          <p:cNvPr id="2" name="TextBox 1">
+            <a:extLst>
+              <a:ext uri="{FF2B5EF4-FFF2-40B4-BE49-F238E27FC236}">
+                <a16:creationId xmlns:a16="http://schemas.microsoft.com/office/drawing/2014/main" id="{3056BEC1-10AF-FF4B-8838-39A73533BB23}"/>
+              </a:ext>
+            </a:extLst>
+          </p:cNvPr>
+          <p:cNvSpPr txBox="1"/>
+          <p:nvPr/>
+        </p:nvSpPr>
+        <p:spPr>
+          <a:xfrm>
+            <a:off x="467833" y="1532090"/>
+            <a:ext cx="7485320" cy="5262979"/>
+          </a:xfrm>
+          <a:prstGeom prst="rect">
+            <a:avLst/>
+          </a:prstGeom>
+          <a:noFill/>
+        </p:spPr>
+        <p:txBody>
+          <a:bodyPr wrap="square" rtlCol="0">
+            <a:spAutoFit/>
+          </a:bodyPr>
+          <a:lstStyle/>
+          <a:p>
+            <a:r>
+              <a:rPr lang="en-US" sz="2400" dirty="0"/>
+              <a:t>Codebreaking game for two players:</a:t>
+            </a:r>
+          </a:p>
+          <a:p>
+            <a:pPr marL="457200" indent="-457200">
+              <a:buFont typeface="+mj-lt"/>
+              <a:buAutoNum type="arabicPeriod"/>
+            </a:pPr>
+            <a:r>
+              <a:rPr lang="en-US" sz="2400" dirty="0"/>
+              <a:t>Codemaker chooses 4 peg code</a:t>
+            </a:r>
+          </a:p>
+          <a:p>
+            <a:pPr marL="742950" lvl="1" indent="-285750">
+              <a:buFont typeface="Arial" panose="020B0604020202020204" pitchFamily="34" charset="0"/>
+              <a:buChar char="•"/>
+            </a:pPr>
+            <a:r>
+              <a:rPr lang="en-US" sz="2400" dirty="0"/>
+              <a:t>6 possible colors, duplicates count</a:t>
+            </a:r>
+          </a:p>
+          <a:p>
+            <a:pPr marL="742950" lvl="1" indent="-285750">
+              <a:buFont typeface="Arial" panose="020B0604020202020204" pitchFamily="34" charset="0"/>
+              <a:buChar char="•"/>
+            </a:pPr>
+            <a:r>
+              <a:rPr lang="en-US" sz="2400" dirty="0"/>
+              <a:t>6</a:t>
+            </a:r>
+            <a:r>
+              <a:rPr lang="en-US" sz="2400" baseline="30000" dirty="0"/>
+              <a:t>4 </a:t>
+            </a:r>
+            <a:r>
+              <a:rPr lang="en-US" sz="2400" dirty="0"/>
+              <a:t>different patterns</a:t>
+            </a:r>
+          </a:p>
+          <a:p>
+            <a:pPr marL="457200" indent="-457200">
+              <a:buFont typeface="+mj-lt"/>
+              <a:buAutoNum type="arabicPeriod"/>
+            </a:pPr>
+            <a:r>
+              <a:rPr lang="en-US" sz="2400" dirty="0"/>
+              <a:t>Codebreaker guesses 4 peg code</a:t>
+            </a:r>
+          </a:p>
+          <a:p>
+            <a:pPr marL="457200" indent="-457200">
+              <a:buFont typeface="+mj-lt"/>
+              <a:buAutoNum type="arabicPeriod"/>
+            </a:pPr>
+            <a:r>
+              <a:rPr lang="en-US" sz="2400" dirty="0"/>
+              <a:t>Codemaker replies with # of exact matcher and inexact matches </a:t>
+            </a:r>
+          </a:p>
+          <a:p>
+            <a:endParaRPr lang="en-US" sz="2400" dirty="0"/>
+          </a:p>
+          <a:p>
+            <a:r>
+              <a:rPr lang="en-US" sz="2400" dirty="0"/>
+              <a:t>Example:</a:t>
+            </a:r>
+          </a:p>
+          <a:p>
+            <a:pPr marL="914400" lvl="1" indent="-457200">
+              <a:buFont typeface="+mj-lt"/>
+              <a:buAutoNum type="arabicPeriod"/>
+            </a:pPr>
+            <a:r>
+              <a:rPr lang="en-US" sz="2400" dirty="0"/>
+              <a:t>Codemaker picks (Red, Blue, Red, Red)</a:t>
+            </a:r>
+          </a:p>
+          <a:p>
+            <a:pPr marL="914400" lvl="1" indent="-457200">
+              <a:buFont typeface="+mj-lt"/>
+              <a:buAutoNum type="arabicPeriod"/>
+            </a:pPr>
+            <a:r>
+              <a:rPr lang="en-US" sz="2400" dirty="0"/>
+              <a:t>Codebreaker guesses (Red, Green, Blue, Green)</a:t>
+            </a:r>
+          </a:p>
+          <a:p>
+            <a:pPr marL="914400" lvl="1" indent="-457200">
+              <a:buFont typeface="+mj-lt"/>
+              <a:buAutoNum type="arabicPeriod"/>
+            </a:pPr>
+            <a:r>
+              <a:rPr lang="en-US" sz="2400" dirty="0"/>
+              <a:t>Codemaker returns (1,1)</a:t>
+            </a:r>
+          </a:p>
+          <a:p>
+            <a:pPr marL="285750" indent="-285750">
+              <a:buFont typeface="Arial" panose="020B0604020202020204" pitchFamily="34" charset="0"/>
+              <a:buChar char="•"/>
+            </a:pPr>
+            <a:endParaRPr lang="en-US" sz="2400" dirty="0"/>
+          </a:p>
+        </p:txBody>
+      </p:sp>
+    </p:spTree>
+    <p:extLst>
+      <p:ext uri="{BB962C8B-B14F-4D97-AF65-F5344CB8AC3E}">
+        <p14:creationId xmlns:p14="http://schemas.microsoft.com/office/powerpoint/2010/main" val="2920317732"/>
+      </p:ext>
+    </p:extLst>
+  </p:cSld>
+  <p:clrMapOvr>
+    <a:masterClrMapping/>
+  </p:clrMapOvr>
+</p:sld>
+</file>
+
+<file path=ppt/slides/slide4.xml><?xml version="1.0" encoding="utf-8"?>
+<p:sld xmlns:a="http://schemas.openxmlformats.org/drawingml/2006/main" xmlns:r="http://schemas.openxmlformats.org/officeDocument/2006/relationships" xmlns:p="http://schemas.openxmlformats.org/presentationml/2006/main">
+  <p:cSld>
+    <p:spTree>
+      <p:nvGrpSpPr>
+        <p:cNvPr id="1" name=""/>
+        <p:cNvGrpSpPr/>
+        <p:nvPr/>
+      </p:nvGrpSpPr>
+      <p:grpSpPr>
+        <a:xfrm>
+          <a:off x="0" y="0"/>
+          <a:ext cx="0" cy="0"/>
+          <a:chOff x="0" y="0"/>
+          <a:chExt cx="0" cy="0"/>
+        </a:xfrm>
+      </p:grpSpPr>
+      <p:sp>
+        <p:nvSpPr>
+          <p:cNvPr id="2" name="Title 1">
+            <a:extLst>
+              <a:ext uri="{FF2B5EF4-FFF2-40B4-BE49-F238E27FC236}">
+                <a16:creationId xmlns:a16="http://schemas.microsoft.com/office/drawing/2014/main" id="{3D16F54C-C387-4DEE-85A2-A2B639A74017}"/>
+              </a:ext>
+            </a:extLst>
+          </p:cNvPr>
+          <p:cNvSpPr>
+            <a:spLocks noGrp="1"/>
+          </p:cNvSpPr>
+          <p:nvPr>
+            <p:ph type="title"/>
+          </p:nvPr>
+        </p:nvSpPr>
+        <p:spPr>
+          <a:xfrm>
+            <a:off x="646111" y="452718"/>
+            <a:ext cx="9404723" cy="1400530"/>
+          </a:xfrm>
+        </p:spPr>
+        <p:txBody>
+          <a:bodyPr/>
+          <a:lstStyle/>
+          <a:p>
+            <a:r>
+              <a:rPr lang="en-US" dirty="0"/>
               <a:t>                </a:t>
             </a:r>
           </a:p>
@@ -45743,8 +47795,8 @@
         </p:nvSpPr>
         <p:spPr>
           <a:xfrm>
-            <a:off x="194345" y="1511635"/>
-            <a:ext cx="11803310" cy="3046988"/>
+            <a:off x="194345" y="1219101"/>
+            <a:ext cx="11803310" cy="4524315"/>
           </a:xfrm>
           <a:prstGeom prst="rect">
             <a:avLst/>
@@ -45757,57 +47809,102 @@
           </a:bodyPr>
           <a:lstStyle/>
           <a:p>
-            <a:pPr marL="285750" indent="-285750">
-              <a:buFontTx/>
-              <a:buChar char="-"/>
+            <a:pPr marL="342900" indent="-342900">
+              <a:buFont typeface="Arial" panose="020B0604020202020204" pitchFamily="34" charset="0"/>
+              <a:buChar char="•"/>
             </a:pPr>
             <a:r>
               <a:rPr lang="en-US" sz="2400" dirty="0"/>
-              <a:t>Write a python program that learns a mastermind playing policy that is competitive with existing policies and better than a naïve playing policy</a:t>
+              <a:t>A Mastermind playing policy (s): a guess choosing algorithm in each turn of the game until the secret code is guessed (win condition)</a:t>
             </a:r>
           </a:p>
           <a:p>
-            <a:pPr marL="285750" indent="-285750">
-              <a:buFontTx/>
-              <a:buChar char="-"/>
+            <a:pPr marL="342900" indent="-342900">
+              <a:buFont typeface="Arial" panose="020B0604020202020204" pitchFamily="34" charset="0"/>
+              <a:buChar char="•"/>
+            </a:pPr>
+            <a:r>
+              <a:rPr lang="en-US" sz="2400" i="1" dirty="0"/>
+              <a:t>s</a:t>
+            </a:r>
+            <a:r>
+              <a:rPr lang="en-US" sz="2400" dirty="0"/>
+              <a:t> is a list of qualifying guess candidates that are consistent with previous guesses and responses </a:t>
+            </a:r>
+          </a:p>
+          <a:p>
+            <a:pPr marL="342900" indent="-342900">
+              <a:buFont typeface="Arial" panose="020B0604020202020204" pitchFamily="34" charset="0"/>
+              <a:buChar char="•"/>
+            </a:pPr>
+            <a:r>
+              <a:rPr lang="en-US" sz="2400" dirty="0"/>
+              <a:t>Example: a guess of {</a:t>
+            </a:r>
+            <a:r>
+              <a:rPr lang="en-US" sz="2400" dirty="0" err="1"/>
+              <a:t>Red,Red,Green,Green</a:t>
+            </a:r>
+            <a:r>
+              <a:rPr lang="en-US" sz="2400" dirty="0"/>
+              <a:t> with a response of {0,1} we know that {</a:t>
+            </a:r>
+            <a:r>
+              <a:rPr lang="en-US" sz="2400" dirty="0" err="1"/>
+              <a:t>Red,Red</a:t>
+            </a:r>
+            <a:r>
+              <a:rPr lang="en-US" sz="2400" dirty="0"/>
+              <a:t>, Red, Red}  is not consistent but {</a:t>
+            </a:r>
+            <a:r>
+              <a:rPr lang="en-US" sz="2400" dirty="0" err="1"/>
+              <a:t>Green,Blue,Blue,Blue</a:t>
+            </a:r>
+            <a:r>
+              <a:rPr lang="en-US" sz="2400" dirty="0"/>
+              <a:t>} is.</a:t>
+            </a:r>
+          </a:p>
+          <a:p>
+            <a:pPr marL="342900" indent="-342900">
+              <a:buFont typeface="Arial" panose="020B0604020202020204" pitchFamily="34" charset="0"/>
+              <a:buChar char="•"/>
             </a:pPr>
             <a:endParaRPr lang="en-US" sz="2400" dirty="0"/>
           </a:p>
           <a:p>
-            <a:pPr marL="285750" indent="-285750">
-              <a:buFontTx/>
-              <a:buChar char="-"/>
+            <a:pPr marL="342900" indent="-342900">
+              <a:buFont typeface="Arial" panose="020B0604020202020204" pitchFamily="34" charset="0"/>
+              <a:buChar char="•"/>
             </a:pPr>
             <a:r>
               <a:rPr lang="en-US" sz="2400" dirty="0"/>
-              <a:t>Use AI techniques we learned in class.</a:t>
+              <a:t>Evaluated by simulating it playing against all 1296 possible secret codes</a:t>
             </a:r>
           </a:p>
           <a:p>
-            <a:pPr marL="285750" indent="-285750">
-              <a:buFontTx/>
-              <a:buChar char="-"/>
+            <a:pPr marL="342900" indent="-342900">
+              <a:buFont typeface="Arial" panose="020B0604020202020204" pitchFamily="34" charset="0"/>
+              <a:buChar char="•"/>
+            </a:pPr>
+            <a:r>
+              <a:rPr lang="en-US" sz="2400" dirty="0"/>
+              <a:t>   </a:t>
+            </a:r>
+          </a:p>
+          <a:p>
+            <a:pPr marL="342900" indent="-342900">
+              <a:buFont typeface="Arial" panose="020B0604020202020204" pitchFamily="34" charset="0"/>
+              <a:buChar char="•"/>
             </a:pPr>
             <a:endParaRPr lang="en-US" sz="2400" dirty="0"/>
           </a:p>
           <a:p>
-            <a:pPr marL="285750" indent="-285750">
-              <a:buFontTx/>
-              <a:buChar char="-"/>
+            <a:pPr marL="342900" indent="-342900">
+              <a:buFont typeface="Arial" panose="020B0604020202020204" pitchFamily="34" charset="0"/>
+              <a:buChar char="•"/>
             </a:pPr>
-            <a:r>
-              <a:rPr lang="en-US" sz="2400" dirty="0"/>
-              <a:t>Build a generic framework to evaluate any arbitrary mastermind policy   </a:t>
-            </a:r>
-          </a:p>
-          <a:p>
-            <a:pPr marL="285750" indent="-285750">
-              <a:buFontTx/>
-              <a:buChar char="-"/>
-            </a:pPr>
-            <a:endParaRPr lang="en-US" sz="2400" dirty="0"/>
-          </a:p>
-          <a:p>
             <a:endParaRPr lang="en-US" sz="2400" dirty="0"/>
           </a:p>
         </p:txBody>
@@ -45914,463 +48011,7 @@
           <a:p>
             <a:r>
               <a:rPr lang="en-US" dirty="0"/>
-              <a:t>              Project goals </a:t>
-            </a:r>
-          </a:p>
-        </p:txBody>
-      </p:sp>
-    </p:spTree>
-    <p:extLst>
-      <p:ext uri="{BB962C8B-B14F-4D97-AF65-F5344CB8AC3E}">
-        <p14:creationId xmlns:p14="http://schemas.microsoft.com/office/powerpoint/2010/main" val="3145004851"/>
-      </p:ext>
-    </p:extLst>
-  </p:cSld>
-  <p:clrMapOvr>
-    <a:masterClrMapping/>
-  </p:clrMapOvr>
-</p:sld>
-</file>
-
-<file path=ppt/slides/slide3.xml><?xml version="1.0" encoding="utf-8"?>
-<p:sld xmlns:a="http://schemas.openxmlformats.org/drawingml/2006/main" xmlns:r="http://schemas.openxmlformats.org/officeDocument/2006/relationships" xmlns:p="http://schemas.openxmlformats.org/presentationml/2006/main">
-  <p:cSld>
-    <p:spTree>
-      <p:nvGrpSpPr>
-        <p:cNvPr id="1" name=""/>
-        <p:cNvGrpSpPr/>
-        <p:nvPr/>
-      </p:nvGrpSpPr>
-      <p:grpSpPr>
-        <a:xfrm>
-          <a:off x="0" y="0"/>
-          <a:ext cx="0" cy="0"/>
-          <a:chOff x="0" y="0"/>
-          <a:chExt cx="0" cy="0"/>
-        </a:xfrm>
-      </p:grpSpPr>
-      <p:pic>
-        <p:nvPicPr>
-          <p:cNvPr id="7" name="Picture 6">
-            <a:extLst>
-              <a:ext uri="{FF2B5EF4-FFF2-40B4-BE49-F238E27FC236}">
-                <a16:creationId xmlns:a16="http://schemas.microsoft.com/office/drawing/2014/main" id="{13C1B6C7-83CA-4FF2-86A1-A23C69144B0A}"/>
-              </a:ext>
-            </a:extLst>
-          </p:cNvPr>
-          <p:cNvPicPr>
-            <a:picLocks noChangeAspect="1"/>
-          </p:cNvPicPr>
-          <p:nvPr/>
-        </p:nvPicPr>
-        <p:blipFill>
-          <a:blip r:embed="rId2"/>
-          <a:stretch>
-            <a:fillRect/>
-          </a:stretch>
-        </p:blipFill>
-        <p:spPr>
-          <a:xfrm>
-            <a:off x="8247507" y="1416939"/>
-            <a:ext cx="3944493" cy="4398645"/>
-          </a:xfrm>
-          <a:prstGeom prst="rect">
-            <a:avLst/>
-          </a:prstGeom>
-        </p:spPr>
-      </p:pic>
-      <p:sp>
-        <p:nvSpPr>
-          <p:cNvPr id="13" name="Title 1">
-            <a:extLst>
-              <a:ext uri="{FF2B5EF4-FFF2-40B4-BE49-F238E27FC236}">
-                <a16:creationId xmlns:a16="http://schemas.microsoft.com/office/drawing/2014/main" id="{08DE297D-1BC3-46D8-A687-4CF51F59C435}"/>
-              </a:ext>
-            </a:extLst>
-          </p:cNvPr>
-          <p:cNvSpPr txBox="1">
-            <a:spLocks/>
-          </p:cNvSpPr>
-          <p:nvPr/>
-        </p:nvSpPr>
-        <p:spPr>
-          <a:xfrm>
-            <a:off x="190393" y="131560"/>
-            <a:ext cx="9404723" cy="1400530"/>
-          </a:xfrm>
-          <a:prstGeom prst="rect">
-            <a:avLst/>
-          </a:prstGeom>
-        </p:spPr>
-        <p:txBody>
-          <a:bodyPr vert="horz" lIns="91440" tIns="45720" rIns="91440" bIns="45720" rtlCol="0" anchor="t">
-            <a:noAutofit/>
-          </a:bodyPr>
-          <a:lstStyle>
-            <a:lvl1pPr algn="l" defTabSz="457200" rtl="0" eaLnBrk="1" latinLnBrk="0" hangingPunct="1">
-              <a:spcBef>
-                <a:spcPct val="0"/>
-              </a:spcBef>
-              <a:buNone/>
-              <a:defRPr sz="4200" b="0" i="0" kern="1200">
-                <a:solidFill>
-                  <a:schemeClr val="tx2"/>
-                </a:solidFill>
-                <a:latin typeface="+mj-lt"/>
-                <a:ea typeface="+mj-ea"/>
-                <a:cs typeface="+mj-cs"/>
-              </a:defRPr>
-            </a:lvl1pPr>
-            <a:lvl2pPr eaLnBrk="1" hangingPunct="1">
-              <a:defRPr>
-                <a:solidFill>
-                  <a:schemeClr val="tx2"/>
-                </a:solidFill>
-              </a:defRPr>
-            </a:lvl2pPr>
-            <a:lvl3pPr eaLnBrk="1" hangingPunct="1">
-              <a:defRPr>
-                <a:solidFill>
-                  <a:schemeClr val="tx2"/>
-                </a:solidFill>
-              </a:defRPr>
-            </a:lvl3pPr>
-            <a:lvl4pPr eaLnBrk="1" hangingPunct="1">
-              <a:defRPr>
-                <a:solidFill>
-                  <a:schemeClr val="tx2"/>
-                </a:solidFill>
-              </a:defRPr>
-            </a:lvl4pPr>
-            <a:lvl5pPr eaLnBrk="1" hangingPunct="1">
-              <a:defRPr>
-                <a:solidFill>
-                  <a:schemeClr val="tx2"/>
-                </a:solidFill>
-              </a:defRPr>
-            </a:lvl5pPr>
-            <a:lvl6pPr eaLnBrk="1" hangingPunct="1">
-              <a:defRPr>
-                <a:solidFill>
-                  <a:schemeClr val="tx2"/>
-                </a:solidFill>
-              </a:defRPr>
-            </a:lvl6pPr>
-            <a:lvl7pPr eaLnBrk="1" hangingPunct="1">
-              <a:defRPr>
-                <a:solidFill>
-                  <a:schemeClr val="tx2"/>
-                </a:solidFill>
-              </a:defRPr>
-            </a:lvl7pPr>
-            <a:lvl8pPr eaLnBrk="1" hangingPunct="1">
-              <a:defRPr>
-                <a:solidFill>
-                  <a:schemeClr val="tx2"/>
-                </a:solidFill>
-              </a:defRPr>
-            </a:lvl8pPr>
-            <a:lvl9pPr eaLnBrk="1" hangingPunct="1">
-              <a:defRPr>
-                <a:solidFill>
-                  <a:schemeClr val="tx2"/>
-                </a:solidFill>
-              </a:defRPr>
-            </a:lvl9pPr>
-          </a:lstStyle>
-          <a:p>
-            <a:r>
-              <a:rPr lang="en-US" dirty="0"/>
-              <a:t>              What is Mastermind?</a:t>
-            </a:r>
-          </a:p>
-        </p:txBody>
-      </p:sp>
-      <p:pic>
-        <p:nvPicPr>
-          <p:cNvPr id="15" name="Picture 14">
-            <a:extLst>
-              <a:ext uri="{FF2B5EF4-FFF2-40B4-BE49-F238E27FC236}">
-                <a16:creationId xmlns:a16="http://schemas.microsoft.com/office/drawing/2014/main" id="{47CF3488-D864-4C6B-BD68-8DDDDB25891A}"/>
-              </a:ext>
-            </a:extLst>
-          </p:cNvPr>
-          <p:cNvPicPr>
-            <a:picLocks noChangeAspect="1"/>
-          </p:cNvPicPr>
-          <p:nvPr/>
-        </p:nvPicPr>
-        <p:blipFill>
-          <a:blip r:embed="rId3"/>
-          <a:stretch>
-            <a:fillRect/>
-          </a:stretch>
-        </p:blipFill>
-        <p:spPr>
-          <a:xfrm>
-            <a:off x="696553" y="1191051"/>
-            <a:ext cx="7550954" cy="4965573"/>
-          </a:xfrm>
-          <a:prstGeom prst="rect">
-            <a:avLst/>
-          </a:prstGeom>
-        </p:spPr>
-      </p:pic>
-    </p:spTree>
-    <p:extLst>
-      <p:ext uri="{BB962C8B-B14F-4D97-AF65-F5344CB8AC3E}">
-        <p14:creationId xmlns:p14="http://schemas.microsoft.com/office/powerpoint/2010/main" val="2920317732"/>
-      </p:ext>
-    </p:extLst>
-  </p:cSld>
-  <p:clrMapOvr>
-    <a:masterClrMapping/>
-  </p:clrMapOvr>
-</p:sld>
-</file>
-
-<file path=ppt/slides/slide4.xml><?xml version="1.0" encoding="utf-8"?>
-<p:sld xmlns:a="http://schemas.openxmlformats.org/drawingml/2006/main" xmlns:r="http://schemas.openxmlformats.org/officeDocument/2006/relationships" xmlns:p="http://schemas.openxmlformats.org/presentationml/2006/main">
-  <p:cSld>
-    <p:spTree>
-      <p:nvGrpSpPr>
-        <p:cNvPr id="1" name=""/>
-        <p:cNvGrpSpPr/>
-        <p:nvPr/>
-      </p:nvGrpSpPr>
-      <p:grpSpPr>
-        <a:xfrm>
-          <a:off x="0" y="0"/>
-          <a:ext cx="0" cy="0"/>
-          <a:chOff x="0" y="0"/>
-          <a:chExt cx="0" cy="0"/>
-        </a:xfrm>
-      </p:grpSpPr>
-      <p:sp>
-        <p:nvSpPr>
-          <p:cNvPr id="2" name="Title 1">
-            <a:extLst>
-              <a:ext uri="{FF2B5EF4-FFF2-40B4-BE49-F238E27FC236}">
-                <a16:creationId xmlns:a16="http://schemas.microsoft.com/office/drawing/2014/main" id="{3D16F54C-C387-4DEE-85A2-A2B639A74017}"/>
-              </a:ext>
-            </a:extLst>
-          </p:cNvPr>
-          <p:cNvSpPr>
-            <a:spLocks noGrp="1"/>
-          </p:cNvSpPr>
-          <p:nvPr>
-            <p:ph type="title"/>
-          </p:nvPr>
-        </p:nvSpPr>
-        <p:spPr>
-          <a:xfrm>
-            <a:off x="646111" y="452718"/>
-            <a:ext cx="9404723" cy="1400530"/>
-          </a:xfrm>
-        </p:spPr>
-        <p:txBody>
-          <a:bodyPr/>
-          <a:lstStyle/>
-          <a:p>
-            <a:r>
-              <a:rPr lang="en-US" dirty="0"/>
-              <a:t>                </a:t>
-            </a:r>
-          </a:p>
-        </p:txBody>
-      </p:sp>
-      <p:sp>
-        <p:nvSpPr>
-          <p:cNvPr id="5" name="TextBox 4">
-            <a:extLst>
-              <a:ext uri="{FF2B5EF4-FFF2-40B4-BE49-F238E27FC236}">
-                <a16:creationId xmlns:a16="http://schemas.microsoft.com/office/drawing/2014/main" id="{0F6CA043-CF96-435B-8DE5-85CA7BBD38B7}"/>
-              </a:ext>
-            </a:extLst>
-          </p:cNvPr>
-          <p:cNvSpPr txBox="1"/>
-          <p:nvPr/>
-        </p:nvSpPr>
-        <p:spPr>
-          <a:xfrm>
-            <a:off x="194345" y="1219101"/>
-            <a:ext cx="11803310" cy="6001643"/>
-          </a:xfrm>
-          <a:prstGeom prst="rect">
-            <a:avLst/>
-          </a:prstGeom>
-          <a:noFill/>
-        </p:spPr>
-        <p:txBody>
-          <a:bodyPr wrap="square" rtlCol="0">
-            <a:spAutoFit/>
-          </a:bodyPr>
-          <a:lstStyle/>
-          <a:p>
-            <a:r>
-              <a:rPr lang="en-US" sz="2400" dirty="0"/>
-              <a:t>- A Mastermind playing policy (s) where s is a state, is defined as a guess choosing algorithm in each turn of the game until the secret code is guessed (win condition)</a:t>
-            </a:r>
-          </a:p>
-          <a:p>
-            <a:endParaRPr lang="en-US" sz="2400" dirty="0"/>
-          </a:p>
-          <a:p>
-            <a:r>
-              <a:rPr lang="en-US" sz="2400" dirty="0"/>
-              <a:t>- The state s is a list of qualifying guess candidates that are consistent with previous guesses and responses, namely, they are potentially the secret code chosen by the code maker. For example, after the guess {</a:t>
-            </a:r>
-            <a:r>
-              <a:rPr lang="en-US" sz="2400" dirty="0" err="1"/>
-              <a:t>Red,Red,Green,Green</a:t>
-            </a:r>
-            <a:r>
-              <a:rPr lang="en-US" sz="2400" dirty="0"/>
-              <a:t>} and a response of {0,1} we know that {</a:t>
-            </a:r>
-            <a:r>
-              <a:rPr lang="en-US" sz="2400" dirty="0" err="1"/>
-              <a:t>Red,Red</a:t>
-            </a:r>
-            <a:r>
-              <a:rPr lang="en-US" sz="2400" dirty="0"/>
-              <a:t>, Red, Red}  is not consistent but {</a:t>
-            </a:r>
-            <a:r>
-              <a:rPr lang="en-US" sz="2400" dirty="0" err="1"/>
-              <a:t>Green,Blue,Blue,Blue</a:t>
-            </a:r>
-            <a:r>
-              <a:rPr lang="en-US" sz="2400" dirty="0"/>
-              <a:t>} is.</a:t>
-            </a:r>
-          </a:p>
-          <a:p>
-            <a:endParaRPr lang="en-US" sz="2400" dirty="0"/>
-          </a:p>
-          <a:p>
-            <a:r>
-              <a:rPr lang="en-US" sz="2400" dirty="0"/>
-              <a:t>- A specific game policy is evaluated by simulating it playing against all the 1296 possible secret codes. The average guesses to win is the score of the policy. The lower the better. </a:t>
-            </a:r>
-          </a:p>
-          <a:p>
-            <a:r>
-              <a:rPr lang="en-US" sz="2400" dirty="0"/>
-              <a:t>   </a:t>
-            </a:r>
-          </a:p>
-          <a:p>
-            <a:endParaRPr lang="en-US" sz="2400" dirty="0"/>
-          </a:p>
-          <a:p>
-            <a:endParaRPr lang="en-US" sz="2400" dirty="0"/>
-          </a:p>
-        </p:txBody>
-      </p:sp>
-      <p:sp>
-        <p:nvSpPr>
-          <p:cNvPr id="18" name="Title 1">
-            <a:extLst>
-              <a:ext uri="{FF2B5EF4-FFF2-40B4-BE49-F238E27FC236}">
-                <a16:creationId xmlns:a16="http://schemas.microsoft.com/office/drawing/2014/main" id="{7DE1DCFF-6B76-41E8-9C12-B8ED6D53A6A6}"/>
-              </a:ext>
-            </a:extLst>
-          </p:cNvPr>
-          <p:cNvSpPr txBox="1">
-            <a:spLocks/>
-          </p:cNvSpPr>
-          <p:nvPr/>
-        </p:nvSpPr>
-        <p:spPr>
-          <a:xfrm>
-            <a:off x="748177" y="177280"/>
-            <a:ext cx="9404723" cy="1400530"/>
-          </a:xfrm>
-          <a:prstGeom prst="rect">
-            <a:avLst/>
-          </a:prstGeom>
-        </p:spPr>
-        <p:txBody>
-          <a:bodyPr vert="horz" lIns="91440" tIns="45720" rIns="91440" bIns="45720" rtlCol="0" anchor="t">
-            <a:noAutofit/>
-          </a:bodyPr>
-          <a:lstStyle>
-            <a:lvl1pPr algn="l" defTabSz="457200" rtl="0" eaLnBrk="1" latinLnBrk="0" hangingPunct="1">
-              <a:spcBef>
-                <a:spcPct val="0"/>
-              </a:spcBef>
-              <a:buNone/>
-              <a:defRPr sz="4200" b="0" i="0" kern="1200">
-                <a:solidFill>
-                  <a:schemeClr val="tx2"/>
-                </a:solidFill>
-                <a:latin typeface="+mj-lt"/>
-                <a:ea typeface="+mj-ea"/>
-                <a:cs typeface="+mj-cs"/>
-              </a:defRPr>
-            </a:lvl1pPr>
-            <a:lvl2pPr eaLnBrk="1" hangingPunct="1">
-              <a:defRPr>
-                <a:solidFill>
-                  <a:schemeClr val="tx2"/>
-                </a:solidFill>
-              </a:defRPr>
-            </a:lvl2pPr>
-            <a:lvl3pPr eaLnBrk="1" hangingPunct="1">
-              <a:defRPr>
-                <a:solidFill>
-                  <a:schemeClr val="tx2"/>
-                </a:solidFill>
-              </a:defRPr>
-            </a:lvl3pPr>
-            <a:lvl4pPr eaLnBrk="1" hangingPunct="1">
-              <a:defRPr>
-                <a:solidFill>
-                  <a:schemeClr val="tx2"/>
-                </a:solidFill>
-              </a:defRPr>
-            </a:lvl4pPr>
-            <a:lvl5pPr eaLnBrk="1" hangingPunct="1">
-              <a:defRPr>
-                <a:solidFill>
-                  <a:schemeClr val="tx2"/>
-                </a:solidFill>
-              </a:defRPr>
-            </a:lvl5pPr>
-            <a:lvl6pPr eaLnBrk="1" hangingPunct="1">
-              <a:defRPr>
-                <a:solidFill>
-                  <a:schemeClr val="tx2"/>
-                </a:solidFill>
-              </a:defRPr>
-            </a:lvl6pPr>
-            <a:lvl7pPr eaLnBrk="1" hangingPunct="1">
-              <a:defRPr>
-                <a:solidFill>
-                  <a:schemeClr val="tx2"/>
-                </a:solidFill>
-              </a:defRPr>
-            </a:lvl7pPr>
-            <a:lvl8pPr eaLnBrk="1" hangingPunct="1">
-              <a:defRPr>
-                <a:solidFill>
-                  <a:schemeClr val="tx2"/>
-                </a:solidFill>
-              </a:defRPr>
-            </a:lvl8pPr>
-            <a:lvl9pPr eaLnBrk="1" hangingPunct="1">
-              <a:defRPr>
-                <a:solidFill>
-                  <a:schemeClr val="tx2"/>
-                </a:solidFill>
-              </a:defRPr>
-            </a:lvl9pPr>
-          </a:lstStyle>
-          <a:p>
-            <a:r>
-              <a:rPr lang="en-US" dirty="0"/>
-              <a:t>            Game Policy</a:t>
+              <a:t>Game Policy</a:t>
             </a:r>
           </a:p>
         </p:txBody>
@@ -46534,12 +48175,8 @@
           </a:lstStyle>
           <a:p>
             <a:r>
-              <a:rPr lang="en-US" dirty="0"/>
-              <a:t>  </a:t>
-            </a:r>
-            <a:r>
               <a:rPr lang="en-US" sz="3600" dirty="0"/>
-              <a:t>Previous works for Mastermind’s playing  strategies </a:t>
+              <a:t>Previous Work</a:t>
             </a:r>
           </a:p>
           <a:p>
@@ -46562,7 +48199,7 @@
         <p:spPr>
           <a:xfrm>
             <a:off x="259533" y="1311434"/>
-            <a:ext cx="11932467" cy="3693319"/>
+            <a:ext cx="11932467" cy="3416320"/>
           </a:xfrm>
           <a:prstGeom prst="rect">
             <a:avLst/>
@@ -46576,15 +48213,18 @@
           <a:p>
             <a:r>
               <a:rPr lang="en-US" dirty="0"/>
-              <a:t>Professor  Donald Knuth was able to construct a policy that wins in 5 guess at the worst case and by 4.477 on average  </a:t>
+              <a:t>Professor  </a:t>
             </a:r>
             <a:r>
               <a:rPr lang="en-US" dirty="0">
-                <a:hlinkClick r:id="rId2"/>
+                <a:hlinkClick r:id="rId3"/>
               </a:rPr>
-              <a:t>https://www.cs.uni.edu/~wallingf/teaching/cs3530/resources/knuth-mastermind.pdf</a:t>
+              <a:t>Donald Knuth </a:t>
             </a:r>
-            <a:endParaRPr lang="en-US" dirty="0"/>
+            <a:r>
+              <a:rPr lang="en-US" dirty="0"/>
+              <a:t>was able to construct a policy that wins in 5 guess at the worst case and by 4.477 on average</a:t>
+            </a:r>
           </a:p>
           <a:p>
             <a:endParaRPr lang="en-US" dirty="0"/>
@@ -46592,13 +48232,13 @@
           <a:p>
             <a:r>
               <a:rPr lang="en-US" dirty="0">
-                <a:hlinkClick r:id="rId3"/>
+                <a:hlinkClick r:id="rId4"/>
               </a:rPr>
               <a:t>Koyoma and Lai, 1993  </a:t>
             </a:r>
             <a:r>
               <a:rPr lang="en-US" dirty="0"/>
-              <a:t>found an optimal Mastermind Strategy that guess the code by 4.34  guesses on average (6 guess in the  worst case)</a:t>
+              <a:t>found an optimal Mastermind Strategy that guess the code in 4.34 guesses on average (6 guess in the  worst case)</a:t>
             </a:r>
           </a:p>
           <a:p>
@@ -46610,31 +48250,19 @@
           <a:p>
             <a:r>
               <a:rPr lang="en-US" dirty="0"/>
-              <a:t>Summary of few of the most successful mastermind playing policies are  summarized below based on  </a:t>
+              <a:t>Summary the most successful mastermind playing policies (</a:t>
+            </a:r>
+            <a:r>
+              <a:rPr lang="en-US" i="1" dirty="0">
+                <a:hlinkClick r:id="rId5"/>
+              </a:rPr>
+              <a:t>Barteld Kooi</a:t>
             </a:r>
             <a:r>
               <a:rPr lang="en-US" dirty="0">
-                <a:hlinkClick r:id="rId4"/>
+                <a:hlinkClick r:id="rId5"/>
               </a:rPr>
-              <a:t> </a:t>
-            </a:r>
-            <a:r>
-              <a:rPr lang="en-US" i="1" dirty="0" err="1">
-                <a:hlinkClick r:id="rId4"/>
-              </a:rPr>
-              <a:t>Barteld</a:t>
-            </a:r>
-            <a:r>
-              <a:rPr lang="en-US" i="1" dirty="0">
-                <a:hlinkClick r:id="rId4"/>
-              </a:rPr>
-              <a:t> Kooi</a:t>
-            </a:r>
-            <a:r>
-              <a:rPr lang="en-US" dirty="0">
-                <a:hlinkClick r:id="rId4"/>
-              </a:rPr>
-              <a:t>1 2005 </a:t>
+              <a:t>1 2005) </a:t>
             </a:r>
             <a:r>
               <a:rPr lang="en-US" dirty="0"/>
@@ -46670,13 +48298,13 @@
           <p:nvPr>
             <p:extLst>
               <p:ext uri="{D42A27DB-BD31-4B8C-83A1-F6EECF244321}">
-                <p14:modId xmlns:p14="http://schemas.microsoft.com/office/powerpoint/2010/main" val="1828131972"/>
+                <p14:modId xmlns:p14="http://schemas.microsoft.com/office/powerpoint/2010/main" val="3903565299"/>
               </p:ext>
             </p:extLst>
           </p:nvPr>
         </p:nvGraphicFramePr>
         <p:xfrm>
-          <a:off x="434567" y="3883936"/>
+          <a:off x="2633429" y="3817029"/>
           <a:ext cx="7645958" cy="2607398"/>
         </p:xfrm>
         <a:graphic>
@@ -46707,6 +48335,7 @@
                     <a:bodyPr/>
                     <a:lstStyle/>
                     <a:p>
+                      <a:pPr algn="l"/>
                       <a:r>
                         <a:rPr lang="en-US" dirty="0"/>
                         <a:t>Policy name </a:t>
@@ -46720,6 +48349,7 @@
                     <a:bodyPr/>
                     <a:lstStyle/>
                     <a:p>
+                      <a:pPr algn="l"/>
                       <a:r>
                         <a:rPr lang="en-US" dirty="0"/>
                         <a:t>Average guess to win </a:t>
@@ -46740,6 +48370,7 @@
                     <a:bodyPr/>
                     <a:lstStyle/>
                     <a:p>
+                      <a:pPr algn="l"/>
                       <a:r>
                         <a:rPr lang="en-US" dirty="0"/>
                         <a:t>Knuth worst case </a:t>
@@ -46753,6 +48384,7 @@
                     <a:bodyPr/>
                     <a:lstStyle/>
                     <a:p>
+                      <a:pPr algn="l"/>
                       <a:r>
                         <a:rPr lang="en-US" dirty="0"/>
                         <a:t>4.476</a:t>
@@ -46773,6 +48405,7 @@
                     <a:bodyPr/>
                     <a:lstStyle/>
                     <a:p>
+                      <a:pPr algn="l"/>
                       <a:r>
                         <a:rPr lang="en-US" sz="1800" b="0" i="0" u="none" strike="noStrike" kern="1200" baseline="0" dirty="0">
                           <a:solidFill>
@@ -46794,6 +48427,7 @@
                     <a:bodyPr/>
                     <a:lstStyle/>
                     <a:p>
+                      <a:pPr algn="l"/>
                       <a:r>
                         <a:rPr lang="en-US" sz="1800" b="0" i="0" u="none" strike="noStrike" kern="1200" baseline="0" dirty="0">
                           <a:solidFill>
@@ -46822,6 +48456,7 @@
                     <a:bodyPr/>
                     <a:lstStyle/>
                     <a:p>
+                      <a:pPr algn="l"/>
                       <a:r>
                         <a:rPr lang="en-US" dirty="0"/>
                         <a:t>Entropy </a:t>
@@ -46835,6 +48470,7 @@
                     <a:bodyPr/>
                     <a:lstStyle/>
                     <a:p>
+                      <a:pPr algn="l"/>
                       <a:r>
                         <a:rPr lang="en-US" sz="1800" b="0" i="0" u="none" strike="noStrike" kern="1200" baseline="0" dirty="0">
                           <a:solidFill>
@@ -46863,6 +48499,7 @@
                     <a:bodyPr/>
                     <a:lstStyle/>
                     <a:p>
+                      <a:pPr algn="l"/>
                       <a:r>
                         <a:rPr lang="en-US" dirty="0"/>
                         <a:t>Most parts </a:t>
@@ -46876,6 +48513,7 @@
                     <a:bodyPr/>
                     <a:lstStyle/>
                     <a:p>
+                      <a:pPr algn="l"/>
                       <a:r>
                         <a:rPr lang="en-US" sz="1800" b="0" i="0" u="none" strike="noStrike" kern="1200" baseline="0" dirty="0">
                           <a:solidFill>
@@ -46904,13 +48542,14 @@
                     <a:bodyPr/>
                     <a:lstStyle/>
                     <a:p>
+                      <a:pPr algn="l"/>
                       <a:r>
                         <a:rPr lang="en-US" dirty="0"/>
                         <a:t>Optimal (</a:t>
                       </a:r>
                       <a:r>
                         <a:rPr lang="en-US" dirty="0">
-                          <a:hlinkClick r:id="rId3"/>
+                          <a:hlinkClick r:id="rId4"/>
                         </a:rPr>
                         <a:t>Koyoma and Lai</a:t>
                       </a:r>
@@ -46927,6 +48566,7 @@
                     <a:bodyPr/>
                     <a:lstStyle/>
                     <a:p>
+                      <a:pPr algn="l"/>
                       <a:r>
                         <a:rPr lang="en-US" dirty="0"/>
                         <a:t>4.340</a:t>
@@ -47019,7 +48659,7 @@
         </p:nvSpPr>
         <p:spPr>
           <a:xfrm>
-            <a:off x="194345" y="94478"/>
+            <a:off x="519815" y="503036"/>
             <a:ext cx="10551952" cy="1675599"/>
           </a:xfrm>
           <a:prstGeom prst="rect">
@@ -47105,7 +48745,7 @@
           <a:p>
             <a:r>
               <a:rPr lang="en-US" dirty="0"/>
-              <a:t>                 Strategy tree </a:t>
+              <a:t>Strategy Tree </a:t>
             </a:r>
             <a:endParaRPr lang="en-US" sz="4000" dirty="0"/>
           </a:p>
@@ -47125,8 +48765,8 @@
         </p:nvSpPr>
         <p:spPr>
           <a:xfrm>
-            <a:off x="860078" y="1340837"/>
-            <a:ext cx="9521747" cy="2031325"/>
+            <a:off x="519815" y="1566460"/>
+            <a:ext cx="9521747" cy="2308324"/>
           </a:xfrm>
           <a:prstGeom prst="rect">
             <a:avLst/>
@@ -47141,7 +48781,16 @@
           <a:p>
             <a:r>
               <a:rPr lang="en-US" dirty="0"/>
-              <a:t>Provides a full description of  how to play the full  game given any response. It is a directed graph with 15 children nodes – one for each  possible response  :</a:t>
+              <a:t>Provides a full description of  how to play the full game given any response</a:t>
+            </a:r>
+          </a:p>
+          <a:p>
+            <a:endParaRPr lang="en-US" dirty="0"/>
+          </a:p>
+          <a:p>
+            <a:r>
+              <a:rPr lang="en-US" dirty="0"/>
+              <a:t>Directed graph with 15 children nodes (one for each  possible response)  </a:t>
             </a:r>
           </a:p>
           <a:p>
@@ -47184,7 +48833,7 @@
         </p:nvSpPr>
         <p:spPr>
           <a:xfrm>
-            <a:off x="4874040" y="2583911"/>
+            <a:off x="5448198" y="3099607"/>
             <a:ext cx="1493821" cy="640354"/>
           </a:xfrm>
           <a:prstGeom prst="rect">
@@ -47233,7 +48882,7 @@
         </p:nvSpPr>
         <p:spPr>
           <a:xfrm>
-            <a:off x="483149" y="4038100"/>
+            <a:off x="1057307" y="4553796"/>
             <a:ext cx="1535773" cy="769289"/>
           </a:xfrm>
           <a:prstGeom prst="rect">
@@ -47289,7 +48938,7 @@
         </p:nvSpPr>
         <p:spPr>
           <a:xfrm>
-            <a:off x="6441046" y="4260281"/>
+            <a:off x="7015204" y="4775977"/>
             <a:ext cx="2786440" cy="369332"/>
           </a:xfrm>
           <a:prstGeom prst="rect">
@@ -47324,7 +48973,7 @@
         </p:nvSpPr>
         <p:spPr>
           <a:xfrm>
-            <a:off x="2366271" y="4038100"/>
+            <a:off x="2940429" y="4553796"/>
             <a:ext cx="1535773" cy="769289"/>
           </a:xfrm>
           <a:prstGeom prst="rect">
@@ -47380,7 +49029,7 @@
         </p:nvSpPr>
         <p:spPr>
           <a:xfrm>
-            <a:off x="4323028" y="4038100"/>
+            <a:off x="4897186" y="4553796"/>
             <a:ext cx="1535773" cy="769289"/>
           </a:xfrm>
           <a:prstGeom prst="rect">
@@ -47436,7 +49085,7 @@
         </p:nvSpPr>
         <p:spPr>
           <a:xfrm>
-            <a:off x="8878040" y="4038099"/>
+            <a:off x="9452198" y="4553795"/>
             <a:ext cx="1535773" cy="769289"/>
           </a:xfrm>
           <a:prstGeom prst="rect">
@@ -47495,7 +49144,7 @@
         </p:nvCxnSpPr>
         <p:spPr>
           <a:xfrm flipH="1">
-            <a:off x="3134158" y="3224265"/>
+            <a:off x="3708316" y="3739961"/>
             <a:ext cx="2486793" cy="813835"/>
           </a:xfrm>
           <a:prstGeom prst="straightConnector1">
@@ -47537,7 +49186,7 @@
         </p:nvCxnSpPr>
         <p:spPr>
           <a:xfrm flipH="1">
-            <a:off x="5090915" y="3224265"/>
+            <a:off x="5665073" y="3739961"/>
             <a:ext cx="530036" cy="813835"/>
           </a:xfrm>
           <a:prstGeom prst="straightConnector1">
@@ -47579,7 +49228,7 @@
         </p:nvCxnSpPr>
         <p:spPr>
           <a:xfrm>
-            <a:off x="5620951" y="3224265"/>
+            <a:off x="6195109" y="3739961"/>
             <a:ext cx="4024976" cy="813834"/>
           </a:xfrm>
           <a:prstGeom prst="straightConnector1">
@@ -47620,7 +49269,7 @@
         </p:nvCxnSpPr>
         <p:spPr>
           <a:xfrm>
-            <a:off x="1251036" y="4807389"/>
+            <a:off x="1825194" y="5323085"/>
             <a:ext cx="0" cy="679011"/>
           </a:xfrm>
           <a:prstGeom prst="straightConnector1">
@@ -47659,7 +49308,7 @@
         </p:nvCxnSpPr>
         <p:spPr>
           <a:xfrm>
-            <a:off x="3098093" y="4807389"/>
+            <a:off x="3672251" y="5323085"/>
             <a:ext cx="0" cy="679011"/>
           </a:xfrm>
           <a:prstGeom prst="straightConnector1">
@@ -47698,7 +49347,7 @@
         </p:nvCxnSpPr>
         <p:spPr>
           <a:xfrm>
-            <a:off x="5082160" y="4807389"/>
+            <a:off x="5656318" y="5323085"/>
             <a:ext cx="0" cy="679011"/>
           </a:xfrm>
           <a:prstGeom prst="straightConnector1">
@@ -47739,7 +49388,7 @@
         </p:nvCxnSpPr>
         <p:spPr>
           <a:xfrm flipH="1">
-            <a:off x="1251036" y="3224265"/>
+            <a:off x="1825194" y="3739961"/>
             <a:ext cx="4369915" cy="813835"/>
           </a:xfrm>
           <a:prstGeom prst="straightConnector1">
@@ -47838,7 +49487,7 @@
         </p:nvSpPr>
         <p:spPr>
           <a:xfrm>
-            <a:off x="194345" y="94478"/>
+            <a:off x="538483" y="452718"/>
             <a:ext cx="10551952" cy="1675599"/>
           </a:xfrm>
           <a:prstGeom prst="rect">
@@ -47924,7 +49573,7 @@
           <a:p>
             <a:r>
               <a:rPr lang="en-US" dirty="0"/>
-              <a:t>         Policy evaluation framework </a:t>
+              <a:t>Policy Evaluation Framework </a:t>
             </a:r>
             <a:endParaRPr lang="en-US" sz="4000" dirty="0"/>
           </a:p>
@@ -47944,8 +49593,8 @@
         </p:nvSpPr>
         <p:spPr>
           <a:xfrm>
-            <a:off x="3992905" y="1853248"/>
-            <a:ext cx="2607398" cy="1086416"/>
+            <a:off x="3769956" y="3137821"/>
+            <a:ext cx="1869533" cy="809737"/>
           </a:xfrm>
           <a:prstGeom prst="rect">
             <a:avLst/>
@@ -47974,17 +49623,17 @@
             <a:pPr algn="ctr"/>
             <a:r>
               <a:rPr lang="en-US" dirty="0"/>
-              <a:t>Strategy tree generation </a:t>
+              <a:t>Strategy tree </a:t>
             </a:r>
           </a:p>
         </p:txBody>
       </p:sp>
       <p:sp>
         <p:nvSpPr>
-          <p:cNvPr id="10" name="Rectangle 9">
+          <p:cNvPr id="24" name="Rectangle 23">
             <a:extLst>
               <a:ext uri="{FF2B5EF4-FFF2-40B4-BE49-F238E27FC236}">
-                <a16:creationId xmlns:a16="http://schemas.microsoft.com/office/drawing/2014/main" id="{43E70271-4C25-41E3-B334-C3BAB9E5FE71}"/>
+                <a16:creationId xmlns:a16="http://schemas.microsoft.com/office/drawing/2014/main" id="{8509E623-74D1-434D-B979-65CB650B0633}"/>
               </a:ext>
             </a:extLst>
           </p:cNvPr>
@@ -47993,8 +49642,8 @@
         </p:nvSpPr>
         <p:spPr>
           <a:xfrm>
-            <a:off x="950615" y="1861698"/>
-            <a:ext cx="2322132" cy="1077965"/>
+            <a:off x="6495429" y="3137822"/>
+            <a:ext cx="1869533" cy="809737"/>
           </a:xfrm>
           <a:prstGeom prst="rect">
             <a:avLst/>
@@ -48002,15 +49651,64 @@
         </p:spPr>
         <p:style>
           <a:lnRef idx="2">
-            <a:schemeClr val="accent1">
+            <a:schemeClr val="accent6">
               <a:shade val="50000"/>
             </a:schemeClr>
           </a:lnRef>
           <a:fillRef idx="1">
-            <a:schemeClr val="accent1"/>
+            <a:schemeClr val="accent6"/>
           </a:fillRef>
           <a:effectRef idx="0">
-            <a:schemeClr val="accent1"/>
+            <a:schemeClr val="accent6"/>
+          </a:effectRef>
+          <a:fontRef idx="minor">
+            <a:schemeClr val="lt1"/>
+          </a:fontRef>
+        </p:style>
+        <p:txBody>
+          <a:bodyPr rtlCol="0" anchor="ctr"/>
+          <a:lstStyle/>
+          <a:p>
+            <a:pPr algn="ctr"/>
+            <a:r>
+              <a:rPr lang="en-US" dirty="0"/>
+              <a:t>Games  Simulator </a:t>
+            </a:r>
+          </a:p>
+        </p:txBody>
+      </p:sp>
+      <p:sp>
+        <p:nvSpPr>
+          <p:cNvPr id="25" name="Rectangle 24">
+            <a:extLst>
+              <a:ext uri="{FF2B5EF4-FFF2-40B4-BE49-F238E27FC236}">
+                <a16:creationId xmlns:a16="http://schemas.microsoft.com/office/drawing/2014/main" id="{F28F3F06-6393-9A4E-B7B1-08621A524E79}"/>
+              </a:ext>
+            </a:extLst>
+          </p:cNvPr>
+          <p:cNvSpPr/>
+          <p:nvPr/>
+        </p:nvSpPr>
+        <p:spPr>
+          <a:xfrm>
+            <a:off x="1044483" y="3137822"/>
+            <a:ext cx="1869533" cy="809737"/>
+          </a:xfrm>
+          <a:prstGeom prst="rect">
+            <a:avLst/>
+          </a:prstGeom>
+        </p:spPr>
+        <p:style>
+          <a:lnRef idx="2">
+            <a:schemeClr val="accent6">
+              <a:shade val="50000"/>
+            </a:schemeClr>
+          </a:lnRef>
+          <a:fillRef idx="1">
+            <a:schemeClr val="accent6"/>
+          </a:fillRef>
+          <a:effectRef idx="0">
+            <a:schemeClr val="accent6"/>
           </a:effectRef>
           <a:fontRef idx="minor">
             <a:schemeClr val="lt1"/>
@@ -48035,56 +49733,12 @@
           </a:p>
         </p:txBody>
       </p:sp>
-      <p:cxnSp>
-        <p:nvCxnSpPr>
-          <p:cNvPr id="12" name="Straight Arrow Connector 11">
+      <p:sp>
+        <p:nvSpPr>
+          <p:cNvPr id="26" name="Rectangle 25">
             <a:extLst>
               <a:ext uri="{FF2B5EF4-FFF2-40B4-BE49-F238E27FC236}">
-                <a16:creationId xmlns:a16="http://schemas.microsoft.com/office/drawing/2014/main" id="{CADCF6F7-C18C-4B41-B14F-DB3486565445}"/>
-              </a:ext>
-            </a:extLst>
-          </p:cNvPr>
-          <p:cNvCxnSpPr>
-            <a:cxnSpLocks/>
-          </p:cNvCxnSpPr>
-          <p:nvPr/>
-        </p:nvCxnSpPr>
-        <p:spPr>
-          <a:xfrm flipV="1">
-            <a:off x="3278881" y="2394343"/>
-            <a:ext cx="720159" cy="4225"/>
-          </a:xfrm>
-          <a:prstGeom prst="straightConnector1">
-            <a:avLst/>
-          </a:prstGeom>
-          <a:ln w="22225">
-            <a:solidFill>
-              <a:schemeClr val="bg1"/>
-            </a:solidFill>
-            <a:tailEnd type="triangle"/>
-          </a:ln>
-        </p:spPr>
-        <p:style>
-          <a:lnRef idx="1">
-            <a:schemeClr val="accent6"/>
-          </a:lnRef>
-          <a:fillRef idx="0">
-            <a:schemeClr val="accent6"/>
-          </a:fillRef>
-          <a:effectRef idx="0">
-            <a:schemeClr val="accent6"/>
-          </a:effectRef>
-          <a:fontRef idx="minor">
-            <a:schemeClr val="tx1"/>
-          </a:fontRef>
-        </p:style>
-      </p:cxnSp>
-      <p:sp>
-        <p:nvSpPr>
-          <p:cNvPr id="13" name="Rectangle 12">
-            <a:extLst>
-              <a:ext uri="{FF2B5EF4-FFF2-40B4-BE49-F238E27FC236}">
-                <a16:creationId xmlns:a16="http://schemas.microsoft.com/office/drawing/2014/main" id="{830C32EF-C412-4267-86C0-FA2904DF1E57}"/>
+                <a16:creationId xmlns:a16="http://schemas.microsoft.com/office/drawing/2014/main" id="{E5587A60-2E22-FC4C-B6CD-EC56B19D3E48}"/>
               </a:ext>
             </a:extLst>
           </p:cNvPr>
@@ -48093,8 +49747,8 @@
         </p:nvSpPr>
         <p:spPr>
           <a:xfrm>
-            <a:off x="7422810" y="1811663"/>
-            <a:ext cx="2144889" cy="1086416"/>
+            <a:off x="9220902" y="3137821"/>
+            <a:ext cx="1869533" cy="809737"/>
           </a:xfrm>
           <a:prstGeom prst="rect">
             <a:avLst/>
@@ -48102,207 +49756,15 @@
         </p:spPr>
         <p:style>
           <a:lnRef idx="2">
-            <a:schemeClr val="accent4">
+            <a:schemeClr val="accent6">
               <a:shade val="50000"/>
             </a:schemeClr>
           </a:lnRef>
           <a:fillRef idx="1">
-            <a:schemeClr val="accent4"/>
+            <a:schemeClr val="accent6"/>
           </a:fillRef>
           <a:effectRef idx="0">
-            <a:schemeClr val="accent4"/>
-          </a:effectRef>
-          <a:fontRef idx="minor">
-            <a:schemeClr val="lt1"/>
-          </a:fontRef>
-        </p:style>
-        <p:txBody>
-          <a:bodyPr rtlCol="0" anchor="ctr"/>
-          <a:lstStyle/>
-          <a:p>
-            <a:pPr algn="ctr"/>
-            <a:r>
-              <a:rPr lang="en-US" dirty="0"/>
-              <a:t>Strategy Tree</a:t>
-            </a:r>
-          </a:p>
-        </p:txBody>
-      </p:sp>
-      <p:cxnSp>
-        <p:nvCxnSpPr>
-          <p:cNvPr id="15" name="Straight Arrow Connector 14">
-            <a:extLst>
-              <a:ext uri="{FF2B5EF4-FFF2-40B4-BE49-F238E27FC236}">
-                <a16:creationId xmlns:a16="http://schemas.microsoft.com/office/drawing/2014/main" id="{54FEECCC-ED23-4B91-B9C5-90FE3FF045A9}"/>
-              </a:ext>
-            </a:extLst>
-          </p:cNvPr>
-          <p:cNvCxnSpPr>
-            <a:stCxn id="5" idx="3"/>
-          </p:cNvCxnSpPr>
-          <p:nvPr/>
-        </p:nvCxnSpPr>
-        <p:spPr>
-          <a:xfrm>
-            <a:off x="6600303" y="2396456"/>
-            <a:ext cx="822507" cy="0"/>
-          </a:xfrm>
-          <a:prstGeom prst="straightConnector1">
-            <a:avLst/>
-          </a:prstGeom>
-          <a:ln w="22225">
-            <a:solidFill>
-              <a:schemeClr val="bg1"/>
-            </a:solidFill>
-            <a:tailEnd type="triangle"/>
-          </a:ln>
-        </p:spPr>
-        <p:style>
-          <a:lnRef idx="1">
-            <a:schemeClr val="accent1"/>
-          </a:lnRef>
-          <a:fillRef idx="0">
-            <a:schemeClr val="accent1"/>
-          </a:fillRef>
-          <a:effectRef idx="0">
-            <a:schemeClr val="accent1"/>
-          </a:effectRef>
-          <a:fontRef idx="minor">
-            <a:schemeClr val="tx1"/>
-          </a:fontRef>
-        </p:style>
-      </p:cxnSp>
-      <p:sp>
-        <p:nvSpPr>
-          <p:cNvPr id="17" name="Rectangle: Rounded Corners 16">
-            <a:extLst>
-              <a:ext uri="{FF2B5EF4-FFF2-40B4-BE49-F238E27FC236}">
-                <a16:creationId xmlns:a16="http://schemas.microsoft.com/office/drawing/2014/main" id="{55F2F7FD-6679-41F6-9AFC-ADB28546D9F0}"/>
-              </a:ext>
-            </a:extLst>
-          </p:cNvPr>
-          <p:cNvSpPr/>
-          <p:nvPr/>
-        </p:nvSpPr>
-        <p:spPr>
-          <a:xfrm>
-            <a:off x="7422810" y="3603589"/>
-            <a:ext cx="2460978" cy="1086415"/>
-          </a:xfrm>
-          <a:prstGeom prst="roundRect">
-            <a:avLst/>
-          </a:prstGeom>
-        </p:spPr>
-        <p:style>
-          <a:lnRef idx="1">
-            <a:schemeClr val="accent3"/>
-          </a:lnRef>
-          <a:fillRef idx="3">
-            <a:schemeClr val="accent3"/>
-          </a:fillRef>
-          <a:effectRef idx="2">
-            <a:schemeClr val="accent3"/>
-          </a:effectRef>
-          <a:fontRef idx="minor">
-            <a:schemeClr val="lt1"/>
-          </a:fontRef>
-        </p:style>
-        <p:txBody>
-          <a:bodyPr rtlCol="0" anchor="ctr"/>
-          <a:lstStyle/>
-          <a:p>
-            <a:pPr algn="ctr"/>
-            <a:r>
-              <a:rPr lang="en-US" dirty="0"/>
-              <a:t>Games  Simulator </a:t>
-            </a:r>
-          </a:p>
-        </p:txBody>
-      </p:sp>
-      <p:cxnSp>
-        <p:nvCxnSpPr>
-          <p:cNvPr id="19" name="Straight Arrow Connector 18">
-            <a:extLst>
-              <a:ext uri="{FF2B5EF4-FFF2-40B4-BE49-F238E27FC236}">
-                <a16:creationId xmlns:a16="http://schemas.microsoft.com/office/drawing/2014/main" id="{E4AE4FE4-B54B-4FCD-AB43-C1EDB21C3003}"/>
-              </a:ext>
-            </a:extLst>
-          </p:cNvPr>
-          <p:cNvCxnSpPr>
-            <a:stCxn id="13" idx="2"/>
-          </p:cNvCxnSpPr>
-          <p:nvPr/>
-        </p:nvCxnSpPr>
-        <p:spPr>
-          <a:xfrm>
-            <a:off x="8495255" y="2898079"/>
-            <a:ext cx="27856" cy="705510"/>
-          </a:xfrm>
-          <a:prstGeom prst="straightConnector1">
-            <a:avLst/>
-          </a:prstGeom>
-          <a:ln w="22225">
-            <a:solidFill>
-              <a:schemeClr val="bg1"/>
-            </a:solidFill>
-            <a:tailEnd type="triangle"/>
-          </a:ln>
-        </p:spPr>
-        <p:style>
-          <a:lnRef idx="1">
-            <a:schemeClr val="accent1"/>
-          </a:lnRef>
-          <a:fillRef idx="0">
-            <a:schemeClr val="accent1"/>
-          </a:fillRef>
-          <a:effectRef idx="0">
-            <a:schemeClr val="accent1"/>
-          </a:effectRef>
-          <a:fontRef idx="minor">
-            <a:schemeClr val="tx1"/>
-          </a:fontRef>
-        </p:style>
-      </p:cxnSp>
-      <p:sp>
-        <p:nvSpPr>
-          <p:cNvPr id="20" name="Rectangle 19">
-            <a:extLst>
-              <a:ext uri="{FF2B5EF4-FFF2-40B4-BE49-F238E27FC236}">
-                <a16:creationId xmlns:a16="http://schemas.microsoft.com/office/drawing/2014/main" id="{A9EA4CD8-29DA-4114-BC4B-3D5DAD02ED41}"/>
-              </a:ext>
-            </a:extLst>
-          </p:cNvPr>
-          <p:cNvSpPr/>
-          <p:nvPr/>
-        </p:nvSpPr>
-        <p:spPr>
-          <a:xfrm>
-            <a:off x="7130880" y="5485251"/>
-            <a:ext cx="3450531" cy="486572"/>
-          </a:xfrm>
-          <a:prstGeom prst="rect">
-            <a:avLst/>
-          </a:prstGeom>
-          <a:solidFill>
-            <a:srgbClr val="92D050"/>
-          </a:solidFill>
-          <a:ln>
-            <a:solidFill>
-              <a:srgbClr val="92D050"/>
-            </a:solidFill>
-          </a:ln>
-        </p:spPr>
-        <p:style>
-          <a:lnRef idx="2">
-            <a:schemeClr val="accent1">
-              <a:shade val="50000"/>
-            </a:schemeClr>
-          </a:lnRef>
-          <a:fillRef idx="1">
-            <a:schemeClr val="accent1"/>
-          </a:fillRef>
-          <a:effectRef idx="0">
-            <a:schemeClr val="accent1"/>
+            <a:schemeClr val="accent6"/>
           </a:effectRef>
           <a:fontRef idx="minor">
             <a:schemeClr val="lt1"/>
@@ -48316,112 +49778,6 @@
             <a:r>
               <a:rPr lang="en-US" dirty="0"/>
               <a:t>Policy score and statistics </a:t>
-            </a:r>
-          </a:p>
-        </p:txBody>
-      </p:sp>
-      <p:cxnSp>
-        <p:nvCxnSpPr>
-          <p:cNvPr id="22" name="Straight Arrow Connector 21">
-            <a:extLst>
-              <a:ext uri="{FF2B5EF4-FFF2-40B4-BE49-F238E27FC236}">
-                <a16:creationId xmlns:a16="http://schemas.microsoft.com/office/drawing/2014/main" id="{6A46A550-0B9D-40B7-B16A-AB2E2618F6EE}"/>
-              </a:ext>
-            </a:extLst>
-          </p:cNvPr>
-          <p:cNvCxnSpPr>
-            <a:cxnSpLocks/>
-          </p:cNvCxnSpPr>
-          <p:nvPr/>
-        </p:nvCxnSpPr>
-        <p:spPr>
-          <a:xfrm>
-            <a:off x="8634085" y="4690004"/>
-            <a:ext cx="0" cy="795247"/>
-          </a:xfrm>
-          <a:prstGeom prst="straightConnector1">
-            <a:avLst/>
-          </a:prstGeom>
-          <a:ln w="22225">
-            <a:solidFill>
-              <a:schemeClr val="bg1"/>
-            </a:solidFill>
-            <a:tailEnd type="triangle"/>
-          </a:ln>
-        </p:spPr>
-        <p:style>
-          <a:lnRef idx="1">
-            <a:schemeClr val="accent1"/>
-          </a:lnRef>
-          <a:fillRef idx="0">
-            <a:schemeClr val="accent1"/>
-          </a:fillRef>
-          <a:effectRef idx="0">
-            <a:schemeClr val="accent1"/>
-          </a:effectRef>
-          <a:fontRef idx="minor">
-            <a:schemeClr val="tx1"/>
-          </a:fontRef>
-        </p:style>
-      </p:cxnSp>
-      <p:sp>
-        <p:nvSpPr>
-          <p:cNvPr id="23" name="TextBox 22">
-            <a:extLst>
-              <a:ext uri="{FF2B5EF4-FFF2-40B4-BE49-F238E27FC236}">
-                <a16:creationId xmlns:a16="http://schemas.microsoft.com/office/drawing/2014/main" id="{24582EBC-508E-4638-A5EC-C1A22C280F51}"/>
-              </a:ext>
-            </a:extLst>
-          </p:cNvPr>
-          <p:cNvSpPr txBox="1"/>
-          <p:nvPr/>
-        </p:nvSpPr>
-        <p:spPr>
-          <a:xfrm>
-            <a:off x="54793" y="3296593"/>
-            <a:ext cx="7076085" cy="2862322"/>
-          </a:xfrm>
-          <a:prstGeom prst="rect">
-            <a:avLst/>
-          </a:prstGeom>
-          <a:noFill/>
-        </p:spPr>
-        <p:txBody>
-          <a:bodyPr wrap="square" rtlCol="0">
-            <a:spAutoFit/>
-          </a:bodyPr>
-          <a:lstStyle/>
-          <a:p>
-            <a:r>
-              <a:rPr lang="en-US" dirty="0"/>
-              <a:t>1. A policy function that takes state S (list of qualifying guess candidates ) and generates a guess</a:t>
-            </a:r>
-          </a:p>
-          <a:p>
-            <a:endParaRPr lang="en-US" dirty="0"/>
-          </a:p>
-          <a:p>
-            <a:r>
-              <a:rPr lang="en-US" dirty="0"/>
-              <a:t>2. A strategy game tree is generated from the policy to be able to simulate many games efficiently </a:t>
-            </a:r>
-          </a:p>
-          <a:p>
-            <a:endParaRPr lang="en-US" dirty="0"/>
-          </a:p>
-          <a:p>
-            <a:r>
-              <a:rPr lang="en-US" dirty="0"/>
-              <a:t>3. The simulator is constructed with a strategy tree as an input </a:t>
-            </a:r>
-          </a:p>
-          <a:p>
-            <a:endParaRPr lang="en-US" dirty="0"/>
-          </a:p>
-          <a:p>
-            <a:r>
-              <a:rPr lang="en-US" dirty="0"/>
-              <a:t>4. The simulator simulates games against all secret codes and generates the score for the policy (average guesses to win)</a:t>
             </a:r>
           </a:p>
         </p:txBody>
@@ -48500,7 +49856,7 @@
         </p:nvSpPr>
         <p:spPr>
           <a:xfrm>
-            <a:off x="194345" y="94478"/>
+            <a:off x="581159" y="452718"/>
             <a:ext cx="10551952" cy="1675599"/>
           </a:xfrm>
           <a:prstGeom prst="rect">
@@ -48586,7 +49942,7 @@
           <a:p>
             <a:r>
               <a:rPr lang="en-US" dirty="0"/>
-              <a:t>                 Random  Policy</a:t>
+              <a:t>Random  Policy</a:t>
             </a:r>
             <a:endParaRPr lang="en-US" sz="4000" dirty="0"/>
           </a:p>
@@ -48606,7 +49962,7 @@
         </p:nvSpPr>
         <p:spPr>
           <a:xfrm>
-            <a:off x="581159" y="767908"/>
+            <a:off x="581159" y="1770077"/>
             <a:ext cx="9778323" cy="3970318"/>
           </a:xfrm>
           <a:prstGeom prst="rect">
@@ -48687,79 +50043,6 @@
           </a:p>
         </p:txBody>
       </p:sp>
-      <p:graphicFrame>
-        <p:nvGraphicFramePr>
-          <p:cNvPr id="5" name="Chart 4">
-            <a:extLst>
-              <a:ext uri="{FF2B5EF4-FFF2-40B4-BE49-F238E27FC236}">
-                <a16:creationId xmlns:a16="http://schemas.microsoft.com/office/drawing/2014/main" id="{4874AFF5-45B6-4F4A-A9FA-CC64120C39FC}"/>
-              </a:ext>
-            </a:extLst>
-          </p:cNvPr>
-          <p:cNvGraphicFramePr>
-            <a:graphicFrameLocks/>
-          </p:cNvGraphicFramePr>
-          <p:nvPr>
-            <p:extLst>
-              <p:ext uri="{D42A27DB-BD31-4B8C-83A1-F6EECF244321}">
-                <p14:modId xmlns:p14="http://schemas.microsoft.com/office/powerpoint/2010/main" val="3055271523"/>
-              </p:ext>
-            </p:extLst>
-          </p:nvPr>
-        </p:nvGraphicFramePr>
-        <p:xfrm>
-          <a:off x="363180" y="3429001"/>
-          <a:ext cx="8316796" cy="2612570"/>
-        </p:xfrm>
-        <a:graphic>
-          <a:graphicData uri="http://schemas.openxmlformats.org/drawingml/2006/chart">
-            <c:chart xmlns:c="http://schemas.openxmlformats.org/drawingml/2006/chart" xmlns:r="http://schemas.openxmlformats.org/officeDocument/2006/relationships" r:id="rId2"/>
-          </a:graphicData>
-        </a:graphic>
-      </p:graphicFrame>
-      <p:sp>
-        <p:nvSpPr>
-          <p:cNvPr id="4" name="TextBox 3">
-            <a:extLst>
-              <a:ext uri="{FF2B5EF4-FFF2-40B4-BE49-F238E27FC236}">
-                <a16:creationId xmlns:a16="http://schemas.microsoft.com/office/drawing/2014/main" id="{C03918A6-CAB6-4583-B65D-0137962B161A}"/>
-              </a:ext>
-            </a:extLst>
-          </p:cNvPr>
-          <p:cNvSpPr txBox="1"/>
-          <p:nvPr/>
-        </p:nvSpPr>
-        <p:spPr>
-          <a:xfrm>
-            <a:off x="1034142" y="6041571"/>
-            <a:ext cx="7783287" cy="646331"/>
-          </a:xfrm>
-          <a:prstGeom prst="rect">
-            <a:avLst/>
-          </a:prstGeom>
-          <a:noFill/>
-        </p:spPr>
-        <p:txBody>
-          <a:bodyPr wrap="square" rtlCol="0">
-            <a:spAutoFit/>
-          </a:bodyPr>
-          <a:lstStyle/>
-          <a:p>
-            <a:r>
-              <a:rPr lang="en-US" dirty="0"/>
-              <a:t>Best strategy found after days of executions – yielded  </a:t>
-            </a:r>
-            <a:r>
-              <a:rPr lang="en-US" b="1" dirty="0"/>
-              <a:t>4.511 </a:t>
-            </a:r>
-            <a:r>
-              <a:rPr lang="en-US" dirty="0"/>
-              <a:t>guess to win on average </a:t>
-            </a:r>
-          </a:p>
-        </p:txBody>
-      </p:sp>
     </p:spTree>
     <p:extLst>
       <p:ext uri="{BB962C8B-B14F-4D97-AF65-F5344CB8AC3E}">
@@ -48795,7 +50078,7 @@
           <p:cNvPr id="2" name="Title 1">
             <a:extLst>
               <a:ext uri="{FF2B5EF4-FFF2-40B4-BE49-F238E27FC236}">
-                <a16:creationId xmlns:a16="http://schemas.microsoft.com/office/drawing/2014/main" id="{BFE03E1E-1CD4-4BF6-8AB2-07362D59237F}"/>
+                <a16:creationId xmlns:a16="http://schemas.microsoft.com/office/drawing/2014/main" id="{3AF6C031-1B3A-5E4F-9BFC-6F2FF9D5337B}"/>
               </a:ext>
             </a:extLst>
           </p:cNvPr>
@@ -48813,270 +50096,57 @@
           <a:p>
             <a:r>
               <a:rPr lang="en-US" dirty="0"/>
-              <a:t>         </a:t>
+              <a:t>Random Policy Results</a:t>
             </a:r>
           </a:p>
         </p:txBody>
       </p:sp>
       <p:sp>
         <p:nvSpPr>
-          <p:cNvPr id="6" name="Title 1">
+          <p:cNvPr id="3" name="Content Placeholder 2">
             <a:extLst>
               <a:ext uri="{FF2B5EF4-FFF2-40B4-BE49-F238E27FC236}">
-                <a16:creationId xmlns:a16="http://schemas.microsoft.com/office/drawing/2014/main" id="{28909404-97CF-447C-9C07-862F156F11DD}"/>
+                <a16:creationId xmlns:a16="http://schemas.microsoft.com/office/drawing/2014/main" id="{1311823B-04FF-6F43-BFC9-760694C79274}"/>
               </a:ext>
             </a:extLst>
           </p:cNvPr>
-          <p:cNvSpPr txBox="1">
-            <a:spLocks/>
+          <p:cNvSpPr>
+            <a:spLocks noGrp="1"/>
           </p:cNvSpPr>
-          <p:nvPr/>
+          <p:nvPr>
+            <p:ph idx="1"/>
+          </p:nvPr>
         </p:nvSpPr>
         <p:spPr>
           <a:xfrm>
-            <a:off x="72496" y="-21771"/>
-            <a:ext cx="10551952" cy="1675599"/>
+            <a:off x="646112" y="2052919"/>
+            <a:ext cx="9403742" cy="877318"/>
           </a:xfrm>
-          <a:prstGeom prst="rect">
-            <a:avLst/>
-          </a:prstGeom>
         </p:spPr>
         <p:txBody>
-          <a:bodyPr vert="horz" lIns="91440" tIns="45720" rIns="91440" bIns="45720" rtlCol="0" anchor="t">
-            <a:noAutofit/>
-          </a:bodyPr>
-          <a:lstStyle>
-            <a:lvl1pPr algn="l" defTabSz="457200" rtl="0" eaLnBrk="1" latinLnBrk="0" hangingPunct="1">
-              <a:spcBef>
-                <a:spcPct val="0"/>
-              </a:spcBef>
+          <a:bodyPr/>
+          <a:lstStyle/>
+          <a:p>
+            <a:pPr marL="0" indent="0">
               <a:buNone/>
-              <a:defRPr sz="4200" b="0" i="0" kern="1200">
-                <a:solidFill>
-                  <a:schemeClr val="tx2"/>
-                </a:solidFill>
-                <a:latin typeface="+mj-lt"/>
-                <a:ea typeface="+mj-ea"/>
-                <a:cs typeface="+mj-cs"/>
-              </a:defRPr>
-            </a:lvl1pPr>
-            <a:lvl2pPr eaLnBrk="1" hangingPunct="1">
-              <a:defRPr>
-                <a:solidFill>
-                  <a:schemeClr val="tx2"/>
-                </a:solidFill>
-              </a:defRPr>
-            </a:lvl2pPr>
-            <a:lvl3pPr eaLnBrk="1" hangingPunct="1">
-              <a:defRPr>
-                <a:solidFill>
-                  <a:schemeClr val="tx2"/>
-                </a:solidFill>
-              </a:defRPr>
-            </a:lvl3pPr>
-            <a:lvl4pPr eaLnBrk="1" hangingPunct="1">
-              <a:defRPr>
-                <a:solidFill>
-                  <a:schemeClr val="tx2"/>
-                </a:solidFill>
-              </a:defRPr>
-            </a:lvl4pPr>
-            <a:lvl5pPr eaLnBrk="1" hangingPunct="1">
-              <a:defRPr>
-                <a:solidFill>
-                  <a:schemeClr val="tx2"/>
-                </a:solidFill>
-              </a:defRPr>
-            </a:lvl5pPr>
-            <a:lvl6pPr eaLnBrk="1" hangingPunct="1">
-              <a:defRPr>
-                <a:solidFill>
-                  <a:schemeClr val="tx2"/>
-                </a:solidFill>
-              </a:defRPr>
-            </a:lvl6pPr>
-            <a:lvl7pPr eaLnBrk="1" hangingPunct="1">
-              <a:defRPr>
-                <a:solidFill>
-                  <a:schemeClr val="tx2"/>
-                </a:solidFill>
-              </a:defRPr>
-            </a:lvl7pPr>
-            <a:lvl8pPr eaLnBrk="1" hangingPunct="1">
-              <a:defRPr>
-                <a:solidFill>
-                  <a:schemeClr val="tx2"/>
-                </a:solidFill>
-              </a:defRPr>
-            </a:lvl8pPr>
-            <a:lvl9pPr eaLnBrk="1" hangingPunct="1">
-              <a:defRPr>
-                <a:solidFill>
-                  <a:schemeClr val="tx2"/>
-                </a:solidFill>
-              </a:defRPr>
-            </a:lvl9pPr>
-          </a:lstStyle>
-          <a:p>
+            </a:pPr>
             <a:r>
               <a:rPr lang="en-US" dirty="0"/>
-              <a:t>                 (Improved) Knuth Policy</a:t>
+              <a:t>Best strategy found after days of executions – yielded  </a:t>
             </a:r>
-            <a:endParaRPr lang="en-US" sz="4000" dirty="0"/>
-          </a:p>
-        </p:txBody>
-      </p:sp>
-      <p:sp>
-        <p:nvSpPr>
-          <p:cNvPr id="3" name="Rectangle 2">
-            <a:extLst>
-              <a:ext uri="{FF2B5EF4-FFF2-40B4-BE49-F238E27FC236}">
-                <a16:creationId xmlns:a16="http://schemas.microsoft.com/office/drawing/2014/main" id="{F96CC5E6-C228-43AA-8E68-B86504191A81}"/>
-              </a:ext>
-            </a:extLst>
-          </p:cNvPr>
-          <p:cNvSpPr/>
-          <p:nvPr/>
-        </p:nvSpPr>
-        <p:spPr>
-          <a:xfrm>
-            <a:off x="374614" y="615191"/>
-            <a:ext cx="9404722" cy="7017306"/>
-          </a:xfrm>
-          <a:prstGeom prst="rect">
-            <a:avLst/>
-          </a:prstGeom>
-        </p:spPr>
-        <p:txBody>
-          <a:bodyPr wrap="square">
-            <a:spAutoFit/>
-          </a:bodyPr>
-          <a:lstStyle/>
-          <a:p>
-            <a:pPr marL="342900" indent="-342900">
-              <a:buAutoNum type="arabicParenR"/>
-            </a:pPr>
             <a:r>
-              <a:rPr lang="en-US" sz="1600" dirty="0"/>
-              <a:t>Assign a score to each possible guess based on the worst-case  scoring algorithm – see below</a:t>
+              <a:rPr lang="en-US" b="1" dirty="0"/>
+              <a:t>4.511 </a:t>
+            </a:r>
+            <a:r>
+              <a:rPr lang="en-US" dirty="0"/>
+              <a:t>guess to win on average </a:t>
             </a:r>
           </a:p>
           <a:p>
-            <a:pPr marL="342900" indent="-342900">
-              <a:buAutoNum type="arabicParenR"/>
+            <a:pPr marL="0" indent="0">
+              <a:buNone/>
             </a:pPr>
-            <a:r>
-              <a:rPr lang="en-US" sz="1600" dirty="0"/>
-              <a:t>Pick the guess with the best (lowest score)score. In case of a tie prefer a guess from the qualifying candidates   </a:t>
-            </a:r>
-          </a:p>
-          <a:p>
-            <a:pPr marL="342900" indent="-342900">
-              <a:buAutoNum type="arabicParenR"/>
-            </a:pPr>
-            <a:r>
-              <a:rPr lang="en-US" sz="1600" dirty="0"/>
-              <a:t>If winning guess quit  </a:t>
-            </a:r>
-          </a:p>
-          <a:p>
-            <a:r>
-              <a:rPr lang="en-US" sz="1600" dirty="0"/>
-              <a:t>2)  Based on the response, filters out the candidates list</a:t>
-            </a:r>
-          </a:p>
-          <a:p>
-            <a:pPr marL="342900" indent="-342900">
-              <a:buAutoNum type="arabicParenR" startAt="3"/>
-            </a:pPr>
-            <a:r>
-              <a:rPr lang="en-US" sz="1600" dirty="0"/>
-              <a:t>Go to 1)</a:t>
-            </a:r>
-          </a:p>
-          <a:p>
-            <a:pPr marL="342900" indent="-342900">
-              <a:buAutoNum type="arabicParenR" startAt="3"/>
-            </a:pPr>
-            <a:endParaRPr lang="en-US" dirty="0"/>
-          </a:p>
-          <a:p>
-            <a:r>
-              <a:rPr lang="en-US" sz="1600" b="1" u="sng" dirty="0"/>
-              <a:t>worst-case scoring algorithm</a:t>
-            </a:r>
-          </a:p>
-          <a:p>
-            <a:r>
-              <a:rPr lang="en-US" sz="1600" dirty="0"/>
-              <a:t>For the guess evaluated, compute all the different 15  lists of qualifying candidates ,one for each possible response, from the existing list of qualifying candidates. </a:t>
-            </a:r>
-          </a:p>
-          <a:p>
-            <a:r>
-              <a:rPr lang="en-US" sz="1600" dirty="0"/>
-              <a:t>The length of the </a:t>
-            </a:r>
-            <a:r>
-              <a:rPr lang="en-US" sz="1600" b="1" dirty="0"/>
-              <a:t>longest</a:t>
-            </a:r>
-            <a:r>
-              <a:rPr lang="en-US" sz="1600" dirty="0"/>
-              <a:t> list is the score of the guess.</a:t>
-            </a:r>
-          </a:p>
-          <a:p>
-            <a:endParaRPr lang="en-US" sz="1600" dirty="0"/>
-          </a:p>
-          <a:p>
-            <a:r>
-              <a:rPr lang="en-US" sz="1600" dirty="0"/>
-              <a:t>Building a strategy tree out of Knuth  policy takes a while but it yields right a way a good result of 4.476  guesses on average to win. Shuffling the full list of guesses  randomly and rerunning it repeatedly  ,capturing the best result, yields  </a:t>
-            </a:r>
-            <a:r>
-              <a:rPr lang="en-US" sz="1600" b="1" dirty="0"/>
-              <a:t>4.451</a:t>
-            </a:r>
-            <a:r>
-              <a:rPr lang="en-US" sz="1600" dirty="0"/>
-              <a:t> average guesses as the best result</a:t>
-            </a:r>
-          </a:p>
-          <a:p>
-            <a:r>
-              <a:rPr lang="en-US" sz="1600" dirty="0"/>
-              <a:t> </a:t>
-            </a:r>
-          </a:p>
-          <a:p>
-            <a:endParaRPr lang="en-US" sz="1600" dirty="0"/>
-          </a:p>
-          <a:p>
-            <a:endParaRPr lang="en-US" sz="1600" dirty="0"/>
-          </a:p>
-          <a:p>
-            <a:endParaRPr lang="en-US" dirty="0"/>
-          </a:p>
-          <a:p>
-            <a:endParaRPr lang="en-US" dirty="0"/>
-          </a:p>
-          <a:p>
-            <a:endParaRPr lang="en-US" dirty="0"/>
-          </a:p>
-          <a:p>
-            <a:endParaRPr lang="en-US" dirty="0"/>
-          </a:p>
-          <a:p>
-            <a:endParaRPr lang="en-US" dirty="0"/>
-          </a:p>
-          <a:p>
-            <a:endParaRPr lang="en-US" dirty="0"/>
-          </a:p>
-          <a:p>
-            <a:endParaRPr lang="en-US" dirty="0"/>
-          </a:p>
-          <a:p>
             <a:endParaRPr lang="en-US" dirty="0"/>
           </a:p>
         </p:txBody>
@@ -49086,7 +50156,7 @@
           <p:cNvPr id="5" name="Chart 4">
             <a:extLst>
               <a:ext uri="{FF2B5EF4-FFF2-40B4-BE49-F238E27FC236}">
-                <a16:creationId xmlns:a16="http://schemas.microsoft.com/office/drawing/2014/main" id="{3C6AF83A-F6B8-48F9-B196-53A5B5C07D9F}"/>
+                <a16:creationId xmlns:a16="http://schemas.microsoft.com/office/drawing/2014/main" id="{47650D73-8F40-254F-BEAF-87CE96365AA9}"/>
               </a:ext>
             </a:extLst>
           </p:cNvPr>
@@ -49096,14 +50166,14 @@
           <p:nvPr>
             <p:extLst>
               <p:ext uri="{D42A27DB-BD31-4B8C-83A1-F6EECF244321}">
-                <p14:modId xmlns:p14="http://schemas.microsoft.com/office/powerpoint/2010/main" val="1181033402"/>
+                <p14:modId xmlns:p14="http://schemas.microsoft.com/office/powerpoint/2010/main" val="3094609126"/>
               </p:ext>
             </p:extLst>
           </p:nvPr>
         </p:nvGraphicFramePr>
         <p:xfrm>
-          <a:off x="236069" y="4833257"/>
-          <a:ext cx="10021243" cy="2177143"/>
+          <a:off x="646111" y="3411188"/>
+          <a:ext cx="8316796" cy="2612570"/>
         </p:xfrm>
         <a:graphic>
           <a:graphicData uri="http://schemas.openxmlformats.org/drawingml/2006/chart">
@@ -49114,7 +50184,7 @@
     </p:spTree>
     <p:extLst>
       <p:ext uri="{BB962C8B-B14F-4D97-AF65-F5344CB8AC3E}">
-        <p14:creationId xmlns:p14="http://schemas.microsoft.com/office/powerpoint/2010/main" val="3340501789"/>
+        <p14:creationId xmlns:p14="http://schemas.microsoft.com/office/powerpoint/2010/main" val="953220066"/>
       </p:ext>
     </p:extLst>
   </p:cSld>

--- a/ai_final_project_mastermind.pptx
+++ b/ai_final_project_mastermind.pptx
@@ -35711,8 +35711,19 @@
           <a:p>
             <a:r>
               <a:rPr lang="en-US" dirty="0"/>
-              <a:t>4. The simulator simulates games against all secret codes and generates the score for the policy (average guesses to win)</a:t>
+              <a:t>4. The simulator simulates games against all </a:t>
             </a:r>
+            <a:r>
+              <a:rPr lang="en-US" sz="1200" dirty="0"/>
+              <a:t>1296 </a:t>
+            </a:r>
+            <a:r>
+              <a:rPr lang="en-US" dirty="0"/>
+              <a:t>secret codes and generates the score for the policy (average guesses to win) </a:t>
+            </a:r>
+          </a:p>
+          <a:p>
+            <a:endParaRPr lang="en-US" dirty="0"/>
           </a:p>
           <a:p>
             <a:endParaRPr lang="en-US" dirty="0"/>
@@ -43182,7 +43193,7 @@
         <p:spPr>
           <a:xfrm>
             <a:off x="488913" y="1445594"/>
-            <a:ext cx="11408677" cy="5262979"/>
+            <a:ext cx="11408677" cy="4893647"/>
           </a:xfrm>
           <a:prstGeom prst="rect">
             <a:avLst/>
@@ -43194,8 +43205,9 @@
           </a:bodyPr>
           <a:lstStyle/>
           <a:p>
-            <a:pPr marL="342900" indent="-342900">
-              <a:buAutoNum type="arabicParenR"/>
+            <a:pPr marL="457200" indent="-457200">
+              <a:buFont typeface="+mj-lt"/>
+              <a:buAutoNum type="arabicPeriod"/>
             </a:pPr>
             <a:r>
               <a:rPr lang="en-US" sz="2400" dirty="0"/>
@@ -43203,8 +43215,9 @@
             </a:r>
           </a:p>
           <a:p>
-            <a:pPr marL="342900" indent="-342900">
-              <a:buAutoNum type="arabicParenR"/>
+            <a:pPr marL="457200" indent="-457200">
+              <a:buFont typeface="+mj-lt"/>
+              <a:buAutoNum type="arabicPeriod"/>
             </a:pPr>
             <a:r>
               <a:rPr lang="en-US" sz="2400" dirty="0"/>
@@ -43212,8 +43225,9 @@
             </a:r>
           </a:p>
           <a:p>
-            <a:pPr marL="342900" indent="-342900">
-              <a:buAutoNum type="arabicParenR"/>
+            <a:pPr marL="457200" indent="-457200">
+              <a:buFont typeface="+mj-lt"/>
+              <a:buAutoNum type="arabicPeriod"/>
             </a:pPr>
             <a:r>
               <a:rPr lang="en-US" sz="2400" dirty="0"/>
@@ -43221,14 +43235,19 @@
             </a:r>
           </a:p>
           <a:p>
+            <a:pPr marL="457200" indent="-457200">
+              <a:buFont typeface="+mj-lt"/>
+              <a:buAutoNum type="arabicPeriod"/>
+            </a:pPr>
             <a:r>
               <a:rPr lang="en-US" sz="2400" dirty="0"/>
-              <a:t>2) Filter out the candidates list based on the response.</a:t>
+              <a:t>Filter out the candidates list based on the response.</a:t>
             </a:r>
           </a:p>
           <a:p>
-            <a:pPr marL="342900" indent="-342900">
-              <a:buAutoNum type="arabicParenR" startAt="3"/>
+            <a:pPr marL="457200" indent="-457200">
+              <a:buFont typeface="+mj-lt"/>
+              <a:buAutoNum type="arabicPeriod"/>
             </a:pPr>
             <a:r>
               <a:rPr lang="en-US" sz="2400" dirty="0"/>
@@ -43237,36 +43256,26 @@
           </a:p>
           <a:p>
             <a:pPr marL="342900" indent="-342900">
-              <a:buAutoNum type="arabicParenR" startAt="3"/>
+              <a:buAutoNum type="arabicPeriod"/>
             </a:pPr>
             <a:endParaRPr lang="en-US" sz="2400" dirty="0"/>
           </a:p>
           <a:p>
             <a:r>
               <a:rPr lang="en-US" sz="2400" b="1" dirty="0"/>
-              <a:t>Worst-case scoring algorithm</a:t>
+              <a:t>Worst-case scoring algorithm:</a:t>
             </a:r>
           </a:p>
           <a:p>
             <a:r>
               <a:rPr lang="en-US" sz="2400" dirty="0"/>
-              <a:t>For the guess under evaluation:</a:t>
-            </a:r>
-          </a:p>
-          <a:p>
-            <a:pPr marL="457200" indent="-457200">
-              <a:buFont typeface="+mj-lt"/>
-              <a:buAutoNum type="arabicParenR"/>
-            </a:pPr>
-            <a:r>
-              <a:rPr lang="en-US" sz="2400" dirty="0"/>
-              <a:t>Compute all the different 15  lists of qualifying candidates, one for each possible response, from the existing list of qualifying candidates. </a:t>
+              <a:t>For each guess, compute the 15 lists of qualifying candidates (one for each possible response) from the existing candidate list. </a:t>
             </a:r>
           </a:p>
           <a:p>
             <a:r>
               <a:rPr lang="en-US" sz="2400" dirty="0"/>
-              <a:t>The length of the </a:t>
+              <a:t>Length of </a:t>
             </a:r>
             <a:r>
               <a:rPr lang="en-US" sz="2400" b="1" dirty="0"/>
@@ -43274,7 +43283,7 @@
             </a:r>
             <a:r>
               <a:rPr lang="en-US" sz="2400" dirty="0"/>
-              <a:t> list is the score of the guess.</a:t>
+              <a:t> list = score of the guess.</a:t>
             </a:r>
           </a:p>
           <a:p>
@@ -43358,35 +43367,55 @@
         </p:nvSpPr>
         <p:spPr>
           <a:xfrm>
-            <a:off x="646112" y="2052918"/>
-            <a:ext cx="9403742" cy="4195481"/>
+            <a:off x="647091" y="1635474"/>
+            <a:ext cx="11379257" cy="4195481"/>
           </a:xfrm>
         </p:spPr>
         <p:txBody>
-          <a:bodyPr/>
+          <a:bodyPr>
+            <a:normAutofit/>
+          </a:bodyPr>
           <a:lstStyle/>
           <a:p>
             <a:pPr marL="0" indent="0">
               <a:buNone/>
             </a:pPr>
             <a:r>
-              <a:rPr lang="en-US" dirty="0"/>
-              <a:t>Building a strategy tree out of Knuth  policy takes a while but it yields right a way a good result of 4.476  guesses on average to win. Shuffling the full list of guesses  randomly and rerunning it repeatedly  ,capturing the best result, yields  </a:t>
-            </a:r>
-            <a:r>
-              <a:rPr lang="en-US" b="1" dirty="0"/>
-              <a:t>4.451</a:t>
-            </a:r>
-            <a:r>
-              <a:rPr lang="en-US" dirty="0"/>
-              <a:t> average guesses as the best result</a:t>
+              <a:rPr lang="en-US" sz="2400" dirty="0"/>
+              <a:t>Building a strategy tree out of Knuth policy is time intensive</a:t>
             </a:r>
           </a:p>
           <a:p>
             <a:pPr marL="0" indent="0">
               <a:buNone/>
             </a:pPr>
-            <a:endParaRPr lang="en-US" dirty="0"/>
+            <a:r>
+              <a:rPr lang="en-US" sz="2400" dirty="0"/>
+              <a:t>Achieves 4.476  guess average relatively quickly</a:t>
+            </a:r>
+          </a:p>
+          <a:p>
+            <a:pPr marL="0" indent="0">
+              <a:buNone/>
+            </a:pPr>
+            <a:r>
+              <a:rPr lang="en-US" sz="2400" dirty="0"/>
+              <a:t>Shuffling list of guesses and rerunning repeatedly yields </a:t>
+            </a:r>
+            <a:r>
+              <a:rPr lang="en-US" sz="2400" b="1" dirty="0"/>
+              <a:t>4.451</a:t>
+            </a:r>
+            <a:r>
+              <a:rPr lang="en-US" sz="2400" dirty="0"/>
+              <a:t> guess average</a:t>
+            </a:r>
+          </a:p>
+          <a:p>
+            <a:pPr marL="0" indent="0">
+              <a:buNone/>
+            </a:pPr>
+            <a:endParaRPr lang="en-US" sz="2400" dirty="0"/>
           </a:p>
         </p:txBody>
       </p:sp>
@@ -43405,14 +43434,14 @@
           <p:nvPr>
             <p:extLst>
               <p:ext uri="{D42A27DB-BD31-4B8C-83A1-F6EECF244321}">
-                <p14:modId xmlns:p14="http://schemas.microsoft.com/office/powerpoint/2010/main" val="2912805526"/>
+                <p14:modId xmlns:p14="http://schemas.microsoft.com/office/powerpoint/2010/main" val="306503530"/>
               </p:ext>
             </p:extLst>
           </p:nvPr>
         </p:nvGraphicFramePr>
         <p:xfrm>
-          <a:off x="1023798" y="4071256"/>
-          <a:ext cx="10021243" cy="2177143"/>
+          <a:off x="2535036" y="3419060"/>
+          <a:ext cx="7126289" cy="3047999"/>
         </p:xfrm>
         <a:graphic>
           <a:graphicData uri="http://schemas.openxmlformats.org/drawingml/2006/chart">
@@ -47442,7 +47471,7 @@
         <p:spPr>
           <a:xfrm>
             <a:off x="489097" y="1532900"/>
-            <a:ext cx="11121655" cy="2677656"/>
+            <a:ext cx="11121655" cy="1938992"/>
           </a:xfrm>
           <a:prstGeom prst="rect">
             <a:avLst/>
@@ -47455,30 +47484,23 @@
           </a:bodyPr>
           <a:lstStyle/>
           <a:p>
-            <a:pPr marL="342900" indent="-342900">
-              <a:buFont typeface="Arial" panose="020B0604020202020204" pitchFamily="34" charset="0"/>
-              <a:buChar char="•"/>
+            <a:pPr marL="457200" indent="-457200">
+              <a:buFont typeface="+mj-lt"/>
+              <a:buAutoNum type="arabicPeriod"/>
             </a:pPr>
             <a:r>
               <a:rPr lang="en-US" sz="2400" dirty="0"/>
-              <a:t>Write a python program that learns a mastermind playing policy that is competitive with existing policies and better than a naïve playing policy</a:t>
+              <a:t>Create a Mastermind playing policy that is competitive with existing policies and better than a naïve playing policy</a:t>
             </a:r>
           </a:p>
           <a:p>
-            <a:pPr marL="342900" indent="-342900">
-              <a:buFont typeface="Arial" panose="020B0604020202020204" pitchFamily="34" charset="0"/>
-              <a:buChar char="•"/>
-            </a:pPr>
-            <a:endParaRPr lang="en-US" sz="2400" dirty="0"/>
-          </a:p>
-          <a:p>
-            <a:pPr marL="342900" indent="-342900">
-              <a:buFont typeface="Arial" panose="020B0604020202020204" pitchFamily="34" charset="0"/>
-              <a:buChar char="•"/>
+            <a:pPr marL="457200" indent="-457200">
+              <a:buFont typeface="+mj-lt"/>
+              <a:buAutoNum type="arabicPeriod"/>
             </a:pPr>
             <a:r>
               <a:rPr lang="en-US" sz="2400" dirty="0"/>
-              <a:t>Build a generic framework to evaluate any arbitrary mastermind policy   </a:t>
+              <a:t>Build a generic framework to evaluate any Mastermind policy   </a:t>
             </a:r>
           </a:p>
           <a:p>
@@ -47994,7 +48016,7 @@
         <p:spPr>
           <a:xfrm>
             <a:off x="388690" y="1495547"/>
-            <a:ext cx="10711701" cy="5262979"/>
+            <a:ext cx="10711701" cy="3416320"/>
           </a:xfrm>
           <a:prstGeom prst="rect">
             <a:avLst/>
@@ -48063,40 +48085,6 @@
               <a:rPr lang="en-US" sz="2400" dirty="0"/>
               <a:t>} is.</a:t>
             </a:r>
-          </a:p>
-          <a:p>
-            <a:pPr marL="342900" indent="-342900">
-              <a:buFont typeface="Arial" panose="020B0604020202020204" pitchFamily="34" charset="0"/>
-              <a:buChar char="•"/>
-            </a:pPr>
-            <a:endParaRPr lang="en-US" sz="2400" dirty="0"/>
-          </a:p>
-          <a:p>
-            <a:pPr marL="342900" indent="-342900">
-              <a:buFont typeface="Arial" panose="020B0604020202020204" pitchFamily="34" charset="0"/>
-              <a:buChar char="•"/>
-            </a:pPr>
-            <a:r>
-              <a:rPr lang="en-US" sz="2400" dirty="0"/>
-              <a:t>Evaluated by simulating it playing against all 1296 possible secret codes</a:t>
-            </a:r>
-          </a:p>
-          <a:p>
-            <a:pPr marL="342900" indent="-342900">
-              <a:buFont typeface="Arial" panose="020B0604020202020204" pitchFamily="34" charset="0"/>
-              <a:buChar char="•"/>
-            </a:pPr>
-            <a:r>
-              <a:rPr lang="en-US" sz="2400" dirty="0"/>
-              <a:t>   </a:t>
-            </a:r>
-          </a:p>
-          <a:p>
-            <a:pPr marL="342900" indent="-342900">
-              <a:buFont typeface="Arial" panose="020B0604020202020204" pitchFamily="34" charset="0"/>
-              <a:buChar char="•"/>
-            </a:pPr>
-            <a:endParaRPr lang="en-US" sz="2400" dirty="0"/>
           </a:p>
           <a:p>
             <a:pPr marL="342900" indent="-342900">
@@ -50294,36 +50282,43 @@
           </a:bodyPr>
           <a:lstStyle/>
           <a:p>
-            <a:pPr marL="342900" indent="-342900">
-              <a:buAutoNum type="arabicParenR"/>
+            <a:pPr marL="457200" indent="-457200">
+              <a:buFont typeface="+mj-lt"/>
+              <a:buAutoNum type="arabicPeriod"/>
             </a:pPr>
             <a:r>
               <a:rPr lang="en-US" sz="2400" dirty="0"/>
-              <a:t>Pick a guess randomly from the list of qualifying candidates</a:t>
+              <a:t>Pick a guess randomly from the list of qualifying candidates.</a:t>
             </a:r>
           </a:p>
           <a:p>
-            <a:pPr marL="342900" indent="-342900">
-              <a:buAutoNum type="arabicParenR"/>
+            <a:pPr marL="457200" indent="-457200">
+              <a:buFont typeface="+mj-lt"/>
+              <a:buAutoNum type="arabicPeriod"/>
             </a:pPr>
             <a:r>
               <a:rPr lang="en-US" sz="2400" dirty="0"/>
-              <a:t>If it is a winning guess, quit  </a:t>
+              <a:t>If it is a winning guess, quit.</a:t>
             </a:r>
           </a:p>
           <a:p>
+            <a:pPr marL="457200" indent="-457200">
+              <a:buFont typeface="+mj-lt"/>
+              <a:buAutoNum type="arabicPeriod"/>
+            </a:pPr>
             <a:r>
               <a:rPr lang="en-US" sz="2400" dirty="0"/>
-              <a:t>2) Based on the response, filters out the candidate list </a:t>
+              <a:t>Based on the response, filters out the candidate list.</a:t>
             </a:r>
           </a:p>
           <a:p>
-            <a:pPr marL="342900" indent="-342900">
-              <a:buAutoNum type="arabicParenR" startAt="3"/>
+            <a:pPr marL="457200" indent="-457200">
+              <a:buFont typeface="+mj-lt"/>
+              <a:buAutoNum type="arabicPeriod"/>
             </a:pPr>
             <a:r>
               <a:rPr lang="en-US" sz="2400" dirty="0"/>
-              <a:t>Go to 1)</a:t>
+              <a:t>Go back to 1.</a:t>
             </a:r>
           </a:p>
           <a:p>
@@ -50347,19 +50342,28 @@
             <a:endParaRPr lang="en-US" sz="2400" dirty="0"/>
           </a:p>
           <a:p>
+            <a:pPr marL="457200" indent="-457200">
+              <a:buFont typeface="+mj-lt"/>
+              <a:buAutoNum type="arabicPeriod"/>
+            </a:pPr>
+            <a:endParaRPr lang="en-US" sz="2400" dirty="0"/>
+          </a:p>
+          <a:p>
+            <a:pPr marL="457200" indent="-457200">
+              <a:buFont typeface="+mj-lt"/>
+              <a:buAutoNum type="arabicPeriod"/>
+            </a:pPr>
+            <a:endParaRPr lang="en-US" sz="2400" dirty="0"/>
+          </a:p>
+          <a:p>
+            <a:pPr marL="457200" indent="-457200">
+              <a:buFont typeface="+mj-lt"/>
+              <a:buAutoNum type="arabicPeriod"/>
+            </a:pPr>
             <a:endParaRPr lang="en-US" sz="2400" dirty="0"/>
           </a:p>
           <a:p>
             <a:endParaRPr lang="en-US" sz="2400" dirty="0"/>
-          </a:p>
-          <a:p>
-            <a:endParaRPr lang="en-US" sz="2400" dirty="0"/>
-          </a:p>
-          <a:p>
-            <a:r>
-              <a:rPr lang="en-US" sz="2400" dirty="0"/>
-              <a:t> </a:t>
-            </a:r>
           </a:p>
         </p:txBody>
       </p:sp>
@@ -50439,8 +50443,8 @@
         </p:nvSpPr>
         <p:spPr>
           <a:xfrm>
-            <a:off x="646112" y="2052919"/>
-            <a:ext cx="9403742" cy="877318"/>
+            <a:off x="646111" y="2052919"/>
+            <a:ext cx="11797680" cy="877318"/>
           </a:xfrm>
         </p:spPr>
         <p:txBody>
@@ -50451,15 +50455,15 @@
               <a:buNone/>
             </a:pPr>
             <a:r>
-              <a:rPr lang="en-US" dirty="0"/>
-              <a:t>Best strategy found after days of execution: </a:t>
+              <a:rPr lang="en-US" sz="2400" dirty="0"/>
+              <a:t>Best strategy found: </a:t>
             </a:r>
             <a:r>
-              <a:rPr lang="en-US" b="1" dirty="0"/>
+              <a:rPr lang="en-US" sz="2400" b="1" dirty="0"/>
               <a:t>4.511 </a:t>
             </a:r>
             <a:r>
-              <a:rPr lang="en-US" dirty="0"/>
+              <a:rPr lang="en-US" sz="2400" dirty="0"/>
               <a:t>guesses to win on average </a:t>
             </a:r>
           </a:p>
@@ -50486,14 +50490,14 @@
           <p:nvPr>
             <p:extLst>
               <p:ext uri="{D42A27DB-BD31-4B8C-83A1-F6EECF244321}">
-                <p14:modId xmlns:p14="http://schemas.microsoft.com/office/powerpoint/2010/main" val="1024156158"/>
+                <p14:modId xmlns:p14="http://schemas.microsoft.com/office/powerpoint/2010/main" val="2550422735"/>
               </p:ext>
             </p:extLst>
           </p:nvPr>
         </p:nvGraphicFramePr>
         <p:xfrm>
-          <a:off x="1938198" y="3351554"/>
-          <a:ext cx="8316796" cy="2612570"/>
+          <a:off x="1898442" y="2930237"/>
+          <a:ext cx="8316796" cy="3307663"/>
         </p:xfrm>
         <a:graphic>
           <a:graphicData uri="http://schemas.openxmlformats.org/drawingml/2006/chart">

--- a/ai_final_project_mastermind.pptx
+++ b/ai_final_project_mastermind.pptx
@@ -15411,7 +15411,7 @@
                   </a:defRPr>
                 </a:pPr>
                 <a:r>
-                  <a:rPr lang="en-US"/>
+                  <a:rPr lang="en-US" dirty="0"/>
                   <a:t>Iterations</a:t>
                 </a:r>
               </a:p>
@@ -15522,7 +15522,7 @@
                   </a:defRPr>
                 </a:pPr>
                 <a:r>
-                  <a:rPr lang="en-US"/>
+                  <a:rPr lang="en-US" dirty="0"/>
                   <a:t>Best Average</a:t>
                 </a:r>
               </a:p>
@@ -16734,7 +16734,7 @@
                   </a:defRPr>
                 </a:pPr>
                 <a:r>
-                  <a:rPr lang="en-US"/>
+                  <a:rPr lang="en-US" dirty="0"/>
                   <a:t>Iterations</a:t>
                 </a:r>
               </a:p>
@@ -16845,9 +16845,14 @@
                   </a:defRPr>
                 </a:pPr>
                 <a:r>
-                  <a:rPr lang="en-US"/>
-                  <a:t>Best Avarage</a:t>
+                  <a:rPr lang="en-US" dirty="0"/>
+                  <a:t>Best </a:t>
                 </a:r>
+                <a:r>
+                  <a:rPr lang="en-US" dirty="0" err="1"/>
+                  <a:t>Avarage</a:t>
+                </a:r>
+                <a:endParaRPr lang="en-US" dirty="0"/>
               </a:p>
             </c:rich>
           </c:tx>
@@ -17009,7 +17014,7 @@
               </a:defRPr>
             </a:pPr>
             <a:r>
-              <a:rPr lang="en-US" b="1" dirty="0">
+              <a:rPr lang="en-US" b="1">
                 <a:solidFill>
                   <a:schemeClr val="bg1"/>
                 </a:solidFill>
@@ -27937,7 +27942,7 @@
                   </a:defRPr>
                 </a:pPr>
                 <a:r>
-                  <a:rPr lang="en-US" b="1" dirty="0">
+                  <a:rPr lang="en-US" b="1">
                     <a:solidFill>
                       <a:schemeClr val="bg1"/>
                     </a:solidFill>
@@ -28107,7 +28112,7 @@
               </a:defRPr>
             </a:pPr>
             <a:r>
-              <a:rPr lang="en-US" b="1" dirty="0">
+              <a:rPr lang="en-US" b="1">
                 <a:solidFill>
                   <a:schemeClr val="bg1"/>
                 </a:solidFill>
@@ -28115,14 +28120,14 @@
               <a:t>Improvement over</a:t>
             </a:r>
             <a:r>
-              <a:rPr lang="en-US" b="1" baseline="0" dirty="0">
+              <a:rPr lang="en-US" b="1" baseline="0">
                 <a:solidFill>
                   <a:schemeClr val="bg1"/>
                 </a:solidFill>
               </a:rPr>
               <a:t> time</a:t>
             </a:r>
-            <a:endParaRPr lang="en-US" b="1" dirty="0">
+            <a:endParaRPr lang="en-US" b="1">
               <a:solidFill>
                 <a:schemeClr val="bg1"/>
               </a:solidFill>
@@ -32421,7 +32426,7 @@
                   </a:defRPr>
                 </a:pPr>
                 <a:r>
-                  <a:rPr lang="en-US" dirty="0">
+                  <a:rPr lang="en-US">
                     <a:solidFill>
                       <a:schemeClr val="bg1"/>
                     </a:solidFill>
@@ -32538,7 +32543,7 @@
                   </a:defRPr>
                 </a:pPr>
                 <a:r>
-                  <a:rPr lang="en-US" dirty="0">
+                  <a:rPr lang="en-US">
                     <a:solidFill>
                       <a:schemeClr val="bg1"/>
                     </a:solidFill>
@@ -35410,7 +35415,7 @@
               <a:rPr lang="en-US" smtClean="0"/>
               <a:t>2</a:t>
             </a:fld>
-            <a:endParaRPr lang="en-US"/>
+            <a:endParaRPr lang="en-US" dirty="0"/>
           </a:p>
         </p:txBody>
       </p:sp>
@@ -35471,10 +35476,67 @@
           <a:bodyPr/>
           <a:lstStyle/>
           <a:p>
+            <a:pPr marL="0" marR="0" lvl="0" indent="0" algn="l" defTabSz="914400" rtl="0" eaLnBrk="1" fontAlgn="auto" latinLnBrk="0" hangingPunct="1">
+              <a:lnSpc>
+                <a:spcPct val="100000"/>
+              </a:lnSpc>
+              <a:spcBef>
+                <a:spcPts val="0"/>
+              </a:spcBef>
+              <a:spcAft>
+                <a:spcPts val="0"/>
+              </a:spcAft>
+              <a:buClrTx/>
+              <a:buSzTx/>
+              <a:buFontTx/>
+              <a:buNone/>
+              <a:tabLst/>
+              <a:defRPr/>
+            </a:pPr>
+            <a:r>
+              <a:rPr lang="en-US" sz="1200" dirty="0"/>
+              <a:t>A guess choosing algorithm (s) employed at each turn of the game until the secret code is guessed (win condition)</a:t>
+            </a:r>
+          </a:p>
+          <a:p>
+            <a:endParaRPr lang="en-US" sz="1200" dirty="0"/>
+          </a:p>
+          <a:p>
+            <a:pPr marL="0" marR="0" lvl="0" indent="0" algn="l" defTabSz="914400" rtl="0" eaLnBrk="1" fontAlgn="auto" latinLnBrk="0" hangingPunct="1">
+              <a:lnSpc>
+                <a:spcPct val="100000"/>
+              </a:lnSpc>
+              <a:spcBef>
+                <a:spcPts val="0"/>
+              </a:spcBef>
+              <a:spcAft>
+                <a:spcPts val="0"/>
+              </a:spcAft>
+              <a:buClrTx/>
+              <a:buSzTx/>
+              <a:buFontTx/>
+              <a:buNone/>
+              <a:tabLst/>
+              <a:defRPr/>
+            </a:pPr>
+            <a:r>
+              <a:rPr lang="en-US" sz="1200" dirty="0"/>
+              <a:t>Qualifying candidates that are consistent with previous guesses and responses.</a:t>
+            </a:r>
+          </a:p>
+          <a:p>
+            <a:endParaRPr lang="en-US" sz="1200" dirty="0"/>
+          </a:p>
+          <a:p>
             <a:r>
               <a:rPr lang="en-US" sz="1200" dirty="0"/>
               <a:t>The average guesses to win is the score of the policy. The lower the better. </a:t>
             </a:r>
+          </a:p>
+          <a:p>
+            <a:endParaRPr lang="en-US" sz="1200" dirty="0"/>
+          </a:p>
+          <a:p>
             <a:endParaRPr lang="en-US" dirty="0"/>
           </a:p>
         </p:txBody>
@@ -35498,7 +35560,7 @@
               <a:rPr lang="en-US" smtClean="0"/>
               <a:t>4</a:t>
             </a:fld>
-            <a:endParaRPr lang="en-US"/>
+            <a:endParaRPr lang="en-US" dirty="0"/>
           </a:p>
         </p:txBody>
       </p:sp>
@@ -35621,7 +35683,7 @@
               <a:rPr lang="en-US" smtClean="0"/>
               <a:t>5</a:t>
             </a:fld>
-            <a:endParaRPr lang="en-US"/>
+            <a:endParaRPr lang="en-US" dirty="0"/>
           </a:p>
         </p:txBody>
       </p:sp>
@@ -35749,7 +35811,7 @@
               <a:rPr lang="en-US" smtClean="0"/>
               <a:t>7</a:t>
             </a:fld>
-            <a:endParaRPr lang="en-US"/>
+            <a:endParaRPr lang="en-US" dirty="0"/>
           </a:p>
         </p:txBody>
       </p:sp>
@@ -35856,7 +35918,7 @@
               <a:rPr lang="en-US" smtClean="0"/>
               <a:t>8</a:t>
             </a:fld>
-            <a:endParaRPr lang="en-US"/>
+            <a:endParaRPr lang="en-US" dirty="0"/>
           </a:p>
         </p:txBody>
       </p:sp>
@@ -35935,27 +35997,27 @@
               <a:defRPr/>
             </a:pPr>
             <a:r>
-              <a:rPr lang="en-US" sz="1200" dirty="0"/>
+              <a:rPr lang="en-US" sz="1200"/>
               <a:t>(typically no more than 10 guesses ) and captures high-quality information. Our NN will learn and update itself using the outcome of many games.</a:t>
             </a:r>
           </a:p>
           <a:p>
-            <a:endParaRPr lang="en-US" dirty="0"/>
+            <a:endParaRPr lang="en-US"/>
           </a:p>
           <a:p>
             <a:r>
-              <a:rPr lang="en-US" sz="1200" dirty="0"/>
+              <a:rPr lang="en-US" sz="1200"/>
               <a:t>The number of guesses to win in a game propagates back to each guess in the game</a:t>
             </a:r>
           </a:p>
           <a:p>
             <a:r>
-              <a:rPr lang="en-US" sz="1200" dirty="0"/>
+              <a:rPr lang="en-US" sz="1200"/>
               <a:t>as a score of how far the guess was from winning. A NN network will be trained based on the guess and its score that will act as label</a:t>
             </a:r>
           </a:p>
           <a:p>
-            <a:endParaRPr lang="en-US" dirty="0"/>
+            <a:endParaRPr lang="en-US"/>
           </a:p>
         </p:txBody>
       </p:sp>
@@ -35986,6 +36048,113 @@
     <p:extLst>
       <p:ext uri="{BB962C8B-B14F-4D97-AF65-F5344CB8AC3E}">
         <p14:creationId xmlns:p14="http://schemas.microsoft.com/office/powerpoint/2010/main" val="167852826"/>
+      </p:ext>
+    </p:extLst>
+  </p:cSld>
+  <p:clrMapOvr>
+    <a:masterClrMapping/>
+  </p:clrMapOvr>
+</p:notes>
+</file>
+
+<file path=ppt/notesSlides/notesSlide7.xml><?xml version="1.0" encoding="utf-8"?>
+<p:notes xmlns:a="http://schemas.openxmlformats.org/drawingml/2006/main" xmlns:r="http://schemas.openxmlformats.org/officeDocument/2006/relationships" xmlns:p="http://schemas.openxmlformats.org/presentationml/2006/main">
+  <p:cSld>
+    <p:spTree>
+      <p:nvGrpSpPr>
+        <p:cNvPr id="1" name=""/>
+        <p:cNvGrpSpPr/>
+        <p:nvPr/>
+      </p:nvGrpSpPr>
+      <p:grpSpPr>
+        <a:xfrm>
+          <a:off x="0" y="0"/>
+          <a:ext cx="0" cy="0"/>
+          <a:chOff x="0" y="0"/>
+          <a:chExt cx="0" cy="0"/>
+        </a:xfrm>
+      </p:grpSpPr>
+      <p:sp>
+        <p:nvSpPr>
+          <p:cNvPr id="2" name="Slide Image Placeholder 1"/>
+          <p:cNvSpPr>
+            <a:spLocks noGrp="1" noRot="1" noChangeAspect="1"/>
+          </p:cNvSpPr>
+          <p:nvPr>
+            <p:ph type="sldImg"/>
+          </p:nvPr>
+        </p:nvSpPr>
+        <p:spPr/>
+      </p:sp>
+      <p:sp>
+        <p:nvSpPr>
+          <p:cNvPr id="3" name="Notes Placeholder 2"/>
+          <p:cNvSpPr>
+            <a:spLocks noGrp="1"/>
+          </p:cNvSpPr>
+          <p:nvPr>
+            <p:ph type="body" idx="1"/>
+          </p:nvPr>
+        </p:nvSpPr>
+        <p:spPr/>
+        <p:txBody>
+          <a:bodyPr/>
+          <a:lstStyle/>
+          <a:p>
+            <a:pPr marL="0" marR="0" lvl="0" indent="0" algn="l" defTabSz="914400" rtl="0" eaLnBrk="1" fontAlgn="auto" latinLnBrk="0" hangingPunct="1">
+              <a:lnSpc>
+                <a:spcPct val="100000"/>
+              </a:lnSpc>
+              <a:spcBef>
+                <a:spcPts val="0"/>
+              </a:spcBef>
+              <a:spcAft>
+                <a:spcPts val="0"/>
+              </a:spcAft>
+              <a:buClrTx/>
+              <a:buSzTx/>
+              <a:buFontTx/>
+              <a:buNone/>
+              <a:tabLst/>
+              <a:defRPr/>
+            </a:pPr>
+            <a:r>
+              <a:rPr lang="en-US"/>
+              <a:t>Allowed network to learn connection between a guess and how far away it is from winning</a:t>
+            </a:r>
+          </a:p>
+          <a:p>
+            <a:endParaRPr lang="en-US"/>
+          </a:p>
+        </p:txBody>
+      </p:sp>
+      <p:sp>
+        <p:nvSpPr>
+          <p:cNvPr id="4" name="Slide Number Placeholder 3"/>
+          <p:cNvSpPr>
+            <a:spLocks noGrp="1"/>
+          </p:cNvSpPr>
+          <p:nvPr>
+            <p:ph type="sldNum" sz="quarter" idx="5"/>
+          </p:nvPr>
+        </p:nvSpPr>
+        <p:spPr/>
+        <p:txBody>
+          <a:bodyPr/>
+          <a:lstStyle/>
+          <a:p>
+            <a:fld id="{9427C16B-CC77-47B4-B653-D01F2B647ACF}" type="slidenum">
+              <a:rPr lang="en-US" smtClean="0"/>
+              <a:t>15</a:t>
+            </a:fld>
+            <a:endParaRPr lang="en-US"/>
+          </a:p>
+        </p:txBody>
+      </p:sp>
+    </p:spTree>
+    <p:extLst>
+      <p:ext uri="{BB962C8B-B14F-4D97-AF65-F5344CB8AC3E}">
+        <p14:creationId xmlns:p14="http://schemas.microsoft.com/office/powerpoint/2010/main" val="2743335074"/>
       </p:ext>
     </p:extLst>
   </p:cSld>
@@ -36368,7 +36537,6 @@
               <a:rPr lang="en-US"/>
               <a:t>Click icon to add picture</a:t>
             </a:r>
-            <a:endParaRPr lang="en-US" dirty="0"/>
           </a:p>
         </p:txBody>
       </p:sp>
@@ -37012,7 +37180,7 @@
           <a:p>
             <a:pPr lvl="0"/>
             <a:r>
-              <a:rPr lang="en-US" dirty="0"/>
+              <a:rPr lang="en-US"/>
               <a:t>“</a:t>
             </a:r>
           </a:p>
@@ -37059,7 +37227,7 @@
           <a:p>
             <a:pPr lvl="0"/>
             <a:r>
-              <a:rPr lang="en-US" dirty="0"/>
+              <a:rPr lang="en-US"/>
               <a:t>”</a:t>
             </a:r>
           </a:p>
@@ -38141,7 +38309,6 @@
               <a:rPr lang="en-US"/>
               <a:t>Click icon to add picture</a:t>
             </a:r>
-            <a:endParaRPr lang="en-US" dirty="0"/>
           </a:p>
         </p:txBody>
       </p:sp>
@@ -38361,7 +38528,6 @@
               <a:rPr lang="en-US"/>
               <a:t>Click icon to add picture</a:t>
             </a:r>
-            <a:endParaRPr lang="en-US" dirty="0"/>
           </a:p>
         </p:txBody>
       </p:sp>
@@ -38581,7 +38747,6 @@
               <a:rPr lang="en-US"/>
               <a:t>Click icon to add picture</a:t>
             </a:r>
-            <a:endParaRPr lang="en-US" dirty="0"/>
           </a:p>
         </p:txBody>
       </p:sp>
@@ -40929,7 +41094,6 @@
               <a:rPr lang="en-US"/>
               <a:t>Click icon to add picture</a:t>
             </a:r>
-            <a:endParaRPr lang="en-US" dirty="0"/>
           </a:p>
         </p:txBody>
       </p:sp>
@@ -42055,7 +42219,7 @@
           <a:lstStyle/>
           <a:p>
             <a:pPr algn="ctr"/>
-            <a:endParaRPr lang="en-US"/>
+            <a:endParaRPr lang="en-US" dirty="0"/>
           </a:p>
         </p:txBody>
       </p:sp>
@@ -42415,7 +42579,7 @@
           <a:lstStyle/>
           <a:p>
             <a:pPr algn="ctr"/>
-            <a:endParaRPr lang="en-US">
+            <a:endParaRPr lang="en-US" dirty="0">
               <a:solidFill>
                 <a:schemeClr val="tx1"/>
               </a:solidFill>
@@ -42957,7 +43121,7 @@
           <a:lstStyle/>
           <a:p>
             <a:pPr algn="ctr"/>
-            <a:endParaRPr lang="en-US"/>
+            <a:endParaRPr lang="en-US" dirty="0"/>
           </a:p>
         </p:txBody>
       </p:sp>
@@ -43501,7 +43665,7 @@
           <a:lstStyle/>
           <a:p>
             <a:r>
-              <a:rPr lang="en-US" dirty="0"/>
+              <a:rPr lang="en-US"/>
               <a:t>   </a:t>
             </a:r>
           </a:p>
@@ -43608,10 +43772,10 @@
           </a:lstStyle>
           <a:p>
             <a:r>
-              <a:rPr lang="en-US" dirty="0"/>
+              <a:rPr lang="en-US"/>
               <a:t>Temporal Difference or Monte Carlo?</a:t>
             </a:r>
-            <a:endParaRPr lang="en-US" sz="4000" dirty="0"/>
+            <a:endParaRPr lang="en-US" sz="4000"/>
           </a:p>
         </p:txBody>
       </p:sp>
@@ -43645,37 +43809,37 @@
             <a:pPr marL="342900" indent="-342900">
               <a:buAutoNum type="arabicParenR" startAt="3"/>
             </a:pPr>
-            <a:endParaRPr lang="en-US" dirty="0"/>
+            <a:endParaRPr lang="en-US"/>
           </a:p>
           <a:p>
             <a:r>
-              <a:rPr lang="en-US" dirty="0"/>
+              <a:rPr lang="en-US"/>
               <a:t>  </a:t>
             </a:r>
           </a:p>
           <a:p>
             <a:r>
-              <a:rPr lang="en-US" dirty="0"/>
+              <a:rPr lang="en-US"/>
               <a:t>   </a:t>
             </a:r>
           </a:p>
           <a:p>
-            <a:endParaRPr lang="en-US" dirty="0"/>
+            <a:endParaRPr lang="en-US"/>
           </a:p>
           <a:p>
-            <a:endParaRPr lang="en-US" dirty="0"/>
+            <a:endParaRPr lang="en-US"/>
           </a:p>
           <a:p>
-            <a:endParaRPr lang="en-US" dirty="0"/>
+            <a:endParaRPr lang="en-US"/>
           </a:p>
           <a:p>
-            <a:endParaRPr lang="en-US" dirty="0"/>
+            <a:endParaRPr lang="en-US"/>
           </a:p>
           <a:p>
-            <a:endParaRPr lang="en-US" dirty="0"/>
+            <a:endParaRPr lang="en-US"/>
           </a:p>
           <a:p>
-            <a:endParaRPr lang="en-US" dirty="0"/>
+            <a:endParaRPr lang="en-US"/>
           </a:p>
         </p:txBody>
       </p:sp>
@@ -43708,75 +43872,75 @@
           <a:lstStyle/>
           <a:p>
             <a:r>
-              <a:rPr lang="en-US" sz="2400" b="1" dirty="0"/>
+              <a:rPr lang="en-US" sz="2400" b="1"/>
               <a:t>Temporal Difference: </a:t>
             </a:r>
             <a:r>
-              <a:rPr lang="en-US" sz="2400" dirty="0"/>
+              <a:rPr lang="en-US" sz="2400"/>
               <a:t>updates model after each guess</a:t>
             </a:r>
           </a:p>
           <a:p>
-            <a:endParaRPr lang="en-US" sz="2400" dirty="0"/>
+            <a:endParaRPr lang="en-US" sz="2400"/>
           </a:p>
           <a:p>
             <a:r>
-              <a:rPr lang="en-US" sz="2400" b="1" dirty="0"/>
+              <a:rPr lang="en-US" sz="2400" b="1"/>
               <a:t>Monte Carlo</a:t>
             </a:r>
             <a:r>
-              <a:rPr lang="en-US" sz="2400" dirty="0"/>
+              <a:rPr lang="en-US" sz="2400"/>
               <a:t>: updates model after each episode</a:t>
             </a:r>
           </a:p>
           <a:p>
-            <a:endParaRPr lang="en-US" sz="2400" dirty="0"/>
+            <a:endParaRPr lang="en-US" sz="2400"/>
           </a:p>
           <a:p>
             <a:r>
-              <a:rPr lang="en-US" sz="2400" dirty="0"/>
+              <a:rPr lang="en-US" sz="2400"/>
               <a:t>Decided on </a:t>
             </a:r>
             <a:r>
-              <a:rPr lang="en-US" sz="2400" b="1" dirty="0"/>
+              <a:rPr lang="en-US" sz="2400" b="1"/>
               <a:t>Monte Carlo </a:t>
             </a:r>
             <a:r>
-              <a:rPr lang="en-US" sz="2400" dirty="0"/>
+              <a:rPr lang="en-US" sz="2400"/>
               <a:t>approach because each episode is short and captures high-quality information</a:t>
             </a:r>
           </a:p>
           <a:p>
-            <a:endParaRPr lang="en-US" sz="2400" dirty="0"/>
+            <a:endParaRPr lang="en-US" sz="2400"/>
           </a:p>
           <a:p>
             <a:r>
-              <a:rPr lang="en-US" sz="2400" dirty="0"/>
+              <a:rPr lang="en-US" sz="2400"/>
               <a:t>NN learns and updates itself using </a:t>
             </a:r>
             <a:r>
-              <a:rPr lang="en-US" sz="2400" b="1" dirty="0"/>
+              <a:rPr lang="en-US" sz="2400" b="1"/>
               <a:t>backpropagation </a:t>
             </a:r>
             <a:r>
-              <a:rPr lang="en-US" sz="2400" dirty="0"/>
+              <a:rPr lang="en-US" sz="2400"/>
               <a:t>on the outcome of many games</a:t>
             </a:r>
           </a:p>
           <a:p>
-            <a:endParaRPr lang="en-US" sz="2400" dirty="0"/>
+            <a:endParaRPr lang="en-US" sz="2400"/>
           </a:p>
           <a:p>
-            <a:endParaRPr lang="en-US" sz="2400" dirty="0"/>
+            <a:endParaRPr lang="en-US" sz="2400"/>
           </a:p>
           <a:p>
-            <a:endParaRPr lang="en-US" sz="2400" dirty="0"/>
+            <a:endParaRPr lang="en-US" sz="2400"/>
           </a:p>
           <a:p>
-            <a:endParaRPr lang="en-US" sz="2400" dirty="0"/>
+            <a:endParaRPr lang="en-US" sz="2400"/>
           </a:p>
           <a:p>
-            <a:endParaRPr lang="en-US" sz="2400" dirty="0"/>
+            <a:endParaRPr lang="en-US" sz="2400"/>
           </a:p>
         </p:txBody>
       </p:sp>
@@ -43879,7 +44043,7 @@
           <a:lstStyle/>
           <a:p>
             <a:r>
-              <a:rPr lang="en-US" dirty="0"/>
+              <a:rPr lang="en-US"/>
               <a:t>         </a:t>
             </a:r>
           </a:p>
@@ -43986,10 +44150,10 @@
           </a:lstStyle>
           <a:p>
             <a:r>
-              <a:rPr lang="en-US" dirty="0"/>
+              <a:rPr lang="en-US"/>
               <a:t>Our NN Policy</a:t>
             </a:r>
-            <a:endParaRPr lang="en-US" sz="4000" dirty="0"/>
+            <a:endParaRPr lang="en-US" sz="4000"/>
           </a:p>
         </p:txBody>
       </p:sp>
@@ -44024,7 +44188,7 @@
               <a:buAutoNum type="arabicParenR"/>
             </a:pPr>
             <a:r>
-              <a:rPr lang="en-US" sz="2400" dirty="0"/>
+              <a:rPr lang="en-US" sz="2400"/>
               <a:t>Assign score to each qualified candidate guess based on NN output </a:t>
             </a:r>
           </a:p>
@@ -44033,7 +44197,7 @@
               <a:buAutoNum type="arabicParenR"/>
             </a:pPr>
             <a:r>
-              <a:rPr lang="en-US" sz="2400" dirty="0"/>
+              <a:rPr lang="en-US" sz="2400"/>
               <a:t>Pick guess with best (lowest) score</a:t>
             </a:r>
           </a:p>
@@ -44042,13 +44206,13 @@
               <a:buAutoNum type="arabicParenR"/>
             </a:pPr>
             <a:r>
-              <a:rPr lang="en-US" sz="2400" dirty="0"/>
+              <a:rPr lang="en-US" sz="2400"/>
               <a:t>If it is a winning guess, quit  </a:t>
             </a:r>
           </a:p>
           <a:p>
             <a:r>
-              <a:rPr lang="en-US" sz="2400" dirty="0"/>
+              <a:rPr lang="en-US" sz="2400"/>
               <a:t>2) Based on the response, filters out the candidates list</a:t>
             </a:r>
           </a:p>
@@ -44057,7 +44221,7 @@
               <a:buAutoNum type="arabicParenR" startAt="3"/>
             </a:pPr>
             <a:r>
-              <a:rPr lang="en-US" sz="2400" dirty="0"/>
+              <a:rPr lang="en-US" sz="2400"/>
               <a:t>Return to step 1</a:t>
             </a:r>
           </a:p>
@@ -44065,47 +44229,47 @@
             <a:pPr marL="342900" indent="-342900">
               <a:buAutoNum type="arabicParenR" startAt="3"/>
             </a:pPr>
-            <a:endParaRPr lang="en-US" sz="2400" dirty="0"/>
+            <a:endParaRPr lang="en-US" sz="2400"/>
           </a:p>
           <a:p>
             <a:r>
-              <a:rPr lang="en-US" sz="2400" b="1" dirty="0"/>
+              <a:rPr lang="en-US" sz="2400" b="1"/>
               <a:t>Feature  extraction</a:t>
             </a:r>
             <a:r>
-              <a:rPr lang="en-US" sz="2400" dirty="0"/>
+              <a:rPr lang="en-US" sz="2400"/>
               <a:t>: Any given guess has 15 potential lists of qualifying candidates corresponding to each of the 15 possible responses. The number of elements in each list will be a feature to the NN model.  </a:t>
             </a:r>
           </a:p>
           <a:p>
             <a:r>
-              <a:rPr lang="en-US" sz="2400" dirty="0"/>
+              <a:rPr lang="en-US" sz="2400"/>
               <a:t>  </a:t>
             </a:r>
           </a:p>
           <a:p>
             <a:r>
-              <a:rPr lang="en-US" sz="2400" dirty="0"/>
+              <a:rPr lang="en-US" sz="2400"/>
               <a:t>   </a:t>
             </a:r>
           </a:p>
           <a:p>
-            <a:endParaRPr lang="en-US" sz="2400" dirty="0"/>
+            <a:endParaRPr lang="en-US" sz="2400"/>
           </a:p>
           <a:p>
-            <a:endParaRPr lang="en-US" sz="2400" dirty="0"/>
+            <a:endParaRPr lang="en-US" sz="2400"/>
           </a:p>
           <a:p>
-            <a:endParaRPr lang="en-US" sz="2400" dirty="0"/>
+            <a:endParaRPr lang="en-US" sz="2400"/>
           </a:p>
           <a:p>
-            <a:endParaRPr lang="en-US" sz="2400" dirty="0"/>
+            <a:endParaRPr lang="en-US" sz="2400"/>
           </a:p>
           <a:p>
-            <a:endParaRPr lang="en-US" sz="2400" dirty="0"/>
+            <a:endParaRPr lang="en-US" sz="2400"/>
           </a:p>
           <a:p>
-            <a:endParaRPr lang="en-US" sz="2400" dirty="0"/>
+            <a:endParaRPr lang="en-US" sz="2400"/>
           </a:p>
         </p:txBody>
       </p:sp>
@@ -44152,7 +44316,7 @@
           <a:p>
             <a:pPr algn="ctr"/>
             <a:r>
-              <a:rPr lang="en-US" dirty="0"/>
+              <a:rPr lang="en-US"/>
               <a:t>Guess candidate</a:t>
             </a:r>
           </a:p>
@@ -44248,7 +44412,7 @@
           <a:p>
             <a:pPr algn="ctr"/>
             <a:r>
-              <a:rPr lang="en-US" dirty="0"/>
+              <a:rPr lang="en-US"/>
               <a:t>Feature extraction </a:t>
             </a:r>
           </a:p>
@@ -44330,13 +44494,13 @@
           <a:lstStyle/>
           <a:p>
             <a:r>
-              <a:rPr lang="en-US" dirty="0"/>
+              <a:rPr lang="en-US"/>
               <a:t>14 </a:t>
             </a:r>
           </a:p>
           <a:p>
             <a:r>
-              <a:rPr lang="en-US" dirty="0"/>
+              <a:rPr lang="en-US"/>
               <a:t>Features</a:t>
             </a:r>
           </a:p>
@@ -44418,7 +44582,7 @@
           <a:lstStyle/>
           <a:p>
             <a:r>
-              <a:rPr lang="en-US" dirty="0"/>
+              <a:rPr lang="en-US"/>
               <a:t>NN</a:t>
             </a:r>
           </a:p>
@@ -44453,7 +44617,7 @@
           <a:lstStyle/>
           <a:p>
             <a:r>
-              <a:rPr lang="en-US" dirty="0"/>
+              <a:rPr lang="en-US"/>
               <a:t>NN output (guess score)</a:t>
             </a:r>
           </a:p>
@@ -44666,7 +44830,7 @@
           <a:lstStyle/>
           <a:p>
             <a:r>
-              <a:rPr lang="en-US" dirty="0"/>
+              <a:rPr lang="en-US"/>
               <a:t>Example</a:t>
             </a:r>
           </a:p>
@@ -44805,7 +44969,7 @@
               <a:buNone/>
             </a:pPr>
             <a:r>
-              <a:rPr lang="en-US" sz="2400" dirty="0">
+              <a:rPr lang="en-US" sz="2400">
                 <a:solidFill>
                   <a:prstClr val="white"/>
                 </a:solidFill>
@@ -44824,7 +44988,7 @@
               <a:buSzTx/>
               <a:buNone/>
             </a:pPr>
-            <a:endParaRPr lang="en-US" sz="2400" dirty="0">
+            <a:endParaRPr lang="en-US" sz="2400">
               <a:solidFill>
                 <a:prstClr val="white"/>
               </a:solidFill>
@@ -44841,7 +45005,7 @@
               <a:buSzTx/>
               <a:buNone/>
             </a:pPr>
-            <a:endParaRPr lang="en-US" sz="2400" dirty="0">
+            <a:endParaRPr lang="en-US" sz="2400">
               <a:solidFill>
                 <a:prstClr val="white"/>
               </a:solidFill>
@@ -44859,7 +45023,7 @@
               <a:buNone/>
             </a:pPr>
             <a:r>
-              <a:rPr lang="en-US" sz="2400" dirty="0">
+              <a:rPr lang="en-US" sz="2400">
                 <a:solidFill>
                   <a:prstClr val="white"/>
                 </a:solidFill>
@@ -44879,7 +45043,7 @@
               <a:buNone/>
             </a:pPr>
             <a:r>
-              <a:rPr lang="en-US" sz="2400" dirty="0">
+              <a:rPr lang="en-US" sz="2400">
                 <a:solidFill>
                   <a:prstClr val="white"/>
                 </a:solidFill>
@@ -44899,7 +45063,7 @@
               <a:buNone/>
             </a:pPr>
             <a:r>
-              <a:rPr lang="en-US" sz="2400" dirty="0">
+              <a:rPr lang="en-US" sz="2400">
                 <a:solidFill>
                   <a:prstClr val="white"/>
                 </a:solidFill>
@@ -44919,7 +45083,7 @@
               <a:buNone/>
             </a:pPr>
             <a:r>
-              <a:rPr lang="en-US" sz="2400" dirty="0">
+              <a:rPr lang="en-US" sz="2400">
                 <a:solidFill>
                   <a:prstClr val="white"/>
                 </a:solidFill>
@@ -44939,7 +45103,7 @@
               <a:buNone/>
             </a:pPr>
             <a:r>
-              <a:rPr lang="en-US" sz="2400" dirty="0">
+              <a:rPr lang="en-US" sz="2400">
                 <a:solidFill>
                   <a:prstClr val="white"/>
                 </a:solidFill>
@@ -44958,7 +45122,7 @@
               <a:buSzTx/>
               <a:buNone/>
             </a:pPr>
-            <a:endParaRPr lang="en-US" sz="2400" dirty="0">
+            <a:endParaRPr lang="en-US" sz="2400">
               <a:solidFill>
                 <a:prstClr val="white"/>
               </a:solidFill>
@@ -44976,7 +45140,7 @@
               <a:buNone/>
             </a:pPr>
             <a:r>
-              <a:rPr lang="en-US" sz="2400" dirty="0">
+              <a:rPr lang="en-US" sz="2400">
                 <a:solidFill>
                   <a:prstClr val="white"/>
                 </a:solidFill>
@@ -44996,7 +45160,7 @@
               <a:buNone/>
             </a:pPr>
             <a:r>
-              <a:rPr lang="en-US" sz="2400" dirty="0">
+              <a:rPr lang="en-US" sz="2400">
                 <a:solidFill>
                   <a:prstClr val="white"/>
                 </a:solidFill>
@@ -45010,7 +45174,7 @@
             <a:pPr marL="0" indent="0" algn="ctr">
               <a:buNone/>
             </a:pPr>
-            <a:endParaRPr lang="en-US" sz="2400" dirty="0"/>
+            <a:endParaRPr lang="en-US" sz="2400"/>
           </a:p>
         </p:txBody>
       </p:sp>
@@ -45066,7 +45230,7 @@
           <a:lstStyle/>
           <a:p>
             <a:r>
-              <a:rPr lang="en-US" dirty="0"/>
+              <a:rPr lang="en-US"/>
               <a:t>         </a:t>
             </a:r>
           </a:p>
@@ -45173,10 +45337,10 @@
           </a:lstStyle>
           <a:p>
             <a:r>
-              <a:rPr lang="en-US" dirty="0"/>
+              <a:rPr lang="en-US"/>
               <a:t>Training the NN – MCTS approach   </a:t>
             </a:r>
-            <a:endParaRPr lang="en-US" sz="4000" dirty="0"/>
+            <a:endParaRPr lang="en-US" sz="4000"/>
           </a:p>
         </p:txBody>
       </p:sp>
@@ -45207,37 +45371,37 @@
           </a:bodyPr>
           <a:lstStyle/>
           <a:p>
-            <a:endParaRPr lang="en-US" dirty="0"/>
+            <a:endParaRPr lang="en-US"/>
           </a:p>
           <a:p>
             <a:r>
-              <a:rPr lang="en-US" dirty="0"/>
+              <a:rPr lang="en-US"/>
               <a:t>  </a:t>
             </a:r>
           </a:p>
           <a:p>
             <a:r>
-              <a:rPr lang="en-US" dirty="0"/>
+              <a:rPr lang="en-US"/>
               <a:t>   </a:t>
             </a:r>
           </a:p>
           <a:p>
-            <a:endParaRPr lang="en-US" dirty="0"/>
+            <a:endParaRPr lang="en-US"/>
           </a:p>
           <a:p>
-            <a:endParaRPr lang="en-US" dirty="0"/>
+            <a:endParaRPr lang="en-US"/>
           </a:p>
           <a:p>
-            <a:endParaRPr lang="en-US" dirty="0"/>
+            <a:endParaRPr lang="en-US"/>
           </a:p>
           <a:p>
-            <a:endParaRPr lang="en-US" dirty="0"/>
+            <a:endParaRPr lang="en-US"/>
           </a:p>
           <a:p>
-            <a:endParaRPr lang="en-US" dirty="0"/>
+            <a:endParaRPr lang="en-US"/>
           </a:p>
           <a:p>
-            <a:endParaRPr lang="en-US" dirty="0"/>
+            <a:endParaRPr lang="en-US"/>
           </a:p>
         </p:txBody>
       </p:sp>
@@ -45256,7 +45420,7 @@
         <p:spPr>
           <a:xfrm>
             <a:off x="518452" y="1275879"/>
-            <a:ext cx="11015457" cy="4247317"/>
+            <a:ext cx="11444946" cy="4893647"/>
           </a:xfrm>
           <a:prstGeom prst="rect">
             <a:avLst/>
@@ -45270,51 +45434,45 @@
           <a:lstStyle/>
           <a:p>
             <a:r>
-              <a:rPr lang="en-US" dirty="0"/>
-              <a:t>Inspired by MTCS, we initially generated  game episodes using the random play strategy. </a:t>
+              <a:rPr lang="en-US" sz="2400" dirty="0"/>
+              <a:t>Initially generated game episodes using the random play strategy (inspired by MTCS)</a:t>
             </a:r>
           </a:p>
           <a:p>
+            <a:endParaRPr lang="en-US" sz="2400" dirty="0"/>
+          </a:p>
+          <a:p>
             <a:r>
-              <a:rPr lang="en-US" dirty="0"/>
-              <a:t>Each guess  in the game was converted to its features (see previous slide) while the number of guesses reminds  to the end of the episodes  (winning ) was used as a label.</a:t>
+              <a:rPr lang="en-US" sz="2400" dirty="0"/>
+              <a:t>Each guess was converted to its features and the number of guesses remaining to the winning condition was used as a label</a:t>
             </a:r>
           </a:p>
           <a:p>
-            <a:endParaRPr lang="en-US" dirty="0"/>
+            <a:endParaRPr lang="en-US" sz="2400" dirty="0"/>
           </a:p>
           <a:p>
             <a:r>
-              <a:rPr lang="en-US" dirty="0"/>
-              <a:t>That way the network could learn  the connection between a guess(represented by its features)  and how far it is from winning.</a:t>
+              <a:rPr lang="en-US" sz="2400" dirty="0"/>
+              <a:t>Gameplay output used to train the network continually after initial training</a:t>
             </a:r>
           </a:p>
           <a:p>
-            <a:endParaRPr lang="en-US" dirty="0"/>
+            <a:endParaRPr lang="en-US" sz="2400" dirty="0"/>
           </a:p>
           <a:p>
-            <a:r>
-              <a:rPr lang="en-US" dirty="0"/>
-              <a:t>After the NN was trained with initial data – we started playing games with it and its output was used as more training examples to train the network again and again.</a:t>
-            </a:r>
+            <a:endParaRPr lang="en-US" sz="2400" dirty="0"/>
           </a:p>
           <a:p>
-            <a:endParaRPr lang="en-US" dirty="0"/>
+            <a:endParaRPr lang="en-US" sz="2400" dirty="0"/>
           </a:p>
           <a:p>
-            <a:endParaRPr lang="en-US" dirty="0"/>
+            <a:endParaRPr lang="en-US" sz="2400" dirty="0"/>
           </a:p>
           <a:p>
-            <a:endParaRPr lang="en-US" dirty="0"/>
+            <a:endParaRPr lang="en-US" sz="2400" dirty="0"/>
           </a:p>
           <a:p>
-            <a:endParaRPr lang="en-US" dirty="0"/>
-          </a:p>
-          <a:p>
-            <a:endParaRPr lang="en-US" dirty="0"/>
-          </a:p>
-          <a:p>
-            <a:endParaRPr lang="en-US" dirty="0"/>
+            <a:endParaRPr lang="en-US" sz="2400" dirty="0"/>
           </a:p>
         </p:txBody>
       </p:sp>
@@ -45361,7 +45519,7 @@
           <a:p>
             <a:pPr algn="ctr"/>
             <a:r>
-              <a:rPr lang="en-US" dirty="0"/>
+              <a:rPr lang="en-US"/>
               <a:t>Episodes from Random strategy </a:t>
             </a:r>
           </a:p>
@@ -45409,7 +45567,7 @@
           <a:lstStyle/>
           <a:p>
             <a:pPr algn="ctr"/>
-            <a:endParaRPr lang="en-US" dirty="0"/>
+            <a:endParaRPr lang="en-US"/>
           </a:p>
         </p:txBody>
       </p:sp>
@@ -45442,7 +45600,7 @@
           <a:lstStyle/>
           <a:p>
             <a:r>
-              <a:rPr lang="en-US" dirty="0"/>
+              <a:rPr lang="en-US"/>
               <a:t>Training examples </a:t>
             </a:r>
           </a:p>
@@ -45539,7 +45697,7 @@
           <a:lstStyle/>
           <a:p>
             <a:pPr algn="ctr"/>
-            <a:endParaRPr lang="en-US" dirty="0"/>
+            <a:endParaRPr lang="en-US"/>
           </a:p>
         </p:txBody>
       </p:sp>
@@ -45572,7 +45730,7 @@
           <a:lstStyle/>
           <a:p>
             <a:r>
-              <a:rPr lang="en-US" dirty="0"/>
+              <a:rPr lang="en-US"/>
               <a:t>More training examples </a:t>
             </a:r>
           </a:p>
@@ -45671,14 +45829,14 @@
           <a:p>
             <a:pPr algn="ctr"/>
             <a:r>
-              <a:rPr lang="en-US" dirty="0"/>
+              <a:rPr lang="en-US"/>
               <a:t>Generate Episodes from </a:t>
             </a:r>
           </a:p>
           <a:p>
             <a:pPr algn="ctr"/>
             <a:r>
-              <a:rPr lang="en-US" dirty="0"/>
+              <a:rPr lang="en-US"/>
               <a:t>NN Strategy </a:t>
             </a:r>
           </a:p>
@@ -45726,7 +45884,7 @@
           <a:lstStyle/>
           <a:p>
             <a:pPr algn="ctr"/>
-            <a:endParaRPr lang="en-US" dirty="0"/>
+            <a:endParaRPr lang="en-US"/>
           </a:p>
         </p:txBody>
       </p:sp>
@@ -45776,7 +45934,7 @@
           <a:p>
             <a:pPr algn="ctr"/>
             <a:r>
-              <a:rPr lang="en-US" dirty="0"/>
+              <a:rPr lang="en-US"/>
               <a:t>Capture best score</a:t>
             </a:r>
           </a:p>
@@ -45834,7 +45992,7 @@
           <a:lstStyle/>
           <a:p>
             <a:r>
-              <a:rPr lang="en-US" dirty="0"/>
+              <a:rPr lang="en-US"/>
               <a:t>         </a:t>
             </a:r>
           </a:p>
@@ -45941,10 +46099,10 @@
           </a:lstStyle>
           <a:p>
             <a:r>
-              <a:rPr lang="en-US" dirty="0"/>
+              <a:rPr lang="en-US"/>
               <a:t>NN Strategy Results    </a:t>
             </a:r>
-            <a:endParaRPr lang="en-US" sz="4000" dirty="0"/>
+            <a:endParaRPr lang="en-US" sz="4000"/>
           </a:p>
         </p:txBody>
       </p:sp>
@@ -45975,37 +46133,37 @@
           </a:bodyPr>
           <a:lstStyle/>
           <a:p>
-            <a:endParaRPr lang="en-US" dirty="0"/>
+            <a:endParaRPr lang="en-US"/>
           </a:p>
           <a:p>
             <a:r>
-              <a:rPr lang="en-US" dirty="0"/>
+              <a:rPr lang="en-US"/>
               <a:t>  </a:t>
             </a:r>
           </a:p>
           <a:p>
             <a:r>
-              <a:rPr lang="en-US" dirty="0"/>
+              <a:rPr lang="en-US"/>
               <a:t>   </a:t>
             </a:r>
           </a:p>
           <a:p>
-            <a:endParaRPr lang="en-US" dirty="0"/>
+            <a:endParaRPr lang="en-US"/>
           </a:p>
           <a:p>
-            <a:endParaRPr lang="en-US" dirty="0"/>
+            <a:endParaRPr lang="en-US"/>
           </a:p>
           <a:p>
-            <a:endParaRPr lang="en-US" dirty="0"/>
+            <a:endParaRPr lang="en-US"/>
           </a:p>
           <a:p>
-            <a:endParaRPr lang="en-US" dirty="0"/>
+            <a:endParaRPr lang="en-US"/>
           </a:p>
           <a:p>
-            <a:endParaRPr lang="en-US" dirty="0"/>
+            <a:endParaRPr lang="en-US"/>
           </a:p>
           <a:p>
-            <a:endParaRPr lang="en-US" dirty="0"/>
+            <a:endParaRPr lang="en-US"/>
           </a:p>
         </p:txBody>
       </p:sp>
@@ -46069,7 +46227,7 @@
           <a:p>
             <a:pPr algn="ctr"/>
             <a:r>
-              <a:rPr lang="en-US" sz="2400" dirty="0"/>
+              <a:rPr lang="en-US" sz="2400"/>
               <a:t>Averaged 4.386 guesses to win after ~1.7k  iterations !   </a:t>
             </a:r>
           </a:p>
@@ -46128,7 +46286,7 @@
                     <a:lstStyle/>
                     <a:p>
                       <a:r>
-                        <a:rPr lang="en-US" dirty="0"/>
+                        <a:rPr lang="en-US"/>
                         <a:t>Guess to win</a:t>
                       </a:r>
                     </a:p>
@@ -46141,7 +46299,7 @@
                     <a:lstStyle/>
                     <a:p>
                       <a:r>
-                        <a:rPr lang="en-US" dirty="0"/>
+                        <a:rPr lang="en-US"/>
                         <a:t>Total  games </a:t>
                       </a:r>
                     </a:p>
@@ -46161,7 +46319,7 @@
                     <a:lstStyle/>
                     <a:p>
                       <a:r>
-                        <a:rPr lang="en-US" dirty="0"/>
+                        <a:rPr lang="en-US"/>
                         <a:t>1</a:t>
                       </a:r>
                     </a:p>
@@ -46174,7 +46332,7 @@
                     <a:lstStyle/>
                     <a:p>
                       <a:r>
-                        <a:rPr lang="en-US" dirty="0"/>
+                        <a:rPr lang="en-US"/>
                         <a:t>1</a:t>
                       </a:r>
                     </a:p>
@@ -46194,7 +46352,7 @@
                     <a:lstStyle/>
                     <a:p>
                       <a:r>
-                        <a:rPr lang="en-US" dirty="0"/>
+                        <a:rPr lang="en-US"/>
                         <a:t>2</a:t>
                       </a:r>
                     </a:p>
@@ -46207,7 +46365,7 @@
                     <a:lstStyle/>
                     <a:p>
                       <a:r>
-                        <a:rPr lang="en-US" dirty="0"/>
+                        <a:rPr lang="en-US"/>
                         <a:t>13</a:t>
                       </a:r>
                     </a:p>
@@ -46227,7 +46385,7 @@
                     <a:lstStyle/>
                     <a:p>
                       <a:r>
-                        <a:rPr lang="en-US" dirty="0"/>
+                        <a:rPr lang="en-US"/>
                         <a:t>3</a:t>
                       </a:r>
                     </a:p>
@@ -46240,7 +46398,7 @@
                     <a:lstStyle/>
                     <a:p>
                       <a:r>
-                        <a:rPr lang="en-US" dirty="0"/>
+                        <a:rPr lang="en-US"/>
                         <a:t>112</a:t>
                       </a:r>
                     </a:p>
@@ -46260,7 +46418,7 @@
                     <a:lstStyle/>
                     <a:p>
                       <a:r>
-                        <a:rPr lang="en-US" dirty="0"/>
+                        <a:rPr lang="en-US"/>
                         <a:t>4</a:t>
                       </a:r>
                     </a:p>
@@ -46273,7 +46431,7 @@
                     <a:lstStyle/>
                     <a:p>
                       <a:r>
-                        <a:rPr lang="en-US" dirty="0"/>
+                        <a:rPr lang="en-US"/>
                         <a:t>553</a:t>
                       </a:r>
                     </a:p>
@@ -46293,7 +46451,7 @@
                     <a:lstStyle/>
                     <a:p>
                       <a:r>
-                        <a:rPr lang="en-US" dirty="0"/>
+                        <a:rPr lang="en-US"/>
                         <a:t>5</a:t>
                       </a:r>
                     </a:p>
@@ -46306,7 +46464,7 @@
                     <a:lstStyle/>
                     <a:p>
                       <a:r>
-                        <a:rPr lang="en-US" dirty="0"/>
+                        <a:rPr lang="en-US"/>
                         <a:t>592</a:t>
                       </a:r>
                     </a:p>
@@ -46326,7 +46484,7 @@
                     <a:lstStyle/>
                     <a:p>
                       <a:r>
-                        <a:rPr lang="en-US" dirty="0"/>
+                        <a:rPr lang="en-US"/>
                         <a:t>6</a:t>
                       </a:r>
                     </a:p>
@@ -46339,7 +46497,7 @@
                     <a:lstStyle/>
                     <a:p>
                       <a:r>
-                        <a:rPr lang="en-US" dirty="0"/>
+                        <a:rPr lang="en-US"/>
                         <a:t>25</a:t>
                       </a:r>
                     </a:p>
@@ -46385,7 +46543,7 @@
           <a:lstStyle/>
           <a:p>
             <a:r>
-              <a:rPr lang="en-US" sz="2400" dirty="0"/>
+              <a:rPr lang="en-US" sz="2400"/>
               <a:t>Games distribution</a:t>
             </a:r>
           </a:p>
@@ -46443,7 +46601,7 @@
           <a:lstStyle/>
           <a:p>
             <a:r>
-              <a:rPr lang="en-US" dirty="0"/>
+              <a:rPr lang="en-US"/>
               <a:t>         </a:t>
             </a:r>
           </a:p>
@@ -46550,18 +46708,18 @@
           </a:lstStyle>
           <a:p>
             <a:r>
-              <a:rPr lang="en-US" dirty="0"/>
+              <a:rPr lang="en-US"/>
               <a:t>NN Results with </a:t>
             </a:r>
             <a:r>
-              <a:rPr lang="en-US" b="1" dirty="0"/>
+              <a:rPr lang="en-US" b="1"/>
               <a:t>7 </a:t>
             </a:r>
             <a:r>
-              <a:rPr lang="en-US" dirty="0"/>
+              <a:rPr lang="en-US"/>
               <a:t>colors and 4 slots   </a:t>
             </a:r>
-            <a:endParaRPr lang="en-US" sz="4000" dirty="0"/>
+            <a:endParaRPr lang="en-US" sz="4000"/>
           </a:p>
         </p:txBody>
       </p:sp>
@@ -46592,37 +46750,37 @@
           </a:bodyPr>
           <a:lstStyle/>
           <a:p>
-            <a:endParaRPr lang="en-US" dirty="0"/>
+            <a:endParaRPr lang="en-US"/>
           </a:p>
           <a:p>
             <a:r>
-              <a:rPr lang="en-US" dirty="0"/>
+              <a:rPr lang="en-US"/>
               <a:t>  </a:t>
             </a:r>
           </a:p>
           <a:p>
             <a:r>
-              <a:rPr lang="en-US" dirty="0"/>
+              <a:rPr lang="en-US"/>
               <a:t>   </a:t>
             </a:r>
           </a:p>
           <a:p>
-            <a:endParaRPr lang="en-US" dirty="0"/>
+            <a:endParaRPr lang="en-US"/>
           </a:p>
           <a:p>
-            <a:endParaRPr lang="en-US" dirty="0"/>
+            <a:endParaRPr lang="en-US"/>
           </a:p>
           <a:p>
-            <a:endParaRPr lang="en-US" dirty="0"/>
+            <a:endParaRPr lang="en-US"/>
           </a:p>
           <a:p>
-            <a:endParaRPr lang="en-US" dirty="0"/>
+            <a:endParaRPr lang="en-US"/>
           </a:p>
           <a:p>
-            <a:endParaRPr lang="en-US" dirty="0"/>
+            <a:endParaRPr lang="en-US"/>
           </a:p>
           <a:p>
-            <a:endParaRPr lang="en-US" dirty="0"/>
+            <a:endParaRPr lang="en-US"/>
           </a:p>
         </p:txBody>
       </p:sp>
@@ -46656,7 +46814,7 @@
           <a:p>
             <a:pPr algn="ctr"/>
             <a:r>
-              <a:rPr lang="en-US" sz="2400" dirty="0"/>
+              <a:rPr lang="en-US" sz="2400"/>
               <a:t>Averaged 4.775 guesses to win after ~700 iterations!   </a:t>
             </a:r>
           </a:p>
@@ -46744,7 +46902,7 @@
           <a:lstStyle/>
           <a:p>
             <a:r>
-              <a:rPr lang="en-US" dirty="0"/>
+              <a:rPr lang="en-US"/>
               <a:t>         </a:t>
             </a:r>
           </a:p>
@@ -46851,10 +47009,10 @@
           </a:lstStyle>
           <a:p>
             <a:r>
-              <a:rPr lang="en-US" dirty="0"/>
+              <a:rPr lang="en-US"/>
               <a:t>Summary </a:t>
             </a:r>
-            <a:endParaRPr lang="en-US" sz="4000" dirty="0"/>
+            <a:endParaRPr lang="en-US" sz="4000"/>
           </a:p>
         </p:txBody>
       </p:sp>
@@ -46918,7 +47076,7 @@
                     <a:lstStyle/>
                     <a:p>
                       <a:r>
-                        <a:rPr lang="en-US" dirty="0"/>
+                        <a:rPr lang="en-US"/>
                         <a:t>Policy</a:t>
                       </a:r>
                     </a:p>
@@ -46931,7 +47089,7 @@
                     <a:lstStyle/>
                     <a:p>
                       <a:r>
-                        <a:rPr lang="en-US" dirty="0"/>
+                        <a:rPr lang="en-US"/>
                         <a:t>Average # of guesses to win </a:t>
                       </a:r>
                     </a:p>
@@ -46944,7 +47102,7 @@
                     <a:lstStyle/>
                     <a:p>
                       <a:r>
-                        <a:rPr lang="en-US" dirty="0"/>
+                        <a:rPr lang="en-US"/>
                         <a:t>Worst case # of guesses to win </a:t>
                       </a:r>
                     </a:p>
@@ -46964,7 +47122,7 @@
                     <a:lstStyle/>
                     <a:p>
                       <a:r>
-                        <a:rPr lang="en-US" dirty="0"/>
+                        <a:rPr lang="en-US"/>
                         <a:t>Knuth worst case </a:t>
                       </a:r>
                     </a:p>
@@ -46977,7 +47135,7 @@
                     <a:lstStyle/>
                     <a:p>
                       <a:r>
-                        <a:rPr lang="en-US" dirty="0"/>
+                        <a:rPr lang="en-US"/>
                         <a:t>4.476</a:t>
                       </a:r>
                     </a:p>
@@ -46990,7 +47148,7 @@
                     <a:lstStyle/>
                     <a:p>
                       <a:r>
-                        <a:rPr lang="en-US" dirty="0"/>
+                        <a:rPr lang="en-US"/>
                         <a:t>5</a:t>
                       </a:r>
                     </a:p>
@@ -47010,7 +47168,7 @@
                     <a:lstStyle/>
                     <a:p>
                       <a:r>
-                        <a:rPr lang="en-US" sz="1800" b="0" i="0" u="none" strike="noStrike" kern="1200" baseline="0" dirty="0">
+                        <a:rPr lang="en-US" sz="1800" b="0" i="0" u="none" strike="noStrike" kern="1200" baseline="0">
                           <a:solidFill>
                             <a:schemeClr val="dk1"/>
                           </a:solidFill>
@@ -47020,7 +47178,7 @@
                         </a:rPr>
                         <a:t>Expected size</a:t>
                       </a:r>
-                      <a:endParaRPr lang="en-US" dirty="0"/>
+                      <a:endParaRPr lang="en-US"/>
                     </a:p>
                   </a:txBody>
                   <a:tcPr/>
@@ -47031,7 +47189,7 @@
                     <a:lstStyle/>
                     <a:p>
                       <a:r>
-                        <a:rPr lang="en-US" sz="1800" b="0" i="0" u="none" strike="noStrike" kern="1200" baseline="0" dirty="0">
+                        <a:rPr lang="en-US" sz="1800" b="0" i="0" u="none" strike="noStrike" kern="1200" baseline="0">
                           <a:solidFill>
                             <a:schemeClr val="dk1"/>
                           </a:solidFill>
@@ -47041,7 +47199,7 @@
                         </a:rPr>
                         <a:t>4.395</a:t>
                       </a:r>
-                      <a:endParaRPr lang="en-US" dirty="0"/>
+                      <a:endParaRPr lang="en-US"/>
                     </a:p>
                   </a:txBody>
                   <a:tcPr/>
@@ -47052,7 +47210,7 @@
                     <a:lstStyle/>
                     <a:p>
                       <a:r>
-                        <a:rPr lang="en-US" dirty="0"/>
+                        <a:rPr lang="en-US"/>
                         <a:t>6</a:t>
                       </a:r>
                     </a:p>
@@ -47072,7 +47230,7 @@
                     <a:lstStyle/>
                     <a:p>
                       <a:r>
-                        <a:rPr lang="en-US" dirty="0"/>
+                        <a:rPr lang="en-US"/>
                         <a:t>Entropy </a:t>
                       </a:r>
                     </a:p>
@@ -47085,7 +47243,7 @@
                     <a:lstStyle/>
                     <a:p>
                       <a:r>
-                        <a:rPr lang="en-US" sz="1800" b="0" i="0" u="none" strike="noStrike" kern="1200" baseline="0" dirty="0">
+                        <a:rPr lang="en-US" sz="1800" b="0" i="0" u="none" strike="noStrike" kern="1200" baseline="0">
                           <a:solidFill>
                             <a:schemeClr val="dk1"/>
                           </a:solidFill>
@@ -47095,7 +47253,7 @@
                         </a:rPr>
                         <a:t>4.415</a:t>
                       </a:r>
-                      <a:endParaRPr lang="en-US" dirty="0"/>
+                      <a:endParaRPr lang="en-US"/>
                     </a:p>
                   </a:txBody>
                   <a:tcPr/>
@@ -47106,7 +47264,7 @@
                     <a:lstStyle/>
                     <a:p>
                       <a:r>
-                        <a:rPr lang="en-US" dirty="0"/>
+                        <a:rPr lang="en-US"/>
                         <a:t>6</a:t>
                       </a:r>
                     </a:p>
@@ -47126,7 +47284,7 @@
                     <a:lstStyle/>
                     <a:p>
                       <a:r>
-                        <a:rPr lang="en-US" dirty="0"/>
+                        <a:rPr lang="en-US"/>
                         <a:t>Most parts </a:t>
                       </a:r>
                     </a:p>
@@ -47139,7 +47297,7 @@
                     <a:lstStyle/>
                     <a:p>
                       <a:r>
-                        <a:rPr lang="en-US" sz="1800" b="0" i="0" u="none" strike="noStrike" kern="1200" baseline="0" dirty="0">
+                        <a:rPr lang="en-US" sz="1800" b="0" i="0" u="none" strike="noStrike" kern="1200" baseline="0">
                           <a:solidFill>
                             <a:schemeClr val="dk1"/>
                           </a:solidFill>
@@ -47149,7 +47307,7 @@
                         </a:rPr>
                         <a:t>4.373</a:t>
                       </a:r>
-                      <a:endParaRPr lang="en-US" dirty="0"/>
+                      <a:endParaRPr lang="en-US"/>
                     </a:p>
                   </a:txBody>
                   <a:tcPr/>
@@ -47160,7 +47318,7 @@
                     <a:lstStyle/>
                     <a:p>
                       <a:r>
-                        <a:rPr lang="en-US" dirty="0"/>
+                        <a:rPr lang="en-US"/>
                         <a:t>6</a:t>
                       </a:r>
                     </a:p>
@@ -47180,17 +47338,17 @@
                     <a:lstStyle/>
                     <a:p>
                       <a:r>
-                        <a:rPr lang="en-US" dirty="0"/>
+                        <a:rPr lang="en-US"/>
                         <a:t>Optimal (</a:t>
                       </a:r>
                       <a:r>
-                        <a:rPr lang="en-US" dirty="0">
+                        <a:rPr lang="en-US">
                           <a:hlinkClick r:id="rId2"/>
                         </a:rPr>
                         <a:t>Koyoma and Lai</a:t>
                       </a:r>
                       <a:r>
-                        <a:rPr lang="en-US" dirty="0"/>
+                        <a:rPr lang="en-US"/>
                         <a:t>)</a:t>
                       </a:r>
                     </a:p>
@@ -47203,7 +47361,7 @@
                     <a:lstStyle/>
                     <a:p>
                       <a:r>
-                        <a:rPr lang="en-US" dirty="0"/>
+                        <a:rPr lang="en-US"/>
                         <a:t>4.340</a:t>
                       </a:r>
                     </a:p>
@@ -47216,7 +47374,7 @@
                     <a:lstStyle/>
                     <a:p>
                       <a:r>
-                        <a:rPr lang="en-US" dirty="0"/>
+                        <a:rPr lang="en-US"/>
                         <a:t>6</a:t>
                       </a:r>
                     </a:p>
@@ -47236,7 +47394,7 @@
                     <a:lstStyle/>
                     <a:p>
                       <a:r>
-                        <a:rPr lang="en-US" b="1" dirty="0">
+                        <a:rPr lang="en-US" b="1">
                           <a:solidFill>
                             <a:schemeClr val="bg1"/>
                           </a:solidFill>
@@ -47253,7 +47411,7 @@
                     <a:lstStyle/>
                     <a:p>
                       <a:r>
-                        <a:rPr lang="en-US" b="1" dirty="0">
+                        <a:rPr lang="en-US" b="1">
                           <a:solidFill>
                             <a:schemeClr val="bg1"/>
                           </a:solidFill>
@@ -47270,7 +47428,7 @@
                     <a:lstStyle/>
                     <a:p>
                       <a:r>
-                        <a:rPr lang="en-US" b="1" dirty="0">
+                        <a:rPr lang="en-US" b="1">
                           <a:solidFill>
                             <a:schemeClr val="bg1"/>
                           </a:solidFill>
@@ -47294,7 +47452,7 @@
                     <a:lstStyle/>
                     <a:p>
                       <a:r>
-                        <a:rPr lang="en-US" b="1" dirty="0">
+                        <a:rPr lang="en-US" b="1">
                           <a:solidFill>
                             <a:schemeClr val="bg1"/>
                           </a:solidFill>
@@ -47311,7 +47469,7 @@
                     <a:lstStyle/>
                     <a:p>
                       <a:r>
-                        <a:rPr lang="en-US" b="1" dirty="0">
+                        <a:rPr lang="en-US" b="1">
                           <a:solidFill>
                             <a:schemeClr val="bg1"/>
                           </a:solidFill>
@@ -47328,7 +47486,7 @@
                     <a:lstStyle/>
                     <a:p>
                       <a:r>
-                        <a:rPr lang="en-US" b="1" dirty="0">
+                        <a:rPr lang="en-US" b="1">
                           <a:solidFill>
                             <a:schemeClr val="bg1"/>
                           </a:solidFill>
@@ -47382,7 +47540,7 @@
               <a:buChar char="•"/>
             </a:pPr>
             <a:r>
-              <a:rPr lang="en-US" sz="2400" dirty="0"/>
+              <a:rPr lang="en-US" sz="2400"/>
               <a:t>NN strategy competitive with existing state of the art policies</a:t>
             </a:r>
           </a:p>
@@ -47392,7 +47550,7 @@
               <a:buChar char="•"/>
             </a:pPr>
             <a:r>
-              <a:rPr lang="en-US" sz="2400" dirty="0"/>
+              <a:rPr lang="en-US" sz="2400"/>
               <a:t>Revised Knuth policy improved average score with same worst case score</a:t>
             </a:r>
           </a:p>
@@ -47793,7 +47951,7 @@
           <a:p>
             <a:r>
               <a:rPr lang="en-US" sz="2400" dirty="0"/>
-              <a:t>Codebreaking game for two players:</a:t>
+              <a:t>Codebreaking game for two players</a:t>
             </a:r>
           </a:p>
           <a:p>
@@ -47859,9 +48017,10 @@
           </a:p>
           <a:p>
             <a:r>
-              <a:rPr lang="en-US" sz="2400" dirty="0"/>
-              <a:t>Example:</a:t>
+              <a:rPr lang="en-US" sz="2400" b="1" dirty="0"/>
+              <a:t>Example</a:t>
             </a:r>
+            <a:endParaRPr lang="en-US" sz="2400" dirty="0"/>
           </a:p>
           <a:p>
             <a:pPr marL="914400" lvl="1" indent="-457200">
@@ -48016,7 +48175,7 @@
         <p:spPr>
           <a:xfrm>
             <a:off x="388690" y="1495547"/>
-            <a:ext cx="10711701" cy="3416320"/>
+            <a:ext cx="10711701" cy="4524315"/>
           </a:xfrm>
           <a:prstGeom prst="rect">
             <a:avLst/>
@@ -48029,61 +48188,75 @@
           </a:bodyPr>
           <a:lstStyle/>
           <a:p>
-            <a:pPr marL="342900" indent="-342900">
-              <a:buFont typeface="Arial" panose="020B0604020202020204" pitchFamily="34" charset="0"/>
-              <a:buChar char="•"/>
-            </a:pPr>
             <a:r>
               <a:rPr lang="en-US" sz="2400" dirty="0"/>
-              <a:t>A Mastermind playing policy (s): a guess choosing algorithm in each turn of the game until the secret code is guessed (win condition)</a:t>
+              <a:t>A guess choosing algorithm </a:t>
+            </a:r>
+            <a:r>
+              <a:rPr lang="en-US" sz="2400" b="1" dirty="0"/>
+              <a:t>(s) </a:t>
+            </a:r>
+            <a:r>
+              <a:rPr lang="en-US" sz="2400" dirty="0"/>
+              <a:t>used on each turn of the game until winning condition is reached</a:t>
             </a:r>
           </a:p>
           <a:p>
-            <a:pPr marL="342900" indent="-342900">
-              <a:buFont typeface="Arial" panose="020B0604020202020204" pitchFamily="34" charset="0"/>
-              <a:buChar char="•"/>
-            </a:pPr>
+            <a:endParaRPr lang="en-US" sz="2400" dirty="0"/>
+          </a:p>
+          <a:p>
             <a:r>
-              <a:rPr lang="en-US" sz="2400" i="1" dirty="0"/>
+              <a:rPr lang="en-US" sz="2400" b="1" i="1" dirty="0"/>
               <a:t>s</a:t>
             </a:r>
             <a:r>
               <a:rPr lang="en-US" sz="2400" dirty="0"/>
-              <a:t> is a list of qualifying guess candidates that are consistent with previous guesses and responses </a:t>
+              <a:t> is a list of qualifying guess candidates</a:t>
             </a:r>
           </a:p>
           <a:p>
-            <a:pPr marL="342900" indent="-342900">
-              <a:buFont typeface="Arial" panose="020B0604020202020204" pitchFamily="34" charset="0"/>
-              <a:buChar char="•"/>
-            </a:pPr>
+            <a:endParaRPr lang="en-US" sz="2400" dirty="0"/>
+          </a:p>
+          <a:p>
+            <a:endParaRPr lang="en-US" sz="2400" dirty="0"/>
+          </a:p>
+          <a:p>
+            <a:r>
+              <a:rPr lang="en-US" sz="2400" b="1" dirty="0"/>
+              <a:t>Example</a:t>
+            </a:r>
+            <a:endParaRPr lang="en-US" sz="2400" dirty="0"/>
+          </a:p>
+          <a:p>
+            <a:pPr algn="ctr"/>
             <a:r>
               <a:rPr lang="en-US" sz="2400" dirty="0"/>
-              <a:t>Example: a guess of {</a:t>
+              <a:t>Guess {Red, Red, Green, Green </a:t>
             </a:r>
             <a:r>
-              <a:rPr lang="en-US" sz="2400" dirty="0" err="1"/>
-              <a:t>Red,Red,Green,Green</a:t>
+              <a:rPr lang="en-US" sz="2400" dirty="0">
+                <a:sym typeface="Wingdings" pitchFamily="2" charset="2"/>
+              </a:rPr>
+              <a:t> </a:t>
             </a:r>
             <a:r>
               <a:rPr lang="en-US" sz="2400" dirty="0"/>
-              <a:t> with a response of {0,1} we know that {</a:t>
+              <a:t> response of {0,1} </a:t>
             </a:r>
-            <a:r>
-              <a:rPr lang="en-US" sz="2400" dirty="0" err="1"/>
-              <a:t>Red,Red</a:t>
-            </a:r>
+          </a:p>
+          <a:p>
+            <a:pPr algn="ctr"/>
+            <a:endParaRPr lang="en-US" sz="2400" dirty="0"/>
+          </a:p>
+          <a:p>
+            <a:pPr algn="ctr"/>
+            <a:endParaRPr lang="en-US" sz="2400" dirty="0"/>
+          </a:p>
+          <a:p>
+            <a:pPr algn="ctr"/>
             <a:r>
               <a:rPr lang="en-US" sz="2400" dirty="0"/>
-              <a:t>, Red, Red}  is not consistent but {</a:t>
-            </a:r>
-            <a:r>
-              <a:rPr lang="en-US" sz="2400" dirty="0" err="1"/>
-              <a:t>Green,Blue,Blue,Blue</a:t>
-            </a:r>
-            <a:r>
-              <a:rPr lang="en-US" sz="2400" dirty="0"/>
-              <a:t>} is.</a:t>
+              <a:t>{Red, Red, Red, Red}  is not consistent but {Green, Blue, Blue, Blue} is</a:t>
             </a:r>
           </a:p>
           <a:p>
@@ -48202,6 +48375,47 @@
           </a:p>
         </p:txBody>
       </p:sp>
+      <p:cxnSp>
+        <p:nvCxnSpPr>
+          <p:cNvPr id="4" name="Straight Arrow Connector 3">
+            <a:extLst>
+              <a:ext uri="{FF2B5EF4-FFF2-40B4-BE49-F238E27FC236}">
+                <a16:creationId xmlns:a16="http://schemas.microsoft.com/office/drawing/2014/main" id="{6E9F7F0D-6A44-C04C-B208-FD90D244A18F}"/>
+              </a:ext>
+            </a:extLst>
+          </p:cNvPr>
+          <p:cNvCxnSpPr>
+            <a:cxnSpLocks/>
+          </p:cNvCxnSpPr>
+          <p:nvPr/>
+        </p:nvCxnSpPr>
+        <p:spPr>
+          <a:xfrm>
+            <a:off x="5665027" y="4532244"/>
+            <a:ext cx="0" cy="695739"/>
+          </a:xfrm>
+          <a:prstGeom prst="straightConnector1">
+            <a:avLst/>
+          </a:prstGeom>
+          <a:ln w="38100">
+            <a:tailEnd type="triangle"/>
+          </a:ln>
+        </p:spPr>
+        <p:style>
+          <a:lnRef idx="1">
+            <a:schemeClr val="accent1"/>
+          </a:lnRef>
+          <a:fillRef idx="0">
+            <a:schemeClr val="accent1"/>
+          </a:fillRef>
+          <a:effectRef idx="0">
+            <a:schemeClr val="accent1"/>
+          </a:effectRef>
+          <a:fontRef idx="minor">
+            <a:schemeClr val="tx1"/>
+          </a:fontRef>
+        </p:style>
+      </p:cxnSp>
     </p:spTree>
     <p:extLst>
       <p:ext uri="{BB962C8B-B14F-4D97-AF65-F5344CB8AC3E}">
@@ -48416,10 +48630,16 @@
               <a:rPr lang="en-US" sz="2400" dirty="0">
                 <a:hlinkClick r:id="rId4"/>
               </a:rPr>
-              <a:t>Koyoma and Lai, 1993  </a:t>
+              <a:t>Koyoma</a:t>
             </a:r>
             <a:r>
-              <a:rPr lang="en-US" sz="2400" dirty="0"/>
+              <a:rPr lang="en-US" sz="2400">
+                <a:hlinkClick r:id="rId4"/>
+              </a:rPr>
+              <a:t> and Lai, 1993  </a:t>
+            </a:r>
+            <a:r>
+              <a:rPr lang="en-US" sz="2400"/>
               <a:t>found an optimal strategy that wins in 6 guesses worst case and 4.34 guesses on average</a:t>
             </a:r>
           </a:p>
